--- a/OCP17/old progress/Chapter 9 - Collections and Generics.pptx
+++ b/OCP17/old progress/Chapter 9 - Collections and Generics.pptx
@@ -5,7 +5,7 @@
     <p:sldMasterId id="2147483648" r:id="rId1"/>
   </p:sldMasterIdLst>
   <p:notesMasterIdLst>
-    <p:notesMasterId r:id="rId24"/>
+    <p:notesMasterId r:id="rId34"/>
   </p:notesMasterIdLst>
   <p:sldIdLst>
     <p:sldId id="256" r:id="rId2"/>
@@ -30,6 +30,16 @@
     <p:sldId id="276" r:id="rId21"/>
     <p:sldId id="277" r:id="rId22"/>
     <p:sldId id="278" r:id="rId23"/>
+    <p:sldId id="279" r:id="rId24"/>
+    <p:sldId id="280" r:id="rId25"/>
+    <p:sldId id="281" r:id="rId26"/>
+    <p:sldId id="282" r:id="rId27"/>
+    <p:sldId id="283" r:id="rId28"/>
+    <p:sldId id="284" r:id="rId29"/>
+    <p:sldId id="285" r:id="rId30"/>
+    <p:sldId id="286" r:id="rId31"/>
+    <p:sldId id="287" r:id="rId32"/>
+    <p:sldId id="288" r:id="rId33"/>
   </p:sldIdLst>
   <p:sldSz cx="12192000" cy="6858000"/>
   <p:notesSz cx="6858000" cy="9144000"/>
@@ -155,6 +165,16 @@
             <p14:sldId id="276"/>
             <p14:sldId id="277"/>
             <p14:sldId id="278"/>
+            <p14:sldId id="279"/>
+            <p14:sldId id="280"/>
+            <p14:sldId id="281"/>
+            <p14:sldId id="282"/>
+            <p14:sldId id="283"/>
+            <p14:sldId id="284"/>
+            <p14:sldId id="285"/>
+            <p14:sldId id="286"/>
+            <p14:sldId id="287"/>
+            <p14:sldId id="288"/>
           </p14:sldIdLst>
         </p14:section>
       </p14:sectionLst>
@@ -908,6 +928,202 @@
 </inkml:ink>
 </file>
 
+<file path=ppt/ink/ink23.xml><?xml version="1.0" encoding="utf-8"?>
+<inkml:ink xmlns:inkml="http://www.w3.org/2003/InkML">
+  <inkml:definitions>
+    <inkml:context xml:id="ctx0">
+      <inkml:inkSource xml:id="inkSrc0">
+        <inkml:traceFormat>
+          <inkml:channel name="X" type="integer" min="-2.14748E9" max="2.14748E9" units="cm"/>
+          <inkml:channel name="Y" type="integer" min="-2.14748E9" max="2.14748E9" units="cm"/>
+          <inkml:channel name="F" type="integer" max="32767" units="dev"/>
+        </inkml:traceFormat>
+        <inkml:channelProperties>
+          <inkml:channelProperty channel="X" name="resolution" value="1000" units="1/cm"/>
+          <inkml:channelProperty channel="Y" name="resolution" value="1000" units="1/cm"/>
+          <inkml:channelProperty channel="F" name="resolution" value="0" units="1/dev"/>
+        </inkml:channelProperties>
+      </inkml:inkSource>
+      <inkml:timestamp xml:id="ts0" timeString="2025-12-04T11:39:36.676"/>
+    </inkml:context>
+    <inkml:brush xml:id="br0">
+      <inkml:brushProperty name="width" value="0.35" units="cm"/>
+      <inkml:brushProperty name="height" value="0.35" units="cm"/>
+      <inkml:brushProperty name="color" value="#E71224"/>
+    </inkml:brush>
+  </inkml:definitions>
+  <inkml:trace contextRef="#ctx0" brushRef="#br0">141 52 24575,'78'0'0,"-10"0"0,4 0 0,-10 0 0,2 0-492,19-4 0,-4 0-249,-3 3-243,6-7 0,-19 2 0,0 4 0,-12-4 0,-4 0 255,-17 5 1319,7-5-590,-15 6 983,3 0 0,-9 0 0,4 0 0,0 0 0,1 4 0,6-3-97,-6 3-886,5 0 0,5-3 0,9 9 0,-6-9 0,13 5 0,-23-3 0,23-2 0,-23 3 0,12 0 0,-4-3 0,-8 3 0,32 3 0,-19 0 0,34 1 0,-34-2 0,20-6 0,-23 0 0,6 0 0,-8 0 0,-7 0 0,7 0 0,8 0 0,-6 0 0,23 6 0,-20-4 0,7 4 0,3-6 0,-13 6 0,0-5 0,-3 5 0,-17-9 0,0 2 0,6-2 0,-8 3 0,23-6 0,-14 5 0,27-11 0,-24 11 0,22-10 0,-12 9 0,0-7 0,13 9 0,-13-9 0,6 7 0,-3-3 0,-10 5 0,11 0 0,2 0 0,-6 0 0,12 0 0,-12 0 0,6 0 0,18 0 0,-5 6 0,21-4 0,-11 4 0,8-6 0,-7 0 0,20 0 0,-18 0 0,15 7 0,-7-5 0,2 4 0,-2-6 0,-3 0 0,-18 0 0,-3 0 0,8 0 0,-15 0 0,17 0 0,-20 0 0,8 0 0,-18 0 0,7 0 0,-19 0 0,1 0 0,-8-3 0,9 2 0,-4-2 0,20 3 0,8 0 0,9 6 0,18-5 0,-7 4 0,-1-5 0,-13 0 0,-12-4 0,-1-2 0,3-5 0,0 4 0,18-6 0,-16 12 0,30-6 0,-30 7 0,16 0 0,-18 0 0,-6 0 0,2 0 0,-14 0 0,5 0 0,0 0 0,0 0 0,10 0 0,3 0 0,0 0 0,8 0 0,-8 0 0,10 0 0,-10 4 0,-3-3 0,-10 3 0,-5-4 0,3 4 0,-9-3 0,9 3 0,-9-4 0,9 0 0,7 0 0,8 0 0,0 0 0,8 6 0,-8 1 0,0 0 0,7 4 0,-17-10 0,28 5 0,-26-6 0,10 0 0,-16 0 0,-11 0 0,21-6 0,-1 5 0,25-5 0,-17 6 0,25 0 0,-25 0 0,2 0 0,-10 0 0,-22 0 0,3-3 0,-9-1 0,0 0 0,-3-9 0,-24 0 0,-8-5 0,-33 5 0,8 8 0,-28 5-984,4 7 0,-20 2 0,11 6 492,29-6 0,-2-1 0,8-3 0,0-2 0,-4 2 0,-1-2 0,3-2 0,1-2-492,-24 1 714,2 6 270,29-5 0,-1 11 983,12-11 0,-27 11 0,18-10 0,-25 11 0,14-12 0,-19 6 0,9-2-389,3-3-594,1 3 667,17-5-667,-15 0 0,18 6 0,-11-5 0,11 5 0,-8-6 0,8 0 0,-31 0 0,15-6 0,-36 5 0,16-5-580,0 1 580,25 4 0,-1 0 0,-27-4 0,25 4 0,1 2 0,-24-1-30,-4 0 30,17 6 0,-9-4 0,20 4 0,-16-6 0,16 0 0,-21 0 0,11-5 579,2-2-579,0-1 31,18 3-31,-15-1 0,8 5 0,-24-12 0,18 11 0,-33-5 0,33 0 0,-28 6 0,31-6 0,-15 7 0,25 0 0,-28 0 0,28 0 0,-26 0 0,16 0 0,-10 0 0,-8 0 0,7 0 0,-20 0 0,29-4 0,-35 3 0,35-3 0,-19 4 0,23 0 0,14 0 0,-1 0 0,14 0 0,-6 0 0,10 0 0,-1 0 0,-1 0 0,2 0 0,-10 0 0,12 0 0,-13 0 0,11 0 0,-1 0 0,-6 4 0,0-3 0,-11 3 0,-12 3 0,-3-6 0,-8 11 0,10-10 0,1 9 0,16-10 0,-13 10 0,23-5 0,-13 4 0,15-5 0,-14 5 0,12-9 0,-13 9 0,15-6 0,-14 1 0,12-2 0,-8 0 0,7-2 0,3 2 0,-5 1 0,6-3 0,-5 3 0,5 0 0,-6-3 0,5 3 0,-14-4 0,2 0 0,-17 0 0,17 0 0,-12 0 0,11 0 0,-5 0 0,-8 0 0,19 0 0,-9 0 0,17 0 0,1 0 0,0 0 0,4 0 0,-1 0 0,4 0 0,2 0 0,0 0 0,0 0 0,1 0 0,-1-3 0,0 2 0,-8-6 0,6 6 0,-23-9 0,18 9 0,-18-9 0,14 9 0,1-3 0,1 4 0,9 0 0,0 0 0,4 0 0,14 18 0,-4-7 0,9 9 0,-9-14 0</inkml:trace>
+</inkml:ink>
+</file>
+
+<file path=ppt/ink/ink24.xml><?xml version="1.0" encoding="utf-8"?>
+<inkml:ink xmlns:inkml="http://www.w3.org/2003/InkML">
+  <inkml:definitions>
+    <inkml:context xml:id="ctx0">
+      <inkml:inkSource xml:id="inkSrc0">
+        <inkml:traceFormat>
+          <inkml:channel name="X" type="integer" min="-2.14748E9" max="2.14748E9" units="cm"/>
+          <inkml:channel name="Y" type="integer" min="-2.14748E9" max="2.14748E9" units="cm"/>
+          <inkml:channel name="F" type="integer" max="32767" units="dev"/>
+        </inkml:traceFormat>
+        <inkml:channelProperties>
+          <inkml:channelProperty channel="X" name="resolution" value="1000" units="1/cm"/>
+          <inkml:channelProperty channel="Y" name="resolution" value="1000" units="1/cm"/>
+          <inkml:channelProperty channel="F" name="resolution" value="0" units="1/dev"/>
+        </inkml:channelProperties>
+      </inkml:inkSource>
+      <inkml:timestamp xml:id="ts0" timeString="2025-12-04T11:39:39.436"/>
+    </inkml:context>
+    <inkml:brush xml:id="br0">
+      <inkml:brushProperty name="width" value="0.35" units="cm"/>
+      <inkml:brushProperty name="height" value="0.35" units="cm"/>
+      <inkml:brushProperty name="color" value="#E71224"/>
+    </inkml:brush>
+  </inkml:definitions>
+  <inkml:trace contextRef="#ctx0" brushRef="#br0">0 54 24575,'46'13'0,"22"-5"0,8-2-984,10-6 652,-29-4 1,2-1-161,7 4 0,2 0 368,-5-2 1,2-2-368,26 1 1,-1 0 490,-25 3 0,-1 0 0,14-7 0,-2-1-325,24 8 325,-47-7 0,-3 1 0,5 5 698,6-9-698,-33 10 983,-3-3-704,-7 4 704,20 0-143,-15 0-439,13 4-401,-4 2 0,-2 3 0,28 5 0,-26-5 0,26 4 0,-34-7 0,12-1 0,-5-5 0,9 6 0,0-5 0,8 5 0,2-6 0,-7 0 0,15 0 0,-18 0 0,0 0 0,-8 0 0,-7-4 0,-3 3 0,15-3 0,-13 4 0,22 0 0,-12 0 0,17 0 0,-11 0 0,18 0 0,-16 0 0,9 0 0,7 0 0,-16 0 0,9 0 0,-20 0 0,-11-3 0,0 2 0,-4-2 0,3 3 0,1 0 0,12 0 0,8 0 0,0 0 0,-3 0 0,-10 0 0,0 0 0,0 0 0,0 0 0,-6 0 0,-1 0 0,-6 0 0,6 4 0,2-3 0,-1 6 0,4-7 0,-3 4 0,5-4 0,-6 0 0,5 0 0,-5 0 0,0 0 0,5 0 0,-5 0 0,16 0 0,-13 0 0,23 0 0,-24 0 0,15 0 0,-20 0 0,1 0 0,-8 3 0,0-3 0,-1 4 0,-3-1 0,3-3 0,7 4 0,-2-4 0,5-4 0,0 4 0,-4-4 0,4 4 0,-1 0 0,-3 0 0,4 0 0,0-4 0,1 3 0,16-3 0,-13 4 0,23 0 0,-13 0 0,16 0 0,-16 0 0,13 0 0,-23 0 0,23 0 0,-26 0 0,14 0 0,-22 0 0,3 0 0,-6 0 0,1 0 0,-4-3 0,4 2 0,-1-2 0,1 0 0,3 2 0,-3-2 0,2 3 0,-2 0 0,0 0 0,0 0 0,-4 0 0,6 0 0,-1 0 0,11 0 0,8 0 0,-10 0 0,14 0 0,-6-6 0,-6 5 0,13-5 0,-14 6 0,15 0 0,-7 0 0,17 0 0,-7 0 0,-5 0 0,11 0 0,-22 4 0,24-3 0,-25 3 0,13-4 0,-4 0 0,8 0 0,0 0 0,8 0 0,-8 0 0,0 0 0,7 0 0,-17 0 0,7 0 0,-19 0 0,7-4 0,-16 3 0,10-3 0,-8 1 0,4 2 0,-1-2 0,0 3 0,0 0 0,0 0 0,0 0 0,0 0 0,1 0 0,-1 0 0,0 0 0,0 0 0,6 0 0,1 0 0,6 0 0,0 0 0,0 4 0,-6-3 0,5 3 0,-14-4 0,13 0 0,-12 0 0,6 0 0,12 0 0,3 0 0,16 0 0,-15 0 0,0 0 0,-19 0 0,4-3 0,-9 2 0,-1-2 0,-3 3 0,3 0 0,-2 0 0,5 0 0,-2 0 0,0 0 0,0 0 0,-1 0 0,-2 0 0,5-3 0,-5 2 0,5-2 0,-2 3 0,9 0 0,1 0 0,6 0 0,-9 0 0,7 0 0,-12 0 0,6 0 0,-4 0 0,-1 0 0,0 0 0,-3 0 0,2 0 0,-2-3 0,3 2 0,1-2 0,4 3 0,3 0 0,-1-3 0,-1 2 0,-6-2 0,0 3 0,-3 0 0,-1 0 0,-3 0 0,4 0 0,-4 0 0,4 0 0,-1 0 0,-3 0 0,4 0 0,-4 0 0</inkml:trace>
+</inkml:ink>
+</file>
+
+<file path=ppt/ink/ink25.xml><?xml version="1.0" encoding="utf-8"?>
+<inkml:ink xmlns:inkml="http://www.w3.org/2003/InkML">
+  <inkml:definitions>
+    <inkml:context xml:id="ctx0">
+      <inkml:inkSource xml:id="inkSrc0">
+        <inkml:traceFormat>
+          <inkml:channel name="X" type="integer" min="-2.14748E9" max="2.14748E9" units="cm"/>
+          <inkml:channel name="Y" type="integer" min="-2.14748E9" max="2.14748E9" units="cm"/>
+          <inkml:channel name="F" type="integer" max="32767" units="dev"/>
+        </inkml:traceFormat>
+        <inkml:channelProperties>
+          <inkml:channelProperty channel="X" name="resolution" value="1000" units="1/cm"/>
+          <inkml:channelProperty channel="Y" name="resolution" value="1000" units="1/cm"/>
+          <inkml:channelProperty channel="F" name="resolution" value="0" units="1/dev"/>
+        </inkml:channelProperties>
+      </inkml:inkSource>
+      <inkml:timestamp xml:id="ts0" timeString="2025-12-04T11:39:43.028"/>
+    </inkml:context>
+    <inkml:brush xml:id="br0">
+      <inkml:brushProperty name="width" value="0.35" units="cm"/>
+      <inkml:brushProperty name="height" value="0.35" units="cm"/>
+      <inkml:brushProperty name="color" value="#E71224"/>
+    </inkml:brush>
+  </inkml:definitions>
+  <inkml:trace contextRef="#ctx0" brushRef="#br0">0 29 24575,'53'4'0,"21"6"0,-35-8 0,49 5 0,-17-7 0,-3 0 0,21 0 0,-25 0 0,-15 0 0,29 0 0,-57 0 0,16 0 0,-8 0 0,-14-3 0,32 2 0,-32-2 0,14 3 0,-2 0 0,-9 0 0,10 0 0,-15 0 0,4-4 0,-2 3 0,5-3 0,0 4 0,-5 0 0,42 0 0,-34 0 0,28 0 0,-31-4 0,-4 3 0,9-3 0,-9 4 0,10 0 0,-5 4 0,6-3 0,10 8 0,-7-7 0,38 3 0,-39-5 0,28 0 0,-42 3 0,11-2 0,37 2 0,-26-3 0,42 0 0,-49 0 0,49 0 0,-42-4 0,32 3 0,-32-8 0,-7 7 0,7-8 0,21 2 0,-2 2 0,1-1 0,-16 4 0,-27 2 0,-3-2 0,2 3 0,-5 0 0,6 0 0,-7 0 0,7 0 0,2 0 0,0 0 0,10 0 0,-11 0 0,31 0 0,-25 0 0,46 0 0,-46 0 0,25 0 0,7 0 0,-18 0 0,23 0 0,10 0 0,-30 0 0,30 0 0,-47 0 0,26 0 0,-26 0 0,19 0 0,-29 0 0,-1 0 0,-3 3 0,12-2 0,-5 2 0,9-3 0,-9 0 0,0 3 0,0-2 0,0 2 0,-3-3 0,3 0 0,-7 0 0,7 0 0,-3 0 0,9 0 0,-5 0 0,11 0 0,5 0 0,9 0 0,21 0 0,-8 0 0,8 6 0,-21-5 0,7 5 0,-23-6 0,23 0 0,-24 0 0,25 0 0,-18 0 0,17 0 0,-17 0 0,2 0 0,-7 0 0,-9-3 0,4 2 0,-6-2 0,0 3 0,0 0 0,0-4 0,6 4 0,2-4 0,4 4 0,-4 0 0,3 0 0,-3 0 0,5 0 0,0 0 0,0 0 0,0 0 0,0 0 0,0 0 0,-1 0 0,12 0 0,2 0 0,10-5 0,11 3 0,-8-3 0,7 5 0,-9 0 0,-1 0 0,-10 0 0,-3 0 0,-10 0 0,11 0 0,-9 0 0,19 0 0,-8 0 0,10 0 0,-10 0 0,8 0 0,-18 0 0,7 0 0,-10 4 0,42 4 0,-32 2 0,18-1 0,0-2 0,-17-1 0,41 8 0,-39-13 0,-6 5 0,2-6 0,-15 0 0,0 0 0,-1 0 0,-6 0 0,37 7 0,-22-5 0,29 9 0,-31-10 0,0 7 0,0-7 0,11 8 0,-14-7 0,3 3 0,-17-5 0,-3 0 0,3-3 0,-2 2 0,2-2 0,0 3 0,-2 0 0,2 0 0,6 0 0,-7 0 0,16 0 0,-13 0 0,5 0 0,-7 0 0,-3 0 0,3 0 0,-2 0 0,2-3 0,1 2 0,0-2 0,0 3 0,2 0 0,-5-3 0,2 2 0,0-5 0,1 5 0,0-6 0,-1 7 0,-3-4 0,3 4 0,-2 0 0,2 0 0,0 0 0,-2-3 0,2 3 0,1-7 0,-4 6 0,7-5 0,-6 5 0,2-5 0,-3 2 0,0-3 0,0 0 0,-10-4 0,2 3 0,-10 1 0,1 4 0,2 3 0,-21 0 0,-3 0 0,-18 0 0,16 0 0,-23 7 0,-1-6 0,-29 13 0,21-12 0,-23 12 0,54-12 0,-54 5 0,33-1 0,-1-4 0,10 9 0,31-7 0,0 0 0,-14 5 0,15-4 0,-63 16 0,47-14 0,-65 15 0,31-13 0,-28-1 0,27-1 0,12-6 0,-3-2-984,-35 1 720,42 1 1,-2-2 263,-18-3 0,6 0-525,3 2 525,-1-2 0,0 0 0,4 4 0,2 0 0,-1 0 0,-1 0 0,-14 4 0,6 4 0,1 3-984,4 3 976,-27-1 0,0 1 8,27-1-45,9-8 1,1-1 44,-2 2 0,-3-5 0,-1-2 0,4 1 491,1 0 1,4 0-93,18 0 135,-1-3-534,11 2 983,-11-2-862,7 3-16,-8 0-105,-4-6 0,12 5 0,-23-10 0,6 3 0,-19 1 0,7-4 0,-8 10 0,21-5 0,-8 6 0,18-4 0,-18 3 0,8-3 0,0 0 0,3 3 0,10-7 0,5 7 0,-4-3 0,11 1 0,-2 2 0,3-2 0,3 3 0,0 0 0,-2 0 0,5 0 0,-6 0 0,6 0 0,-2 0 0,-3 0 0,-15 0 0,0 0 0,-30 0 0,-5-8 0,7 7 0,-23-13 0,47 12 0,-26-4 0,37 6 0,-9 0 0,22 0 0,-2 0 0,0 0 0,2 3 0,-2 1 0</inkml:trace>
+</inkml:ink>
+</file>
+
+<file path=ppt/ink/ink26.xml><?xml version="1.0" encoding="utf-8"?>
+<inkml:ink xmlns:inkml="http://www.w3.org/2003/InkML">
+  <inkml:definitions>
+    <inkml:context xml:id="ctx0">
+      <inkml:inkSource xml:id="inkSrc0">
+        <inkml:traceFormat>
+          <inkml:channel name="X" type="integer" min="-2.14748E9" max="2.14748E9" units="cm"/>
+          <inkml:channel name="Y" type="integer" min="-2.14748E9" max="2.14748E9" units="cm"/>
+          <inkml:channel name="F" type="integer" max="32767" units="dev"/>
+        </inkml:traceFormat>
+        <inkml:channelProperties>
+          <inkml:channelProperty channel="X" name="resolution" value="1000" units="1/cm"/>
+          <inkml:channelProperty channel="Y" name="resolution" value="1000" units="1/cm"/>
+          <inkml:channelProperty channel="F" name="resolution" value="0" units="1/dev"/>
+        </inkml:channelProperties>
+      </inkml:inkSource>
+      <inkml:timestamp xml:id="ts0" timeString="2025-12-04T11:39:46.733"/>
+    </inkml:context>
+    <inkml:brush xml:id="br0">
+      <inkml:brushProperty name="width" value="0.35" units="cm"/>
+      <inkml:brushProperty name="height" value="0.35" units="cm"/>
+      <inkml:brushProperty name="color" value="#E71224"/>
+    </inkml:brush>
+  </inkml:definitions>
+  <inkml:trace contextRef="#ctx0" brushRef="#br0">0 79 24575,'54'0'0,"1"0"0,4 0 0,-1 0 0,31 0 0,5 0-492,-35-3 0,-2-2-172,27-4 664,-16 4 0,0 0 0,22-1 0,-32 5 0,2 2 414,39-1-414,-22 0 0,12 0-345,-2 0 345,-22 0 0,13 0 0,-63 0 809,11 0-809,-11 0 92,21 5-92,-18-3 678,29 3-678,-23-5 0,13 0 0,11 0 0,-16 0 0,10 0 0,15 0 0,-34 0 0,34 0 0,-42 0 0,11 0 0,26 0 0,-17 0 0,23 4 0,-31-3 0,0 7 0,0-7 0,0 7 0,41-7 0,-20 3 0,23-4 0,-33 0 0,-1 0 0,-7 0 0,17 0 0,-17 0 0,28-6 0,-15 4 0,7-5 0,-2 7 0,-19 0 0,9 0 0,-17 0 0,-1 0 0,0 0 0,-5 0 0,5 0 0,10 0 0,-11 0 0,17 0 0,-21 0 0,21 0 0,-18 0 0,12 0 0,-10 0 0,2 0 0,-1 0 0,4 0 0,-9 0 0,4 0 0,-6 0 0,-3 0 0,2 0 0,-2 0 0,9 4 0,-4-3 0,4 3 0,-9-4 0,2 0 0,-5 0 0,2 0 0,0 0 0,-2 0 0,2 0 0,4 0 0,-3 0 0,12 0 0,-7 0 0,4 0 0,-6 0 0,0 0 0,-3 0 0,-1 0 0,0 0 0,1 0 0,0 0 0,3 0 0,-3 0 0,3 0 0,0 0 0,-3 0 0,-1 0 0,-3 0 0,12 0 0,-6 0 0,10 0 0,-3 0 0,22 0 0,-15 0 0,40 0 0,-46 0 0,35 6 0,-38-5 0,13 5 0,-20-3 0,-1-2 0,0 2 0,-2-3 0,21 0 0,-14 0 0,21 4 0,-14-3 0,46 11 0,-30-11 0,30 7 0,-41-8 0,-6 0 0,-4 0 0,-7 0 0,-3 0 0,3 0 0,-2 0 0,11 0 0,-9 0 0,9 0 0,-3 0 0,0 0 0,1 0 0,2 0 0,-7-3 0,8 2 0,10-2 0,-6 3 0,8 0 0,-7 0 0,-3 0 0,36 0 0,-29 0 0,22 0 0,-37 0 0,-3 0 0,-1 0 0,6 0 0,-4 0 0,8 0 0,10 0 0,-11 3 0,37-2 0,-29 2 0,41 3 0,-41-4 0,29 10 0,-41-10 0,12 3 0,-1-5 0,-11 0 0,15 0 0,21 0 0,-11 6 0,20-5 0,19 12 0,-10 4 0,7-6 0,-24 3 0,-32-14 0,-9 0 0,3 0 0,-7 0 0,7 0 0,2 0 0,0 0 0,1 0 0,-7 0 0,-3 0 0,12 3 0,0-2 0,32 9 0,-19-5 0,26 3 0,-37-4 0,5-4 0,-19 0 0,-3-3 0,11-2 0,-9 1 0,19-4 0,-16 3 0,10-3 0,-11 1 0,2 3 0,-3 1 0,3 0 0,1 2 0,0-5 0,3 5 0,-7-5 0,4 2 0,-4-3 0,0-1 0,0 5 0,0-4 0,3 6 0,-2-5 0,2 5 0,3-2 0,4 7 0,51 6 0,6 2 0,-26 1 0,27-2 0,-23 0 0,-56-8 0,-56-6 0,7 2 0,-43-2 0,12 10-984,-13-5 896,43 5 0,-2 1-404,-13-7 0,-4-1 0,-11 4 0,0 0 429,14-3 0,-2-2 63,1-1 0,-7-1 0,4-1 0,-16-1 0,1-1 0,-3-3 0,-2 0 0,23 4 0,-2 2 0,4 0 0,-8-1 0,2 1 0,1 2 0,-2 2 0,-11-1 0,6 0-264,8 0 264,21 0 0,1 0 0,-31 0 0,3 0 0,-8 0 0,32 0 0,25 0 0,16 0 983,-1 0-948,1 0 948,-6 0 0,-22 0-763,-22 0-220,-33 0-492,37-4 0,0 0 223,-33 2 269,27-2 0,-2 0 0,17-1 0,0 1 0,-21 4 0,0-2 0,20-4 0,1-1 0,-14 6 0,6 0 0,12-4 0,-43 5 0,58 0 0,-37-7 0,37 5 0,-16-8 983,-21 9-399,32-7-584,-42 7 0,7-11 0,14 5 0,-34-3 0,39 3 0,1 0 0,-22 5 0,21-2 0,3 0 0,0 4 0,-11 0 0,24 0 0,-20 0 0,42 0 0,-20 0 0,22 0 0,-4 0 0,-12 0 0,14-3 0,-42-5 0,30 4 0,-15-3 0,16 3 0,-16 3 0,10-3 0,-16 4 0,11-6 0,-35 5 0,24-5 0,-20 6 0,41 0 0,5 0 0,-3 0 0,9 0 0,-4 0 0,-21 7 0,20-6 0,-20 6 0,30-7 0,1 3 0,3-2 0,-7 5 0,6-2 0,-9 0 0,9-1 0,-5 0 0,2-2 0,-1 2 0,2 0 0,3 1 0</inkml:trace>
+</inkml:ink>
+</file>
+
+<file path=ppt/ink/ink27.xml><?xml version="1.0" encoding="utf-8"?>
+<inkml:ink xmlns:inkml="http://www.w3.org/2003/InkML">
+  <inkml:definitions>
+    <inkml:context xml:id="ctx0">
+      <inkml:inkSource xml:id="inkSrc0">
+        <inkml:traceFormat>
+          <inkml:channel name="X" type="integer" min="-2.14748E9" max="2.14748E9" units="cm"/>
+          <inkml:channel name="Y" type="integer" min="-2.14748E9" max="2.14748E9" units="cm"/>
+          <inkml:channel name="F" type="integer" max="32767" units="dev"/>
+        </inkml:traceFormat>
+        <inkml:channelProperties>
+          <inkml:channelProperty channel="X" name="resolution" value="1000" units="1/cm"/>
+          <inkml:channelProperty channel="Y" name="resolution" value="1000" units="1/cm"/>
+          <inkml:channelProperty channel="F" name="resolution" value="0" units="1/dev"/>
+        </inkml:channelProperties>
+      </inkml:inkSource>
+      <inkml:timestamp xml:id="ts0" timeString="2025-12-04T11:39:50.372"/>
+    </inkml:context>
+    <inkml:brush xml:id="br0">
+      <inkml:brushProperty name="width" value="0.35" units="cm"/>
+      <inkml:brushProperty name="height" value="0.35" units="cm"/>
+      <inkml:brushProperty name="color" value="#E71224"/>
+    </inkml:brush>
+  </inkml:definitions>
+  <inkml:trace contextRef="#ctx0" brushRef="#br0">330 348 24575,'71'-18'0,"17"0"0,-33 10 0,-6 1 0,4-1 0,7 0 0,2 0 0,7-1 0,2-1-492,-3-2 0,-2 1 331,-11 2 1,-5 1 160,24 0 318,-27-2-318,20 10 0,-30-4 0,24 4 0,-27 0 0,23 0 0,-10 0 0,6 0 0,47 0 0,-50 0 107,22 4 1,1 1-108,-10-3 0,14 2 0,1 0 0,-4-4 0,-18 0 0,3 0 0,0 0 0,-2 0 0,16 0 0,-16 0 0,-1 0 0,8 0 0,-8 0 0,3 0 0,25 0 0,-25 0 0,-2 0 0,6 0 0,29-8 0,-44 2 0,12-2 0,-41 0 0,-12 8 0,13-4 0,-8 4 0,34 0 0,-19 0 772,62 0-772,-41 0 0,33 0 0,12 0 0,-33 0 0,22 0 0,-14-7 0,-33 5 0,34-5 0,-29 7 0,9 0 0,4 0 0,31 0 0,-26 3 0,2 1 0,9 0 0,-1 2-984,29 10 554,-7-10 1,1-2 429,6 3-492,-23-6 0,-1-2 459,6 1 33,-5 0 0,-32 0 0,-6 0 0,-2 0 983,6 0-225,28 7-758,-2 2 0,21 7 0,-14-8 0,-12-1 983,-27-7-847,-7 0-136,-16 0 0,-4 0 0,3 0 0,1 0 0,3 0 0,6 0 0,1 0 0,6 0 0,10 0 0,-7 0 0,7 0 0,-15 0 0,-6-3 0,-6 2 0,17-2 0,-12 3 0,52 7 0,-17-5 0,34 11 0,-11-11 0,1 5 0,-11-7 0,-12 0 0,-4 0 0,-7 0 0,-5 0 0,11 0 0,-34-4 0,13 4 0,-21-4 0,0 1 0,12 2 0,-10-2 0,10 6 0,-9-2 0,0 2 0,12-3 0,-5 0 0,5 0 0,-5 0 0,-6 0 0,2 0 0,0 0 0,1 0 0,0 0 0,-1 0 0,-3 0 0,3 0 0,-2 0 0,2 0 0,0 0 0,-64-38 0,-19 12 0,-15-20 0,34 28 0,-2 4 0,-43 0 0,38 5 0,-4 2-492,-2 3 0,-1 1 338,3-1 0,1 1 154,4 2 0,0 0 0,-1-7 0,-2 0 0,-7 7 0,-1 0 0,2-3 0,4 1 0,-28 3-273,33 0 0,0 0 273,-19 0 0,-1 0 0,20 0 0,0 0 0,-22 0 0,-8 0 0,28 0 0,3 0 0,9 0 0,-16 0 0,-2 0 0,-3 0 0,20 0 0,-4 0 0,-13 0 0,0 0 0,-32 0 0,32 0 0,-3 0-492,-5-4 0,5-1 169,-8 3 323,-5-3 0,2 1 0,21 4 0,-10-4 0,-2 0 0,-1 2 0,-8-4 0,-18-1 0,9 2-492,18 3 0,1 1 284,-7-2 0,-7 0 0,12 0 208,-21 3 0,43 4 0,2 0 983,-11-2-907,-21 10-76,34-11 0,-34 11 0,22-4 0,8-4 0,1 1 0,-12 1 0,-11-6 0,0 0 0,0 6 0,7-1 0,-2 0 0,-21 11-231,21-11 1,1 0 230,-6 8 983,1-5-978,-1 7-5,0-7 0,0 5 0,0-12 0,1 12 0,9-11 0,-7 11 0,18-11 983,2 8-197,-7-2-786,26-3 0,-16 2 983,11-2-852,-35-3-131,23 1 0,-2-1 0,-41-2 0,0 0 0,42 0 284,9 4-284,-17-3 0,35 6 0,-14-6 0,33 5 0,4-5 0,18 19 0,11-10 0,49 14 0,-9-11-288,-13-8 1,5-3 287,-7 2 0,2-1-492,14-6 0,4-2 0,16-1 0,-2 1 0,-23 0 0,2-1 329,3 0 1,6 0 0,-2 1 162,16-1 0,-1 0-492,3 1 0,5-1 164,-12 0 0,5-1 0,-11 2 56,-20 4 0,0 0-56,22-2 0,11-1 0,-10 2 32,-19 1 0,0 2 296,7-1 0,7 0 0,-9 0 0,29 0-279,-24 0 1,-2 0 278,19-8 983,-11 6-6,10-6-977,-57 8 983,37-6 0,-37 4 0,10-4 0,36 14-363,-34-6-620,26 10 0,5 0 898,-2-8-898,-15 4 0,0 1 0,16-3 0,-7-5 0,2 0 0,21 6 0,-22-8 0,0 2-711,16 6 711,-15-6 0,1-1 0,30 8-390,-31-8 1,-1 0 389,5 0-171,1 0 171,0 0 0,-1 0 0,-9 0-222,-3 0 1,1 0 221,4 0 0,-3 0 0,-2 0 983,-9 0-652,20 6 479,-20-4-810,9 4 0,-10-6 0,41 0 0,-21 0 0,23 0 0,-33 0 0,0-6 188,-8-2-188,18 0 0,3-4 0,2 10 0,8-5 983,-11 7-925,-9 0-58,7 0 0,-18-6 0,-3 5 0,-12-5 0,-12 2 0,1-1 0,-5 0 0,-6 1 0,-5 4 0,5 8 0,-4-3 0,8 7 0,-9-8 0,-1-1 0,-3-3 0,9 6 0,-3-4 0,4 4 0,-7-6 0,-3 0 0,4 0 0,-1 0 0</inkml:trace>
+</inkml:ink>
+</file>
+
+<file path=ppt/ink/ink28.xml><?xml version="1.0" encoding="utf-8"?>
+<inkml:ink xmlns:inkml="http://www.w3.org/2003/InkML">
+  <inkml:definitions>
+    <inkml:context xml:id="ctx0">
+      <inkml:inkSource xml:id="inkSrc0">
+        <inkml:traceFormat>
+          <inkml:channel name="X" type="integer" min="-2.14748E9" max="2.14748E9" units="cm"/>
+          <inkml:channel name="Y" type="integer" min="-2.14748E9" max="2.14748E9" units="cm"/>
+          <inkml:channel name="F" type="integer" max="32767" units="dev"/>
+        </inkml:traceFormat>
+        <inkml:channelProperties>
+          <inkml:channelProperty channel="X" name="resolution" value="1000" units="1/cm"/>
+          <inkml:channelProperty channel="Y" name="resolution" value="1000" units="1/cm"/>
+          <inkml:channelProperty channel="F" name="resolution" value="0" units="1/dev"/>
+        </inkml:channelProperties>
+      </inkml:inkSource>
+      <inkml:timestamp xml:id="ts0" timeString="2025-12-04T11:48:40.391"/>
+    </inkml:context>
+    <inkml:brush xml:id="br0">
+      <inkml:brushProperty name="width" value="0.35" units="cm"/>
+      <inkml:brushProperty name="height" value="0.35" units="cm"/>
+      <inkml:brushProperty name="color" value="#E71224"/>
+    </inkml:brush>
+  </inkml:definitions>
+  <inkml:trace contextRef="#ctx0" brushRef="#br0">201 97 24575,'49'14'0,"21"2"0,17-9-492,-34-3 0,4-1 0,2-2 0,2-2 0,9 1 0,2 0 219,0 0 0,3 0 273,14 0 0,0 0-492,-19 0 0,-1 0 453,23 0 0,-3 0 39,-30 0 0,0 0 0,28 0 0,-1 0-196,-32 0 1,-3 0 195,8 0 0,-2 0 0,27 0 0,-29 0 0,3 0 815,-31 0-815,-5 4 983,3-4-439,-9 3 439,4-3 0,-1 0-340,-3 0-643,4 0 0,0 0 0,1 0 0,6 0 0,-6 0 0,15 0 0,9 0 0,-3 0 0,37 0 0,-2 0 0,-9 0 0,-11-3 0,-4-1 0,-15 2 0,61-6 0,-64 4 0,54 3 0,-60-3 0,49-3 0,-52 6 0,53-6 0,-50 7 0,28 0 0,-5 0 0,-7 0 0,16 0 0,7 0 0,-33 0 0,23 0 0,0 7 0,-23-5 0,54 5 0,-44-7 0,26 0 0,11 0 0,-24 0 0,24 6 0,-1-5 0,-23 5 0,24-6 0,-1 0 0,-22 0 0,-2 0 0,-2 0 0,-7 0 0,21 4 0,-11-3 0,-23 7 0,23-7 0,10 11 0,-20-5 0,9 1 0,-1 1 0,-8-2 0,20 1 0,1-8 0,-32 0 0,32 0 0,-21 0 0,-6 0 0,19 0 0,31 8 0,-31-6-247,11 2 0,0 0 247,-9-4 0,-12 0 0,1 0 0,30 0 0,-35 0 0,22 0 0,-11 0 0,-23 0 0,23 0 0,10 0 0,-30 0 0,21 0 0,3 0 0,-12 0 0,32 0 0,-3 0 494,-32 0-494,25 0 0,7 0 0,-42-4 0,63 3 0,-66-3 0,24 0 0,11 3 0,-32-3 0,42 4 0,-7 0 0,-25 0 0,32 0 0,-7-8 0,-25 6 0,8-2 0,1 0 0,-9 4 0,35 0 0,-25 0 0,-1 0-509,20 0 509,-14-3 0,2 0-455,-4 2 0,-4 0 455,28-5 0,-28 5 0,4 2 0,4-1 0,-2 0 0,25 0 0,1 0 0,2 0-984,7 0 692,-34 0 1,3 0 291,4 0 0,-4 0 0,21 0-214,-26 0 0,4 0 214,0 0 0,-4 0 0,15 0-429,12-4 0,0-1 429,-11 3 0,-16-2 0,4-1 0,-1 5 0,-2 0 0,25 0 0,-25 0 0,2 0 0,-5 0 0,-3 0 0,18 0 0,-18 0 0,1 0 430,38 0-430,-24 0 0,-4 0 0,0 0 0,-7 0 0,32 0 0,0 0 0,-41 4 0,38-3 0,-7 3 0,-21-4 0,20 4 0,-2-3 0,-41 3 0,21 1 0,2-2 0,-10-1 0,31 6 0,7 0 0,-39-6 0,32 6 0,-3-8 0,-31 0 0,13 0 0,1 0 0,-1 0 0,31 0 0,-10 8 0,-35-6 983,22 6-477,-32-8-50,3 0-456,21 0 0,2 0 983,-10-4-484,-14 2-84,-23-2-415,-12 1 0,-10-10 0,0 3 0,-16-11 0,9 12 0,-66-12 0,44 14-492,-47-7 0,-11-2 0,42 5 0,0 1 395,-41-1 0,-3 0 97,22-1 0,2 0 0,-6 6 0,-1 2 0,-2-1 0,3 0-474,13 0 1,1 1 473,-1 4 0,2 0 0,-35 0 0,18 0 0,-13 0 0,39 0 0,3 4 0,18-3 0,6 7 983,5-3 0,-1 3 0,2-3-823,6 1-160,0-2 0,-17 6 0,-3 0 0,0 0 0,3 0 0,-9 0 0,19-5 0,-67 9 0,56-12 0,-37 5 0,0-7 0,22 0 0,-35 0 0,42 0 0,-39 0 0,31 0 0,-24 0 0,14 0 0,5 0 0,-13 0 0,-5 0 0,-28 0 0,24 0 0,0 0-492,20 0 0,2 0 489,-1 0 0,-2 0 3,-4 0 0,-1 0 0,1 0 0,0 0 0,-5 0 0,-2 0-492,1 0 0,-1 0 180,-5 0 1,-1 0 311,1 0 0,0 0 0,0 0 0,0 0 0,-1 0 0,1 0 0,5 0 0,0 0 0,-4 0 0,1 0 0,8 0 0,0 0 0,-3 0 0,-1 0 0,5 0 0,1 0 0,0 4 0,-1 0-421,-4-3 0,-1 0 421,4 3 0,1 0 0,0-4 0,1 0-492,1 3 0,0 1 290,4-3 1,0 0 201,-5 3 0,-1 0 0,1-4 0,-1 0 0,1 0 0,0 0-54,4 0 1,1 0 53,-3 0 0,-2 0 0,0-1 0,-1 2 0,0 2 0,-1 1 0,-8-3 0,-2 0 0,6 3 0,-1 0-95,-5-4 1,-1 0 94,-4-1 0,-1 2 0,5 3 0,-1 0 0,-8-3 0,-1 0 0,9 3 0,1 0 0,0 0 0,2 0 211,14-4 1,3 1-212,-40 14 0,20-14 0,0 12 0,0-11 0,0 4 0,-10-6 0,-2 0 0,-11 0 589,-1 0-589,45 0 0,-1 0 0,-46 0-282,42 0 1,-2 0 281,5 0 0,0 0 0,0 0 0,0 0 346,-4 0 0,0 0-346,4 0 0,-1 0 0,-4 0 0,0 0 0,0 1 0,-1-2 0,-5-3 0,1 0 0,3 4 0,0-2 0,-8-6 0,-2 0-492,6 7 0,-1 0 430,-5-3 0,-1 0 62,-4 4 0,-1 0 0,0-4 0,-1 0 0,-5 3 0,0 0 0,5-3 0,1-1 0,0 1 0,1 0 0,4 3 0,1 0 0,5-2 0,1-2-83,-1 1 0,2 0 83,10 4 0,0-1 0,-6-3 0,4 0 983,-12 4-508,1 0 475,41 0-950,-1 0 983,1 0-294,0 0 294,0 0-791,-10 0-192,7 0 0,-8 0 0,11 0 0,0 0 0,6 0 0,-5 0 0,5 0 0,-1 0 0,2 0 0,6 3 0,3-2 0,-3 2 0,7-3 0,-7 3 0,6-2 0,-2 2 0,6 6 0,13 0 0,1 5 0,16-7 0,-5 0 0,16-6 0,3 3 0,21-4 0,2 0 0,32 0-984,5 0 862,-41 0 1,2 0 121,11 0 0,-2 0 0,-18 0 0,1 0 0,29 0 0,4 0-492,-11 0 0,-1 0 0,1 0 0,3 0 164,-8 0 0,5 0 0,-8 0-164,-11 0 0,1 0 164,14 1 0,9-1 0,-8-1 198,-11-2 1,1-2 129,11 2 0,7-1 0,-7 1 0,-11-2 0,-1 0 0,9-1 0,6-1 0,-9 2 0,32 3 0,-31-6 0,1 1 0,-4 5 0,-4 2 0,26-7-492,-26 4 0,4 0 426,-1 2 0,-2 0 472,25-5-406,-24 5 0,0 2 0,10-1 0,-6-1 0,3 2 983,30 6-492,-25-7 1,-1 2-390,23 12-102,0-12 0,0 5 0,0-7 0,-13 0 0,2 0 73,-23 0 1,0 0-74,34 0 0,0 0 0,-29 0 0,-2 0 0,5 0 0,2 0 0,9 0 0,2 0-492,-6 0 0,4 0 354,-7 0 0,5 0 1,-4 0 137,10 0 0,-2 0 0,8 0 0,2 0 0,-25-2 0,0-2 0,-5 1-335,1-2 0,-1 0 335,29-4 0,-3 0 0,-35 3 0,-2 2 0,26 0 0,2 1 0,-20-1 0,1 0 0,20 3 0,-1 0 0,-26-3 0,-3 1 0,45 3 0,-18 0 0,2 0-368,-24 0 1,-1 0 367,25 0 0,-2 0 0,7 0 983,9 0-923,-29 0-60,25-8 0,-25 7 0,8-7 0,-3 8 983,-28 0 0,25 0-280,6 8-402,-20-3 1,2 0-302,36 5 0,-24 2 0,-2 0 0,5-8 0,-3 12 0,1 0 0,12-12 0,-12 7 0,-2 2 0,5-6 0,-9-2 0,-3 0 0,-12 4 0,31-8 983,-8 3-66,-13 2-917,24-5 0,10 13 0,-32-12 0,32 12 394,-41-8-394,-1 1 0,42-1 0,-31 0 0,21-5 0,-45 5 0,0-6 859,-7 0-859,18 0 0,44 0 0,-8 7-189,-25-7 1,0 2 188,35 12 0,-7-12 0,0 5 0,-14-7 0,-2 0 0,-28-4 0,-1 3 0,-17-7 0,-9 7 0,30-10 0,-25 9 612,20-4-612,-27 3 0,0 2 0,0-2 0,0 0 0,-3 2 0,-4-6 0,3 4 0,-6-1 0,10-3 0,-6 6 0,2-2 0,-19-13 0,-3 8 0,-16-8 0,-10 11-492,-21 8 0,-8 2 0,17-5 0,-3 1 164,-21 6 0,-11 3 0,5-2-164,-4-1 0,0-1 164,5 3 0,-4 2 0,1-2 0,8-2 0,1 0 0,2-1-164,-22 3 0,-1 0 164,17 0 0,-4 1 0,3 0 0,11 0 0,2 0 0,-3 0 293,-18 1 0,-4-1 1,4 0 34,-9 5 0,1-2 0,15-6 0,-3 0 0,9-2 0,16 0 0,1 0 0,-8 0 0,-8 1 0,6 0-364,0-1 1,4 0 363,-6 0 0,2 1 0,5 2 0,6-1 0,-11-5 0,-15 5 0,38-7 983,1 3 0,22-2 0,0 2 0,-2-3 0,-5 0 0,-10 0 0,13 0 0,-33 0 0,-1 0-143,-8 0-840,11 0 0,-3 0-492,7 0 0,0 0 309,-4-1 1,-3 2 182,-17 3 0,3 0 0,-12-2 0,27 2 0,-2 0 0,0 1 0,2-1 0,-27-2 0,-5 2 0,-1 0 0,1-4 0,15 0 0,1 0 0,-3 0 0,8-1 0,-1 2 0,-18 5-193,28-5 1,2 0 192,-14 6 0,-24 1 0,14-6 0,-14 6 0,24-8 0,-3 0 0,-3 0 0,0 0 0,-3 0-492,29 0 0,-1 0 411,-28 0 0,0 0 81,-17 0 0,0 0 0,44 0 0,-1 0 0,-1 0 0,-1 0 0,-9-1 0,-1 2 0,5 2 0,-1 1-492,-14-3 0,0 0 223,8 3 1,-1 0 268,-13-4 0,-1 0 0,9 0 0,1 0 0,-10-1 0,1 2 0,8 3 0,1 0 0,-10-3 0,0 0 0,4 2 0,1 2-423,-1-1 1,0 0 422,-3-3 0,-1 0 0,4 3 0,1 0 0,-1-4 0,0 0 0,-4 0 0,1 0 0,3 0 0,0 0 0,-5 0 0,0 0 0,6 0 0,-1 0 0,-5 0 0,3 0 0,13 0 0,-1 0 0,-29 0 0,2 0 0,39 0 0,1 0-229,-24 0 1,2 0 228,-8 0 0,-12 7 0,45-6 0,-1 0 0,-46 6 0,41-7 0,0 0 0,-41 0 0,41 0 0,0 0 0,-40 0 0,40-4 0,0 0 0,-41 2 0,45-2 0,2 1 0,-23 3 962,-6 0-962,45 0 983,-19 0-477,40 0 477,-10 0 0,16 0 0,2 0-680,-6 0-303,6 0 0,-5 0 0,2 0 0,-9 4 0,4-3 0,-4 3 0,6-4 0,0 0 0,-1 0 0,1 0 0,0 3 0,3-2 0,32 13 0,-5-7 0,38 6 0,-14-9 0,0 0 0,39-3-408,-21 3 408,-7-3 0,3-2 0,43 1-492,-43 0 0,2 0 209,19 0 0,2 0-209,-3 0 0,2 0 2,22 0 0,3 0 162,-33 0 0,0 1 0,1-2 0,7-1 0,2-2 0,-4 1 33,9 2 1,0 0 294,-12-2 0,2 0 0,-7 0 0,33 3 0,-10 0 0,3 0-408,-22 0 0,-3 0 408,1 0 0,0 0 362,-2 0 0,-4 0-362,25 0 0,-30 0 0,1 0 385,-7 0 1,1 0-386,12 4 0,3 0 0,-2-4 0,1 2 491,5 6 1,2 0-487,5-7 1,2 0-6,3 3 0,1 0 0,1-3 0,-2-2 0,-3 1 0,-2 0 179,-16 0 1,-1 0-180,7 0 0,0 0 0,-5 0 0,-2 0 0,-10 0 0,3 0 0,30 0 0,-3 0 0,-5 0 0,17 0 0,3 0-984,4 0 803,-32 0 1,9 0 0,-9 0 180,-17 0 0,0 0 0,19 0 0,10 0 0,-9 0 0,-19 0 0,-2 0 0,27 0 0,6 0 0,4 0 0,-4 0-248,-25 0 0,0 0 248,33 0 0,-1 0 0,9 0 0,-4 4 0,2 1 0,-33-4 0,0 0 0,34 3 0,-1 1 0,-37-1 0,0 0 0,9-3 0,7-2 0,-6 3 0,3 6 0,-1-1 0,-2-5 0,6-3 0,-7 2 0,-6 3 0,-6 0 0,43-4 300,-42-3 1,0-2-301,-7 0 0,-3 0 866,31-4-866,-10-3 0,-11 4 0,-23 2 0,65-1 0,-53 7 0,35 0 0,-11-7 983,-26 5 0,13-5 0,-10 0-127,-16 5 127,16-4-770,-21 6-213,0 0 0,52 8 0,-39-2 0,17 2 0,-4 0 0,-30-5 0,17 3 0,-107-33 0,15 15 0,-10-5 0,-4 1-984,-13 8 874,8 3 0,-5 2-382,13 2 0,-3 2 29,-21 3 1,-4 0 462,-3-3 0,-1 0-328,25 5 0,-2 0 0,-1 0 0,-9-5 0,-2-1 0,-2 1 0,-8 4 0,-1 2 0,-3-1 82,20-5 0,-2-1 0,-1-1 0,0 3 143,-1 4 1,-1 1 0,1 1 0,3-1 102,-8-3 0,2 0 0,-3 1 0,11 1 0,-3 1 0,1 1 0,3 0 0,-6 2 0,3 0 0,1-1-328,0-2 0,0 0 0,-2 0 0,-15 6 0,-3 1 0,12-2-3,21-6 1,2 0 330,-9 2 0,-7 2 0,7-1 0,6-4 0,3 0 0,-19 0 0,-1 0 0,10 0 0,1-2 0,-1-2 0,2-2 157,14-2 1,1 0-158,-12-2 0,0 0 0,5-3 0,2-1 0,9 3 0,-1 2 0,-31-1 0,2 2 0,6 3 0,-17-5 0,-3 1 0,-4 2 327,29-4 1,-9-1 0,8 2 40,14 4 1,0 0-369,-19-5 0,-11-1 0,9 2 0,15 3 0,2 2 491,-22-5 1,-5 1-445,-9 4 0,4 0-47,30-4 0,0 0 0,-26 3 0,-4 0 0,1-3 0,5 0 0,30 4 0,0 0 0,-28 0 0,2 0 983,-13 0-965,10-6-18,14 1 0,-1-1 0,-15-2 0,19 3 0,3 1 0,-7-3 0,0 6 0,-10-6 0,8 7 0,-8 0 0,25 0 0,2 0 0,-17 0 0,18 1 0,-1-2 0,-17-6 0,-2 5 0,-8-5 0,20 1 0,3 5 983,21-5-845,-7 6 845,26 0 0,-9 0 0,19 0 0,0 0-62,1 0-921,2 0 0,40 10 0,-4-2 0,67 10 0,-16-3 0,-9-8 0,14-1 0,-3-1-492,13 0 0,4-1 246,-27-2 0,6 0 0,1 0 0,-1 0-82,14 2 0,-2-1 0,1-1 0,5 0 0,1-2 0,2 1 82,-19 1 0,1 0 0,2 1 0,0-1 0,3-1 0,1-2 0,0 1 0,0 0 0,2 0 0,0 0 0,-1 0 0,-3 0-82,8 0 0,-3 0 0,3 0 280,-9 0 1,3 1-1,0-1 1,-5-1 47,6-2 0,-5 0 0,1 0-328,-1 0 0,-1 0 0,3-1 0,9-2 0,3-1 0,-7 0-164,3-3 0,-3 1 293,-14 2 1,3 1-1,-5-1 199,2-2 0,-3 1 0,7 3 0,-1 0 0,-9-3 0,-1 1 0,-1 5 0,4 2 0,-1-3 0,5-1 0,-7 2 0,-6 1 0,2 2 121,21 2 1,11 0 0,-9 0-122,-17-2 0,1 1 0,19 3 0,9 2 0,-10-1 0,-17-5 0,-4 0 0,22 3 0,3 1 491,-5 0 1,-5-1-1,-28-3 1,2 0-410,18 4 0,9 2 0,-9-1-82,-16-5 0,-3 0 0,36 7 0,-3 1 0,11-8 0,-11 7 0,3 1 380,-29-4 0,0 0-380,29 0 0,-1 1 0,-34-2 0,-4-1 335,0-2 0,2-2-335,15 1 0,-1 0 0,18 0 491,-30-2 1,-1-1 460,4-5 31,-23-3-708,4 4 708,-11-2 0,-12 8 0,49-5-2,-38 6-501,40 0-480,-40 0 0,40 0 0,-34 0 0,23 0 0,-21 0 0,-16 0 0,5 0 0,-25 0 0,-25-14 0,-18 10 0,-14-16 0,6 18 0,-3 3-707,-28-7 707,24 5 0,-4 2-492,-13 3 0,-2 1 4,7 0 0,-4 0 488,-24 0 0,-5 1 0,34-1 0,-1 1 0,4 0 0,-12-1 0,-1-1-328,2 0 0,-4-1 0,2 1-164,-11 4 0,0 0 164,8-4 0,-5-1 0,3 1 323,-17 5 0,3 1-487,6-1 0,6 0 417,27-1 1,6 1 565,-16 3-491,27-5 983,30 0-403,4-3 403,19 11 0,4-1 0,34 12 0,3-9-207,21-2-776,-11-8 0,19-7 0,-27 0 0,6-4 0,-3-10 0,-26 2 0,10-5 0,-22 9 0,-6 1 0,-3 3 0,-1 1 0,-48-20 0,-34-7 0,15 8 0,-8-1-492,-17 4 0,-12 2 249,15 4 0,-9 1 0,-2 1 0,4 1-85,-2 1 0,4 1 0,-9 1 131,5 1 0,-9 0 1,-4 0-1,4 0 0,9 0-131,-7 0 0,9-1 0,-4 3 82,4 2 0,-6 2 0,1 0 0,3-1-82,-10-1 0,4-2 0,-3 1 82,18 3 0,-1 0 0,-1 0 0,1 0 0,1 0 0,1 0 0,0 0 0,0 0 0,1 0 0,-1 0 0,0 0 0,2 0-82,-21 0 0,2 0 0,0 0 0,2 3 0,1 0 0,4 0-65,-15 2 0,7 0 393,12 0 0,5 1 305,17 2 0,8-1-305,2-2 983,-16 4 0,53-3 0,-21-5 0,17 2 0,-17-3 0,15 0 0,-27 0 0,-5 0 0,-42 0-492,42-3 1,-4-2-448,-23-4 1,-5-2-45,-7-3 0,0-1 0,11 0 0,-1 1 0,13 1 0,-4 1 0,2 0-492,-21-4 0,-2 2 164,16 3 0,-4 0 0,1 2 0,-1 1 0,0 2 0,7 0-164,-3-2 0,3 1 0,-11 6 0,7 1-8,-3-6 500,1 6 0,33 3 983,38-2-517,9 2 517,27-3 0,60 0 0,-6 0-894,-18 1 0,9-1 0,-3-1-89,5-3 0,1 0 0,-3 2 0,6 2 0,-2-1 0,-8-1 0,-1-2 0,3 2-328,21 1 0,5 1 0,-2 1 0,-11-1 0,-2 0 0,2 0 82,-8-2 0,4 0 0,-1-1 0,-4 1 132,9 1 1,-3 2 0,-1-3 113,-1-4 0,-1-1 0,-1 2-328,-1 4 0,-1 2 0,-4-3 110,6-6 1,-1 1 217,21 6 0,-1 0 0,-17-7 0,-2 1 0,1 5 0,1 2 0,18-5 0,-1 1 0,-29 4 0,-2 0 0,5 0 0,1 0 0,3-3 0,-8-2 0,-6-1-82,32-9 82,-37 3 983,0 0 0,-6 0 0,-25 7 0,14-5 0,8 2 0,9 1 0,-3 0-263,-2 7-720,-8 0 0,-6 0 0,13 0 0,-29 0 0,6-3 0,-18-1 0,-31-8 0,-15 0 0,-37-6 0,-9 10-492,29 3 0,-4 2 202,-11 2 1,-1 2 289,5 2 0,-3 2 0,1 1 0,-5 0 0,5 2-492,-4 1 0,1 2 164,5-2 0,-4 1 0,4-1 144,-7 0 1,3 0-309,-1 0 0,2 0 485,18 2 0,6-1 7,-15 1 0,42 3 983,20-10-678,89 8-305,10 2-328,-32-8 0,10 1 0,0-1 241,-5 1 1,1 0 0,2-1 86,10-2 0,3 0 0,2-1 0,6 0 0,2 1 0,2-2-246,-19-2 0,1 0 0,2-1 0,2 2 49,-8 0 0,1 1 1,2 1-1,2-1 0,0-1 0,10 0 0,2 0 1,2-1-1,-1 0 0,-1 1 0,-6 0 0,-1 2 1,0-1-1,-1 0 0,2-1 0,1 0 0,1-1 1,-1 0-1,1 0 0,1-1 0,2 1 0,1 0 1,0 0-1,-1 0 0,-4 0-49,8 0 0,-4 0 0,0 0 0,2 0 49,-8 1 0,2-1 1,1 0-1,-2 0 0,-5-1-49,1 0 0,-5-1 0,-1-1 0,0 0 0,2-1 0,-1-1 0,0-1 0,-1 0 8,-3 1 0,0 0 0,-2 0 0,0-2 402,19-5 0,-1-2 0,-2 1-164,-2 2 0,0 1 0,-4 0 327,-9 0 1,-3-1 0,-1 1-102,-2 0 1,-1 1 0,-3 0 264,16-1 1,-4 2-1,-5-1 1,-3 0-1,-13 0 1,-2 1-229,43-8-263,-33 3 0,-22 2 983,-26 6 0,-15 2 0,-91 15-761,36-7 0,-6 1 105,-5 1 1,-7 1 0,0 0-1,1-2 1,0 0 0,-2 1-640,-6 4 1,-1 2 0,0 1 311,-4-1 0,-1 1 0,2 1 0,8 1 0,3 0 0,-2 2 0,-4 4 0,-2 1 0,7-2-299,0-1 1,5 0 298,-1 5 0,9-1 0,5-3 0,31-6 983,20-8-418,11 3 418,41 2 0,12 3-492,-4-6 1,6-1-171,3-3 1,4-1-322,23 5 0,5-1-328,-26-6 0,1-2 0,3 0 0,10 3 0,3 1 0,1-2 0,3-4 0,0-1 0,0-1 0,1 1 0,1-1 0,-6 0 0,-19-2 0,-4 0 0,1-1 0,5-1 0,2-1 0,-5-2-164,14-7 0,-4-1 17,4 3 0,-1 0 268,-1-6 0,-8 2 207,-1 9 983,-4-9 0,-33 12-570,16-4 570,-15 2 0,11 3 0,-1 4 0,-3 3 0,48 0 0,-43 0-492,18 0 1,4 0-1324,5 0 832,3 4 0,3 0 0,15-2 0,-33 3 0,4-1 0,14-4 0,0 0-492,-18 0 0,-1 0 222,19 0 0,3 0 270,0-5 0,-6 1 0,12 2-418,-20-5 1,-4-2 417,-1 1 0,-17 0 0,30 1 983,-53 7-972,74 0-11,-66 0 0,16 7 0,3 1 0,5 2 983,-2 6-428,-32-18 404,-25-3-959,-85-20 0,2 9-492,3 2 0,-10 1 0,-2 6 0,-1 4 14,4 1 0,-3 4 478,10 2 0,-6 3 0,5 2-328,17 0 0,2 1 0,-2 1 0,-21 2 0,-4 0 0,0 2 0,-6 1 0,0 2 0,5-2 298,27-5 1,3-1 0,-4 1 29,-25 4 0,-6 2 0,8-1 0,6-2 0,7 1-367,-5-1 1,5 0 366,16 0 0,10-1 0,14-4 0,29-1 983,11-5 0,58 9-819,-2-5 1,10 0-165,24 0 0,6-1-328,-31-3 0,2 0 0,6-1 152,13-1 1,10-2 0,0 1-1,-10 0 176,-15 0 0,-6 0 0,6 0-246,11-2 0,9 0 0,-4 0 0,-15-1 202,-17 1 1,-7-2 43,14-4 0,-5 0 0,-13 2 0,10-4 0,-28 9 983,-32-6 0,-45-2 0,-38-5-492,7 9 1,-10 1-820,18 1 0,-3 0 0,-3 1 0,-18 1 0,-5 2 0,1-1 0,7-1 0,1 0 0,-3 3 82,11 3 0,-4 2 0,2 1 0,4 0-82,-4-1 0,5 1 0,-2 2 0,-10 5 0,-1 2 0,3 1 0,18-5 0,3 0 0,1 0-164,-28 2 0,5-1 0,22 0 0,5-2 118,9-4 0,9 0 1357,12-1 0,18-1 0,75-6 0,-7 7-492,-2-6 1,8-1-1,23 3 1,3 1-1,-6-4 1,5 0-634,-3-2 0,5-1 0,0-1 142,-5-2 0,-2-2 0,-2 2 0,21 0 0,-1-2-328,-16-3 0,3-2 0,-3 2-164,15 4 0,0 0 329,-14-4 1,3-4-1,-4 4-329,10 3 0,-1 2 222,-16-3 1,1-1 0,-2 3 269,13 5 0,-3 2 82,0-5 1,2 1-83,-13 3 0,1 1 0,-7 1 0,37-1 0,-33 0 0,9 0 0,-9 0 0,25 0 491,-2 0 1,-2 0 398,-6 0 93,-4 0 0,-40 0 0,-37 0 0,-65 0-492,14 0 1,-8 0-820,-19-1 0,-10 1 0,4 1-9,-6 2 1,-1 1 336,-1-1 0,-8 0 0,10 2-433,10 4 1,3 0 432,10-2 0,-2 0 0,2-1 0,-14-1 0,3 0 0,4 3 0,2 0-170,2-7 1,6 0 169,-10 9 0,21-6 0,49 0 983,50 7 0,0-3-492,3-3 1,5-1 491,45 2-721,-22-6 0,6 0-754,-4 4 0,3 1 180,-11-4 0,3-1 0,1 1 312,-3 1 0,0 2 0,-1-2 0,27-1 0,-1-2 0,4 2 0,-8-2 0,-38-4 0,-7-1 0,35 3 0,-61-11 0,-20 10 0,-9-7 983,-8-1-542,-22-16 542,6 11 0,-32-11-377,-2 23-606,8-3 0,-6 1-492,-9 5 0,-5 2 164,9-3 0,-5 0 0,-1 0 14,-6 3 0,-2 0 1,-1 0-15,-8 0 0,-1 0 0,-4 0 82,13 2 0,-3 1 0,-1 0 0,1-1 0,2-1 0,1-1 0,0 0 0,-2 1 0,-9 1 0,-2 1 0,-1 0 0,1-1 0,2-2 0,0 0 0,1 0 0,3 0 0,10-1 0,4 1 0,-1 0 0,-1 1 0,-10 0 0,-2 2 0,1 0 0,8-1-82,3-1 0,7-1 0,-1 1 0,-8 2 0,-1 0 0,8 0 168,2 1 1,6-1 159,4-2 0,2 0 0,3 3 0,2-1 0,-36-3 0,4 0 983,41 0 0,8 0 0,4 0 0,-8 0 0,5 0 0,-21 0 0,8-6 0,-5 4 0,-26-4 0,44 2-492,-19 3 1,-2 1 491,6-4-1208,-22-1 1,-1 1 224,10 2 0,13-2 0,-3 0 0,-39 4-107,31 0 107,-21 0 0,14 7 0,33-5 0,-18 5 0,28-3 0,3-3 734,4 6-734,2-6 0,12 5 0,53 7 0,49 0 0,-7-3-492,-20-4 0,4 0 246,2 2 0,13 3 0,3-1 0,-5-4-82,7-4 0,-4-3 0,-1 0 0,-9 1 0,-1 0 0,3 0 82,-6 0 0,5 1 0,-1-1 0,-6-1-246,25-3 0,-1 0 164,-11 4 0,4-1 0,-4 1 0,-19-3 0,-3 0 0,3 1 0,25 1 0,4 1 0,-6 1-164,4-1 0,-3 0 164,-19-3 0,3 0 0,-5 0-164,6 2 0,-4 0 764,1-3 1,0-1-273,-3 1 0,-8 1 983,-8 1 0,22-5 0,-4 7 0,5 0-492,-27 0 1,1 0 491,34 0-708,-15 8 0,5 1-275,-12-7 0,1 1 0,24 10 0,-4-1 0,6-10 0,-25 6 0,-3 0 0,7-6 0,-16 2 0,-2 0 983,1-4 0,-8 0 0,-37 0-371,4-3-431,-60-5-181,2-4 0,-3 7 0,-5 2 983,-44-4-883,34 6 0,-5 2-592,-15 3 0,-2 1 0,0-1 0,-3 2 298,20 0 1,-2 1 0,-2 0-135,-15-3 0,-4-1 0,1 0 0,6 0 0,0 0 0,-3 0 82,8-3 0,-4 0 0,0 0 0,3 0-1,-14 0 0,3 0 1,0 0 246,-4 0 0,-1 0 0,1 0 0,1 0 0,1 0 0,4 0 0,-12 0 0,3 0-328,20 0 0,-2 0 0,4 0-164,-9 0 0,5 0 0,-1-1 0,-1 2 94,-9 3 0,3 0 398,29-3 0,3 0 491,-1 3 1,1 0-426,-9-3 0,6-2-66,11 1 983,-41 0 0,36 0 0,0 0 0,5 0 0,10 0 0,-2 0 0,-21 0 0,8 0 0,-18 7-957,-24-6-1010,3 6 492,34-7 0,-2 0 286,6 0 1,1 0 108,-47 0 97,23 0 0,-12 0-473,23 7 473,-31-5 0,31 5 0,-13-7 0,53 0 0,-41 0 0,19 0 983,-5 0 0,11 0-538,-15 0-445,18 0 0,-9 0 0,-7 0-183,0 0 0,0 0 183,4 0 0,-3 0 0,-31 0 0,2 0 0,-15 0-492,8-4 0,-1-1-492,-6 3 492,17-2 0,2 0-149,7 4 641,8 3 0,3 1 0,18-2 0,-26 6 739,26-2-739,16-4 983,-21 5 0,31-7 0,-40 0-174,26 0-809,-28 0 0,31 0 0,-42 0 0,22 0 0,-35 0 0,31 0 0,-9 0 0,6 0 0,-17 0 0,8 0 0,-21 0-984,7 0 738,5-4 1,-3-1 245,25 0 0,0 1 0,-15-2 0,2 1 0,-19-2 0,29 7 0,3 0 0,12 0 0,1 0 0,7 0 0,-18 0 983,8 0-491,-11 0-492,1 0 0,-11 0 0,-2 0 0,-11 0 0,-10 0-734,7 0 734,25 3 0,-1 1 0,-36-2 0,36 2 0,-1 0 0,-44-4 0,12 0 0,12 0 0,3 0 0,18 6 0,-18-5 0,17 5 0,4-6 0,2 0 734,8 0-734,-21 0 0,8-6 0,-8 5 0,10-6 0,0 0 0,-13 4 0,8-1 0,-1 0 0,-6 4-291,5 1 0,0-2 291,-16-5 0,-18 5 0,44-5 0,8 6 0,6 0 0,3 0 0,20 0 582,1 0-582,3 0 0,-13 0 0,7 0 0,-26 0 0,4 6 0,1-5 0,-23 5 0,0 1 0,1-5 0,-33 5 0,33 0 0,-7-6 0,21 6 0,5-7 0,19 0 0,-9 3 0,17-2 0,3 2 0,-7-3 0,-4 4 0,-6 1 0,-24 0 0,5 4 0,-1-7 0,16 3 0,15-2 0,59 2 0,4 6 0,4-7 0,7-2 0,4 2 0,1-1 0,4-1 0,7-4-328,10-5 0,10-3 0,-7 1-164,-4 6 0,1 0 246,-14-4 0,8-3 0,0 0 0,-5 2-82,1 3 0,-5 2 0,0-1 0,-2 1 0,0-1 0,5 0 82,1 1 0,6 1 0,-1-1 0,-8 2-246,16 1 0,1 0 246,-14-2 0,10 0 0,0-1 0,-9 1-246,17 1 0,-2-1 246,-19-1 0,6-3 0,1 1 0,-7 1-246,26 3 0,-4 0 164,-24-4 0,1-2 0,-3 2 308,16-1 1,-7 2 19,-15-1 0,-3 0 0,6 0 0,-1 2 0,-4 2 0,-1 2 0,2-1 0,-3 0 983,20 0-492,-25 0 1,2 0 491,33 0 0,-7 0-889,-10 0 0,-2 0-94,-7 0 400,19 0 1,4 0-401,11 0 0,-6 0 0,-1 0 0,7 0 0,-7 1 0,-1-2 0,8-6 0,-35 6 0,5 0 0,18-3 0,-3 1 0,-29 2 0,-1 2 0,37-1 0,3 0 0,-8 0 0,-5 0 0,-17 0 0,-1 0 0,21 0 0,-4 0 983,19 0-492,-27 0 1,-1 0-377,28 0 259,-33 0 0,-2 0-374,12 0 0,10 0 0,-8 0 0,19 0-481,-22 0 1,3 0 480,-14 0 0,0 0 0,19 0 0,0 0 0,-15 0 0,-3 0 0,-7 0 0,0 0 0,15 0 0,0 0 0,-4-1 0,0 2 0,5 3 0,0 0 0,1-3 0,-2 0 0,-3 2 0,-2 2 0,0-1 0,-1-1 0,-4-2 0,-1 0 0,-5 7 0,0-1 389,-1-6 0,-1 0-389,44 13 0,-43-13 0,0 0 0,0 6 0,2 1 0,4-3 0,0-1 0,0 1 0,1 0 0,4-1 0,1-1 0,0-3 0,2 0-311,9 4 0,1 1 311,0-4 0,1 0 0,10 3 0,0 0 0,-9-3 0,0-2 0,7 1 0,2 0 0,12 0 0,-3 0 0,-29 0 0,-1 0 0,19-3 0,-6-1 110,-5 2-110,18-5 0,-7 7 0,0 0 0,-3 0 0,0 0 0,-8 0 983,-2 0-784,-14 0-199,-9 0 912,-1 0-912,0 0 0,5 4 0,3 0 580,19-2-580,11 11 0,2 0 0,-3-9 0,-25 8 0,2 0 0,1-6 0,-4-2 0,16 4 264,-18-2 0,-5-3-264,-23-3 0,-5 0 0,-22 0 0,-1 0 0</inkml:trace>
+</inkml:ink>
+</file>
+
+<file path=ppt/ink/ink29.xml><?xml version="1.0" encoding="utf-8"?>
+<inkml:ink xmlns:inkml="http://www.w3.org/2003/InkML">
+  <inkml:definitions>
+    <inkml:context xml:id="ctx0">
+      <inkml:inkSource xml:id="inkSrc0">
+        <inkml:traceFormat>
+          <inkml:channel name="X" type="integer" min="-2.14748E9" max="2.14748E9" units="cm"/>
+          <inkml:channel name="Y" type="integer" min="-2.14748E9" max="2.14748E9" units="cm"/>
+          <inkml:channel name="F" type="integer" max="32767" units="dev"/>
+        </inkml:traceFormat>
+        <inkml:channelProperties>
+          <inkml:channelProperty channel="X" name="resolution" value="1000" units="1/cm"/>
+          <inkml:channelProperty channel="Y" name="resolution" value="1000" units="1/cm"/>
+          <inkml:channelProperty channel="F" name="resolution" value="0" units="1/dev"/>
+        </inkml:channelProperties>
+      </inkml:inkSource>
+      <inkml:timestamp xml:id="ts0" timeString="2025-12-04T11:48:45.455"/>
+    </inkml:context>
+    <inkml:brush xml:id="br0">
+      <inkml:brushProperty name="width" value="0.35" units="cm"/>
+      <inkml:brushProperty name="height" value="0.35" units="cm"/>
+      <inkml:brushProperty name="color" value="#E71224"/>
+    </inkml:brush>
+  </inkml:definitions>
+  <inkml:trace contextRef="#ctx0" brushRef="#br0">13 147 24575,'48'17'0,"1"-1"0,31 9 0,-4-10 0,8-3-492,4-7 0,2-1 164,-22 1 0,2 2 0,2-2 0,19-3 0,4-2 0,0 0 0,1 2 0,1 2 0,-1-1 0,-3 0 0,-1 0 0,4 0 82,-9-2 0,4-1 0,0 0 0,-6 1-82,3 2 0,-5 0 0,4 0 82,-10-3 0,3 0 0,0 0 0,-5 0-67,4 0 1,-4 0-1,-1 0 313,-2 0 0,-1 0 0,1 0-20,7 0 0,1 0 1,-5 0 19,10 0 0,-2 0-361,7 0 0,-7 0 361,4 0 983,-6 0 0,-18 0-976,-15 0 976,-2 0 0,6 0 0,4 0 0,28 0 0,10 0-492,-38 0 1,-1 0 491,37 0-1475,-26-1 0,2 2 228,-13 3 0,3 0 264,29-3 0,4 0 0,-21 3 0,1 0 0,-4-1 0,4 0 0,-7 0 0,-9 2 0,1-1-328,10 0 0,9-1 0,-4 1-164,13 4 0,-3 0 0,1-7 0,-1 0 0,-7 3 0,-1 0 0,-2-3 0,-3-2 182,-14 1 1,2 0 309,13 0 0,7 0 0,-8 0 0,-16 0 0,-2 0 0,28 0 0,1 0 0,-12 0 0,-5 0 0,35 0 0,-33 0 0,-2 0 0,12 0 0,-12-4 0,2 0 0,23 2 0,-19-3 0,0 1 0,19 4 0,-1 0 0,9 0 0,-26-4 0,1-1 0,30 3 0,-31-2 0,-2 0 0,17 4 827,3 0-827,10 0 0,0 0 0,-44 3 0,1 1 491,1-3 1,0 0-1,5 3 1,1 0-275,-1-4 0,0 0-217,6 0 0,0 0 183,0 0 1,1 0-184,5 0 0,1 0 0,-1 0 0,0 0 0,-6 0 0,2 0 0,24 0 0,-1 0 0,-28-3 0,-3-1 0,17 0 0,-4-1 0,21-4 0,4-5 0,-44 9 0,2 0 0,3 1 0,2-1 0,5-3 0,-1 0 0,-3 3 0,0 0 0,8 1 0,1-2 0,-10-1 0,2-1 0,24 3 0,-1-1 0,-36-1 0,0-1 0,24-1 0,-4 1 0,-15-6 983,16 6-875,-10-4-108,2 10 0,1-5 0,28 7-860,8 0 860,-45 0 0,2 0 0,2 0 0,0 0 0,-3 0 0,-4 0 906,16 0-906,-5 0 983,-46-3-513,-7 2-470,-3-5 0,3 5 983,-2-2-362,5 3-621,-5 0 0,2 0 0,-60-6 0,-14 4 0,12 2 0,-7 1-492,-34 3 0,-6 3 0,14 2 0,-11 0 295,15-4 0,-15-1 1,-5 0-1,0-1 0,9 2-49,9-1 0,5 2 0,1-1 0,-8 0 82,2-1 0,-6-1 0,-3 0 0,-2 1 0,4-1 0,6 1-82,-11 1 0,6 1 0,1-1 0,-3 0 49,9-2 0,-3-1 1,-1 0-1,0 0 0,0 0 0,-1 2 0,0 0 1,0 1-1,1-1 0,2-2-49,-10 0 0,2-3 0,1 1 0,1 2 0,-1 2 0,0 1 0,1 0 0,5-1-82,-10-2 0,5-2 0,-1 1 0,-4 2 0,-1 1 0,1-2 0,-1-4 0,1-2 0,0 1 0,-4-1 0,0 1 0,0-2 82,22 1 0,-1-1 0,1-1 0,-1 0 95,0-1 0,0 0 0,0-1 0,-1 0 151,1 2 0,0 1 0,0 0 0,3-2 0,-16-2 0,3-2 0,1 2 0,7 4 0,1 2 0,2 0 491,-20-2 1,3 1-290,-2 4 0,3 0 289,12-4 1,1 0-1,-12 4 1,-2-2-448,7-6 0,3-1-44,15 8 0,-1 0 0,-24-7 0,-1-1 0,23 3 0,2 1 0,-4 0 0,-2-1 491,-17 1 1,8 2 491,8 3-783,-6 0 0,1 0-200,8 0 0,-9 0 0,-2 0 0,-2 0 0,-12 0 0,-2 0 0,50 0 0,0 0 0,-27 0 0,-4 0 0,0 0 0,4 0 0,21 0 0,1 0 0,-25 0 0,2 0 0,-18 0 0,16-1 0,-9 2 0,21 1 0,-3 1 0,1 0 0,-25-2 0,-3-1 327,9 3 1,-5 0 0,13-1-72,22-2 0,4 0-256,-31-1 0,4 2 983,-4 6-726,28-7 0,2 1-257,-3 10 983,-30-10-398,-2 11-585,28-10 0,8 5 0,-1 1 0,-6-7 0,-14 3 0,-4-1 40,29-3 0,-1 0-40,-33 1 0,1-2 0,-12-6 0,27 6 0,1 0 0,-7-6 491,17 6 1,7 2 491,28-1 0,-3 0-801,23 0 216,61 7-398,26-5 0,-18 2 0,10 0-328,-3-1 0,6 1 0,0-2 0,-3-1 0,1 0 0,1-1 4,12 3 0,3 1 0,3-1 324,-16-3 0,3 0 0,-1 0 0,-3 0 0,4 0 0,-4 0 0,6 0 0,8 0 0,7 0 0,1 0 0,-5 0-328,4 0 0,-4 0 0,2 0 82,-10 0 0,2 0 0,0 0 0,-2 0 0,-9 0 0,-1 0 0,-1 0 0,0 0 22,2 0 0,-1 0 0,1 0 1,-1 0-23,1 0 0,0 0 0,0 0 0,1 0 0,-1 0 0,2 0 0,-3 0 0,-3 0-82,3 0 0,-5 0 0,2 0 0,15 0 0,3 0 0,-5 0 87,-17 0 1,-4 0-1,0 0 241,33 0 0,2 0 0,-24-3 0,3 0 0,-4 0 0,19 2 0,-4 0 0,-3-4 0,3 1 0,-10 3 0,5 1 0,-9 1 0,-14-1 0,0 0 0,16 0 0,9 0 0,-9 0 491,-9 0 1,-3 0-353,27 0 0,6 0-139,-31 0 0,2 0 0,-4 0 491,15 0 1,-1 0-302,-14 0 1,3 0 0,0 0 136,7 0 1,0 0 0,-5 0 40,0 0 1,0 0-369,2-3 0,5 0 0,-6 1 0,-7 1 0,2 0 0,7-2 0,9 0 0,-5 1 0,10 1 0,1 2 0,-13 1 0,5 0 0,0 2 0,3-1 0,0 1 0,-6 0 0,6 1 0,-2 0 0,-6-1 0,4-1 0,0 0 0,-3-3 0,0 0 0,-6 0 0,6 0 0,-1 0 0,-5 0 0,4 0 0,-9 0 330,-11 0 1,-2 0-331,41-1 0,2 2 0,-28 2 0,1 2 0,-3-5 0,5 0 0,-4 2 0,9 5 0,1 2 0,-1-2 0,7-1 0,-3 2-328,-14-2 0,-2 1 0,2 1 297,12 1 1,4 1 0,-1 0-298,2 0 0,1 0 0,-5-1-38,15 2 1,-3-1 365,7 1 0,-7-1 983,5-2-343,-79-11-640,-77-14 0,8 5 0,-6 0 307,-16-3 0,-14 1-307,17 4 0,-10 0 0,-6 0 0,0 1 0,8 1-328,-19 2 0,6 2 0,-8-1 131,10-2 0,-8-1 1,-4-1-1,2 1 0,6 3 72,3 2 1,5 3 0,1 1 0,-1-2 9,-5-1 0,0-1 0,0 1 1,0 0 114,5 1 0,0 1 0,1 0 0,0 1 0,2 1 0,0 0 0,1 1 0,-3-1 0,-7-1 0,-4-1 0,2 0 0,2 1 0,13 1 0,3 1 0,-1-1 0,-2 0 0,-16-1 0,-3-1 0,0 0 0,4-1-328,-6 1 0,5 0 0,-2 0 82,19 0 0,-1 0 0,0 0 0,4 0 227,-6 0 0,4 0 1,-4 0 18,6 0 0,-4 1 0,1-1 0,1-1 0,-11-1 0,2-2 0,-3 1-246,10 2 0,-4 1 0,0 0 0,1-1 120,-17-2 0,2-1 0,1 1 126,4 3 0,1 0 0,1 0 327,7 0 1,1 0 0,5 0 5,-12 1 0,0-2-333,15-1 0,-4-1 0,4-1 0,-16 0 0,2-3 0,-4-1 0,-4-2 0,17 1 0,-2-1 0,1 0 0,11 0 0,2-1 0,1 2 0,-25-3 0,1 1 327,19 2 1,-1-1 0,13 3 655,0 5 0,-15-3 0,73 5-92,59 19-891,24-7 491,-14 4 1,7 1-55,10-5 0,6-3-437,-19-2 0,4-1 0,-1 0 0,-6 0 0,-1 0 0,15-1-141,-6-3 1,15-1-1,8-1 1,5 0-1,-1-1 1,-4 1-1,-11 0-56,-5 2 0,-8 0 1,-2 0-1,4 0 0,11-1 98,-11 0 1,9-1 0,5 0-1,6 0 1,2 0 0,-1 0-1,-1 0 1,-4-1 0,-6 1-1,-9 0-98,17 0 0,-10 1 1,-5-1-1,1 0 0,5-1 33,1 0 0,4 0 0,2 0 0,-1-1 0,0 0 0,-4 0-33,7-2 0,-2 0 1,-2-1-1,-1 1 0,-3-1-49,9-1 0,-4 0 0,-1 0 0,4 0 49,-10 0 0,4-1 1,0 0-1,-2 1 0,-2 1-49,4 1 0,-2 1 0,-2 1 0,0-1 0,-2-2 0,-1 0 0,-1 0 0,1 1 450,3 3 1,1 1 0,-1 0 0,-5-1-205,3-2 0,-4-1 0,2 2 151,-8 1 1,2 1 0,0 0-1,-4 1-151,7-1 0,-3 0 0,2 0 0,16 0 0,3 0 0,-2 0 327,-10 0 1,-2 0 0,-2 0-156,-8 0 1,-2 0 0,-5 0 318,2 0 1,-2 0-1,7 0 1,-1 0-299,-16-4 1,-1 0-194,12 3 0,-2 0 0,23-8 983,1 9 0,-58 0 0,47 0 0,-34 6 0,10-5 0,-28 5 0,-23-3 0,-62 6 0,-35-4-1147,32-3 0,-18 1 0,-11 1 0,-4-1 0,1-1 0,8 0-33,3 0 0,5-2 1,1 0-1,-4 0 0,-8 1 74,6-1 0,-6 1 0,-6 0 0,-2 0 0,-1 0 0,1 0 0,2 1 0,5 0-41,-10 1 0,2 0 0,3 1 0,1 0 0,1-1 0,0 1 0,6-2 0,2 0 0,2-1 0,-2 1 0,0 1 0,-4 1 23,1 2 1,-5 2-1,-1 1 1,0 0-1,0 0 1,4-1-1,4-1-56,-6-1 0,4-1 1,3 0-1,-1 0 0,-4 1 33,5 2 0,-3 1 0,-1 1 0,0 0 0,1-1 0,2-1-33,-9-2 0,2-1 1,0-1-1,3 0 0,1 1-49,-9 2 0,3 2 0,2-1 0,0-2 0,4-2 0,0-1 0,2-1 0,4 1-82,-13 3 0,5 0 0,12 0 473,19-3 1,8 0-146,-45 7 983,91-6 0,74 4 0,7 1-656,-15-2 1,11 0 0,-1-2 163,17 1 1,5-2-404,-14-1 0,8 0 0,3-1 0,-4-1-88,8 0 0,-3-1 0,5-1 0,-5 1 0,6 0 0,1 0 0,-1 0 0,-2 0 0,0 0 0,0 0 0,-2 0 0,-7 0 0,-1 0 0,0 0 0,5 0-197,2 0 0,5 0 1,3 0-1,-3 0 0,-5 0-49,0 0 0,-5 0 0,0 0 0,4 0 49,-3 0 0,3 0 1,2 0-1,-1 0 0,-4 0-49,7 0 0,-3 0 0,-1 0 0,1 0 0,1 0 0,0 0 0,0 0 0,-2 0 0,-3 2 0,-2 1 0,0-1 0,1 0 126,2-1 0,0-1 0,0 1 0,-4 0 111,10 2 0,-4 1 1,-4-2 8,-15-3 0,-3-1 0,-5-1 491,5 0 1,-15-1 491,-23-3 0,-8-2 0,-23 5 0,-50-17-492,4 12 1,-9 2-1,-25-12 1,-6 0-1,-3 11 1,-6 4-165,8-3 1,-7 1 0,2 1-656,13 4 0,1 2 0,-6-1 131,8 0 0,-7 0 1,-2 0-1,-1 0 0,3 0-49,-8 0 0,2 0 0,-1 0 0,-2 0 49,8 0 0,-2 0 1,-1 0-1,-2 0 0,-1 0 33,4 0 0,-3 0 0,-1 0 0,0 0 0,2 0 0,3 0-33,0 0 0,5 0 1,0 0-1,-2 0 0,-6 0 56,4 0 1,-6 0-1,-4 0 1,-1 0-1,2 0 1,3 0-1,7 0-105,-20 0 0,8 1 0,2-1 0,-4-1 49,8 0 0,-4-1 1,0 0-1,1-1 0,3 2-49,-8 0 0,1 1 0,4 0 0,4-1 216,-1-2 0,6-1 0,-5 1 30,2 3 0,-5 0 0,1 0 0,11 0 491,-12 1 1,8-2-226,-9-1 1,8-1 716,2 1 0,63-3 0,12 5 0,67 0 0,0 7-492,1-6 1,7 0-1,-7 6 1,1 1-1,11-7 1,-2 0 491,21 7-492,-33-8 1,-8 0 491,-22 0 0,10-3 0,-47 2-902,-76-19-81,0 16-328,21-3 0,-9-3 0,2 1-164,-7 3 0,-3 2 164,-4 0 0,-8 0 0,5 1-164,-9-2 0,1 1 164,18 3 0,-3 1 0,3 1 140,9 2 0,1 0 0,0 0 188,-4-2 0,-1-1 0,-1 1 0,-5 2 0,-2 0 0,0 0 0,-8-2 0,-2-2 0,5 1 0,17 0 0,3 0 0,-4 0 0,-22-2 0,-4-2 0,2 1-328,18-1 0,2 0 0,-4 0 82,-3-1 0,-5 0 0,-1-1 0,6 1 13,-2 1 0,4 1 0,-4-1 233,0-1 0,-7 0 0,3 0 0,10 1-492,-4 3 0,2 0 271,-18-5 0,-10-1 1,9 1 220,10 5 0,3 0 0,13-2 0,-2-1 0,4 2 451,-1 2 1,6 0-452,-30 0 983,33 0 0,10 0 0,1 0 0,16-3 0,-23 2 0,20-2 0,-14 3 0,23 0 0,3 0 0,15 0-668,-14 0-315,11 0 0,-23 0 0,18 0 0,-49 0 0,-4-8 0,-29 6 0,24-6 0,-3 8 0,46 0 0,-6 0 0,26 4 0,17 3 0,20 3 0,31 5 0,12-7 0,26-2 0,7 0 0,-9-1-328,-8 0 0,-6-2 0,13 1 164,-6-1 0,13 0 0,6 0 0,2 0 0,-4 0 0,-9 0-82,7-1 0,-6 1 0,-3-1 0,4 0 49,-11-1 0,2-1 1,1 0-1,0 1 0,2-1 0,5 2 0,2 0 1,1 1-1,-2-1 0,-2-1-49,5-1 0,-3 0 0,1 0 0,7 0 105,-20 0 1,5 0-1,4 0 1,2 0-1,-1 0 1,-3 0-1,-5 0-56,8 0 0,-6 0 1,-1 0-1,1 0 0,7 0 56,-8 0 1,6 0-1,3 0 1,1 0-1,-2 0 1,-3 0-1,-7 0-56,3 0 0,-5 0 1,-3 0-1,0 0 0,2 0 0,8 0 0,1 0 1,1 1-1,0-1 0,-2-1 0,-3-1 0,0 0 1,-1 0-1,-1 0 0,-2 0-49,6 1 0,-3 1 0,0 0 0,2-1 0,12-1 0,3-1 0,-1 0 0,-5 1-82,4 2 0,-4 0 0,-1 0 0,3 0 0,0 0 0,-7 0 166,5 0 1,-1 0 488,-17 0 1,2-1 0,-2 2-316,16 3 0,0 1-12,-13-4 0,2-1 0,-2 1 0,19 4 0,-1-1 0,-22-3 0,3-1 0,-9-1 491,-8 1 1,0 0-221,10 0 1,8 0-1,-9 0-271,-20 1 0,0-2 491,45-2 1,-3-2 491,-9-4-500,-14-3 0,-3-1 500,-9-1-492,-2-2 1,-2 0 491,-6 2-135,23-6-848,18 5 0,-38 9 0,31-6 983,-45 11 0,0-9 0,-13 5 0,6-1 0,-16 3 0,1 3-347,5 0-636,11 0 0,20 6 0,1-4 0,40 12 0,-33-12 0,33 12 0,-40-12 0,-1 4 0,-14-6 0,-16 0 0,-1 0 0,-9 0 0,3 0 0,23 0 0,-16 0 0,56 0 0,4 16-497,11-12 497,3 18 0,-50-21 0,-15 5 0,-19-6 0,-1 0 0,-3 0 0,3 0 497,7 0-497,35 7 0,25 10 0,-29-8 0,3 0-484,2 7 1,2 0 483,9-6 0,0-1 0,31 14 0,-1-13 0,-55-4 0,-32-6 0,-61 0 0,-30 0 0,12 0 0,8 0 0</inkml:trace>
+</inkml:ink>
+</file>
+
 <file path=ppt/ink/ink3.xml><?xml version="1.0" encoding="utf-8"?>
 <inkml:ink xmlns:inkml="http://www.w3.org/2003/InkML">
   <inkml:definitions>
@@ -933,6 +1149,258 @@
     </inkml:brush>
   </inkml:definitions>
   <inkml:trace contextRef="#ctx0" brushRef="#br0">1 279 24575,'82'0'0,"-11"0"0,6-8 0,-29 1 0,21-2 0,1 0 0,-8-4 0,-8 5 0,0 1 0,8 0-492,2-1 0,3 1-445,30 5 937,-20-3 0,0 1 0,19 4 0,-19 0 0,0 0 0,19 0 95,-24 0 0,-2 0-95,4 7 0,-3-6 0,-3 6 0,-27-7 0,0 0 0,-16 0 0,5 0 983,-7 0-529,3 0-160,3 0-294,-15 0 0,31 0 0,-28 0 0,13 0 0,20 0 0,-21 0 0,58 0 0,-53 0 0,32 0 0,13 15 0,-21-6-492,9 3 0,6 1 287,-12-5 0,-1 0 205,1 0 0,2 0 0,21-2 0,-6-2 0,-7 2-289,1-5 1,-4-2 288,-20 1 0,39 0 0,-19 7 0,-12-5 0,13 9 0,27-2-442,-44 3 442,2-7 0,1-1 0,-4 1 0,47 3 0,-39-6 983,30 6-647,-41-8-336,11 0-33,-9 0 0,1 0 33,31 0 0,-26 0 0,-1 0 0,16 0 0,10 0 0,3 0 0,-1 0 0,8 0 0,-7 0 0,9 0 0,-9 0-203,-13 0 203,-2 0 467,-18 0-467,17 0 0,-17 0 0,18 0 680,-8 0-680,10 6 0,-10-4 0,8 4 0,-8-6 216,0 0-216,7 0 0,-17 0 0,8 0 0,-10-6 0,-1 5 0,11-4 0,2 5 0,10 0 0,0 0 0,10 0 0,-7 0 0,-24 0 0,1 0 0,35 0 0,-30 3 0,2 1 0,-1-3 0,2 0-492,5 6 0,1 1 262,-1-3 1,1-1 229,11 1 0,-5 0 0,5 2 0,3-10 0,-68 2 0,-2-5 0,-2 5 0,6-8 0,-5 8 983,8-5-523,-8 6-460,2 0 0,-58-45 0,13 15 0,-20-10 0,-9-1-492,13 14 0,-1 4 313,-6 1 1,-3 0-314,-15-4 0,-2 3 0,1 11 0,-1 2 356,-5-8 1,-1 2 135,-1 9 0,0 3 0,11 0 0,-1 0 0,-5 0 0,-2 0 0,-4 3 0,-3 0 0,-7-3 0,-3 0-492,1 3 0,-1 2 164,30-1 0,-1-1 0,1 2-90,-32 3 1,5 0-75,22-3 0,3 0 301,-11 3 0,2 0 191,23 1 0,2-2 224,1-2 0,-1 0-224,-7 7 0,5-1 0,11-5 983,-50 5-220,52-7-763,-55 0 0,43 0 983,-43 0-559,37-3 1,0-2-425,10 0 0,-2 1 0,-21-1 0,-5 0 0,-4-4 0,1 2-251,17 6 1,0 0 250,-18-4 0,1 1 0,31 4 0,0 0-400,-25 0 1,0 0 399,22 0 0,1 0-304,-19 3 0,2 1 304,-20-3 946,17 12-946,-7-12 0,20 6 0,0 1 983,-23 0-492,23 0 1,0 0-225,-10 0 22,16-1 0,-1 0-289,-36 2 0,32-4 0,-4 0 0,-13 3 0,0-1 0,18-6 0,-1 0 0,-29 7 0,1 1 0,27-9 0,3 2-492,-9 4 0,-3 3 171,-25 0 0,0 1 321,28-1 0,0 1 0,-26 6 0,1 2 0,26 0 0,5-1-257,-30 9 257,41-10 0,1-1 0,-30 6 0,23-6 0,-23 6 0,46-11 892,3-1-892,20-5 983,0 2 0,0-2-84,2-1-899,-2 0 0,0 3 0,0 2 0</inkml:trace>
+</inkml:ink>
+</file>
+
+<file path=ppt/ink/ink30.xml><?xml version="1.0" encoding="utf-8"?>
+<inkml:ink xmlns:inkml="http://www.w3.org/2003/InkML">
+  <inkml:definitions>
+    <inkml:context xml:id="ctx0">
+      <inkml:inkSource xml:id="inkSrc0">
+        <inkml:traceFormat>
+          <inkml:channel name="X" type="integer" min="-2.14748E9" max="2.14748E9" units="cm"/>
+          <inkml:channel name="Y" type="integer" min="-2.14748E9" max="2.14748E9" units="cm"/>
+          <inkml:channel name="F" type="integer" max="32767" units="dev"/>
+        </inkml:traceFormat>
+        <inkml:channelProperties>
+          <inkml:channelProperty channel="X" name="resolution" value="1000" units="1/cm"/>
+          <inkml:channelProperty channel="Y" name="resolution" value="1000" units="1/cm"/>
+          <inkml:channelProperty channel="F" name="resolution" value="0" units="1/dev"/>
+        </inkml:channelProperties>
+      </inkml:inkSource>
+      <inkml:timestamp xml:id="ts0" timeString="2025-12-04T11:48:49.550"/>
+    </inkml:context>
+    <inkml:brush xml:id="br0">
+      <inkml:brushProperty name="width" value="0.35" units="cm"/>
+      <inkml:brushProperty name="height" value="0.35" units="cm"/>
+      <inkml:brushProperty name="color" value="#E71224"/>
+    </inkml:brush>
+  </inkml:definitions>
+  <inkml:trace contextRef="#ctx0" brushRef="#br0">894 27 24575,'77'0'0,"8"0"0,-26 0 0,3 0 0,-1 4 0,-2 0 0,-4-3 0,1 0-492,14 6 0,-1 2-492,25 0 492,-17-1 0,3 2 0,-11-1 0,-1-1 378,6-3 0,1 0 114,-2 4 0,-4-2 39,-15-6 1,-1 0-40,7 2 0,-2 1 0,24-4 0,-25-4 0,-1 1 0,20 1 0,-4-6 0,5 0-492,-8 6 0,4 2 164,3-3 0,8-1 0,-3 2 192,-13 1 0,-1 2 1,0-1 135,11 0 0,2 0 0,-1 0 0,-4 0 0,-1 0 0,0 0 0,-5 0 0,0 0 0,0 0 0,3 0 0,0 1 0,-1-2 0,28-3 0,-6 0-131,-29 3 0,-2 0 131,11-7 0,-2-1 0,21-1 0,-43 5 0,2 0 0,10 1 0,1 1 0,-5 2 0,-1 2 0,-4 1 0,1 1 0,32 1 0,-4 2 0,-5 8 0,12-3 0,2-3 0,8 1 0,-36-1 0,4-1 0,9-6 0,-3-1 0,28 7 0,-28-7 0,5 0 0,9 0 0,-1 0-156,-23 0 0,2 0 156,28-1 0,-1 2 0,-31 3 0,1-1 0,35-1 0,2-2 0,-23 4 0,0 0-314,24-3 0,-2-2 314,-30 1 0,-2 0 0,23 0 0,-3 0 0,-34 0 0,0 0 491,33-4 1,-2 0-308,-3 2 375,7-5-559,-33 6 0,-3 2 0,8-1 0,8 7 0,2 2 0,5 2 270,15 10 1,3 2-271,-41-13 0,-1 0 0,24 11 0,4 1 491,5-7 1,-4-2-329,-27 0 1,0-1-164,20-1 0,5-2-297,16 0 0,-5-3 297,13-3 0,-7 1 0,3 1 0,-29-5 0,-6 0 0,37 0 228,-39-3 1,-3 0-229,15 2 0,-18-11 0,18 11 0,24-13 0,-24 12 0,-19-2 0,-1 0 0,12 4 0,11 0 0,-12 8 0,2 1 0,22 2 0,-22-2 0,-1 1 0,10 3 0,1-12 0,20 6 0,-25-7 0,2 0 983,-23 0-233,-19 0-449,19-6-301,-18 5 983,1-5 0,-5 2-761,-14 3-222,1-6 0,-19-7 0,-61-24 0,-22 9 0,24 7 0,-4 2 0,-6 9 0,-3 4-492,-4 1 0,-4 2 164,17 3 0,-4 1 0,0 2 0,1 0 0,0 2 0,-4 1 180,-1 1 0,-4 2 1,-2 0-1,3 0-180,-12 0 0,1-1 0,-4 0 82,5-1 0,-4 0 0,-2-1 0,3-1 0,8-1 0,2 0 0,0-1 0,-2-1 0,-10 0 0,-3-1 0,0 0 0,0-1 0,2 1 0,0 0 0,0 0 0,-2 0 49,16 0 0,-2 0 1,1 0-1,-1 0 0,2 0-49,-15 0 0,1 0 0,1 0 0,0 0 0,-1 0 0,1 0 0,0 0 0,2 0 0,10 0 0,0 0 0,3 0 0,1 0-82,-15 0 0,3 0 0,0 0 70,-3 0 0,1 0 1,4 0 321,-8 0 0,3 0-64,21 0 0,-2 0 0,2 0 491,-17 0 1,2 0-362,-2 0 0,-1 0-130,-5 1 0,0-2 0,29-1 0,0-2 0,-1 2 0,-1 1 0,0 1 0,2-1 0,-14-7 0,-1 0 0,10 6 0,-5 2 0,3 0 0,-16-4 0,2 1 0,-4 2 0,-3 2 0,17-1 0,-4 0 0,9 0 0,10-1 0,0 2 0,-16 1 0,-9 2 0,8-1 0,7-3 0,-1 2 0,-13 3 0,-8 2 0,6-1 0,7-5 0,2 0 0,7 2 0,-5 1 0,0-2 0,-3-1 0,-1-1 0,4-1 0,-12 1 0,1 0 0,12 0 0,-4 0 0,0 0 327,0 0 1,0 0 0,4 0 104,-7 0 0,0 0-432,10 1 0,-4-1 0,2-1 0,5-1 0,1-1 0,6-1 0,4 0 0,2-1 491,-31 1 1,-1-2-1,29-6 1,4 0-452,4 7 0,1-1-40,-4-8 0,4-2 983,-8 2 0,12-4 0,18 9 0,-8-2 0,11-2 0,-10 7 0,13-5 0,-23 4 0,3-10-938,-41 0-45,27-2 0,2 10 0,2 2 0,6 1 0,-3-2 0,0 1 0,5 5 0,-33-5 0,56 7 0,-23 0 0,37 0 0,-4 3 0,46 11 0,8-1 0,36 8 0,-11-16 0,5-2-492,-2 1 0,4-2 0,21-2 0,3 0 0,-5 5 0,5-1 164,-8-3 0,5-1 0,-1 1 0,-12 2 0,-1 0 0,5 0 82,-2-3 0,5 0 0,2-1 0,-4 2-82,15 1 0,-3 2 0,2-1 82,-20-2 0,0-1 0,1 0 0,1 1 0,7 3 0,1 1 0,0 0 0,-5 0 8,5-2 1,-4 1 0,3-1 237,-4 2 0,3 1 0,1-1 0,-4 0 0,12-1 0,-3-1 0,-2 1 0,-4 2 0,-1 0 0,3-1 0,-10-4 0,3-1 0,0 0 0,-6 1 0,2 4 0,-5 2 0,-1-2-328,-2-3 0,0-2 0,0 0 206,4 3 1,1 1 0,-4-2 121,3-2 0,-1 0 0,22 4 0,0 1 0,-26-4 0,-1 0 0,22 8 0,-4-1 0,10-6 0,-30 3 0,9 2 0,-6-1 0,-8-2 0,2 1 0,17 2 0,11 0 0,-8-1 0,-9-1 0,0 0 0,11 1 0,10 1 0,-8-2 0,-8-3 0,0-1 0,11 1 0,8 2 0,-8-1 0,-9-3 0,-2 0 0,-8 0 0,4 0 0,-6 0 0,2 0 0,0 0 0,5 0 0,6 0 0,-4 0-264,10 0 0,1 0 264,-13 0 0,5 0 0,0 0 126,-1 0 0,1 0 0,-6 0-126,7 0 0,-1 0 0,-6 0 0,3 0 0,-6 0 491,-4 0 1,-4 0-1,6 0 1,0 0-460,-1 0 0,4 0-32,0 0 0,7 0 0,-5 0 0,7 0 0,-1 0 0,-10 0 0,3 0 0,-7 0 0,-6-1 0,-3 2 0,6 2 0,1 2 0,-5-4 0,1 0 0,9 3 0,0 0 0,-4-4 0,0 0 0,5 0 0,0 0 0,-5 0 0,0 0 0,4 0 0,-1 0 426,-13 0 1,-1 0-427,8-4 0,0 0 0,-8 3 0,-1 0 0,4-7 0,2 1 0,5 6 0,-1 0 0,-3-7 0,0 0 0,3 7 0,1 0 0,-1-6 0,1-1 0,0 2 0,2 2 0,3-1 0,2-1 0,0-2 0,-2 0 0,-9 7 0,-1 0 0,1-6 0,-6-1 983,4 3 0,-15-6 0,-42 4 0,-10-4 0,-1 0 0,-11-5 0,-10 2 0,-11-6-664,-31 4-319,-5-4-492,24 11 0,-4 1 149,-8-1 0,-3 1 343,-17 2 0,0 2 0,14-1 0,-2 1-328,-2 1 0,-6 0 0,0 0 0,6 3 0,0 0 0,-1-2 0,1-3 0,-1-2 0,-4 2 228,0 3 0,-6 2 0,1 1 0,9-2 100,-14-3 0,-1 0 0,15 3 0,-9 0 0,-2 2 0,6 0 0,-3 1 0,4 2 0,2-1 0,6-2 0,1-1 0,-2 1-328,-11 5 0,-1 1 0,10-2-88,16-4 0,3 0 416,-28 3 0,3 1 0,-7 1 0,26-1 983,13 2-755,24-3 755,-12 0 0,21-3 0,-22 2 0,19 1 0,-39-4-271,10 10-712,-27-8 0,-10 4-652,-3-6 652,-10 0 0,43 0 0,1 0 0,-37 7 0,16-6 0,16 6 0,29-7 0,0 0 0,16 3 0,59 8 0,-1-5 0,18 3 0,6 0-300,-11-7 0,0-2 300,18 5 0,3-1-492,3-4 0,1 0 0,1 0 0,2 0 447,-15-3 0,2 0 0,-4 0 45,8-2 0,1 0-328,-5 0 0,5-1 0,-6-2-164,1-5 0,-2 0 314,14 4 0,-2-3 178,-19-7 0,-10 0 0,-3 4 963,-21-5-963,-43 8 983,-47 10-30,2-6-953,7 7 0,-3 2 983,-33-1-560,25 3 0,-4 3-915,-1 2 0,-3 2 0,-22 0 0,-5 1 164,30 1 0,0 1 0,-4-1 0,-9-1 0,-4-1 0,-1 0 0,-7 1 0,-1-1 0,2 0 0,16-2 0,1-2 0,-2 1 82,3-2 0,-4 0 0,-1-1 0,4 0-82,-11 0 0,2 0 0,1 0 3,0 0 1,0 0 0,-3-1 324,9 0 0,-3 0 0,1-1 0,9-1-492,-13 0 0,1-2 324,-10 1 1,-9 0-1,10 0 168,15 0 0,1 0 0,-7 0 0,-7 0 0,10 0 269,14 1 0,4-2-269,-20-2 0,0-1 0,20 4 0,2-2 0,1-5 0,1-1 491,7 8 1,-2-1-1,-13-7 1,5 0 491,8 6-492,-14-2 1,-1 0 429,16-2-430,-22 6 1,-1-1 491,10-11-739,-14 11 0,-1 1-244,4-6 0,23 3 0,-3 1 0,-14 1 0,1 0 0,-22-4 0,14 4 0,0 2 0,-11-1 0,8 0 0,-2 0 49,29 0 0,0 0-49,-30 0 0,2 0 0,-18 0 0,44 0 0,-2 0 0,-25 0 0,-3 0 0,16 0 0,0 0 0,-15 0 0,2 0 0,24 0 0,4 0 0,-45-8 0,10 7 0,33-7 0,3 1 0,-7 5 848,-2-6-848,44 8 367,24 0-367,31 0 0,15 0 0,12-5 0,4-2 0,17-3 9,-27 3 1,-2 0-10,24 1 0,-6 6 0,-18 0 0,2 0 0,-9 0 0,0 0 0,5 0 0,-4 0 983,11 0-908,-21 0 0,-28 0 1,-8 0-1</inkml:trace>
+</inkml:ink>
+</file>
+
+<file path=ppt/ink/ink31.xml><?xml version="1.0" encoding="utf-8"?>
+<inkml:ink xmlns:inkml="http://www.w3.org/2003/InkML">
+  <inkml:definitions>
+    <inkml:context xml:id="ctx0">
+      <inkml:inkSource xml:id="inkSrc0">
+        <inkml:traceFormat>
+          <inkml:channel name="X" type="integer" min="-2.14748E9" max="2.14748E9" units="cm"/>
+          <inkml:channel name="Y" type="integer" min="-2.14748E9" max="2.14748E9" units="cm"/>
+          <inkml:channel name="F" type="integer" max="32767" units="dev"/>
+        </inkml:traceFormat>
+        <inkml:channelProperties>
+          <inkml:channelProperty channel="X" name="resolution" value="1000" units="1/cm"/>
+          <inkml:channelProperty channel="Y" name="resolution" value="1000" units="1/cm"/>
+          <inkml:channelProperty channel="F" name="resolution" value="0" units="1/dev"/>
+        </inkml:channelProperties>
+      </inkml:inkSource>
+      <inkml:timestamp xml:id="ts0" timeString="2025-12-04T11:48:54.596"/>
+    </inkml:context>
+    <inkml:brush xml:id="br0">
+      <inkml:brushProperty name="width" value="0.35" units="cm"/>
+      <inkml:brushProperty name="height" value="0.35" units="cm"/>
+      <inkml:brushProperty name="color" value="#E71224"/>
+    </inkml:brush>
+  </inkml:definitions>
+  <inkml:trace contextRef="#ctx0" brushRef="#br0">0 143 24575,'42'9'0,"32"6"0,-6-14-492,8 8 0,6-1 0,-12-7 0,2 0 164,-8 2 0,5 0 0,0 0 0,1-3 0,1 0 0,0 0 0,4 0 0,1 0 0,2 0 0,4 0 0,3 0 0,0 0 0,1 0 0,2 0 0,0 0 160,3 0 0,0 0 1,0 0 167,-1 0 0,0 0 0,-5 0 0,15 0 0,-1 0-328,-17 0 0,2 0 0,-5 0-164,6 0 0,-3 0 239,9 0 0,2 0 253,-24 0 0,1 0 0,-7 0 0,-8 0 0,0 0 0,13 0 0,8 0 0,-7 0 0,-13 0 0,0 0 0,16 0 0,8 0 0,-9 0 0,-14 0 0,-1 0 0,13-3 0,6 0 0,-6 0 0,-13 2 0,-2 0 0,19-7 0,3 0 0,6 2 0,-4 1 366,-22 0 1,1 1-367,28-2 0,0 3 0,-25 2 0,1 2 491,36-1 1,3 0-289,-21 0 0,2 0-203,-13 0 0,4 0 0,-5 0 0,5-1 0,0 2 35,2 4 1,5 2-1,-3-1-35,11-3 0,1-1 0,-12 3 0,4 2 0,-5-1 84,10-1 0,-5-1-84,-6-3 0,-1 0 0,5 3 0,-1 0 0,-11-3 0,2-2 0,29 1 0,0 0 0,-34 0 0,0 0 0,23-3 0,-2-1 0,13 2 0,-13-2 0,3 1 0,-20 2 0,2 2 0,24 2 0,0 2 0,-21-1 0,-2 1 0,2 0 0,0 0 0,-1 3 0,5 0 0,4-6 0,7-2 0,-5 0-492,2 4 0,0 0 451,-5-4 1,4 0 0,-6 0 40,-3 4 0,-4 0 66,2-3 0,0 0-66,0 3 0,1 0 0,4 1 0,0-2 0,-4-2 0,1 0 0,9 8 0,-1-1 0,-8-6 0,-1-2 0,5 4 0,-1 0 0,-4-3 0,-2-2 0,-4 1 0,0 0 0,-1 0 0,-1 0 491,-4 1 1,-1-2-155,0-2 0,0-1-337,-5 3 0,0 0 0,4-3 0,0 0 0,-3 4 0,-1 0 0,0 0 0,0 0 0,-2 0 0,1 0 0,6 0 0,-2 0 983,24 0-888,10 0 888,-52 0 0,-9 0 0,-5-4 0,-14 3 0,4-3-798,-9 4-185,-82 0 0,-17 0-328,27 0 0,-10 0 0,0 0-164,-20 1 0,-9-2 295,23-1 0,-12-2 1,-5-1-1,1 1 0,8 0-49,6 3 0,5 0 0,0 0 0,-6 0 82,5-2 0,-5 0 0,-3-1 0,-1 0 0,3 1 0,5 1-82,-13 1 0,5 2 0,1-1 0,0 0 0,0-2 0,1 0 0,-2-1 0,0 1 0,-5 1 0,-2 1 0,-1-1 0,2 0 0,4-1 0,0 0 0,0-1 0,0 1 0,-2 2 0,0 0 0,0 1 0,1-2 0,3-1 0,2 0 0,-1-1 0,1 1 34,-1 1 1,0 1 0,1-1 0,2 0-117,-16-1 0,3-2 0,2 1 161,6 3 1,2 0-1,4 0 167,-15 0 0,4 0 0,-1 0 0,3 0 439,16 0 1,3 0-440,5 0 0,2 0 0,-5 0 0,5 0 983,-5 0-492,14-3 1,1-1 491,-10 2-887,5-5 1,-4-1 394,13 3 1,-1 0-1,-17-4 1,-2 0-149,7 0 0,-1 0-343,-6 0 0,0 0 0,-1 3 0,-1 2 0,-9-1 0,0 2 0,8 2 0,3 2 0,16-1 0,-1 0 491,-15 0 1,0 0-6,13 0 1,2 0-487,1 0 0,-4 0 0,-22 0 0,-1 0 0,18-1 0,1 2 0,-4 1 0,-3 2 0,-21 1 0,5 0 0,0 4 0,26-2 0,-4 1 0,-4-3 0,2 0 0,18 0 0,-2-1 0,-17 0 0,-8-1 0,7-1-381,12-2 0,1 0 381,-24 0 0,0 0 0,26 0 0,0 0-473,-21-4 0,-2-1 473,16 1 0,2-2 491,-7-2 1,3 0-103,-19 0-389,24-3 0,0-1 0,-29 1 0,29 2 0,1 0 978,-15-5-978,19 13 0,-7-11 0,-22 10 0,24-4 0,-35 6 0,40 0 0,-7 0 983,9 0 0,11 0 0,8 4 0,7-4-426,9 7-557,-1-7 0,-2 7 0,10-6 0,-7 3 0,8-4 0,31 23 0,13-11 0,52 28-492,-26-29 0,7-3 0,13 9 0,7 1 164,-16-10 0,3-1 0,0-1 0,-6 1 0,-1 0 0,2-1 0,17 1 0,3-1 0,-5-1 189,11-4 1,-2 0 138,-26 2 0,2 1 0,-1-2 0,25-1 0,-4-2-417,-24 1 1,-3 0 416,9 0 0,-7 0 0,-8 0 0,-21 0 983,-30 3-29,-76-2-954,8 2 0,-24-2 0,-8-2 470,27 1 1,0 0-471,-26 4 0,-2 1 0,15-4 0,1 0 0,-8 2 0,4 2 0,18-1 0,1-2-218,-15-1 1,-1 0 217,16 2 0,0 1 0,-11-4 0,1 0-451,10 0 1,5 0 450,-16 0 0,38-4 0,21 4 983,17-4-88,21-6 88,40 0-449,18-10-534,-24 14 0,4 3 225,-5-1 1,-2 1-226,35 3 0,-26 0 0,-3 0 0,12-7 0,3 5 0,-48-4 0,-37 6 0,-64-8 0,-18 6-492,16-2 0,-3 0 217,11 3 1,0 2 274,-15-1 0,3 0 0,21 0 0,2 0 0,-3 0 0,2 0 0,-26 0 591,31 0-591,5 0 0,30 0 0,-1 0 0,8 0 0,-20 0 983,-3 0-683,-17 0 1,-4 0-301,-9 0 0,6 0 0,0 0 0,-6 0 0,-9-7 0,-1 5 0,10-4 0,14 6 0,18 0 0,15 0 0,7 0 0,3 3 0,-3 1 0,5 3 0,-5 0 0,19 6 0,23-1 0,60 16-487,-31-18 0,4-1 487,7 5 0,3-2-492,5-6 0,2-2 0,7 5 0,1-1 0,2-7 0,2 0 164,-21 2 0,2 0 0,0 0 0,1-3 0,0 0 0,-2 0-73,24 0 0,3 0 401,-11 0 0,4 0 0,-5 0 0,9 0 0,-2 0 0,-15-1 0,3 1 0,-5 1-492,14 3 0,-5 0 188,2-3 0,-1 0 94,-10 3 0,-1 0 210,1-3 0,-3-2 0,-14 1 0,-1 0 0,6 0 0,-6 0 0,8 0 983,31 7-671,-24 3-312,-8-1 0,-7 3 0,-1 0 0,1-8 0,15 12 0,5 1 0,-28-15 0,2 0 327,10 8 1,7 3 0,-4-1-21,-2-6 1,1 0-586,13 3 1,7 2-1,-7-3 278,-9-2 0,-3-2 0,28 5 0,2-1 0,-4-7 0,-4 0 0,-22 3 0,0-1 0,25-2 0,-2-2-244,-31 1 1,1 0 243,35 5 0,2-1 0,-28-2 0,-1-1 0,24 3 0,-2 1-285,-36-5 1,-3 0 284,13 0 0,-1 0 0,20-6 491,-25 3 1,-5-2-376,-18-2 867,32-6 0,-42 11 0,16-5 0,15 7-46,-28 0-937,70 0 0,-51 0 0,44-6 0,-29 4 50,9-1 0,4 0-50,-25 3 0,0 0 0,24-3 0,0-1-227,19 3 227,-18-6 0,-4 2 0,3 1-984,25 2 492,-25-6 0,-1 0-88,23 6 88,-43-1 0,0-1 457,45 4 35,-45 0 0,0 0 0,43 0 0,-8 0 0,3 0-245,-33 0 0,0 0 245,33 0 0,-3 0 0,-3 0-621,-2 0 621,-30 4 0,-3 0 983,10-2-492,-5 2 1,-2 0-360,-9-4 851,47 0-880,-36 0-103,15 0 0,-20 0 0,0 0 819,23 0-819,14 4 0,2 1-492,-40-1 0,0 1 470,17 1 1,10 1-1,-8-1 22,-13-1 0,0 0 0,10-2 0,7 1 0,-10-2-495,24-2 495,-27-3 0,-7 0 0,-19-2 0,-7-4 983,-16 5-847,-7-3 847,-41-10 0,-36 10-854,5-6 1,-5 1-125,3 10 0,-10 2-5,3 0 0,-13 0 0,-2 0 0,6 1-328,2-1 0,4 1 0,-8 0 131,6 1 0,-9 0 1,-3 0-1,1 0 0,8 0-131,-16-2 0,6 0 0,-6 0 131,19 0 0,-5 0 1,-3 0-1,1 0 0,4 0-49,-5-2 0,3 0 0,1-1 0,-5 0 49,3 1 0,-4 0 1,-1 0-1,1 0 0,2-2-49,-8 0 0,3-2 0,0 1 0,0-1 0,-3 1 0,0-1 0,0 1 0,1 0 0,3 1 0,2 1 0,-1 1 0,1-1 0,0 0 0,0 1 0,0-1 0,1 2 0,3 0 0,1 1 0,0 1 0,2-1 0,3 0 0,2 0 0,-1 0 0,1 0 0,0 0 0,0 0 0,0 0 0,2 0-82,-16 0 0,2 0 0,0 0 0,-5 0 0,1 0 0,5 0 819,-5 0 1,3 0-428,19-3 0,-3 0 0,5 0-64,-6 2 0,4 0 491,4-4 1,1 1-1,-1 4 1,6 0 30,-13 0-522,-9 0 983,22 0 0,-15 7 0,44-5-492,-19 2 1,-2-1 491,6-3-492,-21 0 1,-3 0 491,0 0-666,-5 0 1,1 0-318,4 6 0,22-5 0,1-1 983,-20 6 0,26-6 0,-24 0-469,40 0-514,-20 0 0,-3 0 0,-1 0-492,-28-3 0,-3-3 461,7-2-297,18 2 0,-12-1 0,2 1-164,-25-3 0,1 0 191,4-1 0,-3 1 301,10 5 0,-4 1 0,10-1 0,19 0 0,1 1-328,-8 2 0,-7 2 0,4-1-100,-5 0 0,5 0 211,8 0 1,2 0 216,-3 0 0,9 0 767,19 0-767,-7 0 983,26-3 0,13 2 0,7-15 0,-26 9 0,13-6 0,-26 8-944,17 5-39,-4 0 0,-13 0 0,-29 0 0,16 0 0,-3-3 0,-4-1-478,-38 2 478,34-6 0,-1 1 0,-30 5 0,19-5 0,44 7 0,-6 0 0,18 0 0,2 0 478,3 0-478,-3 0 0,-7 4 0,1 0 0,-20 6 0,18-2 0,-13-2 0,17 1 0,3-7 0,1 7 0,34-15 0,34-7 0,27-5 0,-14 4 0,8-2 0,15-4 0,4 1-328,-24 6 0,1 1 0,0 0 0,-4-1 0,-1-1 0,-3 2-164,19 0 0,-9 2 45,-1-2 447,13 6 0,-2 4-492,-21 7 0,2 2 460,-12-1 1,3 1-461,29 7 0,3 3 0,-10-1 0,0 0 0,5 1 0,4 0 467,-8-2 1,4 0 0,-7-1 24,-5-2 0,1 0 0,13 0 0,8 0 0,-9-1 0,-12-3 0,-1-2 0,7 0 0,6-1 0,-8-1 0,-11-1 0,-2-2 0,18 1 0,5 0 0,-21 0 0,2 0 0,-3 0 0,8 0 0,2 0 0,-5 0 0,5 0 0,2 0 0,8 0 0,3 0 0,-4 0 0,-18 0 0,-2 0 0,4 0 0,22 0 0,5 0 0,0 0-328,1 0 0,-1 0 0,-6 0 0,-22 0 0,-4 0 0,6 0 199,16 0 0,11 0 1,-1 0-1,-11 0 129,12 0 0,-5 0-328,-11 0 0,3 0 0,0 0 0,0 0 0,1 0 0,-8 0-164,1 0 0,0 0 517,-3 0 0,5 0 0,-2 0-25,23 0 0,-7 0 285,-26 0 1,1 0-286,7 0 0,7 0 0,-12 0 0,28 0 0,-30 0 0,9 0 0,-7 0 366,-15 0 0,1 0-366,26 0 0,12-1 0,-8 2 0,-13 3 0,2 0 0,-7-1 0,10-1 0,0 1 0,-8 1 0,12 5 0,-3 0 0,-3-5 0,6-1 0,-7 1 0,-4 4 0,1 0 0,3-4 0,6-1 0,-5 1 491,6 6 1,-2-1-165,-11-5 1,4 0 0,-4-1-215,20 2 1,-8-2 377,-27-3 1,-2 0-95,16 0 1,-4 0 585,-2 0-671,-14-4 671,-18 3 0,4-9 0,-12 9 0,7-5 0,-5 6 0,-14 0-619,34 0-364,-23 0 0,19 3 0,15 5 0,-28-3 0,23 5 0,-26-9 0,-14 2 0,1-3 0,-10 0 0</inkml:trace>
+</inkml:ink>
+</file>
+
+<file path=ppt/ink/ink32.xml><?xml version="1.0" encoding="utf-8"?>
+<inkml:ink xmlns:inkml="http://www.w3.org/2003/InkML">
+  <inkml:definitions>
+    <inkml:context xml:id="ctx0">
+      <inkml:inkSource xml:id="inkSrc0">
+        <inkml:traceFormat>
+          <inkml:channel name="X" type="integer" min="-2.14748E9" max="2.14748E9" units="cm"/>
+          <inkml:channel name="Y" type="integer" min="-2.14748E9" max="2.14748E9" units="cm"/>
+          <inkml:channel name="F" type="integer" max="32767" units="dev"/>
+        </inkml:traceFormat>
+        <inkml:channelProperties>
+          <inkml:channelProperty channel="X" name="resolution" value="1000" units="1/cm"/>
+          <inkml:channelProperty channel="Y" name="resolution" value="1000" units="1/cm"/>
+          <inkml:channelProperty channel="F" name="resolution" value="0" units="1/dev"/>
+        </inkml:channelProperties>
+      </inkml:inkSource>
+      <inkml:timestamp xml:id="ts0" timeString="2025-12-04T11:49:02.576"/>
+    </inkml:context>
+    <inkml:brush xml:id="br0">
+      <inkml:brushProperty name="width" value="0.35" units="cm"/>
+      <inkml:brushProperty name="height" value="0.35" units="cm"/>
+      <inkml:brushProperty name="color" value="#E71224"/>
+    </inkml:brush>
+  </inkml:definitions>
+  <inkml:trace contextRef="#ctx0" brushRef="#br0">627 180 24575,'80'-22'0,"-11"0"-492,-19 16 0,3 2 0,7-4 0,3 0 0,15 3 0,4 0 0,12-4 0,1 1 0,-5 6 0,1 2 192,-25-3 0,2-1 1,0 2 299,3 1 0,1 2 0,0-1 0,4 0 0,0-1 0,1 2 0,2 2 0,1 0 0,0 0 0,-1-3 0,1 0 0,-1 2 0,2 3 0,0 2 0,-4-1 0,11-5 0,0 0 0,-12 1 0,4 1 0,-2 1 0,17 1 0,-2-1 0,0-3 0,3 0 0,-13 2 0,3 0 0,-11 0 0,-17-3 0,0 0-328,17-3 0,9 0 0,-10 0 207,-17 2 1,-1 0 120,12-7 0,8-3 0,-8 3 0,-11 6 0,-3 0 0,19-10 0,3-1 0,0 8 0,-3 0 0,-18-3 0,1-1 0,17 4 0,3 0 0,0-4 0,-3 2 0,-18 5 0,0 2 0,21-5 0,-2 1 0,23 4 0,-8 4 0,3 1 0,-28 0 0,0 0 0,33 4 0,1 0 0,-31-3 0,-3-2 0,2 0 0,1 0 0,4-4 0,3 0 0,-7 0 0,5 0 0,-4 0 0,7 0 0,-1 0 0,25 0 0,-3 0 0,-34 0 0,-4 0 0,-3 0 0,0 0 0,4-1 0,0 2 0,-4 2 0,1 1 110,3-3 1,2 0-111,-1 3 0,1 0 0,-1-4 0,0 0 0,-4 0 0,-1 0 0,4 0 0,0 0 0,-5 0 0,2 0 0,3 0 0,2 0 0,5 0 0,-1 0 0,-8 0 0,-1 0 0,14-1 0,-1 2 0,-13 2 0,1 1 0,13 1 0,1 0 129,-4 0 0,0 0-129,5 3 0,0 0 0,0-3 0,1 0 0,4 4 0,0 0 0,1 1 0,2-1-14,9 0 1,0 1 13,-9-1 0,0 0 0,8 1 0,0-1-174,-9-4 0,-1 0 174,6 3 0,0 0 0,0-2 0,0-1 0,0 0 0,0 0 0,-5-1 0,-1 0 0,0 1 0,-1-2 0,-15-2 0,-1 0-96,10 4 1,-3-2 95,13-3 983,-5 0-750,-40 0 750,-20 0 0,0-3 0,-5 2 0,-4-2 0,-32 3 0,-54 0-1475,32 0 0,-7 0 164,-16 0 0,-9 0 0,2 0-164,-11 0 0,-8 0 295,22 1 0,-12 1 1,-5 0-1,1 0 0,5 0-49,1 1 0,4 0 0,-1 0 0,-5 0 49,-7 1 0,-6 0 1,-3 0-1,3 1 0,5-1-49,2-1 0,5 0 0,1 0 0,-1-1 0,-3 1 0,1 0 0,-2-1 0,-2 0 49,9-2 0,-3 0 1,-1 0-1,1 0 0,1 0-49,-10 0 0,3 0 0,-2 0 0,-2 0 49,5 0 0,-3 0 1,-1 0-1,1 0 0,4 0-49,-7 0 0,3 0 0,2 0 0,-2 0 0,-1-2 0,-1-1 0,-1 0 0,-2 1 49,8 1 0,-3 1 1,-1 0-1,0 0 0,4-1 0,9-1 0,3 0 1,1 0-1,-1 0 0,-1 0 0,-8 2 0,-2 0 1,0 0-1,2 0 0,4 0 41,-3 0 0,2 0 1,4 0-1,4 0 400,-2 2 0,4 1 1,-4 0-245,1-1 0,-5 1 0,1-1 0,8 2 0,-16 5 0,1 1 0,-2-3 0,-8-1 0,6 1 491,-5 3 1,4-1-370,23-5 1,-1-1 0,5 1 368,-3 4 1,0-1-1,-23-6 1,-1-1-279,26 8 0,-1-1-213,-26-5 0,0-1 0,31 6 0,1 0 0,-21-7 0,5 1 0,6 11 0,-7-11 0,-6 0 0,17 6 0,1 1 0,-1-7 0,1 0 0,5 3 0,1 0 0,-1-3 0,2-2 0,-25-5 0,-7 2 0,-1-3 0,44 0 0,2-1 0,-23-1 0,-5 0 0,-14-9 0,1 0 491,21 7 1,-1-1-165,2-2 1,-4-3 0,4 3 85,-4 4 0,0 0-446,-2-4 1,-5-3-1,3 2 33,-6 3 0,-1 1 0,11 1 0,-2-1 0,2 2 266,-12-1 1,5 4-267,19 4 0,2 1 435,-9-3 1,6 0-436,3 4 983,1-6-344,23 5 344,-1-5 0,8 6 0,17 0 0,99 0 0,-37-6-492,22 1 1,7 0-663,-27-2 1,2-2 170,9 0 0,7 0 0,0 0-328,-5 2 0,1 0 0,2 0 0,12 0 0,3 1 0,-2 0 0,-8 2 0,0 1 0,-2 2 158,-1 2 0,-1 2 0,1 1 170,7 2 0,0 1 0,2 0 0,5 1 0,2-1 0,1 1-328,2 1 0,0 2 0,2-2 0,7-1 0,1-1 0,-5-2 0,-23 0 0,-3-2 0,2 1 115,19-1 1,5 0 0,-5 0 212,-14 0 0,-4 0 0,0 0 0,-2 0 0,-1 0 0,5 1 0,-3 0 0,5 1 0,3 1 0,0-1 0,11 3 0,2 0 0,2 0 0,1-1-197,-15-2 0,0 0 1,2 0-1,-1-1 0,0 1 0,-2 0 0,1 0 1,-1 0-1,0-1 0,0 0-49,18 0 0,1-2 0,-4 0 0,-9 0-3,11-2 1,0 0 2,-10 0 0,10 0 0,1 0 0,-13 0-138,6 0 0,-1 0 384,-9 0 0,11 0 0,-1 1 0,-11-2 0,10-3 0,-1-1 0,-10 4 0,10 1 0,0 0 0,-10-1 276,12-3 0,-4 0-276,-10 3 0,4 1 0,0 1 0,-3-1 0,-1 0 0,-4 0 288,8 0 1,3 0-289,-10 0 0,9 0 0,-1 0 0,-8 0 0,10 0 0,-3 0 0,-6 0 0,5 0 0,-7 0 0,-1 0 0,1 0 0,0-3 0,7 0 0,-5 0 491,8 2 1,-1-1-254,-9-2 1,2-3 0,-5 1 252,-2 2 1,-5-1-55,-9-3 0,2-1-437,34 0 0,1-1 0,-33 2 0,-1 0 0,34 1 0,-1 3 0,-33 0 0,-3 1 0,10 2 0,3 2 0,-3-1 0,5 0-22,2 0 1,5 0 0,-5 0 21,6 0 0,-2 0 0,-6 0 0,2 0 0,-6 0 0,-9 0 0,-2 0 0,16-4 0,-1-1 0,26-3 983,-6-5 0,-33 0-735,-1 8-248,-10-1 0,8 6 0,5 0 0,-7 0 0,0 0 0,1 0 0,1 0 0,17 0 0,-6 0 0,-16 0 0,12-3 983,-44 2 0,-13-5-845,-76-10-138,-20 9-368,16 2 0,-5 3 368,1 5 0,-4 4 0,7 3 0,-5 3 0,2-1 0,7 0 0,1-2 0,-1 1 0,-13-1 0,-2 1 0,4-2 0,12-2 0,4-1 0,1-2 0,-24-3 0,3-2 0,-2 1 0,0 0 0,0 0 0,4 0 0,21 0 0,6 0 983,-29 0 0,51 0-593,34 0-390,36-3 0,-17 2 0,27-2 983,-35 3 0,4 0-625,-71-11-358,-38 0-492,18 0 0,-9 0 164,20 7 0,-2 1 0,-2 0 0,-8-1 0,-2 1 0,-2 1 0,-13 1 0,-3 2 0,0-1 0,3 0 0,1 0 0,-2 0 82,18 0 0,-1 0 0,0 0 0,1 0-82,-17 2 0,0 1 0,-5 1 131,24 0 0,-5 1 1,-2-1-1,0 1 0,4-1-49,-11 0 0,2-1 0,1 0 0,-4 1 49,7 1 0,-2 2 1,-1-1-1,1 0 0,3-1-49,-8-1 0,3-2 0,3 0 0,3 2-82,-4 2 0,4 0 0,-3 1 82,8-2 0,-2 1 0,-1-1 0,5 0-82,-6 1 0,3 1 0,-4-1 305,4 0 0,-4-1 0,-1 1 1,5-2 99,-4 0 0,4 0 0,-2 0-77,-17 2 0,-1 0 0,10 0 491,16-1 1,0 0-318,-12-1 0,-8-1 0,10 1-174,20 0 0,1 0 0,-21-4 0,-10 0 0,10 0 0,20-1 0,1 2 0,-11 1 0,-8 1 0,5 0 0,-1-2 0,6 0 491,9 4 1,1-1-157,-11-3 1,7-2-336,16 1 0,-15 0 0,-2 0 0,7 0 0,-11 0 0,0 0 0,8 0 0,-8 0 0,0 0 0,11 0 983,-21 0 0,-7 0 0,38 0-673,-41 0 181,40 0 1,1 0 491,-12 0-492,11 0 1,1 0 491,1 0 0,-32 0-323,24 0-660,-24 0 0,32 0 0,-11 0 0,4-4 0,-2-1 0,-28 3 16,23-5 1,2-1-17,-12 7 0,21-6 0,-16 7 762,37 0-762,-7 0 66,20 0-66,11 0 782,-2 3-782,3 1 0,-4 3 0,3-3 0,1 2 0,-2-2 0,7 6 0,-1 1 0,16 1 0,25 8 0,36 3 0,15 1-492,-11-2 0,4-1 0,-16-10 0,0 0 399,15 7 1,3-1-400,-6-7 0,-4-1 462,-20-1 1,-3 0-124,4 0 1,-5-1 152,-5 1 0,1 3 0,-28-3 983,18 3 0,-23-3 0,-7-4-792,-27-4 170,-3-4-361,-24 3 0,-23-4 0,13 5 0,-34 0 0,18-7 0,8 5-466,15-1 0,-1-1 466,-27 4 0,-18 0 0,43 0 0,14 0 0,38 0 0,0 0 0,-4 16 0,0-12 932,-8 14-932,4-17 0,-29 8 0,-5-1 0,-5-1 0,8 3 0,30-9 0,10 2 0,75-3 0,-22 0 0,7 0-328,7 0 0,8 0 0,0 0-164,25 0 0,1 0 164,-23 0 0,2 0 0,-1 0 0,-6 0 0,0 0 0,-1 0 0,-2 0 0,0 0 0,0 0 0,6 0 0,0 0 0,-2 0-164,25-5 0,-2 1 0,1 4 0,-2-2 0,-9-6 0,-4-1 198,-13 8 0,-5 0 294,23-7 0,13 8 0,-31 0-57,7 0 57,13 0 0,-60 0 983,59 7 0,-65-5 0,65 5 0,-59-7 0,29 0 0,0 0 0,-13 0 0,26 6-492,-14-5 1,-1-1-523,21 6 31,-9-6 0,0 0 0,8 6-492,-3-5 0,1 0 134,16 6 358,-26-10 0,-2 0 0,9 1 0,-18-3 0,8-1 0,31 5-602,-21-5 602,-19 6 0,1 0 0,21 0 0,10 7 0,2-5 0,11 12 0,-43-12 0,0-2 0,35 7 0,5-7 0,-40 0 0,-3 0 0,10 0 617,18 0-617,-31-6 0,36 4 0,-13-4 227,6 9 1,1 2-228,-1-3 0,-16 6 0,4-1 0,0-6 0,-4 0 0,15 11 0,-18-11 0,-3-1-111,-4 6 111,20-6 635,-32 0-635,18 0 0,-36-4 0,48 3 0,-22-3 0,35 4 0,-21 0 0,-5 0 0,3 0 182,38 0-182,-33 0 0,1 0 0,1 0 0,-6 0 0,3-4 58,-4 1 0,-7-2-58,-29 0 0,14-5 0,-30 6 0,3 0 0,-2 1 735,11-1-735,-10 3 0,1-3 0,-34-2 0,-18 5 0,-4-5 0,-43 6-492,-4 4 0,-9 1 0,9-4 0,-6 1 246,21 1 0,-7 2 0,-2 1 0,6-2-82,0 0 0,4-1 0,-1 1 0,-13 3 0,-1 0 0,5-1-164,-7 0 0,1-1 219,13-1 1,-4-2 0,1 1-56,9 0 0,2 1 0,-5-2 82,2-1 0,-4 0 0,-1-1 0,4 1-82,-4 2 0,2 0 0,-3 0 321,6-2 1,-5-1-1,0-1 1,3 1 6,-12 0 0,3 0 0,1 0 0,2 0 0,0 0 0,-3 0 0,5-2 0,-4-1 0,1 1 0,11 0 0,-5 1 0,1-1-328,-20-3 0,-10-2 0,12 1-110,23 1 1,2 0 437,-19-1 0,-11-1 0,11-1 356,13 0 1,2-2-357,-8 3 0,-6 1 0,8-1 428,18 2 1,1 0-429,-36-4 0,5 1 0,18 6 0,-5-3 0,3 2 0,23 3 491,4 0 1,-2 0 491,-20 0-241,12 0-742,-2 3 0,-1 2 0,1-3 983,-31 11 0,31-11-198,-34 11 198,24-11 0,-11 6 0,50-8-208,-4 0-491,12 0-284,-7 0 0,-26 0 0,28-4 0,-21 0 0,0-1 521,12 0-521,-51-10 0,62 14 0,-14-6 0,27 7 0,3 0 0,33 11 0,4-2 0,51 10 0,-24-14 0,2-2-492,0 4 0,5 1 164,5-7 0,6-1 0,-2 0-164,14 4 0,2 0 164,-13-3 0,5-2 0,-3 1 168,23 0 1,-3 0-333,2 0 0,0 0 164,-29 0 0,1 0 0,-1 0-164,30 0 0,0 0 164,-29 0 0,-1 0 0,0 0 67,26 0 1,-5 0-232,-24 0 0,-2 0 361,11 0 0,-1 0 622,-20 0 1,-2 0-1,0 0 1,3 0-363,21 4 0,-4 0-129,-7-2 0,10 10 0,-1 1 0,-12-9 0,2 4 0,0 0 983,-4-8 0,13 0-552,18 0-431,-38 0 0,-3 0 0,6 0 491,10 0 1,-2 0-101,28 0-391,-16 0 0,-1 0 0,3 0 0,-26 0 0,5 0 0,20 0 0,2 0 0,-15 0 0,-1 0 0,21 0 0,-4 0 0,19 0 0,0 0 0,0 0 0,-13 0 0,3 0 0,-25 0 0,1 0 0,29 0 0,0 0 0,-24 0 0,-5 0 0,-6-1 0,-1 2 0,4 2 0,-2 1 0,29-2 0,-18 6 0,-2-1 0,-1-4 491,-10 2 1,-2-2 481,-3-10-198,-14 6-775,40-13 0,-48 12 0,29-9 0,21 2 0,-28-3 0,0 7 0,0 1 0,2-8-49,12 7 0,4 0 49,20-10 0,-19 7 0,-1-1 0,26-7 0,-9 1 0,-7 1 0,2 1 0,-19 3 0,0 1 0,19-2 0,0 2 0,-15 1 0,-3 0 0,-7 3 0,0 0 0,14 1 0,2-2 0,0-2 0,0 0-492,1 7 0,1 0 24,6-3 0,5 0 140,-6 1 0,4-1 0,-3 2-164,9 1 0,0-1 300,-10-3 1,5-2-1,-8 2 192,-2 4 0,-4 0 0,7-3 0,1 0-492,-5 3 0,1 2 280,9-1 0,-1 0 212,-13 0 0,-2 0 0,0 0 0,-3 0 646,34 0-646,-4-7 0,-39 1 983,-2-6-414,-37 7 414,-8-1 0,-2 2 0,-12-9 0,5 4 0,-23-18-895,10 13-88,-8-7 0,2 4 0,14 8 0,-10-4 0,12 9 0,-3-3 0,-12-1 0,-21-10 0,-6 2 0,-35-6 0,-6 15-492,24-1 0,-5 0 0,-9 3 0,-4 0 383,-8-1 1,-3 1 108,-3 0 0,-2 2 0,0 2 0,3 2 0,23-1 0,2 0 0,-11 0 0,3 0-379,24 0 0,3 0 379,-39 0 0,10 0 0,58 0 0,-6 0 0,20-3 983,0 2 0,38-10-6,-14 6-977,53-17 0,4 0 0,-9-1 0,2 0 0,-19 9 0,2 0-492,27-11 0,1 3 125,-22 12 0,1 2 367,32-2 0,1 2 0,-25 3 0,1 2 0,34 5 0,-1 4 0,-32 4 0,-2-1 0,8-3 0,1 1 0,-8 5 0,-6 0 0,5-5 0,-13 2 0,-25-4 0,-24-8 0,-40-1 0,14 0 0,-59 14 0,48-3-474,-35 4 1,-11 1 473,25-4 0,-3-1 0,-17 0 0,-10-1 0,3 0-492,-5 0 0,-4-1 246,18-2 0,-8-1 0,-2 0 0,5 0-82,-5-2 0,4 0 0,-6 0 82,-3 0 0,-6 0 0,-1 0 0,2 0 0,9 0 0,3 0 0,-2 0 0,-5 0 82,9 0 0,-6-1 0,-2 1 0,-1 0 0,2 0 0,4 1-33,-1 0 0,3 1 1,1 1-1,-1-1 0,-2-1 0,-13 0 0,-4-1 1,0-1-1,1 2 0,6 0-49,-4 3 0,4 1 0,4 1 0,1-2-82,-11 0 0,4-1 0,0 1 0,-6 3 0,1 0 0,6 0 359,-1-2 1,5 1-32,-2-1 0,8-2 0,-9-3 0,16 0 983,46 3 0,19-2 0,-3 2 0,6-3 0,-11 4 0,1-3 0,-30 10 0,5-10 0,-17 11 0,9-10 0,-10 10 0,-2-11 0,-11 13-336,27-13-647,-31 6 0,18 0 0,-6-5 0,-13 11 0,26-11 0,6 7 0,-10-8 0,38 2 0,-37-3 0,19 0 0,-35 0 0,-12 0-984,-16 0 867,36 0 0,-3 0 117,-1 0 0,2 0 0,15 3 0,0 0 0,-17 1 0,2 1 0,-27 11 0,44-9 0,-2 1 0,-5 0 0,0 1-137,5-1 1,2-1 136,-33 7 0,9-5 0,4-1-984,16-2 516,-32-1 0,-6-1 468,1-4 0,14 0 0,-8 0 0,-1-4 0,-3-1-328,23-2 0,-2 0 0,0 0-164,-34 1 0,2-1 279,12-6 1,1 1-130,-1 5 0,3 3 342,11-1 0,2 1 0,2-1 0,1 1 0,4 3 0,7 2 0,1-1 162,-38 0-162,38 0 0,-33 7 983,54-5-374,-44 11 374,47-7 0,-58 17-382,53-11-601,-22 4 0,-3 0 0,12-3 0,-43 10 0,37-14 0,-1-2 983,-30 8-698,20-10 0,-5 0-777,-9 4 0,2-2 336,28-6 1,0 0 155,-23 4 0,0-1 0,-20-4 0,41 0 0,-14 0 0,51 0 0,3 3 0,41 13 519,13-2-519,45 17 0,-39-14 0,3-1 122,4-2 0,2-1-122,4 4 0,0-1 0,2-6 0,-3-3 0,20 3-511,21-3 511,-24 1 0,-7-6 0,-15 6 0,2-1 0,23-5 0,10 11 0,-30-8 0,-5-1 0,-6 4 0,31 5 0,-29-5 0,-13-1 0,4 0 983,-30-7-850,2 0 408,-5 0-541,11 0 0,9 0 0,33 0 0,5 0 0,-16 0 0,5 0-492,4 0 0,2 0 151,16 0 1,4 0-152,8 0 0,3 0 164,-25-2 0,0-2 0,1 1-38,29-2 1,0-1 365,-28 0 0,-1-1 0,-3 1 0,5 1 0,-1-1-492,21-6 0,-1-1 98,-19 6 1,-1 1 393,4-7 0,3-1 0,-8 7 0,2 1 0,-6 0 0,-8 1 0,1 1 0,20-2 0,11 0 0,-9 0 0,-15 1 0,1 0-328,23-2 0,12 0 0,-10 1-164,-19 1 0,0 0 366,21-2 0,11 0 0,-10 2 126,-15 4 0,-4 0 0,-7-4 0,4-2 0,-1 2-40,29 4 0,-4 0 40,-27-7 0,0 1 0,25 6 0,-2 0 197,-36-7 0,0 1-197,40 5 0,2 2 0,-33-4 0,0 1 0,2 2 0,6 2 0,-5-1 0,1 0 0,-2 0 0,3 0 0,6 0 0,4 0 0,8 0 0,-4 0-170,8 0 0,-1 0 170,-6 0 0,4 0 0,-8 0 0,-6-1 0,-4 2 0,24 3 0,-4 1 0,-39-4 0,0 0 491,50 4 1,-5-1 85,-30-4-577,-6 0 0,4 0 0,-5-4 0,-2-1 0,29-4 0,-24 5 0,2-2 0,-4-6 0,-4 1 0,28 7 0,-31-7 0,-1 0 983,19 9-961,13-3 961,-31 5-74,35 0 74,-67 0 0,46 0-396,-41 4-587,43 3 983,-37 3-871,10 0 290,4-5-402,-25-2 0,20-3 0,-11 0 0,-12 0 0,70 8 0,-43 0 0,24 1 0,6 0-984,9-2 939,-16 2 1,3-2 44,-15-6 0,-2 0 0,-3 6 0,-2 0 0,45-5 0,-30 4 0,-23-6 0,-18 0 0,-19 0 0</inkml:trace>
+</inkml:ink>
+</file>
+
+<file path=ppt/ink/ink33.xml><?xml version="1.0" encoding="utf-8"?>
+<inkml:ink xmlns:inkml="http://www.w3.org/2003/InkML">
+  <inkml:definitions>
+    <inkml:context xml:id="ctx0">
+      <inkml:inkSource xml:id="inkSrc0">
+        <inkml:traceFormat>
+          <inkml:channel name="X" type="integer" min="-2.14748E9" max="2.14748E9" units="cm"/>
+          <inkml:channel name="Y" type="integer" min="-2.14748E9" max="2.14748E9" units="cm"/>
+          <inkml:channel name="F" type="integer" max="32767" units="dev"/>
+        </inkml:traceFormat>
+        <inkml:channelProperties>
+          <inkml:channelProperty channel="X" name="resolution" value="1000" units="1/cm"/>
+          <inkml:channelProperty channel="Y" name="resolution" value="1000" units="1/cm"/>
+          <inkml:channelProperty channel="F" name="resolution" value="0" units="1/dev"/>
+        </inkml:channelProperties>
+      </inkml:inkSource>
+      <inkml:timestamp xml:id="ts0" timeString="2025-12-04T11:49:11.234"/>
+    </inkml:context>
+    <inkml:brush xml:id="br0">
+      <inkml:brushProperty name="width" value="0.35" units="cm"/>
+      <inkml:brushProperty name="height" value="0.35" units="cm"/>
+      <inkml:brushProperty name="color" value="#E71224"/>
+    </inkml:brush>
+  </inkml:definitions>
+  <inkml:trace contextRef="#ctx0" brushRef="#br0">330 171 24575,'39'22'0,"-9"-7"0,-4-7 0,26-7-984,-6 3 0,14-4 492,-6 4 0,3 1-492,40-3 492,-10 2 0,2 0 0,-31-3 0,-1-2 0,26 1 0,2 0 0,-16 0 0,1 0 457,-4 0 0,4 0 1,-4 0 34,10 0 0,1 0 0,-11 0 0,3 0 0,-2 0 0,15 0 0,-2 0 0,-5 0 0,2 0 0,26 0 0,-6 0 0,-8 0 0,10 0 0,2 0 0,-2 0-328,-32 0 0,9 0 0,-6 0 106,-8 0 1,-1 0 221,23 0 0,5 0 0,10 5 0,-4-1 0,-25-2 0,0-1 0,22 3 0,-1 1 0,-31-5 0,-2 0 0,23 0 0,1 0-382,-21 0 1,1 0 381,19 0 0,-2 0 0,18 0 0,-18 0 0,2 0 0,-19 0 0,-1 0 0,21 0 0,-1 0 0,-21 0 0,-2 0 0,-3 0 0,0 0 0,5 0 0,1 0 0,-1 0 0,0 0 0,3 0 0,5 0 327,2 0 1,6 0 0,-4 0 163,10 0 1,1 0-165,-4 0 1,4 0 0,-6 0-225,-1 0 0,-5 0-103,6 0 0,1 0 0,-6-1 0,0 2 0,0 2 0,0 2-138,0 0 0,0 0 138,6-1 0,-1 2 0,-4 2 0,1 0 0,8-7 0,1 0 0,-4 7 0,0 0 0,-1-6 0,1-2 0,-1 4 0,-1 0 0,-5-3 0,0-2 0,0-2 0,0-2 0,0 4 0,0 0 219,-5-3 0,0 0-219,9 4 0,0 0 0,-8 0 0,0 0 0,14 1 0,2-2 0,-5-3 0,-1 0 0,0 3 0,1 0 0,9-3 0,0 0 0,-8 3 0,0 2 0,9-1 0,0 0 0,-4-4 0,-2-1-269,1 4 1,0 0 268,-5-3 0,-1 0 0,5 3 0,0 2 0,-5-1 0,1 0 0,10 0 0,0 0 0,-3-1 0,-1 2 0,4 3 0,0 0 0,-4-3 0,-2 0 0,-4 3 0,-1 0 0,1-3 0,-3-2 491,-13 1 1,-3 0-260,37 0-232,-39 0 0,-3 0 0,16 0 0,-18 0 0,-1 0 983,22 0-274,0 0-709,-12 0 0,2 0 509,23 0-509,-22 0 0,-4 0 0,-17 0 983,-4 0-19,-36-3-80,3-1-884,-14-12 0,-1 6 0,-6-7 983,-6 9-827,-1 0-156,-6 3 0,-11 1 0,14 4 0,-22 0 0,1 0 0,8 0 0,-51 0 0,-7 0-492,34-3 0,-4-2 178,-10 1 0,-2-2-178,0-2 0,-1-2 0,-5 1 0,-4-1 164,18 4 0,-3-1 0,0 1 0,-5 2 0,0 1 0,3-1-164,-15-4 0,-1 0 224,11 4 0,-5 1 1,3-1 267,10 1 0,1 0 0,1 0-328,2 0 0,0 0 0,-4 0 0,-23-1 0,-6 1 0,5 1 217,21 1 1,3 0 0,1 0 110,0-2 0,0 0 0,-3 0 0,-14 2 0,-2 1 0,11 1 0,18 3 0,4-1-20,-28-2 0,-2 0 20,9 6 0,4 2 0,19-4 0,-2-1 0,-13 2 0,-7 0 0,8 1 0,16 1 0,2 0 0,-30 1 0,2 0 0,-9 6 0,9-6 0,-4 0 0,26-1 0,-1 1 0,-23 0 0,0-1 0,-17 1 0,13 0 0,-2-2 0,23-5 0,0-1 0,-25 3 0,2 1 0,31-5 0,3 0 983,-45 0-865,0 0-118,23 0 0,-2 0 491,21 0 1,0 0-474,-20 0 1,0 0-19,-22 0 491,44 0 1,-1 0-78,1 0 0,-4 0-414,-39-4 0,-3-1-118,30 0 0,-1 0 118,-28-1 0,2 1 0,34 0 0,3 2 0,-4 2 0,-5 2 0,1-1 0,-4 0 0,2 0-492,-12 0 0,-1 0 270,7-2 1,-4-2 0,4 2 221,-10 1 0,2-1 0,-1-1 0,-2-2 0,-6 0 0,-5 2 0,10 2 0,-5 0 0,6 0 0,-11-3 0,2 0 0,12 3 0,-4 1 0,8 1 0,4-1 0,5 0 491,3 0 1,0 0-436,-4 0 0,1 0-56,8 0 0,0 0 0,-4 0 0,1 0 0,4 0 0,1 0 0,1 0 0,-3 0 0,-29 0 0,-1 0 0,23-4 0,1 0 0,-20 3 0,3 0 0,29-3 0,4 1 0,-45 3 336,0 0-336,11 0 983,22 0-435,16 0 435,0 0 0,6 0 0,-3 0-20,-1 0-211,22 0-752,-45 0 0,24 0 0,-6 0 0,-1 0 0,-6 0 0,-34 0 0,-3 0 0,34 0 0,4 0 0,4 0 0,24 0 0,-19 0 0,44 0 0,5 0 0,27 0 0,3-6 0,54 5 0,10 1 0,-2-6-328,-19 5 0,14 1 0,-6 1-164,0-1 0,-4 0 0,2 0 0,5 0 318,-3 0 1,7 1 0,-3-2 173,-11-2 0,-2 0 0,5 0-246,1 2 0,6 0 0,1 1 0,-5-1-82,4-2 0,-4 0 0,5 0 82,-1 2 0,6 1 0,1 1 0,-3-1-82,12 0 0,-2 1 0,0-2 82,-23-1 0,1 0 0,0 0 0,3 0 0,11 1 0,4 1 0,-1 0 0,-4-2-82,8-3 0,-3-2 0,-2 2 0,-2 3 0,-1 3 0,2-3 82,-14-2 0,1-1 0,0 0 0,-3 1 33,9 2 0,-3 2 0,-2-1 213,-4-1 0,-1-2 0,2 1 61,21 0 1,4 0-1,-13 0-61,-24 2 0,-1 0 0,21-2 0,10-1 0,-10 2 0,-20 1 0,-2 2 462,32-1 1,5 0-463,-1 0 0,-4 0 0,-27 0 0,3 0 0,9 0 0,8 0 0,-10 0 0,-14 0 0,-4 0 0,21 0 0,-2 0 983,18 0-492,-23 0 1,1 0-235,-20 0 1,0 0-258,26 0 0,-2 0 0,21 0 0,-11 0 0,3 0 0,-29 0 0,0 0 0,24 0 0,-1 0 0,-25 0 0,-4 0 983,42 0-492,-40 0 1,0 0-67,41 0-425,-25 0 0,-1 0 0,13 0 0,-29 0 0,-3 0 0,6 0 0,-5-1 0,4 2 0,26 5 0,-17-2 0,-1 1 0,18 10 0,-34-6 0,4-1 474,20 1 0,0 0-474,-25-4 0,-2 0 0,12 2 0,-9-2 983,-24-4-8,-21 3 8,-52-11-529,-16-2-454,-12 0 0,-17 0-246,14 2 0,-10 0 0,-2 0 0,3 1-82,-10-2 0,3 0 0,-10 1 164,25 3 0,-8 0 0,-4 1 0,0 0 0,3 0 0,7 0-82,-4 0 0,7 0 0,0 1 0,-7 1 82,5 2 0,-7 2 0,-2 0 0,-1 1 0,2 1 0,4-1-82,-16 1 0,5 0 0,0 2 0,-4 0 49,5 0 0,-3 1 1,-1 1-1,1 1 0,4-1-49,-7 1 0,3 1 0,1-1 0,0 1 0,-1 0 0,0 0 0,0-1 0,-1 0 0,1-1 0,-1-1 0,1 0 0,1 0 0,3 2 0,1 1 0,1-1 0,-1-1 0,-3-4 0,-1-3 0,2 0 0,6 3 148,0 3 1,4 3-1,-2-4 98,5-4 0,-4-3 0,1-1 0,3 1 217,-6 3 0,4 0 1,-3-1-218,8-1 0,-3-1 0,0-1 0,1 1 0,-16 0 0,1 0 0,4 0 327,15 0 1,3 0 0,1 0 88,-25 0 0,4 0 75,15 0 1,5 0-1,8 0 1,2 0-1,2 1 1,3-2 491,-21-5-903,-7-3-80,0-6 0,-3-8 491,29 14 1,-2-1-1,3-2 1,1 0-192,7 6 1,-2 2 190,-5 0 1,0 1 92,-34-5-584,0 6 0,28-2 0,1 0 0,-10 4 0,-1 0 0,-3 0-226,-20 0 226,5 1 0,-1-2 0,35-2 0,2-1 0,-15 3 0,-1 0 0,-1-3 0,5 1-128,-10 3 128,-4 0 0,5 0 0,24 0 983,-38 0-764,59 0 496,-2-3-715,12 2 983,9-2-204,102 3-779,-6 0-492,9 0 0,11 0 164,-40 0 0,0 0 0,7 0 124,16 0 1,11 1 0,3-1 0,-2-1-43,-1-1 0,-2-1 0,2 0 0,3 1 49,-9 1 0,3 1 1,1 0-1,-1 0 0,-2-1 0,-6-1 0,-1 1 1,-1-2-1,-2 1 0,-1 0-49,11 0 0,-5-1 0,3 1 0,6 0 82,-8 1 0,6 1 0,4 0 0,0-1 0,-1 1 0,-5-1-33,0 0 0,-3-1 1,-2 0-1,1 0 0,4 0 33,0 0 0,3 0 0,2 1 0,0-1 0,-1 1 0,-3-1-33,6 2 0,-1 0 1,-1 0-1,-3 0 0,0-2 0,-10-1 0,-1-1 1,-2 0-1,1 0 0,2 0 0,7 1 0,3 1 1,0 0-1,-2 0 0,-2-1-49,6 1 0,-3-1 0,-1 0 0,-1 0 0,-1-2 0,-1 0 0,0 0 0,3 1 49,-10 1 0,3 0 1,1 1-1,-1 0 0,-2 0 195,10-1 1,-2 0 0,-1 0 0,3 0 116,-11-1 1,3 0-1,0 0 1,-3 0-1,-6 1-115,12 2 0,-6 1 0,2-1 0,-7-1 0,4-1 0,-1 0 0,-3 1 0,6 2 0,-4 0 0,5 0 0,-1 0 0,7 0 0,-1 0 0,-5 0 289,3 0 1,-4 0 0,4 0-290,-7 2 0,4 0 0,0 1 0,-4 0 0,8 0 0,-4 1 0,0 0 0,0 0 0,0 0 0,2 0 0,11 2 0,3 1 0,-12-2 0,-14-3 0,-2-2 327,13 3 1,9 0 0,-11 1 2,-20-1 1,-2 1 160,27-3 1,1-1-1,-13 4 1,-6 0 111,27-4-603,-3 0 0,-3 0 983,-6 0-492,-28 0 1,-2 0 281,14 0-773,13 0 0,-26-4 983,11 3 0,-48-3 0,25-3 0,-19 5 0,21-4 0,-11 6 0,3 0 0,41 7-861,-22-5-122,33 6 0,-50-8 0,0 0 0,-16 0 0,-14 0 0,4 0 0,-54 0 0,8 6 0,-51 1 0,-3 8-984,-6 1 492,13-7 0,-6 0 0,14 0 0,-3 0 164,3-5 0,-5-1 0,-4 0 0,-15 3 0,-5 0 0,-2 0 82,18-3 0,-1 0 0,-1 0 0,-1 0 0,-3 0 0,0-1 0,0 1 0,0 1 0,4 0 0,1 1 0,-1 0 0,-1-1 0,-9 0 0,-3-2 0,1 1 0,2 0 0,10 0 0,3-1 0,-2 1 0,-2 0 49,2 1 0,-4 0 1,-1 0-1,1 0 0,4-1-49,-7 1 0,4-2 0,1 1 0,-1 0 0,-4 0 0,-2-1 0,2 1 0,5 1-82,-5 1 0,6 1 0,-5 0 160,7-3 1,-3-1 0,0 1 0,4 0 182,-4 3 0,3 1 0,-3 0-15,-1-2 0,-6 0 0,1 0 0,5 1 0,0 0 0,5 1 0,-4-1 0,2-2 0,-5-1 0,2-1 0,9 1 491,-6 1 1,-2 0-458,5-3 1,-11-2 0,-1 1 0,11 0-35,-4 0 0,0 0 0,2 0 0,-12 0 0,1 0 0,11 0 0,-3 0 0,2 0 0,7 0 0,-8 0 0,-1 0 0,11 0 0,-7 0 0,1 0 0,-14 0 0,-8 0 0,9 0 491,16 0 1,4 0-160,-22 0 1,-2 0-333,5-1 0,5 2 0,25 2 0,0 1 0,-25-3 0,2 0 0,33 7 0,-1-1 0,-31-6 0,-1 0 0,23 6 0,0 1 0,-24-7 0,1-1 0,26 4 0,2 0 491,-2-4 1,-1 0-122,2 4 0,-5 0-370,-8-4 0,-7 0 0,4 2 491,-2 5 1,-1 1-289,4-6 0,-6-3 0,6 2-203,-5 7 0,3 1 0,-7-8 0,-2 0 0,-5 2 0,-1 2 0,-2 0 0,-6-2 2,9-2 1,-5 0 0,4 0-3,23 1 0,2 2 0,-2-2 0,-16-1 0,-3-2 0,6 1 0,1 0 0,5 0 88,3 0 0,0 0-88,1 0 0,-2 0 0,-22 4 0,3 1 0,35-4 0,1 0 60,-25 3 0,7 1-60,19 0 0,-6-3 0,32 7 983,13-9-153,15 3 153,41 4 0,17-5-492,9 4 1,7 1-100,-15-6 1,2-1-385,26 4 1,3-1-9,-11-3 0,1 0-492,17 0 0,0 0 108,-16 0 1,2 0 383,-8 0 0,3 0 0,-2 0 0,21 0 0,-3 0 0,0 0 0,0 0 0,-23 0 0,0 1 0,-8-2 0,35-6-492,-12 6 0,-2 1 460,1-7 32,0 6 0,0 2 0,3-1 0,6 3 0,3 3 0,-40-2 0,-2 1 0,20 3 0,4 2-492,15 4 0,-5 0 216,-30-5 1,0 0 275,25 4 0,4 1 0,0 0 0,-3-1 0,-22-7 0,2 0 0,28 7 0,-1-1 0,-30-10 0,-1-2 0,32 4 0,0 0 0,-34-4 0,-1 0 212,29 0 1,-4 0-213,5-8 0,-27 7 0,27-7 0,-16 1 983,-2 5 0,20-6 0,-57 8-801,16 0 801,-30 0-33,1 0 33,-11-3-706,21 2-277,-8-2 0,58 3-984,10 0 878,-29 0 1,4 0-387,17-1 0,0 2 141,-17 3 0,1 0 351,1-3 0,6-1 0,-5 1 0,0 3 0,-1-1 0,17-5 0,-3-3 0,17-3 0,-13-8 0,-37 5 0,-6 4 0,-27 3 0,6 0 983,1 3-876,6-3 876,-5 4-175,13 0-808,-16 3 0,37-2 0,-35 2 0,25-3 0,-30 0 0,10 0 0,-5 0 0,16 0 0,14 0 0,1 0 0,40 0-380,-36 0 0,-1 0 380,39 6-492,-14-6 0,-5 1-281,-11 10 773,9-6 0,-2 0 0,-21 2 0,40 7 0,-61-9 0,3 2 692,-12-3-692,-6-1 983,-9-2-141,-45-5-842,4 3 0,-58-13-984,-3 12 662,37-5 1,-4-1 321,-12 6 0,-3 2 0,-3-4 0,-4 0 0,20 3 0,-2 1 0,0 1-492,-25 2 0,0 2 0,-5 0 0,-4 1 164,20 0 0,-4 1 0,2-1 0,11-2 0,2-1 0,-5 1 82,1 0 0,-5 2 0,-1-1 0,4-2-82,-9-1 0,3-2 0,-2 0 0,-11 3 0,0 1 0,4-2 0,23-1 0,4-1 0,-3-1 0,-17 1 0,-3 0 0,4 0 37,-16 0 1,0 0 427,14 0 1,-5 0 0,5 0-138,-8 0 0,-1 0 265,13 1 0,-4-1 0,10-1-265,19-2 0,-1-1 0,-18 1 0,-10 0 0,4-2 0,-9-4 0,3 0 0,-11 3 0,1 1 0,16-3 0,2 0 0,-13 2 0,4 1 0,33 1 0,-3-1 0,-25-1 0,-12-1 0,11 1 0,18 1 0,2 0 0,1 2 0,-6 0 0,0-2 0,-6-3 0,-1-2 0,4 2 390,-5 6 1,-2-1-391,-1-5 0,-7-3 0,8 3 0,6 7 0,1 0 0,2-4 0,-5-2 0,5 2 423,-5 3 0,2 1-423,-17-3 0,-1-1 0,14 5 0,6 0 0,-25 0 266,38 0 0,2 0-266,-14 0 0,-24 0 0,34 0 983,-28 6-93,59-5-890,-60 5 0,50-6 0,-49 0 983,59 0 0,-8 0 0,17 0 0,-15 0 0,21 0-74,-12 0-909,27 0 0,59 3 0,-29-2 0,27 4 0,14 1-492,16-5 0,4 0 0,0 3 0,4 0 164,-10-3 0,5-2 0,1 1 0,2 0 0,0 0 0,0 0 0,-2 0 0,-1 0 0,4 0 82,-12 0 0,3 0 0,0 0 0,-6 0-82,1 0 0,-4 0 0,1 0 0,16 0 0,3 0 0,-4 0 0,-16 0 0,-3 0 0,4 0 82,-2 0 0,5 0 0,-1 0 0,-6 0-82,-2 0 0,-6 1 0,4-2 0,19-2 0,3 0 0,-5 0-164,5 2 0,-4 0 274,6-4 0,1 1-6,-25 3 1,2 1 0,-9 1 223,24-1 0,8 0 0,-1 0 0,-14 0 0,-9-1 0,7 2 0,-2 3 0,-1 1 0,-14-5 0,4 2 0,11 3 0,9 2 0,-7-1 0,-8-5 0,-2 0 0,21 3 0,-3 1 0,-31-5 0,0 0 0,31 0 0,0 0 0,-28 0 0,2 0 0,36 0 0,1 0 0,-39-1 0,-1 2 0,11 3 0,7 0 0,3-4 0,6 0 0,-4 2 491,11 6 1,1 0-165,-2-6 1,7-3 0,-8 2-273,0 3 1,-5 0-56,6-3 0,0-2 0,-7 1 0,4 0 0,2 0 0,7 0 0,-5 0 491,7 0 1,0 0-165,-6 0 1,4 0 0,-8 0-293,-11 0 1,-5 0 455,11 0 1,-2 0-194,-20 1 1,-4-2 684,32-2-715,-41 2 715,-46-2-118,-59 6-865,-24 6 0,11-6 0,-9-1-140,6 4 0,-6 0 0,3 0 140,-19-5 0,-5 0-246,23 2 0,-8 2 0,-3 1 0,3-2 0,7 0 0,0-2 0,0 1 0,-1 0 0,-7 2 0,0 0 0,-3 1 0,-1-1 184,8-1 1,-4 0 0,0 0 0,1 0 0,4 1-185,-2 2 0,3 1 0,2 0 0,-3-1 0,-8-1 0,-2 0 0,0-1 0,4 1 35,-14 4 0,4 0 1,1 0 210,1-2 0,1-1 0,0-2 0,2-1 0,2 0 0,-1 0 0,-1 2 0,0 1 0,6-2-492,-9-4 0,3 0 444,19 2 0,-3 0 0,5 0 48,-11-3 0,3 0 0,5 0 0,-2 0 0,-20 0 0,5 0 983,-5-7-767,26 6 0,2 0 767,-7-12 0,-16 11 0,37-9-307,-27 10-676,-13-13 491,45 9 1,-2 0-105,-20-4 1,2 0-388,-12 0 491,17 0 1,-1 1-353,-16 6 1,22-2 0,0 0-140,-27 4 240,32 0-240,8 0 983,32 0 0,-20 0 0,22 0-623,-7 0 402,9 0-762,-18-5 0,-13 3 0,-21-10 0,-32 3-492,46 1 0,-2 0 255,-9 2 1,-1 2 236,0 0 0,1 0 0,9 1 0,3 0 0,-26 1 0,31-4 0,27 6 0,5 0 0,1 0 983,2 0-509,-5 0-474,5 0 0,-6 0 0,6 0 0,-32 0 0,23 0 0,-71 0 0,56 0 0,-18-4 0,0 0 0,15 3 0,-23-7 0,0 8 0,32 0 0,-25 0 0,43 0 0,4 0 0,51 11 0,23-1 0,-11-4 0,13 1 0,-2 0 0,20 3 0,4-2-328,-10-3 0,5-2 0,-4-1-164,14 3 0,-4-1 0,-5-3 0,-1-2 0,-7 1 0,1 0 0,11 1 0,1-2 112,-12-3 1,-1 0-113,7 3 0,-2 0 330,-14-3 0,-5 0-229,-17 3 1,1 2 390,25 2 0,3 2 0,-11 0 0,1 1 302,-4 0 0,5 1 1,-6-1-303,1 0 0,0-1 0,30 0 0,-6-1 983,-14-4-885,4 0 0,-2 0-98,-7 0 482,-4 0 1,0 0-483,4-7 0,7 2 0,1 0-984,8-4 976,-21 3 0,10-1 0,-8 3 8,-15 2 0,-1 1 203,38-3 0,1-1-203,-36 5 0,0 0 0,10 0 0,7 0 0,-4 0 0,8 0 0,0 0 0,21 0 0,3 0 0,-1 0 0,-7 0 0,-33 0 0,-2 0 0,17 1 0,1-2 0,-10-3 0,-6 0 956,4 2-956,-13-2 0,3 0 0,-1 3 0,-2 2-396,14-1 396,17-1 0,3 2 0,-8 5 0,-7-6 0,-1 2 0,8 11 0,-3-12 0,1-1 0,15 14 0,-30-13 0,-2-1 983,12 7 0,-43-7 0,20 0-255,-33 0-728,-7 0 0,-82 0 0,7 0-328,1-1 0,-15 1 0,7 1-164,10 2 0,0 1 164,-19 0 0,-10-1 0,6 1-164,5 1 0,0 0 164,7 1 0,-6 1 0,-1-2 0,-8-3 0,-2-3 0,-1 2 0,1 2 0,-1 0 0,-2 0 82,12-3 0,-3 0 0,0 0 0,7 0-82,4 0 0,4 0 0,-3 0 0,-21-2 0,-6-2 0,4 0 119,19 1 0,3-1 0,-5 0 209,5 1 0,-4 0 0,-2 1 0,1-2 0,1 0 0,0-2 0,1 1 0,2 2 0,-14 1 0,2 2 0,4-1 0,11-2 0,3 0 0,4 0-258,-12 3 0,8 0 258,-26 0 983,14 0 0,31 0 0,5 0 0,27 0 0,1 0 0,-11-5 0,-13 3 0,-41-4 0,27 2-492,-2 4 1,-1-1 491,0-3-915,-11 4 1,-3 0-69,-9 0 0,-9 1 0,-3-2-492,45-2 0,0-1 199,-20 3 0,-10 1 1,9-1-200,16-2 0,0-1 164,-19 1 0,-10 0 0,11 0 201,20 2 1,3 0-302,-28-4 0,0 1 428,24 4 0,5 0 620,-21 0-620,18 0 0,3 0 0,7 4 983,-4-3-268,25 3 268,2-4 0,6 0 0,3 0-361,1 0-457,2 0-165,-2 0 0,-1 3 0,-42-2 0,29 2 0,-34-3 0,26 0 0,8 0 0,-6 3 0,19-2 0,0 2 0,1-3 0,2 3 0,-2-2 0,36 2 0,11-3 0,45 0 0,-9-1 0,4 2 0,-16 3 0,2 0-328,6-3 0,7-1 0,-5 1-164,0 2 0,0 1 141,21 1 0,2-2 351,-15-2 0,-1 1 0,5 2 0,2 0 0,9-4 0,1 0 0,-4 0 0,1 0 0,-19 0 0,3 0 0,-2 0 0,0 0 0,0-1 0,-4 2 0,18 2 0,0 1 0,-15-3 0,4-1 0,-4 1 0,17 2 0,-4 1 0,-4-4 0,1 0 0,19 1 0,-4-2-492,-38-3 0,-2 0 364,10 3 0,-2 0 128,18-11 0,-15 11 0,-16-3 0,31-4 0,-19 7 0,-15-3 0,3 0-344,47 4 344,-50 0 0,2 0 491,22 4 1,-1 1-42,11-3-450,-10 2 0,-1 0 0,-2 2 491,-18-6 1,-3 1-153,-8 5-339,-3-6 0,-23 0 0,-12-3 0,-1-1 0</inkml:trace>
+</inkml:ink>
+</file>
+
+<file path=ppt/ink/ink34.xml><?xml version="1.0" encoding="utf-8"?>
+<inkml:ink xmlns:inkml="http://www.w3.org/2003/InkML">
+  <inkml:definitions>
+    <inkml:context xml:id="ctx0">
+      <inkml:inkSource xml:id="inkSrc0">
+        <inkml:traceFormat>
+          <inkml:channel name="X" type="integer" min="-2.14748E9" max="2.14748E9" units="cm"/>
+          <inkml:channel name="Y" type="integer" min="-2.14748E9" max="2.14748E9" units="cm"/>
+          <inkml:channel name="F" type="integer" max="32767" units="dev"/>
+        </inkml:traceFormat>
+        <inkml:channelProperties>
+          <inkml:channelProperty channel="X" name="resolution" value="1000" units="1/cm"/>
+          <inkml:channelProperty channel="Y" name="resolution" value="1000" units="1/cm"/>
+          <inkml:channelProperty channel="F" name="resolution" value="0" units="1/dev"/>
+        </inkml:channelProperties>
+      </inkml:inkSource>
+      <inkml:timestamp xml:id="ts0" timeString="2025-12-04T11:49:49.052"/>
+    </inkml:context>
+    <inkml:brush xml:id="br0">
+      <inkml:brushProperty name="width" value="0.35" units="cm"/>
+      <inkml:brushProperty name="height" value="0.35" units="cm"/>
+      <inkml:brushProperty name="color" value="#E71224"/>
+    </inkml:brush>
+  </inkml:definitions>
+  <inkml:trace contextRef="#ctx0" brushRef="#br0">0 194 24575,'26'3'0,"14"6"0,-6-2 0,27 0 0,-19-1 0,37 1 0,18-5-984,-13 5 492,4-2 0,0-2 383,2 0-219,-24-1 0,10 2 0,-6-2 119,-9-2 0,1 0 209,14 3 0,8 0 0,-7 0 0,-8-2 0,-2 0 0,27 4 0,6-1-328,-30-3 0,0-2 0,-3 1-164,9 4 0,1 0 348,-8-3 1,4-1 0,0 1 143,27 3 0,-3 0 0,-23-4 0,1 0-492,23 3 0,-2 1 447,-36-3 1,1 0 44,5 4 0,5 2 0,-3-2 0,2-4 0,1 0 0,-4 2 0,5 0 0,-6 0 0,2 1 0,-5 0 0,-2 1 0,1 0 0,7 4 0,4 0 0,25 0 0,1 1-271,-19-1 0,0 0 271,19 1 0,-1-1 0,-31-4 0,-3-1 383,-3 0 0,-2 0-383,-4 0 0,0-1 0,5-2 0,-2 0 0,42 6 0,-41-3 0,0 0 0,-4-3 0,0 0 0,5 2 0,1 1 0,4 0 0,1 0 0,0 1 0,2 0 0,2 0 0,4 0 22,-7 1 1,5 1 0,-4-3-23,7-2 0,0-1 0,19 3 0,-5 1 183,8-5-183,-13 0 0,-10 0 0,3 0 0,4 0 148,-24 0 1,1 0-149,34-4 0,0 0 0,-30 3 0,-3 0 0,1-2 0,0-2 0,1 1 0,-1 1-25,-5 2 1,0 0 24,4-6 0,0-2 0,40 0 0,-1-13 0,-25 8 0,0 0 0,-23 1 0,0 1 0,25 2 0,0 1 0,22-6 0,-44 10 0,1 1 0,46-5 0,-3 1 0,-3 1 0,-18 5 983,-2-5 0,-13 7 0,-11 0-597,0 0 597,-10 0-113,18-7 113,-31 6-927,14-6-56,-27 7 0,-3 0 0,-1 0 0,-3 0 0,9 0 0,-4 0 0,8 3 0,-6-2 0,0 2 0,-3-3 0,-46-16 0,-37-12 0,9 8 0,-7 1-492,-6-4 0,-5 1 0,-9 1 0,-9 4 376,17 9 0,-9 4 0,-2 0 0,6-1 116,-1-4 0,4-1 0,-9 2-197,2 6 0,-10 1 1,-4 2-1,3 0 0,8-2-49,14-1 0,5 0 0,1-1 0,-4 1 49,-2 2 0,-4 0 1,-2 0-1,1 0 0,2 0-49,-7 0 0,2 0 0,0 0 0,-5 0 49,-2 0 0,-4 0 1,-3 0-1,2 0 0,3 0 0,13 0 0,3 0 1,1 0-1,0 0 0,-4 0 0,-13 0 0,-3 0 1,-1 0-1,1 0 0,5 0-49,-4 0 0,4 0 0,2 0 0,-1 0 0,0 0 0,-1 0 0,2 0 0,5 0-82,-5 2 0,4 1 0,-2 0 82,11 0 0,-3 0 0,1 0 0,4 0-82,-3 0 0,3 0 0,-2 1 171,5 0 1,-4 1 0,0 0 0,2-1 156,-13 0 0,1 0 0,3-1 0,4 1 0,2 0 0,6-1 0,-3 2 0,4-1 491,-18 1 1,3-1-1,29-4 1,0 2-453,-25 6 1,3 0-40,-12-6 491,42 2 1,2 0 491,-4-4 0,0 0 0,-15 0 0,41 0 0,-50-7 0,47 1 0,-28-2 0,0-3 0,23 5-492,-14 1 1,-2 2 491,3-1 0,-33-2-942,30 5-41,1-3 0,-2 2 0,-12 7 0,11-4 0,3 0 0,10 8 0,-39 8 0,47-6 0,-35 9 0,64-10 0,-4-1 0,36 3 0,33 1 0,17 1-492,-18-4 0,7-2 0,19-3 0,2-1 455,-18 0 1,4 0 36,5-3 0,6-2 0,-5 1-492,2 0 0,2 0 164,9 0 0,9 0 0,-3 0 0,-22 0 0,-4 0 0,5 0 194,-6 0 1,4 0-1,0 0 1,-3 0 133,9 0 0,-4 0 0,1 0 0,6 0 0,2 0 0,-2 0 0,-8 0 0,-2 0 0,1 0-328,2-2 0,0-1 0,-1-1 0,-9 1 0,-1-1 0,0 0 321,4 1 1,0 0-1,-4-1 7,3-4 0,0 0 0,-2 7 0,5 1 0,-7 0 0,-11-4 0,1 1 0,18 2 0,12 2 0,-3-1-328,-8 0 0,-3 0 0,2 0 0,-1 0 0,0 0 0,3 0 294,21 3 0,3 0 1,-8 0 33,-10-2 0,-4 1 0,-12 2 0,3 3 0,1-2 0,1 0 0,2-2 0,-5 0 0,6 3 0,2-2 0,11 0 0,9-1 0,-12 0-32,-21-3 0,-2 0 32,41 0 0,-6 0 983,-24 0-693,10 0 0,0 0-290,-7 0 0,21-1 0,6 2-381,-48 2 0,2 1 381,18 2 0,10 1 0,-8 0 0,-9-2 0,0 2 230,9 5 0,7 2 0,-9-4-230,-17-8 0,-3 0 260,36 7 1,-3 0-261,3-9 373,7 0-373,-7 0 983,-45 0 0,32 0 0,-45 0 0,5 0 0,-25-3 0,-13 2 0,-45-13-601,-3-2-382,-38 2-492,35 3 0,-3 1 259,-1 8 1,-3 2 232,-10-4 0,-8 0 0,0 3 0,-6 2 0,1-1-328,8 0 0,2 0 0,-6 0 82,0 0 0,-5 0 0,-2-1 0,2 2-82,-20 2 0,2 1 0,2-2 56,15-1 0,2 0 0,-4 0 26,2 1 0,-5 1 0,-1-1 0,2 0 0,10-1 0,1-1 0,0-1 0,-4 1 49,0 0 0,-3 0 1,-2 0-1,-1 0 0,2 0 0,0 0 0,1 0 1,-1 0-1,1 0 0,-1 0 0,0 0 0,-1 0 1,1 0-1,1 0 0,4 0-49,-1 0 0,4 0 0,1 0 0,-4 0 0,-10 0 0,-2 0 0,-1 0 0,5 0-82,-9 0 0,3 0 0,-2 0 82,10 0 0,-4 0 0,0 0 0,5 0 42,-4 0 1,3 0 0,-2 0 203,11 0 0,-3 0 0,2 0 0,7 0 11,-11 0 0,0 0-11,10 0 0,-9 0 0,0 0 0,9 0 0,-12 1 0,0-2 0,10-2 0,-10-3 0,0 1 0,10 0 491,-10 3 1,1 0-462,10-2 0,-8-1 1,0 0-1,10 0-30,-7 1 0,1 1 0,-14 2 0,-10 1 0,12-1 0,22-3 0,3 0 0,-26 3 0,-3 2 0,9 3 0,6 1 983,-15 3-492,1 0 1,6 2 491,35-3-492,-2 1 1,4-1 491,15-1 0,-9 4 0,22-5 0,12 1 0,26 2 0,-5-3 0,16 2 0,-16-10 0,19-6-205,4 4-778,29-3 0,30 8-492,-36 0 0,5 0 0,23 0 0,5 0 330,-25 0 0,3 0 0,-3 0 162,15 0 0,1 0-328,-4 0 0,6 0 0,-5 0-164,17 0 0,-2 0 164,-26 0 0,1 0 0,1 0 226,9 0 1,3 0 0,-10 0-391,-11 0 0,-1 0 257,12 0 0,6 0 1,-8 0 234,-14 0 0,-1 0 0,18 0 0,10 0 0,-8 0 0,-14 0 0,2 0-328,20 0 0,12 0 0,-9 0-164,-9 0 0,-4 0 484,-7 0 0,3 0 1,1 0 7,2 0 0,0 0 0,-4 0 0,2 0 0,0 0 0,-3 0 0,6 0 0,-1 0 0,27 0 0,-3 0 0,-22 0 0,-1 0 174,19-1 0,-2 2-174,-27 3 0,0 0 0,28-3 0,3 0 0,-16 2 0,2 2 0,18-1 0,-2-1 0,-24-2 0,-4 0 0,-2 3 0,0 0 0,4-4 0,2 0 0,-3 0 0,4 0 0,5 0 0,8-1 0,-4 2 80,12 3 1,2 0-81,-4-3 0,7-1 0,-7 2 0,6 6 0,-4 1 0,-28-8 0,1-1 0,-1 1 0,27 3 0,4 0 0,-2-3 0,7-1 0,-6-1-328,-26 1 0,-5 0 0,5 0 328,26 0 0,6 0 0,-9 0 0,-9 1 0,0-2 0,6-1 0,8-2 0,-5 1 0,-25 2 0,-3 0 0,3 0 0,25-2 0,6 0 0,-8 0 356,7 2 1,-6 2-357,1-1 0,4 0 0,-9 0 0,7 0 0,-6 0 0,-22 0 0,-4 0 0,6 0 0,12 0 0,8 0 0,1 0 0,-7 0 0,-4 0 0,-6 0 0,4 0-328,16-1 0,4 1 0,-7 1 144,12 3 1,-10-1 183,-24-2 0,-7 0 983,20 7 0,-42-8 0,-9 0 0,-14 3 0,-13-2 0,-68-6-733,15-3 0,-6-3-398,-33 1 0,-7 0 148,-1-1 0,-2 3 0,25 3 0,-2 3 0,-1 0 0,2 1 0,-2 0 0,-2 3 0,-18 2 0,-4 3 0,2 0 0,14 0 0,3 0 0,-6 1-246,-3 2 0,-5 0 0,-2 1 0,6 0-82,-4 3 0,4 0 0,-4-1 82,5-4 0,-5-1 0,0-1 0,2 2 0,11 0 0,2 1 0,0 0 0,-1 0 119,-4-1 1,-1-1 0,-1-1 0,1 1 126,-1 0 0,1 0 0,-1 0 0,0 1 0,0 1 0,0 0 0,1 0 0,0-1 0,4-2 0,1-2 0,1 0 0,0 1-246,1 3 0,1 2 0,1-1 0,4-1-82,-8-1 0,3-1 0,3 0 0,6 0 0,2 0 0,3-1 280,-9 3 1,5-2 538,12-6 1,2 0-1,-1 3 1,2 0-240,-44-4 731,0-7 0,10-2 0,24-4 0,-27-10 0,22 1 0,-9-1-717,21 7 0,2 1-266,3 1 0,-15 1 0,-2 0 0,8 0 0,-12 7 0,-1 3 0,10-3 0,-10 5 0,1 2 0,11-1 0,-31 0 0,10 0 0,24 0 0,-34 0 0,39 0 0,-12 0 0,-4 0 166,-20 0-166,22 0 0,-10 0 0,8 0 0,12 0 0,1 0 0,-31 0 0,-7 0 0,-6 0 0,3 0-492,21 0 0,0 0 164,7 0 0,-4 1 0,-1-2 0,1-2 0,-1 0 0,4 0-164,-18 1 0,0 1 439,11-2 0,-3 0 0,6 0 53,1 3 0,1 0 0,2 0 0,-6 0 0,7 0-492,3 0 0,1 0 469,-31 2 0,0 3 23,23 4 0,7 1 0,-10 1 445,9 2 1,2-1-446,10-4 983,-9 1 0,16 1 0,30-9 0,-1 3 0,8-4 0,-3 0 0,2 0-556,-7 0-427,1 0 0,-9 0 0,-21 0 0,16-4 0,-47 3 0,50-3 0,-49-3 0,52 6 0,-17-6 0,-3 1 0,19 4 0,-15-5 0,-36-1 0,53 6 0,-46-6 0,69 8 0,3 0 0,26 0 0,28 0 0,-4-3 0,5-2-492,6 0 0,2 0 49,12-3 0,3-3-49,8-2 0,2-1 0,-4 4 0,3-1 376,-16-1 0,3-2 0,1 3-212,2 2 0,2 3 0,1-1 0,7-3 0,1 0 0,-1 0 0,-7 3 0,0 0 0,1 2 0,13 0 0,2 2 0,-3-1 0,-17-2 0,-4 0 0,3 1 0,9 3 0,3 2 0,-1 0 0,-5-3 0,1-1 0,-2 2 195,0 1 0,-1 1 0,1 1-137,6-2 0,1 1 0,-1 1 270,-3 1 0,0 2 0,0-1 0,4-3 0,1 1 0,-6 0 460,7 3 0,-2 1-460,-8-5 0,5-1 0,-6 2 491,12 3 1,-3 0-170,4-2 1,2-1-323,-18 1 0,2 2 0,-9-2 0,-12-1 0,-1-2 0,16-1 0,8-1 0,-9 0 0,-20-1 0,0-1 0,17-1 0,8 0 0,-10-1 0,24-9 0,-24 7 0,10-1 0,-8 1 0,-16 4 0,-2-1 0,28-7 0,4 1 0,0 10 0,-4 2 491,-22-3 1,1-1-342,30 4 1,7 0-151,0 0 0,-2 0 491,-13 4 1,2 0-398,-12-1 0,2 0 0,-4 1-94,5 5 0,1 0 0,0-2 0,7-1 0,-5 1 0,8 2 0,-1 0 0,-14-3 0,2 1 0,-1-2 0,26 1 0,-9-2 0,-34 0 0,-1-1 344,24-2 1,-3-2-345,2 1 0,-7 4 0,2 1 0,31-3 0,-21 2 0,2 1 256,-26-1 1,0-1-257,31-2 0,1 0 0,-30 3 0,-1 0 0,19-4 0,-3 0 983,2 0-615,-21 0 615,-6-4 0,-9-3-40,-9-2-943,3 2 983,14-4-242,2 10-741,-1-6 0,30 0 0,-53 5 0,53-5 0,-56 7 0,25 0 0,-30-3 0,3 2 0,-8-5 0,0 5 0,-23-17 0,-42-8 0,-28-10 0,21 10 0,-10 1 0,-16 7 0,-13 3 0,4 2 0,24 1 0,4 2 0,-5 1-246,0 3 0,-6 0 0,1 3 0,6 1-246,-24 6 0,6 3 0,7 1 0,-2 2 387,19-4 0,-1 0 0,-2 1 105,-3 2 0,0 1 0,-2 0 0,-8 0 0,-2 1 0,1-1 0,-3 0 0,0 1 0,5-1 0,-8 3 0,0 1 0,13-5 0,-4 0 0,5 1 0,-10 4 0,4 1-492,-5-5 0,-4 2 164,15 0 0,-3 1 0,8-3 173,13-7 1,1-2 154,-12 7 0,-8 3 0,8-3-492,12-7 0,1 0 377,-13 4 1,-9 2 0,10-2 114,16-3 0,-1-1 0,-18 4 0,-10 2 0,10-2 0,17-4 0,3 0 0,-23 7 0,-4 0 0,-4-8 0,5 1 0,-16 12 0,14-12 0,-2 0-404,14 11 0,3 0 404,-34-8 0,33 7 0,2 1 0,-12-4 0,7-3 0,-3-1 0,21-1 0,-1 0 0,-24-2 0,-2-2 0,16 1 0,2 0 0,2 0 0,-1 0 0,-8 0 0,-1 0 0,7 0 0,-3 0 0,-29 0 0,-2 0 491,25 0 1,0 0-386,-24 0 0,0 0-106,25 0 0,3 0 0,2 0 0,0 0 491,2 0 1,0 0-273,0 0 0,2 0-219,-32 0 0,-4 0 0,40 0 0,2 0 0,-19 0 983,-21 0-463,52 0-520,-29-7 983,34 5-898,-23-5 898,31 3-378,0 3 299,0-7-904,5 7 0,-3-7 0,12 7 0,0-7 0,30-22 0,0 12 0,18-23 0,5-2 0,2 5 0,17-25 0,-38 38 0,-17 11 0,-1 3 0,-6-3 0,-1 6 0,-12-7 0,7 7 0,-11-4 0,9 4 0,-9 4 0,-22-5 0,-1 1 0,-49-7 0,13 0-492,25 10 0,1 0 417,-13-2 75,-23 7-357,54 0 357,-65 0 0,42 0 0,-16 0 0,26 0 0,26 3 0,6-2 0,12 5 983,34 2-927,-7 0-56,22 4 0,10 0-492,5-4 0,4 1 378,8 4 0,8 0-214,-1-8 0,8-2 0,-4-1-164,14 3 0,0-2 164,-13-2 0,4-1 0,-2-1 199,-10 2 0,-2-1 0,1-1 129,4-1 0,1-1 0,0 0 0,3-1 0,1 1 0,1-2 0,4-1 0,0-1 0,-5 0 0,11-2 0,-1 0 0,-14 2 0,4 1 0,-4-1 0,-12-2 0,-2-1 0,0 1 0,28-1 0,3 0 0,-10 0 0,4 0 0,-4 0 0,-17 4 0,-4-1 0,0 2 0,4 0 0,0 2 0,3 0 0,20-1 0,4 1 0,-9 0 0,-12-1 0,0 0 0,18 3 0,10 1 0,-10-1-492,-16-3 0,-4 0 164,-8 4 0,4 0 0,-1 0 322,30 0 0,-4 0 6,-26 0 0,1 0 0,25 3 0,4 2 0,-30-2 0,1 0 0,-4 2 0,10 4 0,0 0 0,-4-5 0,4-1 0,-6 1 0,-4 4 0,1 0 0,6-6 0,6-3 0,-5 2 0,4 3 0,-1-1 0,-5-2 0,4-1 0,-6-1 0,-2 1 0,-5 0 0,-9 0 0,2 0 0,39 0 0,1 0-492,-36 0 0,-2 0 434,29 0 0,-3 0 1041,10 0-917,-47 0 917,0 0 0,-46 0 0,-65-6 0,2 4-492,0-1 1,-6-1-621,-7 4 0,-3 0 129,-5 0 0,-7 0-328,-5 3 0,-8 1 0,2-1 0,19-2 0,2-1 0,-5 1 82,-7 3 0,-7 1 0,-1 0 0,5 0-82,-2-1 0,4-1 0,-6 2 131,19-2 0,-6 1 1,-2 1-1,0-1 0,5 1 86,-7 0 0,4 0 0,1 1 0,-4-1 111,9-1 0,-2 1 0,-2-1 0,2 0 0,1 0 0,-13-1 0,3 0 0,-1-1 0,1 2 0,-2 0 0,1 1 0,-1 0 0,1-1-246,-1-2 0,1-2 0,-1 0 0,0 1 0,-1 1 0,-1 0 0,0 1 0,1-1 0,3-2 0,-1 0 0,2 0 0,3 0 44,-9 0 0,4 0 1,-3 0-45,12 0 0,-4 0 0,2 0 0,4 0-82,-5 0 0,4 0 0,-2 0 82,7 0 0,-2 0 0,0 0 0,4 0 243,-9 0 1,4 0-1,2 0 494,-26 0 1,9 0-13,31 0 1,4 0 11,-5 0 1,4 0 491,-8 0 0,-2 0 0,39 0 0,16 0 0,15 0 0,80-8-492,-28 6 1,10 1-777,27-1 0,15-1 0,-1 0 285,-15 0 0,-2 0 0,3 0 0,-12 1 0,1 0 0,1-1 0,-1-1 0,24-5 0,-1-1 0,-4-1 0,-18 4 0,-4 0 0,2-1-328,13-1 0,3-2 0,-2 2 0,-10 2 0,-2 0 0,0 1 0,-5 0 0,-1 0 0,1-2 0,-1-1 0,0-1 0,-1 1-164,26 3 0,-3-1 0,-7-6 0,-6 1 983,-17 7 1,-4 2 491,24-7 0,-52 3 0,-32 11 0,-29 3 0,-1 2 0,-38 5 0,-9-1-1038,21-4 0,-9-1 55,-3-3 0,-7-2 0,1-1 0,6 1 0,1 0 0,-6-1-246,-5-1 0,-6-1 0,-2-1 0,1 1 0,3 0 0,1 0 0,0 0 0,-1 0 0,-2 0 0,1 0 0,-3 0 0,-2 0 49,1 0 0,-5 0 1,0-1-1,1 1 0,6 1-49,4 1 0,6 0 0,-1 1 0,-4-1 49,-5-1 0,-4-1 1,-3 0-1,2 0 0,4 1-49,-2 1 0,2 0 0,2 1 0,1-1 0,2 0 0,1 1 0,0-1 0,0 0 0,1-2 0,-1 0 0,3 0 0,4 2-82,0 3 0,6 2 0,-1-2 28,-4-4 1,0-1-1,3 1 791,-9 7 1,7 0-1,12-7 1,10 0 491,9 6 0,33-7 0,46 0 0,37-8-492,-29 7 1,8 0-517,10-3 0,13-1 1,4 0-1,-6 2 25,-1 1 0,-3 2 0,7 0 0,10-2 0,8-1 0,2 0 0,-5 2 0,4 0 0,-4 1 0,0 1 0,2-1 0,0 0 0,1 0-246,-21 0 0,1 0 0,0 0 0,0 0-82,21 0 0,0 0 0,-6 0 0,-19 0 0,-3 0 0,0 0 159,9 0 1,0 0-1,-3 0 169,7 0 0,-4 0 0,-6 0 0,-4 0 0,-9-1 0,-12 2 0,-25 2 983,-19 1 0,-29 8 0,-49 17 0,-19-8-492,19 1 1,-5-1-1,8-10 1,-5-2-760,0 3 0,-7 1 1,1-1 267,10-4 0,1-2 0,-4 2 0,2 1 0,-3 1 0,-2 1 0,3-2 0,-14-1 0,1-2 0,0 2 0,-7 4 0,-1 2 0,1-1 0,5-3 0,2 0 0,0 1 0,0 2 0,-1 1 0,7-1 0,-8-2 0,4 0-492,-11 6 0,2 0 106,14-6 0,5 0 386,9 2 0,2 1 0,3-2 0,8-1 0,18 0 983,57 7-490,20-5-493,43 8 0,13 3 491,-38-15 1,3 1-190,13 7 0,5 0-302,8-6 0,5-1-328,-21 2 0,4 2 0,1-3 239,10-2 1,2-3 0,-2 2 88,-12 1 0,-2 1 0,4-1 0,-1-3 0,4-1 0,1 0 0,-3 0-328,15 1 0,-3 1 0,0-1 0,0-1 0,0-1 0,3-1 82,-9 0 0,5 0 0,-3-1 0,-9-1 166,13 0 1,-1-2-167,-13 1 0,10 0 0,-1 0 0,-9 0-246,6 0 0,1 0 478,-9 0 1,9 0-1,-1 0 1,-9 0 13,5 0 0,-1 0 0,-4 0 0,9 0 0,1 0 0,-11 0 0,1 0 0,-2 0 0,1 0 0,7 0 0,-4 0-54,15 0 1,-5 0 53,-12 0 0,-1 0 491,12 1 1,-6-2 188,9-4 303,-16 3 0,-10-10 0,12 10-974,-19-1 0,0 0 974,28 3-492,-8 0 1,6 0-97,-10 0 1,0 0-396,4 0 0,4 0-328,-8 0 0,5 0 0,-8 0 213,-11 0 0,1 0 115,17 0 0,10 0 0,-8 0 0,-14 0 0,1 0-328,19-3 0,10 0 0,-8 0-164,-15 2 0,1 0 164,18-2 0,12-1 0,-10 1 0,-13 3 0,-2 0 0,-5 0 0,3 0 0,2 0 245,2 0 1,1 0 0,-5 0 82,10 0 0,-1 0 0,-8 0 0,4 0 0,-1 0 0,-3 3 0,0 1 0,-5-1 389,8-2 0,-1 0-389,-10 2 0,5 0 0,-4 0 0,17-2 0,-5-2 184,-19 1 1,0 0-185,37 0 0,-2 0 0,-40 0 0,-3 0 475,17 0 1,1 0-476,1 0 0,-3 0 983,29 0-492,-33 1 1,-1-2 59,31-7-551,-25 6 0,12-5 845,-30 1-845,-1 5 0,31-13 983,-22 12-9,12-5 9,-34 3-261,-10 3-294,-12-7-428,0 8 0,-43-13 0,-19-4 0,-4 4 0,-3-2 0,-2 0 0,-26 3 0,14-1 0,-6 0-492,-2 3 0,-3 2 0,-17 2 0,1 1 128,18 1 1,-1 0 363,3 3 0,-5 1 0,1 1 0,8 1 0,1 2 0,1-1 0,2-2 0,0-1 0,-4 1 0,-28 4 0,-7 2 0,12 0 0,16-2 0,1 0-246,6 0 0,-9 0 0,0 1 0,9-2-246,-6 1 0,2 1 177,-6-1 1,-6 2-1,8-2-177,6 1 0,4-1 432,-5 0 0,4 0 60,-15 7 0,37-11 983,36 3 0,13-4 0,69 8 0,12-6-492,-16 2 1,10 0-820,0-1 0,8 0 0,-4-1-164,9-1 0,3 0 467,-17 1 1,8 0 0,0 0 0,-8-1-468,18 0 0,-5-2 161,14-2 0,-5-1 331,-27 3 0,-9 0 0,16-11 0,-28 8 0,-36-1 0,-10 2 0</inkml:trace>
+</inkml:ink>
+</file>
+
+<file path=ppt/ink/ink35.xml><?xml version="1.0" encoding="utf-8"?>
+<inkml:ink xmlns:inkml="http://www.w3.org/2003/InkML">
+  <inkml:definitions>
+    <inkml:context xml:id="ctx0">
+      <inkml:inkSource xml:id="inkSrc0">
+        <inkml:traceFormat>
+          <inkml:channel name="X" type="integer" min="-2.14748E9" max="2.14748E9" units="cm"/>
+          <inkml:channel name="Y" type="integer" min="-2.14748E9" max="2.14748E9" units="cm"/>
+          <inkml:channel name="F" type="integer" max="32767" units="dev"/>
+        </inkml:traceFormat>
+        <inkml:channelProperties>
+          <inkml:channelProperty channel="X" name="resolution" value="1000" units="1/cm"/>
+          <inkml:channelProperty channel="Y" name="resolution" value="1000" units="1/cm"/>
+          <inkml:channelProperty channel="F" name="resolution" value="0" units="1/dev"/>
+        </inkml:channelProperties>
+      </inkml:inkSource>
+      <inkml:timestamp xml:id="ts0" timeString="2025-12-04T11:50:00.485"/>
+    </inkml:context>
+    <inkml:brush xml:id="br0">
+      <inkml:brushProperty name="width" value="0.35" units="cm"/>
+      <inkml:brushProperty name="height" value="0.35" units="cm"/>
+      <inkml:brushProperty name="color" value="#E71224"/>
+    </inkml:brush>
+  </inkml:definitions>
+  <inkml:trace contextRef="#ctx0" brushRef="#br0">616 364 24575,'38'0'0,"20"0"0,15 8-492,-20-3 0,5 0 0,16 3 0,6 2 164,-8-1 0,4 0 0,1-1 0,1-3 0,1-2 0,0 1 0,-5 2 0,-2 0 0,3-2 0,16-2 0,2-3 0,-9 0-164,-14 1 0,2 0 294,-1 0 1,12 0 0,0 0 0,-10 0 197,5 1 0,1-2 0,-2 0 0,11-1 0,1-1 0,-10 0-492,10-2 0,1-1 246,-9 3 0,10 0 0,1 0 0,-10 1-162,16-3 1,-4 1 407,-10 4 0,6 0 0,-2 0 0,-2 0 0,-1 0 0,-4 0 0,12 0 0,3 0 0,-14 4 0,9 1 0,1 1 0,-11-2-492,15-2 0,0 1 275,-14 4 1,9 4-1,1 0 1,-11-3 216,16-1 0,-5-1 17,-13 3 1,2 1 0,1 0-18,-1 0 0,0 0 0,-4-1 0,6-2 0,-1-2 0,-10 2 0,3-1 0,-4 0 0,0-1 0,-1-2 0,-3-2 0,5-1 0,-3 1 0,11 3 0,2 0 0,-7-1 0,4 0 0,-5-1 0,4-1 0,2 0 0,10 5 0,9 1 0,-5-2 0,-24-3 0,-3-2 0,3 0 0,25 3 0,5 1 0,-8-1 0,-7-2 0,-3-2 0,-10-1 0,4-2 0,-6 1 0,6-2 0,-2 0 0,21-3 0,4-3 0,-30 0 0,0-3 0,-2 2 0,8 1 0,2-1 0,-3 0 0,6-2 0,-6 2 0,-1 3 0,1 0 0,12-1 0,8 0 0,-4 1 2,7 2 0,0 1-2,-3-3 0,5-2 0,-5 4 0,4 5 0,-5 1 0,0-7 0,6-1 0,-4 7 0,8 3 0,-5-2 0,-24-2 0,-4 0 0,4 1 0,24 1 0,5 1 0,-7 1 0,-5-1 0,-1 0 0,-7 0 0,5 0 0,-7 0 382,-4 0 1,0 0-383,2 0 0,6 0 0,-15 0 983,4 0 0,6 0 0,-67-4 0,-10 0 0,-41-34 0,16 18 0,-41-27 0,2 22-492,15 9 1,-6 1-360,-17-4 0,-6 2-132,-7 2 0,-7 1-328,8 4 0,-7 0 0,3 2 0,9 0 0,1 2 0,-3 0 0,-15 2 0,-5 0 0,-2 0 121,13 0 0,-3-1 0,-1 0 1,2 1-40,6 2 0,2 2 0,-1 0 0,-3 0 49,2-2 0,-4 0 1,-1 0-1,0 0 0,3 0-49,-12-1 0,3 1 0,-1-1 0,0 1 0,-3 1 0,0 1 0,-1 0 0,0-1 146,0-1 1,0-1-1,1 0 1,0 2 99,5 0 0,0 1 0,0 0 0,2 1 0,3-1 0,1 0 0,2 0 0,1 0 0,-15-1 0,3 0 0,2 3-328,6 2 0,1 3 0,2-1 94,8-2 1,2-1 0,1 3 233,5 2 0,1 3 0,1-2 0,-2-2 0,0 0 0,4-2 0,-4 1 0,-1-1 0,-24 0 0,-1-2 0,20-2 0,-2-2-107,4 1 0,-5 0 0,3 0 107,-12 0 0,-2 0 0,4 0 0,-5 0 0,8 0 0,6 1 0,-1-2 79,7 0 1,-10-2-1,0 0 1,8 1-80,-10 1 0,-1 0 0,12-2 0,-9 0 0,0 0 0,9 2 0,-10 5 0,-1 0 0,-12 0 0,-10-1 0,11 2 0,15 3 0,4 1 327,7-2 1,-3-1 0,2 0 163,-22 3 1,7 1-1,21-2 1,0 1-412,-25 0 0,4 0 903,4 0 0,7 2 0,44-10 0,15 7 0,16-5 0,21 7 0,20 1 0,41 4-492,-27-3 1,4 1-984,0-3 0,2-1 0,28 5 0,0-1 491,-26-3 0,-1-2 1,18-2 0,-3-2-73,-28 1 0,-5-2 73,38-3 0,-41 0 0,-23 0 0,-15-3 0,-32-9 0,-23-9 0,-38-1-227,30 5 0,-6 1 227,-32 5 0,-7 2-328,33 0 0,-1-1 0,-4 1 0,-20 1 0,-5 1 0,-2 2 82,22 1 0,-2 2 0,0 0 0,2-2-82,-21-2 0,2-1 0,-1 2 82,20 4 0,0 1 0,0 0 0,1-1-82,-18-2 0,2 0 0,0 0 0,4 2 0,2 2 0,-2-1 0,-1 0 0,0 0 0,0 0 0,0 0 0,0-1 0,3 2 151,14 1 0,3 1 0,3 0 177,-15 0 0,8 0 983,-14 11 0,70-9 0,7 2 0,43-13 0,-16 8 0,24-12 0,-29 9 0,-6-5 0,-70-14 0,16 5-492,-2 1 1,-5 0-1,3 5 1,2 2-110,-19-7-382,-21 4 0,42 4 0,15 6 0,8 0 0,17 0 0,6 4 0,25 14 0,-8-8 0,56 23 0,-40-22 0,23 1 0,6-1 0,3 1-492,19-6 0,8-2 208,-29-1 1,2 1 283,3-1 0,6 0 0,4-1 0,14-1 0,3-1 0,-3 1-328,-18 2 0,-4 1 0,3-2 0,21-1 0,5-2 0,-10 1-164,-9 0 0,-5 0 0,11 0 0,1 0 122,1 0 0,0 0 370,6 0 0,1 0 0,4 0 0,2 0-328,-30 0 0,0 0 0,1 0 0,1 0 0,0-1 0,-3 2-92,16 3 1,-1-1 167,-14-2 1,2-2 0,-3 3 251,12 6 0,-4 0 325,0-7 0,2 0-325,17 7 0,-8 1 453,-8-7-453,11 2 0,0 0 0,-22-4 0,16 0 0,1 0 0,-9 0 0,-19 0 0,5 0 0,9 5 0,-1-1 0,-14-3 0,2 0 0,17 4 0,6-1 0,18-4 0,-2 0 491,-31 4 1,0 0-279,34-4 1,-2 1-214,-35 3 0,-1 0 0,32-3 0,0-2 0,-29 1 0,-1 0 0,21-1 0,-5 2 983,6 6-133,-11-6-850,1 6 0,-17-7 0,2 0 0,25 0 0,10 0 983,-46 0-150,-27 0 150,-4 0-716,-7 0 716,-3 0 0,-85-8-949,25-1 0,-7-2-362,-9 1 0,-8 0 0,-1 0 0,2-1 0,0 1 0,-3 0 0,-8 0 0,-3 0 0,-3 1 82,7 2 0,-5 1 0,1 1 0,7 3-82,5 1 0,7 3 0,-4 0 0,-22-1 0,-3 1 0,20 5-656,12 15 0,8-3 0,44-11 0,12-1 1967,4 3 0,4-2 0,6 2 0,38 1 0,12 1-492,-7-7 1,1-1 491,15 7-492,-5-9 1,3-3-606,-15 4 1,1-2 113,33-4 0,7-2 0,-2 0 0,-1-1 0,-16 1 0,1-1 0,17-2 0,-3-1 0,-35 4 0,-1 1 0,44-1 0,-2 0 0,-45-3 0,0 2 0,16 4 0,10 3 0,-8-2 0,-12-2 0,1 0 0,15 2 0,8 1 0,-7 1 0,-10-1 0,-2 0 0,22-4 0,4 0 0,7 3 0,-4 0 0,-26-3 0,0 0-492,30 4 0,4 0 0,-4-4 0,-5-1 0,-24 4 0,-1 0 0,24-7 0,-5 0 59,1 7 433,-21-6 0,0-1 0,24-1 0,-29 4 0,-1 0 0,14-8 0,-18 11 0,3-5 0,1-1 0,7 6 91,-8-2 0,0 0-91,8-3 0,9 5 0,1-4 0,0 6 0,0-7 983,-1 6-579,1-6-404,0 7 0,-11 0 983,-13 0 0,8 0 0,-34 0 0,15 0 0,-31 0-566,2 0-404,1 0-13,0 6 0,0-1 0,-52-15 0,-22 1 0,-31-17 0,19 12 0,-8 2-490,-10 1 0,-8 2 490,26 1 0,-6 1 0,-3-1 0,2 2-246,6 2 0,-1 1 0,2 1 0,1 0-82,-15-2 0,1 1 0,1 1 0,1 4 0,0 2 0,4-1 214,-14-3 0,0 2 114,14 6 0,-4 2 0,2-1 0,13-5 0,2-1 0,4 2 0,-10 8 0,6 0 0,-26 2 0,45-7 0,21 1 0,13-8 820,12 5-820,26 9 0,28 6 0,40 12 0,0-15 0,4-2 373,-30-2 1,1-1-374,11-6 0,7-2 0,-7 0 0,-9 4 0,-3-2 0,17-6 0,3 0 0,2 3 0,1 0 0,1-4 0,-3 0 0,-17 0 0,-4 0 0,-6 0 0,-14 0 0,-35 0 0,-10 0 0,-42 3 0,-23 13 0,16-9 0,-7 0-492,-31 11 0,-7-1 89,2-5 1,-4-3 74,10 1 0,-5 0 0,1 0 224,9-3 0,1-1 0,0 0 104,-7 1 0,0 0 0,4-1 0,-10 4 0,1-1-328,20-2 0,-2-1 0,8 1 41,10 1 0,4 0 213,-19 1 1,7-1 73,12 0 983,14 1-510,29-8 510,11 2 0,36 4 0,7 1-674,10 0 1,7 0 59,-9-3 1,1-1-370,22 5 0,2-2 0,-8-5 0,-4-2 0,-14 4 0,1 0 0,19-3 0,2-2 0,-11 2 0,2-2-492,31-3 0,2 0 146,-27 3 1,1-1 345,-5-3 0,4-2 0,-6 2 0,-9 3 0,0 2 0,14-3 0,7-1 0,-6 2 0,-8 2 0,-1 0 0,12 0 0,6 0 0,-7 0 0,-16 0 0,0 0 0,10-2 0,7-2 0,-10 1 0,24 1 0,-11-2 0,-8 0 0,-29 4 0,16-3 0,-52-1 0,-15-8 983,-3 2-697,-12-7 697,-1 3 0,-9-2-923,-3-4-60,-31 4 0,5-4-454,-29 12 454,19 1 0,18 7 0,-9 0 0,30 6 0,-8-5 0,9 9 0,20-9 0,3 6 0,35 5 454,8 0-454,57 9 0,-18-14-483,-18-3 0,3 0 483,43 4 0,-29-7 0,-4 7 0,4 0 0,-11-2 0,1-1-492,26 4 0,3 1 0,-1-1 0,-4 0 89,-23-3 0,-5-1 403,19 3 0,-50-12 0,-23 4 0,-23-10 828,8 8-828,-16-4 983,-9 6 0,-8 0-37,-46 0-1438,40 0 0,-3 0 298,-8 0 1,-4 0 193,-13 0 0,-1 0 0,13 3 0,1 2 0,-8-1 0,2 1 0,13 3 0,3 1 0,-2 0 0,1 0 0,5-1 0,0 0 0,0 4 0,2 0-169,-33 5 169,12 5 0,23-10 0,20 1 0,14-8 0,10 5 983,19 2-608,14-1-193,7 2-182,25-1 0,5-3 0,3-1 0,15-1 0,-7-7-984,23 8 878,-38-8 1,3 2-387,4 5 0,1 1 202,5-6 1,1-2 289,-5 4 0,-3 0-112,-7-3 0,-5-2 112,15 1 0,-31 0 0,-27 0 983,-3 0-882,3 0 882,7 0-327,-1 0-656,50-7 0,-4 5 0,13-5-492,-15 6 0,1 2-135,23-1 627,-9 1 0,2-2 0,-14-3 0,-2 0 0,1 4 0,-4-2 0,19-9 0,-9 10 0,-44-7 0,3 8 0,-14-7 0,4 6 983,-5-2-96,34 10-887,-28-6 0,59 13 0,-48-8 0,39 2 0,-47-4 0,5-4 0,-19 0 0,0 0 0,4 0 0,-4 0 0,7 0 0,3 0 0,-2 0 0,11 0 0,-20-3 0,5-1 0,-38-12 0,-2-2 0,-44-11 0,28 10 0,-7-1-328,-17-2 0,-11-1 0,1 1 0,9 1 0,1 1 0,-5-2 82,-7-1 0,-6-1 0,-2 0 0,2 4 0,10 6 0,2 3 0,0 1 0,0 0-82,-24-4 0,1 0 0,1 3 0,1 4 0,1 4 0,5 4 0,18 2 0,4 4 0,3-1-164,-15-2 0,3 3 0,0 10 0,4 1 0,21-9 0,2 0 0,-5 3 0,2 0-302,-21 3 794,13-2 983,21-2 0,9-4 0,5 1 0,10-7 0,-4 6 0,0-6 0,-12 7 0,8-6 0,-53 3 0,-18 4-1034,30-9 1,-6 2 50,-13 6 0,3 0 0,23-7 0,0 0 0,-30 7 0,-3 1 0,16-3 0,-2-1-328,4 1 0,-5 1 0,3 0-164,-7-2 0,-1 1 217,5-1 0,-4 2 1,8-2 274,11 0 0,0 0-328,-16 1 0,-9 1 0,8 0 128,12 2 1,0-1 199,-15-1 0,-8 0 0,8-1-492,13 3 0,1 0 164,-17-2 0,-10 0 0,10-1 167,11-1 1,0 0 160,-9 1 0,-9 1 0,10-2 0,13-4 0,4 0 281,-21 3 0,3 1-281,-13 2 0,22-6 0,0 0 0,26 2 0,-1 1 0,-22-3 0,-3-2 438,4 1 0,2 0-438,15 0 0,-2 0 0,-24 1 0,0-2 708,-20-6-708,42 2 0,-2 0 0,2 1 0,-4-1 399,-31-4 1,-1 1-400,26 7 0,0 0 0,-20-3 0,5-1 342,-4 5-342,-7 0 0,7 0 0,1 7 0,-9 2 0,8 6 0,-10-6 556,0 5-556,44-9 0,-1 0 0,-6-1 0,-1 1 0,0 3 0,-1-1 0,-9-6 0,0 0 0,9 2 0,0 2 0,2-2 0,0 1 0,6-3 0,0-1 0,0 4 0,1 0 0,-2 0 0,-1-1 0,-4-2 0,0 0 0,-1 3 0,1 0 0,-1-4 0,1 0 0,5 0 0,0 0 0,0 0 0,2 0 664,-33 0-664,12 0 983,23 0 0,20 0-307,5 0-676,5 0 983,-1 0-762,5-3-221,7 2 0,0-2 0,-1-1 0,-4 4 0,-5-8 0,-1 3 0,3 0 0,2 1 0,46 10 0,29 3 0,32-2-492,-17 1 0,1 1 126,-17-4 1,2-1 37,6 3 0,5 0 0,-3-1-164,4-1 0,0-1 376,24 2 0,5-3-212,-31-2 0,1-1 0,-2-1-164,27-2 0,0-2 295,-22 2 1,2 0-1,-3-2-295,20-4 0,-8-1 131,-27 3 1,0-2 365,20-3 0,-2-2-5,-23 2 0,0-2 0,29-9 0,1 0 0,-31 9 0,1 0 0,29-7 0,1-1 0,-23 8 0,-2 2 0,9-3 0,3 2 0,16-1 0,-4 1 0,5-2 0,2 9 0,0 2 0,-2-10 0,-26 13 0,4 1 0,5-4 0,-4 1 0,24 3 0,9 0 0,1 0 0,0 0 0,-25 0 0,0 0 0,21 0 0,-11 0 0,1 0 0,-29 4 0,1-1 0,38-2 0,0 0 0,-40 6 0,0 1 0,12-1 0,8-1 0,-4 1 15,4 3 0,0 0-15,-5 0 0,4 1 0,-3-3 0,6-3 0,-2 0 0,2 3 0,2 0 0,8-2 0,2-1 0,-7 0 0,4 0 0,-1 1 0,6 1 0,-7-2 33,-1-4 1,0 0-34,-6 3 0,5 0 0,-8-2 0,-11-6 0,-5 0 416,7 3 1,-1 0-417,1-7 0,0 0 0,5 7 0,2 0-95,0-3 0,1 0 95,5 4 0,7 0-238,-5 0 0,7 0 1,-5 0 237,8 0 0,-1 0 0,-10 0 0,4 0 0,-9 0 0,-13 0 0,-4 0 491,8 0 1,-3 0 263,8 0-755,-10 0 0,-2 0 0,-11 0 471,3 0 1,0 0-472,-5 0 983,12 0-368,-21 0 368,-13 0 0,3 0 0,-119-8-835,27-1 1,-8-2-477,-3 2 0,-9-1 0,2-1 0,9-2 0,1-1 0,-11 1 164,4 5 0,-13 0 0,-6 2 0,-1-1 0,5 1 0,10 1-164,-16-3 0,9 0 0,-9 2 164,18 2 0,-9 0 0,-5 0 0,1 1 0,6 1 0,12 1-164,-4 2 0,10 2 0,1 2 0,-2 0 0,2 2 0,-1 0 0,1 0 0,-1 0 0,0 1 0,-1 1 0,0 1 0,4-1-164,-6-4 0,-3 1 539,-9 7 1,-9 5 0,17-3-48,-6-2 0,16 5 0,-12 5 0,16-3 983,7 3 0,-16 7 0,15-4 0,35-20 0,-22 11 0,31-16 0,-12 5 0,27-6 0,48-6 0,-26 4-500,31-8-483,-47 3 0,-9-1 0,-24-19 0,-9-1 0,-29-16 0,16 11 0,-3 0-492,-9 1 0,-2 1 0,-4-6 0,-5 1 164,9 10 0,-4 1 0,3 2-164,-7-6 0,-3 2 164,-2 1 0,-8-1 0,5 2-164,-5 0 0,0 1 187,19 4 0,-3 1 1,2 1-188,-18-1 0,3 1 376,7 4 1,1 0 115,-1 0 0,3 2 0,14 3 0,4 1 0,-21-1 0,16 2 983,34 7 0,-7 0 0,20 0 0,1 0 0,0 0 0,-1 0 0,-4 0 0,-5 0-814,5 0-169,-32-6 0,0-3 0,-37-6-520,-3-1 520,0 7 0,13 2 0,14 7 0,9 0 0,20 0 0,-4 0 0,22 0 0,-4 0 0,7 0 0,3 3 520,-3-2-520,-1 5 0,-4-2 0,4 0 0,-8 3 0,6-6 0,-7 6 0,-20 1 0,13-4 0,-21 7 0,21-10 0,-52 11 0,28-10 0,-41 6 0,42-8 0,10 4 0,-29-3 0,40 3 0,-49 2 0,52-4 0,-22 4 0,-31-6 0,28 0 0,-41 0-366,34 0 1,3 0 365,-11 0 0,9 0 0,1 0 0,-5 0 0,-24 0 0,17 0 0,-14 0 0,42 0 0,-8 0 0,8 0 0,-31 0 0,34 0 0,-29 0 731,54 0-731,-17 0 0,21 4 0,-3-4 0,4 7 0,0-4 0,0 8 0,0 0 0,0 3 0,-1 6 0,-5 1 0,-4 16 0,3-16 0,-9 24 0,0-19 0,4 7 0,-15 2 0,23-21 0,-23 20 0,23-20 0,-14 16 0,19-18 0,-2 4 0,5-9 0,2 0 0,4 3 0,5-2 0,6 2 0,6-2 0,12 2 0,18 2 0,45 3-984,-3-7 681,-14 1 1,4-1 302,-18-7 0,0 0 0,19 4 0,0-1 0,-16-4 0,-1 0 0,5 0 0,0 0 0,-5 0 0,2 0 0,8 0 0,2 0 0,8 0 0,-4 0 0,-23 0 0,0 0 0,34 0 0,1 0 0,-22 0 0,-2 0 0,4 0 0,4 0 0,26 0 0,-9 0 0,-16 0 0,10 0 0,-2 0 0,-23 0 0,13 0 0,0 0 0,-13 0 0,12 0 0,3 0 0,5 0 0,-23-1 0,6 2 0,18 2 0,1 3 0,-24-2 0,1 1-328,2-1 0,5-1 0,0 1 0,1 5 0,0 1 0,-3-3-164,12-4 0,3-1 447,10 6 1,10 3 0,-11-3 44,-14-6 0,-4-1 0,-7 1 0,4 2 0,-1-1 0,0-3 0,-1 0 0,-4 0-492,5 0 0,-1 0 359,-3 0 1,3 0-1,1 0 133,3 0 0,1 0 0,-3 0-492,16-1 0,2 2 164,-10 1 0,4 1 0,-4 0 288,4-2 1,2 0 39,6 4 0,8 2 0,-6-1 0,6-1 0,-1 0 0,-9-1 0,5 0 0,-4 0 0,-17-1 0,-3 0 0,-6-1 0,0-1 0,-2-2-233,34 1 1,-3 0 232,-40 0 0,-3 0 983,50 0-492,-48 0 1,-2 0-492,16 0 983,7 0-636,-12 0 636,-21 0 0,-3 0 0,-15 0 0,-15 0-159,-62 0-824,-20 0 0,4 0 0,-7 0-434,-1 0 1,-10 0 433,16 0 0,-10 0 0,-2 0 0,5 0-328,-6 0 0,3 0 0,-6 0 82,2 0 0,-6 0 0,-1 0 0,2 0 0,7 0 0,0 0 0,1 0 0,2 0-82,-13 0 0,2 0 0,-2 0 82,9 0 0,-3 0 0,1 0 0,4 0-82,-3 0 0,4 0 0,1 0 0,0 0 0,1 0 0,5 0-164,-7 3 0,3 1 0,-19-4 0,9 1-492,14 6 1475,17-7 1,4 0 491,5 6 0,15-5 0,-1 5 0,15-6 0,-6 0 0,-42-8 0,11-1-492,4 1 1,-8-1-374,-12 5 1,-4 0-611,2-5 0,-3 2 164,10 5 0,-5 2 0,7 0 239,2-5 0,1 1 89,-25 3 0,0 2 0,20 3 0,-2 1 0,6-2 0,-5 0 0,3 2 0,-8 3 0,-2 1 0,5-2 0,-5-1 0,3 1 0,-16 6 0,1 1 0,-2-4 0,-4 0 0,16 3 0,-3 1 0,9-3 0,16-5 0,-1-1 0,-20 4 0,-10 1 0,10-2 0,20-2 0,0-2 0,-20-1 0,-10 0 0,10 1 0,19 4 0,3-1-492,-28-6 0,-3-1 294,0 9 1,3-1 197,27-7 0,-1 0 0,-30 3 0,-5 1 0,-1-5 0,4 0 0,26-1 0,0 2 0,-27 2 0,0 1 0,19-4 0,5 2 0,-30 11-16,36-9 1,6 0 15,11 3 983,13 2-454,23-5 454,2 3 0,19 9 0,2-1 0,23 10-732,12-1-251,-7-5 0,4-8 0,5 0 0,-1 1 0,1-2-492,4-3 0,3-1 465,24 3 0,2-2-465,-9-6 0,-2-2 0,2 1 0,0 0 459,-1 0 1,0 0 32,6 0 0,-2 0 0,-24 0 0,2 0 0,18-2 0,9-2 0,-9 1 0,-18 2 0,1 0 0,20-2 0,10-1 0,-10 2 0,-19 2 0,-2 0 0,33 0 0,1 0 0,-36 0 0,0 0 0,36 0 0,1 0 0,-34 0 0,0 0 0,27 0 0,-2 0-984,3 0 724,-12 0 0,2 0 260,24 0 0,-31 0 0,-2 0-293,17 0 293,-8 0 0,8 0-21,-21 0 0,0 0 21,24 0 0,-19 3 0,1 1 0,17-2 0,11 5 0,0-7 0,-43 4 0,0 0 0,45-2 0,-40 1 0,0 1 0,41 3 0,-47-6 0,1 0 0,0 7 0,0-1 0,0-6 0,2 0 0,4 6 0,0 1 0,-4-7 0,-2 0 983,43 7-496,-12-8-487,-38 0 983,9-12-355,-41 10-277,12-13-351,-17 14 983,-2-5-898,2 5 325,0-5-410,-2 5 0,2-2 0,0 3 0,-2 0 0,5 0 0,-5-3 0,11 2 0,20-2 0,35 3 0,15 0-492,-11 0 0,4 0 0,-17 0 0,1 0 418,26 0 1,2 0 73,-14 0 0,-2 0 0,0-4 0,1 0 0,-1-1 0,-1 0 0,-5-4 0,0 0 0,7-1 0,-3 1-492,-23 1 0,-1 0 364,16 0 1,-2-1 127,12-6 0,-1 6 0,2-5 0,-47 8 0,7-1 0,-27-1 983,-12 4 0,-33-6 0,9 5-578,-18-1-405,6 6 0,-19 0 0,10 0 0,-12 3 0,-7 2-492,2 0 0,-2 1 59,-10 2 1,-5 2 104,3-4 0,-7 1 0,6-1-164,-3 3 0,0 0 172,1-2 0,-7-1 0,-1 1 320,-6 2 0,-1 1 0,0 1 0,2-1 0,1 1 0,-4-1 0,8-1 0,-3-1 0,0 0 0,7 0-328,6-1 0,5 0 0,-4-1 82,-2 0 0,-4-1 0,-2-1 0,5 0-82,-10-3 0,3-1 0,-5 1 82,2 1 0,-5 1 0,-1 0 0,6-2-82,-5 0 0,5-2 0,-1 1 82,13 2 0,-1 1 0,1 0 0,4-1-82,0-2 0,4 1 0,-2 0 144,-11 2 0,-3 0 0,3 0 184,12-3 0,2 0 0,1 0 0,-24 0 0,4 0 0,13 0 0,3 0 491,9 0 1,4 0 491,-29 0 0,26 0 0,29 0 0,12 0 0,6 0 0,3 0 0,-3 0 0,3 0 0,-3 0 0,0 0 0,-1 0-562,4 0-421,1 0 0,41 15 0,-13-12 0,73 20 0,-43-21 0,11 2 0,5 0 0,28-4 0,-28 0 0,8 0 0,-2 0 0,9 0 0,2 0-328,-5 0 0,4 0 0,-4 0-164,5 0 0,-2 0 245,-11 0 0,3 0 0,-3 0 247,15-4 0,0-1 0,-12 5 0,5 0 0,-3-2 0,19-6 0,0-1-328,-23 8 0,3 1 0,-1-1 0,-3-3 0,0-3 0,1 1 46,2 0 1,1-1-1,0 0 282,0 1 0,0-1 0,-1-1 0,-1-4 0,-1-1 0,-3 1-492,14 1 0,0 2 188,10-5 0,1 0 304,-10 0 0,-2 2 0,-9 5 0,1 1 0,27-8 0,-7 2 0,-4 3 0,7 4 0,1 0 0,-45-2 0,0 0 0,17 5 0,10 3 0,-9-2 0,-11-2 0,-1-1 0,16 3 0,8 2 0,-9-1 0,-13 0 0,-3 0 0,23 0 0,4 0 0,4 0 0,-2 0 0,-21 0 0,0 0 0,24 0 0,-1 0 0,-27 0 0,0 0 0,32 4 0,2 1 0,-24-4 0,1 0 0,28 4 0,-2-1 0,-33-3 0,-5-2 0,-5 1 0,4 0 0,32 0 0,3 0 0,-24 0 0,0 0 0,26 0 0,-1 0 0,-26 0 0,-3 0 0,1 1 0,1-2-492,1-2 0,0-2 445,-1 1 1,1-1 46,4 0 0,0 0 0,-11-3 0,3 0 0,9 4 0,7 1 0,-4-1 130,7-5 1,1 0-131,-7 2 0,3 1 0,-3-1 0,9-3 0,-5 1 0,-6 4 0,-1 0 0,0-3 0,-2 0 491,-15 7 1,-1 0-111,-1-3 1,-4 1 601,16 3-263,16-7 263,-45 5-564,19-4 564,-32 10 0,45 4-715,-14 4 577,8 1-845,6-5 0,-27 1 0,9-7 0,-23 3 0,-12-5 0,-12-3 0,-24-24 0,-12-2 0,-5-15 0,-35 0 0,31 21 0,-30-6 0,21 22 0,-22 2 0,-4 5-434,24 6 0,-4 3 434,-12-4 0,-5 2-328,8 4 0,-3 1 0,-1 1 0,-1-3 0,0 0 0,-3 0 0,-14 1 0,-4-1 0,1 1 0,6-1 0,1-1 0,-2 0 0,-12-1 0,-2-2 0,-2 1 82,24-2 0,0-1 0,-2 1 0,0 1 0,-6 1 0,-1 1 0,-1-1 0,1 1 0,1 0 0,-1 0 0,2 0 0,3 1-82,-7 1 0,3 0 0,-2 1 82,10-1 0,-3 0 0,0 0 0,4-1-82,-6 2 0,4-1 0,0 0 0,-1 0 0,1 0 0,-2 1 47,-15 2 0,-2 0 0,11-1 772,21-2 1,1 0-480,-18 2 0,-11 1 1,14-1-13,26-2 0,1-2 0,-22 2 0,-10 1 0,10-3 491,23-3 1,0-1-211,-20 2 0,-9 0 0,8-1-281,14-3 0,3-2 491,-28 5 1,-5-1-145,-5-8 0,3-1-347,20 5 0,0-2 0,5-5 0,-4-2 0,-1 0 280,-7 1 0,-1 1 0,4-1-280,-10-6 0,0-1 0,7 5 0,-6 0 0,4 1 491,-18-1 1,8 1-100,32 4 1,1 0-393,-28 0 0,2 1 0,-7 4 0,18 0 825,14 0-825,56-3 983,2 2 0,25-13 0,-14 8 0,23-10 0,-14 0-335,-2 6-648,0-2 0,-12 6 0,-15-3 0,2 1 0,-51-16 0,7 11 0,-24-3 0,-7 10 0,15 6 0,4-1 0,-2 2 0,12 2 0,-1 1 0,-24 1 0,-9 0-328,-2 4 0,-7 2 0,5-2-164,-9-2 0,-2-1 164,3 3 0,-8 1 0,16-1 102,29-6 0,7 1 226,-13 4 0,10 1 0,21 2 0,-11-4 0,43 0 0,7-3 0,17 7 983,13-6 0,3 6 0,22-10-528,-5 3-455,31-4-492,-32 0 0,3 0 0,10 0 0,4 0 395,18 0 1,5 0-232,-26-3 0,2 0 0,2 0 0,8 0 0,2 0 0,1-2 0,2-4 0,1-1 0,1-1 0,3 1 0,1 0 0,-4-1 0,-17 1 0,-3 0 0,2 0 0,16-2 0,3-1 0,-9 0-164,-14 0 0,0-1 329,14 2 0,9-2 1,-5 1 162,11-6 0,-5 1 0,-4 4 0,-1 0 176,10 0 1,-8 1-177,-2-2 0,15 0 983,-42 6 0,-28 3 0,-17 6 0,-6 3 0,5 4 0,-32-5 0,-9-3 0,-34-4 0,2-2-646,-7 14-337,29-1 0,6 1 0,24-3 0</inkml:trace>
+</inkml:ink>
+</file>
+
+<file path=ppt/ink/ink36.xml><?xml version="1.0" encoding="utf-8"?>
+<inkml:ink xmlns:inkml="http://www.w3.org/2003/InkML">
+  <inkml:definitions>
+    <inkml:context xml:id="ctx0">
+      <inkml:inkSource xml:id="inkSrc0">
+        <inkml:traceFormat>
+          <inkml:channel name="X" type="integer" min="-2.14748E9" max="2.14748E9" units="cm"/>
+          <inkml:channel name="Y" type="integer" min="-2.14748E9" max="2.14748E9" units="cm"/>
+          <inkml:channel name="F" type="integer" max="32767" units="dev"/>
+        </inkml:traceFormat>
+        <inkml:channelProperties>
+          <inkml:channelProperty channel="X" name="resolution" value="1000" units="1/cm"/>
+          <inkml:channelProperty channel="Y" name="resolution" value="1000" units="1/cm"/>
+          <inkml:channelProperty channel="F" name="resolution" value="0" units="1/dev"/>
+        </inkml:channelProperties>
+      </inkml:inkSource>
+      <inkml:timestamp xml:id="ts0" timeString="2025-12-04T11:50:10.816"/>
+    </inkml:context>
+    <inkml:brush xml:id="br0">
+      <inkml:brushProperty name="width" value="0.35" units="cm"/>
+      <inkml:brushProperty name="height" value="0.35" units="cm"/>
+      <inkml:brushProperty name="color" value="#E71224"/>
+    </inkml:brush>
+  </inkml:definitions>
+  <inkml:trace contextRef="#ctx0" brushRef="#br0">887 62 9971,'-34'0'0,"3"0"983,20 0 0,-2 0 0,2 0 0,-4 0 0,-5 0 0,5 0 0,-11 0 0,13 0 0,-3 0 0,9 0 0,38 11 0,8-2 0,57 12-767,-47-13 0,2 0-216,7-3 0,5-1-492,27 5 0,3-1 0,-10-7 0,2 0 291,-6 4 0,5 2 0,-3-1 201,-10-5 0,-1-1 0,-3 1 0,19 3 0,1 1 0,-14-5 0,4 0 0,-4 0 0,6 0 0,-1 0 0,-8 0 0,3 0 0,-3 0 0,11-4 0,-5 0-278,-13 0 1,-5 0 277,26-6 0,-43 0 0,-14 10 983,-23-7-802,-27-5 802,-6 1 0,-45-9-282,-2 5-902,-21 6 201,43 5 0,0 1 0,0 2 0,-2 2-492,-14-1 0,-2 0 236,0-1 0,-3 2-236,-15 3 0,2 0 0,23-3 0,1 1 0,-20 2 0,0 0 0,14-4 0,3 0 0,3 3 0,-1 1 316,-14-4 0,1 1 176,20 3 0,3-1 0,-37-3 255,33 0 1,7 0-256,18 0 983,-16 0-864,25 0 864,16 0 0,-7 0 0,9-3 0,-4 2 0,0-6 0,-9 3-837,5-4-146,-5 3 0,9 2 0,-19 3 0,18 0 0,-17 0 0,17 0 0,-2 0 0,-6 0 0,-12 0 0,3 0 0,-3 0 0,12 0 0,9 3 0,1-2 0,2 2 0,-2-3 0,2 3 0,-2-2 0,0 2 0,-2-3 0,-8 4 0,-1-3 0,-16 3 0,-24-4 0,16 0 0,-8 0 0,27 0 0,11 0 0,-2 0 0,10-3 0,28-5 0,-9 0 0,21-3 0,-13 3 0,-5 0 0,31-3 0,-25 6 0,46-1 0,-9 6 0,39 0 0,-28 0 0,-8 3 0,-2 2-455,-8-3 455,10 5 0,1 1 0,-4-6 0,9 6 0,0 0 0,-4-6-490,14 3 1,1-2 489,-4-3 0,-14 0 0,6 0 0,4 5 0,-1-1 0,-14-3 0,0 0 0,17 4 0,5-1-492,15-4 0,-3 0 55,-30 3 0,0 1 437,37-3 0,0 0 0,-40 3 0,-2-1 0,4-3 0,5 0 0,28 0 0,1 0 0,-29 0 0,0 0 0,24 0 0,-3 0 0,2 0 0,9-7-691,-9 5 691,11-5 0,-13 6 0,3 2-492,-25-1 0,1 0 434,24 0 1,-1 0 57,-24 0 0,-6 0 40,44 0-40,-41 0 0,0 0 0,41 0 0,-46-4 0,-1 1 0,34 1 0,7-5 0,-18 7 983,8 0-457,-10 0-526,0 0 0,-1 0 0,1 0 0,10 0 0,-8 0 0,8 0 0,-10 0 0,0 6 709,-11-4-709,-2 4 0,-1-6 0,4 0 0,9 0 0,1 0 0,0 0 0,10 0 983,2 0-737,1 0-246,7 0 0,-7 0 0,10 0 0,0 0 0,0-7 459,-44 6 1,1 0-460,46-6 0,-42 3 0,2 0 93,-5 4 1,0-2-94,4-5 0,2-1 0,5 7 0,0 0-492,0-2 0,1-2 373,5 1 1,1 0 118,4 3 0,0 0 0,-8-2 0,-1-2 229,8 1 1,0 0-230,-14 3 0,-1 0 0,4-3 0,1 0 0,0 3 0,-1 2 0,2 3 0,0 0 0,0-3 0,0 0 0,-6 7 0,-2-1 0,38-5 0,-2 5 0,-45-7 983,1 0-715,-32 0-268,-3 0 0,10 0 0,-5 0 0,6 0 0,21 0 0,4 0 0,-8 0 0,-7 0 0,-30 0 0,3 0 0,17 6 0,18 8 0,8 6 0,18 9 0,-18-14 0,-8-2 0,-15-10 0,-19-2 0,-1 2 0,-3-6 0,3 2 0,-24-14 0,-27-2 0,-31-5 0,-25-1-328,15 15 0,-15 2 0,9 2-164,14-1 0,-2 0 164,-14 1 0,-10 0 0,11 3 89,20 5 0,7 0 239,-4-3 0,-2 0-492,-13 7 0,-3 1 0,-5-8 0,-4 0 344,22 1 1,-2 2-1,2-2 148,-16-1 0,-2-2-328,7 1 0,-6 0 0,1 0 0,4 0 0,1 0 0,0 0 0,3 0 0,0 0 0,-5 0 282,0 2 1,-6 1-1,1-1 1,8 1 45,-14-3 0,-1 2 0,13 1 0,-9 3 0,-3-1 0,5 0 0,-11-1 0,3-1 0,0 1 0,4 2 0,-1 1 0,-2 0 0,10-2 0,-4 0 0,2 0 0,9 1 0,-9 3 0,0 1-246,12-5 0,-8 1 0,-1-1 0,11-1-246,-10 1 0,5 1 446,9-1 1,-3 1 0,1-1 45,-1-1 0,1-1 0,4 1 263,-1 5 1,-1 0-264,-16-2 0,-9-1 0,11 1 0,20 1 0,4 1 0,-31 0 0,3 0 0,39-1 0,0 1 362,-35 4 0,-1 1-362,35-5 0,0 0 0,-23 4 0,1 0 0,17-5 0,6 0 983,-10 4-492,3-3 1,3-2 343,19-1-835,-17 1 983,5 0 0,27-6 0,-21 6 0,21-7 0,7 0 0,-3 0 0,9 0-837,-3 0-146,2 0 0,-11 0 0,-10-6 0,5 5 0,-22-5 0,27 6 0,-8 0 0,23 0 0,39 0 0,11 7 0,8-6 0,3-1 0,14 7 0,23-7 0,-54 0 0,-3 4 0,0 2 0,3 5 0,-9-4 0,-1 2 0,-29-8 0,-76-6 0,-2 3-492,-13-10 0,-10-2 0,9 7 0,-2 1 164,15-1 0,-3 0 0,1 1 302,7 2 0,1 1 1,-4 1-303,-18 1 0,-4 2 0,4-1 0,21 0 0,3 0 0,-5 0 82,-2 0 0,-5 0 0,-1 0 0,5 0-82,-1 0 0,5 0 0,-2 0 0,-10 2 0,-1 1 0,3 1-164,-15 0 0,7 2 0,11 2 0,4 2 462,9 3 0,5-1 30,-24-1 983,35 6 0,29-13 0,20 3 0,28 4 0,-13-7 0,37 2 0,-30-2 0,11-4 0,-19 3 0,8-3-836,-7 0-147,24 0 0,-18 0 0,49 0 0,-6 0 0,15 6 0,-14-5 0,-1-1-801,2 6 801,11-5 0,-3-2 0,-21 1 0,29 0 0,-41 0 0,-18 0 0,7 0 0,-20 0 0,0 0 801,22 6-801,3 1 0,21 5 0,18 2 0,6-6 0,-5-4 0,6-1 0,-12-3 0,-1 0-492,2 0 0,1 0 0,10 0 0,-1 0 212,-7 0 0,0 0 280,8-1 0,6 2 0,-9 1 0,3 2 0,-5-1 0,-5-2 0,0 0 0,12 4 0,7 3 0,-7-3 0,-12-4 0,0 0 0,12 4 0,8 3 0,-9-3 0,-15-4 0,-2 0 0,8 2 0,6 1 0,-10-2 0,32-2 0,-41-2 0,1-1-334,0-2 1,-3 0 333,19-3 0,-16 0 0,-1 1 0,17 6 0,10-6 0,-34 4 0,27 2 0,-29-9 0,36 9 0,-29-10 0,24 10 983,-47-3 0,47-3-515,-3 5-468,3-5 0,3 7 96,-31 0 0,0 0-96,23 0 0,9-4 0,2-1 0,12 3 0,-35-2 0,5 0 0,17 3 0,0 2-492,-27-1 0,1 0 174,29 0 1,-1 0 317,-27 0 0,0 0 0,27-1 0,1 2 0,-19 2 0,1 1 0,24-3 0,-3 0 0,-33 3 0,-3 0 0,3-4 0,4 0 0,24 4 0,3 1 0,-20-4 0,0 0 0,20 4 0,-3-1 0,-29-4 0,-4 0 0,2 0 0,-1 0-15,47 0 15,-3 0 0,-3 0-434,-18 0 434,8 0 0,0 0 0,-7 0 0,-4 0 471,-2 0-471,-7 0 0,9 0 0,1 0 0,0 0 983,-11 5-345,-2-3-622,-11 3-16,1 1 486,-1-5-486,0 5 43,11 0-43,2-4 0,11 5 0,0-1 0,20-4 0,-5 4-492,-30-2 0,0 0 329,-3-3 1,-2 0 162,-3 3 0,-2-1-146,5-2 1,-3-2 145,25 1 0,19 0 0,-19-6 0,8 4 0,-10-11 0,10 11 0,2-11-350,-32 11 0,0 2 350,45-7 0,-45 6 0,0 2 0,43-1 0,-21 0 0,-21 0 0,-9 0 983,-28 0-725,9 0 41,-16 0-299,-4 0 760,3 0-760,-2 0 0,5 3 0,24 4 0,0 9 0,34 0 0,-18 2 0,-2-10 0,-14 2 0,-19-9 0,-2 3 0,-6-4 0,-2 0 0,11 4 0,-7-3 0,14 11 0,-10-10 0,0 6 0,-6-5 0,-3-2 0,4 2 0,-4-3 0,7 0 0,-7 0 0,7 0 0,-3 3 0,0-2 0,2 2 0,-2-3 0,9 0 0,12 5 0,8-3 0,10 9 0,0-10 0,-10 5 0,-11-6 0,-13 0 0,-9-3 0,0-1 0,0-3 0,3-1 0,-2 4 0,8-2 0,-10 2 0,6 0 0,14-5 0,-10 5 0,23-3 0,3-2 0,-10 3 0,11-2 0,-24 1 0,-11 3 0,-5-3 0,-13-6 0,-8 3 0,-37-8 0,10 12 0,-27-1 0,12 14 0,-25 2-492,32-5 0,-4 0 214,-18 5 1,-5-1-215,-9-6 0,-3-2 164,22 0 0,-2 1 0,-1-3 0,-9-2 0,-1-3 0,-2-2 0,-8-3 0,-3-2 0,-1-1 211,18 2 0,-2 1 0,0-2 1,-1 0-130,-4-3 0,-1-2 0,0 0 0,0 1 0,0 2 0,0-1 0,0 1 0,2 0 0,2 0 0,2 0 0,0 1 0,3 0-82,-17-3 0,4 1 0,1 2 0,9 4 0,1 1 0,5 0-164,-18-5 0,5 2 182,8 7 0,5 2 801,12-1 1,5 2 491,-29 3-871,6 0-112,28 0 0,2 0 983,22 0 0,5 4 0,5 1 0,-2 3 0,-5 0 0,11 0 0,-32 9 0,21-6 0,-53 17 0,44-16-425,-34 9-558,8-9 0,16 0 0,-23 1 0,-4 0 0,14 0 0,-13-4 0,12-3 0,5-5 0,-8-2-492,-11-2 0,-6-3 164,13 1 0,-3-1 0,-1-2 0,0-1 0,-1-1 0,0-1 0,-4-4 0,0-2 0,-1 0 0,-2 1 0,-2-1 0,-4-1 82,2 1 0,-6-2 0,-2 1 0,4 0 0,9 4 0,2 0 0,0 1 0,-3-1 0,-13-1 0,-4-2 0,0 2 0,3 1 0,13 4 0,1 2 0,1 1 0,1 0-82,-21-1 0,1 1 0,0 1 0,5 2 0,0 0 0,0 3 0,2 3 0,1 1 0,5 1 173,-2-1 0,2 3 42,11 2 1,-4 2 0,4 0 112,-10-1 0,1 1 0,12 2 0,-2 1 0,3-1 447,-14-3 0,4 1-447,2 7 0,5 0 983,-18 8-492,40-13 1,0 1 491,-35 16 0,37-16 0,-10 12 0,23-8 0,-17 3 0,17-4 0,-13 1 0,29-8 0,-28 15-235,31-15-748,-15 9 0,19-10 0,0 2 0,-4 6 0,3-4 0,-1 8 0,-20 14 0,11-13 0,-40 27 0,9-22 0,-31 18 0,28-21 0,7-1 0,-2 1 0,-28 2-364,31-5 1,-4 0 363,-12-2 0,2-2 0,-9 7-492,-2-1 0,2-2-186,7-2 678,-14 0 0,1-2-417,24-4 417,-4-1 0,4 0 0,20-4 0,-9 10 650,29-13-650,3-1 983,6 7-283,-3-2-227,3 6-473,1-3 0,3 2 0,3-2 0,-2 3 0,5-3 0,-2-4 0,3-1 0,3-2 0,-2 0 0,2 2 0,16-5 0,-5 6 0,58-6 0,-21 10 0,37-3-971,-1 8 971,-45-8 0,2 0 0,10 1 0,-1-1 0,29 2 0,-18-3 0,-39-7 0,-16 0 0,-15 0 0,-35-10 0,-14 1 971,-9-6-971,-22 0 0,24 9 0,-9-1 0,17 7 0,25 0 0,5 0 0,-2 0 0,7 0 0,-24 0 0,20 0 0,-13 0 0,21 0 0,-2 0 0,-10-4 0,7 3 0,-10-3 0,12 4 0,-3 0 0,-23 0 0,16 0 0,-25 0 0,24 0 0,-5 4 0,-10-3 0,7 3 0,-28 3 0,31-6 0,-11 6 0,28-7 0,6 3 0,-12-2 0,10-1 0,-11-1 0,45-11 0,-11 10 0,24-10 0,5 11 0,2-9 0,46 8 0,-43-5 0,-2 0 0,30 5 0,-20-5 0,3-2-492,-6 4 0,1 0 417,0 0 1,4 0 74,30-5 0,-4 3 0,0 4-492,7-4 0,1-3 73,-45 6 1,0-1 418,14-1 0,9-1 0,-8 1 0,-14 1 0,-3 0-492,24 0 0,3 2 397,-4 2 1,-3 2 94,-12-1 0,-1 0 0,13 0 0,3 0 0,-1-5 0,-4 1 0,21 2-216,-29-2 1,0-1 215,13-1 0,13-4 932,-26 2-932,21-5 983,-49 7-215,17-1 215,-17-1-631,38 7 188,-33-7-540,23 7 0,-31-3 0,0 4 0,0-4 0,0 3 0,-6-3 0,5 4 0,-11 0 0,11 0 0,-5 0 0,17 6 0,2 1 0,31 7 0,-19 1 0,3 2-420,8-2 1,0 0 419,-2 3 0,2-1 0,17-3 0,-3-2 0,-1 2 0,-16-9 0,4 0 0,-5 3 0,-2-2 0,29-4-492,9 3 0,-1-1-297,-4-4 789,-17 1 0,1-2-984,12-6 964,-12 2 1,2-1 19,-26 2 0,-1-1 0,25-4 0,-1 2 0,14 5 0,-14-1 0,3-1 0,-20 0 0,-2 1 0,17 2 0,-3 0-417,16-6 417,0 7 0,-18 0 0,-3 0 0,-2 0 0,-8 0 702,31-4-702,-38 4 0,-20-4 983,22 4-267,-21 0 267,0 0-822,-9 0 346,7 0-507,3 0 0,-7 4 0,25-4 0,-15 9 0,9-7 0,18 10 0,-26-7 0,47 10 0,-50-9 0,38 6 0,-43-10 0,7 3 0,16 2 0,-10 0 0,13 5 0,-2-5 0,33 13 0,-20-11 0,31 14 0,-21-9 0,-31-6 0,16-1 0,-43-7 0,6-3 0,-11 2 0,2-5 0,6 5 0,-7-2 0,7 3 0,-48 0 0,-7 0 0,-38-7 0,-18-2-492,2-3 0,-9-1 164,34 3 0,0 0 0,-4 0 0,-23-1 0,-7 2 0,4-1 0,13-1 0,2 1 0,-1 2 0,-6 2 0,-1 3 0,1 0 0,5 0 0,1 0 0,-1 1 0,-9 1 0,-1 1 0,0 1 0,0-2 0,0 1 0,-1 1 0,-5 1 0,0 2 0,4-1 0,17-3 0,3 0 0,-3 2 82,6 2 0,-3 0 0,0 2 0,3-2-82,-4 0 0,3 0 0,0 0 0,-3 1 0,0 2 0,0 0 29,1-1 0,-1 1 1,7-1 298,0 3 0,3 0 0,-10 0 0,1 0 491,14 0 1,6-1 491,-20 6 0,25-6 0,35-1 0,7-6 0,21 14 0,23 2 0,2-2 0,53 6-492,-34-17 1,2-2-1,-3 3 1,0-1-1,10-4 1,0-3-123,-6-5 1,-1-2-370,38-8 0,-36 5 0,0 1 0,35-4 0,-15 6 0,2 2 0,-18 3 0,0 1 0,29-1 0,0 1 0,-27 4 0,1 0-492,31 0 0,3 0 0,-20 0 0,0 0 146,19 0 0,-2 0-146,-29 0 0,-4 0 322,-3 0 0,-2 0-201,-3 0 1,-2 0 370,0 0 0,0 0 0,0 0 0,-1 0 0,47 0 0,-34 0 0,-4 0 0,4 0 871,22 0-871,-76-3 983,10-1 0,-39-17-479,-9 2-504,-30-13 0,-17 3 0,17 8 0,-33-2 983,43 18-418,-45-3-565,14 8-238,20 1 0,-4-2 238,1-2 0,-3-2-492,-22 0 0,-6 0 164,21-1 0,-3-1 0,1 0 0,1 0 0,1 1 0,-2 0 262,-9 1 0,-2 2 0,3-1 66,10-1 0,3-2 0,-1 2 0,0 4 0,-1 1 0,1-1 0,0-2 0,0 0 0,2 0 0,-16 3 0,4 0-167,9 0 0,7 0 167,-7 0 0,32 0 0,33 0 983,49 0-770,13 7-213,3-6 0,1 0 507,20 12-507,-3-8 0,7 0 0,-11 7 0,2 1 0,-4-5 0,4-2 0,2 2-328,3 5 0,1 1 0,1-3 0,4-5 0,2-3 0,-5 1-164,11 6 0,-1-2 164,-14-6 0,4-3 0,-7 0-164,2 2 0,-5-2 0,5-1 0,0-2 0,1-4 0,-4-2 376,-19 1 0,-4-1 607,-1-2 1,-3 1 139,32-3 352,-35 2 0,-17 2 0,-2 4 0,-21 5 0,-37 18 0,-6 2 0,-34 13 0,-14-2-969,34-10 0,0 0-14,-39 6 0,27-2 0,0 1 0,10-7 0,1-1 0,-41 17 0,35-13 0,4-2 0,-3 1 0,-1 1 0,22-4 0,41-9 0,9 0 0,33 10 0,25-3 0,6 6-152,-17-11 0,2-2 152,-13-4 0,1 0-492,11 4 0,5 0 0,17-7 0,3 0 290,-12 3 0,3-1 202,-11-2 0,4-1 0,-2-1 0,16-3 0,-2 0 0,7 4 0,-4-2-492,-23-5 0,-2-1 413,8 4 0,-3-1-408,22-11 487,-13 6 922,-18-1-922,-36 7 983,-6-4 0,-5 1 0,-4 3-320,0-2-32,-10-5-631,-12-11 0,-2 5 0,-13-9 0,-13 8 0,11 3 0,-16 1 0,0 9 0,16 5 0,-16 0 0,0 0 0,-36 8-492,15-6 0,-7-2 0,-10 5 0,-1-2 235,17-2 1,1-2 256,-14-2 0,0-2 0,15 0 0,0-1 0,-22-2 0,-4-3 0,23 2 0,-2-1 0,4 1 0,-7 3 0,0-1 0,-22-7 0,4 2 0,-3 10 0,35-3 0,-8-2 0,3 2 0,-11 3 0,1 1 0,-13-3 0,-4-1 0,18 5 0,-2 0 0,6 0 0,3 0 0,1 0 0,-17 0 0,-3 0 0,1 0 0,4 0 0,26 0 0,1 0-492,-18 0 0,-2 0 196,1 5 1,3-1 295,-28-2 0,32 6 0,-3-1 0,-9-5 0,2-2 0,27 3 0,0 1 0,-24-4 0,0 0 0,-19 0 0,17 6-402,15-1 0,-2 0 402,-20 4 0,26-1 0,0-2-34,-16-4 34,1 5 0,-1-1 0,0-4 0,0 4 0,16-2 0,1 0 983,-17 4 0,-19 2 0,56-1-83,10-8 83,0 7-967,0-7 30,-11 3-46,8-4 0,-17 6 0,6-5 0,-9 5 0,0-6 0,-1 0 0,1 5 0,15-3 0,-1 3 0,24-1 0,-4-4 0,20 15 0,7-8 0,6 10 0,19-7-492,24 2 0,11 1 0,-10-4 0,4 1 164,4 0 0,6 1 0,-6-1-164,-5-4 0,-2-2 0,16 1 0,1-2 0,-14-2 0,-4-2 0,-9 0 0,1-2 0,21 0 0,-6-3 236,-18-6 256,12 4 0,0-1 0,-15-2 0,14 2 0,-1 1 0,-9 2 0,14-3 0,3 2 0,3 5 0,-20-3 0,4 2 0,9 2 0,-2 2 0,14-1 0,-14 0 0,-1 0 0,13 0 0,-18 0 0,-13 0 983,-35-4 0,-80 0 0,19-1-492,-5 3 1,-3 0 491,-26 2-492,28 0 1,0 0 491,-23 0-980,20 0 1,1 0-4,-18 0 0,24 0 0,2 0 0,-13 4 564,8-3-564,37 3 0,10-4 0,77 0 0,-1 0 0,0 0 0,6 0-492,-6 0 0,1 0 83,11 1 0,3-2 81,-15-1 0,3-1 0,1-1 0,9 1 0,1-1 0,3 0 0,11-2 0,4-1 0,-1 0 82,-21 0 0,0-1 0,1 0 0,0 1 0,4 1 0,0 1 0,1 0 0,-1-2 0,-3-2 0,0-1 0,1 0 0,-1 0 0,3 0 0,1 0 0,-1-1 0,0 0 0,-4-1 0,-1-1 0,0 0 0,0-2 75,0 1 1,0-2 0,-1 1 0,-1-1-28,17-4 1,-3-1 0,-1 1 197,-12 3 0,-1 1 0,-3-1 100,26-7 1,-3 1-101,2 4 0,-4 0 0,-19 1 0,-2 1 0,8 1 0,-4 3 983,23-4 0,-23 10 0,-33 7 0,-14 0 0,-27 0 0,-42 0 0,-5 0-492,-14-4 1,-6-1-1,10 4 1,-2 0-153,-16-2 1,-5-2-340,-1 0 0,-3 1 0,-4 4 0,-5-2 0,17-3 0,-3-2 0,-2 2-328,-11 3 0,-1 3 0,2-3 0,15-3 0,2-2 0,-4 2 82,2 4 0,-4 0 0,0 2 0,3-2-82,-8-1 0,3-2 0,0 2 0,-1 1 0,1 1 0,-3 1 0,-9 1 0,-2 1 0,5 1-164,-5 1 0,3 1 164,22-3 0,-2 1 0,2 0-77,-26 5 1,5-1 404,21-3 0,6-1 0,-33 6 837,40 1-837,40-10 983,8 3 0,56-4-456,33 0-527,17 0 491,-21 1 1,8-2-165,-5-3 1,6-3 0,-1 1-241,-11 2 0,-1 0 0,4-1-87,3-1 0,6-2 0,1 0 0,-3 1 0,18 0 0,-3 1 0,0-1-328,4 0 0,-1 0 0,-1 1 0,-9 1 0,-2 2 0,1-1 0,11-2 0,1-1 0,-2 1 8,-16 5 1,-2 1 0,4-1 319,-5-1 0,4 0 0,2-1 0,0 1 0,3-1 0,2 1 0,-1-1 0,-6 1 0,2 1 0,-4 1 0,2-1-246,-3-1 0,5-1 0,-3 0 0,-10 2-202,5 1 0,-1 0 448,18-3 0,10-1 0,-6 2 0,-28 1 0,-4 0 0,0 0 0,3-2 0,0 0 0,0 0 0,29 3 0,-7 0 36,-33 0 0,-5 0-36,36 0 983,-28 0-738,-45 0 1,-10 0 0,-4 0 0</inkml:trace>
+</inkml:ink>
+</file>
+
+<file path=ppt/ink/ink37.xml><?xml version="1.0" encoding="utf-8"?>
+<inkml:ink xmlns:inkml="http://www.w3.org/2003/InkML">
+  <inkml:definitions>
+    <inkml:context xml:id="ctx0">
+      <inkml:inkSource xml:id="inkSrc0">
+        <inkml:traceFormat>
+          <inkml:channel name="X" type="integer" min="-2.14748E9" max="2.14748E9" units="cm"/>
+          <inkml:channel name="Y" type="integer" min="-2.14748E9" max="2.14748E9" units="cm"/>
+          <inkml:channel name="F" type="integer" max="32767" units="dev"/>
+        </inkml:traceFormat>
+        <inkml:channelProperties>
+          <inkml:channelProperty channel="X" name="resolution" value="1000" units="1/cm"/>
+          <inkml:channelProperty channel="Y" name="resolution" value="1000" units="1/cm"/>
+          <inkml:channelProperty channel="F" name="resolution" value="0" units="1/dev"/>
+        </inkml:channelProperties>
+      </inkml:inkSource>
+      <inkml:timestamp xml:id="ts0" timeString="2025-12-04T11:50:21.021"/>
+    </inkml:context>
+    <inkml:brush xml:id="br0">
+      <inkml:brushProperty name="width" value="0.35" units="cm"/>
+      <inkml:brushProperty name="height" value="0.35" units="cm"/>
+      <inkml:brushProperty name="color" value="#E71224"/>
+    </inkml:brush>
+  </inkml:definitions>
+  <inkml:trace contextRef="#ctx0" brushRef="#br0">180 88 24575,'41'2'0,"33"-4"0,-6 8 0,8 2-492,11-7 0,2 0 0,0 2 0,3 2 164,-16-2 0,3 0 0,2 0 0,6-2 0,1-1 0,2 1 82,-14 1 0,1 0 0,1 1 0,1-1 0,7 0 0,2 1 0,-1-1 0,-4 0-82,6-1 0,-3 0 0,4 0 82,-3 1 0,4 0 0,1 1 0,-5-1-82,6-1 0,-4-1 0,5-1 82,-5-1 0,6 0 0,-1-1 0,-5 1 4,4-1 0,-4-1 1,2 0 241,-8-1 0,2 0 0,1 0 0,-4-1 0,12-1 0,-4 0 0,-1 1 0,-2 2 0,-1 0 0,4 0 0,-9 0 0,5-2 0,-3 1 0,-10 2-492,0 1 0,-2 1 322,14-2 1,9 0-1,-8 0 170,-7 3 0,-3 0 78,-10 0 0,4 0 0,-4 0-78,3 1 0,-2-2 0,7-3 0,-1 0 0,-15 3 0,-3 0 491,-4-3 1,0 0-1,19 3 1,-6 2 491,-13-1-492,10 0 1,-2 0 491,-21 0 0,51 6 0,-57-4 0,10 8 0,5-9 0,-27 5 0,27-5 0,-26 6-955,37-6-28,-23 3 0,33 1 0,-28-3 0,42 3 0,-14-5 0,27 0-484,-21 0 484,10 0-492,-11 4 0,3 1 141,-20 0 0,1-1 351,26 1 0,4 1 0,6 2 0,-2 0 0,-16-2 0,0-2 0,23 1 0,0 1 0,-27 3 0,0-2 0,0-5 0,4-2 0,-3 0 0,5 5 0,1-1 0,-7-4 0,4 0 0,-6 0 0,-7 0 0,-4 0 0,1 0 0,3 0 0,30 0 0,0 0 0,-34 0 0,-1 0 0,22-4 0,0 1-107,-24 3 1,-5-2 106,21-10 0,21 11 0,-10-5 0,-35 6 0,53-7 0,-65 5 0,14-5 438,-24 3-438,-13 0 983,5-1-260,-7 2-484,-3 3-239,-35 0 0,1 0 0,-64 0 0,-9 0-328,21 2 0,-14 1 0,4 0 0,19-2 0,4-1 0,-6 1 82,-6 1 0,-5 1 0,-3-1 0,1-1 0,2-2 0,-1-1 0,0-1 0,-1 0 0,-8 0 0,-2 0 0,-1 0 0,-1 0 49,15-1 0,0-1 1,-2 1-1,2-1 0,0 1-49,-15 1 0,1 0 0,0 0 0,-1 0 49,14 1 0,-1 0 1,-1 0-1,2 0 0,3 1-49,-5 0 0,3 2 0,0-1 0,-3 0 180,4 0 0,-3 0 1,-2 0-1,2 0 0,4 0 66,-1 0 0,3 0 0,2 0 0,-1 0 0,-4 0 0,-2 0 0,3 0 0,3 0-328,1 0 0,3 0 0,-4 0 82,-1 0 0,-6 0 0,0 0 0,10 0 137,-12 0 0,1 0 109,-4 0 0,-7 0 0,8 0 0,6 0 0,4 0-272,-7 0 1,5 0 271,-12 0 0,30-4 0,3 0 0,-10 2 491,10-5 1,0-1 491,-9 6-903,6-6 1,3 0-81,8 6 0,-19-1 0,-4-2 983,0-1-492,-14 5 1,-3 0 491,2-6-879,23 7 0,-10 0 0,8 0 387,17 0 1,-1 0-274,-18 3 1,-10 0-1,7 0-218,10-2 0,3 1 0,-24 2 0,-6 0 0,19-3 0,-3-1 0,4-1-492,-7 1 0,-1 0 454,1 0 0,-7 0 0,6 0 38,0 0 0,-1 0-328,-2 0 0,-7 0 0,5 0-164,-7 4 0,1 0 475,17-3 1,-2-1-1,2 1-146,-16 7 0,6 1 163,16-4 0,1 0 321,-10 4 1,5-1-322,-14 2 983,45 0-125,29-6 125,14-1 0,33 7-158,21-1-825,-7-5 0,6 0-160,3 0 1,3-1 159,8-2 0,2-2 0,8 2 0,3-2 0,10-3 0,4-1-328,-20 5 0,3 0 0,-1-2 0,-7-3 0,0-2 0,4 2 82,-3 3 0,5 3 0,0-1 0,-4-1-82,3-5 0,-3-1 0,3 2 0,14 3 0,4 3 0,-3-2 115,-13-2 0,-1 0 0,-2 0 213,-4 2 0,-1 2 0,1-1 0,5 0 0,1 0 0,0 0-328,-3 0 0,-1 0 0,2 0 0,6 0 0,1-1 0,-1 2 248,-5 2 0,0 0 0,-4 0 125,19-3 0,-2 2-45,6 6 0,-2 1 0,-14-3 0,-2-1 491,-7 0 1,-3 1-203,-8 0 1,-6 0-290,3-5 983,-28 3 0,7-4 0,-19 3 0,-2-2 0,-9 2 0,-32-3 0,-43 0 0,-30-8-1475,25 8 0,-7-1 351,13-4 1,-5-2-1,1 2 141,-23-1 0,-6 1 0,27 2 0,-6 0 0,-1 0 0,5 0-328,-2 0 0,4 0 0,-6 1 82,-3 1 0,-6 0 0,-2 1 0,6 2-82,-3 3 0,4 1 0,-1 1 34,-10-4 0,-1 0 1,3 4 293,7 6 0,2 5 0,7-3 0,-6-4 0,6 1-216,-4 5 0,10 0 216,15-5 0,28-6 0,23 0 983,51 5 0,11-5-821,2 3 0,5 0 329,-5-7 1,3-2-1,17 4 1,5 0-984,9-3 0,4-2 217,-28 1 1,3 0 0,1 0 274,13 1 0,1-1 0,-3-1 0,-17-1 0,-3-1 0,4 0-246,3 2 0,4 1 0,2 0 0,-2-1-82,16-1 0,-2-1 0,1 0 0,3 0 0,0 0 0,4 0 82,-8 3 0,4 0 0,1 0 0,-3-2 0,-11-1 0,0-3 0,-2 1 0,0 1 0,-4 3 0,-1 1 0,1 0 0,3-1 0,17-3 0,5-2 0,-1 1 0,-5 1-82,2 3 0,-5 1 0,0-1 90,7-5 1,0-1 0,0 2 103,-20 4 0,0 1 1,-1 0-1,-5-1 134,-2-4 0,-5-2 0,2 2 181,12 1 0,3 0 0,-7 1-181,2-2 0,-4-1 491,5-3 1,-9 2 491,-11 5 0,5-6 0,-50 5 0,-9 2 0,-59-10 0,-5 2-492,9 4 1,-5 1-1,2 0 1,0 1 491,-46 3-492,38 3 1,-4 2-1,-4 0 1,-4 0-820,9-1 0,-4-1 0,0 0-164,-29 2 0,-3-1 164,24-1 0,-2 0 0,1-1 0,4-1 0,0 0 0,-4 0 82,5 0 0,-4 2 0,-1-1 0,2 0-82,-21-1 0,2-2 0,-2 1 82,18 0 0,-2 0 0,1 0 0,2 0-82,-16 0 0,3 0 0,6 0-164,-6 0 0,3 0 232,14 3 0,-2 0 1,3 0 259,-10-3 0,3 2 0,-7 6 0,1 0 0,12-7 0,6 0 983,-26 13-11,46-12 11,17 8 0,48 2-215,34 8-768,15 1 983,29 9 0,2-12-492,-23-5 1,4-1-1,-8-2 1,2-2-391,12-2 1,-3-1-102,-30-1 0,-2 0-152,3-4 1,-2 0 151,16 0 0,18 0 0,-37 0 522,-6 0-522,-37 0 983,-1 0-143,-62 0-840,-33-9-492,26 8 0,-6 0 0,-8-3 0,-5 0 375,10 3 1,-3 1 0,0 1-212,6-1 0,1 0 0,-4 0 82,2 0 0,-3 0 0,-2 0 0,3 0-82,-19 0 0,1 0 0,4 0 0,13 0 0,3 0 0,-4 0 82,4 0 0,-4-1 0,0 1 0,2 1-82,-8 1 0,2 2 0,-4-1 82,4 0 0,-5 0 0,0 0 0,5 0-82,-1 0 0,5 1 0,-2 0 0,-12 2 0,-1 0 0,7 0-84,-6 0 1,6-1 411,-4 0 0,5 1 491,14 2 1,11-2 491,13-4 0,28 3 0,28-5 0,49 0 0,-6 0-492,-1 0 1,3 0 491,31 8-492,-32-8 1,0 1 491,25 12-492,-23-9 1,0 1 352,23 10-1086,8-6 242,-32-2 0,-31-4 0,-30-2 0,-42 2 0,-50-3-984,2 0 689,13 0 1,-2 0 294,31 0 0,0 0 0,-31 0 0,-3 0 0,15 4 0,-1 1-492,-19-5 0,-3 2 0,-1 6 0,0 1 425,29-8 1,-1-1-1,1 1 67,-29 7 0,2 1 0,15-5 0,3 1-166,9 4 0,5 0 166,-24 0 0,35-2 0,26-7 983,22 3-612,35 5 612,-11 4 0,24 0 0,-27-1-236,-7-4-747,-9-3 0,-38-7 0,-9 1 0,-13-4 0,11 6 0,11 0 0,13 0 0,-13 4 0,25-3 0,-7 3 0,8-1 0,0-2 0,0 2 0,25 11 0,0-6 0,29 7 0,-3-11 0,54-4 0,-39 0 0,3 0-492,10 0 0,2 0 188,6 0 1,0 0 303,-9 0 0,0 0 0,9-4 0,2 0-492,1 3 0,0-1 0,-1-6 0,1 0 445,4 7 1,-1 0-446,-2-7 0,-2 0 464,-16 6 1,2 2 27,19-5 0,2 1-492,-15 4 0,-1 0 346,4 0 1,3 0 145,17 0 0,-5 0 0,9 0 0,-12 0 0,-2 0 0,1 0 336,-9 0 0,-3 0-336,-1 0 0,21 0 0,1 8 0,-33-6 0,3 2 0,-2 0 0,-14 0 983,22-3-106,-32 3 106,24 3-844,-5-5 844,4 5-370,-12-1-613,-8-5 0,52 5 0,-21-6 0,24 0 0,-35 0 716,-9 0-716,10 0 0,-9 0 0,20 6 0,-5-5 0,2 0-893,23 12 893,-17-12 0,-3 0 0,2 5 0,-12-5 0,2-2 0,23 1 0,-28 0 0,-2 0 0,3 0 0,1 0 0,-9-4 0,1 0 0,21 2-214,-17-2 1,-1-1 213,7-1 0,11 4 0,10-4 0,-8 6 0,8 0 0,-31 0 0,-1 0 0,19-6 0,11 5 0,-45-5 0,43-2 0,-30 6 0,42-6 0,-31 8 0,-8 0 0,18-7 0,23 6 0,-22-6 0,20 1 0,-32 5 0,-7-5 873,8 6-873,-11-5 0,1 3 0,-1-9 447,0 10-447,11-5 0,-8 6 0,28 0 0,-15 0 0,29 0 0,-19 0 0,8 0-579,0 0 579,-8 0 0,-2 0-82,-3 0 82,-8-7 0,11 6 0,10-6 0,2 7 0,11 0 0,-43 0 0,0 0-525,45 0 525,-45 0 0,0 0 0,43 7 0,-21-5 0,-5 5-37,-21-7 37,1 6 560,9-5-560,-7 10 82,18-3-82,-18 0 541,8 4-541,-11-5 40,11 0-40,-24-2 0,4-5 0,-27 0 0,0 0 0,6 4 0,1-3 0,58 11 0,-39-6 0,50 3 0,-50 1 0,0-9 0,-9 5 0,5-6 0,-18 0 0,13 0 0,-1 0 0,4 0 0,27 0 0,-24 0 0,40 0 0,-17 0 0,16 0 0,6 0 0,-45 0 0,9 0 0,-34 0 0,4 0 0,-9-3 0,-6-8 0,-11-2 0,-13-16 0,-6 4 0,6 5 0,3 4 0,3 16 0,-25-4 0,0 4 0,-40 0 0,-5 0-492,29 0 0,-4 0 76,-9 0 0,-3 0 416,-8 0 0,-4 0 0,20 0 0,-2 0 0,0 0-328,-1 0 0,-1 0 0,2 0-164,-24 4 0,0 0 341,17-3 0,-3-1 1,5 1 150,0 3 0,-1 0-328,-10-1 0,-10 0 0,2 0 0,5-2 0,1-1 0,1 1 0,5 2 0,2 1 0,-5-2 82,2-1 0,-4-1 0,1-1 0,11 1-246,-6 0 0,3 0 274,-10 0 1,-8 0 0,6 0 217,-3 0 0,6 0 0,4 0 0,-1 0 0,-16 4 0,7 1-4,4-3 4,4 2 0,-2 0 0,-9-4 0,-1 1 0,-2-2 0,40-2 0,1-1 0,-26 0 0,-7-1 0,-9-4 0,2-1 96,26 5 1,-2 0-97,4-1 0,-6 0 0,1 1 491,-28 4 1,5 0-295,21-3 1,1 0-198,-25 3 0,3 2 0,36 3 0,0 0 0,-9-3 0,-6-1 0,3 1 0,-5 2 0,-1 1 0,4-4 0,-5 0 0,4 0 0,-5 4 0,5 0 0,2-3 0,-1 0 0,-2 7 0,-3 1 0,11-3 0,-3 1 0,3 0 0,-8 3 0,2 0 463,-13 3 1,1 1-464,20-6 0,6 1 0,-22 6 983,-2-5-680,45-4 680,29-6-108,11 0 108,25-6 0,26-2-243,35-7-740,-14 2 0,6-1-492,6 0 0,3-1 164,-18 2 0,2 0 0,1-1 0,6-1 0,1-2 0,-3 1 0,-9 2 0,-3 0 0,2 1 0,5-1 0,1 1 0,2 0 0,6 0 0,1 0 0,-1 2 238,-5 3 1,-1 1-1,2 0 90,12-1 0,3 1 0,-2 1 0,-10 2 0,-2 1 0,0 1 0,-5 2 0,-1 0 0,1 0 0,2 0 0,1 0 0,-2 0 0,25 4 0,-4 1 0,-8-5 0,-6 2-244,-24 1 0,-3 2 244,-2-2 0,-2 1 0,26 5-144,-10 0 144,34-2 0,-69-7 0,24 0 0,-1 0 0,-22 0 0,22 0 0,2 0 0,-8 0 0,33 0 0,-28-4 0,-3 0 0,13 2 0,-9-3 0,5 1 491,13 4 1,4 0-5,11 0 1,4 0-488,1 3 0,5 2 0,-12 0 0,5 3 0,-10-2 0,-16 0 0,0 0 0,19 3 0,10 1 0,-12-2 0,-22-3 0,-2-1 327,10 0 1,8-1 0,-7 0-236,-7 1 1,-4-1 72,0-4 0,-1-2-165,-2 0 0,-8-2 185,-14 0-185,26-8 0,13 12 0,-12-5 0,22 6 983,-47-3 0,13 2 0,-29-2 0,9 3-287,-17 0-696,-3 0 0,6 0 0,5 0 0,6 0 0,-2-3 0,14 2 0,-18-5 0,12 5 0,-16-5 0,-3 5 0,-1-2 0,-3 0 0,3 2 0,-2-2 0,2 3 0,1 0 0,12 0 0,20 0 0,-4 0 0,8 0 0,11 0 0,-23 0 0,54 0 0,-54 0 0,23-4 0,-40 3 0,-8-7 0,-57 0 0,-22 3 0,-12 0 0,-9 3 0,9 9 0,-3 3-328,10-3 0,-2-1 0,1 3-164,-17 9 0,1 2 164,26-10 0,-1-1 0,-3 2 214,-20 4 0,-5 2 0,1-2-214,11-4 0,2 0 0,-4 0 82,5 1 0,-4 1 0,-1 1 0,4-2-82,-13 2 0,3-1 0,0 1 61,0-1 0,0 0 0,5 1 267,17-2 0,3 1 0,-2-1 0,-11 1 0,-3 0 0,6 0-492,-2 5 0,0 0 276,7-5 1,-3 0-1,3 0 216,-13 5 0,6 0 0,8-4 0,6 0 0,-21 8 0,23-8 983,21-7 0,8-2 0,12-5 0,-20 0 0,3-5 0,-24-3 0,0 1 0,-23-6-169,25 11-1306,-3-5 0,-7-2 0,7 4 0,-2-1 198,-32-3 1,-3-1 293,19 4 0,-2 1 0,7 2 0,-3-1 0,8 2 0,12 2 0,0 0 0,-20 0 0,-10 0 0,10 0 0,21 0 0,-1 0 0,-26 0 0,-12 0 0,10 0 0,21 3 0,-1 2 0,-25 3 0,-13 3 0,10 0-492,18-1 0,0 2 246,3 1 0,-9 3 0,-1 0 0,9-3-246,-12-1 0,4-1 164,5 1 0,-4 1 0,0 0 0,-1-3 0,1-1 0,5 0 6,-8 2 0,0-1 322,5-1 0,-5 1 0,8 0 0,3-1 0,1 0 0,2-2 0,-6-1 0,4 0 0,-4-1 0,0 0 0,-22 0 0,2-1 0,23-3 0,7-2 0,-29 1-290,42 1 0,1-2 290,-40-6 983,34 5-525,-34-19 525,49 18 0,1-14 0,25 16 0,3-2 0,6 3 0,-5 0 0,-4 0-606,1 0-377,-9 0 0,9 0 0,-4 0 0,-21 0 0,20 0 0,-46 0 0,41 0 0,-16 0 0,16 0 0,-16 0 0,15 0 0,-19 0 0,24 0 0,-15 0 0,13 0 0,-7 0 0,17 0 0,0 0 0,3 0 0,-3-3 0,6 2 0,-2-5 0,0 5 0,-1-5 0,-9 1 0,-12 1 0,2 0 0,-7 4 0,10 0 0,5 0 0,-4 0 0,14 3 0,-4-2 0,9 5 0,0-2 0,0 3 0,3 6 0,0-4 0,11 4 0,-3-6 0,15 1 0,53 9 0,-32-10 0,21 0 0,0-1 0,-13-6-492,22 0 0,5 0 50,1-7 442,17 6 0,3 1 0,4-7 0,-28 6 0,5 2 0,0 0 0,-5-2 0,28-6 0,-32 7 0,1-1 0,-4-3 0,-4 1 0,26 3 0,-24 0 0,0 0 0,21 0 0,-11 0 0,3 0 0,-19 0 0,-1 0 0,20 0 0,-2 0-440,20 0 440,-18 0 0,19 0-492,-26 0 0,1 0 344,-15 0 0,0 0 148,21 0 0,-3 0 0,14 0-412,-3-6 412,-21 4 0,8-11 0,3 11 0,2-11 0,19 11 0,-9-11 0,11 11 0,0-5 143,0 7-143,-43 0 0,-1 0 0,47 0 0,-41 0 0,0 0 0,-4-1 0,0 2 0,10 2 0,1 2 0,4-1 0,4 2 0,-2 5 0,4 3 0,-3-1-492,6-2 0,4 0 246,-9-1 0,8 0 0,0 0 0,-10-1-195,2 1 1,-1-2 215,20-1 0,11 0 0,-12-1 225,-23-1 0,-2 0 0,13-1 0,8-1 0,-9-1 0,-15-2 0,-2 0 0,22 1 0,2-2 0,-4-7 0,-4-2-397,-22 5 0,1-2 397,9-4 0,6-3 0,-8 3 0,33-1 0,-33 0 0,-2 1 26,12 2-26,-22-3 0,1 0 0,28 2 983,4-11 0,-6 13 0,-54 2 0,31-1 0,-50 4 0,3 2 0,-46-2-769,3 3-214,-30 1 0,-11-2 0,16-3 0,-3 0-328,-4 0 0,-7 1 0,1-1-164,-25-1 0,0-1 479,23 3 1,-2-1 0,0 3-316,-3 2 0,0 3 0,-2 0 0,-7-1 0,-1 1 0,4 0 0,16-1 0,4 1 0,-4 0 0,-20 2 0,-5 1 0,10-2-164,14-3 0,1-2 316,-21 3 1,-12 1-1,5-2-152,19-1 0,3-1 0,-1-1 0,-5 1 0,-1 0 0,-2 0 181,-5 0 1,0 0 0,7 0 427,8 0 1,4 0-282,-9 0 0,6 0 983,-12 0 0,41 0 0,13 0 0,20 0 0,1-3 0,3 3 0,-4-10 0,3 5 0,-2-2 0,64 19-905,-10-2-78,9-1 0,4-1 0,40-1 0,-33-7 0,3 0-492,10 0 0,4 0 164,-16 0 0,3 0 0,1 0 62,3 0 1,2 0-1,-3 0 266,22 0 0,1 0 0,-11 0 0,5 0 0,-2 0-328,-10 0 0,-1 0 0,0 0 0,-1 0 0,0 0 0,3 0 0,16 0 0,3 0 0,-6 0-164,1 0 0,-1 0 164,-16 0 0,4 0 0,-5 0-164,15 0 0,-8 0-432,20 0 924,-43 3 0,-4 1 0,6 5 983,14 4-268,-31-6 268,-22 1 0,-9-5 0,-1 1 0,-3 3 0,0-3 0,4-1 0,-4 1 0,12-4-952,-6 0-31,12 0 0,38 7 0,-15-5 0,44 6 0,-29-8 0,-15 0 0,-11 0 0,-27 0 0,0 0 0,1 0 0,20 5 0,25 2 0,-16 0 0,13 2 0,-42-8 0,-4-1 0,-43-33-984,-17 0 0,-9-4 492,13 16 0,-2 5-492,-39 12 0,-2-17 492,16 19 0,-3 3 0,15-4 0,-1 0 0,-7 3 0,-5 0 448,12 0 1,-4 0 0,1 0-449,-29 0 0,-3 0 164,18 0 0,-4 0 0,-1 0 655,-3 0 1,-1 0 0,-1 0-89,-2 0 0,0 0 0,-2 0-567,-2 2 0,-2 2 0,-1-1 82,21 0 0,0 0 0,-1-1 0,-1 2 0,-3 1 0,-1 0 0,0 0 0,-1 1 0,-2-1 0,0 0 0,0 1 0,-1-1 0,-3 0 0,-2 0 0,1 0 0,6 1 225,-6 1 1,5 0 0,-4-2 20,9-1 0,-5-1 0,2-1 0,3 1 0,-6 0 0,3 0 0,1-1 76,3-2 1,0 0 0,-3 0-77,-14 0 0,-4 0 0,9 0 0,3 0 0,3 0 0,15 0 0,-2 0 0,0 0 0,4 0 0,0 0 0,6 0 0,-1 0 0,3 0 491,-8-3 1,7-1 175,1 3 316,4-6 0,20 7 0,2 0 0,17 0 0,1 0 0,-11 0 0,13 0 0,-28 0 0,1-6 0,8 4 0,-20-5-425,39 7-558,-18 0 0,23 0 0,-12 0 0,13 0 0,-8 0 0,-11 0 0,7 0 0,-7 0 0,-5-5 0,17 3 0,-8-3 0,89-8 0,-5 2 0,15 4 0,10 0-492,-5-6 0,3 1 164,-13 7 0,4 2 0,6-2 96,7-4 0,8-1 1,1-1-1,-4 2-96,9 3 0,-3 3 0,4-1 82,-7-1 0,6-1 0,-1 1 0,-5 2-82,2 2 0,-5 1 0,1 1 0,5-1 0,1 0 0,-1 0 0,-2 0 0,0 0 0,-1 0 0,-3 0 0,-1 0 0,-2 0 0,-8 0 0,-1 0 0,-7 0-23,2 0 1,-5 0 841,0-3 1,-10-1 97,-20 3 394,0-6 0,-27 7 0,-9 0 0,-33 0 0,-2 0-492,-20-4 1,-7 0 491,-23 2-712,15-6 0,-1 0-271,14 6 0,2 2 0,-2-1 0,1 1-479,-32 2 479,37 9 0,-2 1 0,2-7 0,0 1 0,-42 17 0,30-14 0,0-1 0,-27 7 0,16-2 0,5-1 0,56-7 0,2 2 983,32 1-514,19 4-469,24 4 0,-12-4 0,37 3 0,-22-2 0,19-3 0,-6-3 516,-38-7-516,-4 0 0,-27 3 0,-15 1 0,-31 6 0,-3 1 0,-45 4 0,27-8 0,4 4 0,-1 1 0,-16-2 0,17 2 0,-3 0-492,-11-3 0,1-1 413,10-3 1,0-1 78,-17 4 0,3 0 0,-8-1 0,15 6 0,39-7 0,14 1 0,56-6 0,-1 2 0,18-3 0,14 0 0,8 0-984,5 0 829,-14 0 1,1 0 154,-26 0 0,2 0-328,16 0 0,9 0 0,-5 0 316,-7 0 0,3 0-316,20 0 0,13 0 0,-11 0-164,-15 0 0,-1 0 231,13 0 0,10 0 0,-9 0 261,-5 1 0,-4-2-152,9-2 1,-4-1 151,-25 0 0,-6 0 0,28-5 983,-36 2-964,-2 3 964,-31 3-144,-1-6 144,-8 3 0,-27-7-738,9 3 1,-11 0 0,16 5 0</inkml:trace>
+</inkml:ink>
+</file>
+
+<file path=ppt/ink/ink38.xml><?xml version="1.0" encoding="utf-8"?>
+<inkml:ink xmlns:inkml="http://www.w3.org/2003/InkML">
+  <inkml:definitions>
+    <inkml:context xml:id="ctx0">
+      <inkml:inkSource xml:id="inkSrc0">
+        <inkml:traceFormat>
+          <inkml:channel name="X" type="integer" min="-2.14748E9" max="2.14748E9" units="cm"/>
+          <inkml:channel name="Y" type="integer" min="-2.14748E9" max="2.14748E9" units="cm"/>
+          <inkml:channel name="F" type="integer" max="32767" units="dev"/>
+        </inkml:traceFormat>
+        <inkml:channelProperties>
+          <inkml:channelProperty channel="X" name="resolution" value="1000" units="1/cm"/>
+          <inkml:channelProperty channel="Y" name="resolution" value="1000" units="1/cm"/>
+          <inkml:channelProperty channel="F" name="resolution" value="0" units="1/dev"/>
+        </inkml:channelProperties>
+      </inkml:inkSource>
+      <inkml:timestamp xml:id="ts0" timeString="2025-12-04T11:50:30.591"/>
+    </inkml:context>
+    <inkml:brush xml:id="br0">
+      <inkml:brushProperty name="width" value="0.35" units="cm"/>
+      <inkml:brushProperty name="height" value="0.35" units="cm"/>
+      <inkml:brushProperty name="color" value="#E71224"/>
+    </inkml:brush>
+  </inkml:definitions>
+  <inkml:trace contextRef="#ctx0" brushRef="#br0">296 1 24575,'77'8'0,"0"-2"0,7-6 0,4 0 0,6 0 0,-19 0 0,2 0-328,1 0 0,7 0 0,-5 0-164,11 0 0,-1 0 164,-24 0 0,2 0 0,0 0 0,4 0 0,1 0 0,-3 0-164,13 0 0,-1 0 164,-9 0 0,4 0 0,-4 0-164,15 0 0,0 0 334,-10 3 0,5 0 1,-5 0 157,10-2 0,0 0 0,-10 2 0,4 0 0,-9 0 0,-10 1 0,0 0 0,16-3 0,9-1 0,-8 1 0,-12 2 0,0 1 0,12 0 0,8-1 0,-9-1 0,-16 0 0,0-1 24,16 1 1,8 2 0,-9-1-25,-19-3 0,-3 0-386,23-3 1,2-1 385,-4-1 0,-7 0 0,20-4 491,-24 4 1,4 1-326,-4 4 0,-6 0-166,17 0 491,-15 0 1,-1 0 469,2 0-961,11 0 0,-16 4 0,0 0 0,15-1 0,-15 1 0,-3 0 0,-2-4 983,8 5-218,0-3-765,2 3 0,3 0 0,5-1-408,28-2 408,-24 6 0,0 0 0,22-6 273,-44 2 0,1-1-273,46-3 0,-46 0 0,-1 0 0,44 0 0,0 0 0,-44 0 0,1 0 0,1-4 0,1 0 0,3 3 0,2 0-492,4-3 0,1 1 437,1 2 1,0 2 54,10-1 0,1 0-492,0-1 0,1 2 142,0 3 1,-1 0 349,0-3 0,-1 0 0,-4 3 0,-2 0 0,2-4 0,-1 0 89,-5-1 0,-1 2-89,5 3 0,0 0 0,1-4 0,0 2 0,-4 5 0,1 1 0,7-3 0,0 0 0,-9 8 0,-1 0 0,0-3 0,2 0 0,26 4 0,-4-2 0,2-2 0,-22-4 0,-8-3 848,-33-3-848,0 0 983,6-6-671,-20 5 671,41-5-19,-35 3 19,46 2-545,-40-2-438,20 3 0,-9 0 0,-14 0 0,6-3 0,-10 2 0,-8-5 0,4 5 0,-6-2 0,1 0 0,20 2 0,-13-2 0,12 3 0,-16 0 0,-3 0 0,-4-3 0,-25-12 0,0 5 0,-39-11 0,4 15 0,-31-1-492,27 7 0,-5 0 0,-19 0 0,-6 0 0,-4 0 0,-4 0 164,22 0 0,-2 0 0,0 0 0,3 0 0,1 0 0,-1 0 253,-4 0 0,0 0 1,-1 0 74,-2 0 0,-1 0 0,0 0 0,0 0 0,1 0 0,-1 0 0,2 0 0,1 0 0,4 0 0,-10 0 0,3 0-492,-11 4 0,3 1 135,24-1 1,2 2-29,0 2 1,-2 1 384,-7-1 0,6 1 983,-4 5-750,7-1 1,1-1-234,0-2 491,-16 2 1,-1 1 332,1-5-824,-16-2 0,-3-2 394,46 0 0,0-1-394,-22 1 0,-5-1-492,-15-2 0,3 0 488,25 2 1,-1 1 3,0-4 0,-5 0 0,0 0 0,1 2 0,-1 1 0,2 1 0,-18 1 0,-1 1 0,14-3 0,-3 0 0,4 2 0,-10 4 0,-1-2-328,-2-5 0,-6-2 0,4 0-164,-8 5 0,-4-1 280,15-4 0,-11 0 0,1-1 0,10 2 212,-13 3 0,5 0 0,13-3 0,-2-1 0,-1 1 0,1 4 0,0 2 0,4-1-407,-6-1 0,1 0 407,7-2 0,-5 1 0,7 0 0,0 4 0,1 0 0,1-3 0,-4-2 0,3 0 0,-4 3 0,0-1 0,8-2 0,-3 1 0,5-2 0,5-2 0,1 0 0,-26 0 0,-1 0 0,25 0 0,1 0 263,-20 0 0,2 0-263,-18 0 0,0-7 0,0 5 0,0-13-44,27 10 1,0 0 43,-16-4 0,32 2 0,5 1 983,1 5 0,-13-10 0,16 9 0,-8-8 0,28 9-561,9-2 561,-30-4 0,19 5-539,-21-4-444,21 2 0,-11 3 0,-12-10 0,-1 10 0,-3 1 0,-20-7 0,21 7 0,3 0 0,0 0 0,-11 0 0,-23 0 0,15 0 0,-13 0 0,32 0 0,-11 0 0,27 0 0,7-3 0,28 2 0,39-2 0,-6 3 0,58-8 0,-24 6-492,-13-5 0,6-1 118,8 2 0,4 1 374,1 1 0,4-2 0,-13 1 0,4-2 0,-4 2 0,4 4 0,1 0 0,-5-2 0,4 0 0,-1 1-492,24 1 0,2 2 164,-8-1 0,4 0 0,-3 0 0,-19 0 0,-3 0 0,4 0 0,24 0 0,6 0 0,-2 0 327,-16 0 0,-3 0 0,1 0 1,6 0 0,1 0 0,3 0 0,-8 0 0,5 0 0,-3 0 0,-7 0 0,13 0 0,0 0 0,-10 0 0,10 0 0,-1 0 0,-11 0 0,3 0 0,-2 0 0,-5 0 0,10 0 0,-1 0 0,-10 0-492,0-4 0,-3 0 321,-3 3 1,4 1 0,-1-1 170,31-8 0,-6 1 0,-30 7 0,1 0 0,29-4 0,3 1 0,-14 3 0,-3 2 0,-13-1 0,0 0-301,16 0 0,-4 0 301,18 0 0,-23 0 0,-1 0 0,17 0 0,-10 0 0,-3 0 0,-8 0 0,12 0 0,-24 0 0,-1 0 0,21 0 0,-12-1 0,6 2 0,0 3 0,-3 0 0,-13-2 0,0-1 0,19 3 0,2 0-445,-1-3 0,-1-2 445,-14 1 0,1 0 0,15 0 0,0 0 491,-16 0 1,-2 0-1,-3 0 1,0 0-403,8 0 0,5 0-89,-1 0 0,4 0 0,-2 0-85,13 4 0,-1 0 85,-9-3 0,3-2 0,-4 3 0,3 6 0,-4 0 0,2-3 0,0 0 0,0 4 0,1 0 0,4 0 0,0 1 0,-4 3 0,1 0 0,8-3 0,1 0 0,1 7 0,0 1 0,1-3 0,1-1 0,6 1 0,5 0-328,-14-2 0,5 1 0,-5-4-145,7-2 0,-1-2 473,-16 0 0,2 2 0,-8-4 491,-11-3 1,-5-2 178,36 1 299,-30 0-969,0 0 983,-39 0-139,9 0 139,-17 3 0,-9-2 0,-27 5 0,-17-5-867,-18 0 1,-11 1-117,-22 3 0,-8-1-328,16-3 0,-5-1 0,0 1 0,2 2 0,-1 0 0,0 0 0,-2-3 0,-2-1 0,2 2 0,6 1 0,0 2 0,-4-1 82,-1 0 0,-6-1 0,-2 1 0,2 1 0,6 0 0,1 1 0,-1 1 0,-2 0 49,7 0 0,-3 0 1,-1 1-1,3-1 0,6-1-131,-17 0 0,6-1 0,-2 1 82,9 4 0,-3 1 0,0 1 0,2-3-82,-9-2 0,2-2 0,-5 0 82,5 1 0,-5 0 0,1 1 0,4-1-82,-1 1 0,5 1 0,-3-3 82,11-2 0,-2-3 0,1 1 0,5 1-69,-2 5 1,5 0 0,1-1 631,1-3 0,2-3 1,-1 3-318,2 2 0,0 3 0,5-1 0,-5-1 0,4 0 0,11 0 0,3 0 983,-35 3 0,74-8 0,105 8 0,-14 1-492,-2-4 1,7-1-1,-7 1 1,-2-2-1,0-2 1,2-2-1,16-3 1,3-1-677,3 5 1,2-2 184,-33-3 0,0-2 0,3 2 0,15 3 0,3 2 0,-4 0 0,-17-3 0,-3 0 0,4 0 0,22 2 0,5 2 0,-2-1-328,-12 0 0,-1 0 0,2 0 82,-8 0 0,2 0 0,0 0 0,-4 0-82,7 0 0,-4 1 0,2-2 281,8-2 0,2 0 0,-5 0-445,9 2 0,-5 0 347,-6-3 0,0-1 145,10 1 0,-6-1 0,-31 0 0,-3 0 491,11 0 1,0 0-307,32-9-185,-33 7 0,-30 0 983,-11 1 0,-21 6 0,-56 8 0,-14-6-492,25 2 1,-7 0-165,-13-3 1,-9-2 0,4 1-282,-6 0 1,-1 0-268,-1 0 1,-5 0-1,2 0 221,-19 0 0,2 0 0,2 0 0,0 0 0,29 0 0,-1 0 0,1 0 0,-29-4 0,3-1-442,12 4 0,6 0 442,23-3 0,6 0 0,-16 4 0,52 0 0,9-3 0,49 2 0,20-2 0,-9 2 0,5 2 491,8-1 1,2 0-489,0 0 1,1 0-496,13-4 0,2-1 359,5 4 1,3 0-196,-19-4 0,3-2 0,-1 1 0,-3 5 0,0 1 0,3-1 82,-5-1 0,4 0 0,1 0 0,-4-1-82,6 0 0,-4 0 0,3 0 0,15 2 0,3 2 0,-3-3 92,-11-3 0,-3-3 0,1 3 236,4 4 0,0 1 0,1-1 0,0-5 0,1-1 0,-1 2 0,3 3 0,1 2 0,-2 0-81,0-3 1,-1-1 0,-5 2 80,5 2 0,0 0 0,-4-2 0,5-2 0,-13 1 0,-22-2 0,-2 0 0,34 0 0,-3-1 983,-11-7-380,-12 12 380,-27-5 0,-3 6 0,-20 0 0,-1 3 0,-3-2 0,0 9 0,0-6 0,0 3-263,0 0-720,-35-7 0,11 3 0,-41-3 0,-34 0 0,39 0 0,-15 0 0,-6 0 0,-18 8-492,12-3 0,-5 1 0,5 3 0,0 0 225,-11 1 1,3-1 266,24-1 0,2 1-492,-18 4 0,2 0 313,25-4 1,1 1 140,-4 2 0,2 0 38,-28-3 0,51-4 0,8-1 983,23-4 0,41 16 0,-21-13-108,55 17-781,-7-19-94,0 6 0,-1-7 0,0 0-890,7 0 890,5-4 0,-1-1 0,-4-2 0,-17 0 0,-1-3 0,7-10 0,1 4 0,-20 2 0,-14 5 0,-25 8 0,-56-2 0,-41-5-492,4-1 0,-6-2 0,8 1 0,-4-1 164,2 1 0,-6-1 0,3 3 0,18 3 0,2 2 0,-3 0 0,-19-1 0,-5 0 0,-2 3 82,17 2 0,-2 1 0,0 1 0,2 0 0,6 0 0,2-1 0,0 1 0,-3 1 0,-12 0 0,-4 1 0,1 1 0,8 0-82,4 0 0,5 0 0,-1 1 0,-13 0 0,-2-1 0,4 1 0,16-1 0,2 0 0,-1 1 263,-15 3 1,-3 0 0,1-1 115,10-1 1,1-2 0,4 2-52,-21 6 0,7 0 491,17-9 1,8 0-259,-6 6 750,31-11 0,26 4 0,1-4 0,2 0 0,-11 0 0,-10 0 0,-21 0 0,-24 0 0,-23 0-1092,7 0 109,18-5 0,-3 1 0,23 3 0,-3 0 0,-10-1 0,-7-1 0,4-1 0,-5 0 0,1 0 0,-25 3 0,-3 0 0,16-3 0,0 0 0,0 4 0,-2 0 0,-8 0 0,-1 0-492,4 0 0,1 0 0,-8 0 0,4 0 151,24 0 1,1 0-152,-20 1 0,-1-2 193,14-3 0,2-1 299,5 4 0,-3 0 0,-32-3 0,8 0 0,17-2 0,-10 6 0,2-1-628,23-11 628,-4 12 0,3-1 983,17-9-636,-15 9 636,6-10 0,33 9 0,-32-9 0,3 10-477,18-3-506,-23 4 889,-11 0-889,32 0 0,-42 0 0,39 5 0,-21-3 0,4 9 0,-2 0-626,-28-6 626,19 3 0,0 1 0,-19-2 0,-10-5 0,43 1 0,0 1 0,-45-4 0,40 0 0,-1 0 0,5 0 0,0 0 0,-5-1 0,-1 2 0,6 2 0,0 1-492,-2-3 0,-4 0 415,-26 2 1,1 1 76,27-1 0,2 0 0,-19-2 0,5 0 0,10 5 0,11-6 0,15 0 0,-11 0 0,28 0 590,-19 0-590,25 0 983,-23-5-793,20 3-190,-16-3 0,-10-2 0,15 6 0,-22-6 0,-10 7 0,23 0 0,-34 0 0,45 3 0,-22 3 0,31-1 0,-12 1 0,30-6 0,61 0 0,2 0 0,-5-4 0,7 0 0,19-1 0,1-1 0,-20 2 0,1-1-328,-3-1 0,5-1 0,-3 3-164,12 2 0,-2 2 317,11-4 1,3-1-154,-23 2 0,2 0 0,1 0 0,3 2 0,1 1 0,2-1 0,3-2 0,3 0 0,3 0 82,-6 3 0,4 0 0,1 0 0,-2 0 0,-8 0 0,-2 0 0,1 0 0,2 0 0,13 0 0,3 0 0,0 0 0,-7 0-82,-5 0 0,-5 0 0,3 0 82,-5 1 0,2-1 0,2 0 0,-4-1-82,9-1 0,-2-1 0,4-1 82,-1 1 0,4 1 0,1-1 0,-6-1 45,3-2 0,-5-1 1,4 1 200,-4 1 0,4 0 0,1 0 0,-5-1 0,9-3 0,-4-2 0,1 2 0,2 1 0,2 1 0,2-1 0,-9 1 0,4-1 0,-2 1 0,-8-1 188,16-2 1,1 1-189,-16 6 0,10 0 0,0 1 0,-10-1 0,12-6 0,-4 1 0,-10 7 0,4 1 0,0-1 0,-3-1 0,0-1 0,-6 0 0,5 0 0,1-1 0,10 0 0,7 1 0,-10-1 0,-22-1 0,-3 0 491,32 0 1,-3 1 491,3-3-492,-38 7 1,-3-1 491,2-6 0,-5 7 0,-30 0 0,-9 0 0,-44 0 0,-63-8-492,44 3 1,-4 0-566,-21-1 1,-5 1 73,-9 1 0,-1 1-492,2 2 0,-5 2 164,16-1 0,-4 0 0,5 0-143,-8-1 1,0 2 470,6 1 0,-6 1 0,0 1 0,4-1 0,0 1 0,-5 1 0,5-1 0,-4 1 0,-4 1 0,-4-1 0,12 0 0,-5 0 0,-3 0 0,0 1 0,2-1 0,6 0-246,-14 0 0,6 1 0,1-1 0,-4 2 49,4 0 0,-5 1 1,0 0-1,6 0 0,10-1-131,3 0 0,10 0 0,3 1-164,-13 4 0,10 1 104,-6-1 1371,53-5-423,40 2-560,63 0 0,-8 3 0,8 2 185,-2-4 1,5 1-186,-2-1 0,6 0 0,-4-1 416,9-4 1,2 0-417,-22-1 0,6 1 0,3 0 0,-4-1-328,12 0 0,-2 0 0,4 0 82,-11 0 0,3 1 0,1 1 0,-2-1 0,-5 1 0,0-1 0,0 0 0,0 0 191,5 0 0,1 1 0,1-1 0,-1 0 55,1 0 0,0 0 0,0 0 0,1 1 0,6 1 0,1 1 0,0 0 0,-1-1 0,-3-1 0,-1 0 0,-1-1 0,1 2 0,1 0 0,1 1 0,-3 0 0,-4-1 0,1-2 0,-5-2 0,1 1-328,13 2 0,1 1 0,-8-2 22,-8-4 0,-3 0 629,19 4 1,-3-1-324,-34-4 0,-8 0 983,15 0 0,-39 0 0,-17 0 0,6 0 0,-4 0 0,35 0 0,16-18 0,-6 10-492,-2-12 1,-4-2 491,-13 8-492,21-5 1,3-2 1,-12 2-493,-1 6 0,4 1 0,42-9 0,-34 8 0,18 0 0,-52 4 0,10-2 0,-16 3 0,-1 1 0,-21 4 0,-25 3 0,-16 6 0,-54 9 0,41-3 0,-3 2-492,-29 3 0,-4 0 0,17-3 0,-4 0 164,2-4 0,-7 0 0,3-2 0,13-1 0,1 0 0,-3-1 0,-18 1 0,-5 0 0,1-1 107,3-2 1,1-1-1,-1 1-107,-6 2 0,-2 1 0,0-2 0,-3-4 0,-1-1 0,-1 1 82,22 3 0,-1 1 0,0 1 0,-1-3 164,0-1 0,1-2 0,-1-1 0,0 3-164,0 1 0,1 2 0,-1 1 0,0-2 0,-3 0 0,0-2 0,0 1 0,5 0-82,-2 1 0,4 0 0,-4-1 136,6 0 1,-5-1 0,2 0-1,9 0 192,-7 3 0,0-2 0,-10-2 0,-8-2 0,6 3 0,3 6 0,2 0 0,-14-6 0,3-2 317,20 5 1,6-1-318,-29-4 983,39 0 0,17 0 0,33 3 0,8-2 0,57 20 0,6-9-492,30 2 1,8 0-1,-37-5 1,1-1-451,10-4 1,9-2 0,-6 2-42,-2 4 0,0 0 0,1-7 0,7-2 0,-3 3-492,15 6 0,-1 0 164,-18-6 0,3-2 0,-3 1 44,15 3 1,-3 0 283,-5-3 0,0-2-335,-4 1 1,-6 0 334,18 0 0,-25-3 0,-58 2 983,-13-2 0,-53 11 0,-3 1-742,-27 0-320,22-1 0,-4 0 79,7-7 0,-5 0 0,-4 4 0,-7 2 0,4-2-492,-4-3 0,-1-2 397,-2 3 1,-6 1-1,10-2 95,19-2 0,1 0 0,-12 3 0,-7 0 0,8 0-349,13-2 1,3 0 348,-15 3 0,5 1 0,8-5 0,23 0 983,35 0 0,65 8-179,7-6-804,-8 2 0,5 0 412,-1-4 1,1 0-413,0 0 0,0 0 0,-2 0 0,3 0 0,-8 0 0,4 0 0,-2 0-492,17 0 0,1 0 224,-10 0 1,3 0 0,-1 0 267,-9 0 0,-2 0 0,-1 0 0,2 0 0,0 0 0,1 0 0,7-3 0,1-1 0,-4 2 0,5 1 0,-1-1 0,-8-3 0,3-2 0,-3 2 0,2 4 0,-1 0-492,27-8 0,-2 1 447,-30 6 0,-4 2 45,5-4 0,-9-1 0,-12 1 0,8 3 0,-40-6 983,-10 6-663,-36-22-320,15 18 983,-49-21 0,20 18-252,-48 0-731,37 1 224,-8 6 0,0 2-224,3-1 0,-17 0 0,-8 0-492,12 0 0,2 0 294,4 3 1,-2 1 197,-30 0 0,5 2 0,7 3 0,23-2 0,-3 1 0,5-3 0,4 0 0,-15 4-334,19-4 0,0-2 334,-24-3 0,33 0 0,-15 0 814,27 0-814,18 0 983,-10 0-576,18-3 346,3 2-753,-7-5 0,-14-1 0,-9 3 0,-34-9 0,-6 11 0,15-6 0,-4 1-492,4 5 0,-2 1 119,-13-3 0,-1 0 373,1 4 0,-1 0-492,-5 0 0,-2 0 0,-4 4 0,-3 1 351,24-5 0,-1 0 0,4 2 141,-6 5 0,0 1 0,3-7 0,-4-2 0,2 2 0,-14 7 0,2 0 0,1-7 0,-3 0-328,14 4 0,-2 2 0,4-2 136,-5-3 1,4-1 191,0 3 0,-2 0 0,-16-3 0,9-2-322,25 1 322,-7 0 0,-1 0 0,5 0 0,-7 0 983,15-4-612,27 3 612,-5-7 0,10 4 0,-4-1 0,9 2-459,-2 0-524,2 2 0,-4-2 0,1 3 0,0 0 0,-6 0 0,-12 0 0,8 0 0,-33 0 0,31 0 0,-53 0 0,34 0 0,-15 0 0,-16 0 0,4 0-480,4 0 1,-1 0 479,1 0 0,-4 0 0,2 0-492,-11 0 0,5 0 0,6 0 0,3 0 407,4 0 0,-3 0 85,-30-1 0,3 2-492,43 2 0,0 1 198,-45-4 0,-1 2 294,42 5 0,0 0 0,-32-6 0,2 0 0,-11 12-356,31-11 0,2-2 356,-14 7 742,18-7-742,11 0 0,32 0 0,-2 0 983,7 0-18,2 0 18,36 14-197,-1-5-786,64 14 0,-1-7 0,-28-7 0,7-1 0,22 1 0,6 0-328,-32-2 0,0-1 0,4 0 0,20 1 0,3 0 0,-1-1 23,-12 1 0,-2 0 0,1-1 305,7-1 0,1-2 0,0 0 0,-6 1 0,0-1 0,-1-1 0,-3-4 0,1-1 0,1-1 0,7 1 0,1-1 0,0 0 0,-6 1 0,0-1 0,1 0 0,10-2 0,3-1 0,-6 2 0,-20 4 0,-3 0 0,4 1 0,25-3 0,6-1 0,-5 2 0,-21 1 0,-3 1 0,2 1 0,7-1 0,1 0 0,2 0 0,6 0 0,1 0 0,-9 0-492,-12 0 0,-2 0 164,2 0 0,6 0 0,-6 0 299,-4 0 1,-2 0-286,16 0 0,-3 0 314,24 0-30,-47 0 1,-4 0 29,7-6 0,-2 5 983,-23-5 0,-17 6 0,0-3 0,-3 2 0,-1-2 0,0 3-364,-2 3-619,2-2 0,-39 5 0,-8-12 0,-22 3 0,-9-1-492,8-4 0,-8-1 362,-7 0 0,-12-1 0,-4 0 0,6 1-198,-2 1 0,3 1 0,-5-2 82,3 0 0,-5-1 0,-2 0 0,2 1 0,4 3 0,1 1 0,0 1 0,4-1-82,-8-2 0,3 0 0,-7 0 131,13 3 0,-7 0 1,-2 0-1,0-1 0,6 1-49,2-1 0,4-1 0,0 1 0,-2 0 0,-12 2 0,-3 0 0,0 0 0,5 0-82,-9 0 0,5 0 0,0 0 0,3 3 0,0 0 0,0 0 0,3 0 0,0 0 0,2 0 0,4 3 0,1 0 0,2 0 31,5-2 1,2-1 0,3 1 787,-12 4 1,4-1-155,9-4 1,8 0 645,0 3 0,9-2 0,39 2 0,2-3 0,3 0 0,-6 0 0,1 0 0,-12 0 0,9 0 0,-11 0 0,-6 5-237,3 1-746,-19 6 0,18-7 0,-28 7 0,15-10 0,-7 4 0,2 0 0,18-5 0,-18 5 0,8-6 0,-10 6 0,10-5 0,11 5 0,4-2 0,16-3 0,-7 3 0,44 4 0,-1-6 0,64 15 0,-23-15-261,-2 2 1,5-1 260,-15-2 0,3-2-492,28 1 0,2 0 53,-20 0 1,1 0 110,-3 1 0,4-1 0,-4-1-164,5-2 0,0-2 403,21 0 1,0 0 88,-15 0 0,-1 0 0,6 0 0,2 2 0,9 2 0,3 2 0,-26-1 0,1 0 0,0 0-328,4 0 0,0 0 0,1 0 0,2 0 0,1-1 0,0 2 34,-3 2 0,0 0 0,-3 0 294,13-2 0,-1 0-492,10 3 0,0 1 389,-15-5 1,-3 0 102,-7 0 0,0 0 0,27 0 0,-7 0 0,-4 0 0,7 0 0,1 0 47,-6 0-47,11 0 0,0 0 0,-11 0 0,-22-4 0,3 1 0,-5 3 0,-4-2 983,26-11-691,-26 9 1,4 0-293,-1-4 0,-2-1 983,24-6-492,-22 9 1,-1 2-75,10-3-417,-6 2 0,3 2 937,29 0-937,-29-1 0,0 0 0,24 4 983,-18 0-630,8 0-353,-30 0 0,-3 0 0,10 0 54,9-4-54,-54 4 642,-15-7-642,-36-12 0,10 7 0,-19-5 0,-6-1 0,-30 3-135,17 2 1,-5 1 134,1 2 0,0 2 0,12 2 0,-3 2 0,-23-1 0,-6 2 0,3 2 0,-5 2-328,12-1 0,-4 0 0,-3 0 0,-8 0 0,-3 0 0,-1 0 0,-3 0 0,0 0 0,-3 0 82,17 0 0,-3 0 0,0 0 0,5 0-82,-3 0 0,4 0 0,-4 0 82,2 0 0,-6 0 0,2 0 0,6 0-82,6-1 0,5 1 0,-3 1 0,-19 1 0,-4 2 0,4-2 0,17-1 0,4-1 0,4 2-164,-8 2 0,5 0 643,4 0 0,8-1-151,9-1 983,9 8 0,47-5 0,29 8 0,-4-7 0,66 10 0,-4-6-492,-18-5 1,6-1-1,-8 0 1,1 0-789,13-3 1,1-2 296,-8 1 0,0 0 0,11 0 0,-3 0-492,-30-2 0,-1-2 304,28 0 0,-4-2 102,-5-1 86,14-2 0,9 0 0,-22 4 0,-2-1-419,5 1 0,3 0 419,-12-2 0,3 1 0,-7 1 0,-9 4 0,-3 0 0,24-3 0,2-1 0,-4 0 0,-5 1 0,28 2 491,-20-6 1,-2 0 228,1 6 263,5-12-560,-24 13-323,-29-5-100,-4 6 983,-23-3-660,2 2 1,-2-2-1</inkml:trace>
 </inkml:ink>
 </file>
 
@@ -1185,7 +1653,7 @@
           </a:lstStyle>
           <a:p>
             <a:fld id="{9ACA2D73-2532-A640-A667-27AB4D0D333F}" type="datetimeFigureOut">
-              <a:t>17/8/25</a:t>
+              <a:t>3/12/25</a:t>
             </a:fld>
             <a:endParaRPr lang="en-VN"/>
           </a:p>
@@ -2926,6 +3394,862 @@
 </p:notes>
 </file>
 
+<file path=ppt/notesSlides/notesSlide22.xml><?xml version="1.0" encoding="utf-8"?>
+<p:notes xmlns:a="http://schemas.openxmlformats.org/drawingml/2006/main" xmlns:r="http://schemas.openxmlformats.org/officeDocument/2006/relationships" xmlns:p="http://schemas.openxmlformats.org/presentationml/2006/main">
+  <p:cSld>
+    <p:spTree>
+      <p:nvGrpSpPr>
+        <p:cNvPr id="1" name="">
+          <a:extLst>
+            <a:ext uri="{FF2B5EF4-FFF2-40B4-BE49-F238E27FC236}">
+              <a16:creationId xmlns:a16="http://schemas.microsoft.com/office/drawing/2014/main" id="{E6AB262E-4904-5E2A-1A1F-7D6017E85868}"/>
+            </a:ext>
+          </a:extLst>
+        </p:cNvPr>
+        <p:cNvGrpSpPr/>
+        <p:nvPr/>
+      </p:nvGrpSpPr>
+      <p:grpSpPr>
+        <a:xfrm>
+          <a:off x="0" y="0"/>
+          <a:ext cx="0" cy="0"/>
+          <a:chOff x="0" y="0"/>
+          <a:chExt cx="0" cy="0"/>
+        </a:xfrm>
+      </p:grpSpPr>
+      <p:sp>
+        <p:nvSpPr>
+          <p:cNvPr id="2" name="Slide Image Placeholder 1">
+            <a:extLst>
+              <a:ext uri="{FF2B5EF4-FFF2-40B4-BE49-F238E27FC236}">
+                <a16:creationId xmlns:a16="http://schemas.microsoft.com/office/drawing/2014/main" id="{7529BE67-8C13-7D85-9537-4B131C5A70BB}"/>
+              </a:ext>
+            </a:extLst>
+          </p:cNvPr>
+          <p:cNvSpPr>
+            <a:spLocks noGrp="1" noRot="1" noChangeAspect="1"/>
+          </p:cNvSpPr>
+          <p:nvPr>
+            <p:ph type="sldImg"/>
+          </p:nvPr>
+        </p:nvSpPr>
+        <p:spPr/>
+      </p:sp>
+      <p:sp>
+        <p:nvSpPr>
+          <p:cNvPr id="3" name="Notes Placeholder 2">
+            <a:extLst>
+              <a:ext uri="{FF2B5EF4-FFF2-40B4-BE49-F238E27FC236}">
+                <a16:creationId xmlns:a16="http://schemas.microsoft.com/office/drawing/2014/main" id="{9166C4C7-7E49-F791-BBB6-00A59941C061}"/>
+              </a:ext>
+            </a:extLst>
+          </p:cNvPr>
+          <p:cNvSpPr>
+            <a:spLocks noGrp="1"/>
+          </p:cNvSpPr>
+          <p:nvPr>
+            <p:ph type="body" idx="1"/>
+          </p:nvPr>
+        </p:nvSpPr>
+        <p:spPr/>
+        <p:txBody>
+          <a:bodyPr/>
+          <a:lstStyle/>
+          <a:p>
+            <a:endParaRPr lang="en-VN"/>
+          </a:p>
+        </p:txBody>
+      </p:sp>
+      <p:sp>
+        <p:nvSpPr>
+          <p:cNvPr id="4" name="Slide Number Placeholder 3">
+            <a:extLst>
+              <a:ext uri="{FF2B5EF4-FFF2-40B4-BE49-F238E27FC236}">
+                <a16:creationId xmlns:a16="http://schemas.microsoft.com/office/drawing/2014/main" id="{2CCA1C02-9882-0DDE-CEAE-1D44BD49925F}"/>
+              </a:ext>
+            </a:extLst>
+          </p:cNvPr>
+          <p:cNvSpPr>
+            <a:spLocks noGrp="1"/>
+          </p:cNvSpPr>
+          <p:nvPr>
+            <p:ph type="sldNum" sz="quarter" idx="5"/>
+          </p:nvPr>
+        </p:nvSpPr>
+        <p:spPr/>
+        <p:txBody>
+          <a:bodyPr/>
+          <a:lstStyle/>
+          <a:p>
+            <a:fld id="{576FF3D1-0F45-2240-9B47-75654C02E24A}" type="slidenum">
+              <a:t>23</a:t>
+            </a:fld>
+            <a:endParaRPr lang="en-VN"/>
+          </a:p>
+        </p:txBody>
+      </p:sp>
+    </p:spTree>
+    <p:extLst>
+      <p:ext uri="{BB962C8B-B14F-4D97-AF65-F5344CB8AC3E}">
+        <p14:creationId xmlns:p14="http://schemas.microsoft.com/office/powerpoint/2010/main" val="2386757473"/>
+      </p:ext>
+    </p:extLst>
+  </p:cSld>
+  <p:clrMapOvr>
+    <a:masterClrMapping/>
+  </p:clrMapOvr>
+</p:notes>
+</file>
+
+<file path=ppt/notesSlides/notesSlide23.xml><?xml version="1.0" encoding="utf-8"?>
+<p:notes xmlns:a="http://schemas.openxmlformats.org/drawingml/2006/main" xmlns:r="http://schemas.openxmlformats.org/officeDocument/2006/relationships" xmlns:p="http://schemas.openxmlformats.org/presentationml/2006/main">
+  <p:cSld>
+    <p:spTree>
+      <p:nvGrpSpPr>
+        <p:cNvPr id="1" name="">
+          <a:extLst>
+            <a:ext uri="{FF2B5EF4-FFF2-40B4-BE49-F238E27FC236}">
+              <a16:creationId xmlns:a16="http://schemas.microsoft.com/office/drawing/2014/main" id="{C087C469-6E9A-2D91-EB74-05327A08358D}"/>
+            </a:ext>
+          </a:extLst>
+        </p:cNvPr>
+        <p:cNvGrpSpPr/>
+        <p:nvPr/>
+      </p:nvGrpSpPr>
+      <p:grpSpPr>
+        <a:xfrm>
+          <a:off x="0" y="0"/>
+          <a:ext cx="0" cy="0"/>
+          <a:chOff x="0" y="0"/>
+          <a:chExt cx="0" cy="0"/>
+        </a:xfrm>
+      </p:grpSpPr>
+      <p:sp>
+        <p:nvSpPr>
+          <p:cNvPr id="2" name="Slide Image Placeholder 1">
+            <a:extLst>
+              <a:ext uri="{FF2B5EF4-FFF2-40B4-BE49-F238E27FC236}">
+                <a16:creationId xmlns:a16="http://schemas.microsoft.com/office/drawing/2014/main" id="{6074D971-70DB-590A-330A-1B0D42CB24E0}"/>
+              </a:ext>
+            </a:extLst>
+          </p:cNvPr>
+          <p:cNvSpPr>
+            <a:spLocks noGrp="1" noRot="1" noChangeAspect="1"/>
+          </p:cNvSpPr>
+          <p:nvPr>
+            <p:ph type="sldImg"/>
+          </p:nvPr>
+        </p:nvSpPr>
+        <p:spPr/>
+      </p:sp>
+      <p:sp>
+        <p:nvSpPr>
+          <p:cNvPr id="3" name="Notes Placeholder 2">
+            <a:extLst>
+              <a:ext uri="{FF2B5EF4-FFF2-40B4-BE49-F238E27FC236}">
+                <a16:creationId xmlns:a16="http://schemas.microsoft.com/office/drawing/2014/main" id="{E82D9549-71B5-BC12-6552-57B72BAF7030}"/>
+              </a:ext>
+            </a:extLst>
+          </p:cNvPr>
+          <p:cNvSpPr>
+            <a:spLocks noGrp="1"/>
+          </p:cNvSpPr>
+          <p:nvPr>
+            <p:ph type="body" idx="1"/>
+          </p:nvPr>
+        </p:nvSpPr>
+        <p:spPr/>
+        <p:txBody>
+          <a:bodyPr/>
+          <a:lstStyle/>
+          <a:p>
+            <a:endParaRPr lang="en-VN"/>
+          </a:p>
+        </p:txBody>
+      </p:sp>
+      <p:sp>
+        <p:nvSpPr>
+          <p:cNvPr id="4" name="Slide Number Placeholder 3">
+            <a:extLst>
+              <a:ext uri="{FF2B5EF4-FFF2-40B4-BE49-F238E27FC236}">
+                <a16:creationId xmlns:a16="http://schemas.microsoft.com/office/drawing/2014/main" id="{7083859A-7220-71A3-5476-D4DA8E2AB0DD}"/>
+              </a:ext>
+            </a:extLst>
+          </p:cNvPr>
+          <p:cNvSpPr>
+            <a:spLocks noGrp="1"/>
+          </p:cNvSpPr>
+          <p:nvPr>
+            <p:ph type="sldNum" sz="quarter" idx="5"/>
+          </p:nvPr>
+        </p:nvSpPr>
+        <p:spPr/>
+        <p:txBody>
+          <a:bodyPr/>
+          <a:lstStyle/>
+          <a:p>
+            <a:fld id="{576FF3D1-0F45-2240-9B47-75654C02E24A}" type="slidenum">
+              <a:t>24</a:t>
+            </a:fld>
+            <a:endParaRPr lang="en-VN"/>
+          </a:p>
+        </p:txBody>
+      </p:sp>
+    </p:spTree>
+    <p:extLst>
+      <p:ext uri="{BB962C8B-B14F-4D97-AF65-F5344CB8AC3E}">
+        <p14:creationId xmlns:p14="http://schemas.microsoft.com/office/powerpoint/2010/main" val="2492901160"/>
+      </p:ext>
+    </p:extLst>
+  </p:cSld>
+  <p:clrMapOvr>
+    <a:masterClrMapping/>
+  </p:clrMapOvr>
+</p:notes>
+</file>
+
+<file path=ppt/notesSlides/notesSlide24.xml><?xml version="1.0" encoding="utf-8"?>
+<p:notes xmlns:a="http://schemas.openxmlformats.org/drawingml/2006/main" xmlns:r="http://schemas.openxmlformats.org/officeDocument/2006/relationships" xmlns:p="http://schemas.openxmlformats.org/presentationml/2006/main">
+  <p:cSld>
+    <p:spTree>
+      <p:nvGrpSpPr>
+        <p:cNvPr id="1" name="">
+          <a:extLst>
+            <a:ext uri="{FF2B5EF4-FFF2-40B4-BE49-F238E27FC236}">
+              <a16:creationId xmlns:a16="http://schemas.microsoft.com/office/drawing/2014/main" id="{1A2850D5-0843-8449-B742-57F9DEB45AF4}"/>
+            </a:ext>
+          </a:extLst>
+        </p:cNvPr>
+        <p:cNvGrpSpPr/>
+        <p:nvPr/>
+      </p:nvGrpSpPr>
+      <p:grpSpPr>
+        <a:xfrm>
+          <a:off x="0" y="0"/>
+          <a:ext cx="0" cy="0"/>
+          <a:chOff x="0" y="0"/>
+          <a:chExt cx="0" cy="0"/>
+        </a:xfrm>
+      </p:grpSpPr>
+      <p:sp>
+        <p:nvSpPr>
+          <p:cNvPr id="2" name="Slide Image Placeholder 1">
+            <a:extLst>
+              <a:ext uri="{FF2B5EF4-FFF2-40B4-BE49-F238E27FC236}">
+                <a16:creationId xmlns:a16="http://schemas.microsoft.com/office/drawing/2014/main" id="{7469633A-FA79-FDC1-AB6C-744956C94B63}"/>
+              </a:ext>
+            </a:extLst>
+          </p:cNvPr>
+          <p:cNvSpPr>
+            <a:spLocks noGrp="1" noRot="1" noChangeAspect="1"/>
+          </p:cNvSpPr>
+          <p:nvPr>
+            <p:ph type="sldImg"/>
+          </p:nvPr>
+        </p:nvSpPr>
+        <p:spPr/>
+      </p:sp>
+      <p:sp>
+        <p:nvSpPr>
+          <p:cNvPr id="3" name="Notes Placeholder 2">
+            <a:extLst>
+              <a:ext uri="{FF2B5EF4-FFF2-40B4-BE49-F238E27FC236}">
+                <a16:creationId xmlns:a16="http://schemas.microsoft.com/office/drawing/2014/main" id="{24E056E7-0B7F-070F-90C6-5FFC0C918C75}"/>
+              </a:ext>
+            </a:extLst>
+          </p:cNvPr>
+          <p:cNvSpPr>
+            <a:spLocks noGrp="1"/>
+          </p:cNvSpPr>
+          <p:nvPr>
+            <p:ph type="body" idx="1"/>
+          </p:nvPr>
+        </p:nvSpPr>
+        <p:spPr/>
+        <p:txBody>
+          <a:bodyPr/>
+          <a:lstStyle/>
+          <a:p>
+            <a:endParaRPr lang="en-VN"/>
+          </a:p>
+        </p:txBody>
+      </p:sp>
+      <p:sp>
+        <p:nvSpPr>
+          <p:cNvPr id="4" name="Slide Number Placeholder 3">
+            <a:extLst>
+              <a:ext uri="{FF2B5EF4-FFF2-40B4-BE49-F238E27FC236}">
+                <a16:creationId xmlns:a16="http://schemas.microsoft.com/office/drawing/2014/main" id="{BB24D7CB-315D-A317-2AF0-00D590D56E32}"/>
+              </a:ext>
+            </a:extLst>
+          </p:cNvPr>
+          <p:cNvSpPr>
+            <a:spLocks noGrp="1"/>
+          </p:cNvSpPr>
+          <p:nvPr>
+            <p:ph type="sldNum" sz="quarter" idx="5"/>
+          </p:nvPr>
+        </p:nvSpPr>
+        <p:spPr/>
+        <p:txBody>
+          <a:bodyPr/>
+          <a:lstStyle/>
+          <a:p>
+            <a:fld id="{576FF3D1-0F45-2240-9B47-75654C02E24A}" type="slidenum">
+              <a:t>25</a:t>
+            </a:fld>
+            <a:endParaRPr lang="en-VN"/>
+          </a:p>
+        </p:txBody>
+      </p:sp>
+    </p:spTree>
+    <p:extLst>
+      <p:ext uri="{BB962C8B-B14F-4D97-AF65-F5344CB8AC3E}">
+        <p14:creationId xmlns:p14="http://schemas.microsoft.com/office/powerpoint/2010/main" val="1399107446"/>
+      </p:ext>
+    </p:extLst>
+  </p:cSld>
+  <p:clrMapOvr>
+    <a:masterClrMapping/>
+  </p:clrMapOvr>
+</p:notes>
+</file>
+
+<file path=ppt/notesSlides/notesSlide25.xml><?xml version="1.0" encoding="utf-8"?>
+<p:notes xmlns:a="http://schemas.openxmlformats.org/drawingml/2006/main" xmlns:r="http://schemas.openxmlformats.org/officeDocument/2006/relationships" xmlns:p="http://schemas.openxmlformats.org/presentationml/2006/main">
+  <p:cSld>
+    <p:spTree>
+      <p:nvGrpSpPr>
+        <p:cNvPr id="1" name="">
+          <a:extLst>
+            <a:ext uri="{FF2B5EF4-FFF2-40B4-BE49-F238E27FC236}">
+              <a16:creationId xmlns:a16="http://schemas.microsoft.com/office/drawing/2014/main" id="{BDB16CCC-A081-9CC3-4705-B86EB8CB7E07}"/>
+            </a:ext>
+          </a:extLst>
+        </p:cNvPr>
+        <p:cNvGrpSpPr/>
+        <p:nvPr/>
+      </p:nvGrpSpPr>
+      <p:grpSpPr>
+        <a:xfrm>
+          <a:off x="0" y="0"/>
+          <a:ext cx="0" cy="0"/>
+          <a:chOff x="0" y="0"/>
+          <a:chExt cx="0" cy="0"/>
+        </a:xfrm>
+      </p:grpSpPr>
+      <p:sp>
+        <p:nvSpPr>
+          <p:cNvPr id="2" name="Slide Image Placeholder 1">
+            <a:extLst>
+              <a:ext uri="{FF2B5EF4-FFF2-40B4-BE49-F238E27FC236}">
+                <a16:creationId xmlns:a16="http://schemas.microsoft.com/office/drawing/2014/main" id="{16ADE4C2-52B7-48A6-1FF0-A778B05DC7C6}"/>
+              </a:ext>
+            </a:extLst>
+          </p:cNvPr>
+          <p:cNvSpPr>
+            <a:spLocks noGrp="1" noRot="1" noChangeAspect="1"/>
+          </p:cNvSpPr>
+          <p:nvPr>
+            <p:ph type="sldImg"/>
+          </p:nvPr>
+        </p:nvSpPr>
+        <p:spPr/>
+      </p:sp>
+      <p:sp>
+        <p:nvSpPr>
+          <p:cNvPr id="3" name="Notes Placeholder 2">
+            <a:extLst>
+              <a:ext uri="{FF2B5EF4-FFF2-40B4-BE49-F238E27FC236}">
+                <a16:creationId xmlns:a16="http://schemas.microsoft.com/office/drawing/2014/main" id="{E463D2C8-F713-D887-779E-9152B4693485}"/>
+              </a:ext>
+            </a:extLst>
+          </p:cNvPr>
+          <p:cNvSpPr>
+            <a:spLocks noGrp="1"/>
+          </p:cNvSpPr>
+          <p:nvPr>
+            <p:ph type="body" idx="1"/>
+          </p:nvPr>
+        </p:nvSpPr>
+        <p:spPr/>
+        <p:txBody>
+          <a:bodyPr/>
+          <a:lstStyle/>
+          <a:p>
+            <a:endParaRPr lang="en-VN"/>
+          </a:p>
+        </p:txBody>
+      </p:sp>
+      <p:sp>
+        <p:nvSpPr>
+          <p:cNvPr id="4" name="Slide Number Placeholder 3">
+            <a:extLst>
+              <a:ext uri="{FF2B5EF4-FFF2-40B4-BE49-F238E27FC236}">
+                <a16:creationId xmlns:a16="http://schemas.microsoft.com/office/drawing/2014/main" id="{64AF8E08-4AFC-E499-5147-6D214E89354D}"/>
+              </a:ext>
+            </a:extLst>
+          </p:cNvPr>
+          <p:cNvSpPr>
+            <a:spLocks noGrp="1"/>
+          </p:cNvSpPr>
+          <p:nvPr>
+            <p:ph type="sldNum" sz="quarter" idx="5"/>
+          </p:nvPr>
+        </p:nvSpPr>
+        <p:spPr/>
+        <p:txBody>
+          <a:bodyPr/>
+          <a:lstStyle/>
+          <a:p>
+            <a:fld id="{576FF3D1-0F45-2240-9B47-75654C02E24A}" type="slidenum">
+              <a:t>26</a:t>
+            </a:fld>
+            <a:endParaRPr lang="en-VN"/>
+          </a:p>
+        </p:txBody>
+      </p:sp>
+    </p:spTree>
+    <p:extLst>
+      <p:ext uri="{BB962C8B-B14F-4D97-AF65-F5344CB8AC3E}">
+        <p14:creationId xmlns:p14="http://schemas.microsoft.com/office/powerpoint/2010/main" val="3829522902"/>
+      </p:ext>
+    </p:extLst>
+  </p:cSld>
+  <p:clrMapOvr>
+    <a:masterClrMapping/>
+  </p:clrMapOvr>
+</p:notes>
+</file>
+
+<file path=ppt/notesSlides/notesSlide26.xml><?xml version="1.0" encoding="utf-8"?>
+<p:notes xmlns:a="http://schemas.openxmlformats.org/drawingml/2006/main" xmlns:r="http://schemas.openxmlformats.org/officeDocument/2006/relationships" xmlns:p="http://schemas.openxmlformats.org/presentationml/2006/main">
+  <p:cSld>
+    <p:spTree>
+      <p:nvGrpSpPr>
+        <p:cNvPr id="1" name="">
+          <a:extLst>
+            <a:ext uri="{FF2B5EF4-FFF2-40B4-BE49-F238E27FC236}">
+              <a16:creationId xmlns:a16="http://schemas.microsoft.com/office/drawing/2014/main" id="{0E8ADD01-0BC6-FE2A-9B28-7BD7929B88FA}"/>
+            </a:ext>
+          </a:extLst>
+        </p:cNvPr>
+        <p:cNvGrpSpPr/>
+        <p:nvPr/>
+      </p:nvGrpSpPr>
+      <p:grpSpPr>
+        <a:xfrm>
+          <a:off x="0" y="0"/>
+          <a:ext cx="0" cy="0"/>
+          <a:chOff x="0" y="0"/>
+          <a:chExt cx="0" cy="0"/>
+        </a:xfrm>
+      </p:grpSpPr>
+      <p:sp>
+        <p:nvSpPr>
+          <p:cNvPr id="2" name="Slide Image Placeholder 1">
+            <a:extLst>
+              <a:ext uri="{FF2B5EF4-FFF2-40B4-BE49-F238E27FC236}">
+                <a16:creationId xmlns:a16="http://schemas.microsoft.com/office/drawing/2014/main" id="{56506785-9E79-BBB7-1FB9-045DB5255E42}"/>
+              </a:ext>
+            </a:extLst>
+          </p:cNvPr>
+          <p:cNvSpPr>
+            <a:spLocks noGrp="1" noRot="1" noChangeAspect="1"/>
+          </p:cNvSpPr>
+          <p:nvPr>
+            <p:ph type="sldImg"/>
+          </p:nvPr>
+        </p:nvSpPr>
+        <p:spPr/>
+      </p:sp>
+      <p:sp>
+        <p:nvSpPr>
+          <p:cNvPr id="3" name="Notes Placeholder 2">
+            <a:extLst>
+              <a:ext uri="{FF2B5EF4-FFF2-40B4-BE49-F238E27FC236}">
+                <a16:creationId xmlns:a16="http://schemas.microsoft.com/office/drawing/2014/main" id="{C479049D-C799-D1E9-4FF8-21888795099B}"/>
+              </a:ext>
+            </a:extLst>
+          </p:cNvPr>
+          <p:cNvSpPr>
+            <a:spLocks noGrp="1"/>
+          </p:cNvSpPr>
+          <p:nvPr>
+            <p:ph type="body" idx="1"/>
+          </p:nvPr>
+        </p:nvSpPr>
+        <p:spPr/>
+        <p:txBody>
+          <a:bodyPr/>
+          <a:lstStyle/>
+          <a:p>
+            <a:endParaRPr lang="en-VN"/>
+          </a:p>
+        </p:txBody>
+      </p:sp>
+      <p:sp>
+        <p:nvSpPr>
+          <p:cNvPr id="4" name="Slide Number Placeholder 3">
+            <a:extLst>
+              <a:ext uri="{FF2B5EF4-FFF2-40B4-BE49-F238E27FC236}">
+                <a16:creationId xmlns:a16="http://schemas.microsoft.com/office/drawing/2014/main" id="{96AB79AF-997C-9561-40FE-75BADFBA8BE4}"/>
+              </a:ext>
+            </a:extLst>
+          </p:cNvPr>
+          <p:cNvSpPr>
+            <a:spLocks noGrp="1"/>
+          </p:cNvSpPr>
+          <p:nvPr>
+            <p:ph type="sldNum" sz="quarter" idx="5"/>
+          </p:nvPr>
+        </p:nvSpPr>
+        <p:spPr/>
+        <p:txBody>
+          <a:bodyPr/>
+          <a:lstStyle/>
+          <a:p>
+            <a:fld id="{576FF3D1-0F45-2240-9B47-75654C02E24A}" type="slidenum">
+              <a:t>27</a:t>
+            </a:fld>
+            <a:endParaRPr lang="en-VN"/>
+          </a:p>
+        </p:txBody>
+      </p:sp>
+    </p:spTree>
+    <p:extLst>
+      <p:ext uri="{BB962C8B-B14F-4D97-AF65-F5344CB8AC3E}">
+        <p14:creationId xmlns:p14="http://schemas.microsoft.com/office/powerpoint/2010/main" val="3942674033"/>
+      </p:ext>
+    </p:extLst>
+  </p:cSld>
+  <p:clrMapOvr>
+    <a:masterClrMapping/>
+  </p:clrMapOvr>
+</p:notes>
+</file>
+
+<file path=ppt/notesSlides/notesSlide27.xml><?xml version="1.0" encoding="utf-8"?>
+<p:notes xmlns:a="http://schemas.openxmlformats.org/drawingml/2006/main" xmlns:r="http://schemas.openxmlformats.org/officeDocument/2006/relationships" xmlns:p="http://schemas.openxmlformats.org/presentationml/2006/main">
+  <p:cSld>
+    <p:spTree>
+      <p:nvGrpSpPr>
+        <p:cNvPr id="1" name="">
+          <a:extLst>
+            <a:ext uri="{FF2B5EF4-FFF2-40B4-BE49-F238E27FC236}">
+              <a16:creationId xmlns:a16="http://schemas.microsoft.com/office/drawing/2014/main" id="{726E1FD0-64D5-F3C4-1645-0EDEAAB74313}"/>
+            </a:ext>
+          </a:extLst>
+        </p:cNvPr>
+        <p:cNvGrpSpPr/>
+        <p:nvPr/>
+      </p:nvGrpSpPr>
+      <p:grpSpPr>
+        <a:xfrm>
+          <a:off x="0" y="0"/>
+          <a:ext cx="0" cy="0"/>
+          <a:chOff x="0" y="0"/>
+          <a:chExt cx="0" cy="0"/>
+        </a:xfrm>
+      </p:grpSpPr>
+      <p:sp>
+        <p:nvSpPr>
+          <p:cNvPr id="2" name="Slide Image Placeholder 1">
+            <a:extLst>
+              <a:ext uri="{FF2B5EF4-FFF2-40B4-BE49-F238E27FC236}">
+                <a16:creationId xmlns:a16="http://schemas.microsoft.com/office/drawing/2014/main" id="{B97C08C8-9F97-D146-FE01-0895A545406C}"/>
+              </a:ext>
+            </a:extLst>
+          </p:cNvPr>
+          <p:cNvSpPr>
+            <a:spLocks noGrp="1" noRot="1" noChangeAspect="1"/>
+          </p:cNvSpPr>
+          <p:nvPr>
+            <p:ph type="sldImg"/>
+          </p:nvPr>
+        </p:nvSpPr>
+        <p:spPr/>
+      </p:sp>
+      <p:sp>
+        <p:nvSpPr>
+          <p:cNvPr id="3" name="Notes Placeholder 2">
+            <a:extLst>
+              <a:ext uri="{FF2B5EF4-FFF2-40B4-BE49-F238E27FC236}">
+                <a16:creationId xmlns:a16="http://schemas.microsoft.com/office/drawing/2014/main" id="{2641D283-30AE-1F60-289B-8CAABE78AAEF}"/>
+              </a:ext>
+            </a:extLst>
+          </p:cNvPr>
+          <p:cNvSpPr>
+            <a:spLocks noGrp="1"/>
+          </p:cNvSpPr>
+          <p:nvPr>
+            <p:ph type="body" idx="1"/>
+          </p:nvPr>
+        </p:nvSpPr>
+        <p:spPr/>
+        <p:txBody>
+          <a:bodyPr/>
+          <a:lstStyle/>
+          <a:p>
+            <a:endParaRPr lang="en-VN"/>
+          </a:p>
+        </p:txBody>
+      </p:sp>
+      <p:sp>
+        <p:nvSpPr>
+          <p:cNvPr id="4" name="Slide Number Placeholder 3">
+            <a:extLst>
+              <a:ext uri="{FF2B5EF4-FFF2-40B4-BE49-F238E27FC236}">
+                <a16:creationId xmlns:a16="http://schemas.microsoft.com/office/drawing/2014/main" id="{C20148BF-40E2-B12B-13B7-0E6D42D76280}"/>
+              </a:ext>
+            </a:extLst>
+          </p:cNvPr>
+          <p:cNvSpPr>
+            <a:spLocks noGrp="1"/>
+          </p:cNvSpPr>
+          <p:nvPr>
+            <p:ph type="sldNum" sz="quarter" idx="5"/>
+          </p:nvPr>
+        </p:nvSpPr>
+        <p:spPr/>
+        <p:txBody>
+          <a:bodyPr/>
+          <a:lstStyle/>
+          <a:p>
+            <a:fld id="{576FF3D1-0F45-2240-9B47-75654C02E24A}" type="slidenum">
+              <a:t>28</a:t>
+            </a:fld>
+            <a:endParaRPr lang="en-VN"/>
+          </a:p>
+        </p:txBody>
+      </p:sp>
+    </p:spTree>
+    <p:extLst>
+      <p:ext uri="{BB962C8B-B14F-4D97-AF65-F5344CB8AC3E}">
+        <p14:creationId xmlns:p14="http://schemas.microsoft.com/office/powerpoint/2010/main" val="374966674"/>
+      </p:ext>
+    </p:extLst>
+  </p:cSld>
+  <p:clrMapOvr>
+    <a:masterClrMapping/>
+  </p:clrMapOvr>
+</p:notes>
+</file>
+
+<file path=ppt/notesSlides/notesSlide28.xml><?xml version="1.0" encoding="utf-8"?>
+<p:notes xmlns:a="http://schemas.openxmlformats.org/drawingml/2006/main" xmlns:r="http://schemas.openxmlformats.org/officeDocument/2006/relationships" xmlns:p="http://schemas.openxmlformats.org/presentationml/2006/main">
+  <p:cSld>
+    <p:spTree>
+      <p:nvGrpSpPr>
+        <p:cNvPr id="1" name="">
+          <a:extLst>
+            <a:ext uri="{FF2B5EF4-FFF2-40B4-BE49-F238E27FC236}">
+              <a16:creationId xmlns:a16="http://schemas.microsoft.com/office/drawing/2014/main" id="{42D59624-87DC-D5D2-8831-DB57AE0AD484}"/>
+            </a:ext>
+          </a:extLst>
+        </p:cNvPr>
+        <p:cNvGrpSpPr/>
+        <p:nvPr/>
+      </p:nvGrpSpPr>
+      <p:grpSpPr>
+        <a:xfrm>
+          <a:off x="0" y="0"/>
+          <a:ext cx="0" cy="0"/>
+          <a:chOff x="0" y="0"/>
+          <a:chExt cx="0" cy="0"/>
+        </a:xfrm>
+      </p:grpSpPr>
+      <p:sp>
+        <p:nvSpPr>
+          <p:cNvPr id="2" name="Slide Image Placeholder 1">
+            <a:extLst>
+              <a:ext uri="{FF2B5EF4-FFF2-40B4-BE49-F238E27FC236}">
+                <a16:creationId xmlns:a16="http://schemas.microsoft.com/office/drawing/2014/main" id="{99DBC52C-99B4-FB5D-32BD-2354351F850F}"/>
+              </a:ext>
+            </a:extLst>
+          </p:cNvPr>
+          <p:cNvSpPr>
+            <a:spLocks noGrp="1" noRot="1" noChangeAspect="1"/>
+          </p:cNvSpPr>
+          <p:nvPr>
+            <p:ph type="sldImg"/>
+          </p:nvPr>
+        </p:nvSpPr>
+        <p:spPr/>
+      </p:sp>
+      <p:sp>
+        <p:nvSpPr>
+          <p:cNvPr id="3" name="Notes Placeholder 2">
+            <a:extLst>
+              <a:ext uri="{FF2B5EF4-FFF2-40B4-BE49-F238E27FC236}">
+                <a16:creationId xmlns:a16="http://schemas.microsoft.com/office/drawing/2014/main" id="{92E23AD2-B7FA-C0DE-22AC-7BE13742CE54}"/>
+              </a:ext>
+            </a:extLst>
+          </p:cNvPr>
+          <p:cNvSpPr>
+            <a:spLocks noGrp="1"/>
+          </p:cNvSpPr>
+          <p:nvPr>
+            <p:ph type="body" idx="1"/>
+          </p:nvPr>
+        </p:nvSpPr>
+        <p:spPr/>
+        <p:txBody>
+          <a:bodyPr/>
+          <a:lstStyle/>
+          <a:p>
+            <a:endParaRPr lang="en-VN"/>
+          </a:p>
+        </p:txBody>
+      </p:sp>
+      <p:sp>
+        <p:nvSpPr>
+          <p:cNvPr id="4" name="Slide Number Placeholder 3">
+            <a:extLst>
+              <a:ext uri="{FF2B5EF4-FFF2-40B4-BE49-F238E27FC236}">
+                <a16:creationId xmlns:a16="http://schemas.microsoft.com/office/drawing/2014/main" id="{0B0E9A68-8471-DD7D-3592-273424C39AC1}"/>
+              </a:ext>
+            </a:extLst>
+          </p:cNvPr>
+          <p:cNvSpPr>
+            <a:spLocks noGrp="1"/>
+          </p:cNvSpPr>
+          <p:nvPr>
+            <p:ph type="sldNum" sz="quarter" idx="5"/>
+          </p:nvPr>
+        </p:nvSpPr>
+        <p:spPr/>
+        <p:txBody>
+          <a:bodyPr/>
+          <a:lstStyle/>
+          <a:p>
+            <a:fld id="{576FF3D1-0F45-2240-9B47-75654C02E24A}" type="slidenum">
+              <a:t>29</a:t>
+            </a:fld>
+            <a:endParaRPr lang="en-VN"/>
+          </a:p>
+        </p:txBody>
+      </p:sp>
+    </p:spTree>
+    <p:extLst>
+      <p:ext uri="{BB962C8B-B14F-4D97-AF65-F5344CB8AC3E}">
+        <p14:creationId xmlns:p14="http://schemas.microsoft.com/office/powerpoint/2010/main" val="1311282345"/>
+      </p:ext>
+    </p:extLst>
+  </p:cSld>
+  <p:clrMapOvr>
+    <a:masterClrMapping/>
+  </p:clrMapOvr>
+</p:notes>
+</file>
+
+<file path=ppt/notesSlides/notesSlide29.xml><?xml version="1.0" encoding="utf-8"?>
+<p:notes xmlns:a="http://schemas.openxmlformats.org/drawingml/2006/main" xmlns:r="http://schemas.openxmlformats.org/officeDocument/2006/relationships" xmlns:p="http://schemas.openxmlformats.org/presentationml/2006/main">
+  <p:cSld>
+    <p:spTree>
+      <p:nvGrpSpPr>
+        <p:cNvPr id="1" name="">
+          <a:extLst>
+            <a:ext uri="{FF2B5EF4-FFF2-40B4-BE49-F238E27FC236}">
+              <a16:creationId xmlns:a16="http://schemas.microsoft.com/office/drawing/2014/main" id="{F0793D02-837E-86C6-A70E-00550BB0A47E}"/>
+            </a:ext>
+          </a:extLst>
+        </p:cNvPr>
+        <p:cNvGrpSpPr/>
+        <p:nvPr/>
+      </p:nvGrpSpPr>
+      <p:grpSpPr>
+        <a:xfrm>
+          <a:off x="0" y="0"/>
+          <a:ext cx="0" cy="0"/>
+          <a:chOff x="0" y="0"/>
+          <a:chExt cx="0" cy="0"/>
+        </a:xfrm>
+      </p:grpSpPr>
+      <p:sp>
+        <p:nvSpPr>
+          <p:cNvPr id="2" name="Slide Image Placeholder 1">
+            <a:extLst>
+              <a:ext uri="{FF2B5EF4-FFF2-40B4-BE49-F238E27FC236}">
+                <a16:creationId xmlns:a16="http://schemas.microsoft.com/office/drawing/2014/main" id="{286EB56F-C097-3DE2-C959-5D294F2C61A3}"/>
+              </a:ext>
+            </a:extLst>
+          </p:cNvPr>
+          <p:cNvSpPr>
+            <a:spLocks noGrp="1" noRot="1" noChangeAspect="1"/>
+          </p:cNvSpPr>
+          <p:nvPr>
+            <p:ph type="sldImg"/>
+          </p:nvPr>
+        </p:nvSpPr>
+        <p:spPr/>
+      </p:sp>
+      <p:sp>
+        <p:nvSpPr>
+          <p:cNvPr id="3" name="Notes Placeholder 2">
+            <a:extLst>
+              <a:ext uri="{FF2B5EF4-FFF2-40B4-BE49-F238E27FC236}">
+                <a16:creationId xmlns:a16="http://schemas.microsoft.com/office/drawing/2014/main" id="{F792DDB9-E5A5-265D-562E-39319F8277B1}"/>
+              </a:ext>
+            </a:extLst>
+          </p:cNvPr>
+          <p:cNvSpPr>
+            <a:spLocks noGrp="1"/>
+          </p:cNvSpPr>
+          <p:nvPr>
+            <p:ph type="body" idx="1"/>
+          </p:nvPr>
+        </p:nvSpPr>
+        <p:spPr/>
+        <p:txBody>
+          <a:bodyPr/>
+          <a:lstStyle/>
+          <a:p>
+            <a:endParaRPr lang="en-VN"/>
+          </a:p>
+        </p:txBody>
+      </p:sp>
+      <p:sp>
+        <p:nvSpPr>
+          <p:cNvPr id="4" name="Slide Number Placeholder 3">
+            <a:extLst>
+              <a:ext uri="{FF2B5EF4-FFF2-40B4-BE49-F238E27FC236}">
+                <a16:creationId xmlns:a16="http://schemas.microsoft.com/office/drawing/2014/main" id="{7333DEA5-869F-90A0-E526-C8C573DFDF38}"/>
+              </a:ext>
+            </a:extLst>
+          </p:cNvPr>
+          <p:cNvSpPr>
+            <a:spLocks noGrp="1"/>
+          </p:cNvSpPr>
+          <p:nvPr>
+            <p:ph type="sldNum" sz="quarter" idx="5"/>
+          </p:nvPr>
+        </p:nvSpPr>
+        <p:spPr/>
+        <p:txBody>
+          <a:bodyPr/>
+          <a:lstStyle/>
+          <a:p>
+            <a:fld id="{576FF3D1-0F45-2240-9B47-75654C02E24A}" type="slidenum">
+              <a:t>30</a:t>
+            </a:fld>
+            <a:endParaRPr lang="en-VN"/>
+          </a:p>
+        </p:txBody>
+      </p:sp>
+    </p:spTree>
+    <p:extLst>
+      <p:ext uri="{BB962C8B-B14F-4D97-AF65-F5344CB8AC3E}">
+        <p14:creationId xmlns:p14="http://schemas.microsoft.com/office/powerpoint/2010/main" val="3312798463"/>
+      </p:ext>
+    </p:extLst>
+  </p:cSld>
+  <p:clrMapOvr>
+    <a:masterClrMapping/>
+  </p:clrMapOvr>
+</p:notes>
+</file>
+
 <file path=ppt/notesSlides/notesSlide3.xml><?xml version="1.0" encoding="utf-8"?>
 <p:notes xmlns:a="http://schemas.openxmlformats.org/drawingml/2006/main" xmlns:r="http://schemas.openxmlformats.org/officeDocument/2006/relationships" xmlns:p="http://schemas.openxmlformats.org/presentationml/2006/main">
   <p:cSld>
@@ -3024,6 +4348,220 @@
     <p:extLst>
       <p:ext uri="{BB962C8B-B14F-4D97-AF65-F5344CB8AC3E}">
         <p14:creationId xmlns:p14="http://schemas.microsoft.com/office/powerpoint/2010/main" val="737141786"/>
+      </p:ext>
+    </p:extLst>
+  </p:cSld>
+  <p:clrMapOvr>
+    <a:masterClrMapping/>
+  </p:clrMapOvr>
+</p:notes>
+</file>
+
+<file path=ppt/notesSlides/notesSlide30.xml><?xml version="1.0" encoding="utf-8"?>
+<p:notes xmlns:a="http://schemas.openxmlformats.org/drawingml/2006/main" xmlns:r="http://schemas.openxmlformats.org/officeDocument/2006/relationships" xmlns:p="http://schemas.openxmlformats.org/presentationml/2006/main">
+  <p:cSld>
+    <p:spTree>
+      <p:nvGrpSpPr>
+        <p:cNvPr id="1" name="">
+          <a:extLst>
+            <a:ext uri="{FF2B5EF4-FFF2-40B4-BE49-F238E27FC236}">
+              <a16:creationId xmlns:a16="http://schemas.microsoft.com/office/drawing/2014/main" id="{A399146C-8B99-B3C3-AB97-8F18F27E07B8}"/>
+            </a:ext>
+          </a:extLst>
+        </p:cNvPr>
+        <p:cNvGrpSpPr/>
+        <p:nvPr/>
+      </p:nvGrpSpPr>
+      <p:grpSpPr>
+        <a:xfrm>
+          <a:off x="0" y="0"/>
+          <a:ext cx="0" cy="0"/>
+          <a:chOff x="0" y="0"/>
+          <a:chExt cx="0" cy="0"/>
+        </a:xfrm>
+      </p:grpSpPr>
+      <p:sp>
+        <p:nvSpPr>
+          <p:cNvPr id="2" name="Slide Image Placeholder 1">
+            <a:extLst>
+              <a:ext uri="{FF2B5EF4-FFF2-40B4-BE49-F238E27FC236}">
+                <a16:creationId xmlns:a16="http://schemas.microsoft.com/office/drawing/2014/main" id="{6F819662-9F1E-60A6-F70F-06065727D0D2}"/>
+              </a:ext>
+            </a:extLst>
+          </p:cNvPr>
+          <p:cNvSpPr>
+            <a:spLocks noGrp="1" noRot="1" noChangeAspect="1"/>
+          </p:cNvSpPr>
+          <p:nvPr>
+            <p:ph type="sldImg"/>
+          </p:nvPr>
+        </p:nvSpPr>
+        <p:spPr/>
+      </p:sp>
+      <p:sp>
+        <p:nvSpPr>
+          <p:cNvPr id="3" name="Notes Placeholder 2">
+            <a:extLst>
+              <a:ext uri="{FF2B5EF4-FFF2-40B4-BE49-F238E27FC236}">
+                <a16:creationId xmlns:a16="http://schemas.microsoft.com/office/drawing/2014/main" id="{D50592E5-CEE9-A1AE-0EB3-D3210D11D738}"/>
+              </a:ext>
+            </a:extLst>
+          </p:cNvPr>
+          <p:cNvSpPr>
+            <a:spLocks noGrp="1"/>
+          </p:cNvSpPr>
+          <p:nvPr>
+            <p:ph type="body" idx="1"/>
+          </p:nvPr>
+        </p:nvSpPr>
+        <p:spPr/>
+        <p:txBody>
+          <a:bodyPr/>
+          <a:lstStyle/>
+          <a:p>
+            <a:endParaRPr lang="en-VN"/>
+          </a:p>
+        </p:txBody>
+      </p:sp>
+      <p:sp>
+        <p:nvSpPr>
+          <p:cNvPr id="4" name="Slide Number Placeholder 3">
+            <a:extLst>
+              <a:ext uri="{FF2B5EF4-FFF2-40B4-BE49-F238E27FC236}">
+                <a16:creationId xmlns:a16="http://schemas.microsoft.com/office/drawing/2014/main" id="{101BB069-A3F3-893B-3A5F-E7BB8DDA95A6}"/>
+              </a:ext>
+            </a:extLst>
+          </p:cNvPr>
+          <p:cNvSpPr>
+            <a:spLocks noGrp="1"/>
+          </p:cNvSpPr>
+          <p:nvPr>
+            <p:ph type="sldNum" sz="quarter" idx="5"/>
+          </p:nvPr>
+        </p:nvSpPr>
+        <p:spPr/>
+        <p:txBody>
+          <a:bodyPr/>
+          <a:lstStyle/>
+          <a:p>
+            <a:fld id="{576FF3D1-0F45-2240-9B47-75654C02E24A}" type="slidenum">
+              <a:t>31</a:t>
+            </a:fld>
+            <a:endParaRPr lang="en-VN"/>
+          </a:p>
+        </p:txBody>
+      </p:sp>
+    </p:spTree>
+    <p:extLst>
+      <p:ext uri="{BB962C8B-B14F-4D97-AF65-F5344CB8AC3E}">
+        <p14:creationId xmlns:p14="http://schemas.microsoft.com/office/powerpoint/2010/main" val="539572509"/>
+      </p:ext>
+    </p:extLst>
+  </p:cSld>
+  <p:clrMapOvr>
+    <a:masterClrMapping/>
+  </p:clrMapOvr>
+</p:notes>
+</file>
+
+<file path=ppt/notesSlides/notesSlide31.xml><?xml version="1.0" encoding="utf-8"?>
+<p:notes xmlns:a="http://schemas.openxmlformats.org/drawingml/2006/main" xmlns:r="http://schemas.openxmlformats.org/officeDocument/2006/relationships" xmlns:p="http://schemas.openxmlformats.org/presentationml/2006/main">
+  <p:cSld>
+    <p:spTree>
+      <p:nvGrpSpPr>
+        <p:cNvPr id="1" name="">
+          <a:extLst>
+            <a:ext uri="{FF2B5EF4-FFF2-40B4-BE49-F238E27FC236}">
+              <a16:creationId xmlns:a16="http://schemas.microsoft.com/office/drawing/2014/main" id="{D5EF6E95-379D-165A-DE06-FD6DC7EE1B9E}"/>
+            </a:ext>
+          </a:extLst>
+        </p:cNvPr>
+        <p:cNvGrpSpPr/>
+        <p:nvPr/>
+      </p:nvGrpSpPr>
+      <p:grpSpPr>
+        <a:xfrm>
+          <a:off x="0" y="0"/>
+          <a:ext cx="0" cy="0"/>
+          <a:chOff x="0" y="0"/>
+          <a:chExt cx="0" cy="0"/>
+        </a:xfrm>
+      </p:grpSpPr>
+      <p:sp>
+        <p:nvSpPr>
+          <p:cNvPr id="2" name="Slide Image Placeholder 1">
+            <a:extLst>
+              <a:ext uri="{FF2B5EF4-FFF2-40B4-BE49-F238E27FC236}">
+                <a16:creationId xmlns:a16="http://schemas.microsoft.com/office/drawing/2014/main" id="{1483D718-EBD7-7E2C-F6DF-6EE0DE1BF51C}"/>
+              </a:ext>
+            </a:extLst>
+          </p:cNvPr>
+          <p:cNvSpPr>
+            <a:spLocks noGrp="1" noRot="1" noChangeAspect="1"/>
+          </p:cNvSpPr>
+          <p:nvPr>
+            <p:ph type="sldImg"/>
+          </p:nvPr>
+        </p:nvSpPr>
+        <p:spPr/>
+      </p:sp>
+      <p:sp>
+        <p:nvSpPr>
+          <p:cNvPr id="3" name="Notes Placeholder 2">
+            <a:extLst>
+              <a:ext uri="{FF2B5EF4-FFF2-40B4-BE49-F238E27FC236}">
+                <a16:creationId xmlns:a16="http://schemas.microsoft.com/office/drawing/2014/main" id="{6773862A-6A96-4D96-E28A-16B7B99C6C73}"/>
+              </a:ext>
+            </a:extLst>
+          </p:cNvPr>
+          <p:cNvSpPr>
+            <a:spLocks noGrp="1"/>
+          </p:cNvSpPr>
+          <p:nvPr>
+            <p:ph type="body" idx="1"/>
+          </p:nvPr>
+        </p:nvSpPr>
+        <p:spPr/>
+        <p:txBody>
+          <a:bodyPr/>
+          <a:lstStyle/>
+          <a:p>
+            <a:endParaRPr lang="en-VN"/>
+          </a:p>
+        </p:txBody>
+      </p:sp>
+      <p:sp>
+        <p:nvSpPr>
+          <p:cNvPr id="4" name="Slide Number Placeholder 3">
+            <a:extLst>
+              <a:ext uri="{FF2B5EF4-FFF2-40B4-BE49-F238E27FC236}">
+                <a16:creationId xmlns:a16="http://schemas.microsoft.com/office/drawing/2014/main" id="{2D175223-14D5-6F93-30D5-97E71D05454D}"/>
+              </a:ext>
+            </a:extLst>
+          </p:cNvPr>
+          <p:cNvSpPr>
+            <a:spLocks noGrp="1"/>
+          </p:cNvSpPr>
+          <p:nvPr>
+            <p:ph type="sldNum" sz="quarter" idx="5"/>
+          </p:nvPr>
+        </p:nvSpPr>
+        <p:spPr/>
+        <p:txBody>
+          <a:bodyPr/>
+          <a:lstStyle/>
+          <a:p>
+            <a:fld id="{576FF3D1-0F45-2240-9B47-75654C02E24A}" type="slidenum">
+              <a:t>32</a:t>
+            </a:fld>
+            <a:endParaRPr lang="en-VN"/>
+          </a:p>
+        </p:txBody>
+      </p:sp>
+    </p:spTree>
+    <p:extLst>
+      <p:ext uri="{BB962C8B-B14F-4D97-AF65-F5344CB8AC3E}">
+        <p14:creationId xmlns:p14="http://schemas.microsoft.com/office/powerpoint/2010/main" val="3499599274"/>
       </p:ext>
     </p:extLst>
   </p:cSld>
@@ -3822,7 +5360,7 @@
           <a:p>
             <a:fld id="{BAA8DE05-51EE-4692-B197-877FA1DAAAED}" type="datetimeFigureOut">
               <a:rPr lang="en-US" smtClean="0"/>
-              <a:t>8/17/25</a:t>
+              <a:t>12/3/25</a:t>
             </a:fld>
             <a:endParaRPr lang="en-US"/>
           </a:p>
@@ -4020,7 +5558,7 @@
           <a:p>
             <a:fld id="{BAA8DE05-51EE-4692-B197-877FA1DAAAED}" type="datetimeFigureOut">
               <a:rPr lang="en-US" smtClean="0"/>
-              <a:t>8/17/25</a:t>
+              <a:t>12/3/25</a:t>
             </a:fld>
             <a:endParaRPr lang="en-US"/>
           </a:p>
@@ -4228,7 +5766,7 @@
           <a:p>
             <a:fld id="{BAA8DE05-51EE-4692-B197-877FA1DAAAED}" type="datetimeFigureOut">
               <a:rPr lang="en-US" smtClean="0"/>
-              <a:t>8/17/25</a:t>
+              <a:t>12/3/25</a:t>
             </a:fld>
             <a:endParaRPr lang="en-US"/>
           </a:p>
@@ -4426,7 +5964,7 @@
           <a:p>
             <a:fld id="{BAA8DE05-51EE-4692-B197-877FA1DAAAED}" type="datetimeFigureOut">
               <a:rPr lang="en-US" smtClean="0"/>
-              <a:t>8/17/25</a:t>
+              <a:t>12/3/25</a:t>
             </a:fld>
             <a:endParaRPr lang="en-US"/>
           </a:p>
@@ -4701,7 +6239,7 @@
           <a:p>
             <a:fld id="{BAA8DE05-51EE-4692-B197-877FA1DAAAED}" type="datetimeFigureOut">
               <a:rPr lang="en-US" smtClean="0"/>
-              <a:t>8/17/25</a:t>
+              <a:t>12/3/25</a:t>
             </a:fld>
             <a:endParaRPr lang="en-US"/>
           </a:p>
@@ -4966,7 +6504,7 @@
           <a:p>
             <a:fld id="{BAA8DE05-51EE-4692-B197-877FA1DAAAED}" type="datetimeFigureOut">
               <a:rPr lang="en-US" smtClean="0"/>
-              <a:t>8/17/25</a:t>
+              <a:t>12/3/25</a:t>
             </a:fld>
             <a:endParaRPr lang="en-US"/>
           </a:p>
@@ -5378,7 +6916,7 @@
           <a:p>
             <a:fld id="{BAA8DE05-51EE-4692-B197-877FA1DAAAED}" type="datetimeFigureOut">
               <a:rPr lang="en-US" smtClean="0"/>
-              <a:t>8/17/25</a:t>
+              <a:t>12/3/25</a:t>
             </a:fld>
             <a:endParaRPr lang="en-US"/>
           </a:p>
@@ -5519,7 +7057,7 @@
           <a:p>
             <a:fld id="{BAA8DE05-51EE-4692-B197-877FA1DAAAED}" type="datetimeFigureOut">
               <a:rPr lang="en-US" smtClean="0"/>
-              <a:t>8/17/25</a:t>
+              <a:t>12/3/25</a:t>
             </a:fld>
             <a:endParaRPr lang="en-US"/>
           </a:p>
@@ -5632,7 +7170,7 @@
           <a:p>
             <a:fld id="{BAA8DE05-51EE-4692-B197-877FA1DAAAED}" type="datetimeFigureOut">
               <a:rPr lang="en-US" smtClean="0"/>
-              <a:t>8/17/25</a:t>
+              <a:t>12/3/25</a:t>
             </a:fld>
             <a:endParaRPr lang="en-US"/>
           </a:p>
@@ -5943,7 +7481,7 @@
           <a:p>
             <a:fld id="{BAA8DE05-51EE-4692-B197-877FA1DAAAED}" type="datetimeFigureOut">
               <a:rPr lang="en-US" smtClean="0"/>
-              <a:t>8/17/25</a:t>
+              <a:t>12/3/25</a:t>
             </a:fld>
             <a:endParaRPr lang="en-US"/>
           </a:p>
@@ -6231,7 +7769,7 @@
           <a:p>
             <a:fld id="{BAA8DE05-51EE-4692-B197-877FA1DAAAED}" type="datetimeFigureOut">
               <a:rPr lang="en-US" smtClean="0"/>
-              <a:t>8/17/25</a:t>
+              <a:t>12/3/25</a:t>
             </a:fld>
             <a:endParaRPr lang="en-US"/>
           </a:p>
@@ -6472,7 +8010,7 @@
           <a:p>
             <a:fld id="{BAA8DE05-51EE-4692-B197-877FA1DAAAED}" type="datetimeFigureOut">
               <a:rPr lang="en-US" smtClean="0"/>
-              <a:t>8/17/25</a:t>
+              <a:t>12/3/25</a:t>
             </a:fld>
             <a:endParaRPr lang="en-US"/>
           </a:p>
@@ -7011,7 +8549,7 @@
           <a:p>
             <a:r>
               <a:rPr lang="en-US" sz="1800" b="1"/>
-              <a:t>Revision</a:t>
+              <a:t>Chapter 9 – Collections and Generics</a:t>
             </a:r>
           </a:p>
         </p:txBody>
@@ -7440,7 +8978,7 @@
           <a:p>
             <a:r>
               <a:rPr lang="en-US" sz="1800" b="1"/>
-              <a:t>Revision</a:t>
+              <a:t>Chapter 9 – Collections and Generics</a:t>
             </a:r>
           </a:p>
         </p:txBody>
@@ -7845,7 +9383,7 @@
           <a:p>
             <a:r>
               <a:rPr lang="en-US" sz="1800" b="1"/>
-              <a:t>Revision</a:t>
+              <a:t>Chapter 9 – Collections and Generics</a:t>
             </a:r>
           </a:p>
         </p:txBody>
@@ -8223,7 +9761,7 @@
           <a:p>
             <a:r>
               <a:rPr lang="en-US" sz="1800" b="1"/>
-              <a:t>Revision</a:t>
+              <a:t>Chapter 9 – Collections and Generics</a:t>
             </a:r>
           </a:p>
         </p:txBody>
@@ -8534,6 +10072,15 @@
                 <a:sym typeface="Wingdings" pitchFamily="2" charset="2"/>
               </a:rPr>
               <a:t>- We can imagine "stack" as a ...</a:t>
+            </a:r>
+          </a:p>
+          <a:p>
+            <a:pPr algn="l"/>
+            <a:r>
+              <a:rPr lang="en-US" sz="1800">
+                <a:sym typeface="Wingdings" pitchFamily="2" charset="2"/>
+              </a:rPr>
+              <a:t>- An implementation of Stack is ...</a:t>
             </a:r>
           </a:p>
         </p:txBody>
@@ -8604,7 +10151,7 @@
           <a:p>
             <a:r>
               <a:rPr lang="en-US" sz="1800" b="1"/>
-              <a:t>Revision</a:t>
+              <a:t>Chapter 9 – Collections and Generics</a:t>
             </a:r>
           </a:p>
         </p:txBody>
@@ -8982,7 +10529,7 @@
           <a:p>
             <a:r>
               <a:rPr lang="en-US" sz="1800" b="1"/>
-              <a:t>Revision</a:t>
+              <a:t>Chapter 9 – Collections and Generics</a:t>
             </a:r>
           </a:p>
         </p:txBody>
@@ -9387,7 +10934,7 @@
           <a:p>
             <a:r>
               <a:rPr lang="en-US" sz="1800" b="1"/>
-              <a:t>Revision</a:t>
+              <a:t>Chapter 9 – Collections and Generics</a:t>
             </a:r>
           </a:p>
         </p:txBody>
@@ -9765,7 +11312,7 @@
           <a:p>
             <a:r>
               <a:rPr lang="en-US" sz="1800" b="1"/>
-              <a:t>Revision</a:t>
+              <a:t>Chapter 9 – Collections and Generics</a:t>
             </a:r>
           </a:p>
         </p:txBody>
@@ -10152,7 +11699,7 @@
           <a:p>
             <a:r>
               <a:rPr lang="en-US" sz="1800" b="1"/>
-              <a:t>Revision</a:t>
+              <a:t>Chapter 9 – Collections and Generics</a:t>
             </a:r>
           </a:p>
         </p:txBody>
@@ -10441,7 +11988,7 @@
               <a:rPr lang="en-US" sz="1800">
                 <a:sym typeface="Wingdings" pitchFamily="2" charset="2"/>
               </a:rPr>
-              <a:t>- ... even shorter ... </a:t>
+              <a:t>- Another way to do is ...</a:t>
             </a:r>
           </a:p>
           <a:p>
@@ -10563,7 +12110,7 @@
           <a:p>
             <a:r>
               <a:rPr lang="en-US" sz="1800" b="1"/>
-              <a:t>Revision</a:t>
+              <a:t>Chapter 9 – Collections and Generics</a:t>
             </a:r>
           </a:p>
         </p:txBody>
@@ -10944,7 +12491,7 @@
           <a:p>
             <a:r>
               <a:rPr lang="en-US" sz="1800" b="1"/>
-              <a:t>Revision</a:t>
+              <a:t>Chapter 9 – Collections and Generics</a:t>
             </a:r>
           </a:p>
         </p:txBody>
@@ -11230,7 +12777,7 @@
               <a:rPr lang="en-US" sz="1800">
                 <a:sym typeface="Wingdings" pitchFamily="2" charset="2"/>
               </a:rPr>
-              <a:t>- Map doesnt implement Collections because ... It requires special ... </a:t>
+              <a:t>- Map doesnt implement Collection ... because ... It requires special ... </a:t>
             </a:r>
           </a:p>
           <a:p>
@@ -11729,7 +13276,7 @@
           <a:p>
             <a:r>
               <a:rPr lang="en-US" sz="1800" b="1"/>
-              <a:t>Revision</a:t>
+              <a:t>Chapter 9 – Collections and Generics</a:t>
             </a:r>
           </a:p>
         </p:txBody>
@@ -12254,7 +13801,7 @@
           <a:p>
             <a:r>
               <a:rPr lang="en-US" sz="1800" b="1"/>
-              <a:t>Revision</a:t>
+              <a:t>Chapter 9 – Collections and Generics</a:t>
             </a:r>
           </a:p>
         </p:txBody>
@@ -12953,7 +14500,7 @@
           <a:p>
             <a:r>
               <a:rPr lang="en-US" sz="1800" b="1"/>
-              <a:t>Revision</a:t>
+              <a:t>Chapter 9 – Collections and Generics</a:t>
             </a:r>
           </a:p>
         </p:txBody>
@@ -13803,6 +15350,3351 @@
 </p:sld>
 </file>
 
+<file path=ppt/slides/slide23.xml><?xml version="1.0" encoding="utf-8"?>
+<p:sld xmlns:a="http://schemas.openxmlformats.org/drawingml/2006/main" xmlns:r="http://schemas.openxmlformats.org/officeDocument/2006/relationships" xmlns:p="http://schemas.openxmlformats.org/presentationml/2006/main">
+  <p:cSld>
+    <p:spTree>
+      <p:nvGrpSpPr>
+        <p:cNvPr id="1" name="">
+          <a:extLst>
+            <a:ext uri="{FF2B5EF4-FFF2-40B4-BE49-F238E27FC236}">
+              <a16:creationId xmlns:a16="http://schemas.microsoft.com/office/drawing/2014/main" id="{E0738BBE-4680-56C0-0C0E-AD690F4CC97C}"/>
+            </a:ext>
+          </a:extLst>
+        </p:cNvPr>
+        <p:cNvGrpSpPr/>
+        <p:nvPr/>
+      </p:nvGrpSpPr>
+      <p:grpSpPr>
+        <a:xfrm>
+          <a:off x="0" y="0"/>
+          <a:ext cx="0" cy="0"/>
+          <a:chOff x="0" y="0"/>
+          <a:chExt cx="0" cy="0"/>
+        </a:xfrm>
+      </p:grpSpPr>
+      <p:sp>
+        <p:nvSpPr>
+          <p:cNvPr id="3" name="Subtitle 2">
+            <a:extLst>
+              <a:ext uri="{FF2B5EF4-FFF2-40B4-BE49-F238E27FC236}">
+                <a16:creationId xmlns:a16="http://schemas.microsoft.com/office/drawing/2014/main" id="{4CD7257F-3F34-14F7-8094-44C70A65FEF8}"/>
+              </a:ext>
+            </a:extLst>
+          </p:cNvPr>
+          <p:cNvSpPr>
+            <a:spLocks noGrp="1"/>
+          </p:cNvSpPr>
+          <p:nvPr>
+            <p:ph type="subTitle" idx="1"/>
+          </p:nvPr>
+        </p:nvSpPr>
+        <p:spPr>
+          <a:xfrm>
+            <a:off x="152399" y="217488"/>
+            <a:ext cx="11223171" cy="303212"/>
+          </a:xfrm>
+        </p:spPr>
+        <p:txBody>
+          <a:bodyPr>
+            <a:normAutofit fontScale="92500" lnSpcReduction="20000"/>
+          </a:bodyPr>
+          <a:lstStyle/>
+          <a:p>
+            <a:r>
+              <a:rPr lang="en-US" sz="1800" b="1"/>
+              <a:t>Chapter 9 – Collections and Generics</a:t>
+            </a:r>
+          </a:p>
+        </p:txBody>
+      </p:sp>
+      <p:sp>
+        <p:nvSpPr>
+          <p:cNvPr id="4" name="Subtitle 2">
+            <a:extLst>
+              <a:ext uri="{FF2B5EF4-FFF2-40B4-BE49-F238E27FC236}">
+                <a16:creationId xmlns:a16="http://schemas.microsoft.com/office/drawing/2014/main" id="{01E8B055-A997-38DC-0797-26DE4C1B819F}"/>
+              </a:ext>
+            </a:extLst>
+          </p:cNvPr>
+          <p:cNvSpPr txBox="1">
+            <a:spLocks/>
+          </p:cNvSpPr>
+          <p:nvPr/>
+        </p:nvSpPr>
+        <p:spPr>
+          <a:xfrm>
+            <a:off x="0" y="820738"/>
+            <a:ext cx="12192000" cy="6037262"/>
+          </a:xfrm>
+          <a:prstGeom prst="rect">
+            <a:avLst/>
+          </a:prstGeom>
+        </p:spPr>
+        <p:txBody>
+          <a:bodyPr vert="horz" lIns="91440" tIns="45720" rIns="91440" bIns="45720" rtlCol="0">
+            <a:normAutofit/>
+          </a:bodyPr>
+          <a:lstStyle>
+            <a:lvl1pPr marL="0" indent="0" algn="ctr" defTabSz="914400" rtl="0" eaLnBrk="1" latinLnBrk="0" hangingPunct="1">
+              <a:lnSpc>
+                <a:spcPct val="90000"/>
+              </a:lnSpc>
+              <a:spcBef>
+                <a:spcPts val="1000"/>
+              </a:spcBef>
+              <a:buFont typeface="Arial" panose="020B0604020202020204" pitchFamily="34" charset="0"/>
+              <a:buNone/>
+              <a:defRPr sz="2400" kern="1200">
+                <a:solidFill>
+                  <a:schemeClr val="tx1"/>
+                </a:solidFill>
+                <a:latin typeface="+mn-lt"/>
+                <a:ea typeface="+mn-ea"/>
+                <a:cs typeface="+mn-cs"/>
+              </a:defRPr>
+            </a:lvl1pPr>
+            <a:lvl2pPr marL="457200" indent="0" algn="ctr" defTabSz="914400" rtl="0" eaLnBrk="1" latinLnBrk="0" hangingPunct="1">
+              <a:lnSpc>
+                <a:spcPct val="90000"/>
+              </a:lnSpc>
+              <a:spcBef>
+                <a:spcPts val="500"/>
+              </a:spcBef>
+              <a:buFont typeface="Arial" panose="020B0604020202020204" pitchFamily="34" charset="0"/>
+              <a:buNone/>
+              <a:defRPr sz="2000" kern="1200">
+                <a:solidFill>
+                  <a:schemeClr val="tx1"/>
+                </a:solidFill>
+                <a:latin typeface="+mn-lt"/>
+                <a:ea typeface="+mn-ea"/>
+                <a:cs typeface="+mn-cs"/>
+              </a:defRPr>
+            </a:lvl2pPr>
+            <a:lvl3pPr marL="914400" indent="0" algn="ctr" defTabSz="914400" rtl="0" eaLnBrk="1" latinLnBrk="0" hangingPunct="1">
+              <a:lnSpc>
+                <a:spcPct val="90000"/>
+              </a:lnSpc>
+              <a:spcBef>
+                <a:spcPts val="500"/>
+              </a:spcBef>
+              <a:buFont typeface="Arial" panose="020B0604020202020204" pitchFamily="34" charset="0"/>
+              <a:buNone/>
+              <a:defRPr sz="1800" kern="1200">
+                <a:solidFill>
+                  <a:schemeClr val="tx1"/>
+                </a:solidFill>
+                <a:latin typeface="+mn-lt"/>
+                <a:ea typeface="+mn-ea"/>
+                <a:cs typeface="+mn-cs"/>
+              </a:defRPr>
+            </a:lvl3pPr>
+            <a:lvl4pPr marL="1371600" indent="0" algn="ctr" defTabSz="914400" rtl="0" eaLnBrk="1" latinLnBrk="0" hangingPunct="1">
+              <a:lnSpc>
+                <a:spcPct val="90000"/>
+              </a:lnSpc>
+              <a:spcBef>
+                <a:spcPts val="500"/>
+              </a:spcBef>
+              <a:buFont typeface="Arial" panose="020B0604020202020204" pitchFamily="34" charset="0"/>
+              <a:buNone/>
+              <a:defRPr sz="1600" kern="1200">
+                <a:solidFill>
+                  <a:schemeClr val="tx1"/>
+                </a:solidFill>
+                <a:latin typeface="+mn-lt"/>
+                <a:ea typeface="+mn-ea"/>
+                <a:cs typeface="+mn-cs"/>
+              </a:defRPr>
+            </a:lvl4pPr>
+            <a:lvl5pPr marL="1828800" indent="0" algn="ctr" defTabSz="914400" rtl="0" eaLnBrk="1" latinLnBrk="0" hangingPunct="1">
+              <a:lnSpc>
+                <a:spcPct val="90000"/>
+              </a:lnSpc>
+              <a:spcBef>
+                <a:spcPts val="500"/>
+              </a:spcBef>
+              <a:buFont typeface="Arial" panose="020B0604020202020204" pitchFamily="34" charset="0"/>
+              <a:buNone/>
+              <a:defRPr sz="1600" kern="1200">
+                <a:solidFill>
+                  <a:schemeClr val="tx1"/>
+                </a:solidFill>
+                <a:latin typeface="+mn-lt"/>
+                <a:ea typeface="+mn-ea"/>
+                <a:cs typeface="+mn-cs"/>
+              </a:defRPr>
+            </a:lvl5pPr>
+            <a:lvl6pPr marL="2286000" indent="0" algn="ctr" defTabSz="914400" rtl="0" eaLnBrk="1" latinLnBrk="0" hangingPunct="1">
+              <a:lnSpc>
+                <a:spcPct val="90000"/>
+              </a:lnSpc>
+              <a:spcBef>
+                <a:spcPts val="500"/>
+              </a:spcBef>
+              <a:buFont typeface="Arial" panose="020B0604020202020204" pitchFamily="34" charset="0"/>
+              <a:buNone/>
+              <a:defRPr sz="1600" kern="1200">
+                <a:solidFill>
+                  <a:schemeClr val="tx1"/>
+                </a:solidFill>
+                <a:latin typeface="+mn-lt"/>
+                <a:ea typeface="+mn-ea"/>
+                <a:cs typeface="+mn-cs"/>
+              </a:defRPr>
+            </a:lvl6pPr>
+            <a:lvl7pPr marL="2743200" indent="0" algn="ctr" defTabSz="914400" rtl="0" eaLnBrk="1" latinLnBrk="0" hangingPunct="1">
+              <a:lnSpc>
+                <a:spcPct val="90000"/>
+              </a:lnSpc>
+              <a:spcBef>
+                <a:spcPts val="500"/>
+              </a:spcBef>
+              <a:buFont typeface="Arial" panose="020B0604020202020204" pitchFamily="34" charset="0"/>
+              <a:buNone/>
+              <a:defRPr sz="1600" kern="1200">
+                <a:solidFill>
+                  <a:schemeClr val="tx1"/>
+                </a:solidFill>
+                <a:latin typeface="+mn-lt"/>
+                <a:ea typeface="+mn-ea"/>
+                <a:cs typeface="+mn-cs"/>
+              </a:defRPr>
+            </a:lvl7pPr>
+            <a:lvl8pPr marL="3200400" indent="0" algn="ctr" defTabSz="914400" rtl="0" eaLnBrk="1" latinLnBrk="0" hangingPunct="1">
+              <a:lnSpc>
+                <a:spcPct val="90000"/>
+              </a:lnSpc>
+              <a:spcBef>
+                <a:spcPts val="500"/>
+              </a:spcBef>
+              <a:buFont typeface="Arial" panose="020B0604020202020204" pitchFamily="34" charset="0"/>
+              <a:buNone/>
+              <a:defRPr sz="1600" kern="1200">
+                <a:solidFill>
+                  <a:schemeClr val="tx1"/>
+                </a:solidFill>
+                <a:latin typeface="+mn-lt"/>
+                <a:ea typeface="+mn-ea"/>
+                <a:cs typeface="+mn-cs"/>
+              </a:defRPr>
+            </a:lvl8pPr>
+            <a:lvl9pPr marL="3657600" indent="0" algn="ctr" defTabSz="914400" rtl="0" eaLnBrk="1" latinLnBrk="0" hangingPunct="1">
+              <a:lnSpc>
+                <a:spcPct val="90000"/>
+              </a:lnSpc>
+              <a:spcBef>
+                <a:spcPts val="500"/>
+              </a:spcBef>
+              <a:buFont typeface="Arial" panose="020B0604020202020204" pitchFamily="34" charset="0"/>
+              <a:buNone/>
+              <a:defRPr sz="1600" kern="1200">
+                <a:solidFill>
+                  <a:schemeClr val="tx1"/>
+                </a:solidFill>
+                <a:latin typeface="+mn-lt"/>
+                <a:ea typeface="+mn-ea"/>
+                <a:cs typeface="+mn-cs"/>
+              </a:defRPr>
+            </a:lvl9pPr>
+          </a:lstStyle>
+          <a:p>
+            <a:pPr algn="l"/>
+            <a:r>
+              <a:rPr lang="en-US" sz="1800" b="1">
+                <a:sym typeface="Wingdings" pitchFamily="2" charset="2"/>
+              </a:rPr>
+              <a:t>Sorting Data</a:t>
+            </a:r>
+          </a:p>
+          <a:p>
+            <a:pPr algn="l"/>
+            <a:r>
+              <a:rPr lang="en-US" sz="1800">
+                <a:sym typeface="Wingdings" pitchFamily="2" charset="2"/>
+              </a:rPr>
+              <a:t>- In ... and Tree..., order is .... For ..., the ... is ..., and for ..., the ... is...</a:t>
+            </a:r>
+          </a:p>
+          <a:p>
+            <a:pPr algn="l"/>
+            <a:r>
+              <a:rPr lang="en-US" sz="1800">
+                <a:sym typeface="Wingdings" pitchFamily="2" charset="2"/>
+              </a:rPr>
+              <a:t>– We use ... to ... the .... This method return ... because the ... ed.. is ...</a:t>
+            </a:r>
+          </a:p>
+          <a:p>
+            <a:pPr algn="l"/>
+            <a:r>
+              <a:rPr lang="en-US" sz="1800">
+                <a:sym typeface="Wingdings" pitchFamily="2" charset="2"/>
+              </a:rPr>
+              <a:t>- We also can ... object that we ... by using ... called ...</a:t>
+            </a:r>
+          </a:p>
+          <a:p>
+            <a:pPr algn="l"/>
+            <a:r>
+              <a:rPr lang="en-US" sz="1800">
+                <a:sym typeface="Wingdings" pitchFamily="2" charset="2"/>
+              </a:rPr>
+              <a:t>- If our class implements ..., we can use some data ... that requires ... between objects</a:t>
+            </a:r>
+          </a:p>
+          <a:p>
+            <a:pPr algn="l"/>
+            <a:r>
+              <a:rPr lang="en-US" sz="1800">
+                <a:sym typeface="Wingdings" pitchFamily="2" charset="2"/>
+              </a:rPr>
+              <a:t>- Other than ..., we can have ... class, which is used for ...</a:t>
+            </a:r>
+          </a:p>
+          <a:p>
+            <a:pPr algn="l"/>
+            <a:r>
+              <a:rPr lang="en-US" sz="1800">
+                <a:sym typeface="Wingdings" pitchFamily="2" charset="2"/>
+              </a:rPr>
+              <a:t>- ... is easily mistaken with ... class</a:t>
+            </a:r>
+          </a:p>
+          <a:p>
+            <a:pPr algn="l"/>
+            <a:endParaRPr lang="en-US" sz="1800">
+              <a:sym typeface="Wingdings" pitchFamily="2" charset="2"/>
+            </a:endParaRPr>
+          </a:p>
+          <a:p>
+            <a:pPr algn="l"/>
+            <a:r>
+              <a:rPr lang="en-US" sz="1800" b="1">
+                <a:sym typeface="Wingdings" pitchFamily="2" charset="2"/>
+              </a:rPr>
+              <a:t>Creating a Comparable Class</a:t>
+            </a:r>
+          </a:p>
+          <a:p>
+            <a:pPr algn="l"/>
+            <a:endParaRPr lang="en-US" sz="1800">
+              <a:sym typeface="Wingdings" pitchFamily="2" charset="2"/>
+            </a:endParaRPr>
+          </a:p>
+          <a:p>
+            <a:pPr algn="l"/>
+            <a:endParaRPr lang="en-US" sz="1800">
+              <a:sym typeface="Wingdings" pitchFamily="2" charset="2"/>
+            </a:endParaRPr>
+          </a:p>
+          <a:p>
+            <a:pPr algn="l"/>
+            <a:endParaRPr lang="en-US" sz="1800">
+              <a:sym typeface="Wingdings" pitchFamily="2" charset="2"/>
+            </a:endParaRPr>
+          </a:p>
+          <a:p>
+            <a:pPr algn="l"/>
+            <a:endParaRPr lang="en-US" sz="1800">
+              <a:sym typeface="Wingdings" pitchFamily="2" charset="2"/>
+            </a:endParaRPr>
+          </a:p>
+          <a:p>
+            <a:pPr algn="l"/>
+            <a:r>
+              <a:rPr lang="en-US" sz="1800">
+                <a:sym typeface="Wingdings" pitchFamily="2" charset="2"/>
+              </a:rPr>
+              <a:t>- The ... T allows us to ... the method and specify ... We don't need to ... when using ... since all ... is ...</a:t>
+            </a:r>
+          </a:p>
+          <a:p>
+            <a:pPr algn="l"/>
+            <a:endParaRPr lang="en-US" sz="1800" b="1">
+              <a:sym typeface="Wingdings" pitchFamily="2" charset="2"/>
+            </a:endParaRPr>
+          </a:p>
+        </p:txBody>
+      </p:sp>
+      <p:pic>
+        <p:nvPicPr>
+          <p:cNvPr id="2" name="Picture 1">
+            <a:extLst>
+              <a:ext uri="{FF2B5EF4-FFF2-40B4-BE49-F238E27FC236}">
+                <a16:creationId xmlns:a16="http://schemas.microsoft.com/office/drawing/2014/main" id="{97E887B1-5598-D084-8CE6-00EEF3D634E8}"/>
+              </a:ext>
+            </a:extLst>
+          </p:cNvPr>
+          <p:cNvPicPr>
+            <a:picLocks noChangeAspect="1"/>
+          </p:cNvPicPr>
+          <p:nvPr/>
+        </p:nvPicPr>
+        <p:blipFill>
+          <a:blip r:embed="rId3"/>
+          <a:stretch>
+            <a:fillRect/>
+          </a:stretch>
+        </p:blipFill>
+        <p:spPr>
+          <a:xfrm>
+            <a:off x="4121150" y="4225693"/>
+            <a:ext cx="3949700" cy="1016000"/>
+          </a:xfrm>
+          <a:prstGeom prst="rect">
+            <a:avLst/>
+          </a:prstGeom>
+        </p:spPr>
+      </p:pic>
+    </p:spTree>
+    <p:extLst>
+      <p:ext uri="{BB962C8B-B14F-4D97-AF65-F5344CB8AC3E}">
+        <p14:creationId xmlns:p14="http://schemas.microsoft.com/office/powerpoint/2010/main" val="3464663368"/>
+      </p:ext>
+    </p:extLst>
+  </p:cSld>
+  <p:clrMapOvr>
+    <a:masterClrMapping/>
+  </p:clrMapOvr>
+</p:sld>
+</file>
+
+<file path=ppt/slides/slide24.xml><?xml version="1.0" encoding="utf-8"?>
+<p:sld xmlns:a="http://schemas.openxmlformats.org/drawingml/2006/main" xmlns:r="http://schemas.openxmlformats.org/officeDocument/2006/relationships" xmlns:p="http://schemas.openxmlformats.org/presentationml/2006/main">
+  <p:cSld>
+    <p:spTree>
+      <p:nvGrpSpPr>
+        <p:cNvPr id="1" name="">
+          <a:extLst>
+            <a:ext uri="{FF2B5EF4-FFF2-40B4-BE49-F238E27FC236}">
+              <a16:creationId xmlns:a16="http://schemas.microsoft.com/office/drawing/2014/main" id="{CF29D01A-0E01-81CA-2BDA-338E83DE1D1E}"/>
+            </a:ext>
+          </a:extLst>
+        </p:cNvPr>
+        <p:cNvGrpSpPr/>
+        <p:nvPr/>
+      </p:nvGrpSpPr>
+      <p:grpSpPr>
+        <a:xfrm>
+          <a:off x="0" y="0"/>
+          <a:ext cx="0" cy="0"/>
+          <a:chOff x="0" y="0"/>
+          <a:chExt cx="0" cy="0"/>
+        </a:xfrm>
+      </p:grpSpPr>
+      <p:sp>
+        <p:nvSpPr>
+          <p:cNvPr id="3" name="Subtitle 2">
+            <a:extLst>
+              <a:ext uri="{FF2B5EF4-FFF2-40B4-BE49-F238E27FC236}">
+                <a16:creationId xmlns:a16="http://schemas.microsoft.com/office/drawing/2014/main" id="{812DE3EE-0293-B99C-B7B0-66A10B835950}"/>
+              </a:ext>
+            </a:extLst>
+          </p:cNvPr>
+          <p:cNvSpPr>
+            <a:spLocks noGrp="1"/>
+          </p:cNvSpPr>
+          <p:nvPr>
+            <p:ph type="subTitle" idx="1"/>
+          </p:nvPr>
+        </p:nvSpPr>
+        <p:spPr>
+          <a:xfrm>
+            <a:off x="152399" y="217488"/>
+            <a:ext cx="11223171" cy="303212"/>
+          </a:xfrm>
+        </p:spPr>
+        <p:txBody>
+          <a:bodyPr>
+            <a:normAutofit fontScale="92500" lnSpcReduction="20000"/>
+          </a:bodyPr>
+          <a:lstStyle/>
+          <a:p>
+            <a:r>
+              <a:rPr lang="en-US" sz="1800" b="1"/>
+              <a:t>Chapter 9 – Collections and Generics</a:t>
+            </a:r>
+          </a:p>
+        </p:txBody>
+      </p:sp>
+      <p:sp>
+        <p:nvSpPr>
+          <p:cNvPr id="4" name="Subtitle 2">
+            <a:extLst>
+              <a:ext uri="{FF2B5EF4-FFF2-40B4-BE49-F238E27FC236}">
+                <a16:creationId xmlns:a16="http://schemas.microsoft.com/office/drawing/2014/main" id="{46FBB243-A17F-2FB8-32DD-FDE2EE71DA2C}"/>
+              </a:ext>
+            </a:extLst>
+          </p:cNvPr>
+          <p:cNvSpPr txBox="1">
+            <a:spLocks/>
+          </p:cNvSpPr>
+          <p:nvPr/>
+        </p:nvSpPr>
+        <p:spPr>
+          <a:xfrm>
+            <a:off x="0" y="820738"/>
+            <a:ext cx="12192000" cy="6037262"/>
+          </a:xfrm>
+          <a:prstGeom prst="rect">
+            <a:avLst/>
+          </a:prstGeom>
+        </p:spPr>
+        <p:txBody>
+          <a:bodyPr vert="horz" lIns="91440" tIns="45720" rIns="91440" bIns="45720" rtlCol="0">
+            <a:normAutofit/>
+          </a:bodyPr>
+          <a:lstStyle>
+            <a:lvl1pPr marL="0" indent="0" algn="ctr" defTabSz="914400" rtl="0" eaLnBrk="1" latinLnBrk="0" hangingPunct="1">
+              <a:lnSpc>
+                <a:spcPct val="90000"/>
+              </a:lnSpc>
+              <a:spcBef>
+                <a:spcPts val="1000"/>
+              </a:spcBef>
+              <a:buFont typeface="Arial" panose="020B0604020202020204" pitchFamily="34" charset="0"/>
+              <a:buNone/>
+              <a:defRPr sz="2400" kern="1200">
+                <a:solidFill>
+                  <a:schemeClr val="tx1"/>
+                </a:solidFill>
+                <a:latin typeface="+mn-lt"/>
+                <a:ea typeface="+mn-ea"/>
+                <a:cs typeface="+mn-cs"/>
+              </a:defRPr>
+            </a:lvl1pPr>
+            <a:lvl2pPr marL="457200" indent="0" algn="ctr" defTabSz="914400" rtl="0" eaLnBrk="1" latinLnBrk="0" hangingPunct="1">
+              <a:lnSpc>
+                <a:spcPct val="90000"/>
+              </a:lnSpc>
+              <a:spcBef>
+                <a:spcPts val="500"/>
+              </a:spcBef>
+              <a:buFont typeface="Arial" panose="020B0604020202020204" pitchFamily="34" charset="0"/>
+              <a:buNone/>
+              <a:defRPr sz="2000" kern="1200">
+                <a:solidFill>
+                  <a:schemeClr val="tx1"/>
+                </a:solidFill>
+                <a:latin typeface="+mn-lt"/>
+                <a:ea typeface="+mn-ea"/>
+                <a:cs typeface="+mn-cs"/>
+              </a:defRPr>
+            </a:lvl2pPr>
+            <a:lvl3pPr marL="914400" indent="0" algn="ctr" defTabSz="914400" rtl="0" eaLnBrk="1" latinLnBrk="0" hangingPunct="1">
+              <a:lnSpc>
+                <a:spcPct val="90000"/>
+              </a:lnSpc>
+              <a:spcBef>
+                <a:spcPts val="500"/>
+              </a:spcBef>
+              <a:buFont typeface="Arial" panose="020B0604020202020204" pitchFamily="34" charset="0"/>
+              <a:buNone/>
+              <a:defRPr sz="1800" kern="1200">
+                <a:solidFill>
+                  <a:schemeClr val="tx1"/>
+                </a:solidFill>
+                <a:latin typeface="+mn-lt"/>
+                <a:ea typeface="+mn-ea"/>
+                <a:cs typeface="+mn-cs"/>
+              </a:defRPr>
+            </a:lvl3pPr>
+            <a:lvl4pPr marL="1371600" indent="0" algn="ctr" defTabSz="914400" rtl="0" eaLnBrk="1" latinLnBrk="0" hangingPunct="1">
+              <a:lnSpc>
+                <a:spcPct val="90000"/>
+              </a:lnSpc>
+              <a:spcBef>
+                <a:spcPts val="500"/>
+              </a:spcBef>
+              <a:buFont typeface="Arial" panose="020B0604020202020204" pitchFamily="34" charset="0"/>
+              <a:buNone/>
+              <a:defRPr sz="1600" kern="1200">
+                <a:solidFill>
+                  <a:schemeClr val="tx1"/>
+                </a:solidFill>
+                <a:latin typeface="+mn-lt"/>
+                <a:ea typeface="+mn-ea"/>
+                <a:cs typeface="+mn-cs"/>
+              </a:defRPr>
+            </a:lvl4pPr>
+            <a:lvl5pPr marL="1828800" indent="0" algn="ctr" defTabSz="914400" rtl="0" eaLnBrk="1" latinLnBrk="0" hangingPunct="1">
+              <a:lnSpc>
+                <a:spcPct val="90000"/>
+              </a:lnSpc>
+              <a:spcBef>
+                <a:spcPts val="500"/>
+              </a:spcBef>
+              <a:buFont typeface="Arial" panose="020B0604020202020204" pitchFamily="34" charset="0"/>
+              <a:buNone/>
+              <a:defRPr sz="1600" kern="1200">
+                <a:solidFill>
+                  <a:schemeClr val="tx1"/>
+                </a:solidFill>
+                <a:latin typeface="+mn-lt"/>
+                <a:ea typeface="+mn-ea"/>
+                <a:cs typeface="+mn-cs"/>
+              </a:defRPr>
+            </a:lvl5pPr>
+            <a:lvl6pPr marL="2286000" indent="0" algn="ctr" defTabSz="914400" rtl="0" eaLnBrk="1" latinLnBrk="0" hangingPunct="1">
+              <a:lnSpc>
+                <a:spcPct val="90000"/>
+              </a:lnSpc>
+              <a:spcBef>
+                <a:spcPts val="500"/>
+              </a:spcBef>
+              <a:buFont typeface="Arial" panose="020B0604020202020204" pitchFamily="34" charset="0"/>
+              <a:buNone/>
+              <a:defRPr sz="1600" kern="1200">
+                <a:solidFill>
+                  <a:schemeClr val="tx1"/>
+                </a:solidFill>
+                <a:latin typeface="+mn-lt"/>
+                <a:ea typeface="+mn-ea"/>
+                <a:cs typeface="+mn-cs"/>
+              </a:defRPr>
+            </a:lvl6pPr>
+            <a:lvl7pPr marL="2743200" indent="0" algn="ctr" defTabSz="914400" rtl="0" eaLnBrk="1" latinLnBrk="0" hangingPunct="1">
+              <a:lnSpc>
+                <a:spcPct val="90000"/>
+              </a:lnSpc>
+              <a:spcBef>
+                <a:spcPts val="500"/>
+              </a:spcBef>
+              <a:buFont typeface="Arial" panose="020B0604020202020204" pitchFamily="34" charset="0"/>
+              <a:buNone/>
+              <a:defRPr sz="1600" kern="1200">
+                <a:solidFill>
+                  <a:schemeClr val="tx1"/>
+                </a:solidFill>
+                <a:latin typeface="+mn-lt"/>
+                <a:ea typeface="+mn-ea"/>
+                <a:cs typeface="+mn-cs"/>
+              </a:defRPr>
+            </a:lvl7pPr>
+            <a:lvl8pPr marL="3200400" indent="0" algn="ctr" defTabSz="914400" rtl="0" eaLnBrk="1" latinLnBrk="0" hangingPunct="1">
+              <a:lnSpc>
+                <a:spcPct val="90000"/>
+              </a:lnSpc>
+              <a:spcBef>
+                <a:spcPts val="500"/>
+              </a:spcBef>
+              <a:buFont typeface="Arial" panose="020B0604020202020204" pitchFamily="34" charset="0"/>
+              <a:buNone/>
+              <a:defRPr sz="1600" kern="1200">
+                <a:solidFill>
+                  <a:schemeClr val="tx1"/>
+                </a:solidFill>
+                <a:latin typeface="+mn-lt"/>
+                <a:ea typeface="+mn-ea"/>
+                <a:cs typeface="+mn-cs"/>
+              </a:defRPr>
+            </a:lvl8pPr>
+            <a:lvl9pPr marL="3657600" indent="0" algn="ctr" defTabSz="914400" rtl="0" eaLnBrk="1" latinLnBrk="0" hangingPunct="1">
+              <a:lnSpc>
+                <a:spcPct val="90000"/>
+              </a:lnSpc>
+              <a:spcBef>
+                <a:spcPts val="500"/>
+              </a:spcBef>
+              <a:buFont typeface="Arial" panose="020B0604020202020204" pitchFamily="34" charset="0"/>
+              <a:buNone/>
+              <a:defRPr sz="1600" kern="1200">
+                <a:solidFill>
+                  <a:schemeClr val="tx1"/>
+                </a:solidFill>
+                <a:latin typeface="+mn-lt"/>
+                <a:ea typeface="+mn-ea"/>
+                <a:cs typeface="+mn-cs"/>
+              </a:defRPr>
+            </a:lvl9pPr>
+          </a:lstStyle>
+          <a:p>
+            <a:pPr algn="l"/>
+            <a:r>
+              <a:rPr lang="en-US" sz="1800">
+                <a:sym typeface="Wingdings" pitchFamily="2" charset="2"/>
+              </a:rPr>
+              <a:t>(code illustration snippet 34)</a:t>
+            </a:r>
+          </a:p>
+          <a:p>
+            <a:pPr algn="l"/>
+            <a:r>
+              <a:rPr lang="en-US" sz="1800">
+                <a:sym typeface="Wingdings" pitchFamily="2" charset="2"/>
+              </a:rPr>
+              <a:t>- Note: Why does the change on the order of ... will change the ... sort ?</a:t>
+            </a:r>
+          </a:p>
+          <a:p>
+            <a:pPr algn="l"/>
+            <a:r>
+              <a:rPr lang="en-US" sz="1800">
+                <a:sym typeface="Wingdings" pitchFamily="2" charset="2"/>
+              </a:rPr>
+              <a:t>This is because Java will always call ...&lt;?&gt;... and if we use the ... =&gt; Correct ...</a:t>
+            </a:r>
+          </a:p>
+          <a:p>
+            <a:pPr algn="l"/>
+            <a:r>
+              <a:rPr lang="en-US" sz="1800">
+                <a:sym typeface="Wingdings" pitchFamily="2" charset="2"/>
+              </a:rPr>
+              <a:t>But if we ..., and Java still call ...&lt;?&gt; =&gt; The order ...</a:t>
+            </a:r>
+          </a:p>
+          <a:p>
+            <a:pPr algn="l"/>
+            <a:r>
+              <a:rPr lang="en-US" sz="1800">
+                <a:sym typeface="Wingdings" pitchFamily="2" charset="2"/>
+              </a:rPr>
+              <a:t>- If the class didn't implement ... =&gt; It cant be ...</a:t>
+            </a:r>
+          </a:p>
+          <a:p>
+            <a:pPr algn="l"/>
+            <a:r>
+              <a:rPr lang="en-US" sz="1800">
+                <a:sym typeface="Wingdings" pitchFamily="2" charset="2"/>
+              </a:rPr>
+              <a:t>- Also, if we change the ... T ... =&gt; It will still ... but ... useful ...</a:t>
+            </a:r>
+          </a:p>
+          <a:p>
+            <a:pPr algn="l"/>
+            <a:r>
+              <a:rPr lang="en-US" sz="1800">
+                <a:sym typeface="Wingdings" pitchFamily="2" charset="2"/>
+              </a:rPr>
+              <a:t>- In the example, we implement our own ..., then ... call the ... implementation ... in ...</a:t>
+            </a:r>
+          </a:p>
+          <a:p>
+            <a:pPr algn="l"/>
+            <a:r>
+              <a:rPr lang="en-US" sz="1800">
+                <a:sym typeface="Wingdings" pitchFamily="2" charset="2"/>
+              </a:rPr>
+              <a:t>– These are rules of the ... method</a:t>
+            </a:r>
+          </a:p>
+          <a:p>
+            <a:pPr algn="l"/>
+            <a:r>
+              <a:rPr lang="en-US" sz="1800">
+                <a:sym typeface="Wingdings" pitchFamily="2" charset="2"/>
+              </a:rPr>
+              <a:t>+)</a:t>
+            </a:r>
+          </a:p>
+          <a:p>
+            <a:pPr algn="l"/>
+            <a:r>
+              <a:rPr lang="en-US" sz="1800">
+                <a:sym typeface="Wingdings" pitchFamily="2" charset="2"/>
+              </a:rPr>
+              <a:t>+)</a:t>
+            </a:r>
+          </a:p>
+          <a:p>
+            <a:pPr algn="l"/>
+            <a:r>
+              <a:rPr lang="en-US" sz="1800">
+                <a:sym typeface="Wingdings" pitchFamily="2" charset="2"/>
+              </a:rPr>
+              <a:t>+)</a:t>
+            </a:r>
+          </a:p>
+          <a:p>
+            <a:pPr algn="l"/>
+            <a:r>
+              <a:rPr lang="en-US" sz="1800">
+                <a:sym typeface="Wingdings" pitchFamily="2" charset="2"/>
+              </a:rPr>
+              <a:t>(code illustration snippet 35)</a:t>
+            </a:r>
+          </a:p>
+          <a:p>
+            <a:pPr algn="l"/>
+            <a:endParaRPr lang="en-US" sz="1800">
+              <a:sym typeface="Wingdings" pitchFamily="2" charset="2"/>
+            </a:endParaRPr>
+          </a:p>
+        </p:txBody>
+      </p:sp>
+    </p:spTree>
+    <p:extLst>
+      <p:ext uri="{BB962C8B-B14F-4D97-AF65-F5344CB8AC3E}">
+        <p14:creationId xmlns:p14="http://schemas.microsoft.com/office/powerpoint/2010/main" val="227150177"/>
+      </p:ext>
+    </p:extLst>
+  </p:cSld>
+  <p:clrMapOvr>
+    <a:masterClrMapping/>
+  </p:clrMapOvr>
+</p:sld>
+</file>
+
+<file path=ppt/slides/slide25.xml><?xml version="1.0" encoding="utf-8"?>
+<p:sld xmlns:a="http://schemas.openxmlformats.org/drawingml/2006/main" xmlns:r="http://schemas.openxmlformats.org/officeDocument/2006/relationships" xmlns:p="http://schemas.openxmlformats.org/presentationml/2006/main">
+  <p:cSld>
+    <p:spTree>
+      <p:nvGrpSpPr>
+        <p:cNvPr id="1" name="">
+          <a:extLst>
+            <a:ext uri="{FF2B5EF4-FFF2-40B4-BE49-F238E27FC236}">
+              <a16:creationId xmlns:a16="http://schemas.microsoft.com/office/drawing/2014/main" id="{61F22D25-96CB-D468-468A-10AA83D2557C}"/>
+            </a:ext>
+          </a:extLst>
+        </p:cNvPr>
+        <p:cNvGrpSpPr/>
+        <p:nvPr/>
+      </p:nvGrpSpPr>
+      <p:grpSpPr>
+        <a:xfrm>
+          <a:off x="0" y="0"/>
+          <a:ext cx="0" cy="0"/>
+          <a:chOff x="0" y="0"/>
+          <a:chExt cx="0" cy="0"/>
+        </a:xfrm>
+      </p:grpSpPr>
+      <p:sp>
+        <p:nvSpPr>
+          <p:cNvPr id="3" name="Subtitle 2">
+            <a:extLst>
+              <a:ext uri="{FF2B5EF4-FFF2-40B4-BE49-F238E27FC236}">
+                <a16:creationId xmlns:a16="http://schemas.microsoft.com/office/drawing/2014/main" id="{3C07D785-5E0D-1216-424A-71FC81BDD42F}"/>
+              </a:ext>
+            </a:extLst>
+          </p:cNvPr>
+          <p:cNvSpPr>
+            <a:spLocks noGrp="1"/>
+          </p:cNvSpPr>
+          <p:nvPr>
+            <p:ph type="subTitle" idx="1"/>
+          </p:nvPr>
+        </p:nvSpPr>
+        <p:spPr>
+          <a:xfrm>
+            <a:off x="152399" y="217488"/>
+            <a:ext cx="11223171" cy="303212"/>
+          </a:xfrm>
+        </p:spPr>
+        <p:txBody>
+          <a:bodyPr>
+            <a:normAutofit fontScale="92500" lnSpcReduction="20000"/>
+          </a:bodyPr>
+          <a:lstStyle/>
+          <a:p>
+            <a:r>
+              <a:rPr lang="en-US" sz="1800" b="1"/>
+              <a:t>Chapter 9 – Collections and Generics</a:t>
+            </a:r>
+          </a:p>
+        </p:txBody>
+      </p:sp>
+      <p:sp>
+        <p:nvSpPr>
+          <p:cNvPr id="4" name="Subtitle 2">
+            <a:extLst>
+              <a:ext uri="{FF2B5EF4-FFF2-40B4-BE49-F238E27FC236}">
+                <a16:creationId xmlns:a16="http://schemas.microsoft.com/office/drawing/2014/main" id="{E028AC54-6DFF-3B8E-73FA-092B354055CB}"/>
+              </a:ext>
+            </a:extLst>
+          </p:cNvPr>
+          <p:cNvSpPr txBox="1">
+            <a:spLocks/>
+          </p:cNvSpPr>
+          <p:nvPr/>
+        </p:nvSpPr>
+        <p:spPr>
+          <a:xfrm>
+            <a:off x="0" y="820738"/>
+            <a:ext cx="12192000" cy="6037262"/>
+          </a:xfrm>
+          <a:prstGeom prst="rect">
+            <a:avLst/>
+          </a:prstGeom>
+        </p:spPr>
+        <p:txBody>
+          <a:bodyPr vert="horz" lIns="91440" tIns="45720" rIns="91440" bIns="45720" rtlCol="0">
+            <a:normAutofit/>
+          </a:bodyPr>
+          <a:lstStyle>
+            <a:lvl1pPr marL="0" indent="0" algn="ctr" defTabSz="914400" rtl="0" eaLnBrk="1" latinLnBrk="0" hangingPunct="1">
+              <a:lnSpc>
+                <a:spcPct val="90000"/>
+              </a:lnSpc>
+              <a:spcBef>
+                <a:spcPts val="1000"/>
+              </a:spcBef>
+              <a:buFont typeface="Arial" panose="020B0604020202020204" pitchFamily="34" charset="0"/>
+              <a:buNone/>
+              <a:defRPr sz="2400" kern="1200">
+                <a:solidFill>
+                  <a:schemeClr val="tx1"/>
+                </a:solidFill>
+                <a:latin typeface="+mn-lt"/>
+                <a:ea typeface="+mn-ea"/>
+                <a:cs typeface="+mn-cs"/>
+              </a:defRPr>
+            </a:lvl1pPr>
+            <a:lvl2pPr marL="457200" indent="0" algn="ctr" defTabSz="914400" rtl="0" eaLnBrk="1" latinLnBrk="0" hangingPunct="1">
+              <a:lnSpc>
+                <a:spcPct val="90000"/>
+              </a:lnSpc>
+              <a:spcBef>
+                <a:spcPts val="500"/>
+              </a:spcBef>
+              <a:buFont typeface="Arial" panose="020B0604020202020204" pitchFamily="34" charset="0"/>
+              <a:buNone/>
+              <a:defRPr sz="2000" kern="1200">
+                <a:solidFill>
+                  <a:schemeClr val="tx1"/>
+                </a:solidFill>
+                <a:latin typeface="+mn-lt"/>
+                <a:ea typeface="+mn-ea"/>
+                <a:cs typeface="+mn-cs"/>
+              </a:defRPr>
+            </a:lvl2pPr>
+            <a:lvl3pPr marL="914400" indent="0" algn="ctr" defTabSz="914400" rtl="0" eaLnBrk="1" latinLnBrk="0" hangingPunct="1">
+              <a:lnSpc>
+                <a:spcPct val="90000"/>
+              </a:lnSpc>
+              <a:spcBef>
+                <a:spcPts val="500"/>
+              </a:spcBef>
+              <a:buFont typeface="Arial" panose="020B0604020202020204" pitchFamily="34" charset="0"/>
+              <a:buNone/>
+              <a:defRPr sz="1800" kern="1200">
+                <a:solidFill>
+                  <a:schemeClr val="tx1"/>
+                </a:solidFill>
+                <a:latin typeface="+mn-lt"/>
+                <a:ea typeface="+mn-ea"/>
+                <a:cs typeface="+mn-cs"/>
+              </a:defRPr>
+            </a:lvl3pPr>
+            <a:lvl4pPr marL="1371600" indent="0" algn="ctr" defTabSz="914400" rtl="0" eaLnBrk="1" latinLnBrk="0" hangingPunct="1">
+              <a:lnSpc>
+                <a:spcPct val="90000"/>
+              </a:lnSpc>
+              <a:spcBef>
+                <a:spcPts val="500"/>
+              </a:spcBef>
+              <a:buFont typeface="Arial" panose="020B0604020202020204" pitchFamily="34" charset="0"/>
+              <a:buNone/>
+              <a:defRPr sz="1600" kern="1200">
+                <a:solidFill>
+                  <a:schemeClr val="tx1"/>
+                </a:solidFill>
+                <a:latin typeface="+mn-lt"/>
+                <a:ea typeface="+mn-ea"/>
+                <a:cs typeface="+mn-cs"/>
+              </a:defRPr>
+            </a:lvl4pPr>
+            <a:lvl5pPr marL="1828800" indent="0" algn="ctr" defTabSz="914400" rtl="0" eaLnBrk="1" latinLnBrk="0" hangingPunct="1">
+              <a:lnSpc>
+                <a:spcPct val="90000"/>
+              </a:lnSpc>
+              <a:spcBef>
+                <a:spcPts val="500"/>
+              </a:spcBef>
+              <a:buFont typeface="Arial" panose="020B0604020202020204" pitchFamily="34" charset="0"/>
+              <a:buNone/>
+              <a:defRPr sz="1600" kern="1200">
+                <a:solidFill>
+                  <a:schemeClr val="tx1"/>
+                </a:solidFill>
+                <a:latin typeface="+mn-lt"/>
+                <a:ea typeface="+mn-ea"/>
+                <a:cs typeface="+mn-cs"/>
+              </a:defRPr>
+            </a:lvl5pPr>
+            <a:lvl6pPr marL="2286000" indent="0" algn="ctr" defTabSz="914400" rtl="0" eaLnBrk="1" latinLnBrk="0" hangingPunct="1">
+              <a:lnSpc>
+                <a:spcPct val="90000"/>
+              </a:lnSpc>
+              <a:spcBef>
+                <a:spcPts val="500"/>
+              </a:spcBef>
+              <a:buFont typeface="Arial" panose="020B0604020202020204" pitchFamily="34" charset="0"/>
+              <a:buNone/>
+              <a:defRPr sz="1600" kern="1200">
+                <a:solidFill>
+                  <a:schemeClr val="tx1"/>
+                </a:solidFill>
+                <a:latin typeface="+mn-lt"/>
+                <a:ea typeface="+mn-ea"/>
+                <a:cs typeface="+mn-cs"/>
+              </a:defRPr>
+            </a:lvl6pPr>
+            <a:lvl7pPr marL="2743200" indent="0" algn="ctr" defTabSz="914400" rtl="0" eaLnBrk="1" latinLnBrk="0" hangingPunct="1">
+              <a:lnSpc>
+                <a:spcPct val="90000"/>
+              </a:lnSpc>
+              <a:spcBef>
+                <a:spcPts val="500"/>
+              </a:spcBef>
+              <a:buFont typeface="Arial" panose="020B0604020202020204" pitchFamily="34" charset="0"/>
+              <a:buNone/>
+              <a:defRPr sz="1600" kern="1200">
+                <a:solidFill>
+                  <a:schemeClr val="tx1"/>
+                </a:solidFill>
+                <a:latin typeface="+mn-lt"/>
+                <a:ea typeface="+mn-ea"/>
+                <a:cs typeface="+mn-cs"/>
+              </a:defRPr>
+            </a:lvl7pPr>
+            <a:lvl8pPr marL="3200400" indent="0" algn="ctr" defTabSz="914400" rtl="0" eaLnBrk="1" latinLnBrk="0" hangingPunct="1">
+              <a:lnSpc>
+                <a:spcPct val="90000"/>
+              </a:lnSpc>
+              <a:spcBef>
+                <a:spcPts val="500"/>
+              </a:spcBef>
+              <a:buFont typeface="Arial" panose="020B0604020202020204" pitchFamily="34" charset="0"/>
+              <a:buNone/>
+              <a:defRPr sz="1600" kern="1200">
+                <a:solidFill>
+                  <a:schemeClr val="tx1"/>
+                </a:solidFill>
+                <a:latin typeface="+mn-lt"/>
+                <a:ea typeface="+mn-ea"/>
+                <a:cs typeface="+mn-cs"/>
+              </a:defRPr>
+            </a:lvl8pPr>
+            <a:lvl9pPr marL="3657600" indent="0" algn="ctr" defTabSz="914400" rtl="0" eaLnBrk="1" latinLnBrk="0" hangingPunct="1">
+              <a:lnSpc>
+                <a:spcPct val="90000"/>
+              </a:lnSpc>
+              <a:spcBef>
+                <a:spcPts val="500"/>
+              </a:spcBef>
+              <a:buFont typeface="Arial" panose="020B0604020202020204" pitchFamily="34" charset="0"/>
+              <a:buNone/>
+              <a:defRPr sz="1600" kern="1200">
+                <a:solidFill>
+                  <a:schemeClr val="tx1"/>
+                </a:solidFill>
+                <a:latin typeface="+mn-lt"/>
+                <a:ea typeface="+mn-ea"/>
+                <a:cs typeface="+mn-cs"/>
+              </a:defRPr>
+            </a:lvl9pPr>
+          </a:lstStyle>
+          <a:p>
+            <a:pPr algn="l"/>
+            <a:r>
+              <a:rPr lang="en-US" sz="1800" b="1">
+                <a:sym typeface="Wingdings" pitchFamily="2" charset="2"/>
+              </a:rPr>
+              <a:t>Casting the compareTo() argument</a:t>
+            </a:r>
+          </a:p>
+          <a:p>
+            <a:pPr algn="l"/>
+            <a:r>
+              <a:rPr lang="en-US" sz="1800">
+                <a:sym typeface="Wingdings" pitchFamily="2" charset="2"/>
+              </a:rPr>
+              <a:t>- Some old ... or some class ... =&gt; We have to</a:t>
+            </a:r>
+          </a:p>
+          <a:p>
+            <a:pPr algn="l"/>
+            <a:r>
+              <a:rPr lang="en-US" sz="1800">
+                <a:sym typeface="Wingdings" pitchFamily="2" charset="2"/>
+              </a:rPr>
+              <a:t>(code illustration snippet 36)</a:t>
+            </a:r>
+          </a:p>
+          <a:p>
+            <a:pPr algn="l"/>
+            <a:r>
+              <a:rPr lang="en-US" sz="1800">
+                <a:sym typeface="Wingdings" pitchFamily="2" charset="2"/>
+              </a:rPr>
+              <a:t>- Because we didnt ... the type ... =&gt; Java will ...</a:t>
+            </a:r>
+          </a:p>
+          <a:p>
+            <a:pPr algn="l"/>
+            <a:r>
+              <a:rPr lang="en-US" sz="1800" b="1">
+                <a:sym typeface="Wingdings" pitchFamily="2" charset="2"/>
+              </a:rPr>
+              <a:t>Checking for null</a:t>
+            </a:r>
+          </a:p>
+          <a:p>
+            <a:pPr algn="l"/>
+            <a:r>
+              <a:rPr lang="en-US" sz="1800">
+                <a:sym typeface="Wingdings" pitchFamily="2" charset="2"/>
+              </a:rPr>
+              <a:t>- The book will assume ... However, this won't ... =&gt; we always ...</a:t>
+            </a:r>
+          </a:p>
+          <a:p>
+            <a:pPr algn="l"/>
+            <a:r>
+              <a:rPr lang="en-US" sz="1800">
+                <a:sym typeface="Wingdings" pitchFamily="2" charset="2"/>
+              </a:rPr>
+              <a:t>(code illustration snippet 37)</a:t>
+            </a:r>
+          </a:p>
+          <a:p>
+            <a:pPr algn="l"/>
+            <a:r>
+              <a:rPr lang="en-US" sz="1800" b="1">
+                <a:sym typeface="Wingdings" pitchFamily="2" charset="2"/>
+              </a:rPr>
+              <a:t>Keeping compareTo() and equals() consistent</a:t>
+            </a:r>
+          </a:p>
+          <a:p>
+            <a:pPr algn="l"/>
+            <a:r>
+              <a:rPr lang="en-US" sz="1800">
+                <a:sym typeface="Wingdings" pitchFamily="2" charset="2"/>
+              </a:rPr>
+              <a:t>- If we write a ... implement ... =&gt; We specify a new ... to check whether 2 ... is equal or not</a:t>
+            </a:r>
+          </a:p>
+          <a:p>
+            <a:pPr algn="l"/>
+            <a:r>
+              <a:rPr lang="en-US" sz="1800">
+                <a:sym typeface="Wingdings" pitchFamily="2" charset="2"/>
+              </a:rPr>
+              <a:t>– Method ... will return ... if 2 ... and also method ... will return ... if 2 ...</a:t>
+            </a:r>
+          </a:p>
+          <a:p>
+            <a:pPr algn="l"/>
+            <a:r>
+              <a:rPr lang="en-US" sz="1800">
+                <a:sym typeface="Wingdings" pitchFamily="2" charset="2"/>
+              </a:rPr>
+              <a:t>– Java define this as .... When we use ... interface, the ... and ... must be consistent (... return if and only if .... return ...)</a:t>
+            </a:r>
+          </a:p>
+          <a:p>
+            <a:pPr algn="l"/>
+            <a:r>
+              <a:rPr lang="en-US" sz="1800">
+                <a:sym typeface="Wingdings" pitchFamily="2" charset="2"/>
+              </a:rPr>
+              <a:t>– Also, ... will return if ... and also ... will return if ...</a:t>
+            </a:r>
+          </a:p>
+          <a:p>
+            <a:pPr algn="l"/>
+            <a:r>
+              <a:rPr lang="en-US" sz="1800">
+                <a:sym typeface="Wingdings" pitchFamily="2" charset="2"/>
+              </a:rPr>
+              <a:t>- We should do ... because some ....</a:t>
+            </a:r>
+          </a:p>
+          <a:p>
+            <a:pPr algn="l"/>
+            <a:r>
+              <a:rPr lang="en-US" sz="1800">
+                <a:sym typeface="Wingdings" pitchFamily="2" charset="2"/>
+              </a:rPr>
+              <a:t>(code illustration snippet 38)</a:t>
+            </a:r>
+          </a:p>
+        </p:txBody>
+      </p:sp>
+    </p:spTree>
+    <p:extLst>
+      <p:ext uri="{BB962C8B-B14F-4D97-AF65-F5344CB8AC3E}">
+        <p14:creationId xmlns:p14="http://schemas.microsoft.com/office/powerpoint/2010/main" val="913218225"/>
+      </p:ext>
+    </p:extLst>
+  </p:cSld>
+  <p:clrMapOvr>
+    <a:masterClrMapping/>
+  </p:clrMapOvr>
+</p:sld>
+</file>
+
+<file path=ppt/slides/slide26.xml><?xml version="1.0" encoding="utf-8"?>
+<p:sld xmlns:a="http://schemas.openxmlformats.org/drawingml/2006/main" xmlns:r="http://schemas.openxmlformats.org/officeDocument/2006/relationships" xmlns:p="http://schemas.openxmlformats.org/presentationml/2006/main">
+  <p:cSld>
+    <p:spTree>
+      <p:nvGrpSpPr>
+        <p:cNvPr id="1" name="">
+          <a:extLst>
+            <a:ext uri="{FF2B5EF4-FFF2-40B4-BE49-F238E27FC236}">
+              <a16:creationId xmlns:a16="http://schemas.microsoft.com/office/drawing/2014/main" id="{A6B2EB4A-3C98-9D8D-A3CB-5F9CA1E380C9}"/>
+            </a:ext>
+          </a:extLst>
+        </p:cNvPr>
+        <p:cNvGrpSpPr/>
+        <p:nvPr/>
+      </p:nvGrpSpPr>
+      <p:grpSpPr>
+        <a:xfrm>
+          <a:off x="0" y="0"/>
+          <a:ext cx="0" cy="0"/>
+          <a:chOff x="0" y="0"/>
+          <a:chExt cx="0" cy="0"/>
+        </a:xfrm>
+      </p:grpSpPr>
+      <p:sp>
+        <p:nvSpPr>
+          <p:cNvPr id="3" name="Subtitle 2">
+            <a:extLst>
+              <a:ext uri="{FF2B5EF4-FFF2-40B4-BE49-F238E27FC236}">
+                <a16:creationId xmlns:a16="http://schemas.microsoft.com/office/drawing/2014/main" id="{DD584F32-CDA9-5848-7F9A-B164C0CC987B}"/>
+              </a:ext>
+            </a:extLst>
+          </p:cNvPr>
+          <p:cNvSpPr>
+            <a:spLocks noGrp="1"/>
+          </p:cNvSpPr>
+          <p:nvPr>
+            <p:ph type="subTitle" idx="1"/>
+          </p:nvPr>
+        </p:nvSpPr>
+        <p:spPr>
+          <a:xfrm>
+            <a:off x="152399" y="217488"/>
+            <a:ext cx="11223171" cy="303212"/>
+          </a:xfrm>
+        </p:spPr>
+        <p:txBody>
+          <a:bodyPr>
+            <a:normAutofit fontScale="92500" lnSpcReduction="20000"/>
+          </a:bodyPr>
+          <a:lstStyle/>
+          <a:p>
+            <a:r>
+              <a:rPr lang="en-US" sz="1800" b="1"/>
+              <a:t>Chapter 9 – Collections and Generics</a:t>
+            </a:r>
+          </a:p>
+        </p:txBody>
+      </p:sp>
+      <p:sp>
+        <p:nvSpPr>
+          <p:cNvPr id="4" name="Subtitle 2">
+            <a:extLst>
+              <a:ext uri="{FF2B5EF4-FFF2-40B4-BE49-F238E27FC236}">
+                <a16:creationId xmlns:a16="http://schemas.microsoft.com/office/drawing/2014/main" id="{A2F2D96A-2F42-B114-A52D-AC4A19DC0890}"/>
+              </a:ext>
+            </a:extLst>
+          </p:cNvPr>
+          <p:cNvSpPr txBox="1">
+            <a:spLocks/>
+          </p:cNvSpPr>
+          <p:nvPr/>
+        </p:nvSpPr>
+        <p:spPr>
+          <a:xfrm>
+            <a:off x="0" y="820738"/>
+            <a:ext cx="12192000" cy="6037262"/>
+          </a:xfrm>
+          <a:prstGeom prst="rect">
+            <a:avLst/>
+          </a:prstGeom>
+        </p:spPr>
+        <p:txBody>
+          <a:bodyPr vert="horz" lIns="91440" tIns="45720" rIns="91440" bIns="45720" rtlCol="0">
+            <a:normAutofit/>
+          </a:bodyPr>
+          <a:lstStyle>
+            <a:lvl1pPr marL="0" indent="0" algn="ctr" defTabSz="914400" rtl="0" eaLnBrk="1" latinLnBrk="0" hangingPunct="1">
+              <a:lnSpc>
+                <a:spcPct val="90000"/>
+              </a:lnSpc>
+              <a:spcBef>
+                <a:spcPts val="1000"/>
+              </a:spcBef>
+              <a:buFont typeface="Arial" panose="020B0604020202020204" pitchFamily="34" charset="0"/>
+              <a:buNone/>
+              <a:defRPr sz="2400" kern="1200">
+                <a:solidFill>
+                  <a:schemeClr val="tx1"/>
+                </a:solidFill>
+                <a:latin typeface="+mn-lt"/>
+                <a:ea typeface="+mn-ea"/>
+                <a:cs typeface="+mn-cs"/>
+              </a:defRPr>
+            </a:lvl1pPr>
+            <a:lvl2pPr marL="457200" indent="0" algn="ctr" defTabSz="914400" rtl="0" eaLnBrk="1" latinLnBrk="0" hangingPunct="1">
+              <a:lnSpc>
+                <a:spcPct val="90000"/>
+              </a:lnSpc>
+              <a:spcBef>
+                <a:spcPts val="500"/>
+              </a:spcBef>
+              <a:buFont typeface="Arial" panose="020B0604020202020204" pitchFamily="34" charset="0"/>
+              <a:buNone/>
+              <a:defRPr sz="2000" kern="1200">
+                <a:solidFill>
+                  <a:schemeClr val="tx1"/>
+                </a:solidFill>
+                <a:latin typeface="+mn-lt"/>
+                <a:ea typeface="+mn-ea"/>
+                <a:cs typeface="+mn-cs"/>
+              </a:defRPr>
+            </a:lvl2pPr>
+            <a:lvl3pPr marL="914400" indent="0" algn="ctr" defTabSz="914400" rtl="0" eaLnBrk="1" latinLnBrk="0" hangingPunct="1">
+              <a:lnSpc>
+                <a:spcPct val="90000"/>
+              </a:lnSpc>
+              <a:spcBef>
+                <a:spcPts val="500"/>
+              </a:spcBef>
+              <a:buFont typeface="Arial" panose="020B0604020202020204" pitchFamily="34" charset="0"/>
+              <a:buNone/>
+              <a:defRPr sz="1800" kern="1200">
+                <a:solidFill>
+                  <a:schemeClr val="tx1"/>
+                </a:solidFill>
+                <a:latin typeface="+mn-lt"/>
+                <a:ea typeface="+mn-ea"/>
+                <a:cs typeface="+mn-cs"/>
+              </a:defRPr>
+            </a:lvl3pPr>
+            <a:lvl4pPr marL="1371600" indent="0" algn="ctr" defTabSz="914400" rtl="0" eaLnBrk="1" latinLnBrk="0" hangingPunct="1">
+              <a:lnSpc>
+                <a:spcPct val="90000"/>
+              </a:lnSpc>
+              <a:spcBef>
+                <a:spcPts val="500"/>
+              </a:spcBef>
+              <a:buFont typeface="Arial" panose="020B0604020202020204" pitchFamily="34" charset="0"/>
+              <a:buNone/>
+              <a:defRPr sz="1600" kern="1200">
+                <a:solidFill>
+                  <a:schemeClr val="tx1"/>
+                </a:solidFill>
+                <a:latin typeface="+mn-lt"/>
+                <a:ea typeface="+mn-ea"/>
+                <a:cs typeface="+mn-cs"/>
+              </a:defRPr>
+            </a:lvl4pPr>
+            <a:lvl5pPr marL="1828800" indent="0" algn="ctr" defTabSz="914400" rtl="0" eaLnBrk="1" latinLnBrk="0" hangingPunct="1">
+              <a:lnSpc>
+                <a:spcPct val="90000"/>
+              </a:lnSpc>
+              <a:spcBef>
+                <a:spcPts val="500"/>
+              </a:spcBef>
+              <a:buFont typeface="Arial" panose="020B0604020202020204" pitchFamily="34" charset="0"/>
+              <a:buNone/>
+              <a:defRPr sz="1600" kern="1200">
+                <a:solidFill>
+                  <a:schemeClr val="tx1"/>
+                </a:solidFill>
+                <a:latin typeface="+mn-lt"/>
+                <a:ea typeface="+mn-ea"/>
+                <a:cs typeface="+mn-cs"/>
+              </a:defRPr>
+            </a:lvl5pPr>
+            <a:lvl6pPr marL="2286000" indent="0" algn="ctr" defTabSz="914400" rtl="0" eaLnBrk="1" latinLnBrk="0" hangingPunct="1">
+              <a:lnSpc>
+                <a:spcPct val="90000"/>
+              </a:lnSpc>
+              <a:spcBef>
+                <a:spcPts val="500"/>
+              </a:spcBef>
+              <a:buFont typeface="Arial" panose="020B0604020202020204" pitchFamily="34" charset="0"/>
+              <a:buNone/>
+              <a:defRPr sz="1600" kern="1200">
+                <a:solidFill>
+                  <a:schemeClr val="tx1"/>
+                </a:solidFill>
+                <a:latin typeface="+mn-lt"/>
+                <a:ea typeface="+mn-ea"/>
+                <a:cs typeface="+mn-cs"/>
+              </a:defRPr>
+            </a:lvl6pPr>
+            <a:lvl7pPr marL="2743200" indent="0" algn="ctr" defTabSz="914400" rtl="0" eaLnBrk="1" latinLnBrk="0" hangingPunct="1">
+              <a:lnSpc>
+                <a:spcPct val="90000"/>
+              </a:lnSpc>
+              <a:spcBef>
+                <a:spcPts val="500"/>
+              </a:spcBef>
+              <a:buFont typeface="Arial" panose="020B0604020202020204" pitchFamily="34" charset="0"/>
+              <a:buNone/>
+              <a:defRPr sz="1600" kern="1200">
+                <a:solidFill>
+                  <a:schemeClr val="tx1"/>
+                </a:solidFill>
+                <a:latin typeface="+mn-lt"/>
+                <a:ea typeface="+mn-ea"/>
+                <a:cs typeface="+mn-cs"/>
+              </a:defRPr>
+            </a:lvl7pPr>
+            <a:lvl8pPr marL="3200400" indent="0" algn="ctr" defTabSz="914400" rtl="0" eaLnBrk="1" latinLnBrk="0" hangingPunct="1">
+              <a:lnSpc>
+                <a:spcPct val="90000"/>
+              </a:lnSpc>
+              <a:spcBef>
+                <a:spcPts val="500"/>
+              </a:spcBef>
+              <a:buFont typeface="Arial" panose="020B0604020202020204" pitchFamily="34" charset="0"/>
+              <a:buNone/>
+              <a:defRPr sz="1600" kern="1200">
+                <a:solidFill>
+                  <a:schemeClr val="tx1"/>
+                </a:solidFill>
+                <a:latin typeface="+mn-lt"/>
+                <a:ea typeface="+mn-ea"/>
+                <a:cs typeface="+mn-cs"/>
+              </a:defRPr>
+            </a:lvl8pPr>
+            <a:lvl9pPr marL="3657600" indent="0" algn="ctr" defTabSz="914400" rtl="0" eaLnBrk="1" latinLnBrk="0" hangingPunct="1">
+              <a:lnSpc>
+                <a:spcPct val="90000"/>
+              </a:lnSpc>
+              <a:spcBef>
+                <a:spcPts val="500"/>
+              </a:spcBef>
+              <a:buFont typeface="Arial" panose="020B0604020202020204" pitchFamily="34" charset="0"/>
+              <a:buNone/>
+              <a:defRPr sz="1600" kern="1200">
+                <a:solidFill>
+                  <a:schemeClr val="tx1"/>
+                </a:solidFill>
+                <a:latin typeface="+mn-lt"/>
+                <a:ea typeface="+mn-ea"/>
+                <a:cs typeface="+mn-cs"/>
+              </a:defRPr>
+            </a:lvl9pPr>
+          </a:lstStyle>
+          <a:p>
+            <a:pPr algn="l"/>
+            <a:r>
+              <a:rPr lang="en-US" sz="1800" b="1">
+                <a:sym typeface="Wingdings" pitchFamily="2" charset="2"/>
+              </a:rPr>
+              <a:t>Comparing Data with a Comparator</a:t>
+            </a:r>
+          </a:p>
+          <a:p>
+            <a:pPr algn="l"/>
+            <a:r>
+              <a:rPr lang="en-US" sz="1800">
+                <a:sym typeface="Wingdings" pitchFamily="2" charset="2"/>
+              </a:rPr>
+              <a:t>- Let's say if you don't ... or you just ... at different time ... =&gt; We use something called ...</a:t>
+            </a:r>
+          </a:p>
+          <a:p>
+            <a:pPr algn="l"/>
+            <a:r>
+              <a:rPr lang="en-US" sz="1800">
+                <a:sym typeface="Wingdings" pitchFamily="2" charset="2"/>
+              </a:rPr>
+              <a:t>(code illustration snippet 39)</a:t>
+            </a:r>
+          </a:p>
+          <a:p>
+            <a:pPr algn="l"/>
+            <a:r>
+              <a:rPr lang="en-US" sz="1800">
+                <a:sym typeface="Wingdings" pitchFamily="2" charset="2"/>
+              </a:rPr>
+              <a:t>- The difference between ... and ... is ...</a:t>
+            </a:r>
+          </a:p>
+          <a:p>
+            <a:pPr algn="l"/>
+            <a:r>
+              <a:rPr lang="en-US" sz="1800">
+                <a:sym typeface="Wingdings" pitchFamily="2" charset="2"/>
+              </a:rPr>
+              <a:t>– Since ... is a .. interface =&gt; we can use ...</a:t>
+            </a:r>
+          </a:p>
+          <a:p>
+            <a:pPr algn="l"/>
+            <a:r>
+              <a:rPr lang="en-US" sz="1800">
+                <a:sym typeface="Wingdings" pitchFamily="2" charset="2"/>
+              </a:rPr>
+              <a:t>(code illustration snippet 40)</a:t>
+            </a:r>
+          </a:p>
+          <a:p>
+            <a:pPr algn="l"/>
+            <a:r>
+              <a:rPr lang="en-US" sz="1800">
+                <a:sym typeface="Wingdings" pitchFamily="2" charset="2"/>
+              </a:rPr>
+              <a:t>- We can also use ...</a:t>
+            </a:r>
+          </a:p>
+          <a:p>
+            <a:pPr algn="l"/>
+            <a:r>
+              <a:rPr lang="en-US" sz="1800">
+                <a:sym typeface="Wingdings" pitchFamily="2" charset="2"/>
+              </a:rPr>
+              <a:t>(code illustration snippet 41)</a:t>
+            </a:r>
+          </a:p>
+          <a:p>
+            <a:pPr algn="l"/>
+            <a:r>
+              <a:rPr lang="en-US" sz="1800">
+                <a:sym typeface="Wingdings" pitchFamily="2" charset="2"/>
+              </a:rPr>
+              <a:t>- Using ... with Comparator is ... However, Comparable is used for ...</a:t>
+            </a:r>
+          </a:p>
+          <a:p>
+            <a:pPr algn="l"/>
+            <a:r>
+              <a:rPr lang="en-US" sz="1800" b="1">
+                <a:sym typeface="Wingdings" pitchFamily="2" charset="2"/>
+              </a:rPr>
+              <a:t>Comparing Comparable and Comparator</a:t>
+            </a:r>
+          </a:p>
+          <a:p>
+            <a:pPr algn="l"/>
+            <a:endParaRPr lang="en-US" sz="1800">
+              <a:sym typeface="Wingdings" pitchFamily="2" charset="2"/>
+            </a:endParaRPr>
+          </a:p>
+        </p:txBody>
+      </p:sp>
+      <p:pic>
+        <p:nvPicPr>
+          <p:cNvPr id="2" name="Picture 1">
+            <a:extLst>
+              <a:ext uri="{FF2B5EF4-FFF2-40B4-BE49-F238E27FC236}">
+                <a16:creationId xmlns:a16="http://schemas.microsoft.com/office/drawing/2014/main" id="{39BC8914-06F3-AF93-E3AA-D455D5036704}"/>
+              </a:ext>
+            </a:extLst>
+          </p:cNvPr>
+          <p:cNvPicPr>
+            <a:picLocks noChangeAspect="1"/>
+          </p:cNvPicPr>
+          <p:nvPr/>
+        </p:nvPicPr>
+        <p:blipFill>
+          <a:blip r:embed="rId3"/>
+          <a:stretch>
+            <a:fillRect/>
+          </a:stretch>
+        </p:blipFill>
+        <p:spPr>
+          <a:xfrm>
+            <a:off x="4419600" y="4054307"/>
+            <a:ext cx="7772400" cy="2803693"/>
+          </a:xfrm>
+          <a:prstGeom prst="rect">
+            <a:avLst/>
+          </a:prstGeom>
+        </p:spPr>
+      </p:pic>
+      <mc:AlternateContent xmlns:mc="http://schemas.openxmlformats.org/markup-compatibility/2006">
+        <mc:Choice xmlns:p14="http://schemas.microsoft.com/office/powerpoint/2010/main" Requires="p14">
+          <p:contentPart p14:bwMode="auto" r:id="rId4">
+            <p14:nvContentPartPr>
+              <p14:cNvPr id="5" name="Ink 4">
+                <a:extLst>
+                  <a:ext uri="{FF2B5EF4-FFF2-40B4-BE49-F238E27FC236}">
+                    <a16:creationId xmlns:a16="http://schemas.microsoft.com/office/drawing/2014/main" id="{8F6ABDBA-BFB0-C04E-7FF0-AFA7814AEA9C}"/>
+                  </a:ext>
+                </a:extLst>
+              </p14:cNvPr>
+              <p14:cNvContentPartPr/>
+              <p14:nvPr/>
+            </p14:nvContentPartPr>
+            <p14:xfrm>
+              <a:off x="9267445" y="4744660"/>
+              <a:ext cx="2503440" cy="74160"/>
+            </p14:xfrm>
+          </p:contentPart>
+        </mc:Choice>
+        <mc:Fallback>
+          <p:pic>
+            <p:nvPicPr>
+              <p:cNvPr id="5" name="Ink 4">
+                <a:extLst>
+                  <a:ext uri="{FF2B5EF4-FFF2-40B4-BE49-F238E27FC236}">
+                    <a16:creationId xmlns:a16="http://schemas.microsoft.com/office/drawing/2014/main" id="{8F6ABDBA-BFB0-C04E-7FF0-AFA7814AEA9C}"/>
+                  </a:ext>
+                </a:extLst>
+              </p:cNvPr>
+              <p:cNvPicPr/>
+              <p:nvPr/>
+            </p:nvPicPr>
+            <p:blipFill>
+              <a:blip r:embed="rId5"/>
+              <a:stretch>
+                <a:fillRect/>
+              </a:stretch>
+            </p:blipFill>
+            <p:spPr>
+              <a:xfrm>
+                <a:off x="9204445" y="4682020"/>
+                <a:ext cx="2629080" cy="199800"/>
+              </a:xfrm>
+              <a:prstGeom prst="rect">
+                <a:avLst/>
+              </a:prstGeom>
+            </p:spPr>
+          </p:pic>
+        </mc:Fallback>
+      </mc:AlternateContent>
+      <mc:AlternateContent xmlns:mc="http://schemas.openxmlformats.org/markup-compatibility/2006">
+        <mc:Choice xmlns:p14="http://schemas.microsoft.com/office/powerpoint/2010/main" Requires="p14">
+          <p:contentPart p14:bwMode="auto" r:id="rId6">
+            <p14:nvContentPartPr>
+              <p14:cNvPr id="6" name="Ink 5">
+                <a:extLst>
+                  <a:ext uri="{FF2B5EF4-FFF2-40B4-BE49-F238E27FC236}">
+                    <a16:creationId xmlns:a16="http://schemas.microsoft.com/office/drawing/2014/main" id="{BD7F7F00-532D-B833-86F9-F8B1475CC857}"/>
+                  </a:ext>
+                </a:extLst>
+              </p14:cNvPr>
+              <p14:cNvContentPartPr/>
+              <p14:nvPr/>
+            </p14:nvContentPartPr>
+            <p14:xfrm>
+              <a:off x="9290485" y="5191780"/>
+              <a:ext cx="2478240" cy="33840"/>
+            </p14:xfrm>
+          </p:contentPart>
+        </mc:Choice>
+        <mc:Fallback>
+          <p:pic>
+            <p:nvPicPr>
+              <p:cNvPr id="6" name="Ink 5">
+                <a:extLst>
+                  <a:ext uri="{FF2B5EF4-FFF2-40B4-BE49-F238E27FC236}">
+                    <a16:creationId xmlns:a16="http://schemas.microsoft.com/office/drawing/2014/main" id="{BD7F7F00-532D-B833-86F9-F8B1475CC857}"/>
+                  </a:ext>
+                </a:extLst>
+              </p:cNvPr>
+              <p:cNvPicPr/>
+              <p:nvPr/>
+            </p:nvPicPr>
+            <p:blipFill>
+              <a:blip r:embed="rId7"/>
+              <a:stretch>
+                <a:fillRect/>
+              </a:stretch>
+            </p:blipFill>
+            <p:spPr>
+              <a:xfrm>
+                <a:off x="9227485" y="5129140"/>
+                <a:ext cx="2603880" cy="159480"/>
+              </a:xfrm>
+              <a:prstGeom prst="rect">
+                <a:avLst/>
+              </a:prstGeom>
+            </p:spPr>
+          </p:pic>
+        </mc:Fallback>
+      </mc:AlternateContent>
+      <mc:AlternateContent xmlns:mc="http://schemas.openxmlformats.org/markup-compatibility/2006">
+        <mc:Choice xmlns:p14="http://schemas.microsoft.com/office/powerpoint/2010/main" Requires="p14">
+          <p:contentPart p14:bwMode="auto" r:id="rId8">
+            <p14:nvContentPartPr>
+              <p14:cNvPr id="7" name="Ink 6">
+                <a:extLst>
+                  <a:ext uri="{FF2B5EF4-FFF2-40B4-BE49-F238E27FC236}">
+                    <a16:creationId xmlns:a16="http://schemas.microsoft.com/office/drawing/2014/main" id="{88BC3D87-7413-1085-13DB-2858D00BB71C}"/>
+                  </a:ext>
+                </a:extLst>
+              </p14:cNvPr>
+              <p14:cNvContentPartPr/>
+              <p14:nvPr/>
+            </p14:nvContentPartPr>
+            <p14:xfrm>
+              <a:off x="9331525" y="5659420"/>
+              <a:ext cx="2364840" cy="87120"/>
+            </p14:xfrm>
+          </p:contentPart>
+        </mc:Choice>
+        <mc:Fallback>
+          <p:pic>
+            <p:nvPicPr>
+              <p:cNvPr id="7" name="Ink 6">
+                <a:extLst>
+                  <a:ext uri="{FF2B5EF4-FFF2-40B4-BE49-F238E27FC236}">
+                    <a16:creationId xmlns:a16="http://schemas.microsoft.com/office/drawing/2014/main" id="{88BC3D87-7413-1085-13DB-2858D00BB71C}"/>
+                  </a:ext>
+                </a:extLst>
+              </p:cNvPr>
+              <p:cNvPicPr/>
+              <p:nvPr/>
+            </p:nvPicPr>
+            <p:blipFill>
+              <a:blip r:embed="rId9"/>
+              <a:stretch>
+                <a:fillRect/>
+              </a:stretch>
+            </p:blipFill>
+            <p:spPr>
+              <a:xfrm>
+                <a:off x="9268525" y="5596780"/>
+                <a:ext cx="2490480" cy="212760"/>
+              </a:xfrm>
+              <a:prstGeom prst="rect">
+                <a:avLst/>
+              </a:prstGeom>
+            </p:spPr>
+          </p:pic>
+        </mc:Fallback>
+      </mc:AlternateContent>
+      <mc:AlternateContent xmlns:mc="http://schemas.openxmlformats.org/markup-compatibility/2006">
+        <mc:Choice xmlns:p14="http://schemas.microsoft.com/office/powerpoint/2010/main" Requires="p14">
+          <p:contentPart p14:bwMode="auto" r:id="rId10">
+            <p14:nvContentPartPr>
+              <p14:cNvPr id="8" name="Ink 7">
+                <a:extLst>
+                  <a:ext uri="{FF2B5EF4-FFF2-40B4-BE49-F238E27FC236}">
+                    <a16:creationId xmlns:a16="http://schemas.microsoft.com/office/drawing/2014/main" id="{C86B123F-BCCD-7E2F-9E40-FC0B07E3ADC1}"/>
+                  </a:ext>
+                </a:extLst>
+              </p14:cNvPr>
+              <p14:cNvContentPartPr/>
+              <p14:nvPr/>
+            </p14:nvContentPartPr>
+            <p14:xfrm>
+              <a:off x="9244405" y="6078820"/>
+              <a:ext cx="2409120" cy="88560"/>
+            </p14:xfrm>
+          </p:contentPart>
+        </mc:Choice>
+        <mc:Fallback>
+          <p:pic>
+            <p:nvPicPr>
+              <p:cNvPr id="8" name="Ink 7">
+                <a:extLst>
+                  <a:ext uri="{FF2B5EF4-FFF2-40B4-BE49-F238E27FC236}">
+                    <a16:creationId xmlns:a16="http://schemas.microsoft.com/office/drawing/2014/main" id="{C86B123F-BCCD-7E2F-9E40-FC0B07E3ADC1}"/>
+                  </a:ext>
+                </a:extLst>
+              </p:cNvPr>
+              <p:cNvPicPr/>
+              <p:nvPr/>
+            </p:nvPicPr>
+            <p:blipFill>
+              <a:blip r:embed="rId11"/>
+              <a:stretch>
+                <a:fillRect/>
+              </a:stretch>
+            </p:blipFill>
+            <p:spPr>
+              <a:xfrm>
+                <a:off x="9181405" y="6015820"/>
+                <a:ext cx="2534760" cy="214200"/>
+              </a:xfrm>
+              <a:prstGeom prst="rect">
+                <a:avLst/>
+              </a:prstGeom>
+            </p:spPr>
+          </p:pic>
+        </mc:Fallback>
+      </mc:AlternateContent>
+      <mc:AlternateContent xmlns:mc="http://schemas.openxmlformats.org/markup-compatibility/2006">
+        <mc:Choice xmlns:p14="http://schemas.microsoft.com/office/powerpoint/2010/main" Requires="p14">
+          <p:contentPart p14:bwMode="auto" r:id="rId12">
+            <p14:nvContentPartPr>
+              <p14:cNvPr id="9" name="Ink 8">
+                <a:extLst>
+                  <a:ext uri="{FF2B5EF4-FFF2-40B4-BE49-F238E27FC236}">
+                    <a16:creationId xmlns:a16="http://schemas.microsoft.com/office/drawing/2014/main" id="{58F3CCE8-B272-9A45-12A1-E447E34FDD59}"/>
+                  </a:ext>
+                </a:extLst>
+              </p14:cNvPr>
+              <p14:cNvContentPartPr/>
+              <p14:nvPr/>
+            </p14:nvContentPartPr>
+            <p14:xfrm>
+              <a:off x="9118765" y="6470500"/>
+              <a:ext cx="2506680" cy="125280"/>
+            </p14:xfrm>
+          </p:contentPart>
+        </mc:Choice>
+        <mc:Fallback>
+          <p:pic>
+            <p:nvPicPr>
+              <p:cNvPr id="9" name="Ink 8">
+                <a:extLst>
+                  <a:ext uri="{FF2B5EF4-FFF2-40B4-BE49-F238E27FC236}">
+                    <a16:creationId xmlns:a16="http://schemas.microsoft.com/office/drawing/2014/main" id="{58F3CCE8-B272-9A45-12A1-E447E34FDD59}"/>
+                  </a:ext>
+                </a:extLst>
+              </p:cNvPr>
+              <p:cNvPicPr/>
+              <p:nvPr/>
+            </p:nvPicPr>
+            <p:blipFill>
+              <a:blip r:embed="rId13"/>
+              <a:stretch>
+                <a:fillRect/>
+              </a:stretch>
+            </p:blipFill>
+            <p:spPr>
+              <a:xfrm>
+                <a:off x="9056125" y="6407860"/>
+                <a:ext cx="2632320" cy="250920"/>
+              </a:xfrm>
+              <a:prstGeom prst="rect">
+                <a:avLst/>
+              </a:prstGeom>
+            </p:spPr>
+          </p:pic>
+        </mc:Fallback>
+      </mc:AlternateContent>
+    </p:spTree>
+    <p:extLst>
+      <p:ext uri="{BB962C8B-B14F-4D97-AF65-F5344CB8AC3E}">
+        <p14:creationId xmlns:p14="http://schemas.microsoft.com/office/powerpoint/2010/main" val="3332415657"/>
+      </p:ext>
+    </p:extLst>
+  </p:cSld>
+  <p:clrMapOvr>
+    <a:masterClrMapping/>
+  </p:clrMapOvr>
+</p:sld>
+</file>
+
+<file path=ppt/slides/slide27.xml><?xml version="1.0" encoding="utf-8"?>
+<p:sld xmlns:a="http://schemas.openxmlformats.org/drawingml/2006/main" xmlns:r="http://schemas.openxmlformats.org/officeDocument/2006/relationships" xmlns:p="http://schemas.openxmlformats.org/presentationml/2006/main">
+  <p:cSld>
+    <p:spTree>
+      <p:nvGrpSpPr>
+        <p:cNvPr id="1" name="">
+          <a:extLst>
+            <a:ext uri="{FF2B5EF4-FFF2-40B4-BE49-F238E27FC236}">
+              <a16:creationId xmlns:a16="http://schemas.microsoft.com/office/drawing/2014/main" id="{3B770B98-B8ED-0B7E-EF6A-52BC030F660F}"/>
+            </a:ext>
+          </a:extLst>
+        </p:cNvPr>
+        <p:cNvGrpSpPr/>
+        <p:nvPr/>
+      </p:nvGrpSpPr>
+      <p:grpSpPr>
+        <a:xfrm>
+          <a:off x="0" y="0"/>
+          <a:ext cx="0" cy="0"/>
+          <a:chOff x="0" y="0"/>
+          <a:chExt cx="0" cy="0"/>
+        </a:xfrm>
+      </p:grpSpPr>
+      <p:sp>
+        <p:nvSpPr>
+          <p:cNvPr id="3" name="Subtitle 2">
+            <a:extLst>
+              <a:ext uri="{FF2B5EF4-FFF2-40B4-BE49-F238E27FC236}">
+                <a16:creationId xmlns:a16="http://schemas.microsoft.com/office/drawing/2014/main" id="{CB0B0424-CA75-19F7-398B-4854CCF8675D}"/>
+              </a:ext>
+            </a:extLst>
+          </p:cNvPr>
+          <p:cNvSpPr>
+            <a:spLocks noGrp="1"/>
+          </p:cNvSpPr>
+          <p:nvPr>
+            <p:ph type="subTitle" idx="1"/>
+          </p:nvPr>
+        </p:nvSpPr>
+        <p:spPr>
+          <a:xfrm>
+            <a:off x="152399" y="217488"/>
+            <a:ext cx="11223171" cy="303212"/>
+          </a:xfrm>
+        </p:spPr>
+        <p:txBody>
+          <a:bodyPr>
+            <a:normAutofit fontScale="92500" lnSpcReduction="20000"/>
+          </a:bodyPr>
+          <a:lstStyle/>
+          <a:p>
+            <a:r>
+              <a:rPr lang="en-US" sz="1800" b="1"/>
+              <a:t>Chapter 9 – Collections and Generics</a:t>
+            </a:r>
+          </a:p>
+        </p:txBody>
+      </p:sp>
+      <p:sp>
+        <p:nvSpPr>
+          <p:cNvPr id="4" name="Subtitle 2">
+            <a:extLst>
+              <a:ext uri="{FF2B5EF4-FFF2-40B4-BE49-F238E27FC236}">
+                <a16:creationId xmlns:a16="http://schemas.microsoft.com/office/drawing/2014/main" id="{987EDD74-55D2-F77B-B30A-18593B6785F1}"/>
+              </a:ext>
+            </a:extLst>
+          </p:cNvPr>
+          <p:cNvSpPr txBox="1">
+            <a:spLocks/>
+          </p:cNvSpPr>
+          <p:nvPr/>
+        </p:nvSpPr>
+        <p:spPr>
+          <a:xfrm>
+            <a:off x="0" y="820738"/>
+            <a:ext cx="12192000" cy="6037262"/>
+          </a:xfrm>
+          <a:prstGeom prst="rect">
+            <a:avLst/>
+          </a:prstGeom>
+        </p:spPr>
+        <p:txBody>
+          <a:bodyPr vert="horz" lIns="91440" tIns="45720" rIns="91440" bIns="45720" rtlCol="0">
+            <a:normAutofit/>
+          </a:bodyPr>
+          <a:lstStyle>
+            <a:lvl1pPr marL="0" indent="0" algn="ctr" defTabSz="914400" rtl="0" eaLnBrk="1" latinLnBrk="0" hangingPunct="1">
+              <a:lnSpc>
+                <a:spcPct val="90000"/>
+              </a:lnSpc>
+              <a:spcBef>
+                <a:spcPts val="1000"/>
+              </a:spcBef>
+              <a:buFont typeface="Arial" panose="020B0604020202020204" pitchFamily="34" charset="0"/>
+              <a:buNone/>
+              <a:defRPr sz="2400" kern="1200">
+                <a:solidFill>
+                  <a:schemeClr val="tx1"/>
+                </a:solidFill>
+                <a:latin typeface="+mn-lt"/>
+                <a:ea typeface="+mn-ea"/>
+                <a:cs typeface="+mn-cs"/>
+              </a:defRPr>
+            </a:lvl1pPr>
+            <a:lvl2pPr marL="457200" indent="0" algn="ctr" defTabSz="914400" rtl="0" eaLnBrk="1" latinLnBrk="0" hangingPunct="1">
+              <a:lnSpc>
+                <a:spcPct val="90000"/>
+              </a:lnSpc>
+              <a:spcBef>
+                <a:spcPts val="500"/>
+              </a:spcBef>
+              <a:buFont typeface="Arial" panose="020B0604020202020204" pitchFamily="34" charset="0"/>
+              <a:buNone/>
+              <a:defRPr sz="2000" kern="1200">
+                <a:solidFill>
+                  <a:schemeClr val="tx1"/>
+                </a:solidFill>
+                <a:latin typeface="+mn-lt"/>
+                <a:ea typeface="+mn-ea"/>
+                <a:cs typeface="+mn-cs"/>
+              </a:defRPr>
+            </a:lvl2pPr>
+            <a:lvl3pPr marL="914400" indent="0" algn="ctr" defTabSz="914400" rtl="0" eaLnBrk="1" latinLnBrk="0" hangingPunct="1">
+              <a:lnSpc>
+                <a:spcPct val="90000"/>
+              </a:lnSpc>
+              <a:spcBef>
+                <a:spcPts val="500"/>
+              </a:spcBef>
+              <a:buFont typeface="Arial" panose="020B0604020202020204" pitchFamily="34" charset="0"/>
+              <a:buNone/>
+              <a:defRPr sz="1800" kern="1200">
+                <a:solidFill>
+                  <a:schemeClr val="tx1"/>
+                </a:solidFill>
+                <a:latin typeface="+mn-lt"/>
+                <a:ea typeface="+mn-ea"/>
+                <a:cs typeface="+mn-cs"/>
+              </a:defRPr>
+            </a:lvl3pPr>
+            <a:lvl4pPr marL="1371600" indent="0" algn="ctr" defTabSz="914400" rtl="0" eaLnBrk="1" latinLnBrk="0" hangingPunct="1">
+              <a:lnSpc>
+                <a:spcPct val="90000"/>
+              </a:lnSpc>
+              <a:spcBef>
+                <a:spcPts val="500"/>
+              </a:spcBef>
+              <a:buFont typeface="Arial" panose="020B0604020202020204" pitchFamily="34" charset="0"/>
+              <a:buNone/>
+              <a:defRPr sz="1600" kern="1200">
+                <a:solidFill>
+                  <a:schemeClr val="tx1"/>
+                </a:solidFill>
+                <a:latin typeface="+mn-lt"/>
+                <a:ea typeface="+mn-ea"/>
+                <a:cs typeface="+mn-cs"/>
+              </a:defRPr>
+            </a:lvl4pPr>
+            <a:lvl5pPr marL="1828800" indent="0" algn="ctr" defTabSz="914400" rtl="0" eaLnBrk="1" latinLnBrk="0" hangingPunct="1">
+              <a:lnSpc>
+                <a:spcPct val="90000"/>
+              </a:lnSpc>
+              <a:spcBef>
+                <a:spcPts val="500"/>
+              </a:spcBef>
+              <a:buFont typeface="Arial" panose="020B0604020202020204" pitchFamily="34" charset="0"/>
+              <a:buNone/>
+              <a:defRPr sz="1600" kern="1200">
+                <a:solidFill>
+                  <a:schemeClr val="tx1"/>
+                </a:solidFill>
+                <a:latin typeface="+mn-lt"/>
+                <a:ea typeface="+mn-ea"/>
+                <a:cs typeface="+mn-cs"/>
+              </a:defRPr>
+            </a:lvl5pPr>
+            <a:lvl6pPr marL="2286000" indent="0" algn="ctr" defTabSz="914400" rtl="0" eaLnBrk="1" latinLnBrk="0" hangingPunct="1">
+              <a:lnSpc>
+                <a:spcPct val="90000"/>
+              </a:lnSpc>
+              <a:spcBef>
+                <a:spcPts val="500"/>
+              </a:spcBef>
+              <a:buFont typeface="Arial" panose="020B0604020202020204" pitchFamily="34" charset="0"/>
+              <a:buNone/>
+              <a:defRPr sz="1600" kern="1200">
+                <a:solidFill>
+                  <a:schemeClr val="tx1"/>
+                </a:solidFill>
+                <a:latin typeface="+mn-lt"/>
+                <a:ea typeface="+mn-ea"/>
+                <a:cs typeface="+mn-cs"/>
+              </a:defRPr>
+            </a:lvl6pPr>
+            <a:lvl7pPr marL="2743200" indent="0" algn="ctr" defTabSz="914400" rtl="0" eaLnBrk="1" latinLnBrk="0" hangingPunct="1">
+              <a:lnSpc>
+                <a:spcPct val="90000"/>
+              </a:lnSpc>
+              <a:spcBef>
+                <a:spcPts val="500"/>
+              </a:spcBef>
+              <a:buFont typeface="Arial" panose="020B0604020202020204" pitchFamily="34" charset="0"/>
+              <a:buNone/>
+              <a:defRPr sz="1600" kern="1200">
+                <a:solidFill>
+                  <a:schemeClr val="tx1"/>
+                </a:solidFill>
+                <a:latin typeface="+mn-lt"/>
+                <a:ea typeface="+mn-ea"/>
+                <a:cs typeface="+mn-cs"/>
+              </a:defRPr>
+            </a:lvl7pPr>
+            <a:lvl8pPr marL="3200400" indent="0" algn="ctr" defTabSz="914400" rtl="0" eaLnBrk="1" latinLnBrk="0" hangingPunct="1">
+              <a:lnSpc>
+                <a:spcPct val="90000"/>
+              </a:lnSpc>
+              <a:spcBef>
+                <a:spcPts val="500"/>
+              </a:spcBef>
+              <a:buFont typeface="Arial" panose="020B0604020202020204" pitchFamily="34" charset="0"/>
+              <a:buNone/>
+              <a:defRPr sz="1600" kern="1200">
+                <a:solidFill>
+                  <a:schemeClr val="tx1"/>
+                </a:solidFill>
+                <a:latin typeface="+mn-lt"/>
+                <a:ea typeface="+mn-ea"/>
+                <a:cs typeface="+mn-cs"/>
+              </a:defRPr>
+            </a:lvl8pPr>
+            <a:lvl9pPr marL="3657600" indent="0" algn="ctr" defTabSz="914400" rtl="0" eaLnBrk="1" latinLnBrk="0" hangingPunct="1">
+              <a:lnSpc>
+                <a:spcPct val="90000"/>
+              </a:lnSpc>
+              <a:spcBef>
+                <a:spcPts val="500"/>
+              </a:spcBef>
+              <a:buFont typeface="Arial" panose="020B0604020202020204" pitchFamily="34" charset="0"/>
+              <a:buNone/>
+              <a:defRPr sz="1600" kern="1200">
+                <a:solidFill>
+                  <a:schemeClr val="tx1"/>
+                </a:solidFill>
+                <a:latin typeface="+mn-lt"/>
+                <a:ea typeface="+mn-ea"/>
+                <a:cs typeface="+mn-cs"/>
+              </a:defRPr>
+            </a:lvl9pPr>
+          </a:lstStyle>
+          <a:p>
+            <a:pPr algn="l"/>
+            <a:r>
+              <a:rPr lang="en-US" sz="1800">
+                <a:sym typeface="Wingdings" pitchFamily="2" charset="2"/>
+              </a:rPr>
+              <a:t>(code illustration snippet 42)</a:t>
+            </a:r>
+          </a:p>
+          <a:p>
+            <a:pPr algn="l"/>
+            <a:r>
+              <a:rPr lang="en-US" sz="1800" b="1">
+                <a:sym typeface="Wingdings" pitchFamily="2" charset="2"/>
+              </a:rPr>
+              <a:t>Comparing Multiple fields</a:t>
+            </a:r>
+          </a:p>
+          <a:p>
+            <a:pPr algn="l"/>
+            <a:r>
+              <a:rPr lang="en-US" sz="1800">
+                <a:sym typeface="Wingdings" pitchFamily="2" charset="2"/>
+              </a:rPr>
+              <a:t>- When we write ... for multiple ... =&gt; The code will become ... </a:t>
+            </a:r>
+          </a:p>
+          <a:p>
+            <a:pPr algn="l"/>
+            <a:r>
+              <a:rPr lang="en-US" sz="1800">
+                <a:sym typeface="Wingdings" pitchFamily="2" charset="2"/>
+              </a:rPr>
+              <a:t>(code illustration snippet 43)</a:t>
+            </a:r>
+          </a:p>
+          <a:p>
+            <a:pPr algn="l"/>
+            <a:r>
+              <a:rPr lang="en-US" sz="1800">
+                <a:sym typeface="Wingdings" pitchFamily="2" charset="2"/>
+              </a:rPr>
+              <a:t>- Let's say we want to sort ... according to .... If they are the same ... =&gt; Sort according to ...</a:t>
+            </a:r>
+          </a:p>
+          <a:p>
+            <a:pPr algn="l"/>
+            <a:r>
+              <a:rPr lang="en-US" sz="1800">
+                <a:sym typeface="Wingdings" pitchFamily="2" charset="2"/>
+              </a:rPr>
+              <a:t>(code illustration snippet 44)</a:t>
+            </a:r>
+          </a:p>
+          <a:p>
+            <a:pPr algn="l"/>
+            <a:r>
+              <a:rPr lang="en-US" sz="1800">
+                <a:sym typeface="Wingdings" pitchFamily="2" charset="2"/>
+              </a:rPr>
+              <a:t>- If we want ...</a:t>
+            </a:r>
+          </a:p>
+          <a:p>
+            <a:pPr algn="l"/>
+            <a:r>
+              <a:rPr lang="en-US" sz="1800">
+                <a:sym typeface="Wingdings" pitchFamily="2" charset="2"/>
+              </a:rPr>
+              <a:t>(code illustration snippet 45)</a:t>
+            </a:r>
+          </a:p>
+          <a:p>
+            <a:pPr algn="l"/>
+            <a:r>
+              <a:rPr lang="en-US" sz="1800">
+                <a:sym typeface="Wingdings" pitchFamily="2" charset="2"/>
+              </a:rPr>
+              <a:t>- If we want ... order ...</a:t>
+            </a:r>
+          </a:p>
+          <a:p>
+            <a:pPr algn="l"/>
+            <a:r>
+              <a:rPr lang="en-US" sz="1800">
+                <a:sym typeface="Wingdings" pitchFamily="2" charset="2"/>
+              </a:rPr>
+              <a:t>(code illustration snippet 46)</a:t>
+            </a:r>
+          </a:p>
+          <a:p>
+            <a:pPr algn="l"/>
+            <a:endParaRPr lang="en-US" sz="1800">
+              <a:sym typeface="Wingdings" pitchFamily="2" charset="2"/>
+            </a:endParaRPr>
+          </a:p>
+        </p:txBody>
+      </p:sp>
+    </p:spTree>
+    <p:extLst>
+      <p:ext uri="{BB962C8B-B14F-4D97-AF65-F5344CB8AC3E}">
+        <p14:creationId xmlns:p14="http://schemas.microsoft.com/office/powerpoint/2010/main" val="2123215369"/>
+      </p:ext>
+    </p:extLst>
+  </p:cSld>
+  <p:clrMapOvr>
+    <a:masterClrMapping/>
+  </p:clrMapOvr>
+</p:sld>
+</file>
+
+<file path=ppt/slides/slide28.xml><?xml version="1.0" encoding="utf-8"?>
+<p:sld xmlns:a="http://schemas.openxmlformats.org/drawingml/2006/main" xmlns:r="http://schemas.openxmlformats.org/officeDocument/2006/relationships" xmlns:p="http://schemas.openxmlformats.org/presentationml/2006/main">
+  <p:cSld>
+    <p:spTree>
+      <p:nvGrpSpPr>
+        <p:cNvPr id="1" name="">
+          <a:extLst>
+            <a:ext uri="{FF2B5EF4-FFF2-40B4-BE49-F238E27FC236}">
+              <a16:creationId xmlns:a16="http://schemas.microsoft.com/office/drawing/2014/main" id="{D0C39894-F81F-A8EF-BE17-8E3AC5DC4142}"/>
+            </a:ext>
+          </a:extLst>
+        </p:cNvPr>
+        <p:cNvGrpSpPr/>
+        <p:nvPr/>
+      </p:nvGrpSpPr>
+      <p:grpSpPr>
+        <a:xfrm>
+          <a:off x="0" y="0"/>
+          <a:ext cx="0" cy="0"/>
+          <a:chOff x="0" y="0"/>
+          <a:chExt cx="0" cy="0"/>
+        </a:xfrm>
+      </p:grpSpPr>
+      <p:sp>
+        <p:nvSpPr>
+          <p:cNvPr id="3" name="Subtitle 2">
+            <a:extLst>
+              <a:ext uri="{FF2B5EF4-FFF2-40B4-BE49-F238E27FC236}">
+                <a16:creationId xmlns:a16="http://schemas.microsoft.com/office/drawing/2014/main" id="{65899F4F-4D12-2C17-10ED-9547EF99F78F}"/>
+              </a:ext>
+            </a:extLst>
+          </p:cNvPr>
+          <p:cNvSpPr>
+            <a:spLocks noGrp="1"/>
+          </p:cNvSpPr>
+          <p:nvPr>
+            <p:ph type="subTitle" idx="1"/>
+          </p:nvPr>
+        </p:nvSpPr>
+        <p:spPr>
+          <a:xfrm>
+            <a:off x="152399" y="217488"/>
+            <a:ext cx="11223171" cy="303212"/>
+          </a:xfrm>
+        </p:spPr>
+        <p:txBody>
+          <a:bodyPr>
+            <a:normAutofit fontScale="92500" lnSpcReduction="20000"/>
+          </a:bodyPr>
+          <a:lstStyle/>
+          <a:p>
+            <a:r>
+              <a:rPr lang="en-US" sz="1800" b="1"/>
+              <a:t>Chapter 9 – Collections and Generics</a:t>
+            </a:r>
+          </a:p>
+        </p:txBody>
+      </p:sp>
+      <p:sp>
+        <p:nvSpPr>
+          <p:cNvPr id="4" name="Subtitle 2">
+            <a:extLst>
+              <a:ext uri="{FF2B5EF4-FFF2-40B4-BE49-F238E27FC236}">
+                <a16:creationId xmlns:a16="http://schemas.microsoft.com/office/drawing/2014/main" id="{9E58DD41-FBB5-03B1-53FD-83755FC8AD63}"/>
+              </a:ext>
+            </a:extLst>
+          </p:cNvPr>
+          <p:cNvSpPr txBox="1">
+            <a:spLocks/>
+          </p:cNvSpPr>
+          <p:nvPr/>
+        </p:nvSpPr>
+        <p:spPr>
+          <a:xfrm>
+            <a:off x="0" y="820738"/>
+            <a:ext cx="12192000" cy="6037262"/>
+          </a:xfrm>
+          <a:prstGeom prst="rect">
+            <a:avLst/>
+          </a:prstGeom>
+        </p:spPr>
+        <p:txBody>
+          <a:bodyPr vert="horz" lIns="91440" tIns="45720" rIns="91440" bIns="45720" rtlCol="0">
+            <a:normAutofit/>
+          </a:bodyPr>
+          <a:lstStyle>
+            <a:lvl1pPr marL="0" indent="0" algn="ctr" defTabSz="914400" rtl="0" eaLnBrk="1" latinLnBrk="0" hangingPunct="1">
+              <a:lnSpc>
+                <a:spcPct val="90000"/>
+              </a:lnSpc>
+              <a:spcBef>
+                <a:spcPts val="1000"/>
+              </a:spcBef>
+              <a:buFont typeface="Arial" panose="020B0604020202020204" pitchFamily="34" charset="0"/>
+              <a:buNone/>
+              <a:defRPr sz="2400" kern="1200">
+                <a:solidFill>
+                  <a:schemeClr val="tx1"/>
+                </a:solidFill>
+                <a:latin typeface="+mn-lt"/>
+                <a:ea typeface="+mn-ea"/>
+                <a:cs typeface="+mn-cs"/>
+              </a:defRPr>
+            </a:lvl1pPr>
+            <a:lvl2pPr marL="457200" indent="0" algn="ctr" defTabSz="914400" rtl="0" eaLnBrk="1" latinLnBrk="0" hangingPunct="1">
+              <a:lnSpc>
+                <a:spcPct val="90000"/>
+              </a:lnSpc>
+              <a:spcBef>
+                <a:spcPts val="500"/>
+              </a:spcBef>
+              <a:buFont typeface="Arial" panose="020B0604020202020204" pitchFamily="34" charset="0"/>
+              <a:buNone/>
+              <a:defRPr sz="2000" kern="1200">
+                <a:solidFill>
+                  <a:schemeClr val="tx1"/>
+                </a:solidFill>
+                <a:latin typeface="+mn-lt"/>
+                <a:ea typeface="+mn-ea"/>
+                <a:cs typeface="+mn-cs"/>
+              </a:defRPr>
+            </a:lvl2pPr>
+            <a:lvl3pPr marL="914400" indent="0" algn="ctr" defTabSz="914400" rtl="0" eaLnBrk="1" latinLnBrk="0" hangingPunct="1">
+              <a:lnSpc>
+                <a:spcPct val="90000"/>
+              </a:lnSpc>
+              <a:spcBef>
+                <a:spcPts val="500"/>
+              </a:spcBef>
+              <a:buFont typeface="Arial" panose="020B0604020202020204" pitchFamily="34" charset="0"/>
+              <a:buNone/>
+              <a:defRPr sz="1800" kern="1200">
+                <a:solidFill>
+                  <a:schemeClr val="tx1"/>
+                </a:solidFill>
+                <a:latin typeface="+mn-lt"/>
+                <a:ea typeface="+mn-ea"/>
+                <a:cs typeface="+mn-cs"/>
+              </a:defRPr>
+            </a:lvl3pPr>
+            <a:lvl4pPr marL="1371600" indent="0" algn="ctr" defTabSz="914400" rtl="0" eaLnBrk="1" latinLnBrk="0" hangingPunct="1">
+              <a:lnSpc>
+                <a:spcPct val="90000"/>
+              </a:lnSpc>
+              <a:spcBef>
+                <a:spcPts val="500"/>
+              </a:spcBef>
+              <a:buFont typeface="Arial" panose="020B0604020202020204" pitchFamily="34" charset="0"/>
+              <a:buNone/>
+              <a:defRPr sz="1600" kern="1200">
+                <a:solidFill>
+                  <a:schemeClr val="tx1"/>
+                </a:solidFill>
+                <a:latin typeface="+mn-lt"/>
+                <a:ea typeface="+mn-ea"/>
+                <a:cs typeface="+mn-cs"/>
+              </a:defRPr>
+            </a:lvl4pPr>
+            <a:lvl5pPr marL="1828800" indent="0" algn="ctr" defTabSz="914400" rtl="0" eaLnBrk="1" latinLnBrk="0" hangingPunct="1">
+              <a:lnSpc>
+                <a:spcPct val="90000"/>
+              </a:lnSpc>
+              <a:spcBef>
+                <a:spcPts val="500"/>
+              </a:spcBef>
+              <a:buFont typeface="Arial" panose="020B0604020202020204" pitchFamily="34" charset="0"/>
+              <a:buNone/>
+              <a:defRPr sz="1600" kern="1200">
+                <a:solidFill>
+                  <a:schemeClr val="tx1"/>
+                </a:solidFill>
+                <a:latin typeface="+mn-lt"/>
+                <a:ea typeface="+mn-ea"/>
+                <a:cs typeface="+mn-cs"/>
+              </a:defRPr>
+            </a:lvl5pPr>
+            <a:lvl6pPr marL="2286000" indent="0" algn="ctr" defTabSz="914400" rtl="0" eaLnBrk="1" latinLnBrk="0" hangingPunct="1">
+              <a:lnSpc>
+                <a:spcPct val="90000"/>
+              </a:lnSpc>
+              <a:spcBef>
+                <a:spcPts val="500"/>
+              </a:spcBef>
+              <a:buFont typeface="Arial" panose="020B0604020202020204" pitchFamily="34" charset="0"/>
+              <a:buNone/>
+              <a:defRPr sz="1600" kern="1200">
+                <a:solidFill>
+                  <a:schemeClr val="tx1"/>
+                </a:solidFill>
+                <a:latin typeface="+mn-lt"/>
+                <a:ea typeface="+mn-ea"/>
+                <a:cs typeface="+mn-cs"/>
+              </a:defRPr>
+            </a:lvl6pPr>
+            <a:lvl7pPr marL="2743200" indent="0" algn="ctr" defTabSz="914400" rtl="0" eaLnBrk="1" latinLnBrk="0" hangingPunct="1">
+              <a:lnSpc>
+                <a:spcPct val="90000"/>
+              </a:lnSpc>
+              <a:spcBef>
+                <a:spcPts val="500"/>
+              </a:spcBef>
+              <a:buFont typeface="Arial" panose="020B0604020202020204" pitchFamily="34" charset="0"/>
+              <a:buNone/>
+              <a:defRPr sz="1600" kern="1200">
+                <a:solidFill>
+                  <a:schemeClr val="tx1"/>
+                </a:solidFill>
+                <a:latin typeface="+mn-lt"/>
+                <a:ea typeface="+mn-ea"/>
+                <a:cs typeface="+mn-cs"/>
+              </a:defRPr>
+            </a:lvl7pPr>
+            <a:lvl8pPr marL="3200400" indent="0" algn="ctr" defTabSz="914400" rtl="0" eaLnBrk="1" latinLnBrk="0" hangingPunct="1">
+              <a:lnSpc>
+                <a:spcPct val="90000"/>
+              </a:lnSpc>
+              <a:spcBef>
+                <a:spcPts val="500"/>
+              </a:spcBef>
+              <a:buFont typeface="Arial" panose="020B0604020202020204" pitchFamily="34" charset="0"/>
+              <a:buNone/>
+              <a:defRPr sz="1600" kern="1200">
+                <a:solidFill>
+                  <a:schemeClr val="tx1"/>
+                </a:solidFill>
+                <a:latin typeface="+mn-lt"/>
+                <a:ea typeface="+mn-ea"/>
+                <a:cs typeface="+mn-cs"/>
+              </a:defRPr>
+            </a:lvl8pPr>
+            <a:lvl9pPr marL="3657600" indent="0" algn="ctr" defTabSz="914400" rtl="0" eaLnBrk="1" latinLnBrk="0" hangingPunct="1">
+              <a:lnSpc>
+                <a:spcPct val="90000"/>
+              </a:lnSpc>
+              <a:spcBef>
+                <a:spcPts val="500"/>
+              </a:spcBef>
+              <a:buFont typeface="Arial" panose="020B0604020202020204" pitchFamily="34" charset="0"/>
+              <a:buNone/>
+              <a:defRPr sz="1600" kern="1200">
+                <a:solidFill>
+                  <a:schemeClr val="tx1"/>
+                </a:solidFill>
+                <a:latin typeface="+mn-lt"/>
+                <a:ea typeface="+mn-ea"/>
+                <a:cs typeface="+mn-cs"/>
+              </a:defRPr>
+            </a:lvl9pPr>
+          </a:lstStyle>
+          <a:p>
+            <a:pPr algn="l"/>
+            <a:endParaRPr lang="en-US" sz="1800">
+              <a:sym typeface="Wingdings" pitchFamily="2" charset="2"/>
+            </a:endParaRPr>
+          </a:p>
+        </p:txBody>
+      </p:sp>
+      <p:pic>
+        <p:nvPicPr>
+          <p:cNvPr id="2" name="Picture 1">
+            <a:extLst>
+              <a:ext uri="{FF2B5EF4-FFF2-40B4-BE49-F238E27FC236}">
+                <a16:creationId xmlns:a16="http://schemas.microsoft.com/office/drawing/2014/main" id="{D053830D-5727-FAAB-7C93-2B251CB7CC41}"/>
+              </a:ext>
+            </a:extLst>
+          </p:cNvPr>
+          <p:cNvPicPr>
+            <a:picLocks noChangeAspect="1"/>
+          </p:cNvPicPr>
+          <p:nvPr/>
+        </p:nvPicPr>
+        <p:blipFill>
+          <a:blip r:embed="rId3"/>
+          <a:stretch>
+            <a:fillRect/>
+          </a:stretch>
+        </p:blipFill>
+        <p:spPr>
+          <a:xfrm>
+            <a:off x="2209800" y="1512887"/>
+            <a:ext cx="7772400" cy="3832225"/>
+          </a:xfrm>
+          <a:prstGeom prst="rect">
+            <a:avLst/>
+          </a:prstGeom>
+        </p:spPr>
+      </p:pic>
+      <mc:AlternateContent xmlns:mc="http://schemas.openxmlformats.org/markup-compatibility/2006">
+        <mc:Choice xmlns:p14="http://schemas.microsoft.com/office/powerpoint/2010/main" Requires="p14">
+          <p:contentPart p14:bwMode="auto" r:id="rId4">
+            <p14:nvContentPartPr>
+              <p14:cNvPr id="5" name="Ink 4">
+                <a:extLst>
+                  <a:ext uri="{FF2B5EF4-FFF2-40B4-BE49-F238E27FC236}">
+                    <a16:creationId xmlns:a16="http://schemas.microsoft.com/office/drawing/2014/main" id="{B969C6E8-AD1A-9F88-CFA7-972303D1A332}"/>
+                  </a:ext>
+                </a:extLst>
+              </p14:cNvPr>
+              <p14:cNvContentPartPr/>
+              <p14:nvPr/>
+            </p14:nvContentPartPr>
+            <p14:xfrm>
+              <a:off x="5023405" y="2146540"/>
+              <a:ext cx="4789800" cy="376920"/>
+            </p14:xfrm>
+          </p:contentPart>
+        </mc:Choice>
+        <mc:Fallback>
+          <p:pic>
+            <p:nvPicPr>
+              <p:cNvPr id="5" name="Ink 4">
+                <a:extLst>
+                  <a:ext uri="{FF2B5EF4-FFF2-40B4-BE49-F238E27FC236}">
+                    <a16:creationId xmlns:a16="http://schemas.microsoft.com/office/drawing/2014/main" id="{B969C6E8-AD1A-9F88-CFA7-972303D1A332}"/>
+                  </a:ext>
+                </a:extLst>
+              </p:cNvPr>
+              <p:cNvPicPr/>
+              <p:nvPr/>
+            </p:nvPicPr>
+            <p:blipFill>
+              <a:blip r:embed="rId5"/>
+              <a:stretch>
+                <a:fillRect/>
+              </a:stretch>
+            </p:blipFill>
+            <p:spPr>
+              <a:xfrm>
+                <a:off x="4960765" y="2083900"/>
+                <a:ext cx="4915440" cy="502560"/>
+              </a:xfrm>
+              <a:prstGeom prst="rect">
+                <a:avLst/>
+              </a:prstGeom>
+            </p:spPr>
+          </p:pic>
+        </mc:Fallback>
+      </mc:AlternateContent>
+      <mc:AlternateContent xmlns:mc="http://schemas.openxmlformats.org/markup-compatibility/2006">
+        <mc:Choice xmlns:p14="http://schemas.microsoft.com/office/powerpoint/2010/main" Requires="p14">
+          <p:contentPart p14:bwMode="auto" r:id="rId6">
+            <p14:nvContentPartPr>
+              <p14:cNvPr id="6" name="Ink 5">
+                <a:extLst>
+                  <a:ext uri="{FF2B5EF4-FFF2-40B4-BE49-F238E27FC236}">
+                    <a16:creationId xmlns:a16="http://schemas.microsoft.com/office/drawing/2014/main" id="{53AF9B20-0BC2-9C7D-2809-D7DC74ACC13E}"/>
+                  </a:ext>
+                </a:extLst>
+              </p14:cNvPr>
+              <p14:cNvContentPartPr/>
+              <p14:nvPr/>
+            </p14:nvContentPartPr>
+            <p14:xfrm>
+              <a:off x="5111605" y="2777260"/>
+              <a:ext cx="4530600" cy="147600"/>
+            </p14:xfrm>
+          </p:contentPart>
+        </mc:Choice>
+        <mc:Fallback>
+          <p:pic>
+            <p:nvPicPr>
+              <p:cNvPr id="6" name="Ink 5">
+                <a:extLst>
+                  <a:ext uri="{FF2B5EF4-FFF2-40B4-BE49-F238E27FC236}">
+                    <a16:creationId xmlns:a16="http://schemas.microsoft.com/office/drawing/2014/main" id="{53AF9B20-0BC2-9C7D-2809-D7DC74ACC13E}"/>
+                  </a:ext>
+                </a:extLst>
+              </p:cNvPr>
+              <p:cNvPicPr/>
+              <p:nvPr/>
+            </p:nvPicPr>
+            <p:blipFill>
+              <a:blip r:embed="rId7"/>
+              <a:stretch>
+                <a:fillRect/>
+              </a:stretch>
+            </p:blipFill>
+            <p:spPr>
+              <a:xfrm>
+                <a:off x="5048965" y="2714260"/>
+                <a:ext cx="4656240" cy="273240"/>
+              </a:xfrm>
+              <a:prstGeom prst="rect">
+                <a:avLst/>
+              </a:prstGeom>
+            </p:spPr>
+          </p:pic>
+        </mc:Fallback>
+      </mc:AlternateContent>
+      <mc:AlternateContent xmlns:mc="http://schemas.openxmlformats.org/markup-compatibility/2006">
+        <mc:Choice xmlns:p14="http://schemas.microsoft.com/office/powerpoint/2010/main" Requires="p14">
+          <p:contentPart p14:bwMode="auto" r:id="rId8">
+            <p14:nvContentPartPr>
+              <p14:cNvPr id="7" name="Ink 6">
+                <a:extLst>
+                  <a:ext uri="{FF2B5EF4-FFF2-40B4-BE49-F238E27FC236}">
+                    <a16:creationId xmlns:a16="http://schemas.microsoft.com/office/drawing/2014/main" id="{15F9C695-6D85-BF8B-C38A-355F53D85BFB}"/>
+                  </a:ext>
+                </a:extLst>
+              </p14:cNvPr>
+              <p14:cNvContentPartPr/>
+              <p14:nvPr/>
+            </p14:nvContentPartPr>
+            <p14:xfrm>
+              <a:off x="4851685" y="3234460"/>
+              <a:ext cx="4568040" cy="136800"/>
+            </p14:xfrm>
+          </p:contentPart>
+        </mc:Choice>
+        <mc:Fallback>
+          <p:pic>
+            <p:nvPicPr>
+              <p:cNvPr id="7" name="Ink 6">
+                <a:extLst>
+                  <a:ext uri="{FF2B5EF4-FFF2-40B4-BE49-F238E27FC236}">
+                    <a16:creationId xmlns:a16="http://schemas.microsoft.com/office/drawing/2014/main" id="{15F9C695-6D85-BF8B-C38A-355F53D85BFB}"/>
+                  </a:ext>
+                </a:extLst>
+              </p:cNvPr>
+              <p:cNvPicPr/>
+              <p:nvPr/>
+            </p:nvPicPr>
+            <p:blipFill>
+              <a:blip r:embed="rId9"/>
+              <a:stretch>
+                <a:fillRect/>
+              </a:stretch>
+            </p:blipFill>
+            <p:spPr>
+              <a:xfrm>
+                <a:off x="4788685" y="3171460"/>
+                <a:ext cx="4693680" cy="262440"/>
+              </a:xfrm>
+              <a:prstGeom prst="rect">
+                <a:avLst/>
+              </a:prstGeom>
+            </p:spPr>
+          </p:pic>
+        </mc:Fallback>
+      </mc:AlternateContent>
+      <mc:AlternateContent xmlns:mc="http://schemas.openxmlformats.org/markup-compatibility/2006">
+        <mc:Choice xmlns:p14="http://schemas.microsoft.com/office/powerpoint/2010/main" Requires="p14">
+          <p:contentPart p14:bwMode="auto" r:id="rId10">
+            <p14:nvContentPartPr>
+              <p14:cNvPr id="8" name="Ink 7">
+                <a:extLst>
+                  <a:ext uri="{FF2B5EF4-FFF2-40B4-BE49-F238E27FC236}">
+                    <a16:creationId xmlns:a16="http://schemas.microsoft.com/office/drawing/2014/main" id="{B661402E-9D21-32FA-C2FB-1D78279CF962}"/>
+                  </a:ext>
+                </a:extLst>
+              </p14:cNvPr>
+              <p14:cNvContentPartPr/>
+              <p14:nvPr/>
+            </p14:nvContentPartPr>
+            <p14:xfrm>
+              <a:off x="5135005" y="3659620"/>
+              <a:ext cx="4294080" cy="202680"/>
+            </p14:xfrm>
+          </p:contentPart>
+        </mc:Choice>
+        <mc:Fallback>
+          <p:pic>
+            <p:nvPicPr>
+              <p:cNvPr id="8" name="Ink 7">
+                <a:extLst>
+                  <a:ext uri="{FF2B5EF4-FFF2-40B4-BE49-F238E27FC236}">
+                    <a16:creationId xmlns:a16="http://schemas.microsoft.com/office/drawing/2014/main" id="{B661402E-9D21-32FA-C2FB-1D78279CF962}"/>
+                  </a:ext>
+                </a:extLst>
+              </p:cNvPr>
+              <p:cNvPicPr/>
+              <p:nvPr/>
+            </p:nvPicPr>
+            <p:blipFill>
+              <a:blip r:embed="rId11"/>
+              <a:stretch>
+                <a:fillRect/>
+              </a:stretch>
+            </p:blipFill>
+            <p:spPr>
+              <a:xfrm>
+                <a:off x="5072005" y="3596980"/>
+                <a:ext cx="4419720" cy="328320"/>
+              </a:xfrm>
+              <a:prstGeom prst="rect">
+                <a:avLst/>
+              </a:prstGeom>
+            </p:spPr>
+          </p:pic>
+        </mc:Fallback>
+      </mc:AlternateContent>
+      <mc:AlternateContent xmlns:mc="http://schemas.openxmlformats.org/markup-compatibility/2006">
+        <mc:Choice xmlns:p14="http://schemas.microsoft.com/office/powerpoint/2010/main" Requires="p14">
+          <p:contentPart p14:bwMode="auto" r:id="rId12">
+            <p14:nvContentPartPr>
+              <p14:cNvPr id="9" name="Ink 8">
+                <a:extLst>
+                  <a:ext uri="{FF2B5EF4-FFF2-40B4-BE49-F238E27FC236}">
+                    <a16:creationId xmlns:a16="http://schemas.microsoft.com/office/drawing/2014/main" id="{AF2C5E80-C02C-EA1A-6A29-552B64DEBE18}"/>
+                  </a:ext>
+                </a:extLst>
+              </p14:cNvPr>
+              <p14:cNvContentPartPr/>
+              <p14:nvPr/>
+            </p14:nvContentPartPr>
+            <p14:xfrm>
+              <a:off x="4816045" y="4124380"/>
+              <a:ext cx="4354920" cy="321840"/>
+            </p14:xfrm>
+          </p:contentPart>
+        </mc:Choice>
+        <mc:Fallback>
+          <p:pic>
+            <p:nvPicPr>
+              <p:cNvPr id="9" name="Ink 8">
+                <a:extLst>
+                  <a:ext uri="{FF2B5EF4-FFF2-40B4-BE49-F238E27FC236}">
+                    <a16:creationId xmlns:a16="http://schemas.microsoft.com/office/drawing/2014/main" id="{AF2C5E80-C02C-EA1A-6A29-552B64DEBE18}"/>
+                  </a:ext>
+                </a:extLst>
+              </p:cNvPr>
+              <p:cNvPicPr/>
+              <p:nvPr/>
+            </p:nvPicPr>
+            <p:blipFill>
+              <a:blip r:embed="rId13"/>
+              <a:stretch>
+                <a:fillRect/>
+              </a:stretch>
+            </p:blipFill>
+            <p:spPr>
+              <a:xfrm>
+                <a:off x="4753405" y="4061740"/>
+                <a:ext cx="4480560" cy="447480"/>
+              </a:xfrm>
+              <a:prstGeom prst="rect">
+                <a:avLst/>
+              </a:prstGeom>
+            </p:spPr>
+          </p:pic>
+        </mc:Fallback>
+      </mc:AlternateContent>
+      <mc:AlternateContent xmlns:mc="http://schemas.openxmlformats.org/markup-compatibility/2006">
+        <mc:Choice xmlns:p14="http://schemas.microsoft.com/office/powerpoint/2010/main" Requires="p14">
+          <p:contentPart p14:bwMode="auto" r:id="rId14">
+            <p14:nvContentPartPr>
+              <p14:cNvPr id="10" name="Ink 9">
+                <a:extLst>
+                  <a:ext uri="{FF2B5EF4-FFF2-40B4-BE49-F238E27FC236}">
+                    <a16:creationId xmlns:a16="http://schemas.microsoft.com/office/drawing/2014/main" id="{FE38C035-EA14-7AFF-391D-8E829A643A6D}"/>
+                  </a:ext>
+                </a:extLst>
+              </p14:cNvPr>
+              <p14:cNvContentPartPr/>
+              <p14:nvPr/>
+            </p14:nvContentPartPr>
+            <p14:xfrm>
+              <a:off x="4931605" y="4786060"/>
+              <a:ext cx="4692240" cy="326880"/>
+            </p14:xfrm>
+          </p:contentPart>
+        </mc:Choice>
+        <mc:Fallback>
+          <p:pic>
+            <p:nvPicPr>
+              <p:cNvPr id="10" name="Ink 9">
+                <a:extLst>
+                  <a:ext uri="{FF2B5EF4-FFF2-40B4-BE49-F238E27FC236}">
+                    <a16:creationId xmlns:a16="http://schemas.microsoft.com/office/drawing/2014/main" id="{FE38C035-EA14-7AFF-391D-8E829A643A6D}"/>
+                  </a:ext>
+                </a:extLst>
+              </p:cNvPr>
+              <p:cNvPicPr/>
+              <p:nvPr/>
+            </p:nvPicPr>
+            <p:blipFill>
+              <a:blip r:embed="rId15"/>
+              <a:stretch>
+                <a:fillRect/>
+              </a:stretch>
+            </p:blipFill>
+            <p:spPr>
+              <a:xfrm>
+                <a:off x="4868965" y="4723420"/>
+                <a:ext cx="4817880" cy="452520"/>
+              </a:xfrm>
+              <a:prstGeom prst="rect">
+                <a:avLst/>
+              </a:prstGeom>
+            </p:spPr>
+          </p:pic>
+        </mc:Fallback>
+      </mc:AlternateContent>
+    </p:spTree>
+    <p:extLst>
+      <p:ext uri="{BB962C8B-B14F-4D97-AF65-F5344CB8AC3E}">
+        <p14:creationId xmlns:p14="http://schemas.microsoft.com/office/powerpoint/2010/main" val="3498839585"/>
+      </p:ext>
+    </p:extLst>
+  </p:cSld>
+  <p:clrMapOvr>
+    <a:masterClrMapping/>
+  </p:clrMapOvr>
+</p:sld>
+</file>
+
+<file path=ppt/slides/slide29.xml><?xml version="1.0" encoding="utf-8"?>
+<p:sld xmlns:a="http://schemas.openxmlformats.org/drawingml/2006/main" xmlns:r="http://schemas.openxmlformats.org/officeDocument/2006/relationships" xmlns:p="http://schemas.openxmlformats.org/presentationml/2006/main">
+  <p:cSld>
+    <p:spTree>
+      <p:nvGrpSpPr>
+        <p:cNvPr id="1" name="">
+          <a:extLst>
+            <a:ext uri="{FF2B5EF4-FFF2-40B4-BE49-F238E27FC236}">
+              <a16:creationId xmlns:a16="http://schemas.microsoft.com/office/drawing/2014/main" id="{DC59D15F-470C-9883-C441-8159E1B97115}"/>
+            </a:ext>
+          </a:extLst>
+        </p:cNvPr>
+        <p:cNvGrpSpPr/>
+        <p:nvPr/>
+      </p:nvGrpSpPr>
+      <p:grpSpPr>
+        <a:xfrm>
+          <a:off x="0" y="0"/>
+          <a:ext cx="0" cy="0"/>
+          <a:chOff x="0" y="0"/>
+          <a:chExt cx="0" cy="0"/>
+        </a:xfrm>
+      </p:grpSpPr>
+      <p:sp>
+        <p:nvSpPr>
+          <p:cNvPr id="3" name="Subtitle 2">
+            <a:extLst>
+              <a:ext uri="{FF2B5EF4-FFF2-40B4-BE49-F238E27FC236}">
+                <a16:creationId xmlns:a16="http://schemas.microsoft.com/office/drawing/2014/main" id="{B2EF39C0-9594-2089-7C8D-851927512FC3}"/>
+              </a:ext>
+            </a:extLst>
+          </p:cNvPr>
+          <p:cNvSpPr>
+            <a:spLocks noGrp="1"/>
+          </p:cNvSpPr>
+          <p:nvPr>
+            <p:ph type="subTitle" idx="1"/>
+          </p:nvPr>
+        </p:nvSpPr>
+        <p:spPr>
+          <a:xfrm>
+            <a:off x="152399" y="217488"/>
+            <a:ext cx="11223171" cy="303212"/>
+          </a:xfrm>
+        </p:spPr>
+        <p:txBody>
+          <a:bodyPr>
+            <a:normAutofit fontScale="92500" lnSpcReduction="20000"/>
+          </a:bodyPr>
+          <a:lstStyle/>
+          <a:p>
+            <a:r>
+              <a:rPr lang="en-US" sz="1800" b="1"/>
+              <a:t>Chapter 9 – Collections and Generics</a:t>
+            </a:r>
+          </a:p>
+        </p:txBody>
+      </p:sp>
+      <p:sp>
+        <p:nvSpPr>
+          <p:cNvPr id="4" name="Subtitle 2">
+            <a:extLst>
+              <a:ext uri="{FF2B5EF4-FFF2-40B4-BE49-F238E27FC236}">
+                <a16:creationId xmlns:a16="http://schemas.microsoft.com/office/drawing/2014/main" id="{ECE8CAC3-3548-3984-608D-6C01E81AE9B1}"/>
+              </a:ext>
+            </a:extLst>
+          </p:cNvPr>
+          <p:cNvSpPr txBox="1">
+            <a:spLocks/>
+          </p:cNvSpPr>
+          <p:nvPr/>
+        </p:nvSpPr>
+        <p:spPr>
+          <a:xfrm>
+            <a:off x="0" y="820738"/>
+            <a:ext cx="12192000" cy="6037262"/>
+          </a:xfrm>
+          <a:prstGeom prst="rect">
+            <a:avLst/>
+          </a:prstGeom>
+        </p:spPr>
+        <p:txBody>
+          <a:bodyPr vert="horz" lIns="91440" tIns="45720" rIns="91440" bIns="45720" rtlCol="0">
+            <a:normAutofit/>
+          </a:bodyPr>
+          <a:lstStyle>
+            <a:lvl1pPr marL="0" indent="0" algn="ctr" defTabSz="914400" rtl="0" eaLnBrk="1" latinLnBrk="0" hangingPunct="1">
+              <a:lnSpc>
+                <a:spcPct val="90000"/>
+              </a:lnSpc>
+              <a:spcBef>
+                <a:spcPts val="1000"/>
+              </a:spcBef>
+              <a:buFont typeface="Arial" panose="020B0604020202020204" pitchFamily="34" charset="0"/>
+              <a:buNone/>
+              <a:defRPr sz="2400" kern="1200">
+                <a:solidFill>
+                  <a:schemeClr val="tx1"/>
+                </a:solidFill>
+                <a:latin typeface="+mn-lt"/>
+                <a:ea typeface="+mn-ea"/>
+                <a:cs typeface="+mn-cs"/>
+              </a:defRPr>
+            </a:lvl1pPr>
+            <a:lvl2pPr marL="457200" indent="0" algn="ctr" defTabSz="914400" rtl="0" eaLnBrk="1" latinLnBrk="0" hangingPunct="1">
+              <a:lnSpc>
+                <a:spcPct val="90000"/>
+              </a:lnSpc>
+              <a:spcBef>
+                <a:spcPts val="500"/>
+              </a:spcBef>
+              <a:buFont typeface="Arial" panose="020B0604020202020204" pitchFamily="34" charset="0"/>
+              <a:buNone/>
+              <a:defRPr sz="2000" kern="1200">
+                <a:solidFill>
+                  <a:schemeClr val="tx1"/>
+                </a:solidFill>
+                <a:latin typeface="+mn-lt"/>
+                <a:ea typeface="+mn-ea"/>
+                <a:cs typeface="+mn-cs"/>
+              </a:defRPr>
+            </a:lvl2pPr>
+            <a:lvl3pPr marL="914400" indent="0" algn="ctr" defTabSz="914400" rtl="0" eaLnBrk="1" latinLnBrk="0" hangingPunct="1">
+              <a:lnSpc>
+                <a:spcPct val="90000"/>
+              </a:lnSpc>
+              <a:spcBef>
+                <a:spcPts val="500"/>
+              </a:spcBef>
+              <a:buFont typeface="Arial" panose="020B0604020202020204" pitchFamily="34" charset="0"/>
+              <a:buNone/>
+              <a:defRPr sz="1800" kern="1200">
+                <a:solidFill>
+                  <a:schemeClr val="tx1"/>
+                </a:solidFill>
+                <a:latin typeface="+mn-lt"/>
+                <a:ea typeface="+mn-ea"/>
+                <a:cs typeface="+mn-cs"/>
+              </a:defRPr>
+            </a:lvl3pPr>
+            <a:lvl4pPr marL="1371600" indent="0" algn="ctr" defTabSz="914400" rtl="0" eaLnBrk="1" latinLnBrk="0" hangingPunct="1">
+              <a:lnSpc>
+                <a:spcPct val="90000"/>
+              </a:lnSpc>
+              <a:spcBef>
+                <a:spcPts val="500"/>
+              </a:spcBef>
+              <a:buFont typeface="Arial" panose="020B0604020202020204" pitchFamily="34" charset="0"/>
+              <a:buNone/>
+              <a:defRPr sz="1600" kern="1200">
+                <a:solidFill>
+                  <a:schemeClr val="tx1"/>
+                </a:solidFill>
+                <a:latin typeface="+mn-lt"/>
+                <a:ea typeface="+mn-ea"/>
+                <a:cs typeface="+mn-cs"/>
+              </a:defRPr>
+            </a:lvl4pPr>
+            <a:lvl5pPr marL="1828800" indent="0" algn="ctr" defTabSz="914400" rtl="0" eaLnBrk="1" latinLnBrk="0" hangingPunct="1">
+              <a:lnSpc>
+                <a:spcPct val="90000"/>
+              </a:lnSpc>
+              <a:spcBef>
+                <a:spcPts val="500"/>
+              </a:spcBef>
+              <a:buFont typeface="Arial" panose="020B0604020202020204" pitchFamily="34" charset="0"/>
+              <a:buNone/>
+              <a:defRPr sz="1600" kern="1200">
+                <a:solidFill>
+                  <a:schemeClr val="tx1"/>
+                </a:solidFill>
+                <a:latin typeface="+mn-lt"/>
+                <a:ea typeface="+mn-ea"/>
+                <a:cs typeface="+mn-cs"/>
+              </a:defRPr>
+            </a:lvl5pPr>
+            <a:lvl6pPr marL="2286000" indent="0" algn="ctr" defTabSz="914400" rtl="0" eaLnBrk="1" latinLnBrk="0" hangingPunct="1">
+              <a:lnSpc>
+                <a:spcPct val="90000"/>
+              </a:lnSpc>
+              <a:spcBef>
+                <a:spcPts val="500"/>
+              </a:spcBef>
+              <a:buFont typeface="Arial" panose="020B0604020202020204" pitchFamily="34" charset="0"/>
+              <a:buNone/>
+              <a:defRPr sz="1600" kern="1200">
+                <a:solidFill>
+                  <a:schemeClr val="tx1"/>
+                </a:solidFill>
+                <a:latin typeface="+mn-lt"/>
+                <a:ea typeface="+mn-ea"/>
+                <a:cs typeface="+mn-cs"/>
+              </a:defRPr>
+            </a:lvl6pPr>
+            <a:lvl7pPr marL="2743200" indent="0" algn="ctr" defTabSz="914400" rtl="0" eaLnBrk="1" latinLnBrk="0" hangingPunct="1">
+              <a:lnSpc>
+                <a:spcPct val="90000"/>
+              </a:lnSpc>
+              <a:spcBef>
+                <a:spcPts val="500"/>
+              </a:spcBef>
+              <a:buFont typeface="Arial" panose="020B0604020202020204" pitchFamily="34" charset="0"/>
+              <a:buNone/>
+              <a:defRPr sz="1600" kern="1200">
+                <a:solidFill>
+                  <a:schemeClr val="tx1"/>
+                </a:solidFill>
+                <a:latin typeface="+mn-lt"/>
+                <a:ea typeface="+mn-ea"/>
+                <a:cs typeface="+mn-cs"/>
+              </a:defRPr>
+            </a:lvl7pPr>
+            <a:lvl8pPr marL="3200400" indent="0" algn="ctr" defTabSz="914400" rtl="0" eaLnBrk="1" latinLnBrk="0" hangingPunct="1">
+              <a:lnSpc>
+                <a:spcPct val="90000"/>
+              </a:lnSpc>
+              <a:spcBef>
+                <a:spcPts val="500"/>
+              </a:spcBef>
+              <a:buFont typeface="Arial" panose="020B0604020202020204" pitchFamily="34" charset="0"/>
+              <a:buNone/>
+              <a:defRPr sz="1600" kern="1200">
+                <a:solidFill>
+                  <a:schemeClr val="tx1"/>
+                </a:solidFill>
+                <a:latin typeface="+mn-lt"/>
+                <a:ea typeface="+mn-ea"/>
+                <a:cs typeface="+mn-cs"/>
+              </a:defRPr>
+            </a:lvl8pPr>
+            <a:lvl9pPr marL="3657600" indent="0" algn="ctr" defTabSz="914400" rtl="0" eaLnBrk="1" latinLnBrk="0" hangingPunct="1">
+              <a:lnSpc>
+                <a:spcPct val="90000"/>
+              </a:lnSpc>
+              <a:spcBef>
+                <a:spcPts val="500"/>
+              </a:spcBef>
+              <a:buFont typeface="Arial" panose="020B0604020202020204" pitchFamily="34" charset="0"/>
+              <a:buNone/>
+              <a:defRPr sz="1600" kern="1200">
+                <a:solidFill>
+                  <a:schemeClr val="tx1"/>
+                </a:solidFill>
+                <a:latin typeface="+mn-lt"/>
+                <a:ea typeface="+mn-ea"/>
+                <a:cs typeface="+mn-cs"/>
+              </a:defRPr>
+            </a:lvl9pPr>
+          </a:lstStyle>
+          <a:p>
+            <a:pPr algn="l"/>
+            <a:endParaRPr lang="en-US" sz="1800">
+              <a:sym typeface="Wingdings" pitchFamily="2" charset="2"/>
+            </a:endParaRPr>
+          </a:p>
+        </p:txBody>
+      </p:sp>
+      <p:pic>
+        <p:nvPicPr>
+          <p:cNvPr id="2" name="Picture 1">
+            <a:extLst>
+              <a:ext uri="{FF2B5EF4-FFF2-40B4-BE49-F238E27FC236}">
+                <a16:creationId xmlns:a16="http://schemas.microsoft.com/office/drawing/2014/main" id="{62C99DCD-03CA-99E1-0BB4-55F1EC170E5F}"/>
+              </a:ext>
+            </a:extLst>
+          </p:cNvPr>
+          <p:cNvPicPr>
+            <a:picLocks noChangeAspect="1"/>
+          </p:cNvPicPr>
+          <p:nvPr/>
+        </p:nvPicPr>
+        <p:blipFill>
+          <a:blip r:embed="rId3"/>
+          <a:stretch>
+            <a:fillRect/>
+          </a:stretch>
+        </p:blipFill>
+        <p:spPr>
+          <a:xfrm>
+            <a:off x="2209800" y="1232217"/>
+            <a:ext cx="7772400" cy="4393565"/>
+          </a:xfrm>
+          <a:prstGeom prst="rect">
+            <a:avLst/>
+          </a:prstGeom>
+        </p:spPr>
+      </p:pic>
+      <mc:AlternateContent xmlns:mc="http://schemas.openxmlformats.org/markup-compatibility/2006">
+        <mc:Choice xmlns:p14="http://schemas.microsoft.com/office/powerpoint/2010/main" Requires="p14">
+          <p:contentPart p14:bwMode="auto" r:id="rId4">
+            <p14:nvContentPartPr>
+              <p14:cNvPr id="5" name="Ink 4">
+                <a:extLst>
+                  <a:ext uri="{FF2B5EF4-FFF2-40B4-BE49-F238E27FC236}">
+                    <a16:creationId xmlns:a16="http://schemas.microsoft.com/office/drawing/2014/main" id="{B2E8DD4E-AB4A-045C-469B-4CB041BB7D57}"/>
+                  </a:ext>
+                </a:extLst>
+              </p14:cNvPr>
+              <p14:cNvContentPartPr/>
+              <p14:nvPr/>
+            </p14:nvContentPartPr>
+            <p14:xfrm>
+              <a:off x="5384485" y="1840900"/>
+              <a:ext cx="4004280" cy="331560"/>
+            </p14:xfrm>
+          </p:contentPart>
+        </mc:Choice>
+        <mc:Fallback>
+          <p:pic>
+            <p:nvPicPr>
+              <p:cNvPr id="5" name="Ink 4">
+                <a:extLst>
+                  <a:ext uri="{FF2B5EF4-FFF2-40B4-BE49-F238E27FC236}">
+                    <a16:creationId xmlns:a16="http://schemas.microsoft.com/office/drawing/2014/main" id="{B2E8DD4E-AB4A-045C-469B-4CB041BB7D57}"/>
+                  </a:ext>
+                </a:extLst>
+              </p:cNvPr>
+              <p:cNvPicPr/>
+              <p:nvPr/>
+            </p:nvPicPr>
+            <p:blipFill>
+              <a:blip r:embed="rId5"/>
+              <a:stretch>
+                <a:fillRect/>
+              </a:stretch>
+            </p:blipFill>
+            <p:spPr>
+              <a:xfrm>
+                <a:off x="5321485" y="1777900"/>
+                <a:ext cx="4129920" cy="457200"/>
+              </a:xfrm>
+              <a:prstGeom prst="rect">
+                <a:avLst/>
+              </a:prstGeom>
+            </p:spPr>
+          </p:pic>
+        </mc:Fallback>
+      </mc:AlternateContent>
+      <mc:AlternateContent xmlns:mc="http://schemas.openxmlformats.org/markup-compatibility/2006">
+        <mc:Choice xmlns:p14="http://schemas.microsoft.com/office/powerpoint/2010/main" Requires="p14">
+          <p:contentPart p14:bwMode="auto" r:id="rId6">
+            <p14:nvContentPartPr>
+              <p14:cNvPr id="6" name="Ink 5">
+                <a:extLst>
+                  <a:ext uri="{FF2B5EF4-FFF2-40B4-BE49-F238E27FC236}">
+                    <a16:creationId xmlns:a16="http://schemas.microsoft.com/office/drawing/2014/main" id="{327982BD-92B4-5794-0374-2103F253B651}"/>
+                  </a:ext>
+                </a:extLst>
+              </p14:cNvPr>
+              <p14:cNvContentPartPr/>
+              <p14:nvPr/>
+            </p14:nvContentPartPr>
+            <p14:xfrm>
+              <a:off x="5289085" y="2312140"/>
+              <a:ext cx="4453200" cy="514800"/>
+            </p14:xfrm>
+          </p:contentPart>
+        </mc:Choice>
+        <mc:Fallback>
+          <p:pic>
+            <p:nvPicPr>
+              <p:cNvPr id="6" name="Ink 5">
+                <a:extLst>
+                  <a:ext uri="{FF2B5EF4-FFF2-40B4-BE49-F238E27FC236}">
+                    <a16:creationId xmlns:a16="http://schemas.microsoft.com/office/drawing/2014/main" id="{327982BD-92B4-5794-0374-2103F253B651}"/>
+                  </a:ext>
+                </a:extLst>
+              </p:cNvPr>
+              <p:cNvPicPr/>
+              <p:nvPr/>
+            </p:nvPicPr>
+            <p:blipFill>
+              <a:blip r:embed="rId7"/>
+              <a:stretch>
+                <a:fillRect/>
+              </a:stretch>
+            </p:blipFill>
+            <p:spPr>
+              <a:xfrm>
+                <a:off x="5226445" y="2249140"/>
+                <a:ext cx="4578840" cy="640440"/>
+              </a:xfrm>
+              <a:prstGeom prst="rect">
+                <a:avLst/>
+              </a:prstGeom>
+            </p:spPr>
+          </p:pic>
+        </mc:Fallback>
+      </mc:AlternateContent>
+      <mc:AlternateContent xmlns:mc="http://schemas.openxmlformats.org/markup-compatibility/2006">
+        <mc:Choice xmlns:p14="http://schemas.microsoft.com/office/powerpoint/2010/main" Requires="p14">
+          <p:contentPart p14:bwMode="auto" r:id="rId8">
+            <p14:nvContentPartPr>
+              <p14:cNvPr id="7" name="Ink 6">
+                <a:extLst>
+                  <a:ext uri="{FF2B5EF4-FFF2-40B4-BE49-F238E27FC236}">
+                    <a16:creationId xmlns:a16="http://schemas.microsoft.com/office/drawing/2014/main" id="{544281BB-0CF8-1BC8-0AE8-22A4E4FF876D}"/>
+                  </a:ext>
+                </a:extLst>
+              </p14:cNvPr>
+              <p14:cNvContentPartPr/>
+              <p14:nvPr/>
+            </p14:nvContentPartPr>
+            <p14:xfrm>
+              <a:off x="5375125" y="3215380"/>
+              <a:ext cx="4345560" cy="521280"/>
+            </p14:xfrm>
+          </p:contentPart>
+        </mc:Choice>
+        <mc:Fallback>
+          <p:pic>
+            <p:nvPicPr>
+              <p:cNvPr id="7" name="Ink 6">
+                <a:extLst>
+                  <a:ext uri="{FF2B5EF4-FFF2-40B4-BE49-F238E27FC236}">
+                    <a16:creationId xmlns:a16="http://schemas.microsoft.com/office/drawing/2014/main" id="{544281BB-0CF8-1BC8-0AE8-22A4E4FF876D}"/>
+                  </a:ext>
+                </a:extLst>
+              </p:cNvPr>
+              <p:cNvPicPr/>
+              <p:nvPr/>
+            </p:nvPicPr>
+            <p:blipFill>
+              <a:blip r:embed="rId9"/>
+              <a:stretch>
+                <a:fillRect/>
+              </a:stretch>
+            </p:blipFill>
+            <p:spPr>
+              <a:xfrm>
+                <a:off x="5312485" y="3152380"/>
+                <a:ext cx="4471200" cy="646920"/>
+              </a:xfrm>
+              <a:prstGeom prst="rect">
+                <a:avLst/>
+              </a:prstGeom>
+            </p:spPr>
+          </p:pic>
+        </mc:Fallback>
+      </mc:AlternateContent>
+      <mc:AlternateContent xmlns:mc="http://schemas.openxmlformats.org/markup-compatibility/2006">
+        <mc:Choice xmlns:p14="http://schemas.microsoft.com/office/powerpoint/2010/main" Requires="p14">
+          <p:contentPart p14:bwMode="auto" r:id="rId10">
+            <p14:nvContentPartPr>
+              <p14:cNvPr id="8" name="Ink 7">
+                <a:extLst>
+                  <a:ext uri="{FF2B5EF4-FFF2-40B4-BE49-F238E27FC236}">
+                    <a16:creationId xmlns:a16="http://schemas.microsoft.com/office/drawing/2014/main" id="{237FDBE0-0BAB-A520-B5FD-CC78907E5538}"/>
+                  </a:ext>
+                </a:extLst>
+              </p14:cNvPr>
+              <p14:cNvContentPartPr/>
+              <p14:nvPr/>
+            </p14:nvContentPartPr>
+            <p14:xfrm>
+              <a:off x="5509405" y="4053460"/>
+              <a:ext cx="3792600" cy="515160"/>
+            </p14:xfrm>
+          </p:contentPart>
+        </mc:Choice>
+        <mc:Fallback>
+          <p:pic>
+            <p:nvPicPr>
+              <p:cNvPr id="8" name="Ink 7">
+                <a:extLst>
+                  <a:ext uri="{FF2B5EF4-FFF2-40B4-BE49-F238E27FC236}">
+                    <a16:creationId xmlns:a16="http://schemas.microsoft.com/office/drawing/2014/main" id="{237FDBE0-0BAB-A520-B5FD-CC78907E5538}"/>
+                  </a:ext>
+                </a:extLst>
+              </p:cNvPr>
+              <p:cNvPicPr/>
+              <p:nvPr/>
+            </p:nvPicPr>
+            <p:blipFill>
+              <a:blip r:embed="rId11"/>
+              <a:stretch>
+                <a:fillRect/>
+              </a:stretch>
+            </p:blipFill>
+            <p:spPr>
+              <a:xfrm>
+                <a:off x="5446405" y="3990820"/>
+                <a:ext cx="3918240" cy="640800"/>
+              </a:xfrm>
+              <a:prstGeom prst="rect">
+                <a:avLst/>
+              </a:prstGeom>
+            </p:spPr>
+          </p:pic>
+        </mc:Fallback>
+      </mc:AlternateContent>
+      <mc:AlternateContent xmlns:mc="http://schemas.openxmlformats.org/markup-compatibility/2006">
+        <mc:Choice xmlns:p14="http://schemas.microsoft.com/office/powerpoint/2010/main" Requires="p14">
+          <p:contentPart p14:bwMode="auto" r:id="rId12">
+            <p14:nvContentPartPr>
+              <p14:cNvPr id="9" name="Ink 8">
+                <a:extLst>
+                  <a:ext uri="{FF2B5EF4-FFF2-40B4-BE49-F238E27FC236}">
+                    <a16:creationId xmlns:a16="http://schemas.microsoft.com/office/drawing/2014/main" id="{79CB11D2-915E-0C86-420E-4E3EED280E76}"/>
+                  </a:ext>
+                </a:extLst>
+              </p14:cNvPr>
+              <p14:cNvContentPartPr/>
+              <p14:nvPr/>
+            </p14:nvContentPartPr>
+            <p14:xfrm>
+              <a:off x="5401765" y="4915660"/>
+              <a:ext cx="4096440" cy="493200"/>
+            </p14:xfrm>
+          </p:contentPart>
+        </mc:Choice>
+        <mc:Fallback>
+          <p:pic>
+            <p:nvPicPr>
+              <p:cNvPr id="9" name="Ink 8">
+                <a:extLst>
+                  <a:ext uri="{FF2B5EF4-FFF2-40B4-BE49-F238E27FC236}">
+                    <a16:creationId xmlns:a16="http://schemas.microsoft.com/office/drawing/2014/main" id="{79CB11D2-915E-0C86-420E-4E3EED280E76}"/>
+                  </a:ext>
+                </a:extLst>
+              </p:cNvPr>
+              <p:cNvPicPr/>
+              <p:nvPr/>
+            </p:nvPicPr>
+            <p:blipFill>
+              <a:blip r:embed="rId13"/>
+              <a:stretch>
+                <a:fillRect/>
+              </a:stretch>
+            </p:blipFill>
+            <p:spPr>
+              <a:xfrm>
+                <a:off x="5339125" y="4853020"/>
+                <a:ext cx="4222080" cy="618840"/>
+              </a:xfrm>
+              <a:prstGeom prst="rect">
+                <a:avLst/>
+              </a:prstGeom>
+            </p:spPr>
+          </p:pic>
+        </mc:Fallback>
+      </mc:AlternateContent>
+    </p:spTree>
+    <p:extLst>
+      <p:ext uri="{BB962C8B-B14F-4D97-AF65-F5344CB8AC3E}">
+        <p14:creationId xmlns:p14="http://schemas.microsoft.com/office/powerpoint/2010/main" val="888756341"/>
+      </p:ext>
+    </p:extLst>
+  </p:cSld>
+  <p:clrMapOvr>
+    <a:masterClrMapping/>
+  </p:clrMapOvr>
+</p:sld>
+</file>
+
 <file path=ppt/slides/slide3.xml><?xml version="1.0" encoding="utf-8"?>
 <p:sld xmlns:a="http://schemas.openxmlformats.org/drawingml/2006/main" xmlns:r="http://schemas.openxmlformats.org/officeDocument/2006/relationships" xmlns:p="http://schemas.openxmlformats.org/presentationml/2006/main">
   <p:cSld>
@@ -13856,7 +18748,7 @@
           <a:p>
             <a:r>
               <a:rPr lang="en-US" sz="1800" b="1"/>
-              <a:t>Revision</a:t>
+              <a:t>Chapter 9 – Collections and Generics</a:t>
             </a:r>
           </a:p>
         </p:txBody>
@@ -14535,6 +19427,1092 @@
 </p:sld>
 </file>
 
+<file path=ppt/slides/slide30.xml><?xml version="1.0" encoding="utf-8"?>
+<p:sld xmlns:a="http://schemas.openxmlformats.org/drawingml/2006/main" xmlns:r="http://schemas.openxmlformats.org/officeDocument/2006/relationships" xmlns:p="http://schemas.openxmlformats.org/presentationml/2006/main">
+  <p:cSld>
+    <p:spTree>
+      <p:nvGrpSpPr>
+        <p:cNvPr id="1" name="">
+          <a:extLst>
+            <a:ext uri="{FF2B5EF4-FFF2-40B4-BE49-F238E27FC236}">
+              <a16:creationId xmlns:a16="http://schemas.microsoft.com/office/drawing/2014/main" id="{01CE26FC-7234-B4A7-DC12-67C2B6BD710A}"/>
+            </a:ext>
+          </a:extLst>
+        </p:cNvPr>
+        <p:cNvGrpSpPr/>
+        <p:nvPr/>
+      </p:nvGrpSpPr>
+      <p:grpSpPr>
+        <a:xfrm>
+          <a:off x="0" y="0"/>
+          <a:ext cx="0" cy="0"/>
+          <a:chOff x="0" y="0"/>
+          <a:chExt cx="0" cy="0"/>
+        </a:xfrm>
+      </p:grpSpPr>
+      <p:sp>
+        <p:nvSpPr>
+          <p:cNvPr id="3" name="Subtitle 2">
+            <a:extLst>
+              <a:ext uri="{FF2B5EF4-FFF2-40B4-BE49-F238E27FC236}">
+                <a16:creationId xmlns:a16="http://schemas.microsoft.com/office/drawing/2014/main" id="{6CEE1A73-5F85-082A-0FEE-6E303A0129A1}"/>
+              </a:ext>
+            </a:extLst>
+          </p:cNvPr>
+          <p:cNvSpPr>
+            <a:spLocks noGrp="1"/>
+          </p:cNvSpPr>
+          <p:nvPr>
+            <p:ph type="subTitle" idx="1"/>
+          </p:nvPr>
+        </p:nvSpPr>
+        <p:spPr>
+          <a:xfrm>
+            <a:off x="152399" y="217488"/>
+            <a:ext cx="11223171" cy="303212"/>
+          </a:xfrm>
+        </p:spPr>
+        <p:txBody>
+          <a:bodyPr>
+            <a:normAutofit fontScale="92500" lnSpcReduction="20000"/>
+          </a:bodyPr>
+          <a:lstStyle/>
+          <a:p>
+            <a:r>
+              <a:rPr lang="en-US" sz="1800" b="1"/>
+              <a:t>Chapter 9 – Collections and Generics</a:t>
+            </a:r>
+          </a:p>
+        </p:txBody>
+      </p:sp>
+      <p:sp>
+        <p:nvSpPr>
+          <p:cNvPr id="4" name="Subtitle 2">
+            <a:extLst>
+              <a:ext uri="{FF2B5EF4-FFF2-40B4-BE49-F238E27FC236}">
+                <a16:creationId xmlns:a16="http://schemas.microsoft.com/office/drawing/2014/main" id="{EB384838-8ED7-0069-3ECC-5CF0806543CD}"/>
+              </a:ext>
+            </a:extLst>
+          </p:cNvPr>
+          <p:cNvSpPr txBox="1">
+            <a:spLocks/>
+          </p:cNvSpPr>
+          <p:nvPr/>
+        </p:nvSpPr>
+        <p:spPr>
+          <a:xfrm>
+            <a:off x="0" y="820738"/>
+            <a:ext cx="12192000" cy="6037262"/>
+          </a:xfrm>
+          <a:prstGeom prst="rect">
+            <a:avLst/>
+          </a:prstGeom>
+        </p:spPr>
+        <p:txBody>
+          <a:bodyPr vert="horz" lIns="91440" tIns="45720" rIns="91440" bIns="45720" rtlCol="0">
+            <a:normAutofit/>
+          </a:bodyPr>
+          <a:lstStyle>
+            <a:lvl1pPr marL="0" indent="0" algn="ctr" defTabSz="914400" rtl="0" eaLnBrk="1" latinLnBrk="0" hangingPunct="1">
+              <a:lnSpc>
+                <a:spcPct val="90000"/>
+              </a:lnSpc>
+              <a:spcBef>
+                <a:spcPts val="1000"/>
+              </a:spcBef>
+              <a:buFont typeface="Arial" panose="020B0604020202020204" pitchFamily="34" charset="0"/>
+              <a:buNone/>
+              <a:defRPr sz="2400" kern="1200">
+                <a:solidFill>
+                  <a:schemeClr val="tx1"/>
+                </a:solidFill>
+                <a:latin typeface="+mn-lt"/>
+                <a:ea typeface="+mn-ea"/>
+                <a:cs typeface="+mn-cs"/>
+              </a:defRPr>
+            </a:lvl1pPr>
+            <a:lvl2pPr marL="457200" indent="0" algn="ctr" defTabSz="914400" rtl="0" eaLnBrk="1" latinLnBrk="0" hangingPunct="1">
+              <a:lnSpc>
+                <a:spcPct val="90000"/>
+              </a:lnSpc>
+              <a:spcBef>
+                <a:spcPts val="500"/>
+              </a:spcBef>
+              <a:buFont typeface="Arial" panose="020B0604020202020204" pitchFamily="34" charset="0"/>
+              <a:buNone/>
+              <a:defRPr sz="2000" kern="1200">
+                <a:solidFill>
+                  <a:schemeClr val="tx1"/>
+                </a:solidFill>
+                <a:latin typeface="+mn-lt"/>
+                <a:ea typeface="+mn-ea"/>
+                <a:cs typeface="+mn-cs"/>
+              </a:defRPr>
+            </a:lvl2pPr>
+            <a:lvl3pPr marL="914400" indent="0" algn="ctr" defTabSz="914400" rtl="0" eaLnBrk="1" latinLnBrk="0" hangingPunct="1">
+              <a:lnSpc>
+                <a:spcPct val="90000"/>
+              </a:lnSpc>
+              <a:spcBef>
+                <a:spcPts val="500"/>
+              </a:spcBef>
+              <a:buFont typeface="Arial" panose="020B0604020202020204" pitchFamily="34" charset="0"/>
+              <a:buNone/>
+              <a:defRPr sz="1800" kern="1200">
+                <a:solidFill>
+                  <a:schemeClr val="tx1"/>
+                </a:solidFill>
+                <a:latin typeface="+mn-lt"/>
+                <a:ea typeface="+mn-ea"/>
+                <a:cs typeface="+mn-cs"/>
+              </a:defRPr>
+            </a:lvl3pPr>
+            <a:lvl4pPr marL="1371600" indent="0" algn="ctr" defTabSz="914400" rtl="0" eaLnBrk="1" latinLnBrk="0" hangingPunct="1">
+              <a:lnSpc>
+                <a:spcPct val="90000"/>
+              </a:lnSpc>
+              <a:spcBef>
+                <a:spcPts val="500"/>
+              </a:spcBef>
+              <a:buFont typeface="Arial" panose="020B0604020202020204" pitchFamily="34" charset="0"/>
+              <a:buNone/>
+              <a:defRPr sz="1600" kern="1200">
+                <a:solidFill>
+                  <a:schemeClr val="tx1"/>
+                </a:solidFill>
+                <a:latin typeface="+mn-lt"/>
+                <a:ea typeface="+mn-ea"/>
+                <a:cs typeface="+mn-cs"/>
+              </a:defRPr>
+            </a:lvl4pPr>
+            <a:lvl5pPr marL="1828800" indent="0" algn="ctr" defTabSz="914400" rtl="0" eaLnBrk="1" latinLnBrk="0" hangingPunct="1">
+              <a:lnSpc>
+                <a:spcPct val="90000"/>
+              </a:lnSpc>
+              <a:spcBef>
+                <a:spcPts val="500"/>
+              </a:spcBef>
+              <a:buFont typeface="Arial" panose="020B0604020202020204" pitchFamily="34" charset="0"/>
+              <a:buNone/>
+              <a:defRPr sz="1600" kern="1200">
+                <a:solidFill>
+                  <a:schemeClr val="tx1"/>
+                </a:solidFill>
+                <a:latin typeface="+mn-lt"/>
+                <a:ea typeface="+mn-ea"/>
+                <a:cs typeface="+mn-cs"/>
+              </a:defRPr>
+            </a:lvl5pPr>
+            <a:lvl6pPr marL="2286000" indent="0" algn="ctr" defTabSz="914400" rtl="0" eaLnBrk="1" latinLnBrk="0" hangingPunct="1">
+              <a:lnSpc>
+                <a:spcPct val="90000"/>
+              </a:lnSpc>
+              <a:spcBef>
+                <a:spcPts val="500"/>
+              </a:spcBef>
+              <a:buFont typeface="Arial" panose="020B0604020202020204" pitchFamily="34" charset="0"/>
+              <a:buNone/>
+              <a:defRPr sz="1600" kern="1200">
+                <a:solidFill>
+                  <a:schemeClr val="tx1"/>
+                </a:solidFill>
+                <a:latin typeface="+mn-lt"/>
+                <a:ea typeface="+mn-ea"/>
+                <a:cs typeface="+mn-cs"/>
+              </a:defRPr>
+            </a:lvl6pPr>
+            <a:lvl7pPr marL="2743200" indent="0" algn="ctr" defTabSz="914400" rtl="0" eaLnBrk="1" latinLnBrk="0" hangingPunct="1">
+              <a:lnSpc>
+                <a:spcPct val="90000"/>
+              </a:lnSpc>
+              <a:spcBef>
+                <a:spcPts val="500"/>
+              </a:spcBef>
+              <a:buFont typeface="Arial" panose="020B0604020202020204" pitchFamily="34" charset="0"/>
+              <a:buNone/>
+              <a:defRPr sz="1600" kern="1200">
+                <a:solidFill>
+                  <a:schemeClr val="tx1"/>
+                </a:solidFill>
+                <a:latin typeface="+mn-lt"/>
+                <a:ea typeface="+mn-ea"/>
+                <a:cs typeface="+mn-cs"/>
+              </a:defRPr>
+            </a:lvl7pPr>
+            <a:lvl8pPr marL="3200400" indent="0" algn="ctr" defTabSz="914400" rtl="0" eaLnBrk="1" latinLnBrk="0" hangingPunct="1">
+              <a:lnSpc>
+                <a:spcPct val="90000"/>
+              </a:lnSpc>
+              <a:spcBef>
+                <a:spcPts val="500"/>
+              </a:spcBef>
+              <a:buFont typeface="Arial" panose="020B0604020202020204" pitchFamily="34" charset="0"/>
+              <a:buNone/>
+              <a:defRPr sz="1600" kern="1200">
+                <a:solidFill>
+                  <a:schemeClr val="tx1"/>
+                </a:solidFill>
+                <a:latin typeface="+mn-lt"/>
+                <a:ea typeface="+mn-ea"/>
+                <a:cs typeface="+mn-cs"/>
+              </a:defRPr>
+            </a:lvl8pPr>
+            <a:lvl9pPr marL="3657600" indent="0" algn="ctr" defTabSz="914400" rtl="0" eaLnBrk="1" latinLnBrk="0" hangingPunct="1">
+              <a:lnSpc>
+                <a:spcPct val="90000"/>
+              </a:lnSpc>
+              <a:spcBef>
+                <a:spcPts val="500"/>
+              </a:spcBef>
+              <a:buFont typeface="Arial" panose="020B0604020202020204" pitchFamily="34" charset="0"/>
+              <a:buNone/>
+              <a:defRPr sz="1600" kern="1200">
+                <a:solidFill>
+                  <a:schemeClr val="tx1"/>
+                </a:solidFill>
+                <a:latin typeface="+mn-lt"/>
+                <a:ea typeface="+mn-ea"/>
+                <a:cs typeface="+mn-cs"/>
+              </a:defRPr>
+            </a:lvl9pPr>
+          </a:lstStyle>
+          <a:p>
+            <a:pPr algn="l"/>
+            <a:r>
+              <a:rPr lang="en-US" sz="1800" b="1">
+                <a:sym typeface="Wingdings" pitchFamily="2" charset="2"/>
+              </a:rPr>
+              <a:t>Sorting and Searching</a:t>
+            </a:r>
+            <a:endParaRPr lang="en-US" sz="1800">
+              <a:sym typeface="Wingdings" pitchFamily="2" charset="2"/>
+            </a:endParaRPr>
+          </a:p>
+          <a:p>
+            <a:pPr algn="l"/>
+            <a:r>
+              <a:rPr lang="en-US" sz="1800">
+                <a:sym typeface="Wingdings" pitchFamily="2" charset="2"/>
+              </a:rPr>
+              <a:t>- Now we can use ... and ... for sorting</a:t>
+            </a:r>
+          </a:p>
+          <a:p>
+            <a:pPr algn="l"/>
+            <a:r>
+              <a:rPr lang="en-US" sz="1800">
+                <a:sym typeface="Wingdings" pitchFamily="2" charset="2"/>
+              </a:rPr>
+              <a:t>(code illustration snippet 47)</a:t>
+            </a:r>
+          </a:p>
+          <a:p>
+            <a:pPr algn="l"/>
+            <a:r>
+              <a:rPr lang="en-US" sz="1800">
+                <a:sym typeface="Wingdings" pitchFamily="2" charset="2"/>
+              </a:rPr>
+              <a:t>- Because Rabbit ... didnt ... =&gt; we need to use ...</a:t>
+            </a:r>
+          </a:p>
+          <a:p>
+            <a:pPr algn="l"/>
+            <a:r>
+              <a:rPr lang="en-US" sz="1800">
+                <a:sym typeface="Wingdings" pitchFamily="2" charset="2"/>
+              </a:rPr>
+              <a:t>(code illustration snippet 48, 49)</a:t>
+            </a:r>
+          </a:p>
+          <a:p>
+            <a:pPr algn="l"/>
+            <a:r>
+              <a:rPr lang="en-US" sz="1800">
+                <a:sym typeface="Wingdings" pitchFamily="2" charset="2"/>
+              </a:rPr>
+              <a:t>- Method ... and ... also allows us to add ...</a:t>
+            </a:r>
+          </a:p>
+          <a:p>
+            <a:pPr algn="l"/>
+            <a:r>
+              <a:rPr lang="en-US" sz="1800" b="1">
+                <a:sym typeface="Wingdings" pitchFamily="2" charset="2"/>
+              </a:rPr>
+              <a:t>Reviewing Binary Search</a:t>
+            </a:r>
+          </a:p>
+          <a:p>
+            <a:pPr algn="l"/>
+            <a:r>
+              <a:rPr lang="en-US" sz="1800">
+                <a:sym typeface="Wingdings" pitchFamily="2" charset="2"/>
+              </a:rPr>
+              <a:t>- As usual, to be able to use ... search, the ... must be ...</a:t>
+            </a:r>
+          </a:p>
+          <a:p>
+            <a:pPr algn="l"/>
+            <a:r>
+              <a:rPr lang="en-US" sz="1800">
+                <a:sym typeface="Wingdings" pitchFamily="2" charset="2"/>
+              </a:rPr>
+              <a:t>(code illustration snippet 50, 51)</a:t>
+            </a:r>
+          </a:p>
+          <a:p>
+            <a:pPr algn="l"/>
+            <a:r>
+              <a:rPr lang="en-US" sz="1800">
+                <a:sym typeface="Wingdings" pitchFamily="2" charset="2"/>
+              </a:rPr>
+              <a:t>- In the beginning of this section, we told that if our ... implement ... =&gt; We could use ... with some ... structure that requires ... Now it is an example for that</a:t>
+            </a:r>
+          </a:p>
+          <a:p>
+            <a:pPr algn="l"/>
+            <a:r>
+              <a:rPr lang="en-US" sz="1800">
+                <a:sym typeface="Wingdings" pitchFamily="2" charset="2"/>
+              </a:rPr>
+              <a:t>(code illustration snippet 52)</a:t>
+            </a:r>
+          </a:p>
+          <a:p>
+            <a:pPr algn="l"/>
+            <a:r>
+              <a:rPr lang="en-US" sz="1800">
+                <a:sym typeface="Wingdings" pitchFamily="2" charset="2"/>
+              </a:rPr>
+              <a:t>– In TreeSet, it uses ... and in ..., the method ... uses ... =&gt; If we ... =&gt; ...</a:t>
+            </a:r>
+          </a:p>
+          <a:p>
+            <a:pPr algn="l"/>
+            <a:r>
+              <a:rPr lang="en-US" sz="1800">
+                <a:sym typeface="Wingdings" pitchFamily="2" charset="2"/>
+              </a:rPr>
+              <a:t>- However, like ... and ..., we can specify the collections to ... according to ...</a:t>
+            </a:r>
+          </a:p>
+          <a:p>
+            <a:pPr algn="l"/>
+            <a:r>
+              <a:rPr lang="en-US" sz="1800">
+                <a:sym typeface="Wingdings" pitchFamily="2" charset="2"/>
+              </a:rPr>
+              <a:t>(code illustration snippet 53)</a:t>
+            </a:r>
+          </a:p>
+        </p:txBody>
+      </p:sp>
+    </p:spTree>
+    <p:extLst>
+      <p:ext uri="{BB962C8B-B14F-4D97-AF65-F5344CB8AC3E}">
+        <p14:creationId xmlns:p14="http://schemas.microsoft.com/office/powerpoint/2010/main" val="891551592"/>
+      </p:ext>
+    </p:extLst>
+  </p:cSld>
+  <p:clrMapOvr>
+    <a:masterClrMapping/>
+  </p:clrMapOvr>
+</p:sld>
+</file>
+
+<file path=ppt/slides/slide31.xml><?xml version="1.0" encoding="utf-8"?>
+<p:sld xmlns:a="http://schemas.openxmlformats.org/drawingml/2006/main" xmlns:r="http://schemas.openxmlformats.org/officeDocument/2006/relationships" xmlns:p="http://schemas.openxmlformats.org/presentationml/2006/main">
+  <p:cSld>
+    <p:spTree>
+      <p:nvGrpSpPr>
+        <p:cNvPr id="1" name="">
+          <a:extLst>
+            <a:ext uri="{FF2B5EF4-FFF2-40B4-BE49-F238E27FC236}">
+              <a16:creationId xmlns:a16="http://schemas.microsoft.com/office/drawing/2014/main" id="{2B3D8353-8FE5-0F01-5C4B-6796469F06AE}"/>
+            </a:ext>
+          </a:extLst>
+        </p:cNvPr>
+        <p:cNvGrpSpPr/>
+        <p:nvPr/>
+      </p:nvGrpSpPr>
+      <p:grpSpPr>
+        <a:xfrm>
+          <a:off x="0" y="0"/>
+          <a:ext cx="0" cy="0"/>
+          <a:chOff x="0" y="0"/>
+          <a:chExt cx="0" cy="0"/>
+        </a:xfrm>
+      </p:grpSpPr>
+      <p:sp>
+        <p:nvSpPr>
+          <p:cNvPr id="3" name="Subtitle 2">
+            <a:extLst>
+              <a:ext uri="{FF2B5EF4-FFF2-40B4-BE49-F238E27FC236}">
+                <a16:creationId xmlns:a16="http://schemas.microsoft.com/office/drawing/2014/main" id="{723A32BC-1053-016A-0E34-88F295761F6C}"/>
+              </a:ext>
+            </a:extLst>
+          </p:cNvPr>
+          <p:cNvSpPr>
+            <a:spLocks noGrp="1"/>
+          </p:cNvSpPr>
+          <p:nvPr>
+            <p:ph type="subTitle" idx="1"/>
+          </p:nvPr>
+        </p:nvSpPr>
+        <p:spPr>
+          <a:xfrm>
+            <a:off x="152399" y="217488"/>
+            <a:ext cx="11223171" cy="303212"/>
+          </a:xfrm>
+        </p:spPr>
+        <p:txBody>
+          <a:bodyPr>
+            <a:normAutofit fontScale="92500" lnSpcReduction="20000"/>
+          </a:bodyPr>
+          <a:lstStyle/>
+          <a:p>
+            <a:r>
+              <a:rPr lang="en-US" sz="1800" b="1"/>
+              <a:t>Chapter 9 – Collections and Generics</a:t>
+            </a:r>
+          </a:p>
+        </p:txBody>
+      </p:sp>
+      <p:sp>
+        <p:nvSpPr>
+          <p:cNvPr id="4" name="Subtitle 2">
+            <a:extLst>
+              <a:ext uri="{FF2B5EF4-FFF2-40B4-BE49-F238E27FC236}">
+                <a16:creationId xmlns:a16="http://schemas.microsoft.com/office/drawing/2014/main" id="{42BA399B-7D7E-F7BF-4DBC-FC4D8E9F5BB2}"/>
+              </a:ext>
+            </a:extLst>
+          </p:cNvPr>
+          <p:cNvSpPr txBox="1">
+            <a:spLocks/>
+          </p:cNvSpPr>
+          <p:nvPr/>
+        </p:nvSpPr>
+        <p:spPr>
+          <a:xfrm>
+            <a:off x="0" y="820738"/>
+            <a:ext cx="12192000" cy="6037262"/>
+          </a:xfrm>
+          <a:prstGeom prst="rect">
+            <a:avLst/>
+          </a:prstGeom>
+        </p:spPr>
+        <p:txBody>
+          <a:bodyPr vert="horz" lIns="91440" tIns="45720" rIns="91440" bIns="45720" rtlCol="0">
+            <a:normAutofit/>
+          </a:bodyPr>
+          <a:lstStyle>
+            <a:lvl1pPr marL="0" indent="0" algn="ctr" defTabSz="914400" rtl="0" eaLnBrk="1" latinLnBrk="0" hangingPunct="1">
+              <a:lnSpc>
+                <a:spcPct val="90000"/>
+              </a:lnSpc>
+              <a:spcBef>
+                <a:spcPts val="1000"/>
+              </a:spcBef>
+              <a:buFont typeface="Arial" panose="020B0604020202020204" pitchFamily="34" charset="0"/>
+              <a:buNone/>
+              <a:defRPr sz="2400" kern="1200">
+                <a:solidFill>
+                  <a:schemeClr val="tx1"/>
+                </a:solidFill>
+                <a:latin typeface="+mn-lt"/>
+                <a:ea typeface="+mn-ea"/>
+                <a:cs typeface="+mn-cs"/>
+              </a:defRPr>
+            </a:lvl1pPr>
+            <a:lvl2pPr marL="457200" indent="0" algn="ctr" defTabSz="914400" rtl="0" eaLnBrk="1" latinLnBrk="0" hangingPunct="1">
+              <a:lnSpc>
+                <a:spcPct val="90000"/>
+              </a:lnSpc>
+              <a:spcBef>
+                <a:spcPts val="500"/>
+              </a:spcBef>
+              <a:buFont typeface="Arial" panose="020B0604020202020204" pitchFamily="34" charset="0"/>
+              <a:buNone/>
+              <a:defRPr sz="2000" kern="1200">
+                <a:solidFill>
+                  <a:schemeClr val="tx1"/>
+                </a:solidFill>
+                <a:latin typeface="+mn-lt"/>
+                <a:ea typeface="+mn-ea"/>
+                <a:cs typeface="+mn-cs"/>
+              </a:defRPr>
+            </a:lvl2pPr>
+            <a:lvl3pPr marL="914400" indent="0" algn="ctr" defTabSz="914400" rtl="0" eaLnBrk="1" latinLnBrk="0" hangingPunct="1">
+              <a:lnSpc>
+                <a:spcPct val="90000"/>
+              </a:lnSpc>
+              <a:spcBef>
+                <a:spcPts val="500"/>
+              </a:spcBef>
+              <a:buFont typeface="Arial" panose="020B0604020202020204" pitchFamily="34" charset="0"/>
+              <a:buNone/>
+              <a:defRPr sz="1800" kern="1200">
+                <a:solidFill>
+                  <a:schemeClr val="tx1"/>
+                </a:solidFill>
+                <a:latin typeface="+mn-lt"/>
+                <a:ea typeface="+mn-ea"/>
+                <a:cs typeface="+mn-cs"/>
+              </a:defRPr>
+            </a:lvl3pPr>
+            <a:lvl4pPr marL="1371600" indent="0" algn="ctr" defTabSz="914400" rtl="0" eaLnBrk="1" latinLnBrk="0" hangingPunct="1">
+              <a:lnSpc>
+                <a:spcPct val="90000"/>
+              </a:lnSpc>
+              <a:spcBef>
+                <a:spcPts val="500"/>
+              </a:spcBef>
+              <a:buFont typeface="Arial" panose="020B0604020202020204" pitchFamily="34" charset="0"/>
+              <a:buNone/>
+              <a:defRPr sz="1600" kern="1200">
+                <a:solidFill>
+                  <a:schemeClr val="tx1"/>
+                </a:solidFill>
+                <a:latin typeface="+mn-lt"/>
+                <a:ea typeface="+mn-ea"/>
+                <a:cs typeface="+mn-cs"/>
+              </a:defRPr>
+            </a:lvl4pPr>
+            <a:lvl5pPr marL="1828800" indent="0" algn="ctr" defTabSz="914400" rtl="0" eaLnBrk="1" latinLnBrk="0" hangingPunct="1">
+              <a:lnSpc>
+                <a:spcPct val="90000"/>
+              </a:lnSpc>
+              <a:spcBef>
+                <a:spcPts val="500"/>
+              </a:spcBef>
+              <a:buFont typeface="Arial" panose="020B0604020202020204" pitchFamily="34" charset="0"/>
+              <a:buNone/>
+              <a:defRPr sz="1600" kern="1200">
+                <a:solidFill>
+                  <a:schemeClr val="tx1"/>
+                </a:solidFill>
+                <a:latin typeface="+mn-lt"/>
+                <a:ea typeface="+mn-ea"/>
+                <a:cs typeface="+mn-cs"/>
+              </a:defRPr>
+            </a:lvl5pPr>
+            <a:lvl6pPr marL="2286000" indent="0" algn="ctr" defTabSz="914400" rtl="0" eaLnBrk="1" latinLnBrk="0" hangingPunct="1">
+              <a:lnSpc>
+                <a:spcPct val="90000"/>
+              </a:lnSpc>
+              <a:spcBef>
+                <a:spcPts val="500"/>
+              </a:spcBef>
+              <a:buFont typeface="Arial" panose="020B0604020202020204" pitchFamily="34" charset="0"/>
+              <a:buNone/>
+              <a:defRPr sz="1600" kern="1200">
+                <a:solidFill>
+                  <a:schemeClr val="tx1"/>
+                </a:solidFill>
+                <a:latin typeface="+mn-lt"/>
+                <a:ea typeface="+mn-ea"/>
+                <a:cs typeface="+mn-cs"/>
+              </a:defRPr>
+            </a:lvl6pPr>
+            <a:lvl7pPr marL="2743200" indent="0" algn="ctr" defTabSz="914400" rtl="0" eaLnBrk="1" latinLnBrk="0" hangingPunct="1">
+              <a:lnSpc>
+                <a:spcPct val="90000"/>
+              </a:lnSpc>
+              <a:spcBef>
+                <a:spcPts val="500"/>
+              </a:spcBef>
+              <a:buFont typeface="Arial" panose="020B0604020202020204" pitchFamily="34" charset="0"/>
+              <a:buNone/>
+              <a:defRPr sz="1600" kern="1200">
+                <a:solidFill>
+                  <a:schemeClr val="tx1"/>
+                </a:solidFill>
+                <a:latin typeface="+mn-lt"/>
+                <a:ea typeface="+mn-ea"/>
+                <a:cs typeface="+mn-cs"/>
+              </a:defRPr>
+            </a:lvl7pPr>
+            <a:lvl8pPr marL="3200400" indent="0" algn="ctr" defTabSz="914400" rtl="0" eaLnBrk="1" latinLnBrk="0" hangingPunct="1">
+              <a:lnSpc>
+                <a:spcPct val="90000"/>
+              </a:lnSpc>
+              <a:spcBef>
+                <a:spcPts val="500"/>
+              </a:spcBef>
+              <a:buFont typeface="Arial" panose="020B0604020202020204" pitchFamily="34" charset="0"/>
+              <a:buNone/>
+              <a:defRPr sz="1600" kern="1200">
+                <a:solidFill>
+                  <a:schemeClr val="tx1"/>
+                </a:solidFill>
+                <a:latin typeface="+mn-lt"/>
+                <a:ea typeface="+mn-ea"/>
+                <a:cs typeface="+mn-cs"/>
+              </a:defRPr>
+            </a:lvl8pPr>
+            <a:lvl9pPr marL="3657600" indent="0" algn="ctr" defTabSz="914400" rtl="0" eaLnBrk="1" latinLnBrk="0" hangingPunct="1">
+              <a:lnSpc>
+                <a:spcPct val="90000"/>
+              </a:lnSpc>
+              <a:spcBef>
+                <a:spcPts val="500"/>
+              </a:spcBef>
+              <a:buFont typeface="Arial" panose="020B0604020202020204" pitchFamily="34" charset="0"/>
+              <a:buNone/>
+              <a:defRPr sz="1600" kern="1200">
+                <a:solidFill>
+                  <a:schemeClr val="tx1"/>
+                </a:solidFill>
+                <a:latin typeface="+mn-lt"/>
+                <a:ea typeface="+mn-ea"/>
+                <a:cs typeface="+mn-cs"/>
+              </a:defRPr>
+            </a:lvl9pPr>
+          </a:lstStyle>
+          <a:p>
+            <a:pPr algn="l"/>
+            <a:r>
+              <a:rPr lang="en-US" sz="1800" b="1">
+                <a:sym typeface="Wingdings" pitchFamily="2" charset="2"/>
+              </a:rPr>
+              <a:t>Sorting and Searching</a:t>
+            </a:r>
+            <a:endParaRPr lang="en-US" sz="1800">
+              <a:sym typeface="Wingdings" pitchFamily="2" charset="2"/>
+            </a:endParaRPr>
+          </a:p>
+          <a:p>
+            <a:pPr algn="l"/>
+            <a:r>
+              <a:rPr lang="en-US" sz="1800">
+                <a:sym typeface="Wingdings" pitchFamily="2" charset="2"/>
+              </a:rPr>
+              <a:t>- Now we can use ... and ... for sorting</a:t>
+            </a:r>
+          </a:p>
+          <a:p>
+            <a:pPr algn="l"/>
+            <a:r>
+              <a:rPr lang="en-US" sz="1800">
+                <a:sym typeface="Wingdings" pitchFamily="2" charset="2"/>
+              </a:rPr>
+              <a:t>(code illustration snippet 47)</a:t>
+            </a:r>
+          </a:p>
+          <a:p>
+            <a:pPr algn="l"/>
+            <a:r>
+              <a:rPr lang="en-US" sz="1800">
+                <a:sym typeface="Wingdings" pitchFamily="2" charset="2"/>
+              </a:rPr>
+              <a:t>- Because Rabbit ... didnt ... =&gt; we need to use ...</a:t>
+            </a:r>
+          </a:p>
+          <a:p>
+            <a:pPr algn="l"/>
+            <a:r>
+              <a:rPr lang="en-US" sz="1800">
+                <a:sym typeface="Wingdings" pitchFamily="2" charset="2"/>
+              </a:rPr>
+              <a:t>(code illustration snippet 48, 49)</a:t>
+            </a:r>
+          </a:p>
+          <a:p>
+            <a:pPr algn="l"/>
+            <a:r>
+              <a:rPr lang="en-US" sz="1800">
+                <a:sym typeface="Wingdings" pitchFamily="2" charset="2"/>
+              </a:rPr>
+              <a:t>- Method ... and ... also allows us to add ...</a:t>
+            </a:r>
+          </a:p>
+          <a:p>
+            <a:pPr algn="l"/>
+            <a:r>
+              <a:rPr lang="en-US" sz="1800" b="1">
+                <a:sym typeface="Wingdings" pitchFamily="2" charset="2"/>
+              </a:rPr>
+              <a:t>Reviewing Binary Search</a:t>
+            </a:r>
+          </a:p>
+          <a:p>
+            <a:pPr algn="l"/>
+            <a:r>
+              <a:rPr lang="en-US" sz="1800">
+                <a:sym typeface="Wingdings" pitchFamily="2" charset="2"/>
+              </a:rPr>
+              <a:t>- As usual, to be able to use ... search, the ... must be ...</a:t>
+            </a:r>
+          </a:p>
+          <a:p>
+            <a:pPr algn="l"/>
+            <a:r>
+              <a:rPr lang="en-US" sz="1800">
+                <a:sym typeface="Wingdings" pitchFamily="2" charset="2"/>
+              </a:rPr>
+              <a:t>(code illustration snippet 50, 51)</a:t>
+            </a:r>
+          </a:p>
+          <a:p>
+            <a:pPr algn="l"/>
+            <a:r>
+              <a:rPr lang="en-US" sz="1800">
+                <a:sym typeface="Wingdings" pitchFamily="2" charset="2"/>
+              </a:rPr>
+              <a:t>- In the beginning of this section, we told that if our ... implement ... =&gt; We could use ... with some ... structure that requires ... Now it is an example for that</a:t>
+            </a:r>
+          </a:p>
+          <a:p>
+            <a:pPr algn="l"/>
+            <a:r>
+              <a:rPr lang="en-US" sz="1800">
+                <a:sym typeface="Wingdings" pitchFamily="2" charset="2"/>
+              </a:rPr>
+              <a:t>(code illustration snippet 52)</a:t>
+            </a:r>
+          </a:p>
+          <a:p>
+            <a:pPr algn="l"/>
+            <a:r>
+              <a:rPr lang="en-US" sz="1800">
+                <a:sym typeface="Wingdings" pitchFamily="2" charset="2"/>
+              </a:rPr>
+              <a:t>– In TreeSet, it uses ... and in ..., the method ... uses ... =&gt; If we ... =&gt; ...</a:t>
+            </a:r>
+          </a:p>
+          <a:p>
+            <a:pPr algn="l"/>
+            <a:r>
+              <a:rPr lang="en-US" sz="1800">
+                <a:sym typeface="Wingdings" pitchFamily="2" charset="2"/>
+              </a:rPr>
+              <a:t>- However, like ... and ..., we can specify the collections to ... according to ...</a:t>
+            </a:r>
+          </a:p>
+          <a:p>
+            <a:pPr algn="l"/>
+            <a:r>
+              <a:rPr lang="en-US" sz="1800">
+                <a:sym typeface="Wingdings" pitchFamily="2" charset="2"/>
+              </a:rPr>
+              <a:t>(code illustration snippet 53)</a:t>
+            </a:r>
+          </a:p>
+        </p:txBody>
+      </p:sp>
+    </p:spTree>
+    <p:extLst>
+      <p:ext uri="{BB962C8B-B14F-4D97-AF65-F5344CB8AC3E}">
+        <p14:creationId xmlns:p14="http://schemas.microsoft.com/office/powerpoint/2010/main" val="4228794247"/>
+      </p:ext>
+    </p:extLst>
+  </p:cSld>
+  <p:clrMapOvr>
+    <a:masterClrMapping/>
+  </p:clrMapOvr>
+</p:sld>
+</file>
+
+<file path=ppt/slides/slide32.xml><?xml version="1.0" encoding="utf-8"?>
+<p:sld xmlns:a="http://schemas.openxmlformats.org/drawingml/2006/main" xmlns:r="http://schemas.openxmlformats.org/officeDocument/2006/relationships" xmlns:p="http://schemas.openxmlformats.org/presentationml/2006/main">
+  <p:cSld>
+    <p:spTree>
+      <p:nvGrpSpPr>
+        <p:cNvPr id="1" name="">
+          <a:extLst>
+            <a:ext uri="{FF2B5EF4-FFF2-40B4-BE49-F238E27FC236}">
+              <a16:creationId xmlns:a16="http://schemas.microsoft.com/office/drawing/2014/main" id="{73261291-2DFC-B9A7-0344-B47EE5F17466}"/>
+            </a:ext>
+          </a:extLst>
+        </p:cNvPr>
+        <p:cNvGrpSpPr/>
+        <p:nvPr/>
+      </p:nvGrpSpPr>
+      <p:grpSpPr>
+        <a:xfrm>
+          <a:off x="0" y="0"/>
+          <a:ext cx="0" cy="0"/>
+          <a:chOff x="0" y="0"/>
+          <a:chExt cx="0" cy="0"/>
+        </a:xfrm>
+      </p:grpSpPr>
+      <p:sp>
+        <p:nvSpPr>
+          <p:cNvPr id="3" name="Subtitle 2">
+            <a:extLst>
+              <a:ext uri="{FF2B5EF4-FFF2-40B4-BE49-F238E27FC236}">
+                <a16:creationId xmlns:a16="http://schemas.microsoft.com/office/drawing/2014/main" id="{5C43336D-8436-661F-96C1-4AB8B41D924C}"/>
+              </a:ext>
+            </a:extLst>
+          </p:cNvPr>
+          <p:cNvSpPr>
+            <a:spLocks noGrp="1"/>
+          </p:cNvSpPr>
+          <p:nvPr>
+            <p:ph type="subTitle" idx="1"/>
+          </p:nvPr>
+        </p:nvSpPr>
+        <p:spPr>
+          <a:xfrm>
+            <a:off x="152399" y="217488"/>
+            <a:ext cx="11223171" cy="303212"/>
+          </a:xfrm>
+        </p:spPr>
+        <p:txBody>
+          <a:bodyPr>
+            <a:normAutofit fontScale="92500" lnSpcReduction="20000"/>
+          </a:bodyPr>
+          <a:lstStyle/>
+          <a:p>
+            <a:r>
+              <a:rPr lang="en-US" sz="1800" b="1"/>
+              <a:t>Chapter 9 – Collections and Generics</a:t>
+            </a:r>
+          </a:p>
+        </p:txBody>
+      </p:sp>
+      <p:sp>
+        <p:nvSpPr>
+          <p:cNvPr id="4" name="Subtitle 2">
+            <a:extLst>
+              <a:ext uri="{FF2B5EF4-FFF2-40B4-BE49-F238E27FC236}">
+                <a16:creationId xmlns:a16="http://schemas.microsoft.com/office/drawing/2014/main" id="{8CC5D4FC-0FDA-3AA1-3D12-84699A62BE08}"/>
+              </a:ext>
+            </a:extLst>
+          </p:cNvPr>
+          <p:cNvSpPr txBox="1">
+            <a:spLocks/>
+          </p:cNvSpPr>
+          <p:nvPr/>
+        </p:nvSpPr>
+        <p:spPr>
+          <a:xfrm>
+            <a:off x="0" y="820738"/>
+            <a:ext cx="12192000" cy="6037262"/>
+          </a:xfrm>
+          <a:prstGeom prst="rect">
+            <a:avLst/>
+          </a:prstGeom>
+        </p:spPr>
+        <p:txBody>
+          <a:bodyPr vert="horz" lIns="91440" tIns="45720" rIns="91440" bIns="45720" rtlCol="0">
+            <a:normAutofit/>
+          </a:bodyPr>
+          <a:lstStyle>
+            <a:lvl1pPr marL="0" indent="0" algn="ctr" defTabSz="914400" rtl="0" eaLnBrk="1" latinLnBrk="0" hangingPunct="1">
+              <a:lnSpc>
+                <a:spcPct val="90000"/>
+              </a:lnSpc>
+              <a:spcBef>
+                <a:spcPts val="1000"/>
+              </a:spcBef>
+              <a:buFont typeface="Arial" panose="020B0604020202020204" pitchFamily="34" charset="0"/>
+              <a:buNone/>
+              <a:defRPr sz="2400" kern="1200">
+                <a:solidFill>
+                  <a:schemeClr val="tx1"/>
+                </a:solidFill>
+                <a:latin typeface="+mn-lt"/>
+                <a:ea typeface="+mn-ea"/>
+                <a:cs typeface="+mn-cs"/>
+              </a:defRPr>
+            </a:lvl1pPr>
+            <a:lvl2pPr marL="457200" indent="0" algn="ctr" defTabSz="914400" rtl="0" eaLnBrk="1" latinLnBrk="0" hangingPunct="1">
+              <a:lnSpc>
+                <a:spcPct val="90000"/>
+              </a:lnSpc>
+              <a:spcBef>
+                <a:spcPts val="500"/>
+              </a:spcBef>
+              <a:buFont typeface="Arial" panose="020B0604020202020204" pitchFamily="34" charset="0"/>
+              <a:buNone/>
+              <a:defRPr sz="2000" kern="1200">
+                <a:solidFill>
+                  <a:schemeClr val="tx1"/>
+                </a:solidFill>
+                <a:latin typeface="+mn-lt"/>
+                <a:ea typeface="+mn-ea"/>
+                <a:cs typeface="+mn-cs"/>
+              </a:defRPr>
+            </a:lvl2pPr>
+            <a:lvl3pPr marL="914400" indent="0" algn="ctr" defTabSz="914400" rtl="0" eaLnBrk="1" latinLnBrk="0" hangingPunct="1">
+              <a:lnSpc>
+                <a:spcPct val="90000"/>
+              </a:lnSpc>
+              <a:spcBef>
+                <a:spcPts val="500"/>
+              </a:spcBef>
+              <a:buFont typeface="Arial" panose="020B0604020202020204" pitchFamily="34" charset="0"/>
+              <a:buNone/>
+              <a:defRPr sz="1800" kern="1200">
+                <a:solidFill>
+                  <a:schemeClr val="tx1"/>
+                </a:solidFill>
+                <a:latin typeface="+mn-lt"/>
+                <a:ea typeface="+mn-ea"/>
+                <a:cs typeface="+mn-cs"/>
+              </a:defRPr>
+            </a:lvl3pPr>
+            <a:lvl4pPr marL="1371600" indent="0" algn="ctr" defTabSz="914400" rtl="0" eaLnBrk="1" latinLnBrk="0" hangingPunct="1">
+              <a:lnSpc>
+                <a:spcPct val="90000"/>
+              </a:lnSpc>
+              <a:spcBef>
+                <a:spcPts val="500"/>
+              </a:spcBef>
+              <a:buFont typeface="Arial" panose="020B0604020202020204" pitchFamily="34" charset="0"/>
+              <a:buNone/>
+              <a:defRPr sz="1600" kern="1200">
+                <a:solidFill>
+                  <a:schemeClr val="tx1"/>
+                </a:solidFill>
+                <a:latin typeface="+mn-lt"/>
+                <a:ea typeface="+mn-ea"/>
+                <a:cs typeface="+mn-cs"/>
+              </a:defRPr>
+            </a:lvl4pPr>
+            <a:lvl5pPr marL="1828800" indent="0" algn="ctr" defTabSz="914400" rtl="0" eaLnBrk="1" latinLnBrk="0" hangingPunct="1">
+              <a:lnSpc>
+                <a:spcPct val="90000"/>
+              </a:lnSpc>
+              <a:spcBef>
+                <a:spcPts val="500"/>
+              </a:spcBef>
+              <a:buFont typeface="Arial" panose="020B0604020202020204" pitchFamily="34" charset="0"/>
+              <a:buNone/>
+              <a:defRPr sz="1600" kern="1200">
+                <a:solidFill>
+                  <a:schemeClr val="tx1"/>
+                </a:solidFill>
+                <a:latin typeface="+mn-lt"/>
+                <a:ea typeface="+mn-ea"/>
+                <a:cs typeface="+mn-cs"/>
+              </a:defRPr>
+            </a:lvl5pPr>
+            <a:lvl6pPr marL="2286000" indent="0" algn="ctr" defTabSz="914400" rtl="0" eaLnBrk="1" latinLnBrk="0" hangingPunct="1">
+              <a:lnSpc>
+                <a:spcPct val="90000"/>
+              </a:lnSpc>
+              <a:spcBef>
+                <a:spcPts val="500"/>
+              </a:spcBef>
+              <a:buFont typeface="Arial" panose="020B0604020202020204" pitchFamily="34" charset="0"/>
+              <a:buNone/>
+              <a:defRPr sz="1600" kern="1200">
+                <a:solidFill>
+                  <a:schemeClr val="tx1"/>
+                </a:solidFill>
+                <a:latin typeface="+mn-lt"/>
+                <a:ea typeface="+mn-ea"/>
+                <a:cs typeface="+mn-cs"/>
+              </a:defRPr>
+            </a:lvl6pPr>
+            <a:lvl7pPr marL="2743200" indent="0" algn="ctr" defTabSz="914400" rtl="0" eaLnBrk="1" latinLnBrk="0" hangingPunct="1">
+              <a:lnSpc>
+                <a:spcPct val="90000"/>
+              </a:lnSpc>
+              <a:spcBef>
+                <a:spcPts val="500"/>
+              </a:spcBef>
+              <a:buFont typeface="Arial" panose="020B0604020202020204" pitchFamily="34" charset="0"/>
+              <a:buNone/>
+              <a:defRPr sz="1600" kern="1200">
+                <a:solidFill>
+                  <a:schemeClr val="tx1"/>
+                </a:solidFill>
+                <a:latin typeface="+mn-lt"/>
+                <a:ea typeface="+mn-ea"/>
+                <a:cs typeface="+mn-cs"/>
+              </a:defRPr>
+            </a:lvl7pPr>
+            <a:lvl8pPr marL="3200400" indent="0" algn="ctr" defTabSz="914400" rtl="0" eaLnBrk="1" latinLnBrk="0" hangingPunct="1">
+              <a:lnSpc>
+                <a:spcPct val="90000"/>
+              </a:lnSpc>
+              <a:spcBef>
+                <a:spcPts val="500"/>
+              </a:spcBef>
+              <a:buFont typeface="Arial" panose="020B0604020202020204" pitchFamily="34" charset="0"/>
+              <a:buNone/>
+              <a:defRPr sz="1600" kern="1200">
+                <a:solidFill>
+                  <a:schemeClr val="tx1"/>
+                </a:solidFill>
+                <a:latin typeface="+mn-lt"/>
+                <a:ea typeface="+mn-ea"/>
+                <a:cs typeface="+mn-cs"/>
+              </a:defRPr>
+            </a:lvl8pPr>
+            <a:lvl9pPr marL="3657600" indent="0" algn="ctr" defTabSz="914400" rtl="0" eaLnBrk="1" latinLnBrk="0" hangingPunct="1">
+              <a:lnSpc>
+                <a:spcPct val="90000"/>
+              </a:lnSpc>
+              <a:spcBef>
+                <a:spcPts val="500"/>
+              </a:spcBef>
+              <a:buFont typeface="Arial" panose="020B0604020202020204" pitchFamily="34" charset="0"/>
+              <a:buNone/>
+              <a:defRPr sz="1600" kern="1200">
+                <a:solidFill>
+                  <a:schemeClr val="tx1"/>
+                </a:solidFill>
+                <a:latin typeface="+mn-lt"/>
+                <a:ea typeface="+mn-ea"/>
+                <a:cs typeface="+mn-cs"/>
+              </a:defRPr>
+            </a:lvl9pPr>
+          </a:lstStyle>
+          <a:p>
+            <a:pPr algn="l"/>
+            <a:r>
+              <a:rPr lang="en-US" sz="1800" b="1">
+                <a:sym typeface="Wingdings" pitchFamily="2" charset="2"/>
+              </a:rPr>
+              <a:t>Sorting a List</a:t>
+            </a:r>
+          </a:p>
+          <a:p>
+            <a:pPr algn="l"/>
+            <a:r>
+              <a:rPr lang="en-US" sz="1800">
+                <a:sym typeface="Wingdings" pitchFamily="2" charset="2"/>
+              </a:rPr>
+              <a:t>- Other than the method ..., we can use the ... directly</a:t>
+            </a:r>
+          </a:p>
+          <a:p>
+            <a:pPr algn="l"/>
+            <a:r>
+              <a:rPr lang="en-US" sz="1800">
+                <a:sym typeface="Wingdings" pitchFamily="2" charset="2"/>
+              </a:rPr>
+              <a:t>- This method works like ..., it receives ...</a:t>
+            </a:r>
+          </a:p>
+          <a:p>
+            <a:pPr algn="l"/>
+            <a:r>
+              <a:rPr lang="en-US" sz="1800">
+                <a:sym typeface="Wingdings" pitchFamily="2" charset="2"/>
+              </a:rPr>
+              <a:t>(code illustration snippet 54)</a:t>
+            </a:r>
+          </a:p>
+        </p:txBody>
+      </p:sp>
+    </p:spTree>
+    <p:extLst>
+      <p:ext uri="{BB962C8B-B14F-4D97-AF65-F5344CB8AC3E}">
+        <p14:creationId xmlns:p14="http://schemas.microsoft.com/office/powerpoint/2010/main" val="2289284462"/>
+      </p:ext>
+    </p:extLst>
+  </p:cSld>
+  <p:clrMapOvr>
+    <a:masterClrMapping/>
+  </p:clrMapOvr>
+</p:sld>
+</file>
+
 <file path=ppt/slides/slide4.xml><?xml version="1.0" encoding="utf-8"?>
 <p:sld xmlns:a="http://schemas.openxmlformats.org/drawingml/2006/main" xmlns:r="http://schemas.openxmlformats.org/officeDocument/2006/relationships" xmlns:p="http://schemas.openxmlformats.org/presentationml/2006/main">
   <p:cSld>
@@ -14588,7 +20566,7 @@
           <a:p>
             <a:r>
               <a:rPr lang="en-US" sz="1800" b="1"/>
-              <a:t>Revision</a:t>
+              <a:t>Chapter 9 – Collections and Generics</a:t>
             </a:r>
           </a:p>
         </p:txBody>
@@ -14972,7 +20950,7 @@
           <a:p>
             <a:r>
               <a:rPr lang="en-US" sz="1800" b="1"/>
-              <a:t>Revision</a:t>
+              <a:t>Chapter 9 – Collections and Generics</a:t>
             </a:r>
           </a:p>
         </p:txBody>
@@ -15285,7 +21263,7 @@
               <a:rPr lang="en-US" sz="1800">
                 <a:sym typeface="Wingdings" pitchFamily="2" charset="2"/>
               </a:rPr>
-              <a:t>- Although Java protected us from ... we still ... (code illustration snippet 5)</a:t>
+              <a:t>- Although Java protected us from ... we still might get ... (code illustration snippet 5)</a:t>
             </a:r>
           </a:p>
           <a:p>
@@ -15398,7 +21376,7 @@
           <a:p>
             <a:r>
               <a:rPr lang="en-US" sz="1800" b="1"/>
-              <a:t>Revision</a:t>
+              <a:t>Chapter 9 – Collections and Generics</a:t>
             </a:r>
           </a:p>
         </p:txBody>
@@ -15821,7 +21799,7 @@
           <a:p>
             <a:r>
               <a:rPr lang="en-US" sz="1800" b="1"/>
-              <a:t>Revision</a:t>
+              <a:t>Chapter 9 – Collections and Generics</a:t>
             </a:r>
           </a:p>
         </p:txBody>
@@ -16214,7 +22192,7 @@
           <a:p>
             <a:r>
               <a:rPr lang="en-US" sz="1800" b="1"/>
-              <a:t>Revision</a:t>
+              <a:t>Chapter 9 – Collections and Generics</a:t>
             </a:r>
           </a:p>
         </p:txBody>
@@ -16604,7 +22582,7 @@
           <a:p>
             <a:r>
               <a:rPr lang="en-US" sz="1800" b="1"/>
-              <a:t>Revision</a:t>
+              <a:t>Chapter 9 – Collections and Generics</a:t>
             </a:r>
           </a:p>
         </p:txBody>
@@ -16875,7 +22853,7 @@
               <a:rPr lang="en-US" sz="1800">
                 <a:sym typeface="Wingdings" pitchFamily="2" charset="2"/>
               </a:rPr>
-              <a:t>- TreeSet is ... however ... linear ...</a:t>
+              <a:t>- TreeSet is ... however ...</a:t>
             </a:r>
           </a:p>
           <a:p>

--- a/OCP17/old progress/Chapter 9 - Collections and Generics.pptx
+++ b/OCP17/old progress/Chapter 9 - Collections and Generics.pptx
@@ -5,7 +5,7 @@
     <p:sldMasterId id="2147483648" r:id="rId1"/>
   </p:sldMasterIdLst>
   <p:notesMasterIdLst>
-    <p:notesMasterId r:id="rId34"/>
+    <p:notesMasterId r:id="rId44"/>
   </p:notesMasterIdLst>
   <p:sldIdLst>
     <p:sldId id="256" r:id="rId2"/>
@@ -40,6 +40,16 @@
     <p:sldId id="286" r:id="rId31"/>
     <p:sldId id="287" r:id="rId32"/>
     <p:sldId id="288" r:id="rId33"/>
+    <p:sldId id="289" r:id="rId34"/>
+    <p:sldId id="290" r:id="rId35"/>
+    <p:sldId id="291" r:id="rId36"/>
+    <p:sldId id="292" r:id="rId37"/>
+    <p:sldId id="293" r:id="rId38"/>
+    <p:sldId id="294" r:id="rId39"/>
+    <p:sldId id="295" r:id="rId40"/>
+    <p:sldId id="296" r:id="rId41"/>
+    <p:sldId id="297" r:id="rId42"/>
+    <p:sldId id="298" r:id="rId43"/>
   </p:sldIdLst>
   <p:sldSz cx="12192000" cy="6858000"/>
   <p:notesSz cx="6858000" cy="9144000"/>
@@ -175,6 +185,16 @@
             <p14:sldId id="286"/>
             <p14:sldId id="287"/>
             <p14:sldId id="288"/>
+            <p14:sldId id="289"/>
+            <p14:sldId id="290"/>
+            <p14:sldId id="291"/>
+            <p14:sldId id="292"/>
+            <p14:sldId id="293"/>
+            <p14:sldId id="294"/>
+            <p14:sldId id="295"/>
+            <p14:sldId id="296"/>
+            <p14:sldId id="297"/>
+            <p14:sldId id="298"/>
           </p14:sldIdLst>
         </p14:section>
       </p14:sectionLst>
@@ -1404,6 +1424,34 @@
 </inkml:ink>
 </file>
 
+<file path=ppt/ink/ink39.xml><?xml version="1.0" encoding="utf-8"?>
+<inkml:ink xmlns:inkml="http://www.w3.org/2003/InkML">
+  <inkml:definitions>
+    <inkml:context xml:id="ctx0">
+      <inkml:inkSource xml:id="inkSrc0">
+        <inkml:traceFormat>
+          <inkml:channel name="X" type="integer" min="-2.14748E9" max="2.14748E9" units="cm"/>
+          <inkml:channel name="Y" type="integer" min="-2.14748E9" max="2.14748E9" units="cm"/>
+          <inkml:channel name="F" type="integer" max="32767" units="dev"/>
+        </inkml:traceFormat>
+        <inkml:channelProperties>
+          <inkml:channelProperty channel="X" name="resolution" value="1000" units="1/cm"/>
+          <inkml:channelProperty channel="Y" name="resolution" value="1000" units="1/cm"/>
+          <inkml:channelProperty channel="F" name="resolution" value="0" units="1/dev"/>
+        </inkml:channelProperties>
+      </inkml:inkSource>
+      <inkml:timestamp xml:id="ts0" timeString="2025-12-08T12:27:44.011"/>
+    </inkml:context>
+    <inkml:brush xml:id="br0">
+      <inkml:brushProperty name="width" value="0.35" units="cm"/>
+      <inkml:brushProperty name="height" value="0.35" units="cm"/>
+      <inkml:brushProperty name="color" value="#E71224"/>
+    </inkml:brush>
+  </inkml:definitions>
+  <inkml:trace contextRef="#ctx0" brushRef="#br0">202 62 24575,'46'0'0,"7"0"0,7 0 0,13 0 0,14 0 0,5 0-538,4 0 538,-10 0 0,3 0 0,-9 0 0,-7 0 0,3 0 0,-21 0 133,4 0-133,-2 0 0,2 0 0,8 0 0,1 0 0,-4 0 405,1 0-405,1 0 0,-1 0 0,-1 0 0,-8 0 0,2 0 0,-6 0 0,6 0 0,1 0 0,9 0 0,14 0 0,3 0 0,8 0 0,-11 2 0,6 7-585,-1 4 585,10 4 0,-44-7 0,1 0 0,44 8 0,-45-9 0,1-1 0,38 7 0,3-2 0,-46-7 0,1 0 0,1 0 0,1 1 0,7 0 0,2 0 0,-1 1 0,1-1 0,1 1 0,0-1 0,0-1 0,-1 0 0,-6-2 0,-2 0 0,5 0 0,-1 0 0,-5-2 0,-1 1 0,45 1 0,2 3 0,-24-4 0,0 1 0,-5 1 0,-4-2 0,3 0 0,-3 0 0,-3-3 0,-1 3 585,-1 0-585,1 0 0,-1 0 0,3-3 0,0 0 0,-4 0 0,-1 0 0,-1 0 0,5 2 0,6 1 0,1 0 0,-1 2 0,-2-1 0,-1 2 0,0 0 0,-4 0 0,-1 0 0,-1 0 0,-1 0 0,-6-3 0,-4 1 0,-1-2 0,1 1 0,7-1 0,7-1 0,9-1 0,6 0 0,13 0-418,-41 0 0,2 0 418,3 0 0,0 0 0,6 0 0,0 0 0,3 0 0,-1 0 0,3 0 0,0 0-492,-3 0 0,-2 0 362,0 0 1,-1 0 129,-6 0 0,-1 0-227,1 0 1,-1 0 226,3 0 0,-1 0 0,46 0 0,-2 0 0,-13 0 0,-11 0 0,-7 0 0,-10 0 764,-11 0-764,-4 3 0,-7 0 983,0-1-702,7 3 223,5-2-504,13 2 0,1 1 0,9 1 0,8 0 0,-3-2 0,2-2 0,-8-2 0,-1-1 0,0 0 0,-5 0 0,-12 0 0,-7 0 0,-2 0 0,0 0 0,5 0 0,1 0 0,4 0 0,0 0 0,1 0 0,3 0 0,0 0 0,3 0 0,-1 0 0,-6 0 0,-2 0 0,1 0 0,1 0 0,6 0 0,1 0 0,-2 0 0,-3 0 0,-5 0 0,-6 0 0,-1-3 0,-5 0 0,-3-2 0,1 0 0,-5 1 0,-1 0 0,2-1 0,-1 0 0,6 2 0,1-2 0,0 0 0,3-1 0,2-2 0,2 3 0,0-1 0,0 0 0,2 1 0,-1-2 0,2-3 0,1-3 0,0 0 0,4-1 0,-3 2 0,-5 1 0,-8 0 0,-8 2 0,-7 2 0,-4 2 0,-5 2 0,-2 1 0,-35-4 0,11 3 0,-28-4 0,19 1 0,-3 1 0,-3 0 0,-12 0 0,-10 1 0,-10 0 0,-13 1 0,-11 2-496,-12 1 496,3 0 0,-1 0 0,9 0 0,4 0 0,6 0 0,16 0 0,7 0 0,10-2 0,4-1 0,8 1 0,7-1 496,6 1-496,1 0 0,0-1 0,-2-1 0,-5 1 0,-6 1 0,-3-3 0,-1 3 0,-3-1 0,-5-1 0,-7 1 0,-6 0 0,-3 0 0,-5 2 0,-2-1 0,0-2 0,0 1 0,1 0 0,1 3 0,0 0 0,7 0 0,-4 0 0,0 0 0,-3 0 0,-7 0 0,-4-2 0,-11-2 0,-1 0 0,3-2 0,8 0 0,2-2 0,-4-1 0,6 1 0,8 1 0,5-1 0,1 3 0,-3 0 0,-14-4 0,-7 2 0,-6-2 0,0-1-469,-6 3 469,5 0 0,1 1 0,0 2 0,12 0 0,-3 1 0,6 3 0,1 0 0,-7 0 0,2 0 0,-2 0-50,1 0 50,8 0 0,-4 0 0,3 0 0,3 0 0,3 0 467,7 0-467,9 0 0,9 0 52,5 0-52,0 0 0,-4 0 0,-8 0 0,-2 0 0,-3 0 0,-4 0 0,-2 0 0,-14 0 0,-1 0 0,1 0 0,0 0 0,7 0 0,3 0 0,-1 2 0,1 1 0,1 2 0,-17 3 0,-4-1 0,-3 2 0,-6 1-522,2 1 522,-5 2 0,-4 1 0,48-8 0,-2 1 0,-1 0 0,0 0 0,-43 5 0,1 1 0,3-1 0,2-3 0,-3 1 0,4 0 0,-8 1 0,6-1 0,-4 1 0,4-1 0,12 0 0,-4 3 0,6 0 0,2-1 0,4-1 0,-2 0 0,-2 1 0,-7-1 0,-8 5 0,-2 1 0,5-1 0,2 1 0,4-1 0,6 0 0,1 0 0,13-1 0,8-6 0,11-4 0,9-2 0,5-3 0,3 0 0,-2 0 522,-2 0-522,-2 0 0,-3 0 0,-4 0 0,-4 0 0,-6 0 0,-8 0 0,-2 0 0,-13 0 0,1 0 0,-3 0 0,-1 0 0,8 0 0,-6 0 0,4 0 0,-2 0 0,7 0 0,7 0 0,5 0 0,4-3 0,5-2 0,1-3 0,7-1 0,4 0 0,-2 2 0,1 0 0,-6 0 0,-2-1 0,-1-1 0,-1 1 0,-1 0 0,-1 1 0,-2-1 0,0 3 0,0 2 0,1-2 0,5 2 0,0 0 0,3 0 0,2 2 0,-1-2 0,5 1 0,2-1 0,7 1 0,2 0 0,4 0 0,0 0 0,1 1 0,-1-1 0,2 0 0,1-1 0,-3 1 0,0 2 0,-3 0 0,-1 0 0,2 0 0,0 0 0,1 0 0,1 0 0,1 0 0,-1 0 0,-1 0 0,-1 0 0,-2 0 0,0 0 0,0 0 0,-1 0 0,1 0 0,4 0 0,2 0 0,6 0 0,2 0 0</inkml:trace>
+</inkml:ink>
+</file>
+
 <file path=ppt/ink/ink4.xml><?xml version="1.0" encoding="utf-8"?>
 <inkml:ink xmlns:inkml="http://www.w3.org/2003/InkML">
   <inkml:definitions>
@@ -1429,6 +1477,90 @@
     </inkml:brush>
   </inkml:definitions>
   <inkml:trace contextRef="#ctx0" brushRef="#br0">0 108 24575,'92'9'0,"-40"-6"0,-1 1 0,33 3 0,-18-5-492,-5 2 0,4-1 164,-15-2 0,2-2 328,33 1 0,2 0 0,-25 0 0,0 0-492,15 0 0,-2 0-492,24 0 851,-3 0 950,3 0-817,-61 0 0,46 0 0,-61 0 0,52 0 748,-50 4-748,21-3 0,20 18 0,0-15 491,-10 6 1,2 2-428,-5-7 0,0-1-64,5 1 0,1-1 0,-1 0 0,0-1 0,-4-3 0,-2 0 0,42 7-205,-33-6 205,15 6 0,-22-7 0,7 3 0,15 5 0,-43-2 0,53 8 0,-52-13 0,52 6 983,-43-7-968,26 0-15,20 8 0,-31-6 0,31 11-665,10-12 665,-28 5 0,-19-6 0,-2 0-394,8 0 394,41 0 0,-38 0 0,-6 0 0,-1 0 0,7 0 0,20 0 0,3 0-492,-9 0 0,4 0 13,-19 0 0,-1 0 479,20 0 0,-1 0-336,-24 0 1,-4 0 335,43 0 793,-9 0-793,-13 0 0,-13 0 0,-9 0 356,0 0-356,-1 0 983,-9 0 0,7 0-154,2 0-829,3 0 0,18 0 0,-18 0 0,18 0 0,-8 0 0,0 0 0,-3 0 0,-9 0 0,-1-6 0,1 5 0,0-5 0,9 0 0,3 5 0,10-12 0,10 11 0,3-11-492,-33 12 0,2 0 441,-1-2 1,2-1 50,4 4 0,0 0 0,0-3 0,0-1 0,1-1 0,-1 1 0,0-1 0,0 0 0,-4 1 0,-2 1 0,1 3 0,-2 0 0,43 0 0,-43 0 0,1 0 0,44 0 0,-39 0 0,0 0 0,-4 0 0,0 0 0,10 0 0,1 0 0,0 0 0,1 0-492,4 0 0,1 0 272,0 0 1,-1 0 219,1 0 0,-1 0 0,1 0 0,-1 0 0,1 0 0,0 0 0,-1 0 0,1 0 0,4 0 0,1 0 0,-4 0 0,0 0 0,8-1 0,1 2 0,-4 3 0,0 0 0,9-3 0,2 0-492,4 7 0,3 0 0,4-3 0,1 1 139,0 3 0,-1 0-139,-5-3 0,-1-1 224,0 0 1,-2-2 267,-8-3 0,1 0 0,12 0 0,2 0 0,-4 0 0,1 0-328,-25 2 0,0 2 0,1-2 155,-1-1 0,1-1 1,-1 1 172,30 4 0,-1-1-126,-9-4 1,-3 0 125,-15 0 0,-3 0 491,-15 0 1,-2 0 369,30 0-861,-10 0 0,0-7 0,0 6 0,0-12 0,10 12 0,3-6-492,-33 7 0,1 0 0,1-3 0,0-1 0,5 3 0,1 0 723,-1-3 1,0 1-232,5 3 0,1 0 0,-5-4 0,1 0 0,3 4 0,0-2 0,-4-5 0,-2-1 0,2 8 0,-1-1 0,1-7 0,-2 1 901,39 5-901,-45-2 0,0 1 0,32 3 0,11 0 0,-1 0-187,-41 0 0,0 0 187,44 0 0,-44 0 0,0 0 0,41 0 0,1 0 0,-1 0 0,1 0 0,-11 0 0,-2 0 0,0 0 0,3 0 0,-33-1 0,1 2 0,1 2 0,1 1 0,3-3 0,2 0 0,-1 3 0,0-1 0,10-2 0,1-2 491,1 1 1,2 0-1,13 4 1,2 0-21,0-3 1,0 0-964,5 7 0,1 1 469,-1-4 1,1 0 22,0 0 0,-1 0-492,-5 0 0,0-2 422,0-2 0,-2-2 70,-4 1 0,0 0 0,5 4 0,0 1 0,2-5 0,-1 2 0,0 6 0,1 0 0,-1-7 0,-2 0 0,-14 7 0,-1-1 0,0-5 0,-3-2 89,-13 4 1,-2-1-90,0-3 0,0 0 0,41 7 0,1-5 0,-11 5 983,-2-1 0,-20-4-361,8 4-622,-37-6 983,12-4 0,-35 3 0,25-3 0,-4 4 0,0-3-853,4 2-126,-25-5-4,9 6 0,-7-7 0,3 7 0,-4-6 0,9 5 0,-7-5 0,4 5 0,-6-5 0,-4 5 0,4-5 0,-2 2 0,-2-3 0,3 0 0,-4 4 0,5-4 0,-10-6 0,0 1 0,-10-8 0,-1 10 0,-8-5 0,-32-4 0,17 4 0,-17 2 0,-4 3 0,-4 4-492,-19 2 0,-6 1 82,-12 3 82,28-3 0,-8 0 0,5 0-92,5 2 0,0 0 92,-17-2 0,-9-1 0,6 2-164,2 2 0,1 0 267,9 0 0,-5 0 1,-1 0-104,-12 0 0,-2 0 0,4 0 0,19 0 0,3 0 0,-4 0 16,-23 2 1,-5 1-1,-1 0 312,0 1 0,0-1 0,4 2 0,18 0 0,4 2 0,-4 0 0,-20 0 0,-4-1 0,6 0 0,-1-1 0,1 1 0,4 0 0,-7 0 0,7-1 0,-3-4 0,2 0-268,7 2 1,-4 1 0,8-2 267,11-1 0,5-2 0,-1 1 0,-3 0 0,-3 1 0,-7-1 0,5-1 0,-5-3 0,0 0 0,5 4 0,-5 0 0,7-1 0,8-3 0,3 0 0,-5 3 0,0 2 0,8-1 0,1 0 169,-4-4 1,-1 0-170,1 3 0,-1 0 0,-4-2 0,-3-1 279,-9 4 0,-2 0-279,-2 0 0,-7 0-29,19-2 0,-7 0 0,-2-1 1,7 1 28,5 1 0,5 0 0,-8 0 0,-3 0 0,-9-1 0,-4-1 0,3 1 0,11 1 0,4 1 0,7 0 0,-4 0-328,-25 0 0,-5-1 0,0 2 218,3 1 0,0 2 0,6-1 110,-11 2 0,0 1-328,14-1 0,-5 1 0,2 2 148,5 0 0,1 2 0,4 0 67,-14 4 0,1 0 113,14-4 0,-4 0 0,6 0 0,0 2 0,1 1 0,5-1 0,-4 1 0,5-1 0,-6-2 0,1 1 0,7 1 0,-3 1 0,6-2 0,3-2 0,4-1 491,4 3 1,-3 1-422,-37 2 1,0 0-71,35-1 0,0-1 0,-36 3 0,1-3 491,32-8 1,3 1-1,-1 2 1,-3 0-361,-11-6 1,-3 0-132,5 7 0,-1-1 491,-9-5 1,-2-2-301,-9 5 0,-1-2-246,-1-2 1,-1-2 54,-4 1 0,-2 0 0,32 0 0,0 0 0,-1 0 0,-29 0 0,-1 0 0,30 0 0,-1 0 0,1 0 0,-30 0 0,1 0 0,1 0 0,-1 0 0,19 0 0,-2 0 0,5 0 0,-8 1 0,1-2 0,13-1 0,-3-1 0,8 1 491,9 1 1,3 0-490,-5-7 0,2 1-2,-27 5 0,26-1 0,2-1 0,-3 4 801,-29 0-801,48 0 0,-19-6 0,-13 4 0,-23-19 0,41 16 0,-1-1 491,-4-6 1,0 0-352,3 4 1,4 0-141,-18-4 983,5-2 0,46 7 0,-8 1-551,16 3-432,6 0 0,-8 2 805,6-2-805,-15 3 0,3 0 0,-18 0 0,-3 0 0,-20 0 0,-2 0 0,4 0 0,3 1 0,5 1 0,25-1 0,14 5 0,2-3 0,45-4 0,-18-1 0,50-10 0,-13 0 0,28-3-492,-24 6 0,3 1 234,-7 3 0,0 1 258,8 0 0,-2 0 0,22 4 0,4 0 0,-34 0 0,24 0 0,-7 14 0,3 2-382,17 22 382,-27-9-492,7-1 0,7 1 0,-20-7 0,3 0 164,12 0 0,9 0 0,-4 0 200,14 2 0,-2-2 128,7-1 0,1-4 0,-31-7 0,1-1 0,-3-1 0,14 2 0,2-2 0,-3-4 0,7-1 0,-5 0 0,7 6 0,0-2 0,-14-5 0,4-3 0,-4 2 0,15 7 0,-1 1 0,9-4 0,3 0 0,-1 4 0,1 1 0,-27-6 0,1-2 0,0 2 0,0 2 0,0 0 0,1-1 0,0-4 0,1-1 0,-4 1 0,14 3 0,-3 1 0,14-1 0,-7 0-984,5-2 892,-13 3 0,0-2 92,10-10 0,-39 6 0,0 0 292,36-6-292,-50 7 983,17 0-219,6 0-764,-5 0 453,6 0 1,7 0-454,0 0 0,4 0-378,25 0 0,1 0 378,-14 0 0,0 0-328,-13 1 0,2-1 0,-2-1-164,14-2 0,-3-2 276,-4 2 1,-1-2 215,17-8 0,-7-1 0,-5-3 0,3 3 0,1 2 0,-4 4-492,-28 1 0,2 0 412,5 2 0,-5 0 779,7-8-699,15 4 0,1 1 0,-9 0 0,-20 1 0,0 1 0,17 4 0,-17-4 0,0-1 0,30 5 0,-25-2 0,-1 0 0,17 4 0,-8 0 0,3 0 0,29 0 0,-19 0 0,1 0 0,-24 0 0,-2 0 0,6 0 0,0 0 0,0 0 0,1 0 0,4 0 0,0 0-167,0 0 1,3 0 166,5-3 0,6 0 0,-4 0 0,2 2 0,-1 0 491,27-7 1,-5 0-272,-2 0 603,-23-1-823,28-5 0,-41 7 697,41-3-697,-38 5 0,10 5 465,-1 0 1,2 0-466,-18 0 0,1 0 0,28 0 0,1 0 0,-24 0 0,-3 0 0,1 0 0,0 0 313,1 0 1,-2 0-314,-3 0 0,-1 0 0,2 0 0,3 0 0,26 0 0,-1 0-484,-22 0 1,0 0 483,26 0 0,1 0 0,-29 0 0,-2 0 0,6 0 0,3 0 0,8 0 0,1 0 0,0 0 0,2 0 0,8 0 0,2 0 0,0 0 0,1 0 0,-1 0 0,0 0 0,-5 0 0,-2 0 0,1 0 0,-2 0 0,-13 0 0,-1 0 0,9 0 0,-1 0-492,-13 0 0,-1 0 463,9 0 0,0 0 29,-3 4 0,-1 0 0,6-3 0,0 0 0,-5 3 0,-1-1 0,-5-2 0,-2-2 0,27 1 0,-6-12 983,-45 6-471,5-8 86,-12 6-598,-8 6 983,16-3-377,-19 5 377,20 0-675,18 0-308,21 0 0,-11 0 0,33 0 0,-30 0 0,8 0 0,2-7 0,-50 6 0,28-11 0,-36 11 0,26-5 0,-26 6 0,8 0 0,-13 0 0,-5 0 0,1 0 0,1 0 0,-2 0 0,5 0 0,33 0 0,-18 4 0,38-3 0,-38 7 0,3-7 0,-6 3 0,-94 4 0,9 1 0,-13-3 0,-7-1-492,10 2 0,1 1 157,3-3 0,0-1 335,-1 5 0,-3 0 0,-13-5 0,-1 1 0,15 3 0,-1-1 0,-20-6 0,0 0 0,19 3 0,3 0 0,8-4 0,1 0-108,0 0 0,4 0 108,-9 0 0,-22 0 0,23 0-492,8-4 0,-4 0 459,0-1 1,-1 0 32,-4-3 0,-1-1 0,-7 0 0,-3 0-492,-19 0 0,-5 0 164,32 2 0,0 1 0,-4 0 12,-14 2 0,-4 1 0,2-1 316,8-1 0,1-2 0,2 2 0,-19 4 0,0 0 0,20-2 0,-3-1 0,3 3 0,-11 4 0,0 2-185,11-2 0,-4 1 0,5-1 185,-1 2 0,3 1 0,-17 6 0,6 0 0,2-2 0,-5 4 0,-1-2-984,1-3 900,-10 0 1,0-2 83,-1-5 0,30 1 0,-9 0 0,4 0-492,2-3 0,-2 0 242,-20 0 1,-12 0-1,6 0 250,0-1 0,1 2 0,10 1 0,-5 1 0,5 0 0,-5-3 0,-1 2-162,-2 6 1,-8 2-1,5-1 162,26-7 0,4-2 0,-5 2 0,1 4 0,-5 2 0,-2 0 0,1-3 0,0-3 0,-1-2 0,1 0 0,4 0 0,-6 3 0,4 0 0,-4-1 0,-19-1 0,-5-1 0,8-1 112,-4 2 0,8-2-112,10-2 0,-1-2 0,13 4 0,-4 1 0,5-1 0,-3-3 0,3 0 0,-9 4 0,1 0 0,4 0 0,4 0 0,-27 0 0,27 0 0,-6 0 0,-18 0 0,1 0 0,24 0 0,-1 0 0,-2 0 0,-6 0 0,5 0 0,-6 0 0,4 0 0,-7 0 0,0 0-492,-3 0 0,-4 0 368,5 0 0,-6 0 1,5 0 123,-14 4 0,1 0 208,16-3 1,-4-1 0,8 1-209,-1 3 0,6 0 491,2-3 1,1-2-184,-1 1 1,1 0-309,-1 0 0,0 0 0,1 0 0,-1 0 0,-4 1 0,-1-2 0,-5-3 0,-2 0-254,-5 3 1,-1 0 253,-4-7 0,-1 0 0,0 6 0,1 1 0,5-3 0,0 0 0,-5 3 0,1 2 0,4 3 0,-1 0 0,1 0 0,0 2 491,0 7 1,2 1-293,3-4 1,2 0-200,3 3 0,2-1 0,0-2 0,0-2 0,5-3 0,1 0 491,4 2 1,1 1-446,6-4 0,-1 0-46,-13 5 0,0 0 0,20-1 0,0 0 0,-11 0 0,2 0 963,-20 0-963,0 5 0,7-11 0,-17 5 0,27-2 0,-14-3 983,26 9 0,-6-10 0,9 4 0,10-5 0,-7 0-406,18 4-318,-9-3-259,17 6 0,-5-6 0,10 5 0,-4-5 0,8 2 0,1 0 0,6-18 0,20-11 0,-4-7 0,28-21 0,-17 14 0,36-27 0,-20 4 0,13-3 0,-19 7 0,-14 10 0,-7-9 0,-7 6 0,-5 4 0,0 2 0,0 26 0,0-9 0,-3 18 0,2 1 0,-2 0 0,3 0 0,3-1 0,1 0 0,0-2 0,3-3 0,-6-5 0,3-15 0,-4 13 0,0-6 0,0 18 0,0 1 0,3 3 0,32 19 0,-12-11 0,56 21 0,-35-20 0,7 5 0,7 1-492,-1-7 0,5 0 0,28 7 0,4 0 393,-16-7 1,4 0 98,-11 2 0,9 2 0,1 0 0,-3-1 0,7 0 0,-2 0 0,2 0 0,-11 0 0,2 1 0,1 0 0,1 0 0,11-2 0,4-1 0,-2 0 0,-9 2 0,-17 1 0,-6 1 0,17-1-99,-7-3 1,16-1 0,13-1-1,7 0 1,6 0 0,1-1-1,-3 1 1,-6-1 0,-9 1-1,-14 1-147,14 1 0,-15 0 0,-1 0 0,15 0 136,-8-1 1,13-1 0,11 0 0,4 0-1,1 0 1,-5 0 0,-9-1 0,-13 1-1,-19 0-382,14 0 0,-15 0 0,9 0 0,-5 0-492,10 0 414,-2-7 570,-26 5 0,6-9 983,-23 10-567,-10-6 567,20-1 0,15 3-492,-10-2 1,2 0 491,25-1-492,-19 1 1,1-2-1,-6 1 1,-1 1 208,38-3-700,-19 2 0,-5 0 0,-8 1 0,10 2 0,1 1 0,-9-2 0,-8 6 0,3 0 0,-4-4 0,-2 0-984,21 2 936,8-2 1,1 0 47,-6 4-200,-18 0 0,0 0 200,12 0 0,-13 0 0,2 0-984,36 0 953,-27 0 0,2 0 31,1 4 0,-3 0 0,27-2 0,-11 3 0,-2-1 0,1-4 0,5 0 0,0 0 0,1 0 0,-21 0 0,10 0 0,-6 0 0,-8 0 0,-2 0-492,27-1 0,6 2 184,-24 1 0,2 2 0,-4-2 308,7 0 0,-1-1-275,-4 1 1,4 1-1,-5 0 275,-3 1 0,-1 0 0,30-3 0,-1 0 0,-26 2 0,-2 1 0,15-3 0,-3-2 61,-23 1 1,-7 0-62,17 0 0,0 0 0,1 0 0,9 0 0,-9 3 0,1 1-221,18-2 221,9 11 0,-41-12 0,0 0 983,44 13-672,-39-13 0,0 0-311,29 6 0,5-7 0,0 0 983,-25 0-79,3 0-904,-33 0 0,10 0 0,15 0 0,13 0 0,17 0-492,-20 0 0,2 0 445,-18 0 0,-1 0 47,18 0 0,0 0 392,-8 0 0,-6 0-392,3 0 0,35 0 0,-67 0 788,7 0-788,10 6 0,-15-5 0,10 9 983,-25-9-528,-7 2-455,-49 12 0,-26 5 0,-30 4-328,26-2 0,-11 4 0,1-1 0,6-2 0,1 0 0,0 0 0,2-1 0,1 1 0,-4 1 82,-2 2 0,-5 1 0,-1 1 0,4-4-82,-6-1 0,4-3 0,-4 2 82,2 0 0,-3 2 0,-1-2 0,2-2-82,-14-4 0,3-3 0,-1-1 82,19 0 0,0 1 0,0 0 0,-1-4 0,0-4 0,1-2 0,-1-1 0,-1 1 93,-3 2 1,-1 0-1,0 0 1,-1-2 152,-1-2 0,-1-1 0,0-1 0,-1 1 0,-3 0 0,-1 1 0,1-1 0,4-1 0,-8-1 0,4-1 0,-2 0 0,7 0 0,-4 1 0,1-1 0,5 0 0,-5-1 0,4 1 0,0 0 0,-2-1 0,-1 1 0,-1 1-328,-7 1 0,-2 1 0,8 1-78,0-1 0,3 0 122,14 0 0,-2 0 1,5 0 283,1 0 0,4 0 491,-4 0 1,5 0 491,-4 0 0,4 0 0,34 0 0,18 0 0,4 3 0,42-3 0,-4 3 0,53-10 0,0 6-514,-23-10 1,4-1-470,5 5 0,2 2 0,13-8 0,2-1-492,1 1 0,-1 0 0,-3 3 0,-4 0 402,-19-2 0,-3 0-112,4 3 1,-5 1 201,10 1 0,-2-4 0,-10 11 983,-41-3-313,30 3 313,-29 0 0,29 0-134,-20 0-849,32 0 0,-25 0 0,15 0 0,10 0 0,-13 0 0,26 5 0,-31-4 0,59 5-781,-26-6 781,-15-1 0,2 2 0,33 6 0,-20-3 0,2 2 0,-19 2 0,1 0 0,43 1 0,-1 0-492,-45-1 0,-1 0 0,47 1 0,-1 0 0,-43 0 0,1-2 164,17-2 0,9-3 0,-9 2-164,-15 3 0,-2-1 0,30-4 0,4-2 0,-4 4 0,-3-1 0,-16-3 0,0 0 25,16 0 0,3 0 467,4 4 0,-3 1 0,-31-4 0,1 0 0,26 3 0,0 0 0,-28 0 0,-4 0 0,46-2 0,-23 1 0,-2 1 0,13-4 491,-27 0 1,-5 0 491,-19 0 0,2 0 0,-15 0 0,1 0 0,33 0 0,-26 0 0,38 0 0,-27 0-243,20 6-740,2-4 0,0 4 0,7-6 0,-17 0 0,18 0 0,-8 0 0,20 7-984,13-5 572,-24 9 0,6 1 412,8-5 0,0-1 0,-5 7 0,-2 0 0,-9-8 0,-1 0 0,10 3 0,-3-1 0,25-5 0,-1 3 0,-1-1 0,-3-11 0,2 6 0,-51-9 0,-15 3 0,-7 2 0,22 0 0,-12 5 0,0 0 983,22 0-158,-30 0-825,21 0 0,20 0 0,-20 0 0,8 0 0,1 0 0,1 0 0,13 0 0,7 0 0,-30 0 0,23 0 0,-23 0 0,43 0 0,-28 0 0,-6 0 0,-1 0 0,7 0 0,10 0 0,-1 0 0,2 0-591,17 0 591,-16-3 0,-4-1 0,-8 3 0,18-13 0,-36 9 0,13-3 0,0-3 0,-12 9 0,24-10 0,21 10 0,-20-3 0,22 0 0,-2 3 0,-49-6 0,20 7 591,-50-2-591,-3 0 0,-32-17 0,-4 7 0,-37-14 0,3 14 0,-6 2-492,7 1 0,-5 1 164,-2 0 0,-8-1 0,0 2 63,2 3 1,-2 3 0,-1-2-64,-13-1 0,-3-2 0,0 2 0,0 4 0,0 1 0,1-1 0,1-5 0,1-1 0,0 2 20,4 4 0,1 1 0,-2-1 308,-7-2 0,-3 0 0,5 0 0,17 3 0,3 0 0,-1 0-328,-9 0 0,-1 0 0,11 0 277,19 0 0,6 0 51,-35 0 0,56 0 983,17 0 0,4 0 0,-4 0 0,-17-5 0,4 0-492,-34-3 1,-13 1-984,13 0 0,-5-1 467,-11 2 0,-9-1 0,1 1-303,7 2 0,0 1 0,-1 0 0,-4-3 0,-2-1 0,-2 3 0,-6 2 0,-2 2 0,0-1 178,-1-2 1,0 0 0,-3 1 149,16 3 0,-3 2 0,1 0 0,2-1 0,-13-2 0,3 0 0,-4 2-246,9 3 0,-3 2 0,0 1 0,6-1-82,0 0 0,5 0 0,-3 1 0,-17 1 0,-4 1 0,5 2 0,16 0 0,3 1 0,0-2 0,3-4 0,-1-1 0,1 2 0,-3 4 0,-1 1 0,2-2 0,4-3 0,2-2 0,-1 1 296,-3 2 1,0 1-1,1-1 32,-30 1 0,6-2 491,28-3 1,2 1-1,-15 6 1,2 0-138,27-6 1,3 0-355,-5 5 0,-1 1 0,-12-3 0,4-1 983,5-1-492,-11 5 1,-2 0 491,0-8-492,-13 12 1,-4 1 491,-9-13-894,27 1 0,-11 2 0,7-2-546,11-5 1,2 0 456,-30 3 0,-5 1 0,0-3 0,4 0-230,25 2 1,0 1 229,-28-3 0,3-2 0,33 1 0,1 0 0,-30 4 0,-1 1 0,28-4 0,0 0 0,-27 3 0,2 0 0,33-3 0,-1-2 0,-43 1 0,-3 0 0,26 0 0,1 0 0,7 0 0,-3 0 0,4 0 0,-6 4 0,5 0 0,1-3 0,1 0 0,-5 3 0,-2 0 0,-3-4 0,-1 0 0,0 0 0,-2 0 0,-8-4 0,-2 0 0,-2 3 0,-7 0-328,0-4 0,-7-2 0,3 1 0,22 2 0,2 1 0,-3-1 82,4 0 0,-5-1 0,0 0 0,6 0-82,2-2 0,4 1 0,1 0 30,-3-1 0,1 1 1,0 0 297,0-1 0,-1 1 0,1 0 0,0 0 0,-1-1 0,2 1 0,-33-3 0,4-1 0,15 1 0,-1 0 217,15 6 1,-4 0-1,5-1-217,-4-3 0,0-1 0,6 4 0,-4 2 0,3-2 0,-11-4 0,2-2 0,-5 2 0,-2-2 0,-10-3 0,2-1 0,17 4 0,-1 1 0,5 0 0,-3-1 0,5 1 0,2 1 0,1-1 206,-25 0 0,1 0-206,27 0 0,3 1 0,-6 4 0,1-1 0,9-3 0,2 1 0,-1 7 0,2-1 0,-33-13 983,13 13 0,22-6 0,22 7 0,3 0 0,12-3 0,-5 3 0,4-3 0,6 3 0,-3 0 0,0 0-744,2 0 0,-2 0 0</inkml:trace>
+</inkml:ink>
+</file>
+
+<file path=ppt/ink/ink40.xml><?xml version="1.0" encoding="utf-8"?>
+<inkml:ink xmlns:inkml="http://www.w3.org/2003/InkML">
+  <inkml:definitions>
+    <inkml:context xml:id="ctx0">
+      <inkml:inkSource xml:id="inkSrc0">
+        <inkml:traceFormat>
+          <inkml:channel name="X" type="integer" min="-2.14748E9" max="2.14748E9" units="cm"/>
+          <inkml:channel name="Y" type="integer" min="-2.14748E9" max="2.14748E9" units="cm"/>
+          <inkml:channel name="F" type="integer" max="32767" units="dev"/>
+        </inkml:traceFormat>
+        <inkml:channelProperties>
+          <inkml:channelProperty channel="X" name="resolution" value="1000" units="1/cm"/>
+          <inkml:channelProperty channel="Y" name="resolution" value="1000" units="1/cm"/>
+          <inkml:channelProperty channel="F" name="resolution" value="0" units="1/dev"/>
+        </inkml:channelProperties>
+      </inkml:inkSource>
+      <inkml:timestamp xml:id="ts0" timeString="2025-12-08T12:52:58.207"/>
+    </inkml:context>
+    <inkml:brush xml:id="br0">
+      <inkml:brushProperty name="width" value="0.35" units="cm"/>
+      <inkml:brushProperty name="height" value="0.35" units="cm"/>
+      <inkml:brushProperty name="color" value="#E71224"/>
+    </inkml:brush>
+  </inkml:definitions>
+  <inkml:trace contextRef="#ctx0" brushRef="#br0">0 7 24575,'54'0'0,"12"0"0,4 0 0,12 0 0,14 0-984,-1 0 725,4 0 259,0 0 0,-3 0 0,-45 0 0,1 0 0,46 0 0,-16 0 0,-9 0 275,-6 0-275,3 0 0,12 0 0,-3 0 0,-2 0 0,-3 0 238,-5 2-238,-2 4 0,-4 1 0,-1 1 0,-5-2 0,-7-2 628,-2-2-628,-2-2 102,4 0-102,4 0 0,-3 0 0,3 0 0,-3 0 0,1 0 0,-2 0 0,0 0 0,0 0 0,2 0 0,0 0 0,-6 0 0,0 0 0,0 0 0,2 2 0,5 1 0,1 2 0,-3 0 0,2-1 0,-2 1 0,-3-2 0,-2 3 0,-4-1 0,0 1 0,-4-1 0,-2 0 0,-3 0 0,0-1 0,7 2 0,-1-3 0,3 2 0,0-1 0,1 1 0,3 1 0,4 0 0,0-1 0,-1 1 0,-2 0 0,-5-3 0,1-1 0,-1-2 0,3 0 0,4 0 0,1 0 0,-2 0 0,-2 0 0,-2 0 0,-4 0 0,-1 0 0,-5 0 0,-3 0 0,-5 0 0,-4 0 0,-1 0 0,-1 0 0,2 0 0,-1 0 0,2 0 0,0 0 0,-1 0 0,3 0 0,-2 0 0,2 0 0,2 0 0,-2 0 0,4 0 0,1 0 0,3 0 0,6 0 0,0-2 0,3-2 0,0-4 0,-2-2 0,0-1 0,-4 0 0,-7 2 0,-1 2 0,-5 1 0,-6 3 0,-3 1 0,-4 1 0,2-1 0,0-1 0,-1 1 0,0 2 0,1-2 0,1-1 0,2 1 0,1 0 0,0 1 0,0 1 0,0 0 0,-3 0 0,1 0 0,0 0 0,4 0 0,0 0 0,1 0 0,1 0 0,-3 0 0,0 0 0,-3 0 0,-2 0 0,-1 0 0,-3 0 0,3 0 0,-2 0 0,0-2 0,-31-9 0,5 4 0,-29-7 0,12 8 0,-1 0 0,0 0 0,0 1 0,-1-1 0,0 2 0,1 2 0,-8 1 0,-7 1 0,-5 0 0,-11 0 0,-8 0 0,-16 0-492,34 0 0,-2 0 447,-3 0 0,-1 0 45,-1 0 0,-1 0 0,0 0 0,0 0 0,1 0 0,2 0 0,4 0 0,2 0-288,3 0 1,1 0 287,-5 0 0,1 0 0,-44 0 0,48 0 0,0 0 0,-34 0-40,19 0 40,-5 0 0,1 0 0,-5 0 983,4 0-926,6 0 549,4 0-606,2 0 43,-9 0-43,-8 0 0,-9 0-691,-12 0 691,46 0 0,-1 0 0,0 0 0,0 0 0,-4 0 0,0 0 0,-3 0 0,-1 0 0,-4 0 0,-1 0-492,-5 0 0,-2 0 316,0 0 0,-1 0 176,0 1 0,0 1 0,1 0 0,1 0 0,8 1 0,2 1-244,3-1 1,1 1 243,-41 2 0,6 0 0,4 1 0,20-1 0,10-3 0,12 2 627,5-1-627,0 1 983,5 2-620,2 1 178,1-2-541,-2 2 0,-4 0 0,-4 1 0,-2 2 0,1 2 0,4 0 0,1 0 0,0 1 0,-1-2 0,-2 4 0,2 0 0,4-2 0,5-1 0,3-2 0,5-1 0,5-2 0,4-3 0,7-3 0,3-2 0</inkml:trace>
+</inkml:ink>
+</file>
+
+<file path=ppt/ink/ink41.xml><?xml version="1.0" encoding="utf-8"?>
+<inkml:ink xmlns:inkml="http://www.w3.org/2003/InkML">
+  <inkml:definitions>
+    <inkml:context xml:id="ctx0">
+      <inkml:inkSource xml:id="inkSrc0">
+        <inkml:traceFormat>
+          <inkml:channel name="X" type="integer" min="-2.14748E9" max="2.14748E9" units="cm"/>
+          <inkml:channel name="Y" type="integer" min="-2.14748E9" max="2.14748E9" units="cm"/>
+          <inkml:channel name="F" type="integer" max="32767" units="dev"/>
+        </inkml:traceFormat>
+        <inkml:channelProperties>
+          <inkml:channelProperty channel="X" name="resolution" value="1000" units="1/cm"/>
+          <inkml:channelProperty channel="Y" name="resolution" value="1000" units="1/cm"/>
+          <inkml:channelProperty channel="F" name="resolution" value="0" units="1/dev"/>
+        </inkml:channelProperties>
+      </inkml:inkSource>
+      <inkml:timestamp xml:id="ts0" timeString="2025-12-08T12:53:02.316"/>
+    </inkml:context>
+    <inkml:brush xml:id="br0">
+      <inkml:brushProperty name="width" value="0.35" units="cm"/>
+      <inkml:brushProperty name="height" value="0.35" units="cm"/>
+      <inkml:brushProperty name="color" value="#E71224"/>
+    </inkml:brush>
+  </inkml:definitions>
+  <inkml:trace contextRef="#ctx0" brushRef="#br0">636 1 24575,'51'0'0,"17"0"0,20 0-492,-31 0 0,3 0 0,7 0 0,3 0 34,5 0 1,2 0 457,8 0 0,4 0 0,6 0 0,-1 0-492,-9 0 0,-2 0 143,1 0 1,-3 0 348,-7 0 0,-4 0 189,-11 0 0,-1 0-189,5 0 0,-1 0 0,-9 0 0,-3 0 0,45 0 0,1 0 0,-9 0-236,-6 0 236,3 6 0,-1 4 0,-6 3 0,-1 2 0,-1-6 0,11 0 0,6-1 0,2-3 0,1-1 0,-5-3 0,5 2 0,-4 1 0,-8-1 0,-7 3 983,-10-3-700,-6 1-283,-6 0 983,4 1 0,6 1-89,7 2-894,5 0 0,3-1 0,7 3-173,7 1 173,0 0 0,-6-3 0,-5-2 0,-1-2 0,6 2 0,-12 1 0,-3-4 0,-7 0 0,-3-3 0,7 0 0,-1 0 0,-1 0 0,0 0 469,-7 0-469,0 0 0,-5 0 0,-5 0 0,-4 0 0,-5 0 0,-7 0 0,-5 0 0,-4 0 0,-6 0 0,-1 0 0,-1 0 0,-2 0 0,-2 0 0,-7 0 0,-38 0 0,4 2 0,-30 3 0,9 3 0,-6 4 0,-11 0 0,-3 3 0,-4 4 0,0 0 0,-7 4 0,-10 2-469,42-12 1,-2 0 468,-6 4 0,0 0 0,4-2 0,0 0-212,0 1 1,1-2 211,2 0 0,1-2 0,-43 10 0,0-1 0,6-3 0,10-2 0,-3-3 0,13-2-7,-1 0 7,6 0 0,4-3 0,-14 2 0,-7-4 0,-12-1 0,-4-1 423,-2-4-423,6 1 0,-11-1 0,7 0 0,42 0 0,1 0 0,-45 0 0,15 0 0,-1 0 0,-1 0 0,-14 0 0,46 0 0,0 0 0,-4 0 0,0 0 0,2 0 0,1 0 0,-4-1 0,-2-1 0,-2-3 0,-2-1-492,-6-1 0,-1-2 472,-7-1 1,-1 0 19,-2 0 0,0 0 0,-2 1 0,2 2 0,6 0 0,2 1 0,0 0 0,0 1 0,-2 1 0,0 1 0,-2 0 0,-1 1 0,-7 0 0,2 1 0,7 0 0,2 1 0,5-1 0,3 1-214,7 0 0,2 0 214,-40 0 0,9-1 0,22 1 0,18 0 457,16 0-457,15 0 983,41 11-509,6-3 7,39 10-481,-5-3 0,14 5-486,1 2 486,11 0 0,-43-11 0,2 0-492,7 1 0,3 0 359,9 2 1,3 0 132,4 1 0,2-1-492,4 1 0,0 0 1,4-1 1,1-2 490,3 0 0,1 0 0,4-1 0,0 0-492,3-1 0,-1-1 0,-3 0 0,-1 0 423,-1-1 1,-2 1 68,-11-1 0,-3-1 0,-6 0 0,-1 0-190,-6-1 1,-1 0 189,-5-2 0,0-1 0,4 0 0,0-1 0,-3-1 0,-1 0 365,-6-1 0,-2 1-365,43-1 0,-9 0 0,10 0 491,-42-1 1,0-1-428,-1-2 0,-1-2-64,0-1 0,0-3 0,31-11 0,-2 0 0,7-1 0,-2 1 0,5-3 0,0 1 0,-2-1 0,3 2 0,4 0 0,-7 1 0,-5 3 983,-7 2 0,-5 3-703,-2 3-280,-11 2 947,-1 2-947,-8 1 286,-1 0-286,-2 1 788,-11 1-788,-6 2 76,-9 0-76,-5 1 0,-3 0 0,-3 0 0,0 0 0,2 0 0,-3 0 0,5 0 0,3 0 0,5 0 0,17 0 0,12 0 0,6 0 0,3 0 0,-3 0 0,-5 0 0,-4 0 0,-6 0 0,-9 0 0,-3 0 0,-7 0 0,-6 0 0,-6 0 0,-47 0 0,4 0 0,-51 0 0,7 0-492,28 2 0,-4 1 319,-18 4 0,-5 1-319,-16 4 0,-7 2 164,21-2 0,-3 2 0,-3 0 0,-10 1 0,-4 1 0,0-1 82,19-3 0,-1-1 0,0 0 0,0-1 0,2 1 0,0 0 0,1-1 0,0 0 0,1-1 0,0 0 0,1 0 0,0 0-82,-23 4 0,2 1 0,2 0 0,12-1 0,3 1 0,-1 0 0,1-1 0,0 1 0,2-1 0,6-1 0,2-1 0,2 0-164,-19 2 0,2-2 332,-5 1 0,0-1 160,8-2 0,2 0 470,7 0 1,2-1-471,0-1 0,2-1 0,9-1 0,1-1 0,0-1 0,0-2 491,-1 0 1,0-1-1,4 0 1,1 0-412,-4 0 1,1 0-81,5-1 0,1 0 0,-37-5 0,-2-2 0,17-4 0,-9 0 0,33 5 0,-2 0 0,1 1 0,-1 0 0,-48-2 0,6 0 0,13 3 983,5-1 0,6-1 0,13 4 0,16-2 0,14 2 0,8 0 0,7 0 0,6 1 0,31-11-424,-4 4-559,23-7 0,-7 6 0,8-2 0,15-5 0,21-7-492,-33 7 0,2 0 353,11-3 0,3-1 139,7-3 0,3 0-492,7-1 0,4 0 0,7-2 0,3 0 164,-28 8 0,1 1 0,1 0 0,2 0 0,1 0 0,0 2 34,2-1 1,-1 2-1,0 0 294,-6 2 0,0 0 0,-1 1 0,30-3 0,-1 1-492,0 0 0,0 0 76,0 2 1,0-1 415,-28 4 0,-1 0 0,-1 0 0,23-4 0,-3 0 74,-12 2 0,-4 0-74,-12 1 0,-3 1 983,30-6-270,-15 4 270,-20 2 0,-18 1 0,-11 1 0,-9-2 0,-8 1 0,-2 1-831,-15-5-152,-2 4 0,-19-4 0,-9 4 0,-32 1 0,21 3 0,-4 1-492,-17 1 0,-5 1 164,12 1 0,-4 0 0,-3 0 0,-8 0 0,-3 0 0,-1 0 0,-3 0 0,-1 0 0,-1 0 0,2 0 0,0 0 0,0 0 0,0 0 0,0 0 0,0 0 0,-2-1 0,0-1 0,-2 1 82,19 0 0,-2 0 0,0-1 0,0 1 0,-2 0 0,0-1 0,0 1 0,1-1-82,-21 0 0,1 1 0,2-1 7,5 2 1,3 0 0,3-1 10,13 1 1,4 0 0,2 0 309,-20 0 0,4 0 365,13 0 0,5-1-365,11 0 0,2-1 983,-45-1 0,26-1 0,22 1 0,13 2 0,12-2 0,10 1 0,48-1 0,9 3-492,5-1 1,7 1-1,1 0 1,3 0-984,16 2 0,5 0 423,-16-1 0,2 0 0,2 1-259,12 1 0,2 0 0,3 0 0,7 1 0,3 1 0,2 0 82,-18-2 0,1 0 0,1 0 0,-2 0 0,-2 0 0,0 0 0,-1-1 0,0 1-82,21 0 0,0 0 0,-1 0 0,-1 0 0,-1-1 0,-1-1 0,-2 1 0,-1 0 0,-1 0 0,-3 0 0,0 1 0,-2-1 0,-3-1 0,-1 1 0,-1-1 160,-5 1 1,-2-1 0,0 1 167,-4-1 0,-1 1 0,-1-1 491,30 1 1,-2 0-419,-12 0 0,-2 0-73,-10 0 0,-2 0 491,-7-1 1,-1 1-1,-2-1 1,-2 1 491,42 2 0,-16-1 0,-11 0-585,-9-3-398,-18 0 0,-5 0 0,-12 0 983,-4 0 0,2 0 0,-7 0 0,1 0 0,-5 0-798,-3 0-9,0 0-176,-3 0 0,-1 0 0,0 0 0</inkml:trace>
+</inkml:ink>
+</file>
+
+<file path=ppt/ink/ink42.xml><?xml version="1.0" encoding="utf-8"?>
+<inkml:ink xmlns:inkml="http://www.w3.org/2003/InkML">
+  <inkml:definitions>
+    <inkml:context xml:id="ctx0">
+      <inkml:inkSource xml:id="inkSrc0">
+        <inkml:traceFormat>
+          <inkml:channel name="X" type="integer" min="-2.14748E9" max="2.14748E9" units="cm"/>
+          <inkml:channel name="Y" type="integer" min="-2.14748E9" max="2.14748E9" units="cm"/>
+          <inkml:channel name="F" type="integer" max="32767" units="dev"/>
+        </inkml:traceFormat>
+        <inkml:channelProperties>
+          <inkml:channelProperty channel="X" name="resolution" value="1000" units="1/cm"/>
+          <inkml:channelProperty channel="Y" name="resolution" value="1000" units="1/cm"/>
+          <inkml:channelProperty channel="F" name="resolution" value="0" units="1/dev"/>
+        </inkml:channelProperties>
+      </inkml:inkSource>
+      <inkml:timestamp xml:id="ts0" timeString="2025-12-08T12:53:06.348"/>
+    </inkml:context>
+    <inkml:brush xml:id="br0">
+      <inkml:brushProperty name="width" value="0.35" units="cm"/>
+      <inkml:brushProperty name="height" value="0.35" units="cm"/>
+      <inkml:brushProperty name="color" value="#E71224"/>
+    </inkml:brush>
+  </inkml:definitions>
+  <inkml:trace contextRef="#ctx0" brushRef="#br0">6567 150 24575,'-52'-2'0,"-1"0"0,-19 0 0,-6 1-328,11 0 0,-3 1 0,-3 1 0,-17-1 0,-5 0 0,-2 0 82,18 0 0,-2 0 0,-1 0 0,-1 0 0,-9 0 0,-2 0 0,-1 0 0,-1 0 49,17 0 0,-2 0 1,1 0-1,-1 0 0,1 0-49,-18 0 0,0 0 0,2 0 0,0 0 0,8 0 0,1 0 0,2 0 0,3 0-82,-10 0 0,3 0 0,3 0 0,8 0 0,3 0 0,0 0 0,6 0 0,1 0 0,0 0 0,-2 0 0,0 0 0,2 0-164,-26 0 0,3 0 386,12 0 0,3 0 106,11 0 0,3 0 491,11 0 1,2 0 491,-50 0-162,20 0-821,7 0 983,10 0 0,6 0 0,6 0 0,3 0 0,-2-3 0,1 0 0,-6-2 0,-2-3 0,0-1-597,1 0-386,4 0 0,7 0 0,2 3 0,0 1 0,0 0 0,-4 2 0,-4 0 0,-11 0 0,-4 3 0,-1 0 0,0 0 0,8-2 0,2-1 0,10 0 0,11 0 0,10 3 0,20 0 0,43 0 0,33 0 0,-16 0 0,4 0-492,7 0 0,2 0 186,11 0 1,3 0-187,8 0 0,2 0 164,-23 0 0,1 0 0,1 0 190,0 0 0,1 0 0,0 0 138,4 0 0,0 0 0,-1 0 0,-6 0 0,-1 0 0,1 0 0,-1 0 0,1 0 0,0 0 0,1 0 0,0 0 0,1 0-328,0 0 0,0 0 0,1 0 0,7 0 0,0 0 0,1 0 147,-1 0 1,-1 0 0,0 0 180,-2-1 0,0 0 0,-2-1-328,-2 1 0,-1 0 0,-1-1 66,-2-1 1,0 0 0,-2 0 261,27-1 0,-2 0-130,-3-1 1,-1 1 129,-5-1 0,0 1 0,-6 1 0,-2 1 0,-7 0 0,-2 0 0,-3 2 0,-1 0 472,0 0 1,0 0-473,2 0 0,1 0 0,8 0 0,2 0 0,1 0 0,0 0 491,4 0 1,0 0-477,0 0 0,0 0-15,0 0 0,-3 0 0,-5 0 0,-1 0 491,-7 0 1,-1 0-305,-5 0 1,-2 0-188,41 0 0,-8 0 0,-23 0 983,-17 0-317,-13 0 317,-10 0-940,-2 0 940,-7 0-287,-3 0 147,-4 0-843,1 0 0,-49 0 0,-21 0 0,-6 2 0,-10 0-492,-14 4 0,-7 2 164,18-1 0,-4 1 0,-2 2 0,-11 4 0,-3 2 0,0 1 0,2-1 0,0 2 0,2 0 0,5-1 0,3 0 0,-1 0 0,2 1 0,0 0 0,-1 0 0,0-1 0,0-1 0,-4 1 82,10-1 0,-3 0 0,-2 1 0,-1 0 0,-6 0 0,-2 1 0,-1-1 0,1 1 0,-2 0 0,1 0 0,-1-1 0,1 1 0,0-1 0,-1-1 0,2 1 0,0-2 0,6-1 0,1 0 0,1-1 0,1 0 0,6-1 0,2 0 0,0-1 0,0 0 91,-20 2 0,0 0 1,2-1 154,5-1 0,2 0 0,2-1 265,12-1 0,2-1 1,0 0-266,4-1 0,0 1 0,3-1 0,-14 1 0,5-1 0,11 0 0,2 0 491,1-1 1,1-1-1,-1-1 1,1-1-470,-1 0 1,0-1-23,0-1 0,1 0 0,-1-1 0,0 1 0,3-1 0,0 0 0,-3 0 0,-1 0 0,-2-3 0,1-1 0,4-1 0,1-1 0,3-1 0,3-1 983,-39-11 0,20 3 0,11 1 0,18 3 0,12 3 0,11 1 0,9 3 0,62 2 0,4 2-492,-6 1 1,4-1-747,2 1 1,2 0 254,5 0 0,2 0 0,13 0 0,3 0-492,14 0 0,3 0 164,-30 0 0,0 0 0,2 0 0,5 0 0,3 0 0,-1 0 0,3 0 0,0 0 0,1 0 0,4 0 0,1 0 0,0 0 0,-1 0 0,0 0 0,1 0 0,0 0 0,1 0 0,0 0 78,-1 0 1,-1 0 0,0 0 249,-3 0 0,-2 0 0,-1 0 0,-6 0 0,-2 0 0,0 0 0,28 0 0,-1 0-301,-4 0 0,-2 0 301,0 0 0,1 0 0,6 1 0,0 1 0,-7 1 0,-1 1 0,-4 1 0,-3 1 0,-6 1 0,-2 1 454,-5 0 1,-2-1-455,-3 0 0,0-1 0,-3-2 0,-1 0 0,-1-2 0,1 0 0,-2 0 0,0-1 0,-1 1 0,0 0 0,-6 0 0,0 0 0,-1 0 0,-1 0 491,0-2 1,1 0-90,1 0 1,0 0-403,6 0 0,1 0 0,1 0 0,-1 0 0,-4 0 0,-1 0 0,-2 0 0,-2 0 0,47 0 0,-11 2 0,-12 1 983,-16 1 0,-19-2 0,-15-2 0,-7 0 0,-8 0 0,-76 0-778,-31 0-533,24 0 0,-11 0 0,-5 0 82,11 0 0,-3 0 0,-4 0 0,-2 0 49,2 0 0,-2 0 1,-3 1-1,-1-1 0,1-1 0,-4 1 0,0-1 1,-1 1-1,0-2 0,2 1 0,4-2 0,1 0 1,0 0-1,1-1 0,-2 0 0,-2-2 0,-2 1 1,1-2-1,-1 0 0,1-2 0,-1 0 0,1-1 1,-1 0-1,1-2 0,-1 1 0,-1 0 0,0-1 1,0 0-1,-1 0 0,1 0 0,0 0 0,-1 1 1,1-1-1,1 0 0,1 1 0,9 0 0,0 0 1,1 0-1,1 0 0,2 1-49,-13-2 0,1 0 0,2 0 0,2 1 0,8 1 0,2 1 0,1-1 0,3 1-82,-8-1 0,4-1 0,3 1 694,-13-2 0,7 1-366,19 2 0,2 0 491,6 0 1,3 0 491,-18-3 0,23 1 0,18 2 0,12 2 0,7-1 0,2-1 0,27 1 0,4 3 0,32 3 0,7 2 0,34 0-1475,-34 0 0,6 0 336,17 0 0,6 0-172,-22 0 0,2 0 0,3 0 0,8 0 0,3 0 0,-1 0 0,-1 0 0,1 0 0,-1 0 257,1 0 1,0 0 0,-1 0 70,1 0 0,-2 0 0,-1 0 0,-10 0 0,-2 0 0,0 0 0,3 0 0,0 0 0,-1 0-328,-5 0 0,-2 0 0,0 0-149,29 0 0,-1 0 477,3 0 0,0 0 0,-6 0 0,-1 0 0,-3 0 0,-2 0-372,-10 0 0,-2 0 372,-7 0 0,-2 0 0,-7-1 0,-2 2 983,42 1-695,-5 2-288,-17-1 983,-14 0 0,-6-3-80,-7 0-903,5 0 0,0 0 983,8 0 0,16 0-514,4 0-469,5 0 0,-5 0 0,-1 0 0,1 0 0,2 0 983,-10 0-831,-8 0 109,-1 0-261,-3 0 0,6 0 0,-2 0 0,-1 0 0,3 0 0,1 0 0,4 0 0,-1 3 0,-4 0 0,2 3 0,-10 2 0,-5-2 0,-5 1 0,-8 0 0,-2 0 0,-8-2 0,-6 0 0,-5-1 0,-5-2 0,-5 2 0,-4 1 0,-34 7 0,-25 8 0,1-4 0,-8 1-492,-17 6 0,-7 1 164,13-5 0,-4 1 0,-3-1 0,-13 2 0,-4-1 0,-3 0 82,16-4 0,-2 0 0,-1-2 0,1 0 0,1-1 0,0 0 0,1-2 0,0 0 0,2-1 0,0-1 0,0 0 0,1-1 0,3 0 0,1-1 0,0 0 0,2-1-82,-17 0 0,1 0 0,3-1 0,7-1 0,1 0 0,4-1 0,-11-1 0,6 0 328,18-2 0,3 0-146,-34 0 146,0 0 0,6 0 0,19 0 983,11 0-227,6-4 227,5-7 0,-5-6 0,-1-3 0,-2 0 0,-7-2 0,-2 3 0,1 2 0,1 5-928,-7 4-55,-8 1 0,-9 2 0,-7 1-534,-4 3 534,4 1 0,-1-1 0,8 1 0,16 3 0,8 0 0,20 2 0,14 0 0,10-2 0,7 3 0,33 3 534,8-4-534,42 5 0,-24-6 0,5 0-492,16 0 0,6 1 164,-13-1 0,4 0 0,1 0 0,4 0 0,0 0 0,2 0 0,8 0 0,1 1 0,2 0 0,9 0 0,2 0 0,2 0 82,-20-2 0,2 1 0,0 0 0,2-1 0,8 1 0,1-1 0,1 0 0,-1 0 0,-4-1 0,-1 0 0,-1 0 0,-1 0 0,-3-1 0,-2 1 0,0 0 0,0-1 211,20 0 0,0-1 1,-2 0-294,-7 0 0,-2 1 0,0-1 41,-1 0 0,-1 0 1,-4 0 309,-11 0 0,-3 0 0,-3 0-23,18 0 0,-4 0 491,-12 0 1,-2 0-376,-9 0 1,-2 0-117,-3 0 0,-2 0 0,37 0 983,-13 0 0,-6 0 0,0-2 0,-7-1 0,-4-3 0,-8-2 0,-11 2 0,-5-2 0,-7 3-311,-5 2-672,-3-1 0,-6 1 0,-1 0 0,-2 1 0,-1 1 0,0-1 0,1-4 0,0 1 0,-1-2 0,3 2 0,5 0 0,4-1 0,6 0 0,1-1 0,0 1 0,-4 3 0,-5-2 0,-5 3 0,-4-1 0,0 1 0,-1 2 0</inkml:trace>
 </inkml:ink>
 </file>
 
@@ -4571,6 +4703,862 @@
 </p:notes>
 </file>
 
+<file path=ppt/notesSlides/notesSlide32.xml><?xml version="1.0" encoding="utf-8"?>
+<p:notes xmlns:a="http://schemas.openxmlformats.org/drawingml/2006/main" xmlns:r="http://schemas.openxmlformats.org/officeDocument/2006/relationships" xmlns:p="http://schemas.openxmlformats.org/presentationml/2006/main">
+  <p:cSld>
+    <p:spTree>
+      <p:nvGrpSpPr>
+        <p:cNvPr id="1" name="">
+          <a:extLst>
+            <a:ext uri="{FF2B5EF4-FFF2-40B4-BE49-F238E27FC236}">
+              <a16:creationId xmlns:a16="http://schemas.microsoft.com/office/drawing/2014/main" id="{D6CACA3F-9E2D-5CF3-59F1-D335544558D7}"/>
+            </a:ext>
+          </a:extLst>
+        </p:cNvPr>
+        <p:cNvGrpSpPr/>
+        <p:nvPr/>
+      </p:nvGrpSpPr>
+      <p:grpSpPr>
+        <a:xfrm>
+          <a:off x="0" y="0"/>
+          <a:ext cx="0" cy="0"/>
+          <a:chOff x="0" y="0"/>
+          <a:chExt cx="0" cy="0"/>
+        </a:xfrm>
+      </p:grpSpPr>
+      <p:sp>
+        <p:nvSpPr>
+          <p:cNvPr id="2" name="Slide Image Placeholder 1">
+            <a:extLst>
+              <a:ext uri="{FF2B5EF4-FFF2-40B4-BE49-F238E27FC236}">
+                <a16:creationId xmlns:a16="http://schemas.microsoft.com/office/drawing/2014/main" id="{8201AB36-FDD5-CDC8-146C-67324214612E}"/>
+              </a:ext>
+            </a:extLst>
+          </p:cNvPr>
+          <p:cNvSpPr>
+            <a:spLocks noGrp="1" noRot="1" noChangeAspect="1"/>
+          </p:cNvSpPr>
+          <p:nvPr>
+            <p:ph type="sldImg"/>
+          </p:nvPr>
+        </p:nvSpPr>
+        <p:spPr/>
+      </p:sp>
+      <p:sp>
+        <p:nvSpPr>
+          <p:cNvPr id="3" name="Notes Placeholder 2">
+            <a:extLst>
+              <a:ext uri="{FF2B5EF4-FFF2-40B4-BE49-F238E27FC236}">
+                <a16:creationId xmlns:a16="http://schemas.microsoft.com/office/drawing/2014/main" id="{347ED7D7-B7F0-5827-B863-F307E3E4B74C}"/>
+              </a:ext>
+            </a:extLst>
+          </p:cNvPr>
+          <p:cNvSpPr>
+            <a:spLocks noGrp="1"/>
+          </p:cNvSpPr>
+          <p:nvPr>
+            <p:ph type="body" idx="1"/>
+          </p:nvPr>
+        </p:nvSpPr>
+        <p:spPr/>
+        <p:txBody>
+          <a:bodyPr/>
+          <a:lstStyle/>
+          <a:p>
+            <a:endParaRPr lang="en-VN"/>
+          </a:p>
+        </p:txBody>
+      </p:sp>
+      <p:sp>
+        <p:nvSpPr>
+          <p:cNvPr id="4" name="Slide Number Placeholder 3">
+            <a:extLst>
+              <a:ext uri="{FF2B5EF4-FFF2-40B4-BE49-F238E27FC236}">
+                <a16:creationId xmlns:a16="http://schemas.microsoft.com/office/drawing/2014/main" id="{986C8727-6B51-8A1C-438B-E4D3A07C6BF5}"/>
+              </a:ext>
+            </a:extLst>
+          </p:cNvPr>
+          <p:cNvSpPr>
+            <a:spLocks noGrp="1"/>
+          </p:cNvSpPr>
+          <p:nvPr>
+            <p:ph type="sldNum" sz="quarter" idx="5"/>
+          </p:nvPr>
+        </p:nvSpPr>
+        <p:spPr/>
+        <p:txBody>
+          <a:bodyPr/>
+          <a:lstStyle/>
+          <a:p>
+            <a:fld id="{576FF3D1-0F45-2240-9B47-75654C02E24A}" type="slidenum">
+              <a:t>33</a:t>
+            </a:fld>
+            <a:endParaRPr lang="en-VN"/>
+          </a:p>
+        </p:txBody>
+      </p:sp>
+    </p:spTree>
+    <p:extLst>
+      <p:ext uri="{BB962C8B-B14F-4D97-AF65-F5344CB8AC3E}">
+        <p14:creationId xmlns:p14="http://schemas.microsoft.com/office/powerpoint/2010/main" val="3447842457"/>
+      </p:ext>
+    </p:extLst>
+  </p:cSld>
+  <p:clrMapOvr>
+    <a:masterClrMapping/>
+  </p:clrMapOvr>
+</p:notes>
+</file>
+
+<file path=ppt/notesSlides/notesSlide33.xml><?xml version="1.0" encoding="utf-8"?>
+<p:notes xmlns:a="http://schemas.openxmlformats.org/drawingml/2006/main" xmlns:r="http://schemas.openxmlformats.org/officeDocument/2006/relationships" xmlns:p="http://schemas.openxmlformats.org/presentationml/2006/main">
+  <p:cSld>
+    <p:spTree>
+      <p:nvGrpSpPr>
+        <p:cNvPr id="1" name="">
+          <a:extLst>
+            <a:ext uri="{FF2B5EF4-FFF2-40B4-BE49-F238E27FC236}">
+              <a16:creationId xmlns:a16="http://schemas.microsoft.com/office/drawing/2014/main" id="{B48FBD0C-0DD6-224A-9D85-0D55BEB3AE72}"/>
+            </a:ext>
+          </a:extLst>
+        </p:cNvPr>
+        <p:cNvGrpSpPr/>
+        <p:nvPr/>
+      </p:nvGrpSpPr>
+      <p:grpSpPr>
+        <a:xfrm>
+          <a:off x="0" y="0"/>
+          <a:ext cx="0" cy="0"/>
+          <a:chOff x="0" y="0"/>
+          <a:chExt cx="0" cy="0"/>
+        </a:xfrm>
+      </p:grpSpPr>
+      <p:sp>
+        <p:nvSpPr>
+          <p:cNvPr id="2" name="Slide Image Placeholder 1">
+            <a:extLst>
+              <a:ext uri="{FF2B5EF4-FFF2-40B4-BE49-F238E27FC236}">
+                <a16:creationId xmlns:a16="http://schemas.microsoft.com/office/drawing/2014/main" id="{F68F1B96-86E7-D9B7-FCC4-B1446630D375}"/>
+              </a:ext>
+            </a:extLst>
+          </p:cNvPr>
+          <p:cNvSpPr>
+            <a:spLocks noGrp="1" noRot="1" noChangeAspect="1"/>
+          </p:cNvSpPr>
+          <p:nvPr>
+            <p:ph type="sldImg"/>
+          </p:nvPr>
+        </p:nvSpPr>
+        <p:spPr/>
+      </p:sp>
+      <p:sp>
+        <p:nvSpPr>
+          <p:cNvPr id="3" name="Notes Placeholder 2">
+            <a:extLst>
+              <a:ext uri="{FF2B5EF4-FFF2-40B4-BE49-F238E27FC236}">
+                <a16:creationId xmlns:a16="http://schemas.microsoft.com/office/drawing/2014/main" id="{2D21112D-6741-77BC-F556-F39C1CA1AC2B}"/>
+              </a:ext>
+            </a:extLst>
+          </p:cNvPr>
+          <p:cNvSpPr>
+            <a:spLocks noGrp="1"/>
+          </p:cNvSpPr>
+          <p:nvPr>
+            <p:ph type="body" idx="1"/>
+          </p:nvPr>
+        </p:nvSpPr>
+        <p:spPr/>
+        <p:txBody>
+          <a:bodyPr/>
+          <a:lstStyle/>
+          <a:p>
+            <a:endParaRPr lang="en-VN"/>
+          </a:p>
+        </p:txBody>
+      </p:sp>
+      <p:sp>
+        <p:nvSpPr>
+          <p:cNvPr id="4" name="Slide Number Placeholder 3">
+            <a:extLst>
+              <a:ext uri="{FF2B5EF4-FFF2-40B4-BE49-F238E27FC236}">
+                <a16:creationId xmlns:a16="http://schemas.microsoft.com/office/drawing/2014/main" id="{E36C2904-699B-FC1D-C797-EFBAD5056F99}"/>
+              </a:ext>
+            </a:extLst>
+          </p:cNvPr>
+          <p:cNvSpPr>
+            <a:spLocks noGrp="1"/>
+          </p:cNvSpPr>
+          <p:nvPr>
+            <p:ph type="sldNum" sz="quarter" idx="5"/>
+          </p:nvPr>
+        </p:nvSpPr>
+        <p:spPr/>
+        <p:txBody>
+          <a:bodyPr/>
+          <a:lstStyle/>
+          <a:p>
+            <a:fld id="{576FF3D1-0F45-2240-9B47-75654C02E24A}" type="slidenum">
+              <a:t>34</a:t>
+            </a:fld>
+            <a:endParaRPr lang="en-VN"/>
+          </a:p>
+        </p:txBody>
+      </p:sp>
+    </p:spTree>
+    <p:extLst>
+      <p:ext uri="{BB962C8B-B14F-4D97-AF65-F5344CB8AC3E}">
+        <p14:creationId xmlns:p14="http://schemas.microsoft.com/office/powerpoint/2010/main" val="3660976413"/>
+      </p:ext>
+    </p:extLst>
+  </p:cSld>
+  <p:clrMapOvr>
+    <a:masterClrMapping/>
+  </p:clrMapOvr>
+</p:notes>
+</file>
+
+<file path=ppt/notesSlides/notesSlide34.xml><?xml version="1.0" encoding="utf-8"?>
+<p:notes xmlns:a="http://schemas.openxmlformats.org/drawingml/2006/main" xmlns:r="http://schemas.openxmlformats.org/officeDocument/2006/relationships" xmlns:p="http://schemas.openxmlformats.org/presentationml/2006/main">
+  <p:cSld>
+    <p:spTree>
+      <p:nvGrpSpPr>
+        <p:cNvPr id="1" name="">
+          <a:extLst>
+            <a:ext uri="{FF2B5EF4-FFF2-40B4-BE49-F238E27FC236}">
+              <a16:creationId xmlns:a16="http://schemas.microsoft.com/office/drawing/2014/main" id="{C7775944-4D97-E15B-BC0C-E5809CAB1231}"/>
+            </a:ext>
+          </a:extLst>
+        </p:cNvPr>
+        <p:cNvGrpSpPr/>
+        <p:nvPr/>
+      </p:nvGrpSpPr>
+      <p:grpSpPr>
+        <a:xfrm>
+          <a:off x="0" y="0"/>
+          <a:ext cx="0" cy="0"/>
+          <a:chOff x="0" y="0"/>
+          <a:chExt cx="0" cy="0"/>
+        </a:xfrm>
+      </p:grpSpPr>
+      <p:sp>
+        <p:nvSpPr>
+          <p:cNvPr id="2" name="Slide Image Placeholder 1">
+            <a:extLst>
+              <a:ext uri="{FF2B5EF4-FFF2-40B4-BE49-F238E27FC236}">
+                <a16:creationId xmlns:a16="http://schemas.microsoft.com/office/drawing/2014/main" id="{AE2FB455-5080-7F5D-9C3D-C282253F2CC5}"/>
+              </a:ext>
+            </a:extLst>
+          </p:cNvPr>
+          <p:cNvSpPr>
+            <a:spLocks noGrp="1" noRot="1" noChangeAspect="1"/>
+          </p:cNvSpPr>
+          <p:nvPr>
+            <p:ph type="sldImg"/>
+          </p:nvPr>
+        </p:nvSpPr>
+        <p:spPr/>
+      </p:sp>
+      <p:sp>
+        <p:nvSpPr>
+          <p:cNvPr id="3" name="Notes Placeholder 2">
+            <a:extLst>
+              <a:ext uri="{FF2B5EF4-FFF2-40B4-BE49-F238E27FC236}">
+                <a16:creationId xmlns:a16="http://schemas.microsoft.com/office/drawing/2014/main" id="{EFD2640A-2205-9C0F-ED27-9B26EB3D1851}"/>
+              </a:ext>
+            </a:extLst>
+          </p:cNvPr>
+          <p:cNvSpPr>
+            <a:spLocks noGrp="1"/>
+          </p:cNvSpPr>
+          <p:nvPr>
+            <p:ph type="body" idx="1"/>
+          </p:nvPr>
+        </p:nvSpPr>
+        <p:spPr/>
+        <p:txBody>
+          <a:bodyPr/>
+          <a:lstStyle/>
+          <a:p>
+            <a:endParaRPr lang="en-VN"/>
+          </a:p>
+        </p:txBody>
+      </p:sp>
+      <p:sp>
+        <p:nvSpPr>
+          <p:cNvPr id="4" name="Slide Number Placeholder 3">
+            <a:extLst>
+              <a:ext uri="{FF2B5EF4-FFF2-40B4-BE49-F238E27FC236}">
+                <a16:creationId xmlns:a16="http://schemas.microsoft.com/office/drawing/2014/main" id="{7B0623AD-C7D1-A866-4167-8AC2D347E1F0}"/>
+              </a:ext>
+            </a:extLst>
+          </p:cNvPr>
+          <p:cNvSpPr>
+            <a:spLocks noGrp="1"/>
+          </p:cNvSpPr>
+          <p:nvPr>
+            <p:ph type="sldNum" sz="quarter" idx="5"/>
+          </p:nvPr>
+        </p:nvSpPr>
+        <p:spPr/>
+        <p:txBody>
+          <a:bodyPr/>
+          <a:lstStyle/>
+          <a:p>
+            <a:fld id="{576FF3D1-0F45-2240-9B47-75654C02E24A}" type="slidenum">
+              <a:t>35</a:t>
+            </a:fld>
+            <a:endParaRPr lang="en-VN"/>
+          </a:p>
+        </p:txBody>
+      </p:sp>
+    </p:spTree>
+    <p:extLst>
+      <p:ext uri="{BB962C8B-B14F-4D97-AF65-F5344CB8AC3E}">
+        <p14:creationId xmlns:p14="http://schemas.microsoft.com/office/powerpoint/2010/main" val="1230369455"/>
+      </p:ext>
+    </p:extLst>
+  </p:cSld>
+  <p:clrMapOvr>
+    <a:masterClrMapping/>
+  </p:clrMapOvr>
+</p:notes>
+</file>
+
+<file path=ppt/notesSlides/notesSlide35.xml><?xml version="1.0" encoding="utf-8"?>
+<p:notes xmlns:a="http://schemas.openxmlformats.org/drawingml/2006/main" xmlns:r="http://schemas.openxmlformats.org/officeDocument/2006/relationships" xmlns:p="http://schemas.openxmlformats.org/presentationml/2006/main">
+  <p:cSld>
+    <p:spTree>
+      <p:nvGrpSpPr>
+        <p:cNvPr id="1" name="">
+          <a:extLst>
+            <a:ext uri="{FF2B5EF4-FFF2-40B4-BE49-F238E27FC236}">
+              <a16:creationId xmlns:a16="http://schemas.microsoft.com/office/drawing/2014/main" id="{A4313A02-6849-DF5B-4237-E1B9FF6A85B8}"/>
+            </a:ext>
+          </a:extLst>
+        </p:cNvPr>
+        <p:cNvGrpSpPr/>
+        <p:nvPr/>
+      </p:nvGrpSpPr>
+      <p:grpSpPr>
+        <a:xfrm>
+          <a:off x="0" y="0"/>
+          <a:ext cx="0" cy="0"/>
+          <a:chOff x="0" y="0"/>
+          <a:chExt cx="0" cy="0"/>
+        </a:xfrm>
+      </p:grpSpPr>
+      <p:sp>
+        <p:nvSpPr>
+          <p:cNvPr id="2" name="Slide Image Placeholder 1">
+            <a:extLst>
+              <a:ext uri="{FF2B5EF4-FFF2-40B4-BE49-F238E27FC236}">
+                <a16:creationId xmlns:a16="http://schemas.microsoft.com/office/drawing/2014/main" id="{8DB79DA8-46C1-A920-4A5C-0572E76520D3}"/>
+              </a:ext>
+            </a:extLst>
+          </p:cNvPr>
+          <p:cNvSpPr>
+            <a:spLocks noGrp="1" noRot="1" noChangeAspect="1"/>
+          </p:cNvSpPr>
+          <p:nvPr>
+            <p:ph type="sldImg"/>
+          </p:nvPr>
+        </p:nvSpPr>
+        <p:spPr/>
+      </p:sp>
+      <p:sp>
+        <p:nvSpPr>
+          <p:cNvPr id="3" name="Notes Placeholder 2">
+            <a:extLst>
+              <a:ext uri="{FF2B5EF4-FFF2-40B4-BE49-F238E27FC236}">
+                <a16:creationId xmlns:a16="http://schemas.microsoft.com/office/drawing/2014/main" id="{B2F17D29-2BFD-9019-56CA-8B443741D9AE}"/>
+              </a:ext>
+            </a:extLst>
+          </p:cNvPr>
+          <p:cNvSpPr>
+            <a:spLocks noGrp="1"/>
+          </p:cNvSpPr>
+          <p:nvPr>
+            <p:ph type="body" idx="1"/>
+          </p:nvPr>
+        </p:nvSpPr>
+        <p:spPr/>
+        <p:txBody>
+          <a:bodyPr/>
+          <a:lstStyle/>
+          <a:p>
+            <a:endParaRPr lang="en-VN"/>
+          </a:p>
+        </p:txBody>
+      </p:sp>
+      <p:sp>
+        <p:nvSpPr>
+          <p:cNvPr id="4" name="Slide Number Placeholder 3">
+            <a:extLst>
+              <a:ext uri="{FF2B5EF4-FFF2-40B4-BE49-F238E27FC236}">
+                <a16:creationId xmlns:a16="http://schemas.microsoft.com/office/drawing/2014/main" id="{E9DEF6E2-3844-0830-B94B-F815435D458F}"/>
+              </a:ext>
+            </a:extLst>
+          </p:cNvPr>
+          <p:cNvSpPr>
+            <a:spLocks noGrp="1"/>
+          </p:cNvSpPr>
+          <p:nvPr>
+            <p:ph type="sldNum" sz="quarter" idx="5"/>
+          </p:nvPr>
+        </p:nvSpPr>
+        <p:spPr/>
+        <p:txBody>
+          <a:bodyPr/>
+          <a:lstStyle/>
+          <a:p>
+            <a:fld id="{576FF3D1-0F45-2240-9B47-75654C02E24A}" type="slidenum">
+              <a:t>36</a:t>
+            </a:fld>
+            <a:endParaRPr lang="en-VN"/>
+          </a:p>
+        </p:txBody>
+      </p:sp>
+    </p:spTree>
+    <p:extLst>
+      <p:ext uri="{BB962C8B-B14F-4D97-AF65-F5344CB8AC3E}">
+        <p14:creationId xmlns:p14="http://schemas.microsoft.com/office/powerpoint/2010/main" val="3554214167"/>
+      </p:ext>
+    </p:extLst>
+  </p:cSld>
+  <p:clrMapOvr>
+    <a:masterClrMapping/>
+  </p:clrMapOvr>
+</p:notes>
+</file>
+
+<file path=ppt/notesSlides/notesSlide36.xml><?xml version="1.0" encoding="utf-8"?>
+<p:notes xmlns:a="http://schemas.openxmlformats.org/drawingml/2006/main" xmlns:r="http://schemas.openxmlformats.org/officeDocument/2006/relationships" xmlns:p="http://schemas.openxmlformats.org/presentationml/2006/main">
+  <p:cSld>
+    <p:spTree>
+      <p:nvGrpSpPr>
+        <p:cNvPr id="1" name="">
+          <a:extLst>
+            <a:ext uri="{FF2B5EF4-FFF2-40B4-BE49-F238E27FC236}">
+              <a16:creationId xmlns:a16="http://schemas.microsoft.com/office/drawing/2014/main" id="{C4102072-ED4A-E2B8-4C41-73D4B0C1C75B}"/>
+            </a:ext>
+          </a:extLst>
+        </p:cNvPr>
+        <p:cNvGrpSpPr/>
+        <p:nvPr/>
+      </p:nvGrpSpPr>
+      <p:grpSpPr>
+        <a:xfrm>
+          <a:off x="0" y="0"/>
+          <a:ext cx="0" cy="0"/>
+          <a:chOff x="0" y="0"/>
+          <a:chExt cx="0" cy="0"/>
+        </a:xfrm>
+      </p:grpSpPr>
+      <p:sp>
+        <p:nvSpPr>
+          <p:cNvPr id="2" name="Slide Image Placeholder 1">
+            <a:extLst>
+              <a:ext uri="{FF2B5EF4-FFF2-40B4-BE49-F238E27FC236}">
+                <a16:creationId xmlns:a16="http://schemas.microsoft.com/office/drawing/2014/main" id="{58A2ECF8-2FE9-20E3-EB12-B22BFA85469E}"/>
+              </a:ext>
+            </a:extLst>
+          </p:cNvPr>
+          <p:cNvSpPr>
+            <a:spLocks noGrp="1" noRot="1" noChangeAspect="1"/>
+          </p:cNvSpPr>
+          <p:nvPr>
+            <p:ph type="sldImg"/>
+          </p:nvPr>
+        </p:nvSpPr>
+        <p:spPr/>
+      </p:sp>
+      <p:sp>
+        <p:nvSpPr>
+          <p:cNvPr id="3" name="Notes Placeholder 2">
+            <a:extLst>
+              <a:ext uri="{FF2B5EF4-FFF2-40B4-BE49-F238E27FC236}">
+                <a16:creationId xmlns:a16="http://schemas.microsoft.com/office/drawing/2014/main" id="{7B2C2963-BFD6-6E7E-0811-1FF5C22EDF28}"/>
+              </a:ext>
+            </a:extLst>
+          </p:cNvPr>
+          <p:cNvSpPr>
+            <a:spLocks noGrp="1"/>
+          </p:cNvSpPr>
+          <p:nvPr>
+            <p:ph type="body" idx="1"/>
+          </p:nvPr>
+        </p:nvSpPr>
+        <p:spPr/>
+        <p:txBody>
+          <a:bodyPr/>
+          <a:lstStyle/>
+          <a:p>
+            <a:endParaRPr lang="en-VN"/>
+          </a:p>
+        </p:txBody>
+      </p:sp>
+      <p:sp>
+        <p:nvSpPr>
+          <p:cNvPr id="4" name="Slide Number Placeholder 3">
+            <a:extLst>
+              <a:ext uri="{FF2B5EF4-FFF2-40B4-BE49-F238E27FC236}">
+                <a16:creationId xmlns:a16="http://schemas.microsoft.com/office/drawing/2014/main" id="{FE20D53D-F0B6-32D3-2DF2-6DB1B81579E3}"/>
+              </a:ext>
+            </a:extLst>
+          </p:cNvPr>
+          <p:cNvSpPr>
+            <a:spLocks noGrp="1"/>
+          </p:cNvSpPr>
+          <p:nvPr>
+            <p:ph type="sldNum" sz="quarter" idx="5"/>
+          </p:nvPr>
+        </p:nvSpPr>
+        <p:spPr/>
+        <p:txBody>
+          <a:bodyPr/>
+          <a:lstStyle/>
+          <a:p>
+            <a:fld id="{576FF3D1-0F45-2240-9B47-75654C02E24A}" type="slidenum">
+              <a:t>37</a:t>
+            </a:fld>
+            <a:endParaRPr lang="en-VN"/>
+          </a:p>
+        </p:txBody>
+      </p:sp>
+    </p:spTree>
+    <p:extLst>
+      <p:ext uri="{BB962C8B-B14F-4D97-AF65-F5344CB8AC3E}">
+        <p14:creationId xmlns:p14="http://schemas.microsoft.com/office/powerpoint/2010/main" val="163596551"/>
+      </p:ext>
+    </p:extLst>
+  </p:cSld>
+  <p:clrMapOvr>
+    <a:masterClrMapping/>
+  </p:clrMapOvr>
+</p:notes>
+</file>
+
+<file path=ppt/notesSlides/notesSlide37.xml><?xml version="1.0" encoding="utf-8"?>
+<p:notes xmlns:a="http://schemas.openxmlformats.org/drawingml/2006/main" xmlns:r="http://schemas.openxmlformats.org/officeDocument/2006/relationships" xmlns:p="http://schemas.openxmlformats.org/presentationml/2006/main">
+  <p:cSld>
+    <p:spTree>
+      <p:nvGrpSpPr>
+        <p:cNvPr id="1" name="">
+          <a:extLst>
+            <a:ext uri="{FF2B5EF4-FFF2-40B4-BE49-F238E27FC236}">
+              <a16:creationId xmlns:a16="http://schemas.microsoft.com/office/drawing/2014/main" id="{ADCE34D7-E56E-3A23-D8D5-92F9914347AF}"/>
+            </a:ext>
+          </a:extLst>
+        </p:cNvPr>
+        <p:cNvGrpSpPr/>
+        <p:nvPr/>
+      </p:nvGrpSpPr>
+      <p:grpSpPr>
+        <a:xfrm>
+          <a:off x="0" y="0"/>
+          <a:ext cx="0" cy="0"/>
+          <a:chOff x="0" y="0"/>
+          <a:chExt cx="0" cy="0"/>
+        </a:xfrm>
+      </p:grpSpPr>
+      <p:sp>
+        <p:nvSpPr>
+          <p:cNvPr id="2" name="Slide Image Placeholder 1">
+            <a:extLst>
+              <a:ext uri="{FF2B5EF4-FFF2-40B4-BE49-F238E27FC236}">
+                <a16:creationId xmlns:a16="http://schemas.microsoft.com/office/drawing/2014/main" id="{AE93D4BA-D8F2-666B-448D-08DFF33F97A4}"/>
+              </a:ext>
+            </a:extLst>
+          </p:cNvPr>
+          <p:cNvSpPr>
+            <a:spLocks noGrp="1" noRot="1" noChangeAspect="1"/>
+          </p:cNvSpPr>
+          <p:nvPr>
+            <p:ph type="sldImg"/>
+          </p:nvPr>
+        </p:nvSpPr>
+        <p:spPr/>
+      </p:sp>
+      <p:sp>
+        <p:nvSpPr>
+          <p:cNvPr id="3" name="Notes Placeholder 2">
+            <a:extLst>
+              <a:ext uri="{FF2B5EF4-FFF2-40B4-BE49-F238E27FC236}">
+                <a16:creationId xmlns:a16="http://schemas.microsoft.com/office/drawing/2014/main" id="{5E3BF443-F9AE-0BEB-9D85-0853A45893AE}"/>
+              </a:ext>
+            </a:extLst>
+          </p:cNvPr>
+          <p:cNvSpPr>
+            <a:spLocks noGrp="1"/>
+          </p:cNvSpPr>
+          <p:nvPr>
+            <p:ph type="body" idx="1"/>
+          </p:nvPr>
+        </p:nvSpPr>
+        <p:spPr/>
+        <p:txBody>
+          <a:bodyPr/>
+          <a:lstStyle/>
+          <a:p>
+            <a:endParaRPr lang="en-VN"/>
+          </a:p>
+        </p:txBody>
+      </p:sp>
+      <p:sp>
+        <p:nvSpPr>
+          <p:cNvPr id="4" name="Slide Number Placeholder 3">
+            <a:extLst>
+              <a:ext uri="{FF2B5EF4-FFF2-40B4-BE49-F238E27FC236}">
+                <a16:creationId xmlns:a16="http://schemas.microsoft.com/office/drawing/2014/main" id="{4D301315-EE18-8247-7326-59D24CDEFA5B}"/>
+              </a:ext>
+            </a:extLst>
+          </p:cNvPr>
+          <p:cNvSpPr>
+            <a:spLocks noGrp="1"/>
+          </p:cNvSpPr>
+          <p:nvPr>
+            <p:ph type="sldNum" sz="quarter" idx="5"/>
+          </p:nvPr>
+        </p:nvSpPr>
+        <p:spPr/>
+        <p:txBody>
+          <a:bodyPr/>
+          <a:lstStyle/>
+          <a:p>
+            <a:fld id="{576FF3D1-0F45-2240-9B47-75654C02E24A}" type="slidenum">
+              <a:t>38</a:t>
+            </a:fld>
+            <a:endParaRPr lang="en-VN"/>
+          </a:p>
+        </p:txBody>
+      </p:sp>
+    </p:spTree>
+    <p:extLst>
+      <p:ext uri="{BB962C8B-B14F-4D97-AF65-F5344CB8AC3E}">
+        <p14:creationId xmlns:p14="http://schemas.microsoft.com/office/powerpoint/2010/main" val="776755126"/>
+      </p:ext>
+    </p:extLst>
+  </p:cSld>
+  <p:clrMapOvr>
+    <a:masterClrMapping/>
+  </p:clrMapOvr>
+</p:notes>
+</file>
+
+<file path=ppt/notesSlides/notesSlide38.xml><?xml version="1.0" encoding="utf-8"?>
+<p:notes xmlns:a="http://schemas.openxmlformats.org/drawingml/2006/main" xmlns:r="http://schemas.openxmlformats.org/officeDocument/2006/relationships" xmlns:p="http://schemas.openxmlformats.org/presentationml/2006/main">
+  <p:cSld>
+    <p:spTree>
+      <p:nvGrpSpPr>
+        <p:cNvPr id="1" name="">
+          <a:extLst>
+            <a:ext uri="{FF2B5EF4-FFF2-40B4-BE49-F238E27FC236}">
+              <a16:creationId xmlns:a16="http://schemas.microsoft.com/office/drawing/2014/main" id="{BD8D1B7C-8262-A277-2E4B-7C3085508D00}"/>
+            </a:ext>
+          </a:extLst>
+        </p:cNvPr>
+        <p:cNvGrpSpPr/>
+        <p:nvPr/>
+      </p:nvGrpSpPr>
+      <p:grpSpPr>
+        <a:xfrm>
+          <a:off x="0" y="0"/>
+          <a:ext cx="0" cy="0"/>
+          <a:chOff x="0" y="0"/>
+          <a:chExt cx="0" cy="0"/>
+        </a:xfrm>
+      </p:grpSpPr>
+      <p:sp>
+        <p:nvSpPr>
+          <p:cNvPr id="2" name="Slide Image Placeholder 1">
+            <a:extLst>
+              <a:ext uri="{FF2B5EF4-FFF2-40B4-BE49-F238E27FC236}">
+                <a16:creationId xmlns:a16="http://schemas.microsoft.com/office/drawing/2014/main" id="{33AD3485-B741-0A7E-A8AB-B93084A933C7}"/>
+              </a:ext>
+            </a:extLst>
+          </p:cNvPr>
+          <p:cNvSpPr>
+            <a:spLocks noGrp="1" noRot="1" noChangeAspect="1"/>
+          </p:cNvSpPr>
+          <p:nvPr>
+            <p:ph type="sldImg"/>
+          </p:nvPr>
+        </p:nvSpPr>
+        <p:spPr/>
+      </p:sp>
+      <p:sp>
+        <p:nvSpPr>
+          <p:cNvPr id="3" name="Notes Placeholder 2">
+            <a:extLst>
+              <a:ext uri="{FF2B5EF4-FFF2-40B4-BE49-F238E27FC236}">
+                <a16:creationId xmlns:a16="http://schemas.microsoft.com/office/drawing/2014/main" id="{AF8B01C0-BC85-2D0C-B30F-E29B96409473}"/>
+              </a:ext>
+            </a:extLst>
+          </p:cNvPr>
+          <p:cNvSpPr>
+            <a:spLocks noGrp="1"/>
+          </p:cNvSpPr>
+          <p:nvPr>
+            <p:ph type="body" idx="1"/>
+          </p:nvPr>
+        </p:nvSpPr>
+        <p:spPr/>
+        <p:txBody>
+          <a:bodyPr/>
+          <a:lstStyle/>
+          <a:p>
+            <a:endParaRPr lang="en-VN"/>
+          </a:p>
+        </p:txBody>
+      </p:sp>
+      <p:sp>
+        <p:nvSpPr>
+          <p:cNvPr id="4" name="Slide Number Placeholder 3">
+            <a:extLst>
+              <a:ext uri="{FF2B5EF4-FFF2-40B4-BE49-F238E27FC236}">
+                <a16:creationId xmlns:a16="http://schemas.microsoft.com/office/drawing/2014/main" id="{3B6E6A19-70FD-8B52-9836-DB4E796F935D}"/>
+              </a:ext>
+            </a:extLst>
+          </p:cNvPr>
+          <p:cNvSpPr>
+            <a:spLocks noGrp="1"/>
+          </p:cNvSpPr>
+          <p:nvPr>
+            <p:ph type="sldNum" sz="quarter" idx="5"/>
+          </p:nvPr>
+        </p:nvSpPr>
+        <p:spPr/>
+        <p:txBody>
+          <a:bodyPr/>
+          <a:lstStyle/>
+          <a:p>
+            <a:fld id="{576FF3D1-0F45-2240-9B47-75654C02E24A}" type="slidenum">
+              <a:t>39</a:t>
+            </a:fld>
+            <a:endParaRPr lang="en-VN"/>
+          </a:p>
+        </p:txBody>
+      </p:sp>
+    </p:spTree>
+    <p:extLst>
+      <p:ext uri="{BB962C8B-B14F-4D97-AF65-F5344CB8AC3E}">
+        <p14:creationId xmlns:p14="http://schemas.microsoft.com/office/powerpoint/2010/main" val="1261741951"/>
+      </p:ext>
+    </p:extLst>
+  </p:cSld>
+  <p:clrMapOvr>
+    <a:masterClrMapping/>
+  </p:clrMapOvr>
+</p:notes>
+</file>
+
+<file path=ppt/notesSlides/notesSlide39.xml><?xml version="1.0" encoding="utf-8"?>
+<p:notes xmlns:a="http://schemas.openxmlformats.org/drawingml/2006/main" xmlns:r="http://schemas.openxmlformats.org/officeDocument/2006/relationships" xmlns:p="http://schemas.openxmlformats.org/presentationml/2006/main">
+  <p:cSld>
+    <p:spTree>
+      <p:nvGrpSpPr>
+        <p:cNvPr id="1" name="">
+          <a:extLst>
+            <a:ext uri="{FF2B5EF4-FFF2-40B4-BE49-F238E27FC236}">
+              <a16:creationId xmlns:a16="http://schemas.microsoft.com/office/drawing/2014/main" id="{8BE3ADB5-2730-C8CE-472B-861561D6F9B7}"/>
+            </a:ext>
+          </a:extLst>
+        </p:cNvPr>
+        <p:cNvGrpSpPr/>
+        <p:nvPr/>
+      </p:nvGrpSpPr>
+      <p:grpSpPr>
+        <a:xfrm>
+          <a:off x="0" y="0"/>
+          <a:ext cx="0" cy="0"/>
+          <a:chOff x="0" y="0"/>
+          <a:chExt cx="0" cy="0"/>
+        </a:xfrm>
+      </p:grpSpPr>
+      <p:sp>
+        <p:nvSpPr>
+          <p:cNvPr id="2" name="Slide Image Placeholder 1">
+            <a:extLst>
+              <a:ext uri="{FF2B5EF4-FFF2-40B4-BE49-F238E27FC236}">
+                <a16:creationId xmlns:a16="http://schemas.microsoft.com/office/drawing/2014/main" id="{D2AB5D4E-0006-2619-40BA-4AD7556DFAF6}"/>
+              </a:ext>
+            </a:extLst>
+          </p:cNvPr>
+          <p:cNvSpPr>
+            <a:spLocks noGrp="1" noRot="1" noChangeAspect="1"/>
+          </p:cNvSpPr>
+          <p:nvPr>
+            <p:ph type="sldImg"/>
+          </p:nvPr>
+        </p:nvSpPr>
+        <p:spPr/>
+      </p:sp>
+      <p:sp>
+        <p:nvSpPr>
+          <p:cNvPr id="3" name="Notes Placeholder 2">
+            <a:extLst>
+              <a:ext uri="{FF2B5EF4-FFF2-40B4-BE49-F238E27FC236}">
+                <a16:creationId xmlns:a16="http://schemas.microsoft.com/office/drawing/2014/main" id="{CAA297BE-2AD2-CA33-9A14-139C2041442D}"/>
+              </a:ext>
+            </a:extLst>
+          </p:cNvPr>
+          <p:cNvSpPr>
+            <a:spLocks noGrp="1"/>
+          </p:cNvSpPr>
+          <p:nvPr>
+            <p:ph type="body" idx="1"/>
+          </p:nvPr>
+        </p:nvSpPr>
+        <p:spPr/>
+        <p:txBody>
+          <a:bodyPr/>
+          <a:lstStyle/>
+          <a:p>
+            <a:endParaRPr lang="en-VN"/>
+          </a:p>
+        </p:txBody>
+      </p:sp>
+      <p:sp>
+        <p:nvSpPr>
+          <p:cNvPr id="4" name="Slide Number Placeholder 3">
+            <a:extLst>
+              <a:ext uri="{FF2B5EF4-FFF2-40B4-BE49-F238E27FC236}">
+                <a16:creationId xmlns:a16="http://schemas.microsoft.com/office/drawing/2014/main" id="{1C973AFB-6F47-1524-D6CC-01F500D85D57}"/>
+              </a:ext>
+            </a:extLst>
+          </p:cNvPr>
+          <p:cNvSpPr>
+            <a:spLocks noGrp="1"/>
+          </p:cNvSpPr>
+          <p:nvPr>
+            <p:ph type="sldNum" sz="quarter" idx="5"/>
+          </p:nvPr>
+        </p:nvSpPr>
+        <p:spPr/>
+        <p:txBody>
+          <a:bodyPr/>
+          <a:lstStyle/>
+          <a:p>
+            <a:fld id="{576FF3D1-0F45-2240-9B47-75654C02E24A}" type="slidenum">
+              <a:t>40</a:t>
+            </a:fld>
+            <a:endParaRPr lang="en-VN"/>
+          </a:p>
+        </p:txBody>
+      </p:sp>
+    </p:spTree>
+    <p:extLst>
+      <p:ext uri="{BB962C8B-B14F-4D97-AF65-F5344CB8AC3E}">
+        <p14:creationId xmlns:p14="http://schemas.microsoft.com/office/powerpoint/2010/main" val="1807286780"/>
+      </p:ext>
+    </p:extLst>
+  </p:cSld>
+  <p:clrMapOvr>
+    <a:masterClrMapping/>
+  </p:clrMapOvr>
+</p:notes>
+</file>
+
 <file path=ppt/notesSlides/notesSlide4.xml><?xml version="1.0" encoding="utf-8"?>
 <p:notes xmlns:a="http://schemas.openxmlformats.org/drawingml/2006/main" xmlns:r="http://schemas.openxmlformats.org/officeDocument/2006/relationships" xmlns:p="http://schemas.openxmlformats.org/presentationml/2006/main">
   <p:cSld>
@@ -4669,6 +5657,220 @@
     <p:extLst>
       <p:ext uri="{BB962C8B-B14F-4D97-AF65-F5344CB8AC3E}">
         <p14:creationId xmlns:p14="http://schemas.microsoft.com/office/powerpoint/2010/main" val="3197603117"/>
+      </p:ext>
+    </p:extLst>
+  </p:cSld>
+  <p:clrMapOvr>
+    <a:masterClrMapping/>
+  </p:clrMapOvr>
+</p:notes>
+</file>
+
+<file path=ppt/notesSlides/notesSlide40.xml><?xml version="1.0" encoding="utf-8"?>
+<p:notes xmlns:a="http://schemas.openxmlformats.org/drawingml/2006/main" xmlns:r="http://schemas.openxmlformats.org/officeDocument/2006/relationships" xmlns:p="http://schemas.openxmlformats.org/presentationml/2006/main">
+  <p:cSld>
+    <p:spTree>
+      <p:nvGrpSpPr>
+        <p:cNvPr id="1" name="">
+          <a:extLst>
+            <a:ext uri="{FF2B5EF4-FFF2-40B4-BE49-F238E27FC236}">
+              <a16:creationId xmlns:a16="http://schemas.microsoft.com/office/drawing/2014/main" id="{2AD49F9D-0825-93FB-88FA-145E327C03E5}"/>
+            </a:ext>
+          </a:extLst>
+        </p:cNvPr>
+        <p:cNvGrpSpPr/>
+        <p:nvPr/>
+      </p:nvGrpSpPr>
+      <p:grpSpPr>
+        <a:xfrm>
+          <a:off x="0" y="0"/>
+          <a:ext cx="0" cy="0"/>
+          <a:chOff x="0" y="0"/>
+          <a:chExt cx="0" cy="0"/>
+        </a:xfrm>
+      </p:grpSpPr>
+      <p:sp>
+        <p:nvSpPr>
+          <p:cNvPr id="2" name="Slide Image Placeholder 1">
+            <a:extLst>
+              <a:ext uri="{FF2B5EF4-FFF2-40B4-BE49-F238E27FC236}">
+                <a16:creationId xmlns:a16="http://schemas.microsoft.com/office/drawing/2014/main" id="{43ED0D1D-32A1-CB0B-77DD-BADC5059DF10}"/>
+              </a:ext>
+            </a:extLst>
+          </p:cNvPr>
+          <p:cNvSpPr>
+            <a:spLocks noGrp="1" noRot="1" noChangeAspect="1"/>
+          </p:cNvSpPr>
+          <p:nvPr>
+            <p:ph type="sldImg"/>
+          </p:nvPr>
+        </p:nvSpPr>
+        <p:spPr/>
+      </p:sp>
+      <p:sp>
+        <p:nvSpPr>
+          <p:cNvPr id="3" name="Notes Placeholder 2">
+            <a:extLst>
+              <a:ext uri="{FF2B5EF4-FFF2-40B4-BE49-F238E27FC236}">
+                <a16:creationId xmlns:a16="http://schemas.microsoft.com/office/drawing/2014/main" id="{BD3E04B7-2796-E0D4-B637-9833181ED877}"/>
+              </a:ext>
+            </a:extLst>
+          </p:cNvPr>
+          <p:cNvSpPr>
+            <a:spLocks noGrp="1"/>
+          </p:cNvSpPr>
+          <p:nvPr>
+            <p:ph type="body" idx="1"/>
+          </p:nvPr>
+        </p:nvSpPr>
+        <p:spPr/>
+        <p:txBody>
+          <a:bodyPr/>
+          <a:lstStyle/>
+          <a:p>
+            <a:endParaRPr lang="en-VN"/>
+          </a:p>
+        </p:txBody>
+      </p:sp>
+      <p:sp>
+        <p:nvSpPr>
+          <p:cNvPr id="4" name="Slide Number Placeholder 3">
+            <a:extLst>
+              <a:ext uri="{FF2B5EF4-FFF2-40B4-BE49-F238E27FC236}">
+                <a16:creationId xmlns:a16="http://schemas.microsoft.com/office/drawing/2014/main" id="{9208EE1E-0C03-A93A-7080-BD7973EC94A7}"/>
+              </a:ext>
+            </a:extLst>
+          </p:cNvPr>
+          <p:cNvSpPr>
+            <a:spLocks noGrp="1"/>
+          </p:cNvSpPr>
+          <p:nvPr>
+            <p:ph type="sldNum" sz="quarter" idx="5"/>
+          </p:nvPr>
+        </p:nvSpPr>
+        <p:spPr/>
+        <p:txBody>
+          <a:bodyPr/>
+          <a:lstStyle/>
+          <a:p>
+            <a:fld id="{576FF3D1-0F45-2240-9B47-75654C02E24A}" type="slidenum">
+              <a:t>41</a:t>
+            </a:fld>
+            <a:endParaRPr lang="en-VN"/>
+          </a:p>
+        </p:txBody>
+      </p:sp>
+    </p:spTree>
+    <p:extLst>
+      <p:ext uri="{BB962C8B-B14F-4D97-AF65-F5344CB8AC3E}">
+        <p14:creationId xmlns:p14="http://schemas.microsoft.com/office/powerpoint/2010/main" val="722506257"/>
+      </p:ext>
+    </p:extLst>
+  </p:cSld>
+  <p:clrMapOvr>
+    <a:masterClrMapping/>
+  </p:clrMapOvr>
+</p:notes>
+</file>
+
+<file path=ppt/notesSlides/notesSlide41.xml><?xml version="1.0" encoding="utf-8"?>
+<p:notes xmlns:a="http://schemas.openxmlformats.org/drawingml/2006/main" xmlns:r="http://schemas.openxmlformats.org/officeDocument/2006/relationships" xmlns:p="http://schemas.openxmlformats.org/presentationml/2006/main">
+  <p:cSld>
+    <p:spTree>
+      <p:nvGrpSpPr>
+        <p:cNvPr id="1" name="">
+          <a:extLst>
+            <a:ext uri="{FF2B5EF4-FFF2-40B4-BE49-F238E27FC236}">
+              <a16:creationId xmlns:a16="http://schemas.microsoft.com/office/drawing/2014/main" id="{090AAD86-321D-FABF-A3BB-FDA3CE9549B7}"/>
+            </a:ext>
+          </a:extLst>
+        </p:cNvPr>
+        <p:cNvGrpSpPr/>
+        <p:nvPr/>
+      </p:nvGrpSpPr>
+      <p:grpSpPr>
+        <a:xfrm>
+          <a:off x="0" y="0"/>
+          <a:ext cx="0" cy="0"/>
+          <a:chOff x="0" y="0"/>
+          <a:chExt cx="0" cy="0"/>
+        </a:xfrm>
+      </p:grpSpPr>
+      <p:sp>
+        <p:nvSpPr>
+          <p:cNvPr id="2" name="Slide Image Placeholder 1">
+            <a:extLst>
+              <a:ext uri="{FF2B5EF4-FFF2-40B4-BE49-F238E27FC236}">
+                <a16:creationId xmlns:a16="http://schemas.microsoft.com/office/drawing/2014/main" id="{304C0085-B1F3-B31D-D19D-711B11D13994}"/>
+              </a:ext>
+            </a:extLst>
+          </p:cNvPr>
+          <p:cNvSpPr>
+            <a:spLocks noGrp="1" noRot="1" noChangeAspect="1"/>
+          </p:cNvSpPr>
+          <p:nvPr>
+            <p:ph type="sldImg"/>
+          </p:nvPr>
+        </p:nvSpPr>
+        <p:spPr/>
+      </p:sp>
+      <p:sp>
+        <p:nvSpPr>
+          <p:cNvPr id="3" name="Notes Placeholder 2">
+            <a:extLst>
+              <a:ext uri="{FF2B5EF4-FFF2-40B4-BE49-F238E27FC236}">
+                <a16:creationId xmlns:a16="http://schemas.microsoft.com/office/drawing/2014/main" id="{AA829C74-B8B9-F3B3-F806-195B03E7A928}"/>
+              </a:ext>
+            </a:extLst>
+          </p:cNvPr>
+          <p:cNvSpPr>
+            <a:spLocks noGrp="1"/>
+          </p:cNvSpPr>
+          <p:nvPr>
+            <p:ph type="body" idx="1"/>
+          </p:nvPr>
+        </p:nvSpPr>
+        <p:spPr/>
+        <p:txBody>
+          <a:bodyPr/>
+          <a:lstStyle/>
+          <a:p>
+            <a:endParaRPr lang="en-VN"/>
+          </a:p>
+        </p:txBody>
+      </p:sp>
+      <p:sp>
+        <p:nvSpPr>
+          <p:cNvPr id="4" name="Slide Number Placeholder 3">
+            <a:extLst>
+              <a:ext uri="{FF2B5EF4-FFF2-40B4-BE49-F238E27FC236}">
+                <a16:creationId xmlns:a16="http://schemas.microsoft.com/office/drawing/2014/main" id="{57F9FFBF-0DC4-07C7-B46A-6697B8152568}"/>
+              </a:ext>
+            </a:extLst>
+          </p:cNvPr>
+          <p:cNvSpPr>
+            <a:spLocks noGrp="1"/>
+          </p:cNvSpPr>
+          <p:nvPr>
+            <p:ph type="sldNum" sz="quarter" idx="5"/>
+          </p:nvPr>
+        </p:nvSpPr>
+        <p:spPr/>
+        <p:txBody>
+          <a:bodyPr/>
+          <a:lstStyle/>
+          <a:p>
+            <a:fld id="{576FF3D1-0F45-2240-9B47-75654C02E24A}" type="slidenum">
+              <a:t>42</a:t>
+            </a:fld>
+            <a:endParaRPr lang="en-VN"/>
+          </a:p>
+        </p:txBody>
+      </p:sp>
+    </p:spTree>
+    <p:extLst>
+      <p:ext uri="{BB962C8B-B14F-4D97-AF65-F5344CB8AC3E}">
+        <p14:creationId xmlns:p14="http://schemas.microsoft.com/office/powerpoint/2010/main" val="326964259"/>
       </p:ext>
     </p:extLst>
   </p:cSld>
@@ -20513,6 +21715,6211 @@
 </p:sld>
 </file>
 
+<file path=ppt/slides/slide33.xml><?xml version="1.0" encoding="utf-8"?>
+<p:sld xmlns:a="http://schemas.openxmlformats.org/drawingml/2006/main" xmlns:r="http://schemas.openxmlformats.org/officeDocument/2006/relationships" xmlns:p="http://schemas.openxmlformats.org/presentationml/2006/main">
+  <p:cSld>
+    <p:spTree>
+      <p:nvGrpSpPr>
+        <p:cNvPr id="1" name="">
+          <a:extLst>
+            <a:ext uri="{FF2B5EF4-FFF2-40B4-BE49-F238E27FC236}">
+              <a16:creationId xmlns:a16="http://schemas.microsoft.com/office/drawing/2014/main" id="{D31119A1-B81B-4385-5ADB-C7315FF6DE31}"/>
+            </a:ext>
+          </a:extLst>
+        </p:cNvPr>
+        <p:cNvGrpSpPr/>
+        <p:nvPr/>
+      </p:nvGrpSpPr>
+      <p:grpSpPr>
+        <a:xfrm>
+          <a:off x="0" y="0"/>
+          <a:ext cx="0" cy="0"/>
+          <a:chOff x="0" y="0"/>
+          <a:chExt cx="0" cy="0"/>
+        </a:xfrm>
+      </p:grpSpPr>
+      <p:sp>
+        <p:nvSpPr>
+          <p:cNvPr id="3" name="Subtitle 2">
+            <a:extLst>
+              <a:ext uri="{FF2B5EF4-FFF2-40B4-BE49-F238E27FC236}">
+                <a16:creationId xmlns:a16="http://schemas.microsoft.com/office/drawing/2014/main" id="{0C118E72-72E2-3EC5-B5D4-E3D42747C09B}"/>
+              </a:ext>
+            </a:extLst>
+          </p:cNvPr>
+          <p:cNvSpPr>
+            <a:spLocks noGrp="1"/>
+          </p:cNvSpPr>
+          <p:nvPr>
+            <p:ph type="subTitle" idx="1"/>
+          </p:nvPr>
+        </p:nvSpPr>
+        <p:spPr>
+          <a:xfrm>
+            <a:off x="152399" y="217488"/>
+            <a:ext cx="11223171" cy="303212"/>
+          </a:xfrm>
+        </p:spPr>
+        <p:txBody>
+          <a:bodyPr>
+            <a:normAutofit fontScale="92500" lnSpcReduction="20000"/>
+          </a:bodyPr>
+          <a:lstStyle/>
+          <a:p>
+            <a:r>
+              <a:rPr lang="en-US" sz="1800" b="1"/>
+              <a:t>Chapter 9 – Collections and Generics</a:t>
+            </a:r>
+          </a:p>
+        </p:txBody>
+      </p:sp>
+      <p:sp>
+        <p:nvSpPr>
+          <p:cNvPr id="4" name="Subtitle 2">
+            <a:extLst>
+              <a:ext uri="{FF2B5EF4-FFF2-40B4-BE49-F238E27FC236}">
+                <a16:creationId xmlns:a16="http://schemas.microsoft.com/office/drawing/2014/main" id="{1D20ED26-70F8-23CC-B57F-1AEAEBB27E9A}"/>
+              </a:ext>
+            </a:extLst>
+          </p:cNvPr>
+          <p:cNvSpPr txBox="1">
+            <a:spLocks/>
+          </p:cNvSpPr>
+          <p:nvPr/>
+        </p:nvSpPr>
+        <p:spPr>
+          <a:xfrm>
+            <a:off x="0" y="820738"/>
+            <a:ext cx="12192000" cy="6037262"/>
+          </a:xfrm>
+          <a:prstGeom prst="rect">
+            <a:avLst/>
+          </a:prstGeom>
+        </p:spPr>
+        <p:txBody>
+          <a:bodyPr vert="horz" lIns="91440" tIns="45720" rIns="91440" bIns="45720" rtlCol="0">
+            <a:normAutofit/>
+          </a:bodyPr>
+          <a:lstStyle>
+            <a:lvl1pPr marL="0" indent="0" algn="ctr" defTabSz="914400" rtl="0" eaLnBrk="1" latinLnBrk="0" hangingPunct="1">
+              <a:lnSpc>
+                <a:spcPct val="90000"/>
+              </a:lnSpc>
+              <a:spcBef>
+                <a:spcPts val="1000"/>
+              </a:spcBef>
+              <a:buFont typeface="Arial" panose="020B0604020202020204" pitchFamily="34" charset="0"/>
+              <a:buNone/>
+              <a:defRPr sz="2400" kern="1200">
+                <a:solidFill>
+                  <a:schemeClr val="tx1"/>
+                </a:solidFill>
+                <a:latin typeface="+mn-lt"/>
+                <a:ea typeface="+mn-ea"/>
+                <a:cs typeface="+mn-cs"/>
+              </a:defRPr>
+            </a:lvl1pPr>
+            <a:lvl2pPr marL="457200" indent="0" algn="ctr" defTabSz="914400" rtl="0" eaLnBrk="1" latinLnBrk="0" hangingPunct="1">
+              <a:lnSpc>
+                <a:spcPct val="90000"/>
+              </a:lnSpc>
+              <a:spcBef>
+                <a:spcPts val="500"/>
+              </a:spcBef>
+              <a:buFont typeface="Arial" panose="020B0604020202020204" pitchFamily="34" charset="0"/>
+              <a:buNone/>
+              <a:defRPr sz="2000" kern="1200">
+                <a:solidFill>
+                  <a:schemeClr val="tx1"/>
+                </a:solidFill>
+                <a:latin typeface="+mn-lt"/>
+                <a:ea typeface="+mn-ea"/>
+                <a:cs typeface="+mn-cs"/>
+              </a:defRPr>
+            </a:lvl2pPr>
+            <a:lvl3pPr marL="914400" indent="0" algn="ctr" defTabSz="914400" rtl="0" eaLnBrk="1" latinLnBrk="0" hangingPunct="1">
+              <a:lnSpc>
+                <a:spcPct val="90000"/>
+              </a:lnSpc>
+              <a:spcBef>
+                <a:spcPts val="500"/>
+              </a:spcBef>
+              <a:buFont typeface="Arial" panose="020B0604020202020204" pitchFamily="34" charset="0"/>
+              <a:buNone/>
+              <a:defRPr sz="1800" kern="1200">
+                <a:solidFill>
+                  <a:schemeClr val="tx1"/>
+                </a:solidFill>
+                <a:latin typeface="+mn-lt"/>
+                <a:ea typeface="+mn-ea"/>
+                <a:cs typeface="+mn-cs"/>
+              </a:defRPr>
+            </a:lvl3pPr>
+            <a:lvl4pPr marL="1371600" indent="0" algn="ctr" defTabSz="914400" rtl="0" eaLnBrk="1" latinLnBrk="0" hangingPunct="1">
+              <a:lnSpc>
+                <a:spcPct val="90000"/>
+              </a:lnSpc>
+              <a:spcBef>
+                <a:spcPts val="500"/>
+              </a:spcBef>
+              <a:buFont typeface="Arial" panose="020B0604020202020204" pitchFamily="34" charset="0"/>
+              <a:buNone/>
+              <a:defRPr sz="1600" kern="1200">
+                <a:solidFill>
+                  <a:schemeClr val="tx1"/>
+                </a:solidFill>
+                <a:latin typeface="+mn-lt"/>
+                <a:ea typeface="+mn-ea"/>
+                <a:cs typeface="+mn-cs"/>
+              </a:defRPr>
+            </a:lvl4pPr>
+            <a:lvl5pPr marL="1828800" indent="0" algn="ctr" defTabSz="914400" rtl="0" eaLnBrk="1" latinLnBrk="0" hangingPunct="1">
+              <a:lnSpc>
+                <a:spcPct val="90000"/>
+              </a:lnSpc>
+              <a:spcBef>
+                <a:spcPts val="500"/>
+              </a:spcBef>
+              <a:buFont typeface="Arial" panose="020B0604020202020204" pitchFamily="34" charset="0"/>
+              <a:buNone/>
+              <a:defRPr sz="1600" kern="1200">
+                <a:solidFill>
+                  <a:schemeClr val="tx1"/>
+                </a:solidFill>
+                <a:latin typeface="+mn-lt"/>
+                <a:ea typeface="+mn-ea"/>
+                <a:cs typeface="+mn-cs"/>
+              </a:defRPr>
+            </a:lvl5pPr>
+            <a:lvl6pPr marL="2286000" indent="0" algn="ctr" defTabSz="914400" rtl="0" eaLnBrk="1" latinLnBrk="0" hangingPunct="1">
+              <a:lnSpc>
+                <a:spcPct val="90000"/>
+              </a:lnSpc>
+              <a:spcBef>
+                <a:spcPts val="500"/>
+              </a:spcBef>
+              <a:buFont typeface="Arial" panose="020B0604020202020204" pitchFamily="34" charset="0"/>
+              <a:buNone/>
+              <a:defRPr sz="1600" kern="1200">
+                <a:solidFill>
+                  <a:schemeClr val="tx1"/>
+                </a:solidFill>
+                <a:latin typeface="+mn-lt"/>
+                <a:ea typeface="+mn-ea"/>
+                <a:cs typeface="+mn-cs"/>
+              </a:defRPr>
+            </a:lvl6pPr>
+            <a:lvl7pPr marL="2743200" indent="0" algn="ctr" defTabSz="914400" rtl="0" eaLnBrk="1" latinLnBrk="0" hangingPunct="1">
+              <a:lnSpc>
+                <a:spcPct val="90000"/>
+              </a:lnSpc>
+              <a:spcBef>
+                <a:spcPts val="500"/>
+              </a:spcBef>
+              <a:buFont typeface="Arial" panose="020B0604020202020204" pitchFamily="34" charset="0"/>
+              <a:buNone/>
+              <a:defRPr sz="1600" kern="1200">
+                <a:solidFill>
+                  <a:schemeClr val="tx1"/>
+                </a:solidFill>
+                <a:latin typeface="+mn-lt"/>
+                <a:ea typeface="+mn-ea"/>
+                <a:cs typeface="+mn-cs"/>
+              </a:defRPr>
+            </a:lvl7pPr>
+            <a:lvl8pPr marL="3200400" indent="0" algn="ctr" defTabSz="914400" rtl="0" eaLnBrk="1" latinLnBrk="0" hangingPunct="1">
+              <a:lnSpc>
+                <a:spcPct val="90000"/>
+              </a:lnSpc>
+              <a:spcBef>
+                <a:spcPts val="500"/>
+              </a:spcBef>
+              <a:buFont typeface="Arial" panose="020B0604020202020204" pitchFamily="34" charset="0"/>
+              <a:buNone/>
+              <a:defRPr sz="1600" kern="1200">
+                <a:solidFill>
+                  <a:schemeClr val="tx1"/>
+                </a:solidFill>
+                <a:latin typeface="+mn-lt"/>
+                <a:ea typeface="+mn-ea"/>
+                <a:cs typeface="+mn-cs"/>
+              </a:defRPr>
+            </a:lvl8pPr>
+            <a:lvl9pPr marL="3657600" indent="0" algn="ctr" defTabSz="914400" rtl="0" eaLnBrk="1" latinLnBrk="0" hangingPunct="1">
+              <a:lnSpc>
+                <a:spcPct val="90000"/>
+              </a:lnSpc>
+              <a:spcBef>
+                <a:spcPts val="500"/>
+              </a:spcBef>
+              <a:buFont typeface="Arial" panose="020B0604020202020204" pitchFamily="34" charset="0"/>
+              <a:buNone/>
+              <a:defRPr sz="1600" kern="1200">
+                <a:solidFill>
+                  <a:schemeClr val="tx1"/>
+                </a:solidFill>
+                <a:latin typeface="+mn-lt"/>
+                <a:ea typeface="+mn-ea"/>
+                <a:cs typeface="+mn-cs"/>
+              </a:defRPr>
+            </a:lvl9pPr>
+          </a:lstStyle>
+          <a:p>
+            <a:pPr algn="l"/>
+            <a:r>
+              <a:rPr lang="en-US" sz="1800" b="1">
+                <a:sym typeface="Wingdings" pitchFamily="2" charset="2"/>
+              </a:rPr>
+              <a:t>Working with generic</a:t>
+            </a:r>
+            <a:endParaRPr lang="en-US" sz="1800">
+              <a:sym typeface="Wingdings" pitchFamily="2" charset="2"/>
+            </a:endParaRPr>
+          </a:p>
+          <a:p>
+            <a:pPr algn="l"/>
+            <a:r>
+              <a:rPr lang="en-US" sz="1800">
+                <a:sym typeface="Wingdings" pitchFamily="2" charset="2"/>
+              </a:rPr>
+              <a:t>(code illustration snippet 55)</a:t>
+            </a:r>
+          </a:p>
+          <a:p>
+            <a:pPr algn="l"/>
+            <a:r>
+              <a:rPr lang="en-US" sz="1800">
+                <a:sym typeface="Wingdings" pitchFamily="2" charset="2"/>
+              </a:rPr>
+              <a:t>- Generic fix ... by using something called ... =&gt; Compiler will ... all ... out of the ...</a:t>
+            </a:r>
+          </a:p>
+          <a:p>
+            <a:pPr algn="l"/>
+            <a:r>
+              <a:rPr lang="en-US" sz="1800">
+                <a:sym typeface="Wingdings" pitchFamily="2" charset="2"/>
+              </a:rPr>
+              <a:t>– Parameterized type is ...</a:t>
+            </a:r>
+          </a:p>
+          <a:p>
+            <a:pPr algn="l"/>
+            <a:r>
+              <a:rPr lang="en-US" sz="1800">
+                <a:sym typeface="Wingdings" pitchFamily="2" charset="2"/>
+              </a:rPr>
+              <a:t>(code illustration snippet 56)</a:t>
+            </a:r>
+          </a:p>
+          <a:p>
+            <a:pPr algn="l"/>
+            <a:r>
+              <a:rPr lang="en-US" sz="1800" b="1">
+                <a:sym typeface="Wingdings" pitchFamily="2" charset="2"/>
+              </a:rPr>
+              <a:t>Creating Generic classes</a:t>
+            </a:r>
+          </a:p>
+          <a:p>
+            <a:pPr algn="l"/>
+            <a:r>
+              <a:rPr lang="en-US" sz="1800">
+                <a:sym typeface="Wingdings" pitchFamily="2" charset="2"/>
+              </a:rPr>
+              <a:t>- We can introduce ... into our ...</a:t>
+            </a:r>
+          </a:p>
+          <a:p>
+            <a:pPr algn="l"/>
+            <a:r>
+              <a:rPr lang="en-US" sz="1800">
+                <a:sym typeface="Wingdings" pitchFamily="2" charset="2"/>
+              </a:rPr>
+              <a:t>– The syntax used something called ... </a:t>
+            </a:r>
+          </a:p>
+          <a:p>
+            <a:pPr algn="l"/>
+            <a:r>
+              <a:rPr lang="en-US" sz="1800">
+                <a:sym typeface="Wingdings" pitchFamily="2" charset="2"/>
+              </a:rPr>
+              <a:t>(code illustration snippet 57)</a:t>
+            </a:r>
+          </a:p>
+          <a:p>
+            <a:pPr algn="l"/>
+            <a:r>
+              <a:rPr lang="en-US" sz="1800">
+                <a:sym typeface="Wingdings" pitchFamily="2" charset="2"/>
+              </a:rPr>
+              <a:t>- The ... T appears ... When we ... class ... we ... specify</a:t>
+            </a:r>
+          </a:p>
+          <a:p>
+            <a:pPr algn="l"/>
+            <a:r>
+              <a:rPr lang="en-US" sz="1800">
+                <a:sym typeface="Wingdings" pitchFamily="2" charset="2"/>
+              </a:rPr>
+              <a:t>– Naming convention ... could be .... However, it should be ... by using the ... letter</a:t>
+            </a:r>
+          </a:p>
+          <a:p>
+            <a:pPr algn="l"/>
+            <a:r>
+              <a:rPr lang="en-US" sz="1800">
+                <a:sym typeface="Wingdings" pitchFamily="2" charset="2"/>
+              </a:rPr>
+              <a:t>E</a:t>
+            </a:r>
+          </a:p>
+          <a:p>
+            <a:pPr algn="l"/>
+            <a:r>
+              <a:rPr lang="en-US" sz="1800">
+                <a:sym typeface="Wingdings" pitchFamily="2" charset="2"/>
+              </a:rPr>
+              <a:t>K</a:t>
+            </a:r>
+          </a:p>
+          <a:p>
+            <a:pPr algn="l"/>
+            <a:r>
+              <a:rPr lang="en-US" sz="1800">
+                <a:sym typeface="Wingdings" pitchFamily="2" charset="2"/>
+              </a:rPr>
+              <a:t>V</a:t>
+            </a:r>
+          </a:p>
+          <a:p>
+            <a:pPr algn="l"/>
+            <a:r>
+              <a:rPr lang="en-US" sz="1800">
+                <a:sym typeface="Wingdings" pitchFamily="2" charset="2"/>
+              </a:rPr>
+              <a:t>N</a:t>
+            </a:r>
+          </a:p>
+          <a:p>
+            <a:pPr algn="l"/>
+            <a:r>
+              <a:rPr lang="en-US" sz="1800">
+                <a:sym typeface="Wingdings" pitchFamily="2" charset="2"/>
+              </a:rPr>
+              <a:t>T       (S,U,V) </a:t>
+            </a:r>
+          </a:p>
+        </p:txBody>
+      </p:sp>
+    </p:spTree>
+    <p:extLst>
+      <p:ext uri="{BB962C8B-B14F-4D97-AF65-F5344CB8AC3E}">
+        <p14:creationId xmlns:p14="http://schemas.microsoft.com/office/powerpoint/2010/main" val="3487866263"/>
+      </p:ext>
+    </p:extLst>
+  </p:cSld>
+  <p:clrMapOvr>
+    <a:masterClrMapping/>
+  </p:clrMapOvr>
+  <p:timing>
+    <p:tnLst>
+      <p:par>
+        <p:cTn id="1" dur="indefinite" restart="never" nodeType="tmRoot">
+          <p:childTnLst>
+            <p:seq concurrent="1" nextAc="seek">
+              <p:cTn id="2" dur="indefinite" nodeType="mainSeq">
+                <p:childTnLst>
+                  <p:par>
+                    <p:cTn id="3" fill="hold">
+                      <p:stCondLst>
+                        <p:cond delay="indefinite"/>
+                      </p:stCondLst>
+                      <p:childTnLst>
+                        <p:par>
+                          <p:cTn id="4" fill="hold">
+                            <p:stCondLst>
+                              <p:cond delay="0"/>
+                            </p:stCondLst>
+                            <p:childTnLst>
+                              <p:par>
+                                <p:cTn id="5" presetID="1" presetClass="entr" presetSubtype="0" fill="hold" nodeType="clickEffect">
+                                  <p:stCondLst>
+                                    <p:cond delay="0"/>
+                                  </p:stCondLst>
+                                  <p:childTnLst>
+                                    <p:set>
+                                      <p:cBhvr>
+                                        <p:cTn id="6" dur="1" fill="hold">
+                                          <p:stCondLst>
+                                            <p:cond delay="0"/>
+                                          </p:stCondLst>
+                                        </p:cTn>
+                                        <p:tgtEl>
+                                          <p:spTgt spid="4">
+                                            <p:txEl>
+                                              <p:pRg st="0" end="0"/>
+                                            </p:txEl>
+                                          </p:spTgt>
+                                        </p:tgtEl>
+                                        <p:attrNameLst>
+                                          <p:attrName>style.visibility</p:attrName>
+                                        </p:attrNameLst>
+                                      </p:cBhvr>
+                                      <p:to>
+                                        <p:strVal val="visible"/>
+                                      </p:to>
+                                    </p:set>
+                                  </p:childTnLst>
+                                </p:cTn>
+                              </p:par>
+                            </p:childTnLst>
+                          </p:cTn>
+                        </p:par>
+                      </p:childTnLst>
+                    </p:cTn>
+                  </p:par>
+                  <p:par>
+                    <p:cTn id="7" fill="hold">
+                      <p:stCondLst>
+                        <p:cond delay="indefinite"/>
+                      </p:stCondLst>
+                      <p:childTnLst>
+                        <p:par>
+                          <p:cTn id="8" fill="hold">
+                            <p:stCondLst>
+                              <p:cond delay="0"/>
+                            </p:stCondLst>
+                            <p:childTnLst>
+                              <p:par>
+                                <p:cTn id="9" presetID="1" presetClass="entr" presetSubtype="0" fill="hold" nodeType="clickEffect">
+                                  <p:stCondLst>
+                                    <p:cond delay="0"/>
+                                  </p:stCondLst>
+                                  <p:childTnLst>
+                                    <p:set>
+                                      <p:cBhvr>
+                                        <p:cTn id="10" dur="1" fill="hold">
+                                          <p:stCondLst>
+                                            <p:cond delay="0"/>
+                                          </p:stCondLst>
+                                        </p:cTn>
+                                        <p:tgtEl>
+                                          <p:spTgt spid="4">
+                                            <p:txEl>
+                                              <p:pRg st="1" end="1"/>
+                                            </p:txEl>
+                                          </p:spTgt>
+                                        </p:tgtEl>
+                                        <p:attrNameLst>
+                                          <p:attrName>style.visibility</p:attrName>
+                                        </p:attrNameLst>
+                                      </p:cBhvr>
+                                      <p:to>
+                                        <p:strVal val="visible"/>
+                                      </p:to>
+                                    </p:set>
+                                  </p:childTnLst>
+                                </p:cTn>
+                              </p:par>
+                            </p:childTnLst>
+                          </p:cTn>
+                        </p:par>
+                      </p:childTnLst>
+                    </p:cTn>
+                  </p:par>
+                  <p:par>
+                    <p:cTn id="11" fill="hold">
+                      <p:stCondLst>
+                        <p:cond delay="indefinite"/>
+                      </p:stCondLst>
+                      <p:childTnLst>
+                        <p:par>
+                          <p:cTn id="12" fill="hold">
+                            <p:stCondLst>
+                              <p:cond delay="0"/>
+                            </p:stCondLst>
+                            <p:childTnLst>
+                              <p:par>
+                                <p:cTn id="13" presetID="1" presetClass="entr" presetSubtype="0" fill="hold" nodeType="clickEffect">
+                                  <p:stCondLst>
+                                    <p:cond delay="0"/>
+                                  </p:stCondLst>
+                                  <p:childTnLst>
+                                    <p:set>
+                                      <p:cBhvr>
+                                        <p:cTn id="14" dur="1" fill="hold">
+                                          <p:stCondLst>
+                                            <p:cond delay="0"/>
+                                          </p:stCondLst>
+                                        </p:cTn>
+                                        <p:tgtEl>
+                                          <p:spTgt spid="4">
+                                            <p:txEl>
+                                              <p:pRg st="2" end="2"/>
+                                            </p:txEl>
+                                          </p:spTgt>
+                                        </p:tgtEl>
+                                        <p:attrNameLst>
+                                          <p:attrName>style.visibility</p:attrName>
+                                        </p:attrNameLst>
+                                      </p:cBhvr>
+                                      <p:to>
+                                        <p:strVal val="visible"/>
+                                      </p:to>
+                                    </p:set>
+                                  </p:childTnLst>
+                                </p:cTn>
+                              </p:par>
+                            </p:childTnLst>
+                          </p:cTn>
+                        </p:par>
+                      </p:childTnLst>
+                    </p:cTn>
+                  </p:par>
+                  <p:par>
+                    <p:cTn id="15" fill="hold">
+                      <p:stCondLst>
+                        <p:cond delay="indefinite"/>
+                      </p:stCondLst>
+                      <p:childTnLst>
+                        <p:par>
+                          <p:cTn id="16" fill="hold">
+                            <p:stCondLst>
+                              <p:cond delay="0"/>
+                            </p:stCondLst>
+                            <p:childTnLst>
+                              <p:par>
+                                <p:cTn id="17" presetID="1" presetClass="entr" presetSubtype="0" fill="hold" nodeType="clickEffect">
+                                  <p:stCondLst>
+                                    <p:cond delay="0"/>
+                                  </p:stCondLst>
+                                  <p:childTnLst>
+                                    <p:set>
+                                      <p:cBhvr>
+                                        <p:cTn id="18" dur="1" fill="hold">
+                                          <p:stCondLst>
+                                            <p:cond delay="0"/>
+                                          </p:stCondLst>
+                                        </p:cTn>
+                                        <p:tgtEl>
+                                          <p:spTgt spid="4">
+                                            <p:txEl>
+                                              <p:pRg st="3" end="3"/>
+                                            </p:txEl>
+                                          </p:spTgt>
+                                        </p:tgtEl>
+                                        <p:attrNameLst>
+                                          <p:attrName>style.visibility</p:attrName>
+                                        </p:attrNameLst>
+                                      </p:cBhvr>
+                                      <p:to>
+                                        <p:strVal val="visible"/>
+                                      </p:to>
+                                    </p:set>
+                                  </p:childTnLst>
+                                </p:cTn>
+                              </p:par>
+                            </p:childTnLst>
+                          </p:cTn>
+                        </p:par>
+                      </p:childTnLst>
+                    </p:cTn>
+                  </p:par>
+                  <p:par>
+                    <p:cTn id="19" fill="hold">
+                      <p:stCondLst>
+                        <p:cond delay="indefinite"/>
+                      </p:stCondLst>
+                      <p:childTnLst>
+                        <p:par>
+                          <p:cTn id="20" fill="hold">
+                            <p:stCondLst>
+                              <p:cond delay="0"/>
+                            </p:stCondLst>
+                            <p:childTnLst>
+                              <p:par>
+                                <p:cTn id="21" presetID="1" presetClass="entr" presetSubtype="0" fill="hold" nodeType="clickEffect">
+                                  <p:stCondLst>
+                                    <p:cond delay="0"/>
+                                  </p:stCondLst>
+                                  <p:childTnLst>
+                                    <p:set>
+                                      <p:cBhvr>
+                                        <p:cTn id="22" dur="1" fill="hold">
+                                          <p:stCondLst>
+                                            <p:cond delay="0"/>
+                                          </p:stCondLst>
+                                        </p:cTn>
+                                        <p:tgtEl>
+                                          <p:spTgt spid="4">
+                                            <p:txEl>
+                                              <p:pRg st="4" end="4"/>
+                                            </p:txEl>
+                                          </p:spTgt>
+                                        </p:tgtEl>
+                                        <p:attrNameLst>
+                                          <p:attrName>style.visibility</p:attrName>
+                                        </p:attrNameLst>
+                                      </p:cBhvr>
+                                      <p:to>
+                                        <p:strVal val="visible"/>
+                                      </p:to>
+                                    </p:set>
+                                  </p:childTnLst>
+                                </p:cTn>
+                              </p:par>
+                            </p:childTnLst>
+                          </p:cTn>
+                        </p:par>
+                      </p:childTnLst>
+                    </p:cTn>
+                  </p:par>
+                  <p:par>
+                    <p:cTn id="23" fill="hold">
+                      <p:stCondLst>
+                        <p:cond delay="indefinite"/>
+                      </p:stCondLst>
+                      <p:childTnLst>
+                        <p:par>
+                          <p:cTn id="24" fill="hold">
+                            <p:stCondLst>
+                              <p:cond delay="0"/>
+                            </p:stCondLst>
+                            <p:childTnLst>
+                              <p:par>
+                                <p:cTn id="25" presetID="1" presetClass="entr" presetSubtype="0" fill="hold" nodeType="clickEffect">
+                                  <p:stCondLst>
+                                    <p:cond delay="0"/>
+                                  </p:stCondLst>
+                                  <p:childTnLst>
+                                    <p:set>
+                                      <p:cBhvr>
+                                        <p:cTn id="26" dur="1" fill="hold">
+                                          <p:stCondLst>
+                                            <p:cond delay="0"/>
+                                          </p:stCondLst>
+                                        </p:cTn>
+                                        <p:tgtEl>
+                                          <p:spTgt spid="4">
+                                            <p:txEl>
+                                              <p:pRg st="5" end="5"/>
+                                            </p:txEl>
+                                          </p:spTgt>
+                                        </p:tgtEl>
+                                        <p:attrNameLst>
+                                          <p:attrName>style.visibility</p:attrName>
+                                        </p:attrNameLst>
+                                      </p:cBhvr>
+                                      <p:to>
+                                        <p:strVal val="visible"/>
+                                      </p:to>
+                                    </p:set>
+                                  </p:childTnLst>
+                                </p:cTn>
+                              </p:par>
+                            </p:childTnLst>
+                          </p:cTn>
+                        </p:par>
+                      </p:childTnLst>
+                    </p:cTn>
+                  </p:par>
+                  <p:par>
+                    <p:cTn id="27" fill="hold">
+                      <p:stCondLst>
+                        <p:cond delay="indefinite"/>
+                      </p:stCondLst>
+                      <p:childTnLst>
+                        <p:par>
+                          <p:cTn id="28" fill="hold">
+                            <p:stCondLst>
+                              <p:cond delay="0"/>
+                            </p:stCondLst>
+                            <p:childTnLst>
+                              <p:par>
+                                <p:cTn id="29" presetID="1" presetClass="entr" presetSubtype="0" fill="hold" nodeType="clickEffect">
+                                  <p:stCondLst>
+                                    <p:cond delay="0"/>
+                                  </p:stCondLst>
+                                  <p:childTnLst>
+                                    <p:set>
+                                      <p:cBhvr>
+                                        <p:cTn id="30" dur="1" fill="hold">
+                                          <p:stCondLst>
+                                            <p:cond delay="0"/>
+                                          </p:stCondLst>
+                                        </p:cTn>
+                                        <p:tgtEl>
+                                          <p:spTgt spid="4">
+                                            <p:txEl>
+                                              <p:pRg st="6" end="6"/>
+                                            </p:txEl>
+                                          </p:spTgt>
+                                        </p:tgtEl>
+                                        <p:attrNameLst>
+                                          <p:attrName>style.visibility</p:attrName>
+                                        </p:attrNameLst>
+                                      </p:cBhvr>
+                                      <p:to>
+                                        <p:strVal val="visible"/>
+                                      </p:to>
+                                    </p:set>
+                                  </p:childTnLst>
+                                </p:cTn>
+                              </p:par>
+                            </p:childTnLst>
+                          </p:cTn>
+                        </p:par>
+                      </p:childTnLst>
+                    </p:cTn>
+                  </p:par>
+                  <p:par>
+                    <p:cTn id="31" fill="hold">
+                      <p:stCondLst>
+                        <p:cond delay="indefinite"/>
+                      </p:stCondLst>
+                      <p:childTnLst>
+                        <p:par>
+                          <p:cTn id="32" fill="hold">
+                            <p:stCondLst>
+                              <p:cond delay="0"/>
+                            </p:stCondLst>
+                            <p:childTnLst>
+                              <p:par>
+                                <p:cTn id="33" presetID="1" presetClass="entr" presetSubtype="0" fill="hold" nodeType="clickEffect">
+                                  <p:stCondLst>
+                                    <p:cond delay="0"/>
+                                  </p:stCondLst>
+                                  <p:childTnLst>
+                                    <p:set>
+                                      <p:cBhvr>
+                                        <p:cTn id="34" dur="1" fill="hold">
+                                          <p:stCondLst>
+                                            <p:cond delay="0"/>
+                                          </p:stCondLst>
+                                        </p:cTn>
+                                        <p:tgtEl>
+                                          <p:spTgt spid="4">
+                                            <p:txEl>
+                                              <p:pRg st="7" end="7"/>
+                                            </p:txEl>
+                                          </p:spTgt>
+                                        </p:tgtEl>
+                                        <p:attrNameLst>
+                                          <p:attrName>style.visibility</p:attrName>
+                                        </p:attrNameLst>
+                                      </p:cBhvr>
+                                      <p:to>
+                                        <p:strVal val="visible"/>
+                                      </p:to>
+                                    </p:set>
+                                  </p:childTnLst>
+                                </p:cTn>
+                              </p:par>
+                            </p:childTnLst>
+                          </p:cTn>
+                        </p:par>
+                      </p:childTnLst>
+                    </p:cTn>
+                  </p:par>
+                  <p:par>
+                    <p:cTn id="35" fill="hold">
+                      <p:stCondLst>
+                        <p:cond delay="indefinite"/>
+                      </p:stCondLst>
+                      <p:childTnLst>
+                        <p:par>
+                          <p:cTn id="36" fill="hold">
+                            <p:stCondLst>
+                              <p:cond delay="0"/>
+                            </p:stCondLst>
+                            <p:childTnLst>
+                              <p:par>
+                                <p:cTn id="37" presetID="1" presetClass="entr" presetSubtype="0" fill="hold" nodeType="clickEffect">
+                                  <p:stCondLst>
+                                    <p:cond delay="0"/>
+                                  </p:stCondLst>
+                                  <p:childTnLst>
+                                    <p:set>
+                                      <p:cBhvr>
+                                        <p:cTn id="38" dur="1" fill="hold">
+                                          <p:stCondLst>
+                                            <p:cond delay="0"/>
+                                          </p:stCondLst>
+                                        </p:cTn>
+                                        <p:tgtEl>
+                                          <p:spTgt spid="4">
+                                            <p:txEl>
+                                              <p:pRg st="8" end="8"/>
+                                            </p:txEl>
+                                          </p:spTgt>
+                                        </p:tgtEl>
+                                        <p:attrNameLst>
+                                          <p:attrName>style.visibility</p:attrName>
+                                        </p:attrNameLst>
+                                      </p:cBhvr>
+                                      <p:to>
+                                        <p:strVal val="visible"/>
+                                      </p:to>
+                                    </p:set>
+                                  </p:childTnLst>
+                                </p:cTn>
+                              </p:par>
+                            </p:childTnLst>
+                          </p:cTn>
+                        </p:par>
+                      </p:childTnLst>
+                    </p:cTn>
+                  </p:par>
+                  <p:par>
+                    <p:cTn id="39" fill="hold">
+                      <p:stCondLst>
+                        <p:cond delay="indefinite"/>
+                      </p:stCondLst>
+                      <p:childTnLst>
+                        <p:par>
+                          <p:cTn id="40" fill="hold">
+                            <p:stCondLst>
+                              <p:cond delay="0"/>
+                            </p:stCondLst>
+                            <p:childTnLst>
+                              <p:par>
+                                <p:cTn id="41" presetID="1" presetClass="entr" presetSubtype="0" fill="hold" nodeType="clickEffect">
+                                  <p:stCondLst>
+                                    <p:cond delay="0"/>
+                                  </p:stCondLst>
+                                  <p:childTnLst>
+                                    <p:set>
+                                      <p:cBhvr>
+                                        <p:cTn id="42" dur="1" fill="hold">
+                                          <p:stCondLst>
+                                            <p:cond delay="0"/>
+                                          </p:stCondLst>
+                                        </p:cTn>
+                                        <p:tgtEl>
+                                          <p:spTgt spid="4">
+                                            <p:txEl>
+                                              <p:pRg st="9" end="9"/>
+                                            </p:txEl>
+                                          </p:spTgt>
+                                        </p:tgtEl>
+                                        <p:attrNameLst>
+                                          <p:attrName>style.visibility</p:attrName>
+                                        </p:attrNameLst>
+                                      </p:cBhvr>
+                                      <p:to>
+                                        <p:strVal val="visible"/>
+                                      </p:to>
+                                    </p:set>
+                                  </p:childTnLst>
+                                </p:cTn>
+                              </p:par>
+                            </p:childTnLst>
+                          </p:cTn>
+                        </p:par>
+                      </p:childTnLst>
+                    </p:cTn>
+                  </p:par>
+                  <p:par>
+                    <p:cTn id="43" fill="hold">
+                      <p:stCondLst>
+                        <p:cond delay="indefinite"/>
+                      </p:stCondLst>
+                      <p:childTnLst>
+                        <p:par>
+                          <p:cTn id="44" fill="hold">
+                            <p:stCondLst>
+                              <p:cond delay="0"/>
+                            </p:stCondLst>
+                            <p:childTnLst>
+                              <p:par>
+                                <p:cTn id="45" presetID="1" presetClass="entr" presetSubtype="0" fill="hold" nodeType="clickEffect">
+                                  <p:stCondLst>
+                                    <p:cond delay="0"/>
+                                  </p:stCondLst>
+                                  <p:childTnLst>
+                                    <p:set>
+                                      <p:cBhvr>
+                                        <p:cTn id="46" dur="1" fill="hold">
+                                          <p:stCondLst>
+                                            <p:cond delay="0"/>
+                                          </p:stCondLst>
+                                        </p:cTn>
+                                        <p:tgtEl>
+                                          <p:spTgt spid="4">
+                                            <p:txEl>
+                                              <p:pRg st="10" end="10"/>
+                                            </p:txEl>
+                                          </p:spTgt>
+                                        </p:tgtEl>
+                                        <p:attrNameLst>
+                                          <p:attrName>style.visibility</p:attrName>
+                                        </p:attrNameLst>
+                                      </p:cBhvr>
+                                      <p:to>
+                                        <p:strVal val="visible"/>
+                                      </p:to>
+                                    </p:set>
+                                  </p:childTnLst>
+                                </p:cTn>
+                              </p:par>
+                            </p:childTnLst>
+                          </p:cTn>
+                        </p:par>
+                      </p:childTnLst>
+                    </p:cTn>
+                  </p:par>
+                  <p:par>
+                    <p:cTn id="47" fill="hold">
+                      <p:stCondLst>
+                        <p:cond delay="indefinite"/>
+                      </p:stCondLst>
+                      <p:childTnLst>
+                        <p:par>
+                          <p:cTn id="48" fill="hold">
+                            <p:stCondLst>
+                              <p:cond delay="0"/>
+                            </p:stCondLst>
+                            <p:childTnLst>
+                              <p:par>
+                                <p:cTn id="49" presetID="1" presetClass="entr" presetSubtype="0" fill="hold" nodeType="clickEffect">
+                                  <p:stCondLst>
+                                    <p:cond delay="0"/>
+                                  </p:stCondLst>
+                                  <p:childTnLst>
+                                    <p:set>
+                                      <p:cBhvr>
+                                        <p:cTn id="50" dur="1" fill="hold">
+                                          <p:stCondLst>
+                                            <p:cond delay="0"/>
+                                          </p:stCondLst>
+                                        </p:cTn>
+                                        <p:tgtEl>
+                                          <p:spTgt spid="4">
+                                            <p:txEl>
+                                              <p:pRg st="11" end="11"/>
+                                            </p:txEl>
+                                          </p:spTgt>
+                                        </p:tgtEl>
+                                        <p:attrNameLst>
+                                          <p:attrName>style.visibility</p:attrName>
+                                        </p:attrNameLst>
+                                      </p:cBhvr>
+                                      <p:to>
+                                        <p:strVal val="visible"/>
+                                      </p:to>
+                                    </p:set>
+                                  </p:childTnLst>
+                                </p:cTn>
+                              </p:par>
+                            </p:childTnLst>
+                          </p:cTn>
+                        </p:par>
+                      </p:childTnLst>
+                    </p:cTn>
+                  </p:par>
+                  <p:par>
+                    <p:cTn id="51" fill="hold">
+                      <p:stCondLst>
+                        <p:cond delay="indefinite"/>
+                      </p:stCondLst>
+                      <p:childTnLst>
+                        <p:par>
+                          <p:cTn id="52" fill="hold">
+                            <p:stCondLst>
+                              <p:cond delay="0"/>
+                            </p:stCondLst>
+                            <p:childTnLst>
+                              <p:par>
+                                <p:cTn id="53" presetID="1" presetClass="entr" presetSubtype="0" fill="hold" nodeType="clickEffect">
+                                  <p:stCondLst>
+                                    <p:cond delay="0"/>
+                                  </p:stCondLst>
+                                  <p:childTnLst>
+                                    <p:set>
+                                      <p:cBhvr>
+                                        <p:cTn id="54" dur="1" fill="hold">
+                                          <p:stCondLst>
+                                            <p:cond delay="0"/>
+                                          </p:stCondLst>
+                                        </p:cTn>
+                                        <p:tgtEl>
+                                          <p:spTgt spid="4">
+                                            <p:txEl>
+                                              <p:pRg st="12" end="12"/>
+                                            </p:txEl>
+                                          </p:spTgt>
+                                        </p:tgtEl>
+                                        <p:attrNameLst>
+                                          <p:attrName>style.visibility</p:attrName>
+                                        </p:attrNameLst>
+                                      </p:cBhvr>
+                                      <p:to>
+                                        <p:strVal val="visible"/>
+                                      </p:to>
+                                    </p:set>
+                                  </p:childTnLst>
+                                </p:cTn>
+                              </p:par>
+                            </p:childTnLst>
+                          </p:cTn>
+                        </p:par>
+                      </p:childTnLst>
+                    </p:cTn>
+                  </p:par>
+                  <p:par>
+                    <p:cTn id="55" fill="hold">
+                      <p:stCondLst>
+                        <p:cond delay="indefinite"/>
+                      </p:stCondLst>
+                      <p:childTnLst>
+                        <p:par>
+                          <p:cTn id="56" fill="hold">
+                            <p:stCondLst>
+                              <p:cond delay="0"/>
+                            </p:stCondLst>
+                            <p:childTnLst>
+                              <p:par>
+                                <p:cTn id="57" presetID="1" presetClass="entr" presetSubtype="0" fill="hold" nodeType="clickEffect">
+                                  <p:stCondLst>
+                                    <p:cond delay="0"/>
+                                  </p:stCondLst>
+                                  <p:childTnLst>
+                                    <p:set>
+                                      <p:cBhvr>
+                                        <p:cTn id="58" dur="1" fill="hold">
+                                          <p:stCondLst>
+                                            <p:cond delay="0"/>
+                                          </p:stCondLst>
+                                        </p:cTn>
+                                        <p:tgtEl>
+                                          <p:spTgt spid="4">
+                                            <p:txEl>
+                                              <p:pRg st="13" end="13"/>
+                                            </p:txEl>
+                                          </p:spTgt>
+                                        </p:tgtEl>
+                                        <p:attrNameLst>
+                                          <p:attrName>style.visibility</p:attrName>
+                                        </p:attrNameLst>
+                                      </p:cBhvr>
+                                      <p:to>
+                                        <p:strVal val="visible"/>
+                                      </p:to>
+                                    </p:set>
+                                  </p:childTnLst>
+                                </p:cTn>
+                              </p:par>
+                            </p:childTnLst>
+                          </p:cTn>
+                        </p:par>
+                      </p:childTnLst>
+                    </p:cTn>
+                  </p:par>
+                  <p:par>
+                    <p:cTn id="59" fill="hold">
+                      <p:stCondLst>
+                        <p:cond delay="indefinite"/>
+                      </p:stCondLst>
+                      <p:childTnLst>
+                        <p:par>
+                          <p:cTn id="60" fill="hold">
+                            <p:stCondLst>
+                              <p:cond delay="0"/>
+                            </p:stCondLst>
+                            <p:childTnLst>
+                              <p:par>
+                                <p:cTn id="61" presetID="1" presetClass="entr" presetSubtype="0" fill="hold" nodeType="clickEffect">
+                                  <p:stCondLst>
+                                    <p:cond delay="0"/>
+                                  </p:stCondLst>
+                                  <p:childTnLst>
+                                    <p:set>
+                                      <p:cBhvr>
+                                        <p:cTn id="62" dur="1" fill="hold">
+                                          <p:stCondLst>
+                                            <p:cond delay="0"/>
+                                          </p:stCondLst>
+                                        </p:cTn>
+                                        <p:tgtEl>
+                                          <p:spTgt spid="4">
+                                            <p:txEl>
+                                              <p:pRg st="14" end="14"/>
+                                            </p:txEl>
+                                          </p:spTgt>
+                                        </p:tgtEl>
+                                        <p:attrNameLst>
+                                          <p:attrName>style.visibility</p:attrName>
+                                        </p:attrNameLst>
+                                      </p:cBhvr>
+                                      <p:to>
+                                        <p:strVal val="visible"/>
+                                      </p:to>
+                                    </p:set>
+                                  </p:childTnLst>
+                                </p:cTn>
+                              </p:par>
+                            </p:childTnLst>
+                          </p:cTn>
+                        </p:par>
+                      </p:childTnLst>
+                    </p:cTn>
+                  </p:par>
+                  <p:par>
+                    <p:cTn id="63" fill="hold">
+                      <p:stCondLst>
+                        <p:cond delay="indefinite"/>
+                      </p:stCondLst>
+                      <p:childTnLst>
+                        <p:par>
+                          <p:cTn id="64" fill="hold">
+                            <p:stCondLst>
+                              <p:cond delay="0"/>
+                            </p:stCondLst>
+                            <p:childTnLst>
+                              <p:par>
+                                <p:cTn id="65" presetID="1" presetClass="entr" presetSubtype="0" fill="hold" nodeType="clickEffect">
+                                  <p:stCondLst>
+                                    <p:cond delay="0"/>
+                                  </p:stCondLst>
+                                  <p:childTnLst>
+                                    <p:set>
+                                      <p:cBhvr>
+                                        <p:cTn id="66" dur="1" fill="hold">
+                                          <p:stCondLst>
+                                            <p:cond delay="0"/>
+                                          </p:stCondLst>
+                                        </p:cTn>
+                                        <p:tgtEl>
+                                          <p:spTgt spid="4">
+                                            <p:txEl>
+                                              <p:pRg st="15" end="15"/>
+                                            </p:txEl>
+                                          </p:spTgt>
+                                        </p:tgtEl>
+                                        <p:attrNameLst>
+                                          <p:attrName>style.visibility</p:attrName>
+                                        </p:attrNameLst>
+                                      </p:cBhvr>
+                                      <p:to>
+                                        <p:strVal val="visible"/>
+                                      </p:to>
+                                    </p:set>
+                                  </p:childTnLst>
+                                </p:cTn>
+                              </p:par>
+                            </p:childTnLst>
+                          </p:cTn>
+                        </p:par>
+                      </p:childTnLst>
+                    </p:cTn>
+                  </p:par>
+                </p:childTnLst>
+              </p:cTn>
+              <p:prevCondLst>
+                <p:cond evt="onPrev" delay="0">
+                  <p:tgtEl>
+                    <p:sldTgt/>
+                  </p:tgtEl>
+                </p:cond>
+              </p:prevCondLst>
+              <p:nextCondLst>
+                <p:cond evt="onNext" delay="0">
+                  <p:tgtEl>
+                    <p:sldTgt/>
+                  </p:tgtEl>
+                </p:cond>
+              </p:nextCondLst>
+            </p:seq>
+          </p:childTnLst>
+        </p:cTn>
+      </p:par>
+    </p:tnLst>
+  </p:timing>
+</p:sld>
+</file>
+
+<file path=ppt/slides/slide34.xml><?xml version="1.0" encoding="utf-8"?>
+<p:sld xmlns:a="http://schemas.openxmlformats.org/drawingml/2006/main" xmlns:r="http://schemas.openxmlformats.org/officeDocument/2006/relationships" xmlns:p="http://schemas.openxmlformats.org/presentationml/2006/main">
+  <p:cSld>
+    <p:spTree>
+      <p:nvGrpSpPr>
+        <p:cNvPr id="1" name="">
+          <a:extLst>
+            <a:ext uri="{FF2B5EF4-FFF2-40B4-BE49-F238E27FC236}">
+              <a16:creationId xmlns:a16="http://schemas.microsoft.com/office/drawing/2014/main" id="{A046F847-423D-6527-8E05-2776E8F149E0}"/>
+            </a:ext>
+          </a:extLst>
+        </p:cNvPr>
+        <p:cNvGrpSpPr/>
+        <p:nvPr/>
+      </p:nvGrpSpPr>
+      <p:grpSpPr>
+        <a:xfrm>
+          <a:off x="0" y="0"/>
+          <a:ext cx="0" cy="0"/>
+          <a:chOff x="0" y="0"/>
+          <a:chExt cx="0" cy="0"/>
+        </a:xfrm>
+      </p:grpSpPr>
+      <p:sp>
+        <p:nvSpPr>
+          <p:cNvPr id="3" name="Subtitle 2">
+            <a:extLst>
+              <a:ext uri="{FF2B5EF4-FFF2-40B4-BE49-F238E27FC236}">
+                <a16:creationId xmlns:a16="http://schemas.microsoft.com/office/drawing/2014/main" id="{7093E7F6-C197-EC01-C5E4-B74C2EE23A48}"/>
+              </a:ext>
+            </a:extLst>
+          </p:cNvPr>
+          <p:cNvSpPr>
+            <a:spLocks noGrp="1"/>
+          </p:cNvSpPr>
+          <p:nvPr>
+            <p:ph type="subTitle" idx="1"/>
+          </p:nvPr>
+        </p:nvSpPr>
+        <p:spPr>
+          <a:xfrm>
+            <a:off x="152399" y="217488"/>
+            <a:ext cx="11223171" cy="303212"/>
+          </a:xfrm>
+        </p:spPr>
+        <p:txBody>
+          <a:bodyPr>
+            <a:normAutofit fontScale="92500" lnSpcReduction="20000"/>
+          </a:bodyPr>
+          <a:lstStyle/>
+          <a:p>
+            <a:r>
+              <a:rPr lang="en-US" sz="1800" b="1"/>
+              <a:t>Chapter 9 – Collections and Generics</a:t>
+            </a:r>
+          </a:p>
+        </p:txBody>
+      </p:sp>
+      <p:sp>
+        <p:nvSpPr>
+          <p:cNvPr id="4" name="Subtitle 2">
+            <a:extLst>
+              <a:ext uri="{FF2B5EF4-FFF2-40B4-BE49-F238E27FC236}">
+                <a16:creationId xmlns:a16="http://schemas.microsoft.com/office/drawing/2014/main" id="{371BE546-EB47-6F81-CEE0-1F5DC6409C69}"/>
+              </a:ext>
+            </a:extLst>
+          </p:cNvPr>
+          <p:cNvSpPr txBox="1">
+            <a:spLocks/>
+          </p:cNvSpPr>
+          <p:nvPr/>
+        </p:nvSpPr>
+        <p:spPr>
+          <a:xfrm>
+            <a:off x="0" y="820738"/>
+            <a:ext cx="12192000" cy="6037262"/>
+          </a:xfrm>
+          <a:prstGeom prst="rect">
+            <a:avLst/>
+          </a:prstGeom>
+        </p:spPr>
+        <p:txBody>
+          <a:bodyPr vert="horz" lIns="91440" tIns="45720" rIns="91440" bIns="45720" rtlCol="0">
+            <a:normAutofit/>
+          </a:bodyPr>
+          <a:lstStyle>
+            <a:lvl1pPr marL="0" indent="0" algn="ctr" defTabSz="914400" rtl="0" eaLnBrk="1" latinLnBrk="0" hangingPunct="1">
+              <a:lnSpc>
+                <a:spcPct val="90000"/>
+              </a:lnSpc>
+              <a:spcBef>
+                <a:spcPts val="1000"/>
+              </a:spcBef>
+              <a:buFont typeface="Arial" panose="020B0604020202020204" pitchFamily="34" charset="0"/>
+              <a:buNone/>
+              <a:defRPr sz="2400" kern="1200">
+                <a:solidFill>
+                  <a:schemeClr val="tx1"/>
+                </a:solidFill>
+                <a:latin typeface="+mn-lt"/>
+                <a:ea typeface="+mn-ea"/>
+                <a:cs typeface="+mn-cs"/>
+              </a:defRPr>
+            </a:lvl1pPr>
+            <a:lvl2pPr marL="457200" indent="0" algn="ctr" defTabSz="914400" rtl="0" eaLnBrk="1" latinLnBrk="0" hangingPunct="1">
+              <a:lnSpc>
+                <a:spcPct val="90000"/>
+              </a:lnSpc>
+              <a:spcBef>
+                <a:spcPts val="500"/>
+              </a:spcBef>
+              <a:buFont typeface="Arial" panose="020B0604020202020204" pitchFamily="34" charset="0"/>
+              <a:buNone/>
+              <a:defRPr sz="2000" kern="1200">
+                <a:solidFill>
+                  <a:schemeClr val="tx1"/>
+                </a:solidFill>
+                <a:latin typeface="+mn-lt"/>
+                <a:ea typeface="+mn-ea"/>
+                <a:cs typeface="+mn-cs"/>
+              </a:defRPr>
+            </a:lvl2pPr>
+            <a:lvl3pPr marL="914400" indent="0" algn="ctr" defTabSz="914400" rtl="0" eaLnBrk="1" latinLnBrk="0" hangingPunct="1">
+              <a:lnSpc>
+                <a:spcPct val="90000"/>
+              </a:lnSpc>
+              <a:spcBef>
+                <a:spcPts val="500"/>
+              </a:spcBef>
+              <a:buFont typeface="Arial" panose="020B0604020202020204" pitchFamily="34" charset="0"/>
+              <a:buNone/>
+              <a:defRPr sz="1800" kern="1200">
+                <a:solidFill>
+                  <a:schemeClr val="tx1"/>
+                </a:solidFill>
+                <a:latin typeface="+mn-lt"/>
+                <a:ea typeface="+mn-ea"/>
+                <a:cs typeface="+mn-cs"/>
+              </a:defRPr>
+            </a:lvl3pPr>
+            <a:lvl4pPr marL="1371600" indent="0" algn="ctr" defTabSz="914400" rtl="0" eaLnBrk="1" latinLnBrk="0" hangingPunct="1">
+              <a:lnSpc>
+                <a:spcPct val="90000"/>
+              </a:lnSpc>
+              <a:spcBef>
+                <a:spcPts val="500"/>
+              </a:spcBef>
+              <a:buFont typeface="Arial" panose="020B0604020202020204" pitchFamily="34" charset="0"/>
+              <a:buNone/>
+              <a:defRPr sz="1600" kern="1200">
+                <a:solidFill>
+                  <a:schemeClr val="tx1"/>
+                </a:solidFill>
+                <a:latin typeface="+mn-lt"/>
+                <a:ea typeface="+mn-ea"/>
+                <a:cs typeface="+mn-cs"/>
+              </a:defRPr>
+            </a:lvl4pPr>
+            <a:lvl5pPr marL="1828800" indent="0" algn="ctr" defTabSz="914400" rtl="0" eaLnBrk="1" latinLnBrk="0" hangingPunct="1">
+              <a:lnSpc>
+                <a:spcPct val="90000"/>
+              </a:lnSpc>
+              <a:spcBef>
+                <a:spcPts val="500"/>
+              </a:spcBef>
+              <a:buFont typeface="Arial" panose="020B0604020202020204" pitchFamily="34" charset="0"/>
+              <a:buNone/>
+              <a:defRPr sz="1600" kern="1200">
+                <a:solidFill>
+                  <a:schemeClr val="tx1"/>
+                </a:solidFill>
+                <a:latin typeface="+mn-lt"/>
+                <a:ea typeface="+mn-ea"/>
+                <a:cs typeface="+mn-cs"/>
+              </a:defRPr>
+            </a:lvl5pPr>
+            <a:lvl6pPr marL="2286000" indent="0" algn="ctr" defTabSz="914400" rtl="0" eaLnBrk="1" latinLnBrk="0" hangingPunct="1">
+              <a:lnSpc>
+                <a:spcPct val="90000"/>
+              </a:lnSpc>
+              <a:spcBef>
+                <a:spcPts val="500"/>
+              </a:spcBef>
+              <a:buFont typeface="Arial" panose="020B0604020202020204" pitchFamily="34" charset="0"/>
+              <a:buNone/>
+              <a:defRPr sz="1600" kern="1200">
+                <a:solidFill>
+                  <a:schemeClr val="tx1"/>
+                </a:solidFill>
+                <a:latin typeface="+mn-lt"/>
+                <a:ea typeface="+mn-ea"/>
+                <a:cs typeface="+mn-cs"/>
+              </a:defRPr>
+            </a:lvl6pPr>
+            <a:lvl7pPr marL="2743200" indent="0" algn="ctr" defTabSz="914400" rtl="0" eaLnBrk="1" latinLnBrk="0" hangingPunct="1">
+              <a:lnSpc>
+                <a:spcPct val="90000"/>
+              </a:lnSpc>
+              <a:spcBef>
+                <a:spcPts val="500"/>
+              </a:spcBef>
+              <a:buFont typeface="Arial" panose="020B0604020202020204" pitchFamily="34" charset="0"/>
+              <a:buNone/>
+              <a:defRPr sz="1600" kern="1200">
+                <a:solidFill>
+                  <a:schemeClr val="tx1"/>
+                </a:solidFill>
+                <a:latin typeface="+mn-lt"/>
+                <a:ea typeface="+mn-ea"/>
+                <a:cs typeface="+mn-cs"/>
+              </a:defRPr>
+            </a:lvl7pPr>
+            <a:lvl8pPr marL="3200400" indent="0" algn="ctr" defTabSz="914400" rtl="0" eaLnBrk="1" latinLnBrk="0" hangingPunct="1">
+              <a:lnSpc>
+                <a:spcPct val="90000"/>
+              </a:lnSpc>
+              <a:spcBef>
+                <a:spcPts val="500"/>
+              </a:spcBef>
+              <a:buFont typeface="Arial" panose="020B0604020202020204" pitchFamily="34" charset="0"/>
+              <a:buNone/>
+              <a:defRPr sz="1600" kern="1200">
+                <a:solidFill>
+                  <a:schemeClr val="tx1"/>
+                </a:solidFill>
+                <a:latin typeface="+mn-lt"/>
+                <a:ea typeface="+mn-ea"/>
+                <a:cs typeface="+mn-cs"/>
+              </a:defRPr>
+            </a:lvl8pPr>
+            <a:lvl9pPr marL="3657600" indent="0" algn="ctr" defTabSz="914400" rtl="0" eaLnBrk="1" latinLnBrk="0" hangingPunct="1">
+              <a:lnSpc>
+                <a:spcPct val="90000"/>
+              </a:lnSpc>
+              <a:spcBef>
+                <a:spcPts val="500"/>
+              </a:spcBef>
+              <a:buFont typeface="Arial" panose="020B0604020202020204" pitchFamily="34" charset="0"/>
+              <a:buNone/>
+              <a:defRPr sz="1600" kern="1200">
+                <a:solidFill>
+                  <a:schemeClr val="tx1"/>
+                </a:solidFill>
+                <a:latin typeface="+mn-lt"/>
+                <a:ea typeface="+mn-ea"/>
+                <a:cs typeface="+mn-cs"/>
+              </a:defRPr>
+            </a:lvl9pPr>
+          </a:lstStyle>
+          <a:p>
+            <a:pPr algn="l"/>
+            <a:r>
+              <a:rPr lang="en-US" sz="1800">
+                <a:sym typeface="Wingdings" pitchFamily="2" charset="2"/>
+              </a:rPr>
+              <a:t>(code illustration snippet 58)</a:t>
+            </a:r>
+          </a:p>
+          <a:p>
+            <a:pPr algn="l"/>
+            <a:r>
+              <a:rPr lang="en-US" sz="1800">
+                <a:sym typeface="Wingdings" pitchFamily="2" charset="2"/>
+              </a:rPr>
+              <a:t>- We can ... another type for ....</a:t>
+            </a:r>
+          </a:p>
+          <a:p>
+            <a:pPr algn="l"/>
+            <a:r>
+              <a:rPr lang="en-US" sz="1800">
+                <a:sym typeface="Wingdings" pitchFamily="2" charset="2"/>
+              </a:rPr>
+              <a:t>(code illustration snippet 59)</a:t>
+            </a:r>
+          </a:p>
+          <a:p>
+            <a:pPr algn="l"/>
+            <a:r>
+              <a:rPr lang="en-US" sz="1800">
+                <a:sym typeface="Wingdings" pitchFamily="2" charset="2"/>
+              </a:rPr>
+              <a:t>- Generic is useful because ... each other ...</a:t>
+            </a:r>
+          </a:p>
+          <a:p>
+            <a:pPr algn="l"/>
+            <a:r>
+              <a:rPr lang="en-US" sz="1800">
+                <a:sym typeface="Wingdings" pitchFamily="2" charset="2"/>
+              </a:rPr>
+              <a:t>(code illustration snippet 60)</a:t>
+            </a:r>
+          </a:p>
+          <a:p>
+            <a:pPr algn="l"/>
+            <a:r>
+              <a:rPr lang="en-US" sz="1800">
+                <a:sym typeface="Wingdings" pitchFamily="2" charset="2"/>
+              </a:rPr>
+              <a:t>- If we dont have generic, we have to ... cast ... then ...</a:t>
+            </a:r>
+          </a:p>
+          <a:p>
+            <a:pPr algn="l"/>
+            <a:r>
+              <a:rPr lang="en-US" sz="1800">
+                <a:sym typeface="Wingdings" pitchFamily="2" charset="2"/>
+              </a:rPr>
+              <a:t>– Moreover, 2 ... not ... each other, which mean, no ... is required for them to ...</a:t>
+            </a:r>
+          </a:p>
+          <a:p>
+            <a:pPr algn="l"/>
+            <a:r>
+              <a:rPr lang="en-US" sz="1800">
+                <a:sym typeface="Wingdings" pitchFamily="2" charset="2"/>
+              </a:rPr>
+              <a:t>- Generic isn't usually ... and it is usually used in ... Some exemplary example of ... is ...</a:t>
+            </a:r>
+          </a:p>
+          <a:p>
+            <a:pPr algn="l"/>
+            <a:r>
+              <a:rPr lang="en-US" sz="1800">
+                <a:sym typeface="Wingdings" pitchFamily="2" charset="2"/>
+              </a:rPr>
+              <a:t>- Generic doesn't ... limit ...</a:t>
+            </a:r>
+          </a:p>
+          <a:p>
+            <a:pPr algn="l"/>
+            <a:r>
+              <a:rPr lang="en-US" sz="1800">
+                <a:sym typeface="Wingdings" pitchFamily="2" charset="2"/>
+              </a:rPr>
+              <a:t>(code illustration snippet 61)</a:t>
+            </a:r>
+          </a:p>
+          <a:p>
+            <a:pPr algn="l"/>
+            <a:r>
+              <a:rPr lang="en-US" sz="1800" b="1">
+                <a:sym typeface="Wingdings" pitchFamily="2" charset="2"/>
+              </a:rPr>
+              <a:t>Understanding Type Erasure</a:t>
+            </a:r>
+          </a:p>
+          <a:p>
+            <a:pPr algn="l"/>
+            <a:r>
+              <a:rPr lang="en-US" sz="1800">
+                <a:sym typeface="Wingdings" pitchFamily="2" charset="2"/>
+              </a:rPr>
+              <a:t>- Specifying the ... class will enforce ... which type at ... For example, we ... Robot in ... class is just like replacing ...</a:t>
+            </a:r>
+          </a:p>
+          <a:p>
+            <a:pPr algn="l"/>
+            <a:r>
+              <a:rPr lang="en-US" sz="1800">
+                <a:sym typeface="Wingdings" pitchFamily="2" charset="2"/>
+              </a:rPr>
+              <a:t>- However, this is just at ... time</a:t>
+            </a:r>
+          </a:p>
+          <a:p>
+            <a:pPr algn="l"/>
+            <a:endParaRPr lang="en-US" sz="1800">
+              <a:sym typeface="Wingdings" pitchFamily="2" charset="2"/>
+            </a:endParaRPr>
+          </a:p>
+        </p:txBody>
+      </p:sp>
+    </p:spTree>
+    <p:extLst>
+      <p:ext uri="{BB962C8B-B14F-4D97-AF65-F5344CB8AC3E}">
+        <p14:creationId xmlns:p14="http://schemas.microsoft.com/office/powerpoint/2010/main" val="454104756"/>
+      </p:ext>
+    </p:extLst>
+  </p:cSld>
+  <p:clrMapOvr>
+    <a:masterClrMapping/>
+  </p:clrMapOvr>
+  <p:timing>
+    <p:tnLst>
+      <p:par>
+        <p:cTn id="1" dur="indefinite" restart="never" nodeType="tmRoot">
+          <p:childTnLst>
+            <p:seq concurrent="1" nextAc="seek">
+              <p:cTn id="2" dur="indefinite" nodeType="mainSeq">
+                <p:childTnLst>
+                  <p:par>
+                    <p:cTn id="3" fill="hold">
+                      <p:stCondLst>
+                        <p:cond delay="indefinite"/>
+                      </p:stCondLst>
+                      <p:childTnLst>
+                        <p:par>
+                          <p:cTn id="4" fill="hold">
+                            <p:stCondLst>
+                              <p:cond delay="0"/>
+                            </p:stCondLst>
+                            <p:childTnLst>
+                              <p:par>
+                                <p:cTn id="5" presetID="1" presetClass="entr" presetSubtype="0" fill="hold" nodeType="clickEffect">
+                                  <p:stCondLst>
+                                    <p:cond delay="0"/>
+                                  </p:stCondLst>
+                                  <p:childTnLst>
+                                    <p:set>
+                                      <p:cBhvr>
+                                        <p:cTn id="6" dur="1" fill="hold">
+                                          <p:stCondLst>
+                                            <p:cond delay="0"/>
+                                          </p:stCondLst>
+                                        </p:cTn>
+                                        <p:tgtEl>
+                                          <p:spTgt spid="4">
+                                            <p:txEl>
+                                              <p:pRg st="0" end="0"/>
+                                            </p:txEl>
+                                          </p:spTgt>
+                                        </p:tgtEl>
+                                        <p:attrNameLst>
+                                          <p:attrName>style.visibility</p:attrName>
+                                        </p:attrNameLst>
+                                      </p:cBhvr>
+                                      <p:to>
+                                        <p:strVal val="visible"/>
+                                      </p:to>
+                                    </p:set>
+                                  </p:childTnLst>
+                                </p:cTn>
+                              </p:par>
+                            </p:childTnLst>
+                          </p:cTn>
+                        </p:par>
+                      </p:childTnLst>
+                    </p:cTn>
+                  </p:par>
+                  <p:par>
+                    <p:cTn id="7" fill="hold">
+                      <p:stCondLst>
+                        <p:cond delay="indefinite"/>
+                      </p:stCondLst>
+                      <p:childTnLst>
+                        <p:par>
+                          <p:cTn id="8" fill="hold">
+                            <p:stCondLst>
+                              <p:cond delay="0"/>
+                            </p:stCondLst>
+                            <p:childTnLst>
+                              <p:par>
+                                <p:cTn id="9" presetID="1" presetClass="entr" presetSubtype="0" fill="hold" nodeType="clickEffect">
+                                  <p:stCondLst>
+                                    <p:cond delay="0"/>
+                                  </p:stCondLst>
+                                  <p:childTnLst>
+                                    <p:set>
+                                      <p:cBhvr>
+                                        <p:cTn id="10" dur="1" fill="hold">
+                                          <p:stCondLst>
+                                            <p:cond delay="0"/>
+                                          </p:stCondLst>
+                                        </p:cTn>
+                                        <p:tgtEl>
+                                          <p:spTgt spid="4">
+                                            <p:txEl>
+                                              <p:pRg st="1" end="1"/>
+                                            </p:txEl>
+                                          </p:spTgt>
+                                        </p:tgtEl>
+                                        <p:attrNameLst>
+                                          <p:attrName>style.visibility</p:attrName>
+                                        </p:attrNameLst>
+                                      </p:cBhvr>
+                                      <p:to>
+                                        <p:strVal val="visible"/>
+                                      </p:to>
+                                    </p:set>
+                                  </p:childTnLst>
+                                </p:cTn>
+                              </p:par>
+                            </p:childTnLst>
+                          </p:cTn>
+                        </p:par>
+                      </p:childTnLst>
+                    </p:cTn>
+                  </p:par>
+                  <p:par>
+                    <p:cTn id="11" fill="hold">
+                      <p:stCondLst>
+                        <p:cond delay="indefinite"/>
+                      </p:stCondLst>
+                      <p:childTnLst>
+                        <p:par>
+                          <p:cTn id="12" fill="hold">
+                            <p:stCondLst>
+                              <p:cond delay="0"/>
+                            </p:stCondLst>
+                            <p:childTnLst>
+                              <p:par>
+                                <p:cTn id="13" presetID="1" presetClass="entr" presetSubtype="0" fill="hold" nodeType="clickEffect">
+                                  <p:stCondLst>
+                                    <p:cond delay="0"/>
+                                  </p:stCondLst>
+                                  <p:childTnLst>
+                                    <p:set>
+                                      <p:cBhvr>
+                                        <p:cTn id="14" dur="1" fill="hold">
+                                          <p:stCondLst>
+                                            <p:cond delay="0"/>
+                                          </p:stCondLst>
+                                        </p:cTn>
+                                        <p:tgtEl>
+                                          <p:spTgt spid="4">
+                                            <p:txEl>
+                                              <p:pRg st="2" end="2"/>
+                                            </p:txEl>
+                                          </p:spTgt>
+                                        </p:tgtEl>
+                                        <p:attrNameLst>
+                                          <p:attrName>style.visibility</p:attrName>
+                                        </p:attrNameLst>
+                                      </p:cBhvr>
+                                      <p:to>
+                                        <p:strVal val="visible"/>
+                                      </p:to>
+                                    </p:set>
+                                  </p:childTnLst>
+                                </p:cTn>
+                              </p:par>
+                            </p:childTnLst>
+                          </p:cTn>
+                        </p:par>
+                      </p:childTnLst>
+                    </p:cTn>
+                  </p:par>
+                  <p:par>
+                    <p:cTn id="15" fill="hold">
+                      <p:stCondLst>
+                        <p:cond delay="indefinite"/>
+                      </p:stCondLst>
+                      <p:childTnLst>
+                        <p:par>
+                          <p:cTn id="16" fill="hold">
+                            <p:stCondLst>
+                              <p:cond delay="0"/>
+                            </p:stCondLst>
+                            <p:childTnLst>
+                              <p:par>
+                                <p:cTn id="17" presetID="1" presetClass="entr" presetSubtype="0" fill="hold" nodeType="clickEffect">
+                                  <p:stCondLst>
+                                    <p:cond delay="0"/>
+                                  </p:stCondLst>
+                                  <p:childTnLst>
+                                    <p:set>
+                                      <p:cBhvr>
+                                        <p:cTn id="18" dur="1" fill="hold">
+                                          <p:stCondLst>
+                                            <p:cond delay="0"/>
+                                          </p:stCondLst>
+                                        </p:cTn>
+                                        <p:tgtEl>
+                                          <p:spTgt spid="4">
+                                            <p:txEl>
+                                              <p:pRg st="3" end="3"/>
+                                            </p:txEl>
+                                          </p:spTgt>
+                                        </p:tgtEl>
+                                        <p:attrNameLst>
+                                          <p:attrName>style.visibility</p:attrName>
+                                        </p:attrNameLst>
+                                      </p:cBhvr>
+                                      <p:to>
+                                        <p:strVal val="visible"/>
+                                      </p:to>
+                                    </p:set>
+                                  </p:childTnLst>
+                                </p:cTn>
+                              </p:par>
+                            </p:childTnLst>
+                          </p:cTn>
+                        </p:par>
+                      </p:childTnLst>
+                    </p:cTn>
+                  </p:par>
+                  <p:par>
+                    <p:cTn id="19" fill="hold">
+                      <p:stCondLst>
+                        <p:cond delay="indefinite"/>
+                      </p:stCondLst>
+                      <p:childTnLst>
+                        <p:par>
+                          <p:cTn id="20" fill="hold">
+                            <p:stCondLst>
+                              <p:cond delay="0"/>
+                            </p:stCondLst>
+                            <p:childTnLst>
+                              <p:par>
+                                <p:cTn id="21" presetID="1" presetClass="entr" presetSubtype="0" fill="hold" nodeType="clickEffect">
+                                  <p:stCondLst>
+                                    <p:cond delay="0"/>
+                                  </p:stCondLst>
+                                  <p:childTnLst>
+                                    <p:set>
+                                      <p:cBhvr>
+                                        <p:cTn id="22" dur="1" fill="hold">
+                                          <p:stCondLst>
+                                            <p:cond delay="0"/>
+                                          </p:stCondLst>
+                                        </p:cTn>
+                                        <p:tgtEl>
+                                          <p:spTgt spid="4">
+                                            <p:txEl>
+                                              <p:pRg st="4" end="4"/>
+                                            </p:txEl>
+                                          </p:spTgt>
+                                        </p:tgtEl>
+                                        <p:attrNameLst>
+                                          <p:attrName>style.visibility</p:attrName>
+                                        </p:attrNameLst>
+                                      </p:cBhvr>
+                                      <p:to>
+                                        <p:strVal val="visible"/>
+                                      </p:to>
+                                    </p:set>
+                                  </p:childTnLst>
+                                </p:cTn>
+                              </p:par>
+                            </p:childTnLst>
+                          </p:cTn>
+                        </p:par>
+                      </p:childTnLst>
+                    </p:cTn>
+                  </p:par>
+                  <p:par>
+                    <p:cTn id="23" fill="hold">
+                      <p:stCondLst>
+                        <p:cond delay="indefinite"/>
+                      </p:stCondLst>
+                      <p:childTnLst>
+                        <p:par>
+                          <p:cTn id="24" fill="hold">
+                            <p:stCondLst>
+                              <p:cond delay="0"/>
+                            </p:stCondLst>
+                            <p:childTnLst>
+                              <p:par>
+                                <p:cTn id="25" presetID="1" presetClass="entr" presetSubtype="0" fill="hold" nodeType="clickEffect">
+                                  <p:stCondLst>
+                                    <p:cond delay="0"/>
+                                  </p:stCondLst>
+                                  <p:childTnLst>
+                                    <p:set>
+                                      <p:cBhvr>
+                                        <p:cTn id="26" dur="1" fill="hold">
+                                          <p:stCondLst>
+                                            <p:cond delay="0"/>
+                                          </p:stCondLst>
+                                        </p:cTn>
+                                        <p:tgtEl>
+                                          <p:spTgt spid="4">
+                                            <p:txEl>
+                                              <p:pRg st="5" end="5"/>
+                                            </p:txEl>
+                                          </p:spTgt>
+                                        </p:tgtEl>
+                                        <p:attrNameLst>
+                                          <p:attrName>style.visibility</p:attrName>
+                                        </p:attrNameLst>
+                                      </p:cBhvr>
+                                      <p:to>
+                                        <p:strVal val="visible"/>
+                                      </p:to>
+                                    </p:set>
+                                  </p:childTnLst>
+                                </p:cTn>
+                              </p:par>
+                            </p:childTnLst>
+                          </p:cTn>
+                        </p:par>
+                      </p:childTnLst>
+                    </p:cTn>
+                  </p:par>
+                  <p:par>
+                    <p:cTn id="27" fill="hold">
+                      <p:stCondLst>
+                        <p:cond delay="indefinite"/>
+                      </p:stCondLst>
+                      <p:childTnLst>
+                        <p:par>
+                          <p:cTn id="28" fill="hold">
+                            <p:stCondLst>
+                              <p:cond delay="0"/>
+                            </p:stCondLst>
+                            <p:childTnLst>
+                              <p:par>
+                                <p:cTn id="29" presetID="1" presetClass="entr" presetSubtype="0" fill="hold" nodeType="clickEffect">
+                                  <p:stCondLst>
+                                    <p:cond delay="0"/>
+                                  </p:stCondLst>
+                                  <p:childTnLst>
+                                    <p:set>
+                                      <p:cBhvr>
+                                        <p:cTn id="30" dur="1" fill="hold">
+                                          <p:stCondLst>
+                                            <p:cond delay="0"/>
+                                          </p:stCondLst>
+                                        </p:cTn>
+                                        <p:tgtEl>
+                                          <p:spTgt spid="4">
+                                            <p:txEl>
+                                              <p:pRg st="6" end="6"/>
+                                            </p:txEl>
+                                          </p:spTgt>
+                                        </p:tgtEl>
+                                        <p:attrNameLst>
+                                          <p:attrName>style.visibility</p:attrName>
+                                        </p:attrNameLst>
+                                      </p:cBhvr>
+                                      <p:to>
+                                        <p:strVal val="visible"/>
+                                      </p:to>
+                                    </p:set>
+                                  </p:childTnLst>
+                                </p:cTn>
+                              </p:par>
+                            </p:childTnLst>
+                          </p:cTn>
+                        </p:par>
+                      </p:childTnLst>
+                    </p:cTn>
+                  </p:par>
+                  <p:par>
+                    <p:cTn id="31" fill="hold">
+                      <p:stCondLst>
+                        <p:cond delay="indefinite"/>
+                      </p:stCondLst>
+                      <p:childTnLst>
+                        <p:par>
+                          <p:cTn id="32" fill="hold">
+                            <p:stCondLst>
+                              <p:cond delay="0"/>
+                            </p:stCondLst>
+                            <p:childTnLst>
+                              <p:par>
+                                <p:cTn id="33" presetID="1" presetClass="entr" presetSubtype="0" fill="hold" nodeType="clickEffect">
+                                  <p:stCondLst>
+                                    <p:cond delay="0"/>
+                                  </p:stCondLst>
+                                  <p:childTnLst>
+                                    <p:set>
+                                      <p:cBhvr>
+                                        <p:cTn id="34" dur="1" fill="hold">
+                                          <p:stCondLst>
+                                            <p:cond delay="0"/>
+                                          </p:stCondLst>
+                                        </p:cTn>
+                                        <p:tgtEl>
+                                          <p:spTgt spid="4">
+                                            <p:txEl>
+                                              <p:pRg st="7" end="7"/>
+                                            </p:txEl>
+                                          </p:spTgt>
+                                        </p:tgtEl>
+                                        <p:attrNameLst>
+                                          <p:attrName>style.visibility</p:attrName>
+                                        </p:attrNameLst>
+                                      </p:cBhvr>
+                                      <p:to>
+                                        <p:strVal val="visible"/>
+                                      </p:to>
+                                    </p:set>
+                                  </p:childTnLst>
+                                </p:cTn>
+                              </p:par>
+                            </p:childTnLst>
+                          </p:cTn>
+                        </p:par>
+                      </p:childTnLst>
+                    </p:cTn>
+                  </p:par>
+                  <p:par>
+                    <p:cTn id="35" fill="hold">
+                      <p:stCondLst>
+                        <p:cond delay="indefinite"/>
+                      </p:stCondLst>
+                      <p:childTnLst>
+                        <p:par>
+                          <p:cTn id="36" fill="hold">
+                            <p:stCondLst>
+                              <p:cond delay="0"/>
+                            </p:stCondLst>
+                            <p:childTnLst>
+                              <p:par>
+                                <p:cTn id="37" presetID="1" presetClass="entr" presetSubtype="0" fill="hold" nodeType="clickEffect">
+                                  <p:stCondLst>
+                                    <p:cond delay="0"/>
+                                  </p:stCondLst>
+                                  <p:childTnLst>
+                                    <p:set>
+                                      <p:cBhvr>
+                                        <p:cTn id="38" dur="1" fill="hold">
+                                          <p:stCondLst>
+                                            <p:cond delay="0"/>
+                                          </p:stCondLst>
+                                        </p:cTn>
+                                        <p:tgtEl>
+                                          <p:spTgt spid="4">
+                                            <p:txEl>
+                                              <p:pRg st="8" end="8"/>
+                                            </p:txEl>
+                                          </p:spTgt>
+                                        </p:tgtEl>
+                                        <p:attrNameLst>
+                                          <p:attrName>style.visibility</p:attrName>
+                                        </p:attrNameLst>
+                                      </p:cBhvr>
+                                      <p:to>
+                                        <p:strVal val="visible"/>
+                                      </p:to>
+                                    </p:set>
+                                  </p:childTnLst>
+                                </p:cTn>
+                              </p:par>
+                            </p:childTnLst>
+                          </p:cTn>
+                        </p:par>
+                      </p:childTnLst>
+                    </p:cTn>
+                  </p:par>
+                  <p:par>
+                    <p:cTn id="39" fill="hold">
+                      <p:stCondLst>
+                        <p:cond delay="indefinite"/>
+                      </p:stCondLst>
+                      <p:childTnLst>
+                        <p:par>
+                          <p:cTn id="40" fill="hold">
+                            <p:stCondLst>
+                              <p:cond delay="0"/>
+                            </p:stCondLst>
+                            <p:childTnLst>
+                              <p:par>
+                                <p:cTn id="41" presetID="1" presetClass="entr" presetSubtype="0" fill="hold" nodeType="clickEffect">
+                                  <p:stCondLst>
+                                    <p:cond delay="0"/>
+                                  </p:stCondLst>
+                                  <p:childTnLst>
+                                    <p:set>
+                                      <p:cBhvr>
+                                        <p:cTn id="42" dur="1" fill="hold">
+                                          <p:stCondLst>
+                                            <p:cond delay="0"/>
+                                          </p:stCondLst>
+                                        </p:cTn>
+                                        <p:tgtEl>
+                                          <p:spTgt spid="4">
+                                            <p:txEl>
+                                              <p:pRg st="9" end="9"/>
+                                            </p:txEl>
+                                          </p:spTgt>
+                                        </p:tgtEl>
+                                        <p:attrNameLst>
+                                          <p:attrName>style.visibility</p:attrName>
+                                        </p:attrNameLst>
+                                      </p:cBhvr>
+                                      <p:to>
+                                        <p:strVal val="visible"/>
+                                      </p:to>
+                                    </p:set>
+                                  </p:childTnLst>
+                                </p:cTn>
+                              </p:par>
+                            </p:childTnLst>
+                          </p:cTn>
+                        </p:par>
+                      </p:childTnLst>
+                    </p:cTn>
+                  </p:par>
+                  <p:par>
+                    <p:cTn id="43" fill="hold">
+                      <p:stCondLst>
+                        <p:cond delay="indefinite"/>
+                      </p:stCondLst>
+                      <p:childTnLst>
+                        <p:par>
+                          <p:cTn id="44" fill="hold">
+                            <p:stCondLst>
+                              <p:cond delay="0"/>
+                            </p:stCondLst>
+                            <p:childTnLst>
+                              <p:par>
+                                <p:cTn id="45" presetID="1" presetClass="entr" presetSubtype="0" fill="hold" nodeType="clickEffect">
+                                  <p:stCondLst>
+                                    <p:cond delay="0"/>
+                                  </p:stCondLst>
+                                  <p:childTnLst>
+                                    <p:set>
+                                      <p:cBhvr>
+                                        <p:cTn id="46" dur="1" fill="hold">
+                                          <p:stCondLst>
+                                            <p:cond delay="0"/>
+                                          </p:stCondLst>
+                                        </p:cTn>
+                                        <p:tgtEl>
+                                          <p:spTgt spid="4">
+                                            <p:txEl>
+                                              <p:pRg st="10" end="10"/>
+                                            </p:txEl>
+                                          </p:spTgt>
+                                        </p:tgtEl>
+                                        <p:attrNameLst>
+                                          <p:attrName>style.visibility</p:attrName>
+                                        </p:attrNameLst>
+                                      </p:cBhvr>
+                                      <p:to>
+                                        <p:strVal val="visible"/>
+                                      </p:to>
+                                    </p:set>
+                                  </p:childTnLst>
+                                </p:cTn>
+                              </p:par>
+                            </p:childTnLst>
+                          </p:cTn>
+                        </p:par>
+                      </p:childTnLst>
+                    </p:cTn>
+                  </p:par>
+                  <p:par>
+                    <p:cTn id="47" fill="hold">
+                      <p:stCondLst>
+                        <p:cond delay="indefinite"/>
+                      </p:stCondLst>
+                      <p:childTnLst>
+                        <p:par>
+                          <p:cTn id="48" fill="hold">
+                            <p:stCondLst>
+                              <p:cond delay="0"/>
+                            </p:stCondLst>
+                            <p:childTnLst>
+                              <p:par>
+                                <p:cTn id="49" presetID="1" presetClass="entr" presetSubtype="0" fill="hold" nodeType="clickEffect">
+                                  <p:stCondLst>
+                                    <p:cond delay="0"/>
+                                  </p:stCondLst>
+                                  <p:childTnLst>
+                                    <p:set>
+                                      <p:cBhvr>
+                                        <p:cTn id="50" dur="1" fill="hold">
+                                          <p:stCondLst>
+                                            <p:cond delay="0"/>
+                                          </p:stCondLst>
+                                        </p:cTn>
+                                        <p:tgtEl>
+                                          <p:spTgt spid="4">
+                                            <p:txEl>
+                                              <p:pRg st="11" end="11"/>
+                                            </p:txEl>
+                                          </p:spTgt>
+                                        </p:tgtEl>
+                                        <p:attrNameLst>
+                                          <p:attrName>style.visibility</p:attrName>
+                                        </p:attrNameLst>
+                                      </p:cBhvr>
+                                      <p:to>
+                                        <p:strVal val="visible"/>
+                                      </p:to>
+                                    </p:set>
+                                  </p:childTnLst>
+                                </p:cTn>
+                              </p:par>
+                            </p:childTnLst>
+                          </p:cTn>
+                        </p:par>
+                      </p:childTnLst>
+                    </p:cTn>
+                  </p:par>
+                  <p:par>
+                    <p:cTn id="51" fill="hold">
+                      <p:stCondLst>
+                        <p:cond delay="indefinite"/>
+                      </p:stCondLst>
+                      <p:childTnLst>
+                        <p:par>
+                          <p:cTn id="52" fill="hold">
+                            <p:stCondLst>
+                              <p:cond delay="0"/>
+                            </p:stCondLst>
+                            <p:childTnLst>
+                              <p:par>
+                                <p:cTn id="53" presetID="1" presetClass="entr" presetSubtype="0" fill="hold" nodeType="clickEffect">
+                                  <p:stCondLst>
+                                    <p:cond delay="0"/>
+                                  </p:stCondLst>
+                                  <p:childTnLst>
+                                    <p:set>
+                                      <p:cBhvr>
+                                        <p:cTn id="54" dur="1" fill="hold">
+                                          <p:stCondLst>
+                                            <p:cond delay="0"/>
+                                          </p:stCondLst>
+                                        </p:cTn>
+                                        <p:tgtEl>
+                                          <p:spTgt spid="4">
+                                            <p:txEl>
+                                              <p:pRg st="12" end="12"/>
+                                            </p:txEl>
+                                          </p:spTgt>
+                                        </p:tgtEl>
+                                        <p:attrNameLst>
+                                          <p:attrName>style.visibility</p:attrName>
+                                        </p:attrNameLst>
+                                      </p:cBhvr>
+                                      <p:to>
+                                        <p:strVal val="visible"/>
+                                      </p:to>
+                                    </p:set>
+                                  </p:childTnLst>
+                                </p:cTn>
+                              </p:par>
+                            </p:childTnLst>
+                          </p:cTn>
+                        </p:par>
+                      </p:childTnLst>
+                    </p:cTn>
+                  </p:par>
+                </p:childTnLst>
+              </p:cTn>
+              <p:prevCondLst>
+                <p:cond evt="onPrev" delay="0">
+                  <p:tgtEl>
+                    <p:sldTgt/>
+                  </p:tgtEl>
+                </p:cond>
+              </p:prevCondLst>
+              <p:nextCondLst>
+                <p:cond evt="onNext" delay="0">
+                  <p:tgtEl>
+                    <p:sldTgt/>
+                  </p:tgtEl>
+                </p:cond>
+              </p:nextCondLst>
+            </p:seq>
+          </p:childTnLst>
+        </p:cTn>
+      </p:par>
+    </p:tnLst>
+  </p:timing>
+</p:sld>
+</file>
+
+<file path=ppt/slides/slide35.xml><?xml version="1.0" encoding="utf-8"?>
+<p:sld xmlns:a="http://schemas.openxmlformats.org/drawingml/2006/main" xmlns:r="http://schemas.openxmlformats.org/officeDocument/2006/relationships" xmlns:p="http://schemas.openxmlformats.org/presentationml/2006/main">
+  <p:cSld>
+    <p:spTree>
+      <p:nvGrpSpPr>
+        <p:cNvPr id="1" name="">
+          <a:extLst>
+            <a:ext uri="{FF2B5EF4-FFF2-40B4-BE49-F238E27FC236}">
+              <a16:creationId xmlns:a16="http://schemas.microsoft.com/office/drawing/2014/main" id="{19D0B5CD-4FF7-FB21-0E60-FC428328ECF6}"/>
+            </a:ext>
+          </a:extLst>
+        </p:cNvPr>
+        <p:cNvGrpSpPr/>
+        <p:nvPr/>
+      </p:nvGrpSpPr>
+      <p:grpSpPr>
+        <a:xfrm>
+          <a:off x="0" y="0"/>
+          <a:ext cx="0" cy="0"/>
+          <a:chOff x="0" y="0"/>
+          <a:chExt cx="0" cy="0"/>
+        </a:xfrm>
+      </p:grpSpPr>
+      <p:sp>
+        <p:nvSpPr>
+          <p:cNvPr id="3" name="Subtitle 2">
+            <a:extLst>
+              <a:ext uri="{FF2B5EF4-FFF2-40B4-BE49-F238E27FC236}">
+                <a16:creationId xmlns:a16="http://schemas.microsoft.com/office/drawing/2014/main" id="{5DD4CB44-313D-DA21-AAC9-8DF5C76FF9BF}"/>
+              </a:ext>
+            </a:extLst>
+          </p:cNvPr>
+          <p:cNvSpPr>
+            <a:spLocks noGrp="1"/>
+          </p:cNvSpPr>
+          <p:nvPr>
+            <p:ph type="subTitle" idx="1"/>
+          </p:nvPr>
+        </p:nvSpPr>
+        <p:spPr>
+          <a:xfrm>
+            <a:off x="152399" y="217488"/>
+            <a:ext cx="11223171" cy="303212"/>
+          </a:xfrm>
+        </p:spPr>
+        <p:txBody>
+          <a:bodyPr>
+            <a:normAutofit fontScale="92500" lnSpcReduction="20000"/>
+          </a:bodyPr>
+          <a:lstStyle/>
+          <a:p>
+            <a:r>
+              <a:rPr lang="en-US" sz="1800" b="1"/>
+              <a:t>Chapter 9 – Collections and Generics</a:t>
+            </a:r>
+          </a:p>
+        </p:txBody>
+      </p:sp>
+      <p:sp>
+        <p:nvSpPr>
+          <p:cNvPr id="4" name="Subtitle 2">
+            <a:extLst>
+              <a:ext uri="{FF2B5EF4-FFF2-40B4-BE49-F238E27FC236}">
+                <a16:creationId xmlns:a16="http://schemas.microsoft.com/office/drawing/2014/main" id="{0B2174E9-2329-807A-53A3-3C4126259C52}"/>
+              </a:ext>
+            </a:extLst>
+          </p:cNvPr>
+          <p:cNvSpPr txBox="1">
+            <a:spLocks/>
+          </p:cNvSpPr>
+          <p:nvPr/>
+        </p:nvSpPr>
+        <p:spPr>
+          <a:xfrm>
+            <a:off x="0" y="820738"/>
+            <a:ext cx="12192000" cy="6037262"/>
+          </a:xfrm>
+          <a:prstGeom prst="rect">
+            <a:avLst/>
+          </a:prstGeom>
+        </p:spPr>
+        <p:txBody>
+          <a:bodyPr vert="horz" lIns="91440" tIns="45720" rIns="91440" bIns="45720" rtlCol="0">
+            <a:normAutofit/>
+          </a:bodyPr>
+          <a:lstStyle>
+            <a:lvl1pPr marL="0" indent="0" algn="ctr" defTabSz="914400" rtl="0" eaLnBrk="1" latinLnBrk="0" hangingPunct="1">
+              <a:lnSpc>
+                <a:spcPct val="90000"/>
+              </a:lnSpc>
+              <a:spcBef>
+                <a:spcPts val="1000"/>
+              </a:spcBef>
+              <a:buFont typeface="Arial" panose="020B0604020202020204" pitchFamily="34" charset="0"/>
+              <a:buNone/>
+              <a:defRPr sz="2400" kern="1200">
+                <a:solidFill>
+                  <a:schemeClr val="tx1"/>
+                </a:solidFill>
+                <a:latin typeface="+mn-lt"/>
+                <a:ea typeface="+mn-ea"/>
+                <a:cs typeface="+mn-cs"/>
+              </a:defRPr>
+            </a:lvl1pPr>
+            <a:lvl2pPr marL="457200" indent="0" algn="ctr" defTabSz="914400" rtl="0" eaLnBrk="1" latinLnBrk="0" hangingPunct="1">
+              <a:lnSpc>
+                <a:spcPct val="90000"/>
+              </a:lnSpc>
+              <a:spcBef>
+                <a:spcPts val="500"/>
+              </a:spcBef>
+              <a:buFont typeface="Arial" panose="020B0604020202020204" pitchFamily="34" charset="0"/>
+              <a:buNone/>
+              <a:defRPr sz="2000" kern="1200">
+                <a:solidFill>
+                  <a:schemeClr val="tx1"/>
+                </a:solidFill>
+                <a:latin typeface="+mn-lt"/>
+                <a:ea typeface="+mn-ea"/>
+                <a:cs typeface="+mn-cs"/>
+              </a:defRPr>
+            </a:lvl2pPr>
+            <a:lvl3pPr marL="914400" indent="0" algn="ctr" defTabSz="914400" rtl="0" eaLnBrk="1" latinLnBrk="0" hangingPunct="1">
+              <a:lnSpc>
+                <a:spcPct val="90000"/>
+              </a:lnSpc>
+              <a:spcBef>
+                <a:spcPts val="500"/>
+              </a:spcBef>
+              <a:buFont typeface="Arial" panose="020B0604020202020204" pitchFamily="34" charset="0"/>
+              <a:buNone/>
+              <a:defRPr sz="1800" kern="1200">
+                <a:solidFill>
+                  <a:schemeClr val="tx1"/>
+                </a:solidFill>
+                <a:latin typeface="+mn-lt"/>
+                <a:ea typeface="+mn-ea"/>
+                <a:cs typeface="+mn-cs"/>
+              </a:defRPr>
+            </a:lvl3pPr>
+            <a:lvl4pPr marL="1371600" indent="0" algn="ctr" defTabSz="914400" rtl="0" eaLnBrk="1" latinLnBrk="0" hangingPunct="1">
+              <a:lnSpc>
+                <a:spcPct val="90000"/>
+              </a:lnSpc>
+              <a:spcBef>
+                <a:spcPts val="500"/>
+              </a:spcBef>
+              <a:buFont typeface="Arial" panose="020B0604020202020204" pitchFamily="34" charset="0"/>
+              <a:buNone/>
+              <a:defRPr sz="1600" kern="1200">
+                <a:solidFill>
+                  <a:schemeClr val="tx1"/>
+                </a:solidFill>
+                <a:latin typeface="+mn-lt"/>
+                <a:ea typeface="+mn-ea"/>
+                <a:cs typeface="+mn-cs"/>
+              </a:defRPr>
+            </a:lvl4pPr>
+            <a:lvl5pPr marL="1828800" indent="0" algn="ctr" defTabSz="914400" rtl="0" eaLnBrk="1" latinLnBrk="0" hangingPunct="1">
+              <a:lnSpc>
+                <a:spcPct val="90000"/>
+              </a:lnSpc>
+              <a:spcBef>
+                <a:spcPts val="500"/>
+              </a:spcBef>
+              <a:buFont typeface="Arial" panose="020B0604020202020204" pitchFamily="34" charset="0"/>
+              <a:buNone/>
+              <a:defRPr sz="1600" kern="1200">
+                <a:solidFill>
+                  <a:schemeClr val="tx1"/>
+                </a:solidFill>
+                <a:latin typeface="+mn-lt"/>
+                <a:ea typeface="+mn-ea"/>
+                <a:cs typeface="+mn-cs"/>
+              </a:defRPr>
+            </a:lvl5pPr>
+            <a:lvl6pPr marL="2286000" indent="0" algn="ctr" defTabSz="914400" rtl="0" eaLnBrk="1" latinLnBrk="0" hangingPunct="1">
+              <a:lnSpc>
+                <a:spcPct val="90000"/>
+              </a:lnSpc>
+              <a:spcBef>
+                <a:spcPts val="500"/>
+              </a:spcBef>
+              <a:buFont typeface="Arial" panose="020B0604020202020204" pitchFamily="34" charset="0"/>
+              <a:buNone/>
+              <a:defRPr sz="1600" kern="1200">
+                <a:solidFill>
+                  <a:schemeClr val="tx1"/>
+                </a:solidFill>
+                <a:latin typeface="+mn-lt"/>
+                <a:ea typeface="+mn-ea"/>
+                <a:cs typeface="+mn-cs"/>
+              </a:defRPr>
+            </a:lvl6pPr>
+            <a:lvl7pPr marL="2743200" indent="0" algn="ctr" defTabSz="914400" rtl="0" eaLnBrk="1" latinLnBrk="0" hangingPunct="1">
+              <a:lnSpc>
+                <a:spcPct val="90000"/>
+              </a:lnSpc>
+              <a:spcBef>
+                <a:spcPts val="500"/>
+              </a:spcBef>
+              <a:buFont typeface="Arial" panose="020B0604020202020204" pitchFamily="34" charset="0"/>
+              <a:buNone/>
+              <a:defRPr sz="1600" kern="1200">
+                <a:solidFill>
+                  <a:schemeClr val="tx1"/>
+                </a:solidFill>
+                <a:latin typeface="+mn-lt"/>
+                <a:ea typeface="+mn-ea"/>
+                <a:cs typeface="+mn-cs"/>
+              </a:defRPr>
+            </a:lvl7pPr>
+            <a:lvl8pPr marL="3200400" indent="0" algn="ctr" defTabSz="914400" rtl="0" eaLnBrk="1" latinLnBrk="0" hangingPunct="1">
+              <a:lnSpc>
+                <a:spcPct val="90000"/>
+              </a:lnSpc>
+              <a:spcBef>
+                <a:spcPts val="500"/>
+              </a:spcBef>
+              <a:buFont typeface="Arial" panose="020B0604020202020204" pitchFamily="34" charset="0"/>
+              <a:buNone/>
+              <a:defRPr sz="1600" kern="1200">
+                <a:solidFill>
+                  <a:schemeClr val="tx1"/>
+                </a:solidFill>
+                <a:latin typeface="+mn-lt"/>
+                <a:ea typeface="+mn-ea"/>
+                <a:cs typeface="+mn-cs"/>
+              </a:defRPr>
+            </a:lvl8pPr>
+            <a:lvl9pPr marL="3657600" indent="0" algn="ctr" defTabSz="914400" rtl="0" eaLnBrk="1" latinLnBrk="0" hangingPunct="1">
+              <a:lnSpc>
+                <a:spcPct val="90000"/>
+              </a:lnSpc>
+              <a:spcBef>
+                <a:spcPts val="500"/>
+              </a:spcBef>
+              <a:buFont typeface="Arial" panose="020B0604020202020204" pitchFamily="34" charset="0"/>
+              <a:buNone/>
+              <a:defRPr sz="1600" kern="1200">
+                <a:solidFill>
+                  <a:schemeClr val="tx1"/>
+                </a:solidFill>
+                <a:latin typeface="+mn-lt"/>
+                <a:ea typeface="+mn-ea"/>
+                <a:cs typeface="+mn-cs"/>
+              </a:defRPr>
+            </a:lvl9pPr>
+          </a:lstStyle>
+          <a:p>
+            <a:pPr algn="l"/>
+            <a:endParaRPr lang="en-US" sz="1800">
+              <a:sym typeface="Wingdings" pitchFamily="2" charset="2"/>
+            </a:endParaRPr>
+          </a:p>
+        </p:txBody>
+      </p:sp>
+      <p:pic>
+        <p:nvPicPr>
+          <p:cNvPr id="2" name="Picture 1">
+            <a:extLst>
+              <a:ext uri="{FF2B5EF4-FFF2-40B4-BE49-F238E27FC236}">
+                <a16:creationId xmlns:a16="http://schemas.microsoft.com/office/drawing/2014/main" id="{E759DF21-EC97-13B0-C969-B68BAB060263}"/>
+              </a:ext>
+            </a:extLst>
+          </p:cNvPr>
+          <p:cNvPicPr>
+            <a:picLocks noChangeAspect="1"/>
+          </p:cNvPicPr>
+          <p:nvPr/>
+        </p:nvPicPr>
+        <p:blipFill>
+          <a:blip r:embed="rId3"/>
+          <a:stretch>
+            <a:fillRect/>
+          </a:stretch>
+        </p:blipFill>
+        <p:spPr>
+          <a:xfrm>
+            <a:off x="2995384" y="1866900"/>
+            <a:ext cx="5537200" cy="3124200"/>
+          </a:xfrm>
+          <a:prstGeom prst="rect">
+            <a:avLst/>
+          </a:prstGeom>
+        </p:spPr>
+      </p:pic>
+    </p:spTree>
+    <p:extLst>
+      <p:ext uri="{BB962C8B-B14F-4D97-AF65-F5344CB8AC3E}">
+        <p14:creationId xmlns:p14="http://schemas.microsoft.com/office/powerpoint/2010/main" val="2467869581"/>
+      </p:ext>
+    </p:extLst>
+  </p:cSld>
+  <p:clrMapOvr>
+    <a:masterClrMapping/>
+  </p:clrMapOvr>
+  <p:timing>
+    <p:tnLst>
+      <p:par>
+        <p:cTn id="1" dur="indefinite" restart="never" nodeType="tmRoot">
+          <p:childTnLst>
+            <p:seq concurrent="1" nextAc="seek">
+              <p:cTn id="2" dur="indefinite" nodeType="mainSeq">
+                <p:childTnLst>
+                  <p:par>
+                    <p:cTn id="3" fill="hold">
+                      <p:stCondLst>
+                        <p:cond delay="indefinite"/>
+                      </p:stCondLst>
+                      <p:childTnLst>
+                        <p:par>
+                          <p:cTn id="4" fill="hold">
+                            <p:stCondLst>
+                              <p:cond delay="0"/>
+                            </p:stCondLst>
+                            <p:childTnLst>
+                              <p:par>
+                                <p:cTn id="5" presetID="1" presetClass="entr" presetSubtype="0" fill="hold" nodeType="clickEffect" nodePh="1">
+                                  <p:stCondLst>
+                                    <p:cond delay="0"/>
+                                  </p:stCondLst>
+                                  <p:endCondLst>
+                                    <p:cond evt="begin" delay="0">
+                                      <p:tn val="5"/>
+                                    </p:cond>
+                                  </p:endCondLst>
+                                  <p:childTnLst>
+                                    <p:set>
+                                      <p:cBhvr>
+                                        <p:cTn id="6" dur="1" fill="hold">
+                                          <p:stCondLst>
+                                            <p:cond delay="0"/>
+                                          </p:stCondLst>
+                                        </p:cTn>
+                                        <p:tgtEl>
+                                          <p:spTgt spid="4">
+                                            <p:txEl>
+                                              <p:pRg st="0" end="0"/>
+                                            </p:txEl>
+                                          </p:spTgt>
+                                        </p:tgtEl>
+                                        <p:attrNameLst>
+                                          <p:attrName>style.visibility</p:attrName>
+                                        </p:attrNameLst>
+                                      </p:cBhvr>
+                                      <p:to>
+                                        <p:strVal val="visible"/>
+                                      </p:to>
+                                    </p:set>
+                                  </p:childTnLst>
+                                </p:cTn>
+                              </p:par>
+                            </p:childTnLst>
+                          </p:cTn>
+                        </p:par>
+                      </p:childTnLst>
+                    </p:cTn>
+                  </p:par>
+                </p:childTnLst>
+              </p:cTn>
+              <p:prevCondLst>
+                <p:cond evt="onPrev" delay="0">
+                  <p:tgtEl>
+                    <p:sldTgt/>
+                  </p:tgtEl>
+                </p:cond>
+              </p:prevCondLst>
+              <p:nextCondLst>
+                <p:cond evt="onNext" delay="0">
+                  <p:tgtEl>
+                    <p:sldTgt/>
+                  </p:tgtEl>
+                </p:cond>
+              </p:nextCondLst>
+            </p:seq>
+          </p:childTnLst>
+        </p:cTn>
+      </p:par>
+    </p:tnLst>
+  </p:timing>
+</p:sld>
+</file>
+
+<file path=ppt/slides/slide36.xml><?xml version="1.0" encoding="utf-8"?>
+<p:sld xmlns:a="http://schemas.openxmlformats.org/drawingml/2006/main" xmlns:r="http://schemas.openxmlformats.org/officeDocument/2006/relationships" xmlns:p="http://schemas.openxmlformats.org/presentationml/2006/main">
+  <p:cSld>
+    <p:spTree>
+      <p:nvGrpSpPr>
+        <p:cNvPr id="1" name="">
+          <a:extLst>
+            <a:ext uri="{FF2B5EF4-FFF2-40B4-BE49-F238E27FC236}">
+              <a16:creationId xmlns:a16="http://schemas.microsoft.com/office/drawing/2014/main" id="{7F018786-7207-20AF-6569-13BADAF78542}"/>
+            </a:ext>
+          </a:extLst>
+        </p:cNvPr>
+        <p:cNvGrpSpPr/>
+        <p:nvPr/>
+      </p:nvGrpSpPr>
+      <p:grpSpPr>
+        <a:xfrm>
+          <a:off x="0" y="0"/>
+          <a:ext cx="0" cy="0"/>
+          <a:chOff x="0" y="0"/>
+          <a:chExt cx="0" cy="0"/>
+        </a:xfrm>
+      </p:grpSpPr>
+      <p:sp>
+        <p:nvSpPr>
+          <p:cNvPr id="3" name="Subtitle 2">
+            <a:extLst>
+              <a:ext uri="{FF2B5EF4-FFF2-40B4-BE49-F238E27FC236}">
+                <a16:creationId xmlns:a16="http://schemas.microsoft.com/office/drawing/2014/main" id="{9ECDB7A4-B009-BE6E-F9CD-DEC6AD720B5C}"/>
+              </a:ext>
+            </a:extLst>
+          </p:cNvPr>
+          <p:cNvSpPr>
+            <a:spLocks noGrp="1"/>
+          </p:cNvSpPr>
+          <p:nvPr>
+            <p:ph type="subTitle" idx="1"/>
+          </p:nvPr>
+        </p:nvSpPr>
+        <p:spPr>
+          <a:xfrm>
+            <a:off x="152399" y="217488"/>
+            <a:ext cx="11223171" cy="303212"/>
+          </a:xfrm>
+        </p:spPr>
+        <p:txBody>
+          <a:bodyPr>
+            <a:normAutofit fontScale="92500" lnSpcReduction="20000"/>
+          </a:bodyPr>
+          <a:lstStyle/>
+          <a:p>
+            <a:r>
+              <a:rPr lang="en-US" sz="1800" b="1"/>
+              <a:t>Chapter 9 – Collections and Generics</a:t>
+            </a:r>
+          </a:p>
+        </p:txBody>
+      </p:sp>
+      <p:sp>
+        <p:nvSpPr>
+          <p:cNvPr id="4" name="Subtitle 2">
+            <a:extLst>
+              <a:ext uri="{FF2B5EF4-FFF2-40B4-BE49-F238E27FC236}">
+                <a16:creationId xmlns:a16="http://schemas.microsoft.com/office/drawing/2014/main" id="{0981FE88-6FF5-EDC5-C375-787152106BE1}"/>
+              </a:ext>
+            </a:extLst>
+          </p:cNvPr>
+          <p:cNvSpPr txBox="1">
+            <a:spLocks/>
+          </p:cNvSpPr>
+          <p:nvPr/>
+        </p:nvSpPr>
+        <p:spPr>
+          <a:xfrm>
+            <a:off x="0" y="820738"/>
+            <a:ext cx="12192000" cy="6037262"/>
+          </a:xfrm>
+          <a:prstGeom prst="rect">
+            <a:avLst/>
+          </a:prstGeom>
+        </p:spPr>
+        <p:txBody>
+          <a:bodyPr vert="horz" lIns="91440" tIns="45720" rIns="91440" bIns="45720" rtlCol="0">
+            <a:normAutofit/>
+          </a:bodyPr>
+          <a:lstStyle>
+            <a:lvl1pPr marL="0" indent="0" algn="ctr" defTabSz="914400" rtl="0" eaLnBrk="1" latinLnBrk="0" hangingPunct="1">
+              <a:lnSpc>
+                <a:spcPct val="90000"/>
+              </a:lnSpc>
+              <a:spcBef>
+                <a:spcPts val="1000"/>
+              </a:spcBef>
+              <a:buFont typeface="Arial" panose="020B0604020202020204" pitchFamily="34" charset="0"/>
+              <a:buNone/>
+              <a:defRPr sz="2400" kern="1200">
+                <a:solidFill>
+                  <a:schemeClr val="tx1"/>
+                </a:solidFill>
+                <a:latin typeface="+mn-lt"/>
+                <a:ea typeface="+mn-ea"/>
+                <a:cs typeface="+mn-cs"/>
+              </a:defRPr>
+            </a:lvl1pPr>
+            <a:lvl2pPr marL="457200" indent="0" algn="ctr" defTabSz="914400" rtl="0" eaLnBrk="1" latinLnBrk="0" hangingPunct="1">
+              <a:lnSpc>
+                <a:spcPct val="90000"/>
+              </a:lnSpc>
+              <a:spcBef>
+                <a:spcPts val="500"/>
+              </a:spcBef>
+              <a:buFont typeface="Arial" panose="020B0604020202020204" pitchFamily="34" charset="0"/>
+              <a:buNone/>
+              <a:defRPr sz="2000" kern="1200">
+                <a:solidFill>
+                  <a:schemeClr val="tx1"/>
+                </a:solidFill>
+                <a:latin typeface="+mn-lt"/>
+                <a:ea typeface="+mn-ea"/>
+                <a:cs typeface="+mn-cs"/>
+              </a:defRPr>
+            </a:lvl2pPr>
+            <a:lvl3pPr marL="914400" indent="0" algn="ctr" defTabSz="914400" rtl="0" eaLnBrk="1" latinLnBrk="0" hangingPunct="1">
+              <a:lnSpc>
+                <a:spcPct val="90000"/>
+              </a:lnSpc>
+              <a:spcBef>
+                <a:spcPts val="500"/>
+              </a:spcBef>
+              <a:buFont typeface="Arial" panose="020B0604020202020204" pitchFamily="34" charset="0"/>
+              <a:buNone/>
+              <a:defRPr sz="1800" kern="1200">
+                <a:solidFill>
+                  <a:schemeClr val="tx1"/>
+                </a:solidFill>
+                <a:latin typeface="+mn-lt"/>
+                <a:ea typeface="+mn-ea"/>
+                <a:cs typeface="+mn-cs"/>
+              </a:defRPr>
+            </a:lvl3pPr>
+            <a:lvl4pPr marL="1371600" indent="0" algn="ctr" defTabSz="914400" rtl="0" eaLnBrk="1" latinLnBrk="0" hangingPunct="1">
+              <a:lnSpc>
+                <a:spcPct val="90000"/>
+              </a:lnSpc>
+              <a:spcBef>
+                <a:spcPts val="500"/>
+              </a:spcBef>
+              <a:buFont typeface="Arial" panose="020B0604020202020204" pitchFamily="34" charset="0"/>
+              <a:buNone/>
+              <a:defRPr sz="1600" kern="1200">
+                <a:solidFill>
+                  <a:schemeClr val="tx1"/>
+                </a:solidFill>
+                <a:latin typeface="+mn-lt"/>
+                <a:ea typeface="+mn-ea"/>
+                <a:cs typeface="+mn-cs"/>
+              </a:defRPr>
+            </a:lvl4pPr>
+            <a:lvl5pPr marL="1828800" indent="0" algn="ctr" defTabSz="914400" rtl="0" eaLnBrk="1" latinLnBrk="0" hangingPunct="1">
+              <a:lnSpc>
+                <a:spcPct val="90000"/>
+              </a:lnSpc>
+              <a:spcBef>
+                <a:spcPts val="500"/>
+              </a:spcBef>
+              <a:buFont typeface="Arial" panose="020B0604020202020204" pitchFamily="34" charset="0"/>
+              <a:buNone/>
+              <a:defRPr sz="1600" kern="1200">
+                <a:solidFill>
+                  <a:schemeClr val="tx1"/>
+                </a:solidFill>
+                <a:latin typeface="+mn-lt"/>
+                <a:ea typeface="+mn-ea"/>
+                <a:cs typeface="+mn-cs"/>
+              </a:defRPr>
+            </a:lvl5pPr>
+            <a:lvl6pPr marL="2286000" indent="0" algn="ctr" defTabSz="914400" rtl="0" eaLnBrk="1" latinLnBrk="0" hangingPunct="1">
+              <a:lnSpc>
+                <a:spcPct val="90000"/>
+              </a:lnSpc>
+              <a:spcBef>
+                <a:spcPts val="500"/>
+              </a:spcBef>
+              <a:buFont typeface="Arial" panose="020B0604020202020204" pitchFamily="34" charset="0"/>
+              <a:buNone/>
+              <a:defRPr sz="1600" kern="1200">
+                <a:solidFill>
+                  <a:schemeClr val="tx1"/>
+                </a:solidFill>
+                <a:latin typeface="+mn-lt"/>
+                <a:ea typeface="+mn-ea"/>
+                <a:cs typeface="+mn-cs"/>
+              </a:defRPr>
+            </a:lvl6pPr>
+            <a:lvl7pPr marL="2743200" indent="0" algn="ctr" defTabSz="914400" rtl="0" eaLnBrk="1" latinLnBrk="0" hangingPunct="1">
+              <a:lnSpc>
+                <a:spcPct val="90000"/>
+              </a:lnSpc>
+              <a:spcBef>
+                <a:spcPts val="500"/>
+              </a:spcBef>
+              <a:buFont typeface="Arial" panose="020B0604020202020204" pitchFamily="34" charset="0"/>
+              <a:buNone/>
+              <a:defRPr sz="1600" kern="1200">
+                <a:solidFill>
+                  <a:schemeClr val="tx1"/>
+                </a:solidFill>
+                <a:latin typeface="+mn-lt"/>
+                <a:ea typeface="+mn-ea"/>
+                <a:cs typeface="+mn-cs"/>
+              </a:defRPr>
+            </a:lvl7pPr>
+            <a:lvl8pPr marL="3200400" indent="0" algn="ctr" defTabSz="914400" rtl="0" eaLnBrk="1" latinLnBrk="0" hangingPunct="1">
+              <a:lnSpc>
+                <a:spcPct val="90000"/>
+              </a:lnSpc>
+              <a:spcBef>
+                <a:spcPts val="500"/>
+              </a:spcBef>
+              <a:buFont typeface="Arial" panose="020B0604020202020204" pitchFamily="34" charset="0"/>
+              <a:buNone/>
+              <a:defRPr sz="1600" kern="1200">
+                <a:solidFill>
+                  <a:schemeClr val="tx1"/>
+                </a:solidFill>
+                <a:latin typeface="+mn-lt"/>
+                <a:ea typeface="+mn-ea"/>
+                <a:cs typeface="+mn-cs"/>
+              </a:defRPr>
+            </a:lvl8pPr>
+            <a:lvl9pPr marL="3657600" indent="0" algn="ctr" defTabSz="914400" rtl="0" eaLnBrk="1" latinLnBrk="0" hangingPunct="1">
+              <a:lnSpc>
+                <a:spcPct val="90000"/>
+              </a:lnSpc>
+              <a:spcBef>
+                <a:spcPts val="500"/>
+              </a:spcBef>
+              <a:buFont typeface="Arial" panose="020B0604020202020204" pitchFamily="34" charset="0"/>
+              <a:buNone/>
+              <a:defRPr sz="1600" kern="1200">
+                <a:solidFill>
+                  <a:schemeClr val="tx1"/>
+                </a:solidFill>
+                <a:latin typeface="+mn-lt"/>
+                <a:ea typeface="+mn-ea"/>
+                <a:cs typeface="+mn-cs"/>
+              </a:defRPr>
+            </a:lvl9pPr>
+          </a:lstStyle>
+          <a:p>
+            <a:pPr algn="l"/>
+            <a:r>
+              <a:rPr lang="en-US" sz="1800">
+                <a:sym typeface="Wingdings" pitchFamily="2" charset="2"/>
+              </a:rPr>
+              <a:t>(code illustration snippet 58)</a:t>
+            </a:r>
+          </a:p>
+          <a:p>
+            <a:pPr algn="l"/>
+            <a:r>
+              <a:rPr lang="en-US" sz="1800">
+                <a:sym typeface="Wingdings" pitchFamily="2" charset="2"/>
+              </a:rPr>
+              <a:t>- Of course it is still a single ... </a:t>
+            </a:r>
+          </a:p>
+          <a:p>
+            <a:pPr algn="l"/>
+            <a:r>
+              <a:rPr lang="en-US" sz="1800">
+                <a:sym typeface="Wingdings" pitchFamily="2" charset="2"/>
+              </a:rPr>
+              <a:t>- The process of ... the generic ... is called Type Erasure</a:t>
+            </a:r>
+          </a:p>
+          <a:p>
+            <a:pPr algn="l"/>
+            <a:r>
+              <a:rPr lang="en-US" sz="1800">
+                <a:sym typeface="Wingdings" pitchFamily="2" charset="2"/>
+              </a:rPr>
+              <a:t>– Type Erasure helps ...</a:t>
+            </a:r>
+          </a:p>
+          <a:p>
+            <a:pPr algn="l"/>
+            <a:endParaRPr lang="en-US" sz="1800">
+              <a:sym typeface="Wingdings" pitchFamily="2" charset="2"/>
+            </a:endParaRPr>
+          </a:p>
+          <a:p>
+            <a:pPr algn="l"/>
+            <a:endParaRPr lang="en-US" sz="1800">
+              <a:sym typeface="Wingdings" pitchFamily="2" charset="2"/>
+            </a:endParaRPr>
+          </a:p>
+          <a:p>
+            <a:pPr algn="l"/>
+            <a:endParaRPr lang="en-US" sz="1800">
+              <a:sym typeface="Wingdings" pitchFamily="2" charset="2"/>
+            </a:endParaRPr>
+          </a:p>
+          <a:p>
+            <a:pPr algn="l"/>
+            <a:endParaRPr lang="en-US" sz="1800">
+              <a:sym typeface="Wingdings" pitchFamily="2" charset="2"/>
+            </a:endParaRPr>
+          </a:p>
+          <a:p>
+            <a:pPr algn="l"/>
+            <a:endParaRPr lang="en-US" sz="1800">
+              <a:sym typeface="Wingdings" pitchFamily="2" charset="2"/>
+            </a:endParaRPr>
+          </a:p>
+          <a:p>
+            <a:pPr algn="l"/>
+            <a:endParaRPr lang="en-US" sz="1800">
+              <a:sym typeface="Wingdings" pitchFamily="2" charset="2"/>
+            </a:endParaRPr>
+          </a:p>
+          <a:p>
+            <a:pPr algn="l"/>
+            <a:r>
+              <a:rPr lang="en-US" sz="1800" b="1">
+                <a:sym typeface="Wingdings" pitchFamily="2" charset="2"/>
+              </a:rPr>
+              <a:t>Overloading a Generic Method</a:t>
+            </a:r>
+          </a:p>
+          <a:p>
+            <a:pPr algn="l"/>
+            <a:r>
+              <a:rPr lang="en-US" sz="1800">
+                <a:sym typeface="Wingdings" pitchFamily="2" charset="2"/>
+              </a:rPr>
+              <a:t>- Because of ..., method overloading ....</a:t>
+            </a:r>
+          </a:p>
+          <a:p>
+            <a:pPr algn="l"/>
+            <a:r>
+              <a:rPr lang="en-US" sz="1800">
+                <a:sym typeface="Wingdings" pitchFamily="2" charset="2"/>
+              </a:rPr>
+              <a:t>(code illustration snippet 59)</a:t>
+            </a:r>
+          </a:p>
+          <a:p>
+            <a:pPr algn="l"/>
+            <a:r>
+              <a:rPr lang="en-US" sz="1800">
+                <a:sym typeface="Wingdings" pitchFamily="2" charset="2"/>
+              </a:rPr>
+              <a:t>- ... still not ... in ... </a:t>
+            </a:r>
+          </a:p>
+          <a:p>
+            <a:pPr algn="l"/>
+            <a:r>
+              <a:rPr lang="en-US" sz="1800">
+                <a:sym typeface="Wingdings" pitchFamily="2" charset="2"/>
+              </a:rPr>
+              <a:t>(code illustration snippet 60)</a:t>
+            </a:r>
+          </a:p>
+          <a:p>
+            <a:pPr algn="l"/>
+            <a:r>
+              <a:rPr lang="en-US" sz="1800">
+                <a:sym typeface="Wingdings" pitchFamily="2" charset="2"/>
+              </a:rPr>
+              <a:t>(code illustration snippet 61)</a:t>
+            </a:r>
+          </a:p>
+          <a:p>
+            <a:pPr algn="l"/>
+            <a:endParaRPr lang="en-US" sz="1800">
+              <a:sym typeface="Wingdings" pitchFamily="2" charset="2"/>
+            </a:endParaRPr>
+          </a:p>
+        </p:txBody>
+      </p:sp>
+      <p:pic>
+        <p:nvPicPr>
+          <p:cNvPr id="2" name="Picture 1">
+            <a:extLst>
+              <a:ext uri="{FF2B5EF4-FFF2-40B4-BE49-F238E27FC236}">
+                <a16:creationId xmlns:a16="http://schemas.microsoft.com/office/drawing/2014/main" id="{730F2643-1CFE-154D-F363-14EEAD9641A9}"/>
+              </a:ext>
+            </a:extLst>
+          </p:cNvPr>
+          <p:cNvPicPr>
+            <a:picLocks noChangeAspect="1"/>
+          </p:cNvPicPr>
+          <p:nvPr/>
+        </p:nvPicPr>
+        <p:blipFill>
+          <a:blip r:embed="rId3"/>
+          <a:stretch>
+            <a:fillRect/>
+          </a:stretch>
+        </p:blipFill>
+        <p:spPr>
+          <a:xfrm>
+            <a:off x="3600450" y="3166269"/>
+            <a:ext cx="4991100" cy="1346200"/>
+          </a:xfrm>
+          <a:prstGeom prst="rect">
+            <a:avLst/>
+          </a:prstGeom>
+        </p:spPr>
+      </p:pic>
+      <mc:AlternateContent xmlns:mc="http://schemas.openxmlformats.org/markup-compatibility/2006">
+        <mc:Choice xmlns:p14="http://schemas.microsoft.com/office/powerpoint/2010/main" Requires="p14">
+          <p:contentPart p14:bwMode="auto" r:id="rId4">
+            <p14:nvContentPartPr>
+              <p14:cNvPr id="5" name="Ink 4">
+                <a:extLst>
+                  <a:ext uri="{FF2B5EF4-FFF2-40B4-BE49-F238E27FC236}">
+                    <a16:creationId xmlns:a16="http://schemas.microsoft.com/office/drawing/2014/main" id="{45EE54D7-25C2-DA9D-DA19-9674134094C2}"/>
+                  </a:ext>
+                </a:extLst>
+              </p14:cNvPr>
+              <p14:cNvContentPartPr/>
+              <p14:nvPr/>
+            </p14:nvContentPartPr>
+            <p14:xfrm>
+              <a:off x="3675205" y="3743860"/>
+              <a:ext cx="4170960" cy="164520"/>
+            </p14:xfrm>
+          </p:contentPart>
+        </mc:Choice>
+        <mc:Fallback>
+          <p:pic>
+            <p:nvPicPr>
+              <p:cNvPr id="5" name="Ink 4">
+                <a:extLst>
+                  <a:ext uri="{FF2B5EF4-FFF2-40B4-BE49-F238E27FC236}">
+                    <a16:creationId xmlns:a16="http://schemas.microsoft.com/office/drawing/2014/main" id="{45EE54D7-25C2-DA9D-DA19-9674134094C2}"/>
+                  </a:ext>
+                </a:extLst>
+              </p:cNvPr>
+              <p:cNvPicPr/>
+              <p:nvPr/>
+            </p:nvPicPr>
+            <p:blipFill>
+              <a:blip r:embed="rId5"/>
+              <a:stretch>
+                <a:fillRect/>
+              </a:stretch>
+            </p:blipFill>
+            <p:spPr>
+              <a:xfrm>
+                <a:off x="3612565" y="3681220"/>
+                <a:ext cx="4296600" cy="290160"/>
+              </a:xfrm>
+              <a:prstGeom prst="rect">
+                <a:avLst/>
+              </a:prstGeom>
+            </p:spPr>
+          </p:pic>
+        </mc:Fallback>
+      </mc:AlternateContent>
+    </p:spTree>
+    <p:extLst>
+      <p:ext uri="{BB962C8B-B14F-4D97-AF65-F5344CB8AC3E}">
+        <p14:creationId xmlns:p14="http://schemas.microsoft.com/office/powerpoint/2010/main" val="1492670962"/>
+      </p:ext>
+    </p:extLst>
+  </p:cSld>
+  <p:clrMapOvr>
+    <a:masterClrMapping/>
+  </p:clrMapOvr>
+  <p:timing>
+    <p:tnLst>
+      <p:par>
+        <p:cTn id="1" dur="indefinite" restart="never" nodeType="tmRoot">
+          <p:childTnLst>
+            <p:seq concurrent="1" nextAc="seek">
+              <p:cTn id="2" dur="indefinite" nodeType="mainSeq">
+                <p:childTnLst>
+                  <p:par>
+                    <p:cTn id="3" fill="hold">
+                      <p:stCondLst>
+                        <p:cond delay="indefinite"/>
+                      </p:stCondLst>
+                      <p:childTnLst>
+                        <p:par>
+                          <p:cTn id="4" fill="hold">
+                            <p:stCondLst>
+                              <p:cond delay="0"/>
+                            </p:stCondLst>
+                            <p:childTnLst>
+                              <p:par>
+                                <p:cTn id="5" presetID="1" presetClass="entr" presetSubtype="0" fill="hold" nodeType="clickEffect">
+                                  <p:stCondLst>
+                                    <p:cond delay="0"/>
+                                  </p:stCondLst>
+                                  <p:childTnLst>
+                                    <p:set>
+                                      <p:cBhvr>
+                                        <p:cTn id="6" dur="1" fill="hold">
+                                          <p:stCondLst>
+                                            <p:cond delay="0"/>
+                                          </p:stCondLst>
+                                        </p:cTn>
+                                        <p:tgtEl>
+                                          <p:spTgt spid="4">
+                                            <p:txEl>
+                                              <p:pRg st="0" end="0"/>
+                                            </p:txEl>
+                                          </p:spTgt>
+                                        </p:tgtEl>
+                                        <p:attrNameLst>
+                                          <p:attrName>style.visibility</p:attrName>
+                                        </p:attrNameLst>
+                                      </p:cBhvr>
+                                      <p:to>
+                                        <p:strVal val="visible"/>
+                                      </p:to>
+                                    </p:set>
+                                  </p:childTnLst>
+                                </p:cTn>
+                              </p:par>
+                            </p:childTnLst>
+                          </p:cTn>
+                        </p:par>
+                      </p:childTnLst>
+                    </p:cTn>
+                  </p:par>
+                  <p:par>
+                    <p:cTn id="7" fill="hold">
+                      <p:stCondLst>
+                        <p:cond delay="indefinite"/>
+                      </p:stCondLst>
+                      <p:childTnLst>
+                        <p:par>
+                          <p:cTn id="8" fill="hold">
+                            <p:stCondLst>
+                              <p:cond delay="0"/>
+                            </p:stCondLst>
+                            <p:childTnLst>
+                              <p:par>
+                                <p:cTn id="9" presetID="1" presetClass="entr" presetSubtype="0" fill="hold" nodeType="clickEffect">
+                                  <p:stCondLst>
+                                    <p:cond delay="0"/>
+                                  </p:stCondLst>
+                                  <p:childTnLst>
+                                    <p:set>
+                                      <p:cBhvr>
+                                        <p:cTn id="10" dur="1" fill="hold">
+                                          <p:stCondLst>
+                                            <p:cond delay="0"/>
+                                          </p:stCondLst>
+                                        </p:cTn>
+                                        <p:tgtEl>
+                                          <p:spTgt spid="4">
+                                            <p:txEl>
+                                              <p:pRg st="1" end="1"/>
+                                            </p:txEl>
+                                          </p:spTgt>
+                                        </p:tgtEl>
+                                        <p:attrNameLst>
+                                          <p:attrName>style.visibility</p:attrName>
+                                        </p:attrNameLst>
+                                      </p:cBhvr>
+                                      <p:to>
+                                        <p:strVal val="visible"/>
+                                      </p:to>
+                                    </p:set>
+                                  </p:childTnLst>
+                                </p:cTn>
+                              </p:par>
+                            </p:childTnLst>
+                          </p:cTn>
+                        </p:par>
+                      </p:childTnLst>
+                    </p:cTn>
+                  </p:par>
+                  <p:par>
+                    <p:cTn id="11" fill="hold">
+                      <p:stCondLst>
+                        <p:cond delay="indefinite"/>
+                      </p:stCondLst>
+                      <p:childTnLst>
+                        <p:par>
+                          <p:cTn id="12" fill="hold">
+                            <p:stCondLst>
+                              <p:cond delay="0"/>
+                            </p:stCondLst>
+                            <p:childTnLst>
+                              <p:par>
+                                <p:cTn id="13" presetID="1" presetClass="entr" presetSubtype="0" fill="hold" nodeType="clickEffect">
+                                  <p:stCondLst>
+                                    <p:cond delay="0"/>
+                                  </p:stCondLst>
+                                  <p:childTnLst>
+                                    <p:set>
+                                      <p:cBhvr>
+                                        <p:cTn id="14" dur="1" fill="hold">
+                                          <p:stCondLst>
+                                            <p:cond delay="0"/>
+                                          </p:stCondLst>
+                                        </p:cTn>
+                                        <p:tgtEl>
+                                          <p:spTgt spid="4">
+                                            <p:txEl>
+                                              <p:pRg st="2" end="2"/>
+                                            </p:txEl>
+                                          </p:spTgt>
+                                        </p:tgtEl>
+                                        <p:attrNameLst>
+                                          <p:attrName>style.visibility</p:attrName>
+                                        </p:attrNameLst>
+                                      </p:cBhvr>
+                                      <p:to>
+                                        <p:strVal val="visible"/>
+                                      </p:to>
+                                    </p:set>
+                                  </p:childTnLst>
+                                </p:cTn>
+                              </p:par>
+                            </p:childTnLst>
+                          </p:cTn>
+                        </p:par>
+                      </p:childTnLst>
+                    </p:cTn>
+                  </p:par>
+                  <p:par>
+                    <p:cTn id="15" fill="hold">
+                      <p:stCondLst>
+                        <p:cond delay="indefinite"/>
+                      </p:stCondLst>
+                      <p:childTnLst>
+                        <p:par>
+                          <p:cTn id="16" fill="hold">
+                            <p:stCondLst>
+                              <p:cond delay="0"/>
+                            </p:stCondLst>
+                            <p:childTnLst>
+                              <p:par>
+                                <p:cTn id="17" presetID="1" presetClass="entr" presetSubtype="0" fill="hold" nodeType="clickEffect">
+                                  <p:stCondLst>
+                                    <p:cond delay="0"/>
+                                  </p:stCondLst>
+                                  <p:childTnLst>
+                                    <p:set>
+                                      <p:cBhvr>
+                                        <p:cTn id="18" dur="1" fill="hold">
+                                          <p:stCondLst>
+                                            <p:cond delay="0"/>
+                                          </p:stCondLst>
+                                        </p:cTn>
+                                        <p:tgtEl>
+                                          <p:spTgt spid="4">
+                                            <p:txEl>
+                                              <p:pRg st="3" end="3"/>
+                                            </p:txEl>
+                                          </p:spTgt>
+                                        </p:tgtEl>
+                                        <p:attrNameLst>
+                                          <p:attrName>style.visibility</p:attrName>
+                                        </p:attrNameLst>
+                                      </p:cBhvr>
+                                      <p:to>
+                                        <p:strVal val="visible"/>
+                                      </p:to>
+                                    </p:set>
+                                  </p:childTnLst>
+                                </p:cTn>
+                              </p:par>
+                            </p:childTnLst>
+                          </p:cTn>
+                        </p:par>
+                      </p:childTnLst>
+                    </p:cTn>
+                  </p:par>
+                  <p:par>
+                    <p:cTn id="19" fill="hold">
+                      <p:stCondLst>
+                        <p:cond delay="indefinite"/>
+                      </p:stCondLst>
+                      <p:childTnLst>
+                        <p:par>
+                          <p:cTn id="20" fill="hold">
+                            <p:stCondLst>
+                              <p:cond delay="0"/>
+                            </p:stCondLst>
+                            <p:childTnLst>
+                              <p:par>
+                                <p:cTn id="21" presetID="1" presetClass="entr" presetSubtype="0" fill="hold" nodeType="clickEffect">
+                                  <p:stCondLst>
+                                    <p:cond delay="0"/>
+                                  </p:stCondLst>
+                                  <p:childTnLst>
+                                    <p:set>
+                                      <p:cBhvr>
+                                        <p:cTn id="22" dur="1" fill="hold">
+                                          <p:stCondLst>
+                                            <p:cond delay="0"/>
+                                          </p:stCondLst>
+                                        </p:cTn>
+                                        <p:tgtEl>
+                                          <p:spTgt spid="4">
+                                            <p:txEl>
+                                              <p:pRg st="10" end="10"/>
+                                            </p:txEl>
+                                          </p:spTgt>
+                                        </p:tgtEl>
+                                        <p:attrNameLst>
+                                          <p:attrName>style.visibility</p:attrName>
+                                        </p:attrNameLst>
+                                      </p:cBhvr>
+                                      <p:to>
+                                        <p:strVal val="visible"/>
+                                      </p:to>
+                                    </p:set>
+                                  </p:childTnLst>
+                                </p:cTn>
+                              </p:par>
+                            </p:childTnLst>
+                          </p:cTn>
+                        </p:par>
+                      </p:childTnLst>
+                    </p:cTn>
+                  </p:par>
+                  <p:par>
+                    <p:cTn id="23" fill="hold">
+                      <p:stCondLst>
+                        <p:cond delay="indefinite"/>
+                      </p:stCondLst>
+                      <p:childTnLst>
+                        <p:par>
+                          <p:cTn id="24" fill="hold">
+                            <p:stCondLst>
+                              <p:cond delay="0"/>
+                            </p:stCondLst>
+                            <p:childTnLst>
+                              <p:par>
+                                <p:cTn id="25" presetID="1" presetClass="entr" presetSubtype="0" fill="hold" nodeType="clickEffect">
+                                  <p:stCondLst>
+                                    <p:cond delay="0"/>
+                                  </p:stCondLst>
+                                  <p:childTnLst>
+                                    <p:set>
+                                      <p:cBhvr>
+                                        <p:cTn id="26" dur="1" fill="hold">
+                                          <p:stCondLst>
+                                            <p:cond delay="0"/>
+                                          </p:stCondLst>
+                                        </p:cTn>
+                                        <p:tgtEl>
+                                          <p:spTgt spid="4">
+                                            <p:txEl>
+                                              <p:pRg st="11" end="11"/>
+                                            </p:txEl>
+                                          </p:spTgt>
+                                        </p:tgtEl>
+                                        <p:attrNameLst>
+                                          <p:attrName>style.visibility</p:attrName>
+                                        </p:attrNameLst>
+                                      </p:cBhvr>
+                                      <p:to>
+                                        <p:strVal val="visible"/>
+                                      </p:to>
+                                    </p:set>
+                                  </p:childTnLst>
+                                </p:cTn>
+                              </p:par>
+                            </p:childTnLst>
+                          </p:cTn>
+                        </p:par>
+                      </p:childTnLst>
+                    </p:cTn>
+                  </p:par>
+                  <p:par>
+                    <p:cTn id="27" fill="hold">
+                      <p:stCondLst>
+                        <p:cond delay="indefinite"/>
+                      </p:stCondLst>
+                      <p:childTnLst>
+                        <p:par>
+                          <p:cTn id="28" fill="hold">
+                            <p:stCondLst>
+                              <p:cond delay="0"/>
+                            </p:stCondLst>
+                            <p:childTnLst>
+                              <p:par>
+                                <p:cTn id="29" presetID="1" presetClass="entr" presetSubtype="0" fill="hold" nodeType="clickEffect">
+                                  <p:stCondLst>
+                                    <p:cond delay="0"/>
+                                  </p:stCondLst>
+                                  <p:childTnLst>
+                                    <p:set>
+                                      <p:cBhvr>
+                                        <p:cTn id="30" dur="1" fill="hold">
+                                          <p:stCondLst>
+                                            <p:cond delay="0"/>
+                                          </p:stCondLst>
+                                        </p:cTn>
+                                        <p:tgtEl>
+                                          <p:spTgt spid="4">
+                                            <p:txEl>
+                                              <p:pRg st="12" end="12"/>
+                                            </p:txEl>
+                                          </p:spTgt>
+                                        </p:tgtEl>
+                                        <p:attrNameLst>
+                                          <p:attrName>style.visibility</p:attrName>
+                                        </p:attrNameLst>
+                                      </p:cBhvr>
+                                      <p:to>
+                                        <p:strVal val="visible"/>
+                                      </p:to>
+                                    </p:set>
+                                  </p:childTnLst>
+                                </p:cTn>
+                              </p:par>
+                            </p:childTnLst>
+                          </p:cTn>
+                        </p:par>
+                      </p:childTnLst>
+                    </p:cTn>
+                  </p:par>
+                  <p:par>
+                    <p:cTn id="31" fill="hold">
+                      <p:stCondLst>
+                        <p:cond delay="indefinite"/>
+                      </p:stCondLst>
+                      <p:childTnLst>
+                        <p:par>
+                          <p:cTn id="32" fill="hold">
+                            <p:stCondLst>
+                              <p:cond delay="0"/>
+                            </p:stCondLst>
+                            <p:childTnLst>
+                              <p:par>
+                                <p:cTn id="33" presetID="1" presetClass="entr" presetSubtype="0" fill="hold" nodeType="clickEffect">
+                                  <p:stCondLst>
+                                    <p:cond delay="0"/>
+                                  </p:stCondLst>
+                                  <p:childTnLst>
+                                    <p:set>
+                                      <p:cBhvr>
+                                        <p:cTn id="34" dur="1" fill="hold">
+                                          <p:stCondLst>
+                                            <p:cond delay="0"/>
+                                          </p:stCondLst>
+                                        </p:cTn>
+                                        <p:tgtEl>
+                                          <p:spTgt spid="4">
+                                            <p:txEl>
+                                              <p:pRg st="13" end="13"/>
+                                            </p:txEl>
+                                          </p:spTgt>
+                                        </p:tgtEl>
+                                        <p:attrNameLst>
+                                          <p:attrName>style.visibility</p:attrName>
+                                        </p:attrNameLst>
+                                      </p:cBhvr>
+                                      <p:to>
+                                        <p:strVal val="visible"/>
+                                      </p:to>
+                                    </p:set>
+                                  </p:childTnLst>
+                                </p:cTn>
+                              </p:par>
+                            </p:childTnLst>
+                          </p:cTn>
+                        </p:par>
+                      </p:childTnLst>
+                    </p:cTn>
+                  </p:par>
+                  <p:par>
+                    <p:cTn id="35" fill="hold">
+                      <p:stCondLst>
+                        <p:cond delay="indefinite"/>
+                      </p:stCondLst>
+                      <p:childTnLst>
+                        <p:par>
+                          <p:cTn id="36" fill="hold">
+                            <p:stCondLst>
+                              <p:cond delay="0"/>
+                            </p:stCondLst>
+                            <p:childTnLst>
+                              <p:par>
+                                <p:cTn id="37" presetID="1" presetClass="entr" presetSubtype="0" fill="hold" nodeType="clickEffect">
+                                  <p:stCondLst>
+                                    <p:cond delay="0"/>
+                                  </p:stCondLst>
+                                  <p:childTnLst>
+                                    <p:set>
+                                      <p:cBhvr>
+                                        <p:cTn id="38" dur="1" fill="hold">
+                                          <p:stCondLst>
+                                            <p:cond delay="0"/>
+                                          </p:stCondLst>
+                                        </p:cTn>
+                                        <p:tgtEl>
+                                          <p:spTgt spid="4">
+                                            <p:txEl>
+                                              <p:pRg st="14" end="14"/>
+                                            </p:txEl>
+                                          </p:spTgt>
+                                        </p:tgtEl>
+                                        <p:attrNameLst>
+                                          <p:attrName>style.visibility</p:attrName>
+                                        </p:attrNameLst>
+                                      </p:cBhvr>
+                                      <p:to>
+                                        <p:strVal val="visible"/>
+                                      </p:to>
+                                    </p:set>
+                                  </p:childTnLst>
+                                </p:cTn>
+                              </p:par>
+                            </p:childTnLst>
+                          </p:cTn>
+                        </p:par>
+                      </p:childTnLst>
+                    </p:cTn>
+                  </p:par>
+                  <p:par>
+                    <p:cTn id="39" fill="hold">
+                      <p:stCondLst>
+                        <p:cond delay="indefinite"/>
+                      </p:stCondLst>
+                      <p:childTnLst>
+                        <p:par>
+                          <p:cTn id="40" fill="hold">
+                            <p:stCondLst>
+                              <p:cond delay="0"/>
+                            </p:stCondLst>
+                            <p:childTnLst>
+                              <p:par>
+                                <p:cTn id="41" presetID="1" presetClass="entr" presetSubtype="0" fill="hold" nodeType="clickEffect">
+                                  <p:stCondLst>
+                                    <p:cond delay="0"/>
+                                  </p:stCondLst>
+                                  <p:childTnLst>
+                                    <p:set>
+                                      <p:cBhvr>
+                                        <p:cTn id="42" dur="1" fill="hold">
+                                          <p:stCondLst>
+                                            <p:cond delay="0"/>
+                                          </p:stCondLst>
+                                        </p:cTn>
+                                        <p:tgtEl>
+                                          <p:spTgt spid="4">
+                                            <p:txEl>
+                                              <p:pRg st="15" end="15"/>
+                                            </p:txEl>
+                                          </p:spTgt>
+                                        </p:tgtEl>
+                                        <p:attrNameLst>
+                                          <p:attrName>style.visibility</p:attrName>
+                                        </p:attrNameLst>
+                                      </p:cBhvr>
+                                      <p:to>
+                                        <p:strVal val="visible"/>
+                                      </p:to>
+                                    </p:set>
+                                  </p:childTnLst>
+                                </p:cTn>
+                              </p:par>
+                            </p:childTnLst>
+                          </p:cTn>
+                        </p:par>
+                      </p:childTnLst>
+                    </p:cTn>
+                  </p:par>
+                </p:childTnLst>
+              </p:cTn>
+              <p:prevCondLst>
+                <p:cond evt="onPrev" delay="0">
+                  <p:tgtEl>
+                    <p:sldTgt/>
+                  </p:tgtEl>
+                </p:cond>
+              </p:prevCondLst>
+              <p:nextCondLst>
+                <p:cond evt="onNext" delay="0">
+                  <p:tgtEl>
+                    <p:sldTgt/>
+                  </p:tgtEl>
+                </p:cond>
+              </p:nextCondLst>
+            </p:seq>
+          </p:childTnLst>
+        </p:cTn>
+      </p:par>
+    </p:tnLst>
+  </p:timing>
+</p:sld>
+</file>
+
+<file path=ppt/slides/slide37.xml><?xml version="1.0" encoding="utf-8"?>
+<p:sld xmlns:a="http://schemas.openxmlformats.org/drawingml/2006/main" xmlns:r="http://schemas.openxmlformats.org/officeDocument/2006/relationships" xmlns:p="http://schemas.openxmlformats.org/presentationml/2006/main">
+  <p:cSld>
+    <p:spTree>
+      <p:nvGrpSpPr>
+        <p:cNvPr id="1" name="">
+          <a:extLst>
+            <a:ext uri="{FF2B5EF4-FFF2-40B4-BE49-F238E27FC236}">
+              <a16:creationId xmlns:a16="http://schemas.microsoft.com/office/drawing/2014/main" id="{895FA8E2-E7FF-F4E7-7B5E-F35FD92AB929}"/>
+            </a:ext>
+          </a:extLst>
+        </p:cNvPr>
+        <p:cNvGrpSpPr/>
+        <p:nvPr/>
+      </p:nvGrpSpPr>
+      <p:grpSpPr>
+        <a:xfrm>
+          <a:off x="0" y="0"/>
+          <a:ext cx="0" cy="0"/>
+          <a:chOff x="0" y="0"/>
+          <a:chExt cx="0" cy="0"/>
+        </a:xfrm>
+      </p:grpSpPr>
+      <p:sp>
+        <p:nvSpPr>
+          <p:cNvPr id="3" name="Subtitle 2">
+            <a:extLst>
+              <a:ext uri="{FF2B5EF4-FFF2-40B4-BE49-F238E27FC236}">
+                <a16:creationId xmlns:a16="http://schemas.microsoft.com/office/drawing/2014/main" id="{C430CE69-2574-F507-8F17-06BF21AD66FD}"/>
+              </a:ext>
+            </a:extLst>
+          </p:cNvPr>
+          <p:cNvSpPr>
+            <a:spLocks noGrp="1"/>
+          </p:cNvSpPr>
+          <p:nvPr>
+            <p:ph type="subTitle" idx="1"/>
+          </p:nvPr>
+        </p:nvSpPr>
+        <p:spPr>
+          <a:xfrm>
+            <a:off x="152399" y="217488"/>
+            <a:ext cx="11223171" cy="303212"/>
+          </a:xfrm>
+        </p:spPr>
+        <p:txBody>
+          <a:bodyPr>
+            <a:normAutofit fontScale="92500" lnSpcReduction="20000"/>
+          </a:bodyPr>
+          <a:lstStyle/>
+          <a:p>
+            <a:r>
+              <a:rPr lang="en-US" sz="1800" b="1"/>
+              <a:t>Chapter 9 – Collections and Generics</a:t>
+            </a:r>
+          </a:p>
+        </p:txBody>
+      </p:sp>
+      <p:sp>
+        <p:nvSpPr>
+          <p:cNvPr id="4" name="Subtitle 2">
+            <a:extLst>
+              <a:ext uri="{FF2B5EF4-FFF2-40B4-BE49-F238E27FC236}">
+                <a16:creationId xmlns:a16="http://schemas.microsoft.com/office/drawing/2014/main" id="{493A9486-B4CA-A645-4FF5-DCA95E94362C}"/>
+              </a:ext>
+            </a:extLst>
+          </p:cNvPr>
+          <p:cNvSpPr txBox="1">
+            <a:spLocks/>
+          </p:cNvSpPr>
+          <p:nvPr/>
+        </p:nvSpPr>
+        <p:spPr>
+          <a:xfrm>
+            <a:off x="0" y="820738"/>
+            <a:ext cx="12192000" cy="6037262"/>
+          </a:xfrm>
+          <a:prstGeom prst="rect">
+            <a:avLst/>
+          </a:prstGeom>
+        </p:spPr>
+        <p:txBody>
+          <a:bodyPr vert="horz" lIns="91440" tIns="45720" rIns="91440" bIns="45720" rtlCol="0">
+            <a:normAutofit/>
+          </a:bodyPr>
+          <a:lstStyle>
+            <a:lvl1pPr marL="0" indent="0" algn="ctr" defTabSz="914400" rtl="0" eaLnBrk="1" latinLnBrk="0" hangingPunct="1">
+              <a:lnSpc>
+                <a:spcPct val="90000"/>
+              </a:lnSpc>
+              <a:spcBef>
+                <a:spcPts val="1000"/>
+              </a:spcBef>
+              <a:buFont typeface="Arial" panose="020B0604020202020204" pitchFamily="34" charset="0"/>
+              <a:buNone/>
+              <a:defRPr sz="2400" kern="1200">
+                <a:solidFill>
+                  <a:schemeClr val="tx1"/>
+                </a:solidFill>
+                <a:latin typeface="+mn-lt"/>
+                <a:ea typeface="+mn-ea"/>
+                <a:cs typeface="+mn-cs"/>
+              </a:defRPr>
+            </a:lvl1pPr>
+            <a:lvl2pPr marL="457200" indent="0" algn="ctr" defTabSz="914400" rtl="0" eaLnBrk="1" latinLnBrk="0" hangingPunct="1">
+              <a:lnSpc>
+                <a:spcPct val="90000"/>
+              </a:lnSpc>
+              <a:spcBef>
+                <a:spcPts val="500"/>
+              </a:spcBef>
+              <a:buFont typeface="Arial" panose="020B0604020202020204" pitchFamily="34" charset="0"/>
+              <a:buNone/>
+              <a:defRPr sz="2000" kern="1200">
+                <a:solidFill>
+                  <a:schemeClr val="tx1"/>
+                </a:solidFill>
+                <a:latin typeface="+mn-lt"/>
+                <a:ea typeface="+mn-ea"/>
+                <a:cs typeface="+mn-cs"/>
+              </a:defRPr>
+            </a:lvl2pPr>
+            <a:lvl3pPr marL="914400" indent="0" algn="ctr" defTabSz="914400" rtl="0" eaLnBrk="1" latinLnBrk="0" hangingPunct="1">
+              <a:lnSpc>
+                <a:spcPct val="90000"/>
+              </a:lnSpc>
+              <a:spcBef>
+                <a:spcPts val="500"/>
+              </a:spcBef>
+              <a:buFont typeface="Arial" panose="020B0604020202020204" pitchFamily="34" charset="0"/>
+              <a:buNone/>
+              <a:defRPr sz="1800" kern="1200">
+                <a:solidFill>
+                  <a:schemeClr val="tx1"/>
+                </a:solidFill>
+                <a:latin typeface="+mn-lt"/>
+                <a:ea typeface="+mn-ea"/>
+                <a:cs typeface="+mn-cs"/>
+              </a:defRPr>
+            </a:lvl3pPr>
+            <a:lvl4pPr marL="1371600" indent="0" algn="ctr" defTabSz="914400" rtl="0" eaLnBrk="1" latinLnBrk="0" hangingPunct="1">
+              <a:lnSpc>
+                <a:spcPct val="90000"/>
+              </a:lnSpc>
+              <a:spcBef>
+                <a:spcPts val="500"/>
+              </a:spcBef>
+              <a:buFont typeface="Arial" panose="020B0604020202020204" pitchFamily="34" charset="0"/>
+              <a:buNone/>
+              <a:defRPr sz="1600" kern="1200">
+                <a:solidFill>
+                  <a:schemeClr val="tx1"/>
+                </a:solidFill>
+                <a:latin typeface="+mn-lt"/>
+                <a:ea typeface="+mn-ea"/>
+                <a:cs typeface="+mn-cs"/>
+              </a:defRPr>
+            </a:lvl4pPr>
+            <a:lvl5pPr marL="1828800" indent="0" algn="ctr" defTabSz="914400" rtl="0" eaLnBrk="1" latinLnBrk="0" hangingPunct="1">
+              <a:lnSpc>
+                <a:spcPct val="90000"/>
+              </a:lnSpc>
+              <a:spcBef>
+                <a:spcPts val="500"/>
+              </a:spcBef>
+              <a:buFont typeface="Arial" panose="020B0604020202020204" pitchFamily="34" charset="0"/>
+              <a:buNone/>
+              <a:defRPr sz="1600" kern="1200">
+                <a:solidFill>
+                  <a:schemeClr val="tx1"/>
+                </a:solidFill>
+                <a:latin typeface="+mn-lt"/>
+                <a:ea typeface="+mn-ea"/>
+                <a:cs typeface="+mn-cs"/>
+              </a:defRPr>
+            </a:lvl5pPr>
+            <a:lvl6pPr marL="2286000" indent="0" algn="ctr" defTabSz="914400" rtl="0" eaLnBrk="1" latinLnBrk="0" hangingPunct="1">
+              <a:lnSpc>
+                <a:spcPct val="90000"/>
+              </a:lnSpc>
+              <a:spcBef>
+                <a:spcPts val="500"/>
+              </a:spcBef>
+              <a:buFont typeface="Arial" panose="020B0604020202020204" pitchFamily="34" charset="0"/>
+              <a:buNone/>
+              <a:defRPr sz="1600" kern="1200">
+                <a:solidFill>
+                  <a:schemeClr val="tx1"/>
+                </a:solidFill>
+                <a:latin typeface="+mn-lt"/>
+                <a:ea typeface="+mn-ea"/>
+                <a:cs typeface="+mn-cs"/>
+              </a:defRPr>
+            </a:lvl6pPr>
+            <a:lvl7pPr marL="2743200" indent="0" algn="ctr" defTabSz="914400" rtl="0" eaLnBrk="1" latinLnBrk="0" hangingPunct="1">
+              <a:lnSpc>
+                <a:spcPct val="90000"/>
+              </a:lnSpc>
+              <a:spcBef>
+                <a:spcPts val="500"/>
+              </a:spcBef>
+              <a:buFont typeface="Arial" panose="020B0604020202020204" pitchFamily="34" charset="0"/>
+              <a:buNone/>
+              <a:defRPr sz="1600" kern="1200">
+                <a:solidFill>
+                  <a:schemeClr val="tx1"/>
+                </a:solidFill>
+                <a:latin typeface="+mn-lt"/>
+                <a:ea typeface="+mn-ea"/>
+                <a:cs typeface="+mn-cs"/>
+              </a:defRPr>
+            </a:lvl7pPr>
+            <a:lvl8pPr marL="3200400" indent="0" algn="ctr" defTabSz="914400" rtl="0" eaLnBrk="1" latinLnBrk="0" hangingPunct="1">
+              <a:lnSpc>
+                <a:spcPct val="90000"/>
+              </a:lnSpc>
+              <a:spcBef>
+                <a:spcPts val="500"/>
+              </a:spcBef>
+              <a:buFont typeface="Arial" panose="020B0604020202020204" pitchFamily="34" charset="0"/>
+              <a:buNone/>
+              <a:defRPr sz="1600" kern="1200">
+                <a:solidFill>
+                  <a:schemeClr val="tx1"/>
+                </a:solidFill>
+                <a:latin typeface="+mn-lt"/>
+                <a:ea typeface="+mn-ea"/>
+                <a:cs typeface="+mn-cs"/>
+              </a:defRPr>
+            </a:lvl8pPr>
+            <a:lvl9pPr marL="3657600" indent="0" algn="ctr" defTabSz="914400" rtl="0" eaLnBrk="1" latinLnBrk="0" hangingPunct="1">
+              <a:lnSpc>
+                <a:spcPct val="90000"/>
+              </a:lnSpc>
+              <a:spcBef>
+                <a:spcPts val="500"/>
+              </a:spcBef>
+              <a:buFont typeface="Arial" panose="020B0604020202020204" pitchFamily="34" charset="0"/>
+              <a:buNone/>
+              <a:defRPr sz="1600" kern="1200">
+                <a:solidFill>
+                  <a:schemeClr val="tx1"/>
+                </a:solidFill>
+                <a:latin typeface="+mn-lt"/>
+                <a:ea typeface="+mn-ea"/>
+                <a:cs typeface="+mn-cs"/>
+              </a:defRPr>
+            </a:lvl9pPr>
+          </a:lstStyle>
+          <a:p>
+            <a:pPr algn="l"/>
+            <a:r>
+              <a:rPr lang="en-US" sz="1800" b="1">
+                <a:sym typeface="Wingdings" pitchFamily="2" charset="2"/>
+              </a:rPr>
+              <a:t>Returning Generic Types</a:t>
+            </a:r>
+          </a:p>
+          <a:p>
+            <a:pPr algn="l"/>
+            <a:r>
+              <a:rPr lang="en-US" sz="1800">
+                <a:sym typeface="Wingdings" pitchFamily="2" charset="2"/>
+              </a:rPr>
+              <a:t>- When working with ... methods, the rules ...</a:t>
+            </a:r>
+          </a:p>
+          <a:p>
+            <a:pPr algn="l"/>
+            <a:r>
+              <a:rPr lang="en-US" sz="1800">
+                <a:sym typeface="Wingdings" pitchFamily="2" charset="2"/>
+              </a:rPr>
+              <a:t>– With the introduction of ..., we ... =&gt; The ... must ... </a:t>
+            </a:r>
+          </a:p>
+          <a:p>
+            <a:pPr algn="l"/>
+            <a:r>
+              <a:rPr lang="en-US" sz="1800">
+                <a:sym typeface="Wingdings" pitchFamily="2" charset="2"/>
+              </a:rPr>
+              <a:t>(code illustration snippet 62)</a:t>
+            </a:r>
+          </a:p>
+          <a:p>
+            <a:pPr algn="l"/>
+            <a:r>
+              <a:rPr lang="en-US" sz="1800" b="1">
+                <a:sym typeface="Wingdings" pitchFamily="2" charset="2"/>
+              </a:rPr>
+              <a:t>Implementing Generic Interfaces</a:t>
+            </a:r>
+          </a:p>
+          <a:p>
+            <a:pPr algn="l"/>
+            <a:r>
+              <a:rPr lang="en-US" sz="1800">
+                <a:sym typeface="Wingdings" pitchFamily="2" charset="2"/>
+              </a:rPr>
+              <a:t>- Other than class, we can ...</a:t>
+            </a:r>
+          </a:p>
+          <a:p>
+            <a:pPr algn="l"/>
+            <a:r>
+              <a:rPr lang="en-US" sz="1800">
+                <a:sym typeface="Wingdings" pitchFamily="2" charset="2"/>
+              </a:rPr>
+              <a:t>(code illustration snippet 63)</a:t>
+            </a:r>
+          </a:p>
+          <a:p>
+            <a:pPr algn="l"/>
+            <a:r>
+              <a:rPr lang="en-US" sz="1800">
+                <a:sym typeface="Wingdings" pitchFamily="2" charset="2"/>
+              </a:rPr>
+              <a:t>- We have ... ways to ...</a:t>
+            </a:r>
+          </a:p>
+          <a:p>
+            <a:pPr algn="l"/>
+            <a:r>
+              <a:rPr lang="en-US" sz="1800">
+                <a:sym typeface="Wingdings" pitchFamily="2" charset="2"/>
+              </a:rPr>
+              <a:t>(code illustration snippet 64)</a:t>
+            </a:r>
+          </a:p>
+          <a:p>
+            <a:pPr algn="l"/>
+            <a:r>
+              <a:rPr lang="en-US" sz="1800">
+                <a:sym typeface="Wingdings" pitchFamily="2" charset="2"/>
+              </a:rPr>
+              <a:t>- Although ... different, ... the same ...</a:t>
+            </a:r>
+          </a:p>
+          <a:p>
+            <a:pPr algn="l"/>
+            <a:r>
+              <a:rPr lang="en-US" sz="1800">
+                <a:sym typeface="Wingdings" pitchFamily="2" charset="2"/>
+              </a:rPr>
+              <a:t>(code illustration snippet 65)</a:t>
+            </a:r>
+          </a:p>
+          <a:p>
+            <a:pPr algn="l"/>
+            <a:r>
+              <a:rPr lang="en-US" sz="1800">
+                <a:sym typeface="Wingdings" pitchFamily="2" charset="2"/>
+              </a:rPr>
+              <a:t>- The last way is not ... at all</a:t>
+            </a:r>
+          </a:p>
+          <a:p>
+            <a:pPr algn="l"/>
+            <a:r>
+              <a:rPr lang="en-US" sz="1800">
+                <a:sym typeface="Wingdings" pitchFamily="2" charset="2"/>
+              </a:rPr>
+              <a:t>(code illustration snippet 66) </a:t>
+            </a:r>
+          </a:p>
+        </p:txBody>
+      </p:sp>
+    </p:spTree>
+    <p:extLst>
+      <p:ext uri="{BB962C8B-B14F-4D97-AF65-F5344CB8AC3E}">
+        <p14:creationId xmlns:p14="http://schemas.microsoft.com/office/powerpoint/2010/main" val="982831110"/>
+      </p:ext>
+    </p:extLst>
+  </p:cSld>
+  <p:clrMapOvr>
+    <a:masterClrMapping/>
+  </p:clrMapOvr>
+  <p:timing>
+    <p:tnLst>
+      <p:par>
+        <p:cTn id="1" dur="indefinite" restart="never" nodeType="tmRoot">
+          <p:childTnLst>
+            <p:seq concurrent="1" nextAc="seek">
+              <p:cTn id="2" dur="indefinite" nodeType="mainSeq">
+                <p:childTnLst>
+                  <p:par>
+                    <p:cTn id="3" fill="hold">
+                      <p:stCondLst>
+                        <p:cond delay="indefinite"/>
+                      </p:stCondLst>
+                      <p:childTnLst>
+                        <p:par>
+                          <p:cTn id="4" fill="hold">
+                            <p:stCondLst>
+                              <p:cond delay="0"/>
+                            </p:stCondLst>
+                            <p:childTnLst>
+                              <p:par>
+                                <p:cTn id="5" presetID="1" presetClass="entr" presetSubtype="0" fill="hold" nodeType="clickEffect">
+                                  <p:stCondLst>
+                                    <p:cond delay="0"/>
+                                  </p:stCondLst>
+                                  <p:childTnLst>
+                                    <p:set>
+                                      <p:cBhvr>
+                                        <p:cTn id="6" dur="1" fill="hold">
+                                          <p:stCondLst>
+                                            <p:cond delay="0"/>
+                                          </p:stCondLst>
+                                        </p:cTn>
+                                        <p:tgtEl>
+                                          <p:spTgt spid="4">
+                                            <p:txEl>
+                                              <p:pRg st="0" end="0"/>
+                                            </p:txEl>
+                                          </p:spTgt>
+                                        </p:tgtEl>
+                                        <p:attrNameLst>
+                                          <p:attrName>style.visibility</p:attrName>
+                                        </p:attrNameLst>
+                                      </p:cBhvr>
+                                      <p:to>
+                                        <p:strVal val="visible"/>
+                                      </p:to>
+                                    </p:set>
+                                  </p:childTnLst>
+                                </p:cTn>
+                              </p:par>
+                            </p:childTnLst>
+                          </p:cTn>
+                        </p:par>
+                      </p:childTnLst>
+                    </p:cTn>
+                  </p:par>
+                  <p:par>
+                    <p:cTn id="7" fill="hold">
+                      <p:stCondLst>
+                        <p:cond delay="indefinite"/>
+                      </p:stCondLst>
+                      <p:childTnLst>
+                        <p:par>
+                          <p:cTn id="8" fill="hold">
+                            <p:stCondLst>
+                              <p:cond delay="0"/>
+                            </p:stCondLst>
+                            <p:childTnLst>
+                              <p:par>
+                                <p:cTn id="9" presetID="1" presetClass="entr" presetSubtype="0" fill="hold" nodeType="clickEffect">
+                                  <p:stCondLst>
+                                    <p:cond delay="0"/>
+                                  </p:stCondLst>
+                                  <p:childTnLst>
+                                    <p:set>
+                                      <p:cBhvr>
+                                        <p:cTn id="10" dur="1" fill="hold">
+                                          <p:stCondLst>
+                                            <p:cond delay="0"/>
+                                          </p:stCondLst>
+                                        </p:cTn>
+                                        <p:tgtEl>
+                                          <p:spTgt spid="4">
+                                            <p:txEl>
+                                              <p:pRg st="1" end="1"/>
+                                            </p:txEl>
+                                          </p:spTgt>
+                                        </p:tgtEl>
+                                        <p:attrNameLst>
+                                          <p:attrName>style.visibility</p:attrName>
+                                        </p:attrNameLst>
+                                      </p:cBhvr>
+                                      <p:to>
+                                        <p:strVal val="visible"/>
+                                      </p:to>
+                                    </p:set>
+                                  </p:childTnLst>
+                                </p:cTn>
+                              </p:par>
+                            </p:childTnLst>
+                          </p:cTn>
+                        </p:par>
+                      </p:childTnLst>
+                    </p:cTn>
+                  </p:par>
+                  <p:par>
+                    <p:cTn id="11" fill="hold">
+                      <p:stCondLst>
+                        <p:cond delay="indefinite"/>
+                      </p:stCondLst>
+                      <p:childTnLst>
+                        <p:par>
+                          <p:cTn id="12" fill="hold">
+                            <p:stCondLst>
+                              <p:cond delay="0"/>
+                            </p:stCondLst>
+                            <p:childTnLst>
+                              <p:par>
+                                <p:cTn id="13" presetID="1" presetClass="entr" presetSubtype="0" fill="hold" nodeType="clickEffect">
+                                  <p:stCondLst>
+                                    <p:cond delay="0"/>
+                                  </p:stCondLst>
+                                  <p:childTnLst>
+                                    <p:set>
+                                      <p:cBhvr>
+                                        <p:cTn id="14" dur="1" fill="hold">
+                                          <p:stCondLst>
+                                            <p:cond delay="0"/>
+                                          </p:stCondLst>
+                                        </p:cTn>
+                                        <p:tgtEl>
+                                          <p:spTgt spid="4">
+                                            <p:txEl>
+                                              <p:pRg st="2" end="2"/>
+                                            </p:txEl>
+                                          </p:spTgt>
+                                        </p:tgtEl>
+                                        <p:attrNameLst>
+                                          <p:attrName>style.visibility</p:attrName>
+                                        </p:attrNameLst>
+                                      </p:cBhvr>
+                                      <p:to>
+                                        <p:strVal val="visible"/>
+                                      </p:to>
+                                    </p:set>
+                                  </p:childTnLst>
+                                </p:cTn>
+                              </p:par>
+                            </p:childTnLst>
+                          </p:cTn>
+                        </p:par>
+                      </p:childTnLst>
+                    </p:cTn>
+                  </p:par>
+                  <p:par>
+                    <p:cTn id="15" fill="hold">
+                      <p:stCondLst>
+                        <p:cond delay="indefinite"/>
+                      </p:stCondLst>
+                      <p:childTnLst>
+                        <p:par>
+                          <p:cTn id="16" fill="hold">
+                            <p:stCondLst>
+                              <p:cond delay="0"/>
+                            </p:stCondLst>
+                            <p:childTnLst>
+                              <p:par>
+                                <p:cTn id="17" presetID="1" presetClass="entr" presetSubtype="0" fill="hold" nodeType="clickEffect">
+                                  <p:stCondLst>
+                                    <p:cond delay="0"/>
+                                  </p:stCondLst>
+                                  <p:childTnLst>
+                                    <p:set>
+                                      <p:cBhvr>
+                                        <p:cTn id="18" dur="1" fill="hold">
+                                          <p:stCondLst>
+                                            <p:cond delay="0"/>
+                                          </p:stCondLst>
+                                        </p:cTn>
+                                        <p:tgtEl>
+                                          <p:spTgt spid="4">
+                                            <p:txEl>
+                                              <p:pRg st="3" end="3"/>
+                                            </p:txEl>
+                                          </p:spTgt>
+                                        </p:tgtEl>
+                                        <p:attrNameLst>
+                                          <p:attrName>style.visibility</p:attrName>
+                                        </p:attrNameLst>
+                                      </p:cBhvr>
+                                      <p:to>
+                                        <p:strVal val="visible"/>
+                                      </p:to>
+                                    </p:set>
+                                  </p:childTnLst>
+                                </p:cTn>
+                              </p:par>
+                            </p:childTnLst>
+                          </p:cTn>
+                        </p:par>
+                      </p:childTnLst>
+                    </p:cTn>
+                  </p:par>
+                  <p:par>
+                    <p:cTn id="19" fill="hold">
+                      <p:stCondLst>
+                        <p:cond delay="indefinite"/>
+                      </p:stCondLst>
+                      <p:childTnLst>
+                        <p:par>
+                          <p:cTn id="20" fill="hold">
+                            <p:stCondLst>
+                              <p:cond delay="0"/>
+                            </p:stCondLst>
+                            <p:childTnLst>
+                              <p:par>
+                                <p:cTn id="21" presetID="1" presetClass="entr" presetSubtype="0" fill="hold" nodeType="clickEffect">
+                                  <p:stCondLst>
+                                    <p:cond delay="0"/>
+                                  </p:stCondLst>
+                                  <p:childTnLst>
+                                    <p:set>
+                                      <p:cBhvr>
+                                        <p:cTn id="22" dur="1" fill="hold">
+                                          <p:stCondLst>
+                                            <p:cond delay="0"/>
+                                          </p:stCondLst>
+                                        </p:cTn>
+                                        <p:tgtEl>
+                                          <p:spTgt spid="4">
+                                            <p:txEl>
+                                              <p:pRg st="4" end="4"/>
+                                            </p:txEl>
+                                          </p:spTgt>
+                                        </p:tgtEl>
+                                        <p:attrNameLst>
+                                          <p:attrName>style.visibility</p:attrName>
+                                        </p:attrNameLst>
+                                      </p:cBhvr>
+                                      <p:to>
+                                        <p:strVal val="visible"/>
+                                      </p:to>
+                                    </p:set>
+                                  </p:childTnLst>
+                                </p:cTn>
+                              </p:par>
+                            </p:childTnLst>
+                          </p:cTn>
+                        </p:par>
+                      </p:childTnLst>
+                    </p:cTn>
+                  </p:par>
+                  <p:par>
+                    <p:cTn id="23" fill="hold">
+                      <p:stCondLst>
+                        <p:cond delay="indefinite"/>
+                      </p:stCondLst>
+                      <p:childTnLst>
+                        <p:par>
+                          <p:cTn id="24" fill="hold">
+                            <p:stCondLst>
+                              <p:cond delay="0"/>
+                            </p:stCondLst>
+                            <p:childTnLst>
+                              <p:par>
+                                <p:cTn id="25" presetID="1" presetClass="entr" presetSubtype="0" fill="hold" nodeType="clickEffect">
+                                  <p:stCondLst>
+                                    <p:cond delay="0"/>
+                                  </p:stCondLst>
+                                  <p:childTnLst>
+                                    <p:set>
+                                      <p:cBhvr>
+                                        <p:cTn id="26" dur="1" fill="hold">
+                                          <p:stCondLst>
+                                            <p:cond delay="0"/>
+                                          </p:stCondLst>
+                                        </p:cTn>
+                                        <p:tgtEl>
+                                          <p:spTgt spid="4">
+                                            <p:txEl>
+                                              <p:pRg st="5" end="5"/>
+                                            </p:txEl>
+                                          </p:spTgt>
+                                        </p:tgtEl>
+                                        <p:attrNameLst>
+                                          <p:attrName>style.visibility</p:attrName>
+                                        </p:attrNameLst>
+                                      </p:cBhvr>
+                                      <p:to>
+                                        <p:strVal val="visible"/>
+                                      </p:to>
+                                    </p:set>
+                                  </p:childTnLst>
+                                </p:cTn>
+                              </p:par>
+                            </p:childTnLst>
+                          </p:cTn>
+                        </p:par>
+                      </p:childTnLst>
+                    </p:cTn>
+                  </p:par>
+                  <p:par>
+                    <p:cTn id="27" fill="hold">
+                      <p:stCondLst>
+                        <p:cond delay="indefinite"/>
+                      </p:stCondLst>
+                      <p:childTnLst>
+                        <p:par>
+                          <p:cTn id="28" fill="hold">
+                            <p:stCondLst>
+                              <p:cond delay="0"/>
+                            </p:stCondLst>
+                            <p:childTnLst>
+                              <p:par>
+                                <p:cTn id="29" presetID="1" presetClass="entr" presetSubtype="0" fill="hold" nodeType="clickEffect">
+                                  <p:stCondLst>
+                                    <p:cond delay="0"/>
+                                  </p:stCondLst>
+                                  <p:childTnLst>
+                                    <p:set>
+                                      <p:cBhvr>
+                                        <p:cTn id="30" dur="1" fill="hold">
+                                          <p:stCondLst>
+                                            <p:cond delay="0"/>
+                                          </p:stCondLst>
+                                        </p:cTn>
+                                        <p:tgtEl>
+                                          <p:spTgt spid="4">
+                                            <p:txEl>
+                                              <p:pRg st="6" end="6"/>
+                                            </p:txEl>
+                                          </p:spTgt>
+                                        </p:tgtEl>
+                                        <p:attrNameLst>
+                                          <p:attrName>style.visibility</p:attrName>
+                                        </p:attrNameLst>
+                                      </p:cBhvr>
+                                      <p:to>
+                                        <p:strVal val="visible"/>
+                                      </p:to>
+                                    </p:set>
+                                  </p:childTnLst>
+                                </p:cTn>
+                              </p:par>
+                            </p:childTnLst>
+                          </p:cTn>
+                        </p:par>
+                      </p:childTnLst>
+                    </p:cTn>
+                  </p:par>
+                  <p:par>
+                    <p:cTn id="31" fill="hold">
+                      <p:stCondLst>
+                        <p:cond delay="indefinite"/>
+                      </p:stCondLst>
+                      <p:childTnLst>
+                        <p:par>
+                          <p:cTn id="32" fill="hold">
+                            <p:stCondLst>
+                              <p:cond delay="0"/>
+                            </p:stCondLst>
+                            <p:childTnLst>
+                              <p:par>
+                                <p:cTn id="33" presetID="1" presetClass="entr" presetSubtype="0" fill="hold" nodeType="clickEffect">
+                                  <p:stCondLst>
+                                    <p:cond delay="0"/>
+                                  </p:stCondLst>
+                                  <p:childTnLst>
+                                    <p:set>
+                                      <p:cBhvr>
+                                        <p:cTn id="34" dur="1" fill="hold">
+                                          <p:stCondLst>
+                                            <p:cond delay="0"/>
+                                          </p:stCondLst>
+                                        </p:cTn>
+                                        <p:tgtEl>
+                                          <p:spTgt spid="4">
+                                            <p:txEl>
+                                              <p:pRg st="7" end="7"/>
+                                            </p:txEl>
+                                          </p:spTgt>
+                                        </p:tgtEl>
+                                        <p:attrNameLst>
+                                          <p:attrName>style.visibility</p:attrName>
+                                        </p:attrNameLst>
+                                      </p:cBhvr>
+                                      <p:to>
+                                        <p:strVal val="visible"/>
+                                      </p:to>
+                                    </p:set>
+                                  </p:childTnLst>
+                                </p:cTn>
+                              </p:par>
+                            </p:childTnLst>
+                          </p:cTn>
+                        </p:par>
+                      </p:childTnLst>
+                    </p:cTn>
+                  </p:par>
+                  <p:par>
+                    <p:cTn id="35" fill="hold">
+                      <p:stCondLst>
+                        <p:cond delay="indefinite"/>
+                      </p:stCondLst>
+                      <p:childTnLst>
+                        <p:par>
+                          <p:cTn id="36" fill="hold">
+                            <p:stCondLst>
+                              <p:cond delay="0"/>
+                            </p:stCondLst>
+                            <p:childTnLst>
+                              <p:par>
+                                <p:cTn id="37" presetID="1" presetClass="entr" presetSubtype="0" fill="hold" nodeType="clickEffect">
+                                  <p:stCondLst>
+                                    <p:cond delay="0"/>
+                                  </p:stCondLst>
+                                  <p:childTnLst>
+                                    <p:set>
+                                      <p:cBhvr>
+                                        <p:cTn id="38" dur="1" fill="hold">
+                                          <p:stCondLst>
+                                            <p:cond delay="0"/>
+                                          </p:stCondLst>
+                                        </p:cTn>
+                                        <p:tgtEl>
+                                          <p:spTgt spid="4">
+                                            <p:txEl>
+                                              <p:pRg st="8" end="8"/>
+                                            </p:txEl>
+                                          </p:spTgt>
+                                        </p:tgtEl>
+                                        <p:attrNameLst>
+                                          <p:attrName>style.visibility</p:attrName>
+                                        </p:attrNameLst>
+                                      </p:cBhvr>
+                                      <p:to>
+                                        <p:strVal val="visible"/>
+                                      </p:to>
+                                    </p:set>
+                                  </p:childTnLst>
+                                </p:cTn>
+                              </p:par>
+                            </p:childTnLst>
+                          </p:cTn>
+                        </p:par>
+                      </p:childTnLst>
+                    </p:cTn>
+                  </p:par>
+                  <p:par>
+                    <p:cTn id="39" fill="hold">
+                      <p:stCondLst>
+                        <p:cond delay="indefinite"/>
+                      </p:stCondLst>
+                      <p:childTnLst>
+                        <p:par>
+                          <p:cTn id="40" fill="hold">
+                            <p:stCondLst>
+                              <p:cond delay="0"/>
+                            </p:stCondLst>
+                            <p:childTnLst>
+                              <p:par>
+                                <p:cTn id="41" presetID="1" presetClass="entr" presetSubtype="0" fill="hold" nodeType="clickEffect">
+                                  <p:stCondLst>
+                                    <p:cond delay="0"/>
+                                  </p:stCondLst>
+                                  <p:childTnLst>
+                                    <p:set>
+                                      <p:cBhvr>
+                                        <p:cTn id="42" dur="1" fill="hold">
+                                          <p:stCondLst>
+                                            <p:cond delay="0"/>
+                                          </p:stCondLst>
+                                        </p:cTn>
+                                        <p:tgtEl>
+                                          <p:spTgt spid="4">
+                                            <p:txEl>
+                                              <p:pRg st="9" end="9"/>
+                                            </p:txEl>
+                                          </p:spTgt>
+                                        </p:tgtEl>
+                                        <p:attrNameLst>
+                                          <p:attrName>style.visibility</p:attrName>
+                                        </p:attrNameLst>
+                                      </p:cBhvr>
+                                      <p:to>
+                                        <p:strVal val="visible"/>
+                                      </p:to>
+                                    </p:set>
+                                  </p:childTnLst>
+                                </p:cTn>
+                              </p:par>
+                            </p:childTnLst>
+                          </p:cTn>
+                        </p:par>
+                      </p:childTnLst>
+                    </p:cTn>
+                  </p:par>
+                  <p:par>
+                    <p:cTn id="43" fill="hold">
+                      <p:stCondLst>
+                        <p:cond delay="indefinite"/>
+                      </p:stCondLst>
+                      <p:childTnLst>
+                        <p:par>
+                          <p:cTn id="44" fill="hold">
+                            <p:stCondLst>
+                              <p:cond delay="0"/>
+                            </p:stCondLst>
+                            <p:childTnLst>
+                              <p:par>
+                                <p:cTn id="45" presetID="1" presetClass="entr" presetSubtype="0" fill="hold" nodeType="clickEffect">
+                                  <p:stCondLst>
+                                    <p:cond delay="0"/>
+                                  </p:stCondLst>
+                                  <p:childTnLst>
+                                    <p:set>
+                                      <p:cBhvr>
+                                        <p:cTn id="46" dur="1" fill="hold">
+                                          <p:stCondLst>
+                                            <p:cond delay="0"/>
+                                          </p:stCondLst>
+                                        </p:cTn>
+                                        <p:tgtEl>
+                                          <p:spTgt spid="4">
+                                            <p:txEl>
+                                              <p:pRg st="10" end="10"/>
+                                            </p:txEl>
+                                          </p:spTgt>
+                                        </p:tgtEl>
+                                        <p:attrNameLst>
+                                          <p:attrName>style.visibility</p:attrName>
+                                        </p:attrNameLst>
+                                      </p:cBhvr>
+                                      <p:to>
+                                        <p:strVal val="visible"/>
+                                      </p:to>
+                                    </p:set>
+                                  </p:childTnLst>
+                                </p:cTn>
+                              </p:par>
+                            </p:childTnLst>
+                          </p:cTn>
+                        </p:par>
+                      </p:childTnLst>
+                    </p:cTn>
+                  </p:par>
+                  <p:par>
+                    <p:cTn id="47" fill="hold">
+                      <p:stCondLst>
+                        <p:cond delay="indefinite"/>
+                      </p:stCondLst>
+                      <p:childTnLst>
+                        <p:par>
+                          <p:cTn id="48" fill="hold">
+                            <p:stCondLst>
+                              <p:cond delay="0"/>
+                            </p:stCondLst>
+                            <p:childTnLst>
+                              <p:par>
+                                <p:cTn id="49" presetID="1" presetClass="entr" presetSubtype="0" fill="hold" nodeType="clickEffect">
+                                  <p:stCondLst>
+                                    <p:cond delay="0"/>
+                                  </p:stCondLst>
+                                  <p:childTnLst>
+                                    <p:set>
+                                      <p:cBhvr>
+                                        <p:cTn id="50" dur="1" fill="hold">
+                                          <p:stCondLst>
+                                            <p:cond delay="0"/>
+                                          </p:stCondLst>
+                                        </p:cTn>
+                                        <p:tgtEl>
+                                          <p:spTgt spid="4">
+                                            <p:txEl>
+                                              <p:pRg st="11" end="11"/>
+                                            </p:txEl>
+                                          </p:spTgt>
+                                        </p:tgtEl>
+                                        <p:attrNameLst>
+                                          <p:attrName>style.visibility</p:attrName>
+                                        </p:attrNameLst>
+                                      </p:cBhvr>
+                                      <p:to>
+                                        <p:strVal val="visible"/>
+                                      </p:to>
+                                    </p:set>
+                                  </p:childTnLst>
+                                </p:cTn>
+                              </p:par>
+                            </p:childTnLst>
+                          </p:cTn>
+                        </p:par>
+                      </p:childTnLst>
+                    </p:cTn>
+                  </p:par>
+                  <p:par>
+                    <p:cTn id="51" fill="hold">
+                      <p:stCondLst>
+                        <p:cond delay="indefinite"/>
+                      </p:stCondLst>
+                      <p:childTnLst>
+                        <p:par>
+                          <p:cTn id="52" fill="hold">
+                            <p:stCondLst>
+                              <p:cond delay="0"/>
+                            </p:stCondLst>
+                            <p:childTnLst>
+                              <p:par>
+                                <p:cTn id="53" presetID="1" presetClass="entr" presetSubtype="0" fill="hold" nodeType="clickEffect">
+                                  <p:stCondLst>
+                                    <p:cond delay="0"/>
+                                  </p:stCondLst>
+                                  <p:childTnLst>
+                                    <p:set>
+                                      <p:cBhvr>
+                                        <p:cTn id="54" dur="1" fill="hold">
+                                          <p:stCondLst>
+                                            <p:cond delay="0"/>
+                                          </p:stCondLst>
+                                        </p:cTn>
+                                        <p:tgtEl>
+                                          <p:spTgt spid="4">
+                                            <p:txEl>
+                                              <p:pRg st="12" end="12"/>
+                                            </p:txEl>
+                                          </p:spTgt>
+                                        </p:tgtEl>
+                                        <p:attrNameLst>
+                                          <p:attrName>style.visibility</p:attrName>
+                                        </p:attrNameLst>
+                                      </p:cBhvr>
+                                      <p:to>
+                                        <p:strVal val="visible"/>
+                                      </p:to>
+                                    </p:set>
+                                  </p:childTnLst>
+                                </p:cTn>
+                              </p:par>
+                            </p:childTnLst>
+                          </p:cTn>
+                        </p:par>
+                      </p:childTnLst>
+                    </p:cTn>
+                  </p:par>
+                </p:childTnLst>
+              </p:cTn>
+              <p:prevCondLst>
+                <p:cond evt="onPrev" delay="0">
+                  <p:tgtEl>
+                    <p:sldTgt/>
+                  </p:tgtEl>
+                </p:cond>
+              </p:prevCondLst>
+              <p:nextCondLst>
+                <p:cond evt="onNext" delay="0">
+                  <p:tgtEl>
+                    <p:sldTgt/>
+                  </p:tgtEl>
+                </p:cond>
+              </p:nextCondLst>
+            </p:seq>
+          </p:childTnLst>
+        </p:cTn>
+      </p:par>
+    </p:tnLst>
+  </p:timing>
+</p:sld>
+</file>
+
+<file path=ppt/slides/slide38.xml><?xml version="1.0" encoding="utf-8"?>
+<p:sld xmlns:a="http://schemas.openxmlformats.org/drawingml/2006/main" xmlns:r="http://schemas.openxmlformats.org/officeDocument/2006/relationships" xmlns:p="http://schemas.openxmlformats.org/presentationml/2006/main">
+  <p:cSld>
+    <p:spTree>
+      <p:nvGrpSpPr>
+        <p:cNvPr id="1" name="">
+          <a:extLst>
+            <a:ext uri="{FF2B5EF4-FFF2-40B4-BE49-F238E27FC236}">
+              <a16:creationId xmlns:a16="http://schemas.microsoft.com/office/drawing/2014/main" id="{2113CE50-D9A3-D46A-B676-A0F6FB484FAF}"/>
+            </a:ext>
+          </a:extLst>
+        </p:cNvPr>
+        <p:cNvGrpSpPr/>
+        <p:nvPr/>
+      </p:nvGrpSpPr>
+      <p:grpSpPr>
+        <a:xfrm>
+          <a:off x="0" y="0"/>
+          <a:ext cx="0" cy="0"/>
+          <a:chOff x="0" y="0"/>
+          <a:chExt cx="0" cy="0"/>
+        </a:xfrm>
+      </p:grpSpPr>
+      <p:sp>
+        <p:nvSpPr>
+          <p:cNvPr id="3" name="Subtitle 2">
+            <a:extLst>
+              <a:ext uri="{FF2B5EF4-FFF2-40B4-BE49-F238E27FC236}">
+                <a16:creationId xmlns:a16="http://schemas.microsoft.com/office/drawing/2014/main" id="{1E612DE4-FAFF-C808-9AC3-FBA20D41EC06}"/>
+              </a:ext>
+            </a:extLst>
+          </p:cNvPr>
+          <p:cNvSpPr>
+            <a:spLocks noGrp="1"/>
+          </p:cNvSpPr>
+          <p:nvPr>
+            <p:ph type="subTitle" idx="1"/>
+          </p:nvPr>
+        </p:nvSpPr>
+        <p:spPr>
+          <a:xfrm>
+            <a:off x="152399" y="217488"/>
+            <a:ext cx="11223171" cy="303212"/>
+          </a:xfrm>
+        </p:spPr>
+        <p:txBody>
+          <a:bodyPr>
+            <a:normAutofit fontScale="92500" lnSpcReduction="20000"/>
+          </a:bodyPr>
+          <a:lstStyle/>
+          <a:p>
+            <a:r>
+              <a:rPr lang="en-US" sz="1800" b="1"/>
+              <a:t>Chapter 9 – Collections and Generics</a:t>
+            </a:r>
+          </a:p>
+        </p:txBody>
+      </p:sp>
+      <p:sp>
+        <p:nvSpPr>
+          <p:cNvPr id="4" name="Subtitle 2">
+            <a:extLst>
+              <a:ext uri="{FF2B5EF4-FFF2-40B4-BE49-F238E27FC236}">
+                <a16:creationId xmlns:a16="http://schemas.microsoft.com/office/drawing/2014/main" id="{5B8CCD28-B45B-93B3-2F9A-750E6A11D11F}"/>
+              </a:ext>
+            </a:extLst>
+          </p:cNvPr>
+          <p:cNvSpPr txBox="1">
+            <a:spLocks/>
+          </p:cNvSpPr>
+          <p:nvPr/>
+        </p:nvSpPr>
+        <p:spPr>
+          <a:xfrm>
+            <a:off x="0" y="820738"/>
+            <a:ext cx="12192000" cy="6037262"/>
+          </a:xfrm>
+          <a:prstGeom prst="rect">
+            <a:avLst/>
+          </a:prstGeom>
+        </p:spPr>
+        <p:txBody>
+          <a:bodyPr vert="horz" lIns="91440" tIns="45720" rIns="91440" bIns="45720" rtlCol="0">
+            <a:normAutofit/>
+          </a:bodyPr>
+          <a:lstStyle>
+            <a:lvl1pPr marL="0" indent="0" algn="ctr" defTabSz="914400" rtl="0" eaLnBrk="1" latinLnBrk="0" hangingPunct="1">
+              <a:lnSpc>
+                <a:spcPct val="90000"/>
+              </a:lnSpc>
+              <a:spcBef>
+                <a:spcPts val="1000"/>
+              </a:spcBef>
+              <a:buFont typeface="Arial" panose="020B0604020202020204" pitchFamily="34" charset="0"/>
+              <a:buNone/>
+              <a:defRPr sz="2400" kern="1200">
+                <a:solidFill>
+                  <a:schemeClr val="tx1"/>
+                </a:solidFill>
+                <a:latin typeface="+mn-lt"/>
+                <a:ea typeface="+mn-ea"/>
+                <a:cs typeface="+mn-cs"/>
+              </a:defRPr>
+            </a:lvl1pPr>
+            <a:lvl2pPr marL="457200" indent="0" algn="ctr" defTabSz="914400" rtl="0" eaLnBrk="1" latinLnBrk="0" hangingPunct="1">
+              <a:lnSpc>
+                <a:spcPct val="90000"/>
+              </a:lnSpc>
+              <a:spcBef>
+                <a:spcPts val="500"/>
+              </a:spcBef>
+              <a:buFont typeface="Arial" panose="020B0604020202020204" pitchFamily="34" charset="0"/>
+              <a:buNone/>
+              <a:defRPr sz="2000" kern="1200">
+                <a:solidFill>
+                  <a:schemeClr val="tx1"/>
+                </a:solidFill>
+                <a:latin typeface="+mn-lt"/>
+                <a:ea typeface="+mn-ea"/>
+                <a:cs typeface="+mn-cs"/>
+              </a:defRPr>
+            </a:lvl2pPr>
+            <a:lvl3pPr marL="914400" indent="0" algn="ctr" defTabSz="914400" rtl="0" eaLnBrk="1" latinLnBrk="0" hangingPunct="1">
+              <a:lnSpc>
+                <a:spcPct val="90000"/>
+              </a:lnSpc>
+              <a:spcBef>
+                <a:spcPts val="500"/>
+              </a:spcBef>
+              <a:buFont typeface="Arial" panose="020B0604020202020204" pitchFamily="34" charset="0"/>
+              <a:buNone/>
+              <a:defRPr sz="1800" kern="1200">
+                <a:solidFill>
+                  <a:schemeClr val="tx1"/>
+                </a:solidFill>
+                <a:latin typeface="+mn-lt"/>
+                <a:ea typeface="+mn-ea"/>
+                <a:cs typeface="+mn-cs"/>
+              </a:defRPr>
+            </a:lvl3pPr>
+            <a:lvl4pPr marL="1371600" indent="0" algn="ctr" defTabSz="914400" rtl="0" eaLnBrk="1" latinLnBrk="0" hangingPunct="1">
+              <a:lnSpc>
+                <a:spcPct val="90000"/>
+              </a:lnSpc>
+              <a:spcBef>
+                <a:spcPts val="500"/>
+              </a:spcBef>
+              <a:buFont typeface="Arial" panose="020B0604020202020204" pitchFamily="34" charset="0"/>
+              <a:buNone/>
+              <a:defRPr sz="1600" kern="1200">
+                <a:solidFill>
+                  <a:schemeClr val="tx1"/>
+                </a:solidFill>
+                <a:latin typeface="+mn-lt"/>
+                <a:ea typeface="+mn-ea"/>
+                <a:cs typeface="+mn-cs"/>
+              </a:defRPr>
+            </a:lvl4pPr>
+            <a:lvl5pPr marL="1828800" indent="0" algn="ctr" defTabSz="914400" rtl="0" eaLnBrk="1" latinLnBrk="0" hangingPunct="1">
+              <a:lnSpc>
+                <a:spcPct val="90000"/>
+              </a:lnSpc>
+              <a:spcBef>
+                <a:spcPts val="500"/>
+              </a:spcBef>
+              <a:buFont typeface="Arial" panose="020B0604020202020204" pitchFamily="34" charset="0"/>
+              <a:buNone/>
+              <a:defRPr sz="1600" kern="1200">
+                <a:solidFill>
+                  <a:schemeClr val="tx1"/>
+                </a:solidFill>
+                <a:latin typeface="+mn-lt"/>
+                <a:ea typeface="+mn-ea"/>
+                <a:cs typeface="+mn-cs"/>
+              </a:defRPr>
+            </a:lvl5pPr>
+            <a:lvl6pPr marL="2286000" indent="0" algn="ctr" defTabSz="914400" rtl="0" eaLnBrk="1" latinLnBrk="0" hangingPunct="1">
+              <a:lnSpc>
+                <a:spcPct val="90000"/>
+              </a:lnSpc>
+              <a:spcBef>
+                <a:spcPts val="500"/>
+              </a:spcBef>
+              <a:buFont typeface="Arial" panose="020B0604020202020204" pitchFamily="34" charset="0"/>
+              <a:buNone/>
+              <a:defRPr sz="1600" kern="1200">
+                <a:solidFill>
+                  <a:schemeClr val="tx1"/>
+                </a:solidFill>
+                <a:latin typeface="+mn-lt"/>
+                <a:ea typeface="+mn-ea"/>
+                <a:cs typeface="+mn-cs"/>
+              </a:defRPr>
+            </a:lvl6pPr>
+            <a:lvl7pPr marL="2743200" indent="0" algn="ctr" defTabSz="914400" rtl="0" eaLnBrk="1" latinLnBrk="0" hangingPunct="1">
+              <a:lnSpc>
+                <a:spcPct val="90000"/>
+              </a:lnSpc>
+              <a:spcBef>
+                <a:spcPts val="500"/>
+              </a:spcBef>
+              <a:buFont typeface="Arial" panose="020B0604020202020204" pitchFamily="34" charset="0"/>
+              <a:buNone/>
+              <a:defRPr sz="1600" kern="1200">
+                <a:solidFill>
+                  <a:schemeClr val="tx1"/>
+                </a:solidFill>
+                <a:latin typeface="+mn-lt"/>
+                <a:ea typeface="+mn-ea"/>
+                <a:cs typeface="+mn-cs"/>
+              </a:defRPr>
+            </a:lvl7pPr>
+            <a:lvl8pPr marL="3200400" indent="0" algn="ctr" defTabSz="914400" rtl="0" eaLnBrk="1" latinLnBrk="0" hangingPunct="1">
+              <a:lnSpc>
+                <a:spcPct val="90000"/>
+              </a:lnSpc>
+              <a:spcBef>
+                <a:spcPts val="500"/>
+              </a:spcBef>
+              <a:buFont typeface="Arial" panose="020B0604020202020204" pitchFamily="34" charset="0"/>
+              <a:buNone/>
+              <a:defRPr sz="1600" kern="1200">
+                <a:solidFill>
+                  <a:schemeClr val="tx1"/>
+                </a:solidFill>
+                <a:latin typeface="+mn-lt"/>
+                <a:ea typeface="+mn-ea"/>
+                <a:cs typeface="+mn-cs"/>
+              </a:defRPr>
+            </a:lvl8pPr>
+            <a:lvl9pPr marL="3657600" indent="0" algn="ctr" defTabSz="914400" rtl="0" eaLnBrk="1" latinLnBrk="0" hangingPunct="1">
+              <a:lnSpc>
+                <a:spcPct val="90000"/>
+              </a:lnSpc>
+              <a:spcBef>
+                <a:spcPts val="500"/>
+              </a:spcBef>
+              <a:buFont typeface="Arial" panose="020B0604020202020204" pitchFamily="34" charset="0"/>
+              <a:buNone/>
+              <a:defRPr sz="1600" kern="1200">
+                <a:solidFill>
+                  <a:schemeClr val="tx1"/>
+                </a:solidFill>
+                <a:latin typeface="+mn-lt"/>
+                <a:ea typeface="+mn-ea"/>
+                <a:cs typeface="+mn-cs"/>
+              </a:defRPr>
+            </a:lvl9pPr>
+          </a:lstStyle>
+          <a:p>
+            <a:pPr algn="l"/>
+            <a:r>
+              <a:rPr lang="en-US" sz="1800">
+                <a:sym typeface="Wingdings" pitchFamily="2" charset="2"/>
+              </a:rPr>
+              <a:t>- For generic, ... limit ... Most of this limits ... caused by ... </a:t>
+            </a:r>
+          </a:p>
+          <a:p>
+            <a:pPr algn="l"/>
+            <a:r>
+              <a:rPr lang="en-US" sz="1800">
+                <a:sym typeface="Wingdings" pitchFamily="2" charset="2"/>
+              </a:rPr>
+              <a:t>- Java defines type with ... as ... </a:t>
+            </a:r>
+          </a:p>
+          <a:p>
+            <a:pPr algn="l"/>
+            <a:r>
+              <a:rPr lang="en-US" sz="1800">
+                <a:sym typeface="Wingdings" pitchFamily="2" charset="2"/>
+              </a:rPr>
+              <a:t>- A reifiable ... can do ... while non...</a:t>
+            </a:r>
+          </a:p>
+          <a:p>
+            <a:pPr algn="l"/>
+            <a:r>
+              <a:rPr lang="en-US" sz="1800">
+                <a:sym typeface="Wingdings" pitchFamily="2" charset="2"/>
+              </a:rPr>
+              <a:t>+)</a:t>
+            </a:r>
+          </a:p>
+          <a:p>
+            <a:pPr algn="l"/>
+            <a:r>
+              <a:rPr lang="en-US" sz="1800">
+                <a:sym typeface="Wingdings" pitchFamily="2" charset="2"/>
+              </a:rPr>
+              <a:t>+)</a:t>
+            </a:r>
+          </a:p>
+          <a:p>
+            <a:pPr algn="l"/>
+            <a:r>
+              <a:rPr lang="en-US" sz="1800">
+                <a:sym typeface="Wingdings" pitchFamily="2" charset="2"/>
+              </a:rPr>
+              <a:t>+) (we have 2 cases when using ... +) ... +) ..., this is also called ... usage ...)</a:t>
+            </a:r>
+          </a:p>
+          <a:p>
+            <a:pPr algn="l"/>
+            <a:r>
+              <a:rPr lang="en-US" sz="1800">
+                <a:sym typeface="Wingdings" pitchFamily="2" charset="2"/>
+              </a:rPr>
+              <a:t>+)</a:t>
+            </a:r>
+          </a:p>
+          <a:p>
+            <a:pPr algn="l"/>
+            <a:r>
+              <a:rPr lang="en-US" sz="1800">
+                <a:sym typeface="Wingdings" pitchFamily="2" charset="2"/>
+              </a:rPr>
+              <a:t>+) (because ... context ...)</a:t>
+            </a:r>
+          </a:p>
+          <a:p>
+            <a:pPr algn="l"/>
+            <a:endParaRPr lang="en-US" sz="1800">
+              <a:sym typeface="Wingdings" pitchFamily="2" charset="2"/>
+            </a:endParaRPr>
+          </a:p>
+          <a:p>
+            <a:pPr algn="l"/>
+            <a:r>
+              <a:rPr lang="en-US" sz="1800" b="1">
+                <a:sym typeface="Wingdings" pitchFamily="2" charset="2"/>
+              </a:rPr>
+              <a:t>Writing Generic methods</a:t>
+            </a:r>
+          </a:p>
+          <a:p>
+            <a:pPr algn="l"/>
+            <a:r>
+              <a:rPr lang="en-US" sz="1800">
+                <a:sym typeface="Wingdings" pitchFamily="2" charset="2"/>
+              </a:rPr>
+              <a:t>- We have seen ... in ... and .... But we can also use ... on ...</a:t>
+            </a:r>
+          </a:p>
+          <a:p>
+            <a:pPr algn="l"/>
+            <a:r>
+              <a:rPr lang="en-US" sz="1800">
+                <a:sym typeface="Wingdings" pitchFamily="2" charset="2"/>
+              </a:rPr>
+              <a:t>– This is usually useful for ... because generic ... context and not ... However, this is still applicable to ...</a:t>
+            </a:r>
+          </a:p>
+          <a:p>
+            <a:pPr algn="l"/>
+            <a:r>
+              <a:rPr lang="en-US" sz="1800">
+                <a:sym typeface="Wingdings" pitchFamily="2" charset="2"/>
+              </a:rPr>
+              <a:t>(code illustration snippet 67)</a:t>
+            </a:r>
+          </a:p>
+          <a:p>
+            <a:pPr algn="l"/>
+            <a:r>
+              <a:rPr lang="en-US" sz="1800">
+                <a:sym typeface="Wingdings" pitchFamily="2" charset="2"/>
+              </a:rPr>
+              <a:t>- If it is not ..., we have to ...</a:t>
+            </a:r>
+          </a:p>
+          <a:p>
+            <a:pPr algn="l"/>
+            <a:r>
+              <a:rPr lang="en-US" sz="1800">
+                <a:sym typeface="Wingdings" pitchFamily="2" charset="2"/>
+              </a:rPr>
+              <a:t>(code illustration snippet 68)</a:t>
+            </a:r>
+          </a:p>
+        </p:txBody>
+      </p:sp>
+    </p:spTree>
+    <p:extLst>
+      <p:ext uri="{BB962C8B-B14F-4D97-AF65-F5344CB8AC3E}">
+        <p14:creationId xmlns:p14="http://schemas.microsoft.com/office/powerpoint/2010/main" val="3561253707"/>
+      </p:ext>
+    </p:extLst>
+  </p:cSld>
+  <p:clrMapOvr>
+    <a:masterClrMapping/>
+  </p:clrMapOvr>
+  <p:timing>
+    <p:tnLst>
+      <p:par>
+        <p:cTn id="1" dur="indefinite" restart="never" nodeType="tmRoot">
+          <p:childTnLst>
+            <p:seq concurrent="1" nextAc="seek">
+              <p:cTn id="2" dur="indefinite" nodeType="mainSeq">
+                <p:childTnLst>
+                  <p:par>
+                    <p:cTn id="3" fill="hold">
+                      <p:stCondLst>
+                        <p:cond delay="indefinite"/>
+                      </p:stCondLst>
+                      <p:childTnLst>
+                        <p:par>
+                          <p:cTn id="4" fill="hold">
+                            <p:stCondLst>
+                              <p:cond delay="0"/>
+                            </p:stCondLst>
+                            <p:childTnLst>
+                              <p:par>
+                                <p:cTn id="5" presetID="1" presetClass="entr" presetSubtype="0" fill="hold" nodeType="clickEffect">
+                                  <p:stCondLst>
+                                    <p:cond delay="0"/>
+                                  </p:stCondLst>
+                                  <p:childTnLst>
+                                    <p:set>
+                                      <p:cBhvr>
+                                        <p:cTn id="6" dur="1" fill="hold">
+                                          <p:stCondLst>
+                                            <p:cond delay="0"/>
+                                          </p:stCondLst>
+                                        </p:cTn>
+                                        <p:tgtEl>
+                                          <p:spTgt spid="4">
+                                            <p:txEl>
+                                              <p:pRg st="0" end="0"/>
+                                            </p:txEl>
+                                          </p:spTgt>
+                                        </p:tgtEl>
+                                        <p:attrNameLst>
+                                          <p:attrName>style.visibility</p:attrName>
+                                        </p:attrNameLst>
+                                      </p:cBhvr>
+                                      <p:to>
+                                        <p:strVal val="visible"/>
+                                      </p:to>
+                                    </p:set>
+                                  </p:childTnLst>
+                                </p:cTn>
+                              </p:par>
+                            </p:childTnLst>
+                          </p:cTn>
+                        </p:par>
+                      </p:childTnLst>
+                    </p:cTn>
+                  </p:par>
+                  <p:par>
+                    <p:cTn id="7" fill="hold">
+                      <p:stCondLst>
+                        <p:cond delay="indefinite"/>
+                      </p:stCondLst>
+                      <p:childTnLst>
+                        <p:par>
+                          <p:cTn id="8" fill="hold">
+                            <p:stCondLst>
+                              <p:cond delay="0"/>
+                            </p:stCondLst>
+                            <p:childTnLst>
+                              <p:par>
+                                <p:cTn id="9" presetID="1" presetClass="entr" presetSubtype="0" fill="hold" nodeType="clickEffect">
+                                  <p:stCondLst>
+                                    <p:cond delay="0"/>
+                                  </p:stCondLst>
+                                  <p:childTnLst>
+                                    <p:set>
+                                      <p:cBhvr>
+                                        <p:cTn id="10" dur="1" fill="hold">
+                                          <p:stCondLst>
+                                            <p:cond delay="0"/>
+                                          </p:stCondLst>
+                                        </p:cTn>
+                                        <p:tgtEl>
+                                          <p:spTgt spid="4">
+                                            <p:txEl>
+                                              <p:pRg st="1" end="1"/>
+                                            </p:txEl>
+                                          </p:spTgt>
+                                        </p:tgtEl>
+                                        <p:attrNameLst>
+                                          <p:attrName>style.visibility</p:attrName>
+                                        </p:attrNameLst>
+                                      </p:cBhvr>
+                                      <p:to>
+                                        <p:strVal val="visible"/>
+                                      </p:to>
+                                    </p:set>
+                                  </p:childTnLst>
+                                </p:cTn>
+                              </p:par>
+                            </p:childTnLst>
+                          </p:cTn>
+                        </p:par>
+                      </p:childTnLst>
+                    </p:cTn>
+                  </p:par>
+                  <p:par>
+                    <p:cTn id="11" fill="hold">
+                      <p:stCondLst>
+                        <p:cond delay="indefinite"/>
+                      </p:stCondLst>
+                      <p:childTnLst>
+                        <p:par>
+                          <p:cTn id="12" fill="hold">
+                            <p:stCondLst>
+                              <p:cond delay="0"/>
+                            </p:stCondLst>
+                            <p:childTnLst>
+                              <p:par>
+                                <p:cTn id="13" presetID="1" presetClass="entr" presetSubtype="0" fill="hold" nodeType="clickEffect">
+                                  <p:stCondLst>
+                                    <p:cond delay="0"/>
+                                  </p:stCondLst>
+                                  <p:childTnLst>
+                                    <p:set>
+                                      <p:cBhvr>
+                                        <p:cTn id="14" dur="1" fill="hold">
+                                          <p:stCondLst>
+                                            <p:cond delay="0"/>
+                                          </p:stCondLst>
+                                        </p:cTn>
+                                        <p:tgtEl>
+                                          <p:spTgt spid="4">
+                                            <p:txEl>
+                                              <p:pRg st="2" end="2"/>
+                                            </p:txEl>
+                                          </p:spTgt>
+                                        </p:tgtEl>
+                                        <p:attrNameLst>
+                                          <p:attrName>style.visibility</p:attrName>
+                                        </p:attrNameLst>
+                                      </p:cBhvr>
+                                      <p:to>
+                                        <p:strVal val="visible"/>
+                                      </p:to>
+                                    </p:set>
+                                  </p:childTnLst>
+                                </p:cTn>
+                              </p:par>
+                            </p:childTnLst>
+                          </p:cTn>
+                        </p:par>
+                      </p:childTnLst>
+                    </p:cTn>
+                  </p:par>
+                  <p:par>
+                    <p:cTn id="15" fill="hold">
+                      <p:stCondLst>
+                        <p:cond delay="indefinite"/>
+                      </p:stCondLst>
+                      <p:childTnLst>
+                        <p:par>
+                          <p:cTn id="16" fill="hold">
+                            <p:stCondLst>
+                              <p:cond delay="0"/>
+                            </p:stCondLst>
+                            <p:childTnLst>
+                              <p:par>
+                                <p:cTn id="17" presetID="1" presetClass="entr" presetSubtype="0" fill="hold" nodeType="clickEffect">
+                                  <p:stCondLst>
+                                    <p:cond delay="0"/>
+                                  </p:stCondLst>
+                                  <p:childTnLst>
+                                    <p:set>
+                                      <p:cBhvr>
+                                        <p:cTn id="18" dur="1" fill="hold">
+                                          <p:stCondLst>
+                                            <p:cond delay="0"/>
+                                          </p:stCondLst>
+                                        </p:cTn>
+                                        <p:tgtEl>
+                                          <p:spTgt spid="4">
+                                            <p:txEl>
+                                              <p:pRg st="3" end="3"/>
+                                            </p:txEl>
+                                          </p:spTgt>
+                                        </p:tgtEl>
+                                        <p:attrNameLst>
+                                          <p:attrName>style.visibility</p:attrName>
+                                        </p:attrNameLst>
+                                      </p:cBhvr>
+                                      <p:to>
+                                        <p:strVal val="visible"/>
+                                      </p:to>
+                                    </p:set>
+                                  </p:childTnLst>
+                                </p:cTn>
+                              </p:par>
+                            </p:childTnLst>
+                          </p:cTn>
+                        </p:par>
+                      </p:childTnLst>
+                    </p:cTn>
+                  </p:par>
+                  <p:par>
+                    <p:cTn id="19" fill="hold">
+                      <p:stCondLst>
+                        <p:cond delay="indefinite"/>
+                      </p:stCondLst>
+                      <p:childTnLst>
+                        <p:par>
+                          <p:cTn id="20" fill="hold">
+                            <p:stCondLst>
+                              <p:cond delay="0"/>
+                            </p:stCondLst>
+                            <p:childTnLst>
+                              <p:par>
+                                <p:cTn id="21" presetID="1" presetClass="entr" presetSubtype="0" fill="hold" nodeType="clickEffect">
+                                  <p:stCondLst>
+                                    <p:cond delay="0"/>
+                                  </p:stCondLst>
+                                  <p:childTnLst>
+                                    <p:set>
+                                      <p:cBhvr>
+                                        <p:cTn id="22" dur="1" fill="hold">
+                                          <p:stCondLst>
+                                            <p:cond delay="0"/>
+                                          </p:stCondLst>
+                                        </p:cTn>
+                                        <p:tgtEl>
+                                          <p:spTgt spid="4">
+                                            <p:txEl>
+                                              <p:pRg st="4" end="4"/>
+                                            </p:txEl>
+                                          </p:spTgt>
+                                        </p:tgtEl>
+                                        <p:attrNameLst>
+                                          <p:attrName>style.visibility</p:attrName>
+                                        </p:attrNameLst>
+                                      </p:cBhvr>
+                                      <p:to>
+                                        <p:strVal val="visible"/>
+                                      </p:to>
+                                    </p:set>
+                                  </p:childTnLst>
+                                </p:cTn>
+                              </p:par>
+                            </p:childTnLst>
+                          </p:cTn>
+                        </p:par>
+                      </p:childTnLst>
+                    </p:cTn>
+                  </p:par>
+                  <p:par>
+                    <p:cTn id="23" fill="hold">
+                      <p:stCondLst>
+                        <p:cond delay="indefinite"/>
+                      </p:stCondLst>
+                      <p:childTnLst>
+                        <p:par>
+                          <p:cTn id="24" fill="hold">
+                            <p:stCondLst>
+                              <p:cond delay="0"/>
+                            </p:stCondLst>
+                            <p:childTnLst>
+                              <p:par>
+                                <p:cTn id="25" presetID="1" presetClass="entr" presetSubtype="0" fill="hold" nodeType="clickEffect">
+                                  <p:stCondLst>
+                                    <p:cond delay="0"/>
+                                  </p:stCondLst>
+                                  <p:childTnLst>
+                                    <p:set>
+                                      <p:cBhvr>
+                                        <p:cTn id="26" dur="1" fill="hold">
+                                          <p:stCondLst>
+                                            <p:cond delay="0"/>
+                                          </p:stCondLst>
+                                        </p:cTn>
+                                        <p:tgtEl>
+                                          <p:spTgt spid="4">
+                                            <p:txEl>
+                                              <p:pRg st="5" end="5"/>
+                                            </p:txEl>
+                                          </p:spTgt>
+                                        </p:tgtEl>
+                                        <p:attrNameLst>
+                                          <p:attrName>style.visibility</p:attrName>
+                                        </p:attrNameLst>
+                                      </p:cBhvr>
+                                      <p:to>
+                                        <p:strVal val="visible"/>
+                                      </p:to>
+                                    </p:set>
+                                  </p:childTnLst>
+                                </p:cTn>
+                              </p:par>
+                            </p:childTnLst>
+                          </p:cTn>
+                        </p:par>
+                      </p:childTnLst>
+                    </p:cTn>
+                  </p:par>
+                  <p:par>
+                    <p:cTn id="27" fill="hold">
+                      <p:stCondLst>
+                        <p:cond delay="indefinite"/>
+                      </p:stCondLst>
+                      <p:childTnLst>
+                        <p:par>
+                          <p:cTn id="28" fill="hold">
+                            <p:stCondLst>
+                              <p:cond delay="0"/>
+                            </p:stCondLst>
+                            <p:childTnLst>
+                              <p:par>
+                                <p:cTn id="29" presetID="1" presetClass="entr" presetSubtype="0" fill="hold" nodeType="clickEffect">
+                                  <p:stCondLst>
+                                    <p:cond delay="0"/>
+                                  </p:stCondLst>
+                                  <p:childTnLst>
+                                    <p:set>
+                                      <p:cBhvr>
+                                        <p:cTn id="30" dur="1" fill="hold">
+                                          <p:stCondLst>
+                                            <p:cond delay="0"/>
+                                          </p:stCondLst>
+                                        </p:cTn>
+                                        <p:tgtEl>
+                                          <p:spTgt spid="4">
+                                            <p:txEl>
+                                              <p:pRg st="6" end="6"/>
+                                            </p:txEl>
+                                          </p:spTgt>
+                                        </p:tgtEl>
+                                        <p:attrNameLst>
+                                          <p:attrName>style.visibility</p:attrName>
+                                        </p:attrNameLst>
+                                      </p:cBhvr>
+                                      <p:to>
+                                        <p:strVal val="visible"/>
+                                      </p:to>
+                                    </p:set>
+                                  </p:childTnLst>
+                                </p:cTn>
+                              </p:par>
+                            </p:childTnLst>
+                          </p:cTn>
+                        </p:par>
+                      </p:childTnLst>
+                    </p:cTn>
+                  </p:par>
+                  <p:par>
+                    <p:cTn id="31" fill="hold">
+                      <p:stCondLst>
+                        <p:cond delay="indefinite"/>
+                      </p:stCondLst>
+                      <p:childTnLst>
+                        <p:par>
+                          <p:cTn id="32" fill="hold">
+                            <p:stCondLst>
+                              <p:cond delay="0"/>
+                            </p:stCondLst>
+                            <p:childTnLst>
+                              <p:par>
+                                <p:cTn id="33" presetID="1" presetClass="entr" presetSubtype="0" fill="hold" nodeType="clickEffect">
+                                  <p:stCondLst>
+                                    <p:cond delay="0"/>
+                                  </p:stCondLst>
+                                  <p:childTnLst>
+                                    <p:set>
+                                      <p:cBhvr>
+                                        <p:cTn id="34" dur="1" fill="hold">
+                                          <p:stCondLst>
+                                            <p:cond delay="0"/>
+                                          </p:stCondLst>
+                                        </p:cTn>
+                                        <p:tgtEl>
+                                          <p:spTgt spid="4">
+                                            <p:txEl>
+                                              <p:pRg st="7" end="7"/>
+                                            </p:txEl>
+                                          </p:spTgt>
+                                        </p:tgtEl>
+                                        <p:attrNameLst>
+                                          <p:attrName>style.visibility</p:attrName>
+                                        </p:attrNameLst>
+                                      </p:cBhvr>
+                                      <p:to>
+                                        <p:strVal val="visible"/>
+                                      </p:to>
+                                    </p:set>
+                                  </p:childTnLst>
+                                </p:cTn>
+                              </p:par>
+                            </p:childTnLst>
+                          </p:cTn>
+                        </p:par>
+                      </p:childTnLst>
+                    </p:cTn>
+                  </p:par>
+                  <p:par>
+                    <p:cTn id="35" fill="hold">
+                      <p:stCondLst>
+                        <p:cond delay="indefinite"/>
+                      </p:stCondLst>
+                      <p:childTnLst>
+                        <p:par>
+                          <p:cTn id="36" fill="hold">
+                            <p:stCondLst>
+                              <p:cond delay="0"/>
+                            </p:stCondLst>
+                            <p:childTnLst>
+                              <p:par>
+                                <p:cTn id="37" presetID="1" presetClass="entr" presetSubtype="0" fill="hold" nodeType="clickEffect">
+                                  <p:stCondLst>
+                                    <p:cond delay="0"/>
+                                  </p:stCondLst>
+                                  <p:childTnLst>
+                                    <p:set>
+                                      <p:cBhvr>
+                                        <p:cTn id="38" dur="1" fill="hold">
+                                          <p:stCondLst>
+                                            <p:cond delay="0"/>
+                                          </p:stCondLst>
+                                        </p:cTn>
+                                        <p:tgtEl>
+                                          <p:spTgt spid="4">
+                                            <p:txEl>
+                                              <p:pRg st="9" end="9"/>
+                                            </p:txEl>
+                                          </p:spTgt>
+                                        </p:tgtEl>
+                                        <p:attrNameLst>
+                                          <p:attrName>style.visibility</p:attrName>
+                                        </p:attrNameLst>
+                                      </p:cBhvr>
+                                      <p:to>
+                                        <p:strVal val="visible"/>
+                                      </p:to>
+                                    </p:set>
+                                  </p:childTnLst>
+                                </p:cTn>
+                              </p:par>
+                            </p:childTnLst>
+                          </p:cTn>
+                        </p:par>
+                      </p:childTnLst>
+                    </p:cTn>
+                  </p:par>
+                  <p:par>
+                    <p:cTn id="39" fill="hold">
+                      <p:stCondLst>
+                        <p:cond delay="indefinite"/>
+                      </p:stCondLst>
+                      <p:childTnLst>
+                        <p:par>
+                          <p:cTn id="40" fill="hold">
+                            <p:stCondLst>
+                              <p:cond delay="0"/>
+                            </p:stCondLst>
+                            <p:childTnLst>
+                              <p:par>
+                                <p:cTn id="41" presetID="1" presetClass="entr" presetSubtype="0" fill="hold" nodeType="clickEffect">
+                                  <p:stCondLst>
+                                    <p:cond delay="0"/>
+                                  </p:stCondLst>
+                                  <p:childTnLst>
+                                    <p:set>
+                                      <p:cBhvr>
+                                        <p:cTn id="42" dur="1" fill="hold">
+                                          <p:stCondLst>
+                                            <p:cond delay="0"/>
+                                          </p:stCondLst>
+                                        </p:cTn>
+                                        <p:tgtEl>
+                                          <p:spTgt spid="4">
+                                            <p:txEl>
+                                              <p:pRg st="10" end="10"/>
+                                            </p:txEl>
+                                          </p:spTgt>
+                                        </p:tgtEl>
+                                        <p:attrNameLst>
+                                          <p:attrName>style.visibility</p:attrName>
+                                        </p:attrNameLst>
+                                      </p:cBhvr>
+                                      <p:to>
+                                        <p:strVal val="visible"/>
+                                      </p:to>
+                                    </p:set>
+                                  </p:childTnLst>
+                                </p:cTn>
+                              </p:par>
+                            </p:childTnLst>
+                          </p:cTn>
+                        </p:par>
+                      </p:childTnLst>
+                    </p:cTn>
+                  </p:par>
+                  <p:par>
+                    <p:cTn id="43" fill="hold">
+                      <p:stCondLst>
+                        <p:cond delay="indefinite"/>
+                      </p:stCondLst>
+                      <p:childTnLst>
+                        <p:par>
+                          <p:cTn id="44" fill="hold">
+                            <p:stCondLst>
+                              <p:cond delay="0"/>
+                            </p:stCondLst>
+                            <p:childTnLst>
+                              <p:par>
+                                <p:cTn id="45" presetID="1" presetClass="entr" presetSubtype="0" fill="hold" nodeType="clickEffect">
+                                  <p:stCondLst>
+                                    <p:cond delay="0"/>
+                                  </p:stCondLst>
+                                  <p:childTnLst>
+                                    <p:set>
+                                      <p:cBhvr>
+                                        <p:cTn id="46" dur="1" fill="hold">
+                                          <p:stCondLst>
+                                            <p:cond delay="0"/>
+                                          </p:stCondLst>
+                                        </p:cTn>
+                                        <p:tgtEl>
+                                          <p:spTgt spid="4">
+                                            <p:txEl>
+                                              <p:pRg st="11" end="11"/>
+                                            </p:txEl>
+                                          </p:spTgt>
+                                        </p:tgtEl>
+                                        <p:attrNameLst>
+                                          <p:attrName>style.visibility</p:attrName>
+                                        </p:attrNameLst>
+                                      </p:cBhvr>
+                                      <p:to>
+                                        <p:strVal val="visible"/>
+                                      </p:to>
+                                    </p:set>
+                                  </p:childTnLst>
+                                </p:cTn>
+                              </p:par>
+                            </p:childTnLst>
+                          </p:cTn>
+                        </p:par>
+                      </p:childTnLst>
+                    </p:cTn>
+                  </p:par>
+                  <p:par>
+                    <p:cTn id="47" fill="hold">
+                      <p:stCondLst>
+                        <p:cond delay="indefinite"/>
+                      </p:stCondLst>
+                      <p:childTnLst>
+                        <p:par>
+                          <p:cTn id="48" fill="hold">
+                            <p:stCondLst>
+                              <p:cond delay="0"/>
+                            </p:stCondLst>
+                            <p:childTnLst>
+                              <p:par>
+                                <p:cTn id="49" presetID="1" presetClass="entr" presetSubtype="0" fill="hold" nodeType="clickEffect">
+                                  <p:stCondLst>
+                                    <p:cond delay="0"/>
+                                  </p:stCondLst>
+                                  <p:childTnLst>
+                                    <p:set>
+                                      <p:cBhvr>
+                                        <p:cTn id="50" dur="1" fill="hold">
+                                          <p:stCondLst>
+                                            <p:cond delay="0"/>
+                                          </p:stCondLst>
+                                        </p:cTn>
+                                        <p:tgtEl>
+                                          <p:spTgt spid="4">
+                                            <p:txEl>
+                                              <p:pRg st="12" end="12"/>
+                                            </p:txEl>
+                                          </p:spTgt>
+                                        </p:tgtEl>
+                                        <p:attrNameLst>
+                                          <p:attrName>style.visibility</p:attrName>
+                                        </p:attrNameLst>
+                                      </p:cBhvr>
+                                      <p:to>
+                                        <p:strVal val="visible"/>
+                                      </p:to>
+                                    </p:set>
+                                  </p:childTnLst>
+                                </p:cTn>
+                              </p:par>
+                            </p:childTnLst>
+                          </p:cTn>
+                        </p:par>
+                      </p:childTnLst>
+                    </p:cTn>
+                  </p:par>
+                  <p:par>
+                    <p:cTn id="51" fill="hold">
+                      <p:stCondLst>
+                        <p:cond delay="indefinite"/>
+                      </p:stCondLst>
+                      <p:childTnLst>
+                        <p:par>
+                          <p:cTn id="52" fill="hold">
+                            <p:stCondLst>
+                              <p:cond delay="0"/>
+                            </p:stCondLst>
+                            <p:childTnLst>
+                              <p:par>
+                                <p:cTn id="53" presetID="1" presetClass="entr" presetSubtype="0" fill="hold" nodeType="clickEffect">
+                                  <p:stCondLst>
+                                    <p:cond delay="0"/>
+                                  </p:stCondLst>
+                                  <p:childTnLst>
+                                    <p:set>
+                                      <p:cBhvr>
+                                        <p:cTn id="54" dur="1" fill="hold">
+                                          <p:stCondLst>
+                                            <p:cond delay="0"/>
+                                          </p:stCondLst>
+                                        </p:cTn>
+                                        <p:tgtEl>
+                                          <p:spTgt spid="4">
+                                            <p:txEl>
+                                              <p:pRg st="13" end="13"/>
+                                            </p:txEl>
+                                          </p:spTgt>
+                                        </p:tgtEl>
+                                        <p:attrNameLst>
+                                          <p:attrName>style.visibility</p:attrName>
+                                        </p:attrNameLst>
+                                      </p:cBhvr>
+                                      <p:to>
+                                        <p:strVal val="visible"/>
+                                      </p:to>
+                                    </p:set>
+                                  </p:childTnLst>
+                                </p:cTn>
+                              </p:par>
+                            </p:childTnLst>
+                          </p:cTn>
+                        </p:par>
+                      </p:childTnLst>
+                    </p:cTn>
+                  </p:par>
+                  <p:par>
+                    <p:cTn id="55" fill="hold">
+                      <p:stCondLst>
+                        <p:cond delay="indefinite"/>
+                      </p:stCondLst>
+                      <p:childTnLst>
+                        <p:par>
+                          <p:cTn id="56" fill="hold">
+                            <p:stCondLst>
+                              <p:cond delay="0"/>
+                            </p:stCondLst>
+                            <p:childTnLst>
+                              <p:par>
+                                <p:cTn id="57" presetID="1" presetClass="entr" presetSubtype="0" fill="hold" nodeType="clickEffect">
+                                  <p:stCondLst>
+                                    <p:cond delay="0"/>
+                                  </p:stCondLst>
+                                  <p:childTnLst>
+                                    <p:set>
+                                      <p:cBhvr>
+                                        <p:cTn id="58" dur="1" fill="hold">
+                                          <p:stCondLst>
+                                            <p:cond delay="0"/>
+                                          </p:stCondLst>
+                                        </p:cTn>
+                                        <p:tgtEl>
+                                          <p:spTgt spid="4">
+                                            <p:txEl>
+                                              <p:pRg st="14" end="14"/>
+                                            </p:txEl>
+                                          </p:spTgt>
+                                        </p:tgtEl>
+                                        <p:attrNameLst>
+                                          <p:attrName>style.visibility</p:attrName>
+                                        </p:attrNameLst>
+                                      </p:cBhvr>
+                                      <p:to>
+                                        <p:strVal val="visible"/>
+                                      </p:to>
+                                    </p:set>
+                                  </p:childTnLst>
+                                </p:cTn>
+                              </p:par>
+                            </p:childTnLst>
+                          </p:cTn>
+                        </p:par>
+                      </p:childTnLst>
+                    </p:cTn>
+                  </p:par>
+                </p:childTnLst>
+              </p:cTn>
+              <p:prevCondLst>
+                <p:cond evt="onPrev" delay="0">
+                  <p:tgtEl>
+                    <p:sldTgt/>
+                  </p:tgtEl>
+                </p:cond>
+              </p:prevCondLst>
+              <p:nextCondLst>
+                <p:cond evt="onNext" delay="0">
+                  <p:tgtEl>
+                    <p:sldTgt/>
+                  </p:tgtEl>
+                </p:cond>
+              </p:nextCondLst>
+            </p:seq>
+          </p:childTnLst>
+        </p:cTn>
+      </p:par>
+    </p:tnLst>
+  </p:timing>
+</p:sld>
+</file>
+
+<file path=ppt/slides/slide39.xml><?xml version="1.0" encoding="utf-8"?>
+<p:sld xmlns:a="http://schemas.openxmlformats.org/drawingml/2006/main" xmlns:r="http://schemas.openxmlformats.org/officeDocument/2006/relationships" xmlns:p="http://schemas.openxmlformats.org/presentationml/2006/main">
+  <p:cSld>
+    <p:spTree>
+      <p:nvGrpSpPr>
+        <p:cNvPr id="1" name="">
+          <a:extLst>
+            <a:ext uri="{FF2B5EF4-FFF2-40B4-BE49-F238E27FC236}">
+              <a16:creationId xmlns:a16="http://schemas.microsoft.com/office/drawing/2014/main" id="{5FF6FDB7-6072-761C-5218-30AB35C4BF6C}"/>
+            </a:ext>
+          </a:extLst>
+        </p:cNvPr>
+        <p:cNvGrpSpPr/>
+        <p:nvPr/>
+      </p:nvGrpSpPr>
+      <p:grpSpPr>
+        <a:xfrm>
+          <a:off x="0" y="0"/>
+          <a:ext cx="0" cy="0"/>
+          <a:chOff x="0" y="0"/>
+          <a:chExt cx="0" cy="0"/>
+        </a:xfrm>
+      </p:grpSpPr>
+      <p:sp>
+        <p:nvSpPr>
+          <p:cNvPr id="3" name="Subtitle 2">
+            <a:extLst>
+              <a:ext uri="{FF2B5EF4-FFF2-40B4-BE49-F238E27FC236}">
+                <a16:creationId xmlns:a16="http://schemas.microsoft.com/office/drawing/2014/main" id="{25B115E2-16AE-CAA6-945A-1E108E64FE02}"/>
+              </a:ext>
+            </a:extLst>
+          </p:cNvPr>
+          <p:cNvSpPr>
+            <a:spLocks noGrp="1"/>
+          </p:cNvSpPr>
+          <p:nvPr>
+            <p:ph type="subTitle" idx="1"/>
+          </p:nvPr>
+        </p:nvSpPr>
+        <p:spPr>
+          <a:xfrm>
+            <a:off x="152399" y="217488"/>
+            <a:ext cx="11223171" cy="303212"/>
+          </a:xfrm>
+        </p:spPr>
+        <p:txBody>
+          <a:bodyPr>
+            <a:normAutofit fontScale="92500" lnSpcReduction="20000"/>
+          </a:bodyPr>
+          <a:lstStyle/>
+          <a:p>
+            <a:r>
+              <a:rPr lang="en-US" sz="1800" b="1"/>
+              <a:t>Chapter 9 – Collections and Generics</a:t>
+            </a:r>
+          </a:p>
+        </p:txBody>
+      </p:sp>
+      <p:sp>
+        <p:nvSpPr>
+          <p:cNvPr id="4" name="Subtitle 2">
+            <a:extLst>
+              <a:ext uri="{FF2B5EF4-FFF2-40B4-BE49-F238E27FC236}">
+                <a16:creationId xmlns:a16="http://schemas.microsoft.com/office/drawing/2014/main" id="{F6F5E359-7569-3ABE-0D62-B5070B58F5CC}"/>
+              </a:ext>
+            </a:extLst>
+          </p:cNvPr>
+          <p:cNvSpPr txBox="1">
+            <a:spLocks/>
+          </p:cNvSpPr>
+          <p:nvPr/>
+        </p:nvSpPr>
+        <p:spPr>
+          <a:xfrm>
+            <a:off x="0" y="820738"/>
+            <a:ext cx="12192000" cy="6037262"/>
+          </a:xfrm>
+          <a:prstGeom prst="rect">
+            <a:avLst/>
+          </a:prstGeom>
+        </p:spPr>
+        <p:txBody>
+          <a:bodyPr vert="horz" lIns="91440" tIns="45720" rIns="91440" bIns="45720" rtlCol="0">
+            <a:normAutofit/>
+          </a:bodyPr>
+          <a:lstStyle>
+            <a:lvl1pPr marL="0" indent="0" algn="ctr" defTabSz="914400" rtl="0" eaLnBrk="1" latinLnBrk="0" hangingPunct="1">
+              <a:lnSpc>
+                <a:spcPct val="90000"/>
+              </a:lnSpc>
+              <a:spcBef>
+                <a:spcPts val="1000"/>
+              </a:spcBef>
+              <a:buFont typeface="Arial" panose="020B0604020202020204" pitchFamily="34" charset="0"/>
+              <a:buNone/>
+              <a:defRPr sz="2400" kern="1200">
+                <a:solidFill>
+                  <a:schemeClr val="tx1"/>
+                </a:solidFill>
+                <a:latin typeface="+mn-lt"/>
+                <a:ea typeface="+mn-ea"/>
+                <a:cs typeface="+mn-cs"/>
+              </a:defRPr>
+            </a:lvl1pPr>
+            <a:lvl2pPr marL="457200" indent="0" algn="ctr" defTabSz="914400" rtl="0" eaLnBrk="1" latinLnBrk="0" hangingPunct="1">
+              <a:lnSpc>
+                <a:spcPct val="90000"/>
+              </a:lnSpc>
+              <a:spcBef>
+                <a:spcPts val="500"/>
+              </a:spcBef>
+              <a:buFont typeface="Arial" panose="020B0604020202020204" pitchFamily="34" charset="0"/>
+              <a:buNone/>
+              <a:defRPr sz="2000" kern="1200">
+                <a:solidFill>
+                  <a:schemeClr val="tx1"/>
+                </a:solidFill>
+                <a:latin typeface="+mn-lt"/>
+                <a:ea typeface="+mn-ea"/>
+                <a:cs typeface="+mn-cs"/>
+              </a:defRPr>
+            </a:lvl2pPr>
+            <a:lvl3pPr marL="914400" indent="0" algn="ctr" defTabSz="914400" rtl="0" eaLnBrk="1" latinLnBrk="0" hangingPunct="1">
+              <a:lnSpc>
+                <a:spcPct val="90000"/>
+              </a:lnSpc>
+              <a:spcBef>
+                <a:spcPts val="500"/>
+              </a:spcBef>
+              <a:buFont typeface="Arial" panose="020B0604020202020204" pitchFamily="34" charset="0"/>
+              <a:buNone/>
+              <a:defRPr sz="1800" kern="1200">
+                <a:solidFill>
+                  <a:schemeClr val="tx1"/>
+                </a:solidFill>
+                <a:latin typeface="+mn-lt"/>
+                <a:ea typeface="+mn-ea"/>
+                <a:cs typeface="+mn-cs"/>
+              </a:defRPr>
+            </a:lvl3pPr>
+            <a:lvl4pPr marL="1371600" indent="0" algn="ctr" defTabSz="914400" rtl="0" eaLnBrk="1" latinLnBrk="0" hangingPunct="1">
+              <a:lnSpc>
+                <a:spcPct val="90000"/>
+              </a:lnSpc>
+              <a:spcBef>
+                <a:spcPts val="500"/>
+              </a:spcBef>
+              <a:buFont typeface="Arial" panose="020B0604020202020204" pitchFamily="34" charset="0"/>
+              <a:buNone/>
+              <a:defRPr sz="1600" kern="1200">
+                <a:solidFill>
+                  <a:schemeClr val="tx1"/>
+                </a:solidFill>
+                <a:latin typeface="+mn-lt"/>
+                <a:ea typeface="+mn-ea"/>
+                <a:cs typeface="+mn-cs"/>
+              </a:defRPr>
+            </a:lvl4pPr>
+            <a:lvl5pPr marL="1828800" indent="0" algn="ctr" defTabSz="914400" rtl="0" eaLnBrk="1" latinLnBrk="0" hangingPunct="1">
+              <a:lnSpc>
+                <a:spcPct val="90000"/>
+              </a:lnSpc>
+              <a:spcBef>
+                <a:spcPts val="500"/>
+              </a:spcBef>
+              <a:buFont typeface="Arial" panose="020B0604020202020204" pitchFamily="34" charset="0"/>
+              <a:buNone/>
+              <a:defRPr sz="1600" kern="1200">
+                <a:solidFill>
+                  <a:schemeClr val="tx1"/>
+                </a:solidFill>
+                <a:latin typeface="+mn-lt"/>
+                <a:ea typeface="+mn-ea"/>
+                <a:cs typeface="+mn-cs"/>
+              </a:defRPr>
+            </a:lvl5pPr>
+            <a:lvl6pPr marL="2286000" indent="0" algn="ctr" defTabSz="914400" rtl="0" eaLnBrk="1" latinLnBrk="0" hangingPunct="1">
+              <a:lnSpc>
+                <a:spcPct val="90000"/>
+              </a:lnSpc>
+              <a:spcBef>
+                <a:spcPts val="500"/>
+              </a:spcBef>
+              <a:buFont typeface="Arial" panose="020B0604020202020204" pitchFamily="34" charset="0"/>
+              <a:buNone/>
+              <a:defRPr sz="1600" kern="1200">
+                <a:solidFill>
+                  <a:schemeClr val="tx1"/>
+                </a:solidFill>
+                <a:latin typeface="+mn-lt"/>
+                <a:ea typeface="+mn-ea"/>
+                <a:cs typeface="+mn-cs"/>
+              </a:defRPr>
+            </a:lvl6pPr>
+            <a:lvl7pPr marL="2743200" indent="0" algn="ctr" defTabSz="914400" rtl="0" eaLnBrk="1" latinLnBrk="0" hangingPunct="1">
+              <a:lnSpc>
+                <a:spcPct val="90000"/>
+              </a:lnSpc>
+              <a:spcBef>
+                <a:spcPts val="500"/>
+              </a:spcBef>
+              <a:buFont typeface="Arial" panose="020B0604020202020204" pitchFamily="34" charset="0"/>
+              <a:buNone/>
+              <a:defRPr sz="1600" kern="1200">
+                <a:solidFill>
+                  <a:schemeClr val="tx1"/>
+                </a:solidFill>
+                <a:latin typeface="+mn-lt"/>
+                <a:ea typeface="+mn-ea"/>
+                <a:cs typeface="+mn-cs"/>
+              </a:defRPr>
+            </a:lvl7pPr>
+            <a:lvl8pPr marL="3200400" indent="0" algn="ctr" defTabSz="914400" rtl="0" eaLnBrk="1" latinLnBrk="0" hangingPunct="1">
+              <a:lnSpc>
+                <a:spcPct val="90000"/>
+              </a:lnSpc>
+              <a:spcBef>
+                <a:spcPts val="500"/>
+              </a:spcBef>
+              <a:buFont typeface="Arial" panose="020B0604020202020204" pitchFamily="34" charset="0"/>
+              <a:buNone/>
+              <a:defRPr sz="1600" kern="1200">
+                <a:solidFill>
+                  <a:schemeClr val="tx1"/>
+                </a:solidFill>
+                <a:latin typeface="+mn-lt"/>
+                <a:ea typeface="+mn-ea"/>
+                <a:cs typeface="+mn-cs"/>
+              </a:defRPr>
+            </a:lvl8pPr>
+            <a:lvl9pPr marL="3657600" indent="0" algn="ctr" defTabSz="914400" rtl="0" eaLnBrk="1" latinLnBrk="0" hangingPunct="1">
+              <a:lnSpc>
+                <a:spcPct val="90000"/>
+              </a:lnSpc>
+              <a:spcBef>
+                <a:spcPts val="500"/>
+              </a:spcBef>
+              <a:buFont typeface="Arial" panose="020B0604020202020204" pitchFamily="34" charset="0"/>
+              <a:buNone/>
+              <a:defRPr sz="1600" kern="1200">
+                <a:solidFill>
+                  <a:schemeClr val="tx1"/>
+                </a:solidFill>
+                <a:latin typeface="+mn-lt"/>
+                <a:ea typeface="+mn-ea"/>
+                <a:cs typeface="+mn-cs"/>
+              </a:defRPr>
+            </a:lvl9pPr>
+          </a:lstStyle>
+          <a:p>
+            <a:pPr algn="l"/>
+            <a:r>
+              <a:rPr lang="en-US" sz="1800" b="1">
+                <a:sym typeface="Wingdings" pitchFamily="2" charset="2"/>
+              </a:rPr>
+              <a:t>Optional syntax for invoking a Generic method</a:t>
+            </a:r>
+            <a:endParaRPr lang="en-US" sz="1800">
+              <a:sym typeface="Wingdings" pitchFamily="2" charset="2"/>
+            </a:endParaRPr>
+          </a:p>
+        </p:txBody>
+      </p:sp>
+      <p:pic>
+        <p:nvPicPr>
+          <p:cNvPr id="2" name="Picture 1">
+            <a:extLst>
+              <a:ext uri="{FF2B5EF4-FFF2-40B4-BE49-F238E27FC236}">
+                <a16:creationId xmlns:a16="http://schemas.microsoft.com/office/drawing/2014/main" id="{085B2CD8-287B-1BD9-3B41-0BA33CFE7D29}"/>
+              </a:ext>
+            </a:extLst>
+          </p:cNvPr>
+          <p:cNvPicPr>
+            <a:picLocks noChangeAspect="1"/>
+          </p:cNvPicPr>
+          <p:nvPr/>
+        </p:nvPicPr>
+        <p:blipFill>
+          <a:blip r:embed="rId3"/>
+          <a:stretch>
+            <a:fillRect/>
+          </a:stretch>
+        </p:blipFill>
+        <p:spPr>
+          <a:xfrm>
+            <a:off x="2567878" y="2639122"/>
+            <a:ext cx="7056243" cy="1579756"/>
+          </a:xfrm>
+          <a:prstGeom prst="rect">
+            <a:avLst/>
+          </a:prstGeom>
+        </p:spPr>
+      </p:pic>
+    </p:spTree>
+    <p:extLst>
+      <p:ext uri="{BB962C8B-B14F-4D97-AF65-F5344CB8AC3E}">
+        <p14:creationId xmlns:p14="http://schemas.microsoft.com/office/powerpoint/2010/main" val="4206547944"/>
+      </p:ext>
+    </p:extLst>
+  </p:cSld>
+  <p:clrMapOvr>
+    <a:masterClrMapping/>
+  </p:clrMapOvr>
+  <p:timing>
+    <p:tnLst>
+      <p:par>
+        <p:cTn id="1" dur="indefinite" restart="never" nodeType="tmRoot">
+          <p:childTnLst>
+            <p:seq concurrent="1" nextAc="seek">
+              <p:cTn id="2" dur="indefinite" nodeType="mainSeq">
+                <p:childTnLst>
+                  <p:par>
+                    <p:cTn id="3" fill="hold">
+                      <p:stCondLst>
+                        <p:cond delay="indefinite"/>
+                      </p:stCondLst>
+                      <p:childTnLst>
+                        <p:par>
+                          <p:cTn id="4" fill="hold">
+                            <p:stCondLst>
+                              <p:cond delay="0"/>
+                            </p:stCondLst>
+                            <p:childTnLst>
+                              <p:par>
+                                <p:cTn id="5" presetID="1" presetClass="entr" presetSubtype="0" fill="hold" nodeType="clickEffect">
+                                  <p:stCondLst>
+                                    <p:cond delay="0"/>
+                                  </p:stCondLst>
+                                  <p:childTnLst>
+                                    <p:set>
+                                      <p:cBhvr>
+                                        <p:cTn id="6" dur="1" fill="hold">
+                                          <p:stCondLst>
+                                            <p:cond delay="0"/>
+                                          </p:stCondLst>
+                                        </p:cTn>
+                                        <p:tgtEl>
+                                          <p:spTgt spid="4">
+                                            <p:txEl>
+                                              <p:pRg st="0" end="0"/>
+                                            </p:txEl>
+                                          </p:spTgt>
+                                        </p:tgtEl>
+                                        <p:attrNameLst>
+                                          <p:attrName>style.visibility</p:attrName>
+                                        </p:attrNameLst>
+                                      </p:cBhvr>
+                                      <p:to>
+                                        <p:strVal val="visible"/>
+                                      </p:to>
+                                    </p:set>
+                                  </p:childTnLst>
+                                </p:cTn>
+                              </p:par>
+                            </p:childTnLst>
+                          </p:cTn>
+                        </p:par>
+                      </p:childTnLst>
+                    </p:cTn>
+                  </p:par>
+                </p:childTnLst>
+              </p:cTn>
+              <p:prevCondLst>
+                <p:cond evt="onPrev" delay="0">
+                  <p:tgtEl>
+                    <p:sldTgt/>
+                  </p:tgtEl>
+                </p:cond>
+              </p:prevCondLst>
+              <p:nextCondLst>
+                <p:cond evt="onNext" delay="0">
+                  <p:tgtEl>
+                    <p:sldTgt/>
+                  </p:tgtEl>
+                </p:cond>
+              </p:nextCondLst>
+            </p:seq>
+          </p:childTnLst>
+        </p:cTn>
+      </p:par>
+    </p:tnLst>
+  </p:timing>
+</p:sld>
+</file>
+
 <file path=ppt/slides/slide4.xml><?xml version="1.0" encoding="utf-8"?>
 <p:sld xmlns:a="http://schemas.openxmlformats.org/drawingml/2006/main" xmlns:r="http://schemas.openxmlformats.org/officeDocument/2006/relationships" xmlns:p="http://schemas.openxmlformats.org/presentationml/2006/main">
   <p:cSld>
@@ -20894,6 +28301,2294 @@
   <p:clrMapOvr>
     <a:masterClrMapping/>
   </p:clrMapOvr>
+</p:sld>
+</file>
+
+<file path=ppt/slides/slide40.xml><?xml version="1.0" encoding="utf-8"?>
+<p:sld xmlns:a="http://schemas.openxmlformats.org/drawingml/2006/main" xmlns:r="http://schemas.openxmlformats.org/officeDocument/2006/relationships" xmlns:p="http://schemas.openxmlformats.org/presentationml/2006/main">
+  <p:cSld>
+    <p:spTree>
+      <p:nvGrpSpPr>
+        <p:cNvPr id="1" name="">
+          <a:extLst>
+            <a:ext uri="{FF2B5EF4-FFF2-40B4-BE49-F238E27FC236}">
+              <a16:creationId xmlns:a16="http://schemas.microsoft.com/office/drawing/2014/main" id="{9B17CAF6-8918-9B20-BCA2-E6CFAED24B05}"/>
+            </a:ext>
+          </a:extLst>
+        </p:cNvPr>
+        <p:cNvGrpSpPr/>
+        <p:nvPr/>
+      </p:nvGrpSpPr>
+      <p:grpSpPr>
+        <a:xfrm>
+          <a:off x="0" y="0"/>
+          <a:ext cx="0" cy="0"/>
+          <a:chOff x="0" y="0"/>
+          <a:chExt cx="0" cy="0"/>
+        </a:xfrm>
+      </p:grpSpPr>
+      <p:sp>
+        <p:nvSpPr>
+          <p:cNvPr id="3" name="Subtitle 2">
+            <a:extLst>
+              <a:ext uri="{FF2B5EF4-FFF2-40B4-BE49-F238E27FC236}">
+                <a16:creationId xmlns:a16="http://schemas.microsoft.com/office/drawing/2014/main" id="{8D055898-406D-358B-EAB2-C5FE23E1E459}"/>
+              </a:ext>
+            </a:extLst>
+          </p:cNvPr>
+          <p:cNvSpPr>
+            <a:spLocks noGrp="1"/>
+          </p:cNvSpPr>
+          <p:nvPr>
+            <p:ph type="subTitle" idx="1"/>
+          </p:nvPr>
+        </p:nvSpPr>
+        <p:spPr>
+          <a:xfrm>
+            <a:off x="152399" y="217488"/>
+            <a:ext cx="11223171" cy="303212"/>
+          </a:xfrm>
+        </p:spPr>
+        <p:txBody>
+          <a:bodyPr>
+            <a:normAutofit fontScale="92500" lnSpcReduction="20000"/>
+          </a:bodyPr>
+          <a:lstStyle/>
+          <a:p>
+            <a:r>
+              <a:rPr lang="en-US" sz="1800" b="1"/>
+              <a:t>Chapter 9 – Collections and Generics</a:t>
+            </a:r>
+          </a:p>
+        </p:txBody>
+      </p:sp>
+      <p:sp>
+        <p:nvSpPr>
+          <p:cNvPr id="4" name="Subtitle 2">
+            <a:extLst>
+              <a:ext uri="{FF2B5EF4-FFF2-40B4-BE49-F238E27FC236}">
+                <a16:creationId xmlns:a16="http://schemas.microsoft.com/office/drawing/2014/main" id="{1D8A49B8-C00C-B9D2-33E9-8D6333B0A206}"/>
+              </a:ext>
+            </a:extLst>
+          </p:cNvPr>
+          <p:cNvSpPr txBox="1">
+            <a:spLocks/>
+          </p:cNvSpPr>
+          <p:nvPr/>
+        </p:nvSpPr>
+        <p:spPr>
+          <a:xfrm>
+            <a:off x="0" y="820738"/>
+            <a:ext cx="12192000" cy="6037262"/>
+          </a:xfrm>
+          <a:prstGeom prst="rect">
+            <a:avLst/>
+          </a:prstGeom>
+        </p:spPr>
+        <p:txBody>
+          <a:bodyPr vert="horz" lIns="91440" tIns="45720" rIns="91440" bIns="45720" rtlCol="0">
+            <a:normAutofit/>
+          </a:bodyPr>
+          <a:lstStyle>
+            <a:lvl1pPr marL="0" indent="0" algn="ctr" defTabSz="914400" rtl="0" eaLnBrk="1" latinLnBrk="0" hangingPunct="1">
+              <a:lnSpc>
+                <a:spcPct val="90000"/>
+              </a:lnSpc>
+              <a:spcBef>
+                <a:spcPts val="1000"/>
+              </a:spcBef>
+              <a:buFont typeface="Arial" panose="020B0604020202020204" pitchFamily="34" charset="0"/>
+              <a:buNone/>
+              <a:defRPr sz="2400" kern="1200">
+                <a:solidFill>
+                  <a:schemeClr val="tx1"/>
+                </a:solidFill>
+                <a:latin typeface="+mn-lt"/>
+                <a:ea typeface="+mn-ea"/>
+                <a:cs typeface="+mn-cs"/>
+              </a:defRPr>
+            </a:lvl1pPr>
+            <a:lvl2pPr marL="457200" indent="0" algn="ctr" defTabSz="914400" rtl="0" eaLnBrk="1" latinLnBrk="0" hangingPunct="1">
+              <a:lnSpc>
+                <a:spcPct val="90000"/>
+              </a:lnSpc>
+              <a:spcBef>
+                <a:spcPts val="500"/>
+              </a:spcBef>
+              <a:buFont typeface="Arial" panose="020B0604020202020204" pitchFamily="34" charset="0"/>
+              <a:buNone/>
+              <a:defRPr sz="2000" kern="1200">
+                <a:solidFill>
+                  <a:schemeClr val="tx1"/>
+                </a:solidFill>
+                <a:latin typeface="+mn-lt"/>
+                <a:ea typeface="+mn-ea"/>
+                <a:cs typeface="+mn-cs"/>
+              </a:defRPr>
+            </a:lvl2pPr>
+            <a:lvl3pPr marL="914400" indent="0" algn="ctr" defTabSz="914400" rtl="0" eaLnBrk="1" latinLnBrk="0" hangingPunct="1">
+              <a:lnSpc>
+                <a:spcPct val="90000"/>
+              </a:lnSpc>
+              <a:spcBef>
+                <a:spcPts val="500"/>
+              </a:spcBef>
+              <a:buFont typeface="Arial" panose="020B0604020202020204" pitchFamily="34" charset="0"/>
+              <a:buNone/>
+              <a:defRPr sz="1800" kern="1200">
+                <a:solidFill>
+                  <a:schemeClr val="tx1"/>
+                </a:solidFill>
+                <a:latin typeface="+mn-lt"/>
+                <a:ea typeface="+mn-ea"/>
+                <a:cs typeface="+mn-cs"/>
+              </a:defRPr>
+            </a:lvl3pPr>
+            <a:lvl4pPr marL="1371600" indent="0" algn="ctr" defTabSz="914400" rtl="0" eaLnBrk="1" latinLnBrk="0" hangingPunct="1">
+              <a:lnSpc>
+                <a:spcPct val="90000"/>
+              </a:lnSpc>
+              <a:spcBef>
+                <a:spcPts val="500"/>
+              </a:spcBef>
+              <a:buFont typeface="Arial" panose="020B0604020202020204" pitchFamily="34" charset="0"/>
+              <a:buNone/>
+              <a:defRPr sz="1600" kern="1200">
+                <a:solidFill>
+                  <a:schemeClr val="tx1"/>
+                </a:solidFill>
+                <a:latin typeface="+mn-lt"/>
+                <a:ea typeface="+mn-ea"/>
+                <a:cs typeface="+mn-cs"/>
+              </a:defRPr>
+            </a:lvl4pPr>
+            <a:lvl5pPr marL="1828800" indent="0" algn="ctr" defTabSz="914400" rtl="0" eaLnBrk="1" latinLnBrk="0" hangingPunct="1">
+              <a:lnSpc>
+                <a:spcPct val="90000"/>
+              </a:lnSpc>
+              <a:spcBef>
+                <a:spcPts val="500"/>
+              </a:spcBef>
+              <a:buFont typeface="Arial" panose="020B0604020202020204" pitchFamily="34" charset="0"/>
+              <a:buNone/>
+              <a:defRPr sz="1600" kern="1200">
+                <a:solidFill>
+                  <a:schemeClr val="tx1"/>
+                </a:solidFill>
+                <a:latin typeface="+mn-lt"/>
+                <a:ea typeface="+mn-ea"/>
+                <a:cs typeface="+mn-cs"/>
+              </a:defRPr>
+            </a:lvl5pPr>
+            <a:lvl6pPr marL="2286000" indent="0" algn="ctr" defTabSz="914400" rtl="0" eaLnBrk="1" latinLnBrk="0" hangingPunct="1">
+              <a:lnSpc>
+                <a:spcPct val="90000"/>
+              </a:lnSpc>
+              <a:spcBef>
+                <a:spcPts val="500"/>
+              </a:spcBef>
+              <a:buFont typeface="Arial" panose="020B0604020202020204" pitchFamily="34" charset="0"/>
+              <a:buNone/>
+              <a:defRPr sz="1600" kern="1200">
+                <a:solidFill>
+                  <a:schemeClr val="tx1"/>
+                </a:solidFill>
+                <a:latin typeface="+mn-lt"/>
+                <a:ea typeface="+mn-ea"/>
+                <a:cs typeface="+mn-cs"/>
+              </a:defRPr>
+            </a:lvl6pPr>
+            <a:lvl7pPr marL="2743200" indent="0" algn="ctr" defTabSz="914400" rtl="0" eaLnBrk="1" latinLnBrk="0" hangingPunct="1">
+              <a:lnSpc>
+                <a:spcPct val="90000"/>
+              </a:lnSpc>
+              <a:spcBef>
+                <a:spcPts val="500"/>
+              </a:spcBef>
+              <a:buFont typeface="Arial" panose="020B0604020202020204" pitchFamily="34" charset="0"/>
+              <a:buNone/>
+              <a:defRPr sz="1600" kern="1200">
+                <a:solidFill>
+                  <a:schemeClr val="tx1"/>
+                </a:solidFill>
+                <a:latin typeface="+mn-lt"/>
+                <a:ea typeface="+mn-ea"/>
+                <a:cs typeface="+mn-cs"/>
+              </a:defRPr>
+            </a:lvl7pPr>
+            <a:lvl8pPr marL="3200400" indent="0" algn="ctr" defTabSz="914400" rtl="0" eaLnBrk="1" latinLnBrk="0" hangingPunct="1">
+              <a:lnSpc>
+                <a:spcPct val="90000"/>
+              </a:lnSpc>
+              <a:spcBef>
+                <a:spcPts val="500"/>
+              </a:spcBef>
+              <a:buFont typeface="Arial" panose="020B0604020202020204" pitchFamily="34" charset="0"/>
+              <a:buNone/>
+              <a:defRPr sz="1600" kern="1200">
+                <a:solidFill>
+                  <a:schemeClr val="tx1"/>
+                </a:solidFill>
+                <a:latin typeface="+mn-lt"/>
+                <a:ea typeface="+mn-ea"/>
+                <a:cs typeface="+mn-cs"/>
+              </a:defRPr>
+            </a:lvl8pPr>
+            <a:lvl9pPr marL="3657600" indent="0" algn="ctr" defTabSz="914400" rtl="0" eaLnBrk="1" latinLnBrk="0" hangingPunct="1">
+              <a:lnSpc>
+                <a:spcPct val="90000"/>
+              </a:lnSpc>
+              <a:spcBef>
+                <a:spcPts val="500"/>
+              </a:spcBef>
+              <a:buFont typeface="Arial" panose="020B0604020202020204" pitchFamily="34" charset="0"/>
+              <a:buNone/>
+              <a:defRPr sz="1600" kern="1200">
+                <a:solidFill>
+                  <a:schemeClr val="tx1"/>
+                </a:solidFill>
+                <a:latin typeface="+mn-lt"/>
+                <a:ea typeface="+mn-ea"/>
+                <a:cs typeface="+mn-cs"/>
+              </a:defRPr>
+            </a:lvl9pPr>
+          </a:lstStyle>
+          <a:p>
+            <a:pPr algn="l"/>
+            <a:r>
+              <a:rPr lang="en-US" sz="1800" b="1">
+                <a:sym typeface="Wingdings" pitchFamily="2" charset="2"/>
+              </a:rPr>
+              <a:t>Optional syntax for invoking a Generic method</a:t>
+            </a:r>
+          </a:p>
+          <a:p>
+            <a:pPr algn="l"/>
+            <a:r>
+              <a:rPr lang="en-US" sz="1800">
+                <a:sym typeface="Wingdings" pitchFamily="2" charset="2"/>
+              </a:rPr>
+              <a:t>(code illustration snippet 69)</a:t>
+            </a:r>
+          </a:p>
+          <a:p>
+            <a:pPr algn="l"/>
+            <a:r>
+              <a:rPr lang="en-US" sz="1800" b="1">
+                <a:sym typeface="Wingdings" pitchFamily="2" charset="2"/>
+              </a:rPr>
+              <a:t>Creating a Generic Record</a:t>
+            </a:r>
+            <a:endParaRPr lang="en-US" sz="1800">
+              <a:sym typeface="Wingdings" pitchFamily="2" charset="2"/>
+            </a:endParaRPr>
+          </a:p>
+          <a:p>
+            <a:pPr algn="l"/>
+            <a:r>
+              <a:rPr lang="en-US" sz="1800">
+                <a:sym typeface="Wingdings" pitchFamily="2" charset="2"/>
+              </a:rPr>
+              <a:t>- We still can use</a:t>
+            </a:r>
+          </a:p>
+          <a:p>
+            <a:pPr algn="l"/>
+            <a:r>
+              <a:rPr lang="en-US" sz="1800">
+                <a:sym typeface="Wingdings" pitchFamily="2" charset="2"/>
+              </a:rPr>
+              <a:t>(code illustration snippet 70)</a:t>
+            </a:r>
+          </a:p>
+          <a:p>
+            <a:pPr algn="l"/>
+            <a:r>
+              <a:rPr lang="en-US" sz="1800" b="1">
+                <a:sym typeface="Wingdings" pitchFamily="2" charset="2"/>
+              </a:rPr>
+              <a:t>Bounding Generic Types</a:t>
+            </a:r>
+          </a:p>
+          <a:p>
+            <a:pPr algn="l"/>
+            <a:r>
+              <a:rPr lang="en-US" sz="1800">
+                <a:sym typeface="Wingdings" pitchFamily="2" charset="2"/>
+              </a:rPr>
+              <a:t>- There is a problem with generic. It is not useful when ... as Object at ... and ... =&gt; Doesn't have much ...</a:t>
+            </a:r>
+          </a:p>
+          <a:p>
+            <a:pPr algn="l"/>
+            <a:r>
+              <a:rPr lang="en-US" sz="1800">
+                <a:sym typeface="Wingdings" pitchFamily="2" charset="2"/>
+              </a:rPr>
+              <a:t>– However, this problem ... solved by ... </a:t>
+            </a:r>
+          </a:p>
+          <a:p>
+            <a:pPr algn="l"/>
+            <a:r>
+              <a:rPr lang="en-US" sz="1800">
+                <a:sym typeface="Wingdings" pitchFamily="2" charset="2"/>
+              </a:rPr>
+              <a:t>- Bounded wildcard will .... type that can be ... </a:t>
+            </a:r>
+          </a:p>
+          <a:p>
+            <a:pPr algn="l"/>
+            <a:r>
+              <a:rPr lang="en-US" sz="1800">
+                <a:sym typeface="Wingdings" pitchFamily="2" charset="2"/>
+              </a:rPr>
+              <a:t>- ... is a generic used for the bound ... </a:t>
+            </a:r>
+          </a:p>
+          <a:p>
+            <a:pPr algn="l"/>
+            <a:r>
+              <a:rPr lang="en-US" sz="1800">
+                <a:sym typeface="Wingdings" pitchFamily="2" charset="2"/>
+              </a:rPr>
+              <a:t>- ... is an unknown ... type. There are ... ways to use ...</a:t>
+            </a:r>
+          </a:p>
+        </p:txBody>
+      </p:sp>
+    </p:spTree>
+    <p:extLst>
+      <p:ext uri="{BB962C8B-B14F-4D97-AF65-F5344CB8AC3E}">
+        <p14:creationId xmlns:p14="http://schemas.microsoft.com/office/powerpoint/2010/main" val="3406823366"/>
+      </p:ext>
+    </p:extLst>
+  </p:cSld>
+  <p:clrMapOvr>
+    <a:masterClrMapping/>
+  </p:clrMapOvr>
+  <p:timing>
+    <p:tnLst>
+      <p:par>
+        <p:cTn id="1" dur="indefinite" restart="never" nodeType="tmRoot">
+          <p:childTnLst>
+            <p:seq concurrent="1" nextAc="seek">
+              <p:cTn id="2" dur="indefinite" nodeType="mainSeq">
+                <p:childTnLst>
+                  <p:par>
+                    <p:cTn id="3" fill="hold">
+                      <p:stCondLst>
+                        <p:cond delay="indefinite"/>
+                      </p:stCondLst>
+                      <p:childTnLst>
+                        <p:par>
+                          <p:cTn id="4" fill="hold">
+                            <p:stCondLst>
+                              <p:cond delay="0"/>
+                            </p:stCondLst>
+                            <p:childTnLst>
+                              <p:par>
+                                <p:cTn id="5" presetID="1" presetClass="entr" presetSubtype="0" fill="hold" nodeType="clickEffect">
+                                  <p:stCondLst>
+                                    <p:cond delay="0"/>
+                                  </p:stCondLst>
+                                  <p:childTnLst>
+                                    <p:set>
+                                      <p:cBhvr>
+                                        <p:cTn id="6" dur="1" fill="hold">
+                                          <p:stCondLst>
+                                            <p:cond delay="0"/>
+                                          </p:stCondLst>
+                                        </p:cTn>
+                                        <p:tgtEl>
+                                          <p:spTgt spid="4">
+                                            <p:txEl>
+                                              <p:pRg st="0" end="0"/>
+                                            </p:txEl>
+                                          </p:spTgt>
+                                        </p:tgtEl>
+                                        <p:attrNameLst>
+                                          <p:attrName>style.visibility</p:attrName>
+                                        </p:attrNameLst>
+                                      </p:cBhvr>
+                                      <p:to>
+                                        <p:strVal val="visible"/>
+                                      </p:to>
+                                    </p:set>
+                                  </p:childTnLst>
+                                </p:cTn>
+                              </p:par>
+                            </p:childTnLst>
+                          </p:cTn>
+                        </p:par>
+                      </p:childTnLst>
+                    </p:cTn>
+                  </p:par>
+                  <p:par>
+                    <p:cTn id="7" fill="hold">
+                      <p:stCondLst>
+                        <p:cond delay="indefinite"/>
+                      </p:stCondLst>
+                      <p:childTnLst>
+                        <p:par>
+                          <p:cTn id="8" fill="hold">
+                            <p:stCondLst>
+                              <p:cond delay="0"/>
+                            </p:stCondLst>
+                            <p:childTnLst>
+                              <p:par>
+                                <p:cTn id="9" presetID="1" presetClass="entr" presetSubtype="0" fill="hold" nodeType="clickEffect">
+                                  <p:stCondLst>
+                                    <p:cond delay="0"/>
+                                  </p:stCondLst>
+                                  <p:childTnLst>
+                                    <p:set>
+                                      <p:cBhvr>
+                                        <p:cTn id="10" dur="1" fill="hold">
+                                          <p:stCondLst>
+                                            <p:cond delay="0"/>
+                                          </p:stCondLst>
+                                        </p:cTn>
+                                        <p:tgtEl>
+                                          <p:spTgt spid="4">
+                                            <p:txEl>
+                                              <p:pRg st="1" end="1"/>
+                                            </p:txEl>
+                                          </p:spTgt>
+                                        </p:tgtEl>
+                                        <p:attrNameLst>
+                                          <p:attrName>style.visibility</p:attrName>
+                                        </p:attrNameLst>
+                                      </p:cBhvr>
+                                      <p:to>
+                                        <p:strVal val="visible"/>
+                                      </p:to>
+                                    </p:set>
+                                  </p:childTnLst>
+                                </p:cTn>
+                              </p:par>
+                            </p:childTnLst>
+                          </p:cTn>
+                        </p:par>
+                      </p:childTnLst>
+                    </p:cTn>
+                  </p:par>
+                  <p:par>
+                    <p:cTn id="11" fill="hold">
+                      <p:stCondLst>
+                        <p:cond delay="indefinite"/>
+                      </p:stCondLst>
+                      <p:childTnLst>
+                        <p:par>
+                          <p:cTn id="12" fill="hold">
+                            <p:stCondLst>
+                              <p:cond delay="0"/>
+                            </p:stCondLst>
+                            <p:childTnLst>
+                              <p:par>
+                                <p:cTn id="13" presetID="1" presetClass="entr" presetSubtype="0" fill="hold" nodeType="clickEffect">
+                                  <p:stCondLst>
+                                    <p:cond delay="0"/>
+                                  </p:stCondLst>
+                                  <p:childTnLst>
+                                    <p:set>
+                                      <p:cBhvr>
+                                        <p:cTn id="14" dur="1" fill="hold">
+                                          <p:stCondLst>
+                                            <p:cond delay="0"/>
+                                          </p:stCondLst>
+                                        </p:cTn>
+                                        <p:tgtEl>
+                                          <p:spTgt spid="4">
+                                            <p:txEl>
+                                              <p:pRg st="2" end="2"/>
+                                            </p:txEl>
+                                          </p:spTgt>
+                                        </p:tgtEl>
+                                        <p:attrNameLst>
+                                          <p:attrName>style.visibility</p:attrName>
+                                        </p:attrNameLst>
+                                      </p:cBhvr>
+                                      <p:to>
+                                        <p:strVal val="visible"/>
+                                      </p:to>
+                                    </p:set>
+                                  </p:childTnLst>
+                                </p:cTn>
+                              </p:par>
+                            </p:childTnLst>
+                          </p:cTn>
+                        </p:par>
+                      </p:childTnLst>
+                    </p:cTn>
+                  </p:par>
+                  <p:par>
+                    <p:cTn id="15" fill="hold">
+                      <p:stCondLst>
+                        <p:cond delay="indefinite"/>
+                      </p:stCondLst>
+                      <p:childTnLst>
+                        <p:par>
+                          <p:cTn id="16" fill="hold">
+                            <p:stCondLst>
+                              <p:cond delay="0"/>
+                            </p:stCondLst>
+                            <p:childTnLst>
+                              <p:par>
+                                <p:cTn id="17" presetID="1" presetClass="entr" presetSubtype="0" fill="hold" nodeType="clickEffect">
+                                  <p:stCondLst>
+                                    <p:cond delay="0"/>
+                                  </p:stCondLst>
+                                  <p:childTnLst>
+                                    <p:set>
+                                      <p:cBhvr>
+                                        <p:cTn id="18" dur="1" fill="hold">
+                                          <p:stCondLst>
+                                            <p:cond delay="0"/>
+                                          </p:stCondLst>
+                                        </p:cTn>
+                                        <p:tgtEl>
+                                          <p:spTgt spid="4">
+                                            <p:txEl>
+                                              <p:pRg st="3" end="3"/>
+                                            </p:txEl>
+                                          </p:spTgt>
+                                        </p:tgtEl>
+                                        <p:attrNameLst>
+                                          <p:attrName>style.visibility</p:attrName>
+                                        </p:attrNameLst>
+                                      </p:cBhvr>
+                                      <p:to>
+                                        <p:strVal val="visible"/>
+                                      </p:to>
+                                    </p:set>
+                                  </p:childTnLst>
+                                </p:cTn>
+                              </p:par>
+                            </p:childTnLst>
+                          </p:cTn>
+                        </p:par>
+                      </p:childTnLst>
+                    </p:cTn>
+                  </p:par>
+                  <p:par>
+                    <p:cTn id="19" fill="hold">
+                      <p:stCondLst>
+                        <p:cond delay="indefinite"/>
+                      </p:stCondLst>
+                      <p:childTnLst>
+                        <p:par>
+                          <p:cTn id="20" fill="hold">
+                            <p:stCondLst>
+                              <p:cond delay="0"/>
+                            </p:stCondLst>
+                            <p:childTnLst>
+                              <p:par>
+                                <p:cTn id="21" presetID="1" presetClass="entr" presetSubtype="0" fill="hold" nodeType="clickEffect">
+                                  <p:stCondLst>
+                                    <p:cond delay="0"/>
+                                  </p:stCondLst>
+                                  <p:childTnLst>
+                                    <p:set>
+                                      <p:cBhvr>
+                                        <p:cTn id="22" dur="1" fill="hold">
+                                          <p:stCondLst>
+                                            <p:cond delay="0"/>
+                                          </p:stCondLst>
+                                        </p:cTn>
+                                        <p:tgtEl>
+                                          <p:spTgt spid="4">
+                                            <p:txEl>
+                                              <p:pRg st="4" end="4"/>
+                                            </p:txEl>
+                                          </p:spTgt>
+                                        </p:tgtEl>
+                                        <p:attrNameLst>
+                                          <p:attrName>style.visibility</p:attrName>
+                                        </p:attrNameLst>
+                                      </p:cBhvr>
+                                      <p:to>
+                                        <p:strVal val="visible"/>
+                                      </p:to>
+                                    </p:set>
+                                  </p:childTnLst>
+                                </p:cTn>
+                              </p:par>
+                            </p:childTnLst>
+                          </p:cTn>
+                        </p:par>
+                      </p:childTnLst>
+                    </p:cTn>
+                  </p:par>
+                  <p:par>
+                    <p:cTn id="23" fill="hold">
+                      <p:stCondLst>
+                        <p:cond delay="indefinite"/>
+                      </p:stCondLst>
+                      <p:childTnLst>
+                        <p:par>
+                          <p:cTn id="24" fill="hold">
+                            <p:stCondLst>
+                              <p:cond delay="0"/>
+                            </p:stCondLst>
+                            <p:childTnLst>
+                              <p:par>
+                                <p:cTn id="25" presetID="1" presetClass="entr" presetSubtype="0" fill="hold" nodeType="clickEffect">
+                                  <p:stCondLst>
+                                    <p:cond delay="0"/>
+                                  </p:stCondLst>
+                                  <p:childTnLst>
+                                    <p:set>
+                                      <p:cBhvr>
+                                        <p:cTn id="26" dur="1" fill="hold">
+                                          <p:stCondLst>
+                                            <p:cond delay="0"/>
+                                          </p:stCondLst>
+                                        </p:cTn>
+                                        <p:tgtEl>
+                                          <p:spTgt spid="4">
+                                            <p:txEl>
+                                              <p:pRg st="5" end="5"/>
+                                            </p:txEl>
+                                          </p:spTgt>
+                                        </p:tgtEl>
+                                        <p:attrNameLst>
+                                          <p:attrName>style.visibility</p:attrName>
+                                        </p:attrNameLst>
+                                      </p:cBhvr>
+                                      <p:to>
+                                        <p:strVal val="visible"/>
+                                      </p:to>
+                                    </p:set>
+                                  </p:childTnLst>
+                                </p:cTn>
+                              </p:par>
+                            </p:childTnLst>
+                          </p:cTn>
+                        </p:par>
+                      </p:childTnLst>
+                    </p:cTn>
+                  </p:par>
+                  <p:par>
+                    <p:cTn id="27" fill="hold">
+                      <p:stCondLst>
+                        <p:cond delay="indefinite"/>
+                      </p:stCondLst>
+                      <p:childTnLst>
+                        <p:par>
+                          <p:cTn id="28" fill="hold">
+                            <p:stCondLst>
+                              <p:cond delay="0"/>
+                            </p:stCondLst>
+                            <p:childTnLst>
+                              <p:par>
+                                <p:cTn id="29" presetID="1" presetClass="entr" presetSubtype="0" fill="hold" nodeType="clickEffect">
+                                  <p:stCondLst>
+                                    <p:cond delay="0"/>
+                                  </p:stCondLst>
+                                  <p:childTnLst>
+                                    <p:set>
+                                      <p:cBhvr>
+                                        <p:cTn id="30" dur="1" fill="hold">
+                                          <p:stCondLst>
+                                            <p:cond delay="0"/>
+                                          </p:stCondLst>
+                                        </p:cTn>
+                                        <p:tgtEl>
+                                          <p:spTgt spid="4">
+                                            <p:txEl>
+                                              <p:pRg st="6" end="6"/>
+                                            </p:txEl>
+                                          </p:spTgt>
+                                        </p:tgtEl>
+                                        <p:attrNameLst>
+                                          <p:attrName>style.visibility</p:attrName>
+                                        </p:attrNameLst>
+                                      </p:cBhvr>
+                                      <p:to>
+                                        <p:strVal val="visible"/>
+                                      </p:to>
+                                    </p:set>
+                                  </p:childTnLst>
+                                </p:cTn>
+                              </p:par>
+                            </p:childTnLst>
+                          </p:cTn>
+                        </p:par>
+                      </p:childTnLst>
+                    </p:cTn>
+                  </p:par>
+                  <p:par>
+                    <p:cTn id="31" fill="hold">
+                      <p:stCondLst>
+                        <p:cond delay="indefinite"/>
+                      </p:stCondLst>
+                      <p:childTnLst>
+                        <p:par>
+                          <p:cTn id="32" fill="hold">
+                            <p:stCondLst>
+                              <p:cond delay="0"/>
+                            </p:stCondLst>
+                            <p:childTnLst>
+                              <p:par>
+                                <p:cTn id="33" presetID="1" presetClass="entr" presetSubtype="0" fill="hold" nodeType="clickEffect">
+                                  <p:stCondLst>
+                                    <p:cond delay="0"/>
+                                  </p:stCondLst>
+                                  <p:childTnLst>
+                                    <p:set>
+                                      <p:cBhvr>
+                                        <p:cTn id="34" dur="1" fill="hold">
+                                          <p:stCondLst>
+                                            <p:cond delay="0"/>
+                                          </p:stCondLst>
+                                        </p:cTn>
+                                        <p:tgtEl>
+                                          <p:spTgt spid="4">
+                                            <p:txEl>
+                                              <p:pRg st="7" end="7"/>
+                                            </p:txEl>
+                                          </p:spTgt>
+                                        </p:tgtEl>
+                                        <p:attrNameLst>
+                                          <p:attrName>style.visibility</p:attrName>
+                                        </p:attrNameLst>
+                                      </p:cBhvr>
+                                      <p:to>
+                                        <p:strVal val="visible"/>
+                                      </p:to>
+                                    </p:set>
+                                  </p:childTnLst>
+                                </p:cTn>
+                              </p:par>
+                            </p:childTnLst>
+                          </p:cTn>
+                        </p:par>
+                      </p:childTnLst>
+                    </p:cTn>
+                  </p:par>
+                  <p:par>
+                    <p:cTn id="35" fill="hold">
+                      <p:stCondLst>
+                        <p:cond delay="indefinite"/>
+                      </p:stCondLst>
+                      <p:childTnLst>
+                        <p:par>
+                          <p:cTn id="36" fill="hold">
+                            <p:stCondLst>
+                              <p:cond delay="0"/>
+                            </p:stCondLst>
+                            <p:childTnLst>
+                              <p:par>
+                                <p:cTn id="37" presetID="1" presetClass="entr" presetSubtype="0" fill="hold" nodeType="clickEffect">
+                                  <p:stCondLst>
+                                    <p:cond delay="0"/>
+                                  </p:stCondLst>
+                                  <p:childTnLst>
+                                    <p:set>
+                                      <p:cBhvr>
+                                        <p:cTn id="38" dur="1" fill="hold">
+                                          <p:stCondLst>
+                                            <p:cond delay="0"/>
+                                          </p:stCondLst>
+                                        </p:cTn>
+                                        <p:tgtEl>
+                                          <p:spTgt spid="4">
+                                            <p:txEl>
+                                              <p:pRg st="8" end="8"/>
+                                            </p:txEl>
+                                          </p:spTgt>
+                                        </p:tgtEl>
+                                        <p:attrNameLst>
+                                          <p:attrName>style.visibility</p:attrName>
+                                        </p:attrNameLst>
+                                      </p:cBhvr>
+                                      <p:to>
+                                        <p:strVal val="visible"/>
+                                      </p:to>
+                                    </p:set>
+                                  </p:childTnLst>
+                                </p:cTn>
+                              </p:par>
+                            </p:childTnLst>
+                          </p:cTn>
+                        </p:par>
+                      </p:childTnLst>
+                    </p:cTn>
+                  </p:par>
+                  <p:par>
+                    <p:cTn id="39" fill="hold">
+                      <p:stCondLst>
+                        <p:cond delay="indefinite"/>
+                      </p:stCondLst>
+                      <p:childTnLst>
+                        <p:par>
+                          <p:cTn id="40" fill="hold">
+                            <p:stCondLst>
+                              <p:cond delay="0"/>
+                            </p:stCondLst>
+                            <p:childTnLst>
+                              <p:par>
+                                <p:cTn id="41" presetID="1" presetClass="entr" presetSubtype="0" fill="hold" nodeType="clickEffect">
+                                  <p:stCondLst>
+                                    <p:cond delay="0"/>
+                                  </p:stCondLst>
+                                  <p:childTnLst>
+                                    <p:set>
+                                      <p:cBhvr>
+                                        <p:cTn id="42" dur="1" fill="hold">
+                                          <p:stCondLst>
+                                            <p:cond delay="0"/>
+                                          </p:stCondLst>
+                                        </p:cTn>
+                                        <p:tgtEl>
+                                          <p:spTgt spid="4">
+                                            <p:txEl>
+                                              <p:pRg st="9" end="9"/>
+                                            </p:txEl>
+                                          </p:spTgt>
+                                        </p:tgtEl>
+                                        <p:attrNameLst>
+                                          <p:attrName>style.visibility</p:attrName>
+                                        </p:attrNameLst>
+                                      </p:cBhvr>
+                                      <p:to>
+                                        <p:strVal val="visible"/>
+                                      </p:to>
+                                    </p:set>
+                                  </p:childTnLst>
+                                </p:cTn>
+                              </p:par>
+                            </p:childTnLst>
+                          </p:cTn>
+                        </p:par>
+                      </p:childTnLst>
+                    </p:cTn>
+                  </p:par>
+                  <p:par>
+                    <p:cTn id="43" fill="hold">
+                      <p:stCondLst>
+                        <p:cond delay="indefinite"/>
+                      </p:stCondLst>
+                      <p:childTnLst>
+                        <p:par>
+                          <p:cTn id="44" fill="hold">
+                            <p:stCondLst>
+                              <p:cond delay="0"/>
+                            </p:stCondLst>
+                            <p:childTnLst>
+                              <p:par>
+                                <p:cTn id="45" presetID="1" presetClass="entr" presetSubtype="0" fill="hold" nodeType="clickEffect">
+                                  <p:stCondLst>
+                                    <p:cond delay="0"/>
+                                  </p:stCondLst>
+                                  <p:childTnLst>
+                                    <p:set>
+                                      <p:cBhvr>
+                                        <p:cTn id="46" dur="1" fill="hold">
+                                          <p:stCondLst>
+                                            <p:cond delay="0"/>
+                                          </p:stCondLst>
+                                        </p:cTn>
+                                        <p:tgtEl>
+                                          <p:spTgt spid="4">
+                                            <p:txEl>
+                                              <p:pRg st="10" end="10"/>
+                                            </p:txEl>
+                                          </p:spTgt>
+                                        </p:tgtEl>
+                                        <p:attrNameLst>
+                                          <p:attrName>style.visibility</p:attrName>
+                                        </p:attrNameLst>
+                                      </p:cBhvr>
+                                      <p:to>
+                                        <p:strVal val="visible"/>
+                                      </p:to>
+                                    </p:set>
+                                  </p:childTnLst>
+                                </p:cTn>
+                              </p:par>
+                            </p:childTnLst>
+                          </p:cTn>
+                        </p:par>
+                      </p:childTnLst>
+                    </p:cTn>
+                  </p:par>
+                </p:childTnLst>
+              </p:cTn>
+              <p:prevCondLst>
+                <p:cond evt="onPrev" delay="0">
+                  <p:tgtEl>
+                    <p:sldTgt/>
+                  </p:tgtEl>
+                </p:cond>
+              </p:prevCondLst>
+              <p:nextCondLst>
+                <p:cond evt="onNext" delay="0">
+                  <p:tgtEl>
+                    <p:sldTgt/>
+                  </p:tgtEl>
+                </p:cond>
+              </p:nextCondLst>
+            </p:seq>
+          </p:childTnLst>
+        </p:cTn>
+      </p:par>
+    </p:tnLst>
+  </p:timing>
+</p:sld>
+</file>
+
+<file path=ppt/slides/slide41.xml><?xml version="1.0" encoding="utf-8"?>
+<p:sld xmlns:a="http://schemas.openxmlformats.org/drawingml/2006/main" xmlns:r="http://schemas.openxmlformats.org/officeDocument/2006/relationships" xmlns:p="http://schemas.openxmlformats.org/presentationml/2006/main">
+  <p:cSld>
+    <p:spTree>
+      <p:nvGrpSpPr>
+        <p:cNvPr id="1" name="">
+          <a:extLst>
+            <a:ext uri="{FF2B5EF4-FFF2-40B4-BE49-F238E27FC236}">
+              <a16:creationId xmlns:a16="http://schemas.microsoft.com/office/drawing/2014/main" id="{0644BBB9-CF8C-330A-89AE-16CF7682CEF4}"/>
+            </a:ext>
+          </a:extLst>
+        </p:cNvPr>
+        <p:cNvGrpSpPr/>
+        <p:nvPr/>
+      </p:nvGrpSpPr>
+      <p:grpSpPr>
+        <a:xfrm>
+          <a:off x="0" y="0"/>
+          <a:ext cx="0" cy="0"/>
+          <a:chOff x="0" y="0"/>
+          <a:chExt cx="0" cy="0"/>
+        </a:xfrm>
+      </p:grpSpPr>
+      <p:sp>
+        <p:nvSpPr>
+          <p:cNvPr id="3" name="Subtitle 2">
+            <a:extLst>
+              <a:ext uri="{FF2B5EF4-FFF2-40B4-BE49-F238E27FC236}">
+                <a16:creationId xmlns:a16="http://schemas.microsoft.com/office/drawing/2014/main" id="{5D1FEB9C-32E5-6E9D-D8E7-0CE5B7AF3295}"/>
+              </a:ext>
+            </a:extLst>
+          </p:cNvPr>
+          <p:cNvSpPr>
+            <a:spLocks noGrp="1"/>
+          </p:cNvSpPr>
+          <p:nvPr>
+            <p:ph type="subTitle" idx="1"/>
+          </p:nvPr>
+        </p:nvSpPr>
+        <p:spPr>
+          <a:xfrm>
+            <a:off x="152399" y="217488"/>
+            <a:ext cx="11223171" cy="303212"/>
+          </a:xfrm>
+        </p:spPr>
+        <p:txBody>
+          <a:bodyPr>
+            <a:normAutofit fontScale="92500" lnSpcReduction="20000"/>
+          </a:bodyPr>
+          <a:lstStyle/>
+          <a:p>
+            <a:r>
+              <a:rPr lang="en-US" sz="1800" b="1"/>
+              <a:t>Chapter 9 – Collections and Generics</a:t>
+            </a:r>
+          </a:p>
+        </p:txBody>
+      </p:sp>
+      <p:sp>
+        <p:nvSpPr>
+          <p:cNvPr id="4" name="Subtitle 2">
+            <a:extLst>
+              <a:ext uri="{FF2B5EF4-FFF2-40B4-BE49-F238E27FC236}">
+                <a16:creationId xmlns:a16="http://schemas.microsoft.com/office/drawing/2014/main" id="{D63F9E4E-BA9C-D886-B65D-06541B9AF6C1}"/>
+              </a:ext>
+            </a:extLst>
+          </p:cNvPr>
+          <p:cNvSpPr txBox="1">
+            <a:spLocks/>
+          </p:cNvSpPr>
+          <p:nvPr/>
+        </p:nvSpPr>
+        <p:spPr>
+          <a:xfrm>
+            <a:off x="0" y="820738"/>
+            <a:ext cx="12192000" cy="6037262"/>
+          </a:xfrm>
+          <a:prstGeom prst="rect">
+            <a:avLst/>
+          </a:prstGeom>
+        </p:spPr>
+        <p:txBody>
+          <a:bodyPr vert="horz" lIns="91440" tIns="45720" rIns="91440" bIns="45720" rtlCol="0">
+            <a:normAutofit/>
+          </a:bodyPr>
+          <a:lstStyle>
+            <a:lvl1pPr marL="0" indent="0" algn="ctr" defTabSz="914400" rtl="0" eaLnBrk="1" latinLnBrk="0" hangingPunct="1">
+              <a:lnSpc>
+                <a:spcPct val="90000"/>
+              </a:lnSpc>
+              <a:spcBef>
+                <a:spcPts val="1000"/>
+              </a:spcBef>
+              <a:buFont typeface="Arial" panose="020B0604020202020204" pitchFamily="34" charset="0"/>
+              <a:buNone/>
+              <a:defRPr sz="2400" kern="1200">
+                <a:solidFill>
+                  <a:schemeClr val="tx1"/>
+                </a:solidFill>
+                <a:latin typeface="+mn-lt"/>
+                <a:ea typeface="+mn-ea"/>
+                <a:cs typeface="+mn-cs"/>
+              </a:defRPr>
+            </a:lvl1pPr>
+            <a:lvl2pPr marL="457200" indent="0" algn="ctr" defTabSz="914400" rtl="0" eaLnBrk="1" latinLnBrk="0" hangingPunct="1">
+              <a:lnSpc>
+                <a:spcPct val="90000"/>
+              </a:lnSpc>
+              <a:spcBef>
+                <a:spcPts val="500"/>
+              </a:spcBef>
+              <a:buFont typeface="Arial" panose="020B0604020202020204" pitchFamily="34" charset="0"/>
+              <a:buNone/>
+              <a:defRPr sz="2000" kern="1200">
+                <a:solidFill>
+                  <a:schemeClr val="tx1"/>
+                </a:solidFill>
+                <a:latin typeface="+mn-lt"/>
+                <a:ea typeface="+mn-ea"/>
+                <a:cs typeface="+mn-cs"/>
+              </a:defRPr>
+            </a:lvl2pPr>
+            <a:lvl3pPr marL="914400" indent="0" algn="ctr" defTabSz="914400" rtl="0" eaLnBrk="1" latinLnBrk="0" hangingPunct="1">
+              <a:lnSpc>
+                <a:spcPct val="90000"/>
+              </a:lnSpc>
+              <a:spcBef>
+                <a:spcPts val="500"/>
+              </a:spcBef>
+              <a:buFont typeface="Arial" panose="020B0604020202020204" pitchFamily="34" charset="0"/>
+              <a:buNone/>
+              <a:defRPr sz="1800" kern="1200">
+                <a:solidFill>
+                  <a:schemeClr val="tx1"/>
+                </a:solidFill>
+                <a:latin typeface="+mn-lt"/>
+                <a:ea typeface="+mn-ea"/>
+                <a:cs typeface="+mn-cs"/>
+              </a:defRPr>
+            </a:lvl3pPr>
+            <a:lvl4pPr marL="1371600" indent="0" algn="ctr" defTabSz="914400" rtl="0" eaLnBrk="1" latinLnBrk="0" hangingPunct="1">
+              <a:lnSpc>
+                <a:spcPct val="90000"/>
+              </a:lnSpc>
+              <a:spcBef>
+                <a:spcPts val="500"/>
+              </a:spcBef>
+              <a:buFont typeface="Arial" panose="020B0604020202020204" pitchFamily="34" charset="0"/>
+              <a:buNone/>
+              <a:defRPr sz="1600" kern="1200">
+                <a:solidFill>
+                  <a:schemeClr val="tx1"/>
+                </a:solidFill>
+                <a:latin typeface="+mn-lt"/>
+                <a:ea typeface="+mn-ea"/>
+                <a:cs typeface="+mn-cs"/>
+              </a:defRPr>
+            </a:lvl4pPr>
+            <a:lvl5pPr marL="1828800" indent="0" algn="ctr" defTabSz="914400" rtl="0" eaLnBrk="1" latinLnBrk="0" hangingPunct="1">
+              <a:lnSpc>
+                <a:spcPct val="90000"/>
+              </a:lnSpc>
+              <a:spcBef>
+                <a:spcPts val="500"/>
+              </a:spcBef>
+              <a:buFont typeface="Arial" panose="020B0604020202020204" pitchFamily="34" charset="0"/>
+              <a:buNone/>
+              <a:defRPr sz="1600" kern="1200">
+                <a:solidFill>
+                  <a:schemeClr val="tx1"/>
+                </a:solidFill>
+                <a:latin typeface="+mn-lt"/>
+                <a:ea typeface="+mn-ea"/>
+                <a:cs typeface="+mn-cs"/>
+              </a:defRPr>
+            </a:lvl5pPr>
+            <a:lvl6pPr marL="2286000" indent="0" algn="ctr" defTabSz="914400" rtl="0" eaLnBrk="1" latinLnBrk="0" hangingPunct="1">
+              <a:lnSpc>
+                <a:spcPct val="90000"/>
+              </a:lnSpc>
+              <a:spcBef>
+                <a:spcPts val="500"/>
+              </a:spcBef>
+              <a:buFont typeface="Arial" panose="020B0604020202020204" pitchFamily="34" charset="0"/>
+              <a:buNone/>
+              <a:defRPr sz="1600" kern="1200">
+                <a:solidFill>
+                  <a:schemeClr val="tx1"/>
+                </a:solidFill>
+                <a:latin typeface="+mn-lt"/>
+                <a:ea typeface="+mn-ea"/>
+                <a:cs typeface="+mn-cs"/>
+              </a:defRPr>
+            </a:lvl6pPr>
+            <a:lvl7pPr marL="2743200" indent="0" algn="ctr" defTabSz="914400" rtl="0" eaLnBrk="1" latinLnBrk="0" hangingPunct="1">
+              <a:lnSpc>
+                <a:spcPct val="90000"/>
+              </a:lnSpc>
+              <a:spcBef>
+                <a:spcPts val="500"/>
+              </a:spcBef>
+              <a:buFont typeface="Arial" panose="020B0604020202020204" pitchFamily="34" charset="0"/>
+              <a:buNone/>
+              <a:defRPr sz="1600" kern="1200">
+                <a:solidFill>
+                  <a:schemeClr val="tx1"/>
+                </a:solidFill>
+                <a:latin typeface="+mn-lt"/>
+                <a:ea typeface="+mn-ea"/>
+                <a:cs typeface="+mn-cs"/>
+              </a:defRPr>
+            </a:lvl7pPr>
+            <a:lvl8pPr marL="3200400" indent="0" algn="ctr" defTabSz="914400" rtl="0" eaLnBrk="1" latinLnBrk="0" hangingPunct="1">
+              <a:lnSpc>
+                <a:spcPct val="90000"/>
+              </a:lnSpc>
+              <a:spcBef>
+                <a:spcPts val="500"/>
+              </a:spcBef>
+              <a:buFont typeface="Arial" panose="020B0604020202020204" pitchFamily="34" charset="0"/>
+              <a:buNone/>
+              <a:defRPr sz="1600" kern="1200">
+                <a:solidFill>
+                  <a:schemeClr val="tx1"/>
+                </a:solidFill>
+                <a:latin typeface="+mn-lt"/>
+                <a:ea typeface="+mn-ea"/>
+                <a:cs typeface="+mn-cs"/>
+              </a:defRPr>
+            </a:lvl8pPr>
+            <a:lvl9pPr marL="3657600" indent="0" algn="ctr" defTabSz="914400" rtl="0" eaLnBrk="1" latinLnBrk="0" hangingPunct="1">
+              <a:lnSpc>
+                <a:spcPct val="90000"/>
+              </a:lnSpc>
+              <a:spcBef>
+                <a:spcPts val="500"/>
+              </a:spcBef>
+              <a:buFont typeface="Arial" panose="020B0604020202020204" pitchFamily="34" charset="0"/>
+              <a:buNone/>
+              <a:defRPr sz="1600" kern="1200">
+                <a:solidFill>
+                  <a:schemeClr val="tx1"/>
+                </a:solidFill>
+                <a:latin typeface="+mn-lt"/>
+                <a:ea typeface="+mn-ea"/>
+                <a:cs typeface="+mn-cs"/>
+              </a:defRPr>
+            </a:lvl9pPr>
+          </a:lstStyle>
+          <a:p>
+            <a:pPr algn="l"/>
+            <a:endParaRPr lang="en-US" sz="1800">
+              <a:sym typeface="Wingdings" pitchFamily="2" charset="2"/>
+            </a:endParaRPr>
+          </a:p>
+        </p:txBody>
+      </p:sp>
+      <p:pic>
+        <p:nvPicPr>
+          <p:cNvPr id="2" name="Picture 1">
+            <a:extLst>
+              <a:ext uri="{FF2B5EF4-FFF2-40B4-BE49-F238E27FC236}">
+                <a16:creationId xmlns:a16="http://schemas.microsoft.com/office/drawing/2014/main" id="{7B0A31B4-EB86-A621-CF4F-39E05D04E4B2}"/>
+              </a:ext>
+            </a:extLst>
+          </p:cNvPr>
+          <p:cNvPicPr>
+            <a:picLocks noChangeAspect="1"/>
+          </p:cNvPicPr>
+          <p:nvPr/>
+        </p:nvPicPr>
+        <p:blipFill>
+          <a:blip r:embed="rId3"/>
+          <a:stretch>
+            <a:fillRect/>
+          </a:stretch>
+        </p:blipFill>
+        <p:spPr>
+          <a:xfrm>
+            <a:off x="1387862" y="1633048"/>
+            <a:ext cx="9416276" cy="3591904"/>
+          </a:xfrm>
+          <a:prstGeom prst="rect">
+            <a:avLst/>
+          </a:prstGeom>
+        </p:spPr>
+      </p:pic>
+      <mc:AlternateContent xmlns:mc="http://schemas.openxmlformats.org/markup-compatibility/2006">
+        <mc:Choice xmlns:p14="http://schemas.microsoft.com/office/powerpoint/2010/main" Requires="p14">
+          <p:contentPart p14:bwMode="auto" r:id="rId4">
+            <p14:nvContentPartPr>
+              <p14:cNvPr id="5" name="Ink 4">
+                <a:extLst>
+                  <a:ext uri="{FF2B5EF4-FFF2-40B4-BE49-F238E27FC236}">
+                    <a16:creationId xmlns:a16="http://schemas.microsoft.com/office/drawing/2014/main" id="{0B58F040-E0D1-4CF5-39E7-F51B66A6B6F4}"/>
+                  </a:ext>
+                </a:extLst>
+              </p14:cNvPr>
+              <p14:cNvContentPartPr/>
+              <p14:nvPr/>
+            </p14:nvContentPartPr>
+            <p14:xfrm>
+              <a:off x="1520403" y="3097631"/>
+              <a:ext cx="1996920" cy="101160"/>
+            </p14:xfrm>
+          </p:contentPart>
+        </mc:Choice>
+        <mc:Fallback>
+          <p:pic>
+            <p:nvPicPr>
+              <p:cNvPr id="5" name="Ink 4">
+                <a:extLst>
+                  <a:ext uri="{FF2B5EF4-FFF2-40B4-BE49-F238E27FC236}">
+                    <a16:creationId xmlns:a16="http://schemas.microsoft.com/office/drawing/2014/main" id="{0B58F040-E0D1-4CF5-39E7-F51B66A6B6F4}"/>
+                  </a:ext>
+                </a:extLst>
+              </p:cNvPr>
+              <p:cNvPicPr/>
+              <p:nvPr/>
+            </p:nvPicPr>
+            <p:blipFill>
+              <a:blip r:embed="rId5"/>
+              <a:stretch>
+                <a:fillRect/>
+              </a:stretch>
+            </p:blipFill>
+            <p:spPr>
+              <a:xfrm>
+                <a:off x="1457403" y="3034991"/>
+                <a:ext cx="2122560" cy="226800"/>
+              </a:xfrm>
+              <a:prstGeom prst="rect">
+                <a:avLst/>
+              </a:prstGeom>
+            </p:spPr>
+          </p:pic>
+        </mc:Fallback>
+      </mc:AlternateContent>
+      <mc:AlternateContent xmlns:mc="http://schemas.openxmlformats.org/markup-compatibility/2006">
+        <mc:Choice xmlns:p14="http://schemas.microsoft.com/office/powerpoint/2010/main" Requires="p14">
+          <p:contentPart p14:bwMode="auto" r:id="rId6">
+            <p14:nvContentPartPr>
+              <p14:cNvPr id="6" name="Ink 5">
+                <a:extLst>
+                  <a:ext uri="{FF2B5EF4-FFF2-40B4-BE49-F238E27FC236}">
+                    <a16:creationId xmlns:a16="http://schemas.microsoft.com/office/drawing/2014/main" id="{A5A4AFAE-9A2E-3DE0-CCEA-525E6D5A6A92}"/>
+                  </a:ext>
+                </a:extLst>
+              </p14:cNvPr>
+              <p14:cNvContentPartPr/>
+              <p14:nvPr/>
+            </p14:nvContentPartPr>
+            <p14:xfrm>
+              <a:off x="1263723" y="3601991"/>
+              <a:ext cx="2294640" cy="408960"/>
+            </p14:xfrm>
+          </p:contentPart>
+        </mc:Choice>
+        <mc:Fallback>
+          <p:pic>
+            <p:nvPicPr>
+              <p:cNvPr id="6" name="Ink 5">
+                <a:extLst>
+                  <a:ext uri="{FF2B5EF4-FFF2-40B4-BE49-F238E27FC236}">
+                    <a16:creationId xmlns:a16="http://schemas.microsoft.com/office/drawing/2014/main" id="{A5A4AFAE-9A2E-3DE0-CCEA-525E6D5A6A92}"/>
+                  </a:ext>
+                </a:extLst>
+              </p:cNvPr>
+              <p:cNvPicPr/>
+              <p:nvPr/>
+            </p:nvPicPr>
+            <p:blipFill>
+              <a:blip r:embed="rId7"/>
+              <a:stretch>
+                <a:fillRect/>
+              </a:stretch>
+            </p:blipFill>
+            <p:spPr>
+              <a:xfrm>
+                <a:off x="1201083" y="3539351"/>
+                <a:ext cx="2420280" cy="534600"/>
+              </a:xfrm>
+              <a:prstGeom prst="rect">
+                <a:avLst/>
+              </a:prstGeom>
+            </p:spPr>
+          </p:pic>
+        </mc:Fallback>
+      </mc:AlternateContent>
+      <mc:AlternateContent xmlns:mc="http://schemas.openxmlformats.org/markup-compatibility/2006">
+        <mc:Choice xmlns:p14="http://schemas.microsoft.com/office/powerpoint/2010/main" Requires="p14">
+          <p:contentPart p14:bwMode="auto" r:id="rId8">
+            <p14:nvContentPartPr>
+              <p14:cNvPr id="7" name="Ink 6">
+                <a:extLst>
+                  <a:ext uri="{FF2B5EF4-FFF2-40B4-BE49-F238E27FC236}">
+                    <a16:creationId xmlns:a16="http://schemas.microsoft.com/office/drawing/2014/main" id="{FF2C5A0D-44C3-353D-00B0-0DB4504315CE}"/>
+                  </a:ext>
+                </a:extLst>
+              </p14:cNvPr>
+              <p14:cNvContentPartPr/>
+              <p14:nvPr/>
+            </p14:nvContentPartPr>
+            <p14:xfrm>
+              <a:off x="1063203" y="4392911"/>
+              <a:ext cx="2513520" cy="303120"/>
+            </p14:xfrm>
+          </p:contentPart>
+        </mc:Choice>
+        <mc:Fallback>
+          <p:pic>
+            <p:nvPicPr>
+              <p:cNvPr id="7" name="Ink 6">
+                <a:extLst>
+                  <a:ext uri="{FF2B5EF4-FFF2-40B4-BE49-F238E27FC236}">
+                    <a16:creationId xmlns:a16="http://schemas.microsoft.com/office/drawing/2014/main" id="{FF2C5A0D-44C3-353D-00B0-0DB4504315CE}"/>
+                  </a:ext>
+                </a:extLst>
+              </p:cNvPr>
+              <p:cNvPicPr/>
+              <p:nvPr/>
+            </p:nvPicPr>
+            <p:blipFill>
+              <a:blip r:embed="rId9"/>
+              <a:stretch>
+                <a:fillRect/>
+              </a:stretch>
+            </p:blipFill>
+            <p:spPr>
+              <a:xfrm>
+                <a:off x="1000203" y="4329911"/>
+                <a:ext cx="2639160" cy="428760"/>
+              </a:xfrm>
+              <a:prstGeom prst="rect">
+                <a:avLst/>
+              </a:prstGeom>
+            </p:spPr>
+          </p:pic>
+        </mc:Fallback>
+      </mc:AlternateContent>
+    </p:spTree>
+    <p:extLst>
+      <p:ext uri="{BB962C8B-B14F-4D97-AF65-F5344CB8AC3E}">
+        <p14:creationId xmlns:p14="http://schemas.microsoft.com/office/powerpoint/2010/main" val="2268607066"/>
+      </p:ext>
+    </p:extLst>
+  </p:cSld>
+  <p:clrMapOvr>
+    <a:masterClrMapping/>
+  </p:clrMapOvr>
+  <p:timing>
+    <p:tnLst>
+      <p:par>
+        <p:cTn id="1" dur="indefinite" restart="never" nodeType="tmRoot">
+          <p:childTnLst>
+            <p:seq concurrent="1" nextAc="seek">
+              <p:cTn id="2" dur="indefinite" nodeType="mainSeq">
+                <p:childTnLst>
+                  <p:par>
+                    <p:cTn id="3" fill="hold">
+                      <p:stCondLst>
+                        <p:cond delay="indefinite"/>
+                      </p:stCondLst>
+                      <p:childTnLst>
+                        <p:par>
+                          <p:cTn id="4" fill="hold">
+                            <p:stCondLst>
+                              <p:cond delay="0"/>
+                            </p:stCondLst>
+                            <p:childTnLst>
+                              <p:par>
+                                <p:cTn id="5" presetID="1" presetClass="entr" presetSubtype="0" fill="hold" nodeType="clickEffect" nodePh="1">
+                                  <p:stCondLst>
+                                    <p:cond delay="0"/>
+                                  </p:stCondLst>
+                                  <p:endCondLst>
+                                    <p:cond evt="begin" delay="0">
+                                      <p:tn val="5"/>
+                                    </p:cond>
+                                  </p:endCondLst>
+                                  <p:childTnLst>
+                                    <p:set>
+                                      <p:cBhvr>
+                                        <p:cTn id="6" dur="1" fill="hold">
+                                          <p:stCondLst>
+                                            <p:cond delay="0"/>
+                                          </p:stCondLst>
+                                        </p:cTn>
+                                        <p:tgtEl>
+                                          <p:spTgt spid="4">
+                                            <p:txEl>
+                                              <p:pRg st="0" end="0"/>
+                                            </p:txEl>
+                                          </p:spTgt>
+                                        </p:tgtEl>
+                                        <p:attrNameLst>
+                                          <p:attrName>style.visibility</p:attrName>
+                                        </p:attrNameLst>
+                                      </p:cBhvr>
+                                      <p:to>
+                                        <p:strVal val="visible"/>
+                                      </p:to>
+                                    </p:set>
+                                  </p:childTnLst>
+                                </p:cTn>
+                              </p:par>
+                            </p:childTnLst>
+                          </p:cTn>
+                        </p:par>
+                      </p:childTnLst>
+                    </p:cTn>
+                  </p:par>
+                </p:childTnLst>
+              </p:cTn>
+              <p:prevCondLst>
+                <p:cond evt="onPrev" delay="0">
+                  <p:tgtEl>
+                    <p:sldTgt/>
+                  </p:tgtEl>
+                </p:cond>
+              </p:prevCondLst>
+              <p:nextCondLst>
+                <p:cond evt="onNext" delay="0">
+                  <p:tgtEl>
+                    <p:sldTgt/>
+                  </p:tgtEl>
+                </p:cond>
+              </p:nextCondLst>
+            </p:seq>
+          </p:childTnLst>
+        </p:cTn>
+      </p:par>
+    </p:tnLst>
+  </p:timing>
+</p:sld>
+</file>
+
+<file path=ppt/slides/slide42.xml><?xml version="1.0" encoding="utf-8"?>
+<p:sld xmlns:a="http://schemas.openxmlformats.org/drawingml/2006/main" xmlns:r="http://schemas.openxmlformats.org/officeDocument/2006/relationships" xmlns:p="http://schemas.openxmlformats.org/presentationml/2006/main">
+  <p:cSld>
+    <p:spTree>
+      <p:nvGrpSpPr>
+        <p:cNvPr id="1" name="">
+          <a:extLst>
+            <a:ext uri="{FF2B5EF4-FFF2-40B4-BE49-F238E27FC236}">
+              <a16:creationId xmlns:a16="http://schemas.microsoft.com/office/drawing/2014/main" id="{155A3C1E-8FBC-C7B5-9C60-5EEA87127B7B}"/>
+            </a:ext>
+          </a:extLst>
+        </p:cNvPr>
+        <p:cNvGrpSpPr/>
+        <p:nvPr/>
+      </p:nvGrpSpPr>
+      <p:grpSpPr>
+        <a:xfrm>
+          <a:off x="0" y="0"/>
+          <a:ext cx="0" cy="0"/>
+          <a:chOff x="0" y="0"/>
+          <a:chExt cx="0" cy="0"/>
+        </a:xfrm>
+      </p:grpSpPr>
+      <p:sp>
+        <p:nvSpPr>
+          <p:cNvPr id="3" name="Subtitle 2">
+            <a:extLst>
+              <a:ext uri="{FF2B5EF4-FFF2-40B4-BE49-F238E27FC236}">
+                <a16:creationId xmlns:a16="http://schemas.microsoft.com/office/drawing/2014/main" id="{AE595251-DD2F-F981-4CA8-1D22FE63B525}"/>
+              </a:ext>
+            </a:extLst>
+          </p:cNvPr>
+          <p:cNvSpPr>
+            <a:spLocks noGrp="1"/>
+          </p:cNvSpPr>
+          <p:nvPr>
+            <p:ph type="subTitle" idx="1"/>
+          </p:nvPr>
+        </p:nvSpPr>
+        <p:spPr>
+          <a:xfrm>
+            <a:off x="152399" y="217488"/>
+            <a:ext cx="11223171" cy="303212"/>
+          </a:xfrm>
+        </p:spPr>
+        <p:txBody>
+          <a:bodyPr>
+            <a:normAutofit fontScale="92500" lnSpcReduction="20000"/>
+          </a:bodyPr>
+          <a:lstStyle/>
+          <a:p>
+            <a:r>
+              <a:rPr lang="en-US" sz="1800" b="1"/>
+              <a:t>Chapter 9 – Collections and Generics</a:t>
+            </a:r>
+          </a:p>
+        </p:txBody>
+      </p:sp>
+      <p:sp>
+        <p:nvSpPr>
+          <p:cNvPr id="4" name="Subtitle 2">
+            <a:extLst>
+              <a:ext uri="{FF2B5EF4-FFF2-40B4-BE49-F238E27FC236}">
+                <a16:creationId xmlns:a16="http://schemas.microsoft.com/office/drawing/2014/main" id="{D35F19AC-B356-4835-BE1A-A51B7AF0EC8D}"/>
+              </a:ext>
+            </a:extLst>
+          </p:cNvPr>
+          <p:cNvSpPr txBox="1">
+            <a:spLocks/>
+          </p:cNvSpPr>
+          <p:nvPr/>
+        </p:nvSpPr>
+        <p:spPr>
+          <a:xfrm>
+            <a:off x="0" y="820738"/>
+            <a:ext cx="12192000" cy="6037262"/>
+          </a:xfrm>
+          <a:prstGeom prst="rect">
+            <a:avLst/>
+          </a:prstGeom>
+        </p:spPr>
+        <p:txBody>
+          <a:bodyPr vert="horz" lIns="91440" tIns="45720" rIns="91440" bIns="45720" rtlCol="0">
+            <a:normAutofit/>
+          </a:bodyPr>
+          <a:lstStyle>
+            <a:lvl1pPr marL="0" indent="0" algn="ctr" defTabSz="914400" rtl="0" eaLnBrk="1" latinLnBrk="0" hangingPunct="1">
+              <a:lnSpc>
+                <a:spcPct val="90000"/>
+              </a:lnSpc>
+              <a:spcBef>
+                <a:spcPts val="1000"/>
+              </a:spcBef>
+              <a:buFont typeface="Arial" panose="020B0604020202020204" pitchFamily="34" charset="0"/>
+              <a:buNone/>
+              <a:defRPr sz="2400" kern="1200">
+                <a:solidFill>
+                  <a:schemeClr val="tx1"/>
+                </a:solidFill>
+                <a:latin typeface="+mn-lt"/>
+                <a:ea typeface="+mn-ea"/>
+                <a:cs typeface="+mn-cs"/>
+              </a:defRPr>
+            </a:lvl1pPr>
+            <a:lvl2pPr marL="457200" indent="0" algn="ctr" defTabSz="914400" rtl="0" eaLnBrk="1" latinLnBrk="0" hangingPunct="1">
+              <a:lnSpc>
+                <a:spcPct val="90000"/>
+              </a:lnSpc>
+              <a:spcBef>
+                <a:spcPts val="500"/>
+              </a:spcBef>
+              <a:buFont typeface="Arial" panose="020B0604020202020204" pitchFamily="34" charset="0"/>
+              <a:buNone/>
+              <a:defRPr sz="2000" kern="1200">
+                <a:solidFill>
+                  <a:schemeClr val="tx1"/>
+                </a:solidFill>
+                <a:latin typeface="+mn-lt"/>
+                <a:ea typeface="+mn-ea"/>
+                <a:cs typeface="+mn-cs"/>
+              </a:defRPr>
+            </a:lvl2pPr>
+            <a:lvl3pPr marL="914400" indent="0" algn="ctr" defTabSz="914400" rtl="0" eaLnBrk="1" latinLnBrk="0" hangingPunct="1">
+              <a:lnSpc>
+                <a:spcPct val="90000"/>
+              </a:lnSpc>
+              <a:spcBef>
+                <a:spcPts val="500"/>
+              </a:spcBef>
+              <a:buFont typeface="Arial" panose="020B0604020202020204" pitchFamily="34" charset="0"/>
+              <a:buNone/>
+              <a:defRPr sz="1800" kern="1200">
+                <a:solidFill>
+                  <a:schemeClr val="tx1"/>
+                </a:solidFill>
+                <a:latin typeface="+mn-lt"/>
+                <a:ea typeface="+mn-ea"/>
+                <a:cs typeface="+mn-cs"/>
+              </a:defRPr>
+            </a:lvl3pPr>
+            <a:lvl4pPr marL="1371600" indent="0" algn="ctr" defTabSz="914400" rtl="0" eaLnBrk="1" latinLnBrk="0" hangingPunct="1">
+              <a:lnSpc>
+                <a:spcPct val="90000"/>
+              </a:lnSpc>
+              <a:spcBef>
+                <a:spcPts val="500"/>
+              </a:spcBef>
+              <a:buFont typeface="Arial" panose="020B0604020202020204" pitchFamily="34" charset="0"/>
+              <a:buNone/>
+              <a:defRPr sz="1600" kern="1200">
+                <a:solidFill>
+                  <a:schemeClr val="tx1"/>
+                </a:solidFill>
+                <a:latin typeface="+mn-lt"/>
+                <a:ea typeface="+mn-ea"/>
+                <a:cs typeface="+mn-cs"/>
+              </a:defRPr>
+            </a:lvl4pPr>
+            <a:lvl5pPr marL="1828800" indent="0" algn="ctr" defTabSz="914400" rtl="0" eaLnBrk="1" latinLnBrk="0" hangingPunct="1">
+              <a:lnSpc>
+                <a:spcPct val="90000"/>
+              </a:lnSpc>
+              <a:spcBef>
+                <a:spcPts val="500"/>
+              </a:spcBef>
+              <a:buFont typeface="Arial" panose="020B0604020202020204" pitchFamily="34" charset="0"/>
+              <a:buNone/>
+              <a:defRPr sz="1600" kern="1200">
+                <a:solidFill>
+                  <a:schemeClr val="tx1"/>
+                </a:solidFill>
+                <a:latin typeface="+mn-lt"/>
+                <a:ea typeface="+mn-ea"/>
+                <a:cs typeface="+mn-cs"/>
+              </a:defRPr>
+            </a:lvl5pPr>
+            <a:lvl6pPr marL="2286000" indent="0" algn="ctr" defTabSz="914400" rtl="0" eaLnBrk="1" latinLnBrk="0" hangingPunct="1">
+              <a:lnSpc>
+                <a:spcPct val="90000"/>
+              </a:lnSpc>
+              <a:spcBef>
+                <a:spcPts val="500"/>
+              </a:spcBef>
+              <a:buFont typeface="Arial" panose="020B0604020202020204" pitchFamily="34" charset="0"/>
+              <a:buNone/>
+              <a:defRPr sz="1600" kern="1200">
+                <a:solidFill>
+                  <a:schemeClr val="tx1"/>
+                </a:solidFill>
+                <a:latin typeface="+mn-lt"/>
+                <a:ea typeface="+mn-ea"/>
+                <a:cs typeface="+mn-cs"/>
+              </a:defRPr>
+            </a:lvl6pPr>
+            <a:lvl7pPr marL="2743200" indent="0" algn="ctr" defTabSz="914400" rtl="0" eaLnBrk="1" latinLnBrk="0" hangingPunct="1">
+              <a:lnSpc>
+                <a:spcPct val="90000"/>
+              </a:lnSpc>
+              <a:spcBef>
+                <a:spcPts val="500"/>
+              </a:spcBef>
+              <a:buFont typeface="Arial" panose="020B0604020202020204" pitchFamily="34" charset="0"/>
+              <a:buNone/>
+              <a:defRPr sz="1600" kern="1200">
+                <a:solidFill>
+                  <a:schemeClr val="tx1"/>
+                </a:solidFill>
+                <a:latin typeface="+mn-lt"/>
+                <a:ea typeface="+mn-ea"/>
+                <a:cs typeface="+mn-cs"/>
+              </a:defRPr>
+            </a:lvl7pPr>
+            <a:lvl8pPr marL="3200400" indent="0" algn="ctr" defTabSz="914400" rtl="0" eaLnBrk="1" latinLnBrk="0" hangingPunct="1">
+              <a:lnSpc>
+                <a:spcPct val="90000"/>
+              </a:lnSpc>
+              <a:spcBef>
+                <a:spcPts val="500"/>
+              </a:spcBef>
+              <a:buFont typeface="Arial" panose="020B0604020202020204" pitchFamily="34" charset="0"/>
+              <a:buNone/>
+              <a:defRPr sz="1600" kern="1200">
+                <a:solidFill>
+                  <a:schemeClr val="tx1"/>
+                </a:solidFill>
+                <a:latin typeface="+mn-lt"/>
+                <a:ea typeface="+mn-ea"/>
+                <a:cs typeface="+mn-cs"/>
+              </a:defRPr>
+            </a:lvl8pPr>
+            <a:lvl9pPr marL="3657600" indent="0" algn="ctr" defTabSz="914400" rtl="0" eaLnBrk="1" latinLnBrk="0" hangingPunct="1">
+              <a:lnSpc>
+                <a:spcPct val="90000"/>
+              </a:lnSpc>
+              <a:spcBef>
+                <a:spcPts val="500"/>
+              </a:spcBef>
+              <a:buFont typeface="Arial" panose="020B0604020202020204" pitchFamily="34" charset="0"/>
+              <a:buNone/>
+              <a:defRPr sz="1600" kern="1200">
+                <a:solidFill>
+                  <a:schemeClr val="tx1"/>
+                </a:solidFill>
+                <a:latin typeface="+mn-lt"/>
+                <a:ea typeface="+mn-ea"/>
+                <a:cs typeface="+mn-cs"/>
+              </a:defRPr>
+            </a:lvl9pPr>
+          </a:lstStyle>
+          <a:p>
+            <a:pPr algn="l"/>
+            <a:r>
+              <a:rPr lang="en-US" sz="1800" b="1">
+                <a:sym typeface="Wingdings" pitchFamily="2" charset="2"/>
+              </a:rPr>
+              <a:t>Creating Unbounded Wildcards</a:t>
+            </a:r>
+          </a:p>
+          <a:p>
+            <a:pPr algn="l"/>
+            <a:r>
+              <a:rPr lang="en-US" sz="1800">
+                <a:sym typeface="Wingdings" pitchFamily="2" charset="2"/>
+              </a:rPr>
+              <a:t>- Unbounded wildcards is ... any ...  We use ... ? ... specify that any ...</a:t>
+            </a:r>
+          </a:p>
+          <a:p>
+            <a:pPr algn="l"/>
+            <a:r>
+              <a:rPr lang="en-US" sz="1800">
+                <a:sym typeface="Wingdings" pitchFamily="2" charset="2"/>
+              </a:rPr>
+              <a:t>(code illustration snippet 71)</a:t>
+            </a:r>
+          </a:p>
+          <a:p>
+            <a:pPr algn="l"/>
+            <a:r>
+              <a:rPr lang="en-US" sz="1800">
+                <a:sym typeface="Wingdings" pitchFamily="2" charset="2"/>
+              </a:rPr>
+              <a:t>- Just as same as ...</a:t>
+            </a:r>
+          </a:p>
+          <a:p>
+            <a:pPr algn="l"/>
+            <a:r>
+              <a:rPr lang="en-US" sz="1800">
+                <a:sym typeface="Wingdings" pitchFamily="2" charset="2"/>
+              </a:rPr>
+              <a:t>(code illustration snippet 72)</a:t>
+            </a:r>
+          </a:p>
+          <a:p>
+            <a:pPr algn="l"/>
+            <a:r>
+              <a:rPr lang="en-US" sz="1800">
+                <a:sym typeface="Wingdings" pitchFamily="2" charset="2"/>
+              </a:rPr>
+              <a:t>- The problem is that we need a ... that can ... any ... =&gt; ... is that solution ...</a:t>
+            </a:r>
+          </a:p>
+          <a:p>
+            <a:pPr algn="l"/>
+            <a:r>
+              <a:rPr lang="en-US" sz="1800">
+                <a:sym typeface="Wingdings" pitchFamily="2" charset="2"/>
+              </a:rPr>
+              <a:t>(code illustration snippet 73)</a:t>
+            </a:r>
+          </a:p>
+          <a:p>
+            <a:pPr algn="l"/>
+            <a:r>
+              <a:rPr lang="en-US" sz="1800">
+                <a:sym typeface="Wingdings" pitchFamily="2" charset="2"/>
+              </a:rPr>
+              <a:t>- explain the following code</a:t>
+            </a:r>
+          </a:p>
+          <a:p>
+            <a:pPr algn="l"/>
+            <a:r>
+              <a:rPr lang="en-US" sz="1800">
+                <a:sym typeface="Wingdings" pitchFamily="2" charset="2"/>
+              </a:rPr>
+              <a:t>(code illustration snippet 74)</a:t>
+            </a:r>
+          </a:p>
+        </p:txBody>
+      </p:sp>
+    </p:spTree>
+    <p:extLst>
+      <p:ext uri="{BB962C8B-B14F-4D97-AF65-F5344CB8AC3E}">
+        <p14:creationId xmlns:p14="http://schemas.microsoft.com/office/powerpoint/2010/main" val="2259066727"/>
+      </p:ext>
+    </p:extLst>
+  </p:cSld>
+  <p:clrMapOvr>
+    <a:masterClrMapping/>
+  </p:clrMapOvr>
+  <p:timing>
+    <p:tnLst>
+      <p:par>
+        <p:cTn id="1" dur="indefinite" restart="never" nodeType="tmRoot">
+          <p:childTnLst>
+            <p:seq concurrent="1" nextAc="seek">
+              <p:cTn id="2" dur="indefinite" nodeType="mainSeq">
+                <p:childTnLst>
+                  <p:par>
+                    <p:cTn id="3" fill="hold">
+                      <p:stCondLst>
+                        <p:cond delay="indefinite"/>
+                      </p:stCondLst>
+                      <p:childTnLst>
+                        <p:par>
+                          <p:cTn id="4" fill="hold">
+                            <p:stCondLst>
+                              <p:cond delay="0"/>
+                            </p:stCondLst>
+                            <p:childTnLst>
+                              <p:par>
+                                <p:cTn id="5" presetID="1" presetClass="entr" presetSubtype="0" fill="hold" nodeType="clickEffect">
+                                  <p:stCondLst>
+                                    <p:cond delay="0"/>
+                                  </p:stCondLst>
+                                  <p:childTnLst>
+                                    <p:set>
+                                      <p:cBhvr>
+                                        <p:cTn id="6" dur="1" fill="hold">
+                                          <p:stCondLst>
+                                            <p:cond delay="0"/>
+                                          </p:stCondLst>
+                                        </p:cTn>
+                                        <p:tgtEl>
+                                          <p:spTgt spid="4">
+                                            <p:txEl>
+                                              <p:pRg st="0" end="0"/>
+                                            </p:txEl>
+                                          </p:spTgt>
+                                        </p:tgtEl>
+                                        <p:attrNameLst>
+                                          <p:attrName>style.visibility</p:attrName>
+                                        </p:attrNameLst>
+                                      </p:cBhvr>
+                                      <p:to>
+                                        <p:strVal val="visible"/>
+                                      </p:to>
+                                    </p:set>
+                                  </p:childTnLst>
+                                </p:cTn>
+                              </p:par>
+                            </p:childTnLst>
+                          </p:cTn>
+                        </p:par>
+                      </p:childTnLst>
+                    </p:cTn>
+                  </p:par>
+                  <p:par>
+                    <p:cTn id="7" fill="hold">
+                      <p:stCondLst>
+                        <p:cond delay="indefinite"/>
+                      </p:stCondLst>
+                      <p:childTnLst>
+                        <p:par>
+                          <p:cTn id="8" fill="hold">
+                            <p:stCondLst>
+                              <p:cond delay="0"/>
+                            </p:stCondLst>
+                            <p:childTnLst>
+                              <p:par>
+                                <p:cTn id="9" presetID="1" presetClass="entr" presetSubtype="0" fill="hold" nodeType="clickEffect">
+                                  <p:stCondLst>
+                                    <p:cond delay="0"/>
+                                  </p:stCondLst>
+                                  <p:childTnLst>
+                                    <p:set>
+                                      <p:cBhvr>
+                                        <p:cTn id="10" dur="1" fill="hold">
+                                          <p:stCondLst>
+                                            <p:cond delay="0"/>
+                                          </p:stCondLst>
+                                        </p:cTn>
+                                        <p:tgtEl>
+                                          <p:spTgt spid="4">
+                                            <p:txEl>
+                                              <p:pRg st="1" end="1"/>
+                                            </p:txEl>
+                                          </p:spTgt>
+                                        </p:tgtEl>
+                                        <p:attrNameLst>
+                                          <p:attrName>style.visibility</p:attrName>
+                                        </p:attrNameLst>
+                                      </p:cBhvr>
+                                      <p:to>
+                                        <p:strVal val="visible"/>
+                                      </p:to>
+                                    </p:set>
+                                  </p:childTnLst>
+                                </p:cTn>
+                              </p:par>
+                            </p:childTnLst>
+                          </p:cTn>
+                        </p:par>
+                      </p:childTnLst>
+                    </p:cTn>
+                  </p:par>
+                  <p:par>
+                    <p:cTn id="11" fill="hold">
+                      <p:stCondLst>
+                        <p:cond delay="indefinite"/>
+                      </p:stCondLst>
+                      <p:childTnLst>
+                        <p:par>
+                          <p:cTn id="12" fill="hold">
+                            <p:stCondLst>
+                              <p:cond delay="0"/>
+                            </p:stCondLst>
+                            <p:childTnLst>
+                              <p:par>
+                                <p:cTn id="13" presetID="1" presetClass="entr" presetSubtype="0" fill="hold" nodeType="clickEffect">
+                                  <p:stCondLst>
+                                    <p:cond delay="0"/>
+                                  </p:stCondLst>
+                                  <p:childTnLst>
+                                    <p:set>
+                                      <p:cBhvr>
+                                        <p:cTn id="14" dur="1" fill="hold">
+                                          <p:stCondLst>
+                                            <p:cond delay="0"/>
+                                          </p:stCondLst>
+                                        </p:cTn>
+                                        <p:tgtEl>
+                                          <p:spTgt spid="4">
+                                            <p:txEl>
+                                              <p:pRg st="2" end="2"/>
+                                            </p:txEl>
+                                          </p:spTgt>
+                                        </p:tgtEl>
+                                        <p:attrNameLst>
+                                          <p:attrName>style.visibility</p:attrName>
+                                        </p:attrNameLst>
+                                      </p:cBhvr>
+                                      <p:to>
+                                        <p:strVal val="visible"/>
+                                      </p:to>
+                                    </p:set>
+                                  </p:childTnLst>
+                                </p:cTn>
+                              </p:par>
+                            </p:childTnLst>
+                          </p:cTn>
+                        </p:par>
+                      </p:childTnLst>
+                    </p:cTn>
+                  </p:par>
+                  <p:par>
+                    <p:cTn id="15" fill="hold">
+                      <p:stCondLst>
+                        <p:cond delay="indefinite"/>
+                      </p:stCondLst>
+                      <p:childTnLst>
+                        <p:par>
+                          <p:cTn id="16" fill="hold">
+                            <p:stCondLst>
+                              <p:cond delay="0"/>
+                            </p:stCondLst>
+                            <p:childTnLst>
+                              <p:par>
+                                <p:cTn id="17" presetID="1" presetClass="entr" presetSubtype="0" fill="hold" nodeType="clickEffect">
+                                  <p:stCondLst>
+                                    <p:cond delay="0"/>
+                                  </p:stCondLst>
+                                  <p:childTnLst>
+                                    <p:set>
+                                      <p:cBhvr>
+                                        <p:cTn id="18" dur="1" fill="hold">
+                                          <p:stCondLst>
+                                            <p:cond delay="0"/>
+                                          </p:stCondLst>
+                                        </p:cTn>
+                                        <p:tgtEl>
+                                          <p:spTgt spid="4">
+                                            <p:txEl>
+                                              <p:pRg st="3" end="3"/>
+                                            </p:txEl>
+                                          </p:spTgt>
+                                        </p:tgtEl>
+                                        <p:attrNameLst>
+                                          <p:attrName>style.visibility</p:attrName>
+                                        </p:attrNameLst>
+                                      </p:cBhvr>
+                                      <p:to>
+                                        <p:strVal val="visible"/>
+                                      </p:to>
+                                    </p:set>
+                                  </p:childTnLst>
+                                </p:cTn>
+                              </p:par>
+                            </p:childTnLst>
+                          </p:cTn>
+                        </p:par>
+                      </p:childTnLst>
+                    </p:cTn>
+                  </p:par>
+                  <p:par>
+                    <p:cTn id="19" fill="hold">
+                      <p:stCondLst>
+                        <p:cond delay="indefinite"/>
+                      </p:stCondLst>
+                      <p:childTnLst>
+                        <p:par>
+                          <p:cTn id="20" fill="hold">
+                            <p:stCondLst>
+                              <p:cond delay="0"/>
+                            </p:stCondLst>
+                            <p:childTnLst>
+                              <p:par>
+                                <p:cTn id="21" presetID="1" presetClass="entr" presetSubtype="0" fill="hold" nodeType="clickEffect">
+                                  <p:stCondLst>
+                                    <p:cond delay="0"/>
+                                  </p:stCondLst>
+                                  <p:childTnLst>
+                                    <p:set>
+                                      <p:cBhvr>
+                                        <p:cTn id="22" dur="1" fill="hold">
+                                          <p:stCondLst>
+                                            <p:cond delay="0"/>
+                                          </p:stCondLst>
+                                        </p:cTn>
+                                        <p:tgtEl>
+                                          <p:spTgt spid="4">
+                                            <p:txEl>
+                                              <p:pRg st="4" end="4"/>
+                                            </p:txEl>
+                                          </p:spTgt>
+                                        </p:tgtEl>
+                                        <p:attrNameLst>
+                                          <p:attrName>style.visibility</p:attrName>
+                                        </p:attrNameLst>
+                                      </p:cBhvr>
+                                      <p:to>
+                                        <p:strVal val="visible"/>
+                                      </p:to>
+                                    </p:set>
+                                  </p:childTnLst>
+                                </p:cTn>
+                              </p:par>
+                            </p:childTnLst>
+                          </p:cTn>
+                        </p:par>
+                      </p:childTnLst>
+                    </p:cTn>
+                  </p:par>
+                  <p:par>
+                    <p:cTn id="23" fill="hold">
+                      <p:stCondLst>
+                        <p:cond delay="indefinite"/>
+                      </p:stCondLst>
+                      <p:childTnLst>
+                        <p:par>
+                          <p:cTn id="24" fill="hold">
+                            <p:stCondLst>
+                              <p:cond delay="0"/>
+                            </p:stCondLst>
+                            <p:childTnLst>
+                              <p:par>
+                                <p:cTn id="25" presetID="1" presetClass="entr" presetSubtype="0" fill="hold" nodeType="clickEffect">
+                                  <p:stCondLst>
+                                    <p:cond delay="0"/>
+                                  </p:stCondLst>
+                                  <p:childTnLst>
+                                    <p:set>
+                                      <p:cBhvr>
+                                        <p:cTn id="26" dur="1" fill="hold">
+                                          <p:stCondLst>
+                                            <p:cond delay="0"/>
+                                          </p:stCondLst>
+                                        </p:cTn>
+                                        <p:tgtEl>
+                                          <p:spTgt spid="4">
+                                            <p:txEl>
+                                              <p:pRg st="5" end="5"/>
+                                            </p:txEl>
+                                          </p:spTgt>
+                                        </p:tgtEl>
+                                        <p:attrNameLst>
+                                          <p:attrName>style.visibility</p:attrName>
+                                        </p:attrNameLst>
+                                      </p:cBhvr>
+                                      <p:to>
+                                        <p:strVal val="visible"/>
+                                      </p:to>
+                                    </p:set>
+                                  </p:childTnLst>
+                                </p:cTn>
+                              </p:par>
+                            </p:childTnLst>
+                          </p:cTn>
+                        </p:par>
+                      </p:childTnLst>
+                    </p:cTn>
+                  </p:par>
+                  <p:par>
+                    <p:cTn id="27" fill="hold">
+                      <p:stCondLst>
+                        <p:cond delay="indefinite"/>
+                      </p:stCondLst>
+                      <p:childTnLst>
+                        <p:par>
+                          <p:cTn id="28" fill="hold">
+                            <p:stCondLst>
+                              <p:cond delay="0"/>
+                            </p:stCondLst>
+                            <p:childTnLst>
+                              <p:par>
+                                <p:cTn id="29" presetID="1" presetClass="entr" presetSubtype="0" fill="hold" nodeType="clickEffect">
+                                  <p:stCondLst>
+                                    <p:cond delay="0"/>
+                                  </p:stCondLst>
+                                  <p:childTnLst>
+                                    <p:set>
+                                      <p:cBhvr>
+                                        <p:cTn id="30" dur="1" fill="hold">
+                                          <p:stCondLst>
+                                            <p:cond delay="0"/>
+                                          </p:stCondLst>
+                                        </p:cTn>
+                                        <p:tgtEl>
+                                          <p:spTgt spid="4">
+                                            <p:txEl>
+                                              <p:pRg st="6" end="6"/>
+                                            </p:txEl>
+                                          </p:spTgt>
+                                        </p:tgtEl>
+                                        <p:attrNameLst>
+                                          <p:attrName>style.visibility</p:attrName>
+                                        </p:attrNameLst>
+                                      </p:cBhvr>
+                                      <p:to>
+                                        <p:strVal val="visible"/>
+                                      </p:to>
+                                    </p:set>
+                                  </p:childTnLst>
+                                </p:cTn>
+                              </p:par>
+                            </p:childTnLst>
+                          </p:cTn>
+                        </p:par>
+                      </p:childTnLst>
+                    </p:cTn>
+                  </p:par>
+                  <p:par>
+                    <p:cTn id="31" fill="hold">
+                      <p:stCondLst>
+                        <p:cond delay="indefinite"/>
+                      </p:stCondLst>
+                      <p:childTnLst>
+                        <p:par>
+                          <p:cTn id="32" fill="hold">
+                            <p:stCondLst>
+                              <p:cond delay="0"/>
+                            </p:stCondLst>
+                            <p:childTnLst>
+                              <p:par>
+                                <p:cTn id="33" presetID="1" presetClass="entr" presetSubtype="0" fill="hold" nodeType="clickEffect">
+                                  <p:stCondLst>
+                                    <p:cond delay="0"/>
+                                  </p:stCondLst>
+                                  <p:childTnLst>
+                                    <p:set>
+                                      <p:cBhvr>
+                                        <p:cTn id="34" dur="1" fill="hold">
+                                          <p:stCondLst>
+                                            <p:cond delay="0"/>
+                                          </p:stCondLst>
+                                        </p:cTn>
+                                        <p:tgtEl>
+                                          <p:spTgt spid="4">
+                                            <p:txEl>
+                                              <p:pRg st="7" end="7"/>
+                                            </p:txEl>
+                                          </p:spTgt>
+                                        </p:tgtEl>
+                                        <p:attrNameLst>
+                                          <p:attrName>style.visibility</p:attrName>
+                                        </p:attrNameLst>
+                                      </p:cBhvr>
+                                      <p:to>
+                                        <p:strVal val="visible"/>
+                                      </p:to>
+                                    </p:set>
+                                  </p:childTnLst>
+                                </p:cTn>
+                              </p:par>
+                            </p:childTnLst>
+                          </p:cTn>
+                        </p:par>
+                      </p:childTnLst>
+                    </p:cTn>
+                  </p:par>
+                  <p:par>
+                    <p:cTn id="35" fill="hold">
+                      <p:stCondLst>
+                        <p:cond delay="indefinite"/>
+                      </p:stCondLst>
+                      <p:childTnLst>
+                        <p:par>
+                          <p:cTn id="36" fill="hold">
+                            <p:stCondLst>
+                              <p:cond delay="0"/>
+                            </p:stCondLst>
+                            <p:childTnLst>
+                              <p:par>
+                                <p:cTn id="37" presetID="1" presetClass="entr" presetSubtype="0" fill="hold" nodeType="clickEffect">
+                                  <p:stCondLst>
+                                    <p:cond delay="0"/>
+                                  </p:stCondLst>
+                                  <p:childTnLst>
+                                    <p:set>
+                                      <p:cBhvr>
+                                        <p:cTn id="38" dur="1" fill="hold">
+                                          <p:stCondLst>
+                                            <p:cond delay="0"/>
+                                          </p:stCondLst>
+                                        </p:cTn>
+                                        <p:tgtEl>
+                                          <p:spTgt spid="4">
+                                            <p:txEl>
+                                              <p:pRg st="8" end="8"/>
+                                            </p:txEl>
+                                          </p:spTgt>
+                                        </p:tgtEl>
+                                        <p:attrNameLst>
+                                          <p:attrName>style.visibility</p:attrName>
+                                        </p:attrNameLst>
+                                      </p:cBhvr>
+                                      <p:to>
+                                        <p:strVal val="visible"/>
+                                      </p:to>
+                                    </p:set>
+                                  </p:childTnLst>
+                                </p:cTn>
+                              </p:par>
+                            </p:childTnLst>
+                          </p:cTn>
+                        </p:par>
+                      </p:childTnLst>
+                    </p:cTn>
+                  </p:par>
+                </p:childTnLst>
+              </p:cTn>
+              <p:prevCondLst>
+                <p:cond evt="onPrev" delay="0">
+                  <p:tgtEl>
+                    <p:sldTgt/>
+                  </p:tgtEl>
+                </p:cond>
+              </p:prevCondLst>
+              <p:nextCondLst>
+                <p:cond evt="onNext" delay="0">
+                  <p:tgtEl>
+                    <p:sldTgt/>
+                  </p:tgtEl>
+                </p:cond>
+              </p:nextCondLst>
+            </p:seq>
+          </p:childTnLst>
+        </p:cTn>
+      </p:par>
+    </p:tnLst>
+  </p:timing>
 </p:sld>
 </file>
 
